--- a/Doc/최종발표/초안.pptx
+++ b/Doc/최종발표/초안.pptx
@@ -35,6 +35,7 @@
     <p:sldId id="354" r:id="rId29"/>
     <p:sldId id="355" r:id="rId30"/>
     <p:sldId id="358" r:id="rId31"/>
+    <p:sldId id="359" r:id="rId32"/>
   </p:sldIdLst>
   <p:sldSz cx="12192000" cy="6858000"/>
   <p:notesSz cx="6858000" cy="9144000"/>
@@ -163,7 +164,7 @@
           <p:cNvPr id="2" name="제목 1">
             <a:extLst>
               <a:ext uri="{FF2B5EF4-FFF2-40B4-BE49-F238E27FC236}">
-                <a16:creationId xmlns="" xmlns:a16="http://schemas.microsoft.com/office/drawing/2014/main" id="{DE189C44-CACA-3D80-6904-E7347427BB9C}"/>
+                <a16:creationId xmlns:a16="http://schemas.microsoft.com/office/drawing/2014/main" xmlns="" id="{DE189C44-CACA-3D80-6904-E7347427BB9C}"/>
               </a:ext>
             </a:extLst>
           </p:cNvPr>
@@ -200,7 +201,7 @@
           <p:cNvPr id="3" name="부제목 2">
             <a:extLst>
               <a:ext uri="{FF2B5EF4-FFF2-40B4-BE49-F238E27FC236}">
-                <a16:creationId xmlns="" xmlns:a16="http://schemas.microsoft.com/office/drawing/2014/main" id="{1987E59B-5FA3-6B67-68BA-AFFA4328B884}"/>
+                <a16:creationId xmlns:a16="http://schemas.microsoft.com/office/drawing/2014/main" xmlns="" id="{1987E59B-5FA3-6B67-68BA-AFFA4328B884}"/>
               </a:ext>
             </a:extLst>
           </p:cNvPr>
@@ -270,7 +271,7 @@
           <p:cNvPr id="4" name="날짜 개체 틀 3">
             <a:extLst>
               <a:ext uri="{FF2B5EF4-FFF2-40B4-BE49-F238E27FC236}">
-                <a16:creationId xmlns="" xmlns:a16="http://schemas.microsoft.com/office/drawing/2014/main" id="{0EDB1383-ABDD-D778-2558-8BE20A8D561F}"/>
+                <a16:creationId xmlns:a16="http://schemas.microsoft.com/office/drawing/2014/main" xmlns="" id="{0EDB1383-ABDD-D778-2558-8BE20A8D561F}"/>
               </a:ext>
             </a:extLst>
           </p:cNvPr>
@@ -288,7 +289,7 @@
           <a:p>
             <a:fld id="{4BF4DD58-F10B-47C8-B4E4-57EE29696E08}" type="datetimeFigureOut">
               <a:rPr lang="ko-KR" altLang="en-US" smtClean="0"/>
-              <a:t>2024-04-24</a:t>
+              <a:t>2024-04-25</a:t>
             </a:fld>
             <a:endParaRPr lang="ko-KR" altLang="en-US"/>
           </a:p>
@@ -299,7 +300,7 @@
           <p:cNvPr id="5" name="바닥글 개체 틀 4">
             <a:extLst>
               <a:ext uri="{FF2B5EF4-FFF2-40B4-BE49-F238E27FC236}">
-                <a16:creationId xmlns="" xmlns:a16="http://schemas.microsoft.com/office/drawing/2014/main" id="{A07C33F7-97DD-C131-BB5C-B7A7B785BA4D}"/>
+                <a16:creationId xmlns:a16="http://schemas.microsoft.com/office/drawing/2014/main" xmlns="" id="{A07C33F7-97DD-C131-BB5C-B7A7B785BA4D}"/>
               </a:ext>
             </a:extLst>
           </p:cNvPr>
@@ -324,7 +325,7 @@
           <p:cNvPr id="6" name="슬라이드 번호 개체 틀 5">
             <a:extLst>
               <a:ext uri="{FF2B5EF4-FFF2-40B4-BE49-F238E27FC236}">
-                <a16:creationId xmlns="" xmlns:a16="http://schemas.microsoft.com/office/drawing/2014/main" id="{EABCDDC3-566B-411C-82B4-6EAC03395D85}"/>
+                <a16:creationId xmlns:a16="http://schemas.microsoft.com/office/drawing/2014/main" xmlns="" id="{EABCDDC3-566B-411C-82B4-6EAC03395D85}"/>
               </a:ext>
             </a:extLst>
           </p:cNvPr>
@@ -383,7 +384,7 @@
           <p:cNvPr id="2" name="제목 1">
             <a:extLst>
               <a:ext uri="{FF2B5EF4-FFF2-40B4-BE49-F238E27FC236}">
-                <a16:creationId xmlns="" xmlns:a16="http://schemas.microsoft.com/office/drawing/2014/main" id="{E8F0DCDA-4866-2366-4AEB-115F375ADE9D}"/>
+                <a16:creationId xmlns:a16="http://schemas.microsoft.com/office/drawing/2014/main" xmlns="" id="{E8F0DCDA-4866-2366-4AEB-115F375ADE9D}"/>
               </a:ext>
             </a:extLst>
           </p:cNvPr>
@@ -411,7 +412,7 @@
           <p:cNvPr id="3" name="세로 텍스트 개체 틀 2">
             <a:extLst>
               <a:ext uri="{FF2B5EF4-FFF2-40B4-BE49-F238E27FC236}">
-                <a16:creationId xmlns="" xmlns:a16="http://schemas.microsoft.com/office/drawing/2014/main" id="{E31EDDED-F231-D3D9-F84B-E183D6937E57}"/>
+                <a16:creationId xmlns:a16="http://schemas.microsoft.com/office/drawing/2014/main" xmlns="" id="{E31EDDED-F231-D3D9-F84B-E183D6937E57}"/>
               </a:ext>
             </a:extLst>
           </p:cNvPr>
@@ -468,7 +469,7 @@
           <p:cNvPr id="4" name="날짜 개체 틀 3">
             <a:extLst>
               <a:ext uri="{FF2B5EF4-FFF2-40B4-BE49-F238E27FC236}">
-                <a16:creationId xmlns="" xmlns:a16="http://schemas.microsoft.com/office/drawing/2014/main" id="{E10C3A87-D57E-6DFC-A500-BF4423C90D7B}"/>
+                <a16:creationId xmlns:a16="http://schemas.microsoft.com/office/drawing/2014/main" xmlns="" id="{E10C3A87-D57E-6DFC-A500-BF4423C90D7B}"/>
               </a:ext>
             </a:extLst>
           </p:cNvPr>
@@ -486,7 +487,7 @@
           <a:p>
             <a:fld id="{4BF4DD58-F10B-47C8-B4E4-57EE29696E08}" type="datetimeFigureOut">
               <a:rPr lang="ko-KR" altLang="en-US" smtClean="0"/>
-              <a:t>2024-04-24</a:t>
+              <a:t>2024-04-25</a:t>
             </a:fld>
             <a:endParaRPr lang="ko-KR" altLang="en-US"/>
           </a:p>
@@ -497,7 +498,7 @@
           <p:cNvPr id="5" name="바닥글 개체 틀 4">
             <a:extLst>
               <a:ext uri="{FF2B5EF4-FFF2-40B4-BE49-F238E27FC236}">
-                <a16:creationId xmlns="" xmlns:a16="http://schemas.microsoft.com/office/drawing/2014/main" id="{6361917A-04B4-38F2-1BC5-384E7EF3BB05}"/>
+                <a16:creationId xmlns:a16="http://schemas.microsoft.com/office/drawing/2014/main" xmlns="" id="{6361917A-04B4-38F2-1BC5-384E7EF3BB05}"/>
               </a:ext>
             </a:extLst>
           </p:cNvPr>
@@ -522,7 +523,7 @@
           <p:cNvPr id="6" name="슬라이드 번호 개체 틀 5">
             <a:extLst>
               <a:ext uri="{FF2B5EF4-FFF2-40B4-BE49-F238E27FC236}">
-                <a16:creationId xmlns="" xmlns:a16="http://schemas.microsoft.com/office/drawing/2014/main" id="{CA121516-B57E-D5FF-C134-FF2893061093}"/>
+                <a16:creationId xmlns:a16="http://schemas.microsoft.com/office/drawing/2014/main" xmlns="" id="{CA121516-B57E-D5FF-C134-FF2893061093}"/>
               </a:ext>
             </a:extLst>
           </p:cNvPr>
@@ -581,7 +582,7 @@
           <p:cNvPr id="2" name="세로 제목 1">
             <a:extLst>
               <a:ext uri="{FF2B5EF4-FFF2-40B4-BE49-F238E27FC236}">
-                <a16:creationId xmlns="" xmlns:a16="http://schemas.microsoft.com/office/drawing/2014/main" id="{0D9BFE26-BC3D-05F4-E78A-A8A81A01C8BB}"/>
+                <a16:creationId xmlns:a16="http://schemas.microsoft.com/office/drawing/2014/main" xmlns="" id="{0D9BFE26-BC3D-05F4-E78A-A8A81A01C8BB}"/>
               </a:ext>
             </a:extLst>
           </p:cNvPr>
@@ -614,7 +615,7 @@
           <p:cNvPr id="3" name="세로 텍스트 개체 틀 2">
             <a:extLst>
               <a:ext uri="{FF2B5EF4-FFF2-40B4-BE49-F238E27FC236}">
-                <a16:creationId xmlns="" xmlns:a16="http://schemas.microsoft.com/office/drawing/2014/main" id="{5F9AEEE7-7430-246B-467C-03C0630DBA0D}"/>
+                <a16:creationId xmlns:a16="http://schemas.microsoft.com/office/drawing/2014/main" xmlns="" id="{5F9AEEE7-7430-246B-467C-03C0630DBA0D}"/>
               </a:ext>
             </a:extLst>
           </p:cNvPr>
@@ -676,7 +677,7 @@
           <p:cNvPr id="4" name="날짜 개체 틀 3">
             <a:extLst>
               <a:ext uri="{FF2B5EF4-FFF2-40B4-BE49-F238E27FC236}">
-                <a16:creationId xmlns="" xmlns:a16="http://schemas.microsoft.com/office/drawing/2014/main" id="{B5707FC3-C1CA-FCF1-EE4D-0CA0412BC033}"/>
+                <a16:creationId xmlns:a16="http://schemas.microsoft.com/office/drawing/2014/main" xmlns="" id="{B5707FC3-C1CA-FCF1-EE4D-0CA0412BC033}"/>
               </a:ext>
             </a:extLst>
           </p:cNvPr>
@@ -694,7 +695,7 @@
           <a:p>
             <a:fld id="{4BF4DD58-F10B-47C8-B4E4-57EE29696E08}" type="datetimeFigureOut">
               <a:rPr lang="ko-KR" altLang="en-US" smtClean="0"/>
-              <a:t>2024-04-24</a:t>
+              <a:t>2024-04-25</a:t>
             </a:fld>
             <a:endParaRPr lang="ko-KR" altLang="en-US"/>
           </a:p>
@@ -705,7 +706,7 @@
           <p:cNvPr id="5" name="바닥글 개체 틀 4">
             <a:extLst>
               <a:ext uri="{FF2B5EF4-FFF2-40B4-BE49-F238E27FC236}">
-                <a16:creationId xmlns="" xmlns:a16="http://schemas.microsoft.com/office/drawing/2014/main" id="{AD858E4A-52C1-1FE4-59EB-593DC0C31D56}"/>
+                <a16:creationId xmlns:a16="http://schemas.microsoft.com/office/drawing/2014/main" xmlns="" id="{AD858E4A-52C1-1FE4-59EB-593DC0C31D56}"/>
               </a:ext>
             </a:extLst>
           </p:cNvPr>
@@ -730,7 +731,7 @@
           <p:cNvPr id="6" name="슬라이드 번호 개체 틀 5">
             <a:extLst>
               <a:ext uri="{FF2B5EF4-FFF2-40B4-BE49-F238E27FC236}">
-                <a16:creationId xmlns="" xmlns:a16="http://schemas.microsoft.com/office/drawing/2014/main" id="{64CBEAD5-56B0-6AD5-9753-06AC646FF00D}"/>
+                <a16:creationId xmlns:a16="http://schemas.microsoft.com/office/drawing/2014/main" xmlns="" id="{64CBEAD5-56B0-6AD5-9753-06AC646FF00D}"/>
               </a:ext>
             </a:extLst>
           </p:cNvPr>
@@ -789,7 +790,7 @@
           <p:cNvPr id="2" name="제목 1">
             <a:extLst>
               <a:ext uri="{FF2B5EF4-FFF2-40B4-BE49-F238E27FC236}">
-                <a16:creationId xmlns="" xmlns:a16="http://schemas.microsoft.com/office/drawing/2014/main" id="{13767168-43BA-CC4E-529E-905C771C7BCA}"/>
+                <a16:creationId xmlns:a16="http://schemas.microsoft.com/office/drawing/2014/main" xmlns="" id="{13767168-43BA-CC4E-529E-905C771C7BCA}"/>
               </a:ext>
             </a:extLst>
           </p:cNvPr>
@@ -817,7 +818,7 @@
           <p:cNvPr id="3" name="내용 개체 틀 2">
             <a:extLst>
               <a:ext uri="{FF2B5EF4-FFF2-40B4-BE49-F238E27FC236}">
-                <a16:creationId xmlns="" xmlns:a16="http://schemas.microsoft.com/office/drawing/2014/main" id="{8452392A-FBD5-A0FF-30D5-FD1A56B0FF2B}"/>
+                <a16:creationId xmlns:a16="http://schemas.microsoft.com/office/drawing/2014/main" xmlns="" id="{8452392A-FBD5-A0FF-30D5-FD1A56B0FF2B}"/>
               </a:ext>
             </a:extLst>
           </p:cNvPr>
@@ -874,7 +875,7 @@
           <p:cNvPr id="4" name="날짜 개체 틀 3">
             <a:extLst>
               <a:ext uri="{FF2B5EF4-FFF2-40B4-BE49-F238E27FC236}">
-                <a16:creationId xmlns="" xmlns:a16="http://schemas.microsoft.com/office/drawing/2014/main" id="{EE577586-B346-F90C-FD9B-9E463221F0B3}"/>
+                <a16:creationId xmlns:a16="http://schemas.microsoft.com/office/drawing/2014/main" xmlns="" id="{EE577586-B346-F90C-FD9B-9E463221F0B3}"/>
               </a:ext>
             </a:extLst>
           </p:cNvPr>
@@ -892,7 +893,7 @@
           <a:p>
             <a:fld id="{4BF4DD58-F10B-47C8-B4E4-57EE29696E08}" type="datetimeFigureOut">
               <a:rPr lang="ko-KR" altLang="en-US" smtClean="0"/>
-              <a:t>2024-04-24</a:t>
+              <a:t>2024-04-25</a:t>
             </a:fld>
             <a:endParaRPr lang="ko-KR" altLang="en-US"/>
           </a:p>
@@ -903,7 +904,7 @@
           <p:cNvPr id="5" name="바닥글 개체 틀 4">
             <a:extLst>
               <a:ext uri="{FF2B5EF4-FFF2-40B4-BE49-F238E27FC236}">
-                <a16:creationId xmlns="" xmlns:a16="http://schemas.microsoft.com/office/drawing/2014/main" id="{B3F79E16-BB57-2C73-E75D-0D5E2939D48D}"/>
+                <a16:creationId xmlns:a16="http://schemas.microsoft.com/office/drawing/2014/main" xmlns="" id="{B3F79E16-BB57-2C73-E75D-0D5E2939D48D}"/>
               </a:ext>
             </a:extLst>
           </p:cNvPr>
@@ -928,7 +929,7 @@
           <p:cNvPr id="6" name="슬라이드 번호 개체 틀 5">
             <a:extLst>
               <a:ext uri="{FF2B5EF4-FFF2-40B4-BE49-F238E27FC236}">
-                <a16:creationId xmlns="" xmlns:a16="http://schemas.microsoft.com/office/drawing/2014/main" id="{A7B1BDA6-9700-F1E4-837E-99FFF3C87E01}"/>
+                <a16:creationId xmlns:a16="http://schemas.microsoft.com/office/drawing/2014/main" xmlns="" id="{A7B1BDA6-9700-F1E4-837E-99FFF3C87E01}"/>
               </a:ext>
             </a:extLst>
           </p:cNvPr>
@@ -994,7 +995,7 @@
           <p:cNvPr id="2" name="제목 1">
             <a:extLst>
               <a:ext uri="{FF2B5EF4-FFF2-40B4-BE49-F238E27FC236}">
-                <a16:creationId xmlns="" xmlns:a16="http://schemas.microsoft.com/office/drawing/2014/main" id="{12EE473D-E992-F81B-0814-D1C7117CCDF7}"/>
+                <a16:creationId xmlns:a16="http://schemas.microsoft.com/office/drawing/2014/main" xmlns="" id="{12EE473D-E992-F81B-0814-D1C7117CCDF7}"/>
               </a:ext>
             </a:extLst>
           </p:cNvPr>
@@ -1031,7 +1032,7 @@
           <p:cNvPr id="3" name="텍스트 개체 틀 2">
             <a:extLst>
               <a:ext uri="{FF2B5EF4-FFF2-40B4-BE49-F238E27FC236}">
-                <a16:creationId xmlns="" xmlns:a16="http://schemas.microsoft.com/office/drawing/2014/main" id="{CF430EBB-08FF-3442-5DE3-7BC02CD90049}"/>
+                <a16:creationId xmlns:a16="http://schemas.microsoft.com/office/drawing/2014/main" xmlns="" id="{CF430EBB-08FF-3442-5DE3-7BC02CD90049}"/>
               </a:ext>
             </a:extLst>
           </p:cNvPr>
@@ -1156,7 +1157,7 @@
           <p:cNvPr id="4" name="날짜 개체 틀 3">
             <a:extLst>
               <a:ext uri="{FF2B5EF4-FFF2-40B4-BE49-F238E27FC236}">
-                <a16:creationId xmlns="" xmlns:a16="http://schemas.microsoft.com/office/drawing/2014/main" id="{3184FAB3-CC15-F1FF-C1A7-EC5E3FB852FE}"/>
+                <a16:creationId xmlns:a16="http://schemas.microsoft.com/office/drawing/2014/main" xmlns="" id="{3184FAB3-CC15-F1FF-C1A7-EC5E3FB852FE}"/>
               </a:ext>
             </a:extLst>
           </p:cNvPr>
@@ -1174,7 +1175,7 @@
           <a:p>
             <a:fld id="{4BF4DD58-F10B-47C8-B4E4-57EE29696E08}" type="datetimeFigureOut">
               <a:rPr lang="ko-KR" altLang="en-US" smtClean="0"/>
-              <a:t>2024-04-24</a:t>
+              <a:t>2024-04-25</a:t>
             </a:fld>
             <a:endParaRPr lang="ko-KR" altLang="en-US"/>
           </a:p>
@@ -1185,7 +1186,7 @@
           <p:cNvPr id="5" name="바닥글 개체 틀 4">
             <a:extLst>
               <a:ext uri="{FF2B5EF4-FFF2-40B4-BE49-F238E27FC236}">
-                <a16:creationId xmlns="" xmlns:a16="http://schemas.microsoft.com/office/drawing/2014/main" id="{C130F852-E00D-4FFC-50B0-8609F821B048}"/>
+                <a16:creationId xmlns:a16="http://schemas.microsoft.com/office/drawing/2014/main" xmlns="" id="{C130F852-E00D-4FFC-50B0-8609F821B048}"/>
               </a:ext>
             </a:extLst>
           </p:cNvPr>
@@ -1210,7 +1211,7 @@
           <p:cNvPr id="6" name="슬라이드 번호 개체 틀 5">
             <a:extLst>
               <a:ext uri="{FF2B5EF4-FFF2-40B4-BE49-F238E27FC236}">
-                <a16:creationId xmlns="" xmlns:a16="http://schemas.microsoft.com/office/drawing/2014/main" id="{B34D0A74-DB8F-3CBB-937A-EBA2573015C1}"/>
+                <a16:creationId xmlns:a16="http://schemas.microsoft.com/office/drawing/2014/main" xmlns="" id="{B34D0A74-DB8F-3CBB-937A-EBA2573015C1}"/>
               </a:ext>
             </a:extLst>
           </p:cNvPr>
@@ -1269,7 +1270,7 @@
           <p:cNvPr id="2" name="제목 1">
             <a:extLst>
               <a:ext uri="{FF2B5EF4-FFF2-40B4-BE49-F238E27FC236}">
-                <a16:creationId xmlns="" xmlns:a16="http://schemas.microsoft.com/office/drawing/2014/main" id="{06554B81-791F-82BC-4861-13194872DDD5}"/>
+                <a16:creationId xmlns:a16="http://schemas.microsoft.com/office/drawing/2014/main" xmlns="" id="{06554B81-791F-82BC-4861-13194872DDD5}"/>
               </a:ext>
             </a:extLst>
           </p:cNvPr>
@@ -1297,7 +1298,7 @@
           <p:cNvPr id="3" name="내용 개체 틀 2">
             <a:extLst>
               <a:ext uri="{FF2B5EF4-FFF2-40B4-BE49-F238E27FC236}">
-                <a16:creationId xmlns="" xmlns:a16="http://schemas.microsoft.com/office/drawing/2014/main" id="{9DDE2326-5B1B-E9CC-40F3-D429BACCCC45}"/>
+                <a16:creationId xmlns:a16="http://schemas.microsoft.com/office/drawing/2014/main" xmlns="" id="{9DDE2326-5B1B-E9CC-40F3-D429BACCCC45}"/>
               </a:ext>
             </a:extLst>
           </p:cNvPr>
@@ -1359,7 +1360,7 @@
           <p:cNvPr id="4" name="내용 개체 틀 3">
             <a:extLst>
               <a:ext uri="{FF2B5EF4-FFF2-40B4-BE49-F238E27FC236}">
-                <a16:creationId xmlns="" xmlns:a16="http://schemas.microsoft.com/office/drawing/2014/main" id="{F2435FDA-0198-A8EF-E176-5B8390D45B0E}"/>
+                <a16:creationId xmlns:a16="http://schemas.microsoft.com/office/drawing/2014/main" xmlns="" id="{F2435FDA-0198-A8EF-E176-5B8390D45B0E}"/>
               </a:ext>
             </a:extLst>
           </p:cNvPr>
@@ -1421,7 +1422,7 @@
           <p:cNvPr id="5" name="날짜 개체 틀 4">
             <a:extLst>
               <a:ext uri="{FF2B5EF4-FFF2-40B4-BE49-F238E27FC236}">
-                <a16:creationId xmlns="" xmlns:a16="http://schemas.microsoft.com/office/drawing/2014/main" id="{03D047C5-C662-2C52-70DF-BDD464875459}"/>
+                <a16:creationId xmlns:a16="http://schemas.microsoft.com/office/drawing/2014/main" xmlns="" id="{03D047C5-C662-2C52-70DF-BDD464875459}"/>
               </a:ext>
             </a:extLst>
           </p:cNvPr>
@@ -1439,7 +1440,7 @@
           <a:p>
             <a:fld id="{4BF4DD58-F10B-47C8-B4E4-57EE29696E08}" type="datetimeFigureOut">
               <a:rPr lang="ko-KR" altLang="en-US" smtClean="0"/>
-              <a:t>2024-04-24</a:t>
+              <a:t>2024-04-25</a:t>
             </a:fld>
             <a:endParaRPr lang="ko-KR" altLang="en-US"/>
           </a:p>
@@ -1450,7 +1451,7 @@
           <p:cNvPr id="6" name="바닥글 개체 틀 5">
             <a:extLst>
               <a:ext uri="{FF2B5EF4-FFF2-40B4-BE49-F238E27FC236}">
-                <a16:creationId xmlns="" xmlns:a16="http://schemas.microsoft.com/office/drawing/2014/main" id="{99999B55-BB73-F80A-708A-A1E969A5E591}"/>
+                <a16:creationId xmlns:a16="http://schemas.microsoft.com/office/drawing/2014/main" xmlns="" id="{99999B55-BB73-F80A-708A-A1E969A5E591}"/>
               </a:ext>
             </a:extLst>
           </p:cNvPr>
@@ -1475,7 +1476,7 @@
           <p:cNvPr id="7" name="슬라이드 번호 개체 틀 6">
             <a:extLst>
               <a:ext uri="{FF2B5EF4-FFF2-40B4-BE49-F238E27FC236}">
-                <a16:creationId xmlns="" xmlns:a16="http://schemas.microsoft.com/office/drawing/2014/main" id="{AE5B462C-25B6-6710-F326-884ECBD3BF05}"/>
+                <a16:creationId xmlns:a16="http://schemas.microsoft.com/office/drawing/2014/main" xmlns="" id="{AE5B462C-25B6-6710-F326-884ECBD3BF05}"/>
               </a:ext>
             </a:extLst>
           </p:cNvPr>
@@ -1534,7 +1535,7 @@
           <p:cNvPr id="2" name="제목 1">
             <a:extLst>
               <a:ext uri="{FF2B5EF4-FFF2-40B4-BE49-F238E27FC236}">
-                <a16:creationId xmlns="" xmlns:a16="http://schemas.microsoft.com/office/drawing/2014/main" id="{5FB5F2D9-DD21-88D7-01D5-83ED6E83C62F}"/>
+                <a16:creationId xmlns:a16="http://schemas.microsoft.com/office/drawing/2014/main" xmlns="" id="{5FB5F2D9-DD21-88D7-01D5-83ED6E83C62F}"/>
               </a:ext>
             </a:extLst>
           </p:cNvPr>
@@ -1567,7 +1568,7 @@
           <p:cNvPr id="3" name="텍스트 개체 틀 2">
             <a:extLst>
               <a:ext uri="{FF2B5EF4-FFF2-40B4-BE49-F238E27FC236}">
-                <a16:creationId xmlns="" xmlns:a16="http://schemas.microsoft.com/office/drawing/2014/main" id="{E4F215B7-ECA4-B0FE-4CFC-1F48458F7332}"/>
+                <a16:creationId xmlns:a16="http://schemas.microsoft.com/office/drawing/2014/main" xmlns="" id="{E4F215B7-ECA4-B0FE-4CFC-1F48458F7332}"/>
               </a:ext>
             </a:extLst>
           </p:cNvPr>
@@ -1638,7 +1639,7 @@
           <p:cNvPr id="4" name="내용 개체 틀 3">
             <a:extLst>
               <a:ext uri="{FF2B5EF4-FFF2-40B4-BE49-F238E27FC236}">
-                <a16:creationId xmlns="" xmlns:a16="http://schemas.microsoft.com/office/drawing/2014/main" id="{6A027223-F66D-3079-D670-93DAFA6FBF0E}"/>
+                <a16:creationId xmlns:a16="http://schemas.microsoft.com/office/drawing/2014/main" xmlns="" id="{6A027223-F66D-3079-D670-93DAFA6FBF0E}"/>
               </a:ext>
             </a:extLst>
           </p:cNvPr>
@@ -1700,7 +1701,7 @@
           <p:cNvPr id="5" name="텍스트 개체 틀 4">
             <a:extLst>
               <a:ext uri="{FF2B5EF4-FFF2-40B4-BE49-F238E27FC236}">
-                <a16:creationId xmlns="" xmlns:a16="http://schemas.microsoft.com/office/drawing/2014/main" id="{CB319D2B-B577-6D42-FD0A-8C9991C5A888}"/>
+                <a16:creationId xmlns:a16="http://schemas.microsoft.com/office/drawing/2014/main" xmlns="" id="{CB319D2B-B577-6D42-FD0A-8C9991C5A888}"/>
               </a:ext>
             </a:extLst>
           </p:cNvPr>
@@ -1771,7 +1772,7 @@
           <p:cNvPr id="6" name="내용 개체 틀 5">
             <a:extLst>
               <a:ext uri="{FF2B5EF4-FFF2-40B4-BE49-F238E27FC236}">
-                <a16:creationId xmlns="" xmlns:a16="http://schemas.microsoft.com/office/drawing/2014/main" id="{8931CC39-59D4-CC65-B0DD-6F643A4D7CD8}"/>
+                <a16:creationId xmlns:a16="http://schemas.microsoft.com/office/drawing/2014/main" xmlns="" id="{8931CC39-59D4-CC65-B0DD-6F643A4D7CD8}"/>
               </a:ext>
             </a:extLst>
           </p:cNvPr>
@@ -1833,7 +1834,7 @@
           <p:cNvPr id="7" name="날짜 개체 틀 6">
             <a:extLst>
               <a:ext uri="{FF2B5EF4-FFF2-40B4-BE49-F238E27FC236}">
-                <a16:creationId xmlns="" xmlns:a16="http://schemas.microsoft.com/office/drawing/2014/main" id="{645F053A-AE59-55C5-1B46-CDF2C29CD9B9}"/>
+                <a16:creationId xmlns:a16="http://schemas.microsoft.com/office/drawing/2014/main" xmlns="" id="{645F053A-AE59-55C5-1B46-CDF2C29CD9B9}"/>
               </a:ext>
             </a:extLst>
           </p:cNvPr>
@@ -1851,7 +1852,7 @@
           <a:p>
             <a:fld id="{4BF4DD58-F10B-47C8-B4E4-57EE29696E08}" type="datetimeFigureOut">
               <a:rPr lang="ko-KR" altLang="en-US" smtClean="0"/>
-              <a:t>2024-04-24</a:t>
+              <a:t>2024-04-25</a:t>
             </a:fld>
             <a:endParaRPr lang="ko-KR" altLang="en-US"/>
           </a:p>
@@ -1862,7 +1863,7 @@
           <p:cNvPr id="8" name="바닥글 개체 틀 7">
             <a:extLst>
               <a:ext uri="{FF2B5EF4-FFF2-40B4-BE49-F238E27FC236}">
-                <a16:creationId xmlns="" xmlns:a16="http://schemas.microsoft.com/office/drawing/2014/main" id="{8CCBD85C-6F22-398B-A275-D6208CBB67BC}"/>
+                <a16:creationId xmlns:a16="http://schemas.microsoft.com/office/drawing/2014/main" xmlns="" id="{8CCBD85C-6F22-398B-A275-D6208CBB67BC}"/>
               </a:ext>
             </a:extLst>
           </p:cNvPr>
@@ -1887,7 +1888,7 @@
           <p:cNvPr id="9" name="슬라이드 번호 개체 틀 8">
             <a:extLst>
               <a:ext uri="{FF2B5EF4-FFF2-40B4-BE49-F238E27FC236}">
-                <a16:creationId xmlns="" xmlns:a16="http://schemas.microsoft.com/office/drawing/2014/main" id="{D1D9D5B2-4593-7F19-6913-68831AC54D3B}"/>
+                <a16:creationId xmlns:a16="http://schemas.microsoft.com/office/drawing/2014/main" xmlns="" id="{D1D9D5B2-4593-7F19-6913-68831AC54D3B}"/>
               </a:ext>
             </a:extLst>
           </p:cNvPr>
@@ -1946,7 +1947,7 @@
           <p:cNvPr id="2" name="제목 1">
             <a:extLst>
               <a:ext uri="{FF2B5EF4-FFF2-40B4-BE49-F238E27FC236}">
-                <a16:creationId xmlns="" xmlns:a16="http://schemas.microsoft.com/office/drawing/2014/main" id="{9071CE86-1864-2B49-A2A7-53BB5392872E}"/>
+                <a16:creationId xmlns:a16="http://schemas.microsoft.com/office/drawing/2014/main" xmlns="" id="{9071CE86-1864-2B49-A2A7-53BB5392872E}"/>
               </a:ext>
             </a:extLst>
           </p:cNvPr>
@@ -1974,7 +1975,7 @@
           <p:cNvPr id="3" name="날짜 개체 틀 2">
             <a:extLst>
               <a:ext uri="{FF2B5EF4-FFF2-40B4-BE49-F238E27FC236}">
-                <a16:creationId xmlns="" xmlns:a16="http://schemas.microsoft.com/office/drawing/2014/main" id="{C52CA2B1-E288-A7B1-8EBA-2610044C93C4}"/>
+                <a16:creationId xmlns:a16="http://schemas.microsoft.com/office/drawing/2014/main" xmlns="" id="{C52CA2B1-E288-A7B1-8EBA-2610044C93C4}"/>
               </a:ext>
             </a:extLst>
           </p:cNvPr>
@@ -1992,7 +1993,7 @@
           <a:p>
             <a:fld id="{4BF4DD58-F10B-47C8-B4E4-57EE29696E08}" type="datetimeFigureOut">
               <a:rPr lang="ko-KR" altLang="en-US" smtClean="0"/>
-              <a:t>2024-04-24</a:t>
+              <a:t>2024-04-25</a:t>
             </a:fld>
             <a:endParaRPr lang="ko-KR" altLang="en-US"/>
           </a:p>
@@ -2003,7 +2004,7 @@
           <p:cNvPr id="4" name="바닥글 개체 틀 3">
             <a:extLst>
               <a:ext uri="{FF2B5EF4-FFF2-40B4-BE49-F238E27FC236}">
-                <a16:creationId xmlns="" xmlns:a16="http://schemas.microsoft.com/office/drawing/2014/main" id="{7C3BA640-DF24-43DE-1D87-52D08C868846}"/>
+                <a16:creationId xmlns:a16="http://schemas.microsoft.com/office/drawing/2014/main" xmlns="" id="{7C3BA640-DF24-43DE-1D87-52D08C868846}"/>
               </a:ext>
             </a:extLst>
           </p:cNvPr>
@@ -2028,7 +2029,7 @@
           <p:cNvPr id="5" name="슬라이드 번호 개체 틀 4">
             <a:extLst>
               <a:ext uri="{FF2B5EF4-FFF2-40B4-BE49-F238E27FC236}">
-                <a16:creationId xmlns="" xmlns:a16="http://schemas.microsoft.com/office/drawing/2014/main" id="{364628BB-7B76-8B84-B602-657AA975B08E}"/>
+                <a16:creationId xmlns:a16="http://schemas.microsoft.com/office/drawing/2014/main" xmlns="" id="{364628BB-7B76-8B84-B602-657AA975B08E}"/>
               </a:ext>
             </a:extLst>
           </p:cNvPr>
@@ -2087,7 +2088,7 @@
           <p:cNvPr id="2" name="날짜 개체 틀 1">
             <a:extLst>
               <a:ext uri="{FF2B5EF4-FFF2-40B4-BE49-F238E27FC236}">
-                <a16:creationId xmlns="" xmlns:a16="http://schemas.microsoft.com/office/drawing/2014/main" id="{4E0ADBB5-51F6-9745-4AF3-AEA43E2DD040}"/>
+                <a16:creationId xmlns:a16="http://schemas.microsoft.com/office/drawing/2014/main" xmlns="" id="{4E0ADBB5-51F6-9745-4AF3-AEA43E2DD040}"/>
               </a:ext>
             </a:extLst>
           </p:cNvPr>
@@ -2105,7 +2106,7 @@
           <a:p>
             <a:fld id="{4BF4DD58-F10B-47C8-B4E4-57EE29696E08}" type="datetimeFigureOut">
               <a:rPr lang="ko-KR" altLang="en-US" smtClean="0"/>
-              <a:t>2024-04-24</a:t>
+              <a:t>2024-04-25</a:t>
             </a:fld>
             <a:endParaRPr lang="ko-KR" altLang="en-US"/>
           </a:p>
@@ -2116,7 +2117,7 @@
           <p:cNvPr id="3" name="바닥글 개체 틀 2">
             <a:extLst>
               <a:ext uri="{FF2B5EF4-FFF2-40B4-BE49-F238E27FC236}">
-                <a16:creationId xmlns="" xmlns:a16="http://schemas.microsoft.com/office/drawing/2014/main" id="{46689A21-5EA5-5A9C-A2D9-281D3662013E}"/>
+                <a16:creationId xmlns:a16="http://schemas.microsoft.com/office/drawing/2014/main" xmlns="" id="{46689A21-5EA5-5A9C-A2D9-281D3662013E}"/>
               </a:ext>
             </a:extLst>
           </p:cNvPr>
@@ -2141,7 +2142,7 @@
           <p:cNvPr id="4" name="슬라이드 번호 개체 틀 3">
             <a:extLst>
               <a:ext uri="{FF2B5EF4-FFF2-40B4-BE49-F238E27FC236}">
-                <a16:creationId xmlns="" xmlns:a16="http://schemas.microsoft.com/office/drawing/2014/main" id="{D36E2501-7577-40AE-9834-391D38CF8F84}"/>
+                <a16:creationId xmlns:a16="http://schemas.microsoft.com/office/drawing/2014/main" xmlns="" id="{D36E2501-7577-40AE-9834-391D38CF8F84}"/>
               </a:ext>
             </a:extLst>
           </p:cNvPr>
@@ -2200,7 +2201,7 @@
           <p:cNvPr id="2" name="제목 1">
             <a:extLst>
               <a:ext uri="{FF2B5EF4-FFF2-40B4-BE49-F238E27FC236}">
-                <a16:creationId xmlns="" xmlns:a16="http://schemas.microsoft.com/office/drawing/2014/main" id="{25496A6D-137D-F687-DEEC-C090D86DB888}"/>
+                <a16:creationId xmlns:a16="http://schemas.microsoft.com/office/drawing/2014/main" xmlns="" id="{25496A6D-137D-F687-DEEC-C090D86DB888}"/>
               </a:ext>
             </a:extLst>
           </p:cNvPr>
@@ -2237,7 +2238,7 @@
           <p:cNvPr id="3" name="내용 개체 틀 2">
             <a:extLst>
               <a:ext uri="{FF2B5EF4-FFF2-40B4-BE49-F238E27FC236}">
-                <a16:creationId xmlns="" xmlns:a16="http://schemas.microsoft.com/office/drawing/2014/main" id="{3FD0D4E3-E228-768B-F457-5ADF0ABF801E}"/>
+                <a16:creationId xmlns:a16="http://schemas.microsoft.com/office/drawing/2014/main" xmlns="" id="{3FD0D4E3-E228-768B-F457-5ADF0ABF801E}"/>
               </a:ext>
             </a:extLst>
           </p:cNvPr>
@@ -2327,7 +2328,7 @@
           <p:cNvPr id="4" name="텍스트 개체 틀 3">
             <a:extLst>
               <a:ext uri="{FF2B5EF4-FFF2-40B4-BE49-F238E27FC236}">
-                <a16:creationId xmlns="" xmlns:a16="http://schemas.microsoft.com/office/drawing/2014/main" id="{2ABF6550-25CC-4BC4-FF1E-A0EC04FF027C}"/>
+                <a16:creationId xmlns:a16="http://schemas.microsoft.com/office/drawing/2014/main" xmlns="" id="{2ABF6550-25CC-4BC4-FF1E-A0EC04FF027C}"/>
               </a:ext>
             </a:extLst>
           </p:cNvPr>
@@ -2398,7 +2399,7 @@
           <p:cNvPr id="5" name="날짜 개체 틀 4">
             <a:extLst>
               <a:ext uri="{FF2B5EF4-FFF2-40B4-BE49-F238E27FC236}">
-                <a16:creationId xmlns="" xmlns:a16="http://schemas.microsoft.com/office/drawing/2014/main" id="{ED431536-F97D-9C62-83AD-1CDDAB8B4EA8}"/>
+                <a16:creationId xmlns:a16="http://schemas.microsoft.com/office/drawing/2014/main" xmlns="" id="{ED431536-F97D-9C62-83AD-1CDDAB8B4EA8}"/>
               </a:ext>
             </a:extLst>
           </p:cNvPr>
@@ -2416,7 +2417,7 @@
           <a:p>
             <a:fld id="{4BF4DD58-F10B-47C8-B4E4-57EE29696E08}" type="datetimeFigureOut">
               <a:rPr lang="ko-KR" altLang="en-US" smtClean="0"/>
-              <a:t>2024-04-24</a:t>
+              <a:t>2024-04-25</a:t>
             </a:fld>
             <a:endParaRPr lang="ko-KR" altLang="en-US"/>
           </a:p>
@@ -2427,7 +2428,7 @@
           <p:cNvPr id="6" name="바닥글 개체 틀 5">
             <a:extLst>
               <a:ext uri="{FF2B5EF4-FFF2-40B4-BE49-F238E27FC236}">
-                <a16:creationId xmlns="" xmlns:a16="http://schemas.microsoft.com/office/drawing/2014/main" id="{2D621DE7-B924-B15E-8CD0-BEF6377BEFED}"/>
+                <a16:creationId xmlns:a16="http://schemas.microsoft.com/office/drawing/2014/main" xmlns="" id="{2D621DE7-B924-B15E-8CD0-BEF6377BEFED}"/>
               </a:ext>
             </a:extLst>
           </p:cNvPr>
@@ -2452,7 +2453,7 @@
           <p:cNvPr id="7" name="슬라이드 번호 개체 틀 6">
             <a:extLst>
               <a:ext uri="{FF2B5EF4-FFF2-40B4-BE49-F238E27FC236}">
-                <a16:creationId xmlns="" xmlns:a16="http://schemas.microsoft.com/office/drawing/2014/main" id="{B2E53FF1-F78F-9E89-E69D-7A1374AB7E32}"/>
+                <a16:creationId xmlns:a16="http://schemas.microsoft.com/office/drawing/2014/main" xmlns="" id="{B2E53FF1-F78F-9E89-E69D-7A1374AB7E32}"/>
               </a:ext>
             </a:extLst>
           </p:cNvPr>
@@ -2511,7 +2512,7 @@
           <p:cNvPr id="2" name="제목 1">
             <a:extLst>
               <a:ext uri="{FF2B5EF4-FFF2-40B4-BE49-F238E27FC236}">
-                <a16:creationId xmlns="" xmlns:a16="http://schemas.microsoft.com/office/drawing/2014/main" id="{365D570F-7DBB-B24A-583D-4E6B2FBD3AE5}"/>
+                <a16:creationId xmlns:a16="http://schemas.microsoft.com/office/drawing/2014/main" xmlns="" id="{365D570F-7DBB-B24A-583D-4E6B2FBD3AE5}"/>
               </a:ext>
             </a:extLst>
           </p:cNvPr>
@@ -2548,7 +2549,7 @@
           <p:cNvPr id="3" name="그림 개체 틀 2">
             <a:extLst>
               <a:ext uri="{FF2B5EF4-FFF2-40B4-BE49-F238E27FC236}">
-                <a16:creationId xmlns="" xmlns:a16="http://schemas.microsoft.com/office/drawing/2014/main" id="{7B931B17-FE76-B511-E4E3-FD3960E027A6}"/>
+                <a16:creationId xmlns:a16="http://schemas.microsoft.com/office/drawing/2014/main" xmlns="" id="{7B931B17-FE76-B511-E4E3-FD3960E027A6}"/>
               </a:ext>
             </a:extLst>
           </p:cNvPr>
@@ -2615,7 +2616,7 @@
           <p:cNvPr id="4" name="텍스트 개체 틀 3">
             <a:extLst>
               <a:ext uri="{FF2B5EF4-FFF2-40B4-BE49-F238E27FC236}">
-                <a16:creationId xmlns="" xmlns:a16="http://schemas.microsoft.com/office/drawing/2014/main" id="{48CAC08F-7BCB-5E29-9EDC-5720188D64D9}"/>
+                <a16:creationId xmlns:a16="http://schemas.microsoft.com/office/drawing/2014/main" xmlns="" id="{48CAC08F-7BCB-5E29-9EDC-5720188D64D9}"/>
               </a:ext>
             </a:extLst>
           </p:cNvPr>
@@ -2686,7 +2687,7 @@
           <p:cNvPr id="5" name="날짜 개체 틀 4">
             <a:extLst>
               <a:ext uri="{FF2B5EF4-FFF2-40B4-BE49-F238E27FC236}">
-                <a16:creationId xmlns="" xmlns:a16="http://schemas.microsoft.com/office/drawing/2014/main" id="{69C48E20-C809-8E93-0A18-1F46A49CE001}"/>
+                <a16:creationId xmlns:a16="http://schemas.microsoft.com/office/drawing/2014/main" xmlns="" id="{69C48E20-C809-8E93-0A18-1F46A49CE001}"/>
               </a:ext>
             </a:extLst>
           </p:cNvPr>
@@ -2704,7 +2705,7 @@
           <a:p>
             <a:fld id="{4BF4DD58-F10B-47C8-B4E4-57EE29696E08}" type="datetimeFigureOut">
               <a:rPr lang="ko-KR" altLang="en-US" smtClean="0"/>
-              <a:t>2024-04-24</a:t>
+              <a:t>2024-04-25</a:t>
             </a:fld>
             <a:endParaRPr lang="ko-KR" altLang="en-US"/>
           </a:p>
@@ -2715,7 +2716,7 @@
           <p:cNvPr id="6" name="바닥글 개체 틀 5">
             <a:extLst>
               <a:ext uri="{FF2B5EF4-FFF2-40B4-BE49-F238E27FC236}">
-                <a16:creationId xmlns="" xmlns:a16="http://schemas.microsoft.com/office/drawing/2014/main" id="{2A1ABBFD-D298-E0AB-1412-1052008D9824}"/>
+                <a16:creationId xmlns:a16="http://schemas.microsoft.com/office/drawing/2014/main" xmlns="" id="{2A1ABBFD-D298-E0AB-1412-1052008D9824}"/>
               </a:ext>
             </a:extLst>
           </p:cNvPr>
@@ -2740,7 +2741,7 @@
           <p:cNvPr id="7" name="슬라이드 번호 개체 틀 6">
             <a:extLst>
               <a:ext uri="{FF2B5EF4-FFF2-40B4-BE49-F238E27FC236}">
-                <a16:creationId xmlns="" xmlns:a16="http://schemas.microsoft.com/office/drawing/2014/main" id="{37466B9B-7A83-C66F-259C-EA5D33AEAD69}"/>
+                <a16:creationId xmlns:a16="http://schemas.microsoft.com/office/drawing/2014/main" xmlns="" id="{37466B9B-7A83-C66F-259C-EA5D33AEAD69}"/>
               </a:ext>
             </a:extLst>
           </p:cNvPr>
@@ -2804,7 +2805,7 @@
           <p:cNvPr id="2" name="제목 개체 틀 1">
             <a:extLst>
               <a:ext uri="{FF2B5EF4-FFF2-40B4-BE49-F238E27FC236}">
-                <a16:creationId xmlns="" xmlns:a16="http://schemas.microsoft.com/office/drawing/2014/main" id="{E6B3D296-6168-CF26-616B-F8507A6C4FA8}"/>
+                <a16:creationId xmlns:a16="http://schemas.microsoft.com/office/drawing/2014/main" xmlns="" id="{E6B3D296-6168-CF26-616B-F8507A6C4FA8}"/>
               </a:ext>
             </a:extLst>
           </p:cNvPr>
@@ -2842,7 +2843,7 @@
           <p:cNvPr id="3" name="텍스트 개체 틀 2">
             <a:extLst>
               <a:ext uri="{FF2B5EF4-FFF2-40B4-BE49-F238E27FC236}">
-                <a16:creationId xmlns="" xmlns:a16="http://schemas.microsoft.com/office/drawing/2014/main" id="{05E25D47-AB35-0E4F-A570-9B623C693D43}"/>
+                <a16:creationId xmlns:a16="http://schemas.microsoft.com/office/drawing/2014/main" xmlns="" id="{05E25D47-AB35-0E4F-A570-9B623C693D43}"/>
               </a:ext>
             </a:extLst>
           </p:cNvPr>
@@ -2909,7 +2910,7 @@
           <p:cNvPr id="4" name="날짜 개체 틀 3">
             <a:extLst>
               <a:ext uri="{FF2B5EF4-FFF2-40B4-BE49-F238E27FC236}">
-                <a16:creationId xmlns="" xmlns:a16="http://schemas.microsoft.com/office/drawing/2014/main" id="{31731DE7-D2CE-22E1-3AD7-BBABC1F78443}"/>
+                <a16:creationId xmlns:a16="http://schemas.microsoft.com/office/drawing/2014/main" xmlns="" id="{31731DE7-D2CE-22E1-3AD7-BBABC1F78443}"/>
               </a:ext>
             </a:extLst>
           </p:cNvPr>
@@ -2948,7 +2949,7 @@
             <a:fld id="{4BF4DD58-F10B-47C8-B4E4-57EE29696E08}" type="datetimeFigureOut">
               <a:rPr lang="ko-KR" altLang="en-US" smtClean="0"/>
               <a:pPr/>
-              <a:t>2024-04-24</a:t>
+              <a:t>2024-04-25</a:t>
             </a:fld>
             <a:endParaRPr lang="ko-KR" altLang="en-US" dirty="0"/>
           </a:p>
@@ -2959,7 +2960,7 @@
           <p:cNvPr id="5" name="바닥글 개체 틀 4">
             <a:extLst>
               <a:ext uri="{FF2B5EF4-FFF2-40B4-BE49-F238E27FC236}">
-                <a16:creationId xmlns="" xmlns:a16="http://schemas.microsoft.com/office/drawing/2014/main" id="{7099A974-0164-2701-1698-2E35CE08C66D}"/>
+                <a16:creationId xmlns:a16="http://schemas.microsoft.com/office/drawing/2014/main" xmlns="" id="{7099A974-0164-2701-1698-2E35CE08C66D}"/>
               </a:ext>
             </a:extLst>
           </p:cNvPr>
@@ -3004,7 +3005,7 @@
           <p:cNvPr id="6" name="슬라이드 번호 개체 틀 5">
             <a:extLst>
               <a:ext uri="{FF2B5EF4-FFF2-40B4-BE49-F238E27FC236}">
-                <a16:creationId xmlns="" xmlns:a16="http://schemas.microsoft.com/office/drawing/2014/main" id="{48525506-1D7A-1F5B-FE9E-C32A65360555}"/>
+                <a16:creationId xmlns:a16="http://schemas.microsoft.com/office/drawing/2014/main" xmlns="" id="{48525506-1D7A-1F5B-FE9E-C32A65360555}"/>
               </a:ext>
             </a:extLst>
           </p:cNvPr>
@@ -4014,10 +4015,6 @@
               </a:rPr>
               <a:t> 설계</a:t>
             </a:r>
-            <a:endParaRPr lang="ko-KR" altLang="en-US" sz="2400" b="1" dirty="0">
-              <a:latin typeface="나눔고딕 ExtraBold" panose="020D0904000000000000" pitchFamily="50" charset="-127"/>
-              <a:ea typeface="나눔고딕 ExtraBold" panose="020D0904000000000000" pitchFamily="50" charset="-127"/>
-            </a:endParaRPr>
           </a:p>
         </p:txBody>
       </p:sp>
@@ -4056,7 +4053,7 @@
           <p:cNvPr id="8" name="표 7">
             <a:extLst>
               <a:ext uri="{FF2B5EF4-FFF2-40B4-BE49-F238E27FC236}">
-                <a16:creationId xmlns="" xmlns:a16="http://schemas.microsoft.com/office/drawing/2014/main" id="{63795079-34BE-930C-C4A6-6EA96F1C57A4}"/>
+                <a16:creationId xmlns:a16="http://schemas.microsoft.com/office/drawing/2014/main" xmlns="" id="{63795079-34BE-930C-C4A6-6EA96F1C57A4}"/>
               </a:ext>
             </a:extLst>
           </p:cNvPr>
@@ -4085,21 +4082,21 @@
                 <a:gridCol w="1960517">
                   <a:extLst>
                     <a:ext uri="{9D8B030D-6E8A-4147-A177-3AD203B41FA5}">
-                      <a16:colId xmlns="" xmlns:a16="http://schemas.microsoft.com/office/drawing/2014/main" val="529196770"/>
+                      <a16:colId xmlns:a16="http://schemas.microsoft.com/office/drawing/2014/main" xmlns="" val="529196770"/>
                     </a:ext>
                   </a:extLst>
                 </a:gridCol>
                 <a:gridCol w="1960517">
                   <a:extLst>
                     <a:ext uri="{9D8B030D-6E8A-4147-A177-3AD203B41FA5}">
-                      <a16:colId xmlns="" xmlns:a16="http://schemas.microsoft.com/office/drawing/2014/main" val="120635450"/>
+                      <a16:colId xmlns:a16="http://schemas.microsoft.com/office/drawing/2014/main" xmlns="" val="120635450"/>
                     </a:ext>
                   </a:extLst>
                 </a:gridCol>
                 <a:gridCol w="1960517">
                   <a:extLst>
                     <a:ext uri="{9D8B030D-6E8A-4147-A177-3AD203B41FA5}">
-                      <a16:colId xmlns="" xmlns:a16="http://schemas.microsoft.com/office/drawing/2014/main" val="1147348704"/>
+                      <a16:colId xmlns:a16="http://schemas.microsoft.com/office/drawing/2014/main" xmlns="" val="1147348704"/>
                     </a:ext>
                   </a:extLst>
                 </a:gridCol>
@@ -4107,7 +4104,7 @@
                 <a:gridCol w="1960517">
                   <a:extLst>
                     <a:ext uri="{9D8B030D-6E8A-4147-A177-3AD203B41FA5}">
-                      <a16:colId xmlns="" xmlns:a16="http://schemas.microsoft.com/office/drawing/2014/main" val="3799717654"/>
+                      <a16:colId xmlns:a16="http://schemas.microsoft.com/office/drawing/2014/main" xmlns="" val="3799717654"/>
                     </a:ext>
                   </a:extLst>
                 </a:gridCol>
@@ -4252,7 +4249,7 @@
                 </a:tc>
                 <a:extLst>
                   <a:ext uri="{0D108BD9-81ED-4DB2-BD59-A6C34878D82A}">
-                    <a16:rowId xmlns="" xmlns:a16="http://schemas.microsoft.com/office/drawing/2014/main" val="1912662179"/>
+                    <a16:rowId xmlns:a16="http://schemas.microsoft.com/office/drawing/2014/main" xmlns="" val="1912662179"/>
                   </a:ext>
                 </a:extLst>
               </a:tr>
@@ -4332,17 +4329,7 @@
                           <a:latin typeface="나눔스퀘어OTF" panose="020B0600000101010101" pitchFamily="34" charset="-127"/>
                           <a:ea typeface="나눔스퀘어OTF" panose="020B0600000101010101" pitchFamily="34" charset="-127"/>
                         </a:rPr>
-                        <a:t> </a:t>
-                      </a:r>
-                      <a:r>
-                        <a:rPr lang="en-US" altLang="ko-KR" sz="1500" b="0" baseline="0" dirty="0" smtClean="0">
-                          <a:solidFill>
-                            <a:schemeClr val="bg1"/>
-                          </a:solidFill>
-                          <a:latin typeface="나눔스퀘어OTF" panose="020B0600000101010101" pitchFamily="34" charset="-127"/>
-                          <a:ea typeface="나눔스퀘어OTF" panose="020B0600000101010101" pitchFamily="34" charset="-127"/>
-                        </a:rPr>
-                        <a:t>Challenge</a:t>
+                        <a:t> Challenge</a:t>
                       </a:r>
                       <a:endParaRPr lang="ko-KR" altLang="en-US" sz="1500" b="0" dirty="0">
                         <a:solidFill>
@@ -4426,7 +4413,7 @@
                 </a:tc>
                 <a:extLst>
                   <a:ext uri="{0D108BD9-81ED-4DB2-BD59-A6C34878D82A}">
-                    <a16:rowId xmlns="" xmlns:a16="http://schemas.microsoft.com/office/drawing/2014/main" val="1874680937"/>
+                    <a16:rowId xmlns:a16="http://schemas.microsoft.com/office/drawing/2014/main" xmlns="" val="1874680937"/>
                   </a:ext>
                 </a:extLst>
               </a:tr>
@@ -4673,7 +4660,7 @@
                 </a:tc>
                 <a:extLst>
                   <a:ext uri="{0D108BD9-81ED-4DB2-BD59-A6C34878D82A}">
-                    <a16:rowId xmlns="" xmlns:a16="http://schemas.microsoft.com/office/drawing/2014/main" val="1332577370"/>
+                    <a16:rowId xmlns:a16="http://schemas.microsoft.com/office/drawing/2014/main" xmlns="" val="1332577370"/>
                   </a:ext>
                 </a:extLst>
               </a:tr>
@@ -4926,7 +4913,7 @@
                 </a:tc>
                 <a:extLst>
                   <a:ext uri="{0D108BD9-81ED-4DB2-BD59-A6C34878D82A}">
-                    <a16:rowId xmlns="" xmlns:a16="http://schemas.microsoft.com/office/drawing/2014/main" val="894817078"/>
+                    <a16:rowId xmlns:a16="http://schemas.microsoft.com/office/drawing/2014/main" xmlns="" val="894817078"/>
                   </a:ext>
                 </a:extLst>
               </a:tr>
@@ -5494,16 +5481,6 @@
               </a:rPr>
               <a:t>랜딩 페이지</a:t>
             </a:r>
-            <a:endParaRPr lang="ko-KR" altLang="en-US" dirty="0" smtClean="0">
-              <a:solidFill>
-                <a:schemeClr val="tx1">
-                  <a:lumMod val="85000"/>
-                  <a:lumOff val="15000"/>
-                </a:schemeClr>
-              </a:solidFill>
-              <a:latin typeface="나눔고딕" panose="020D0604000000000000" pitchFamily="50" charset="-127"/>
-              <a:ea typeface="나눔고딕" panose="020D0604000000000000" pitchFamily="50" charset="-127"/>
-            </a:endParaRPr>
           </a:p>
         </p:txBody>
       </p:sp>
@@ -5611,16 +5588,6 @@
               </a:rPr>
               <a:t>사전 설문</a:t>
             </a:r>
-            <a:endParaRPr lang="ko-KR" altLang="en-US" dirty="0" smtClean="0">
-              <a:solidFill>
-                <a:schemeClr val="tx1">
-                  <a:lumMod val="85000"/>
-                  <a:lumOff val="15000"/>
-                </a:schemeClr>
-              </a:solidFill>
-              <a:latin typeface="나눔고딕" panose="020D0604000000000000" pitchFamily="50" charset="-127"/>
-              <a:ea typeface="나눔고딕" panose="020D0604000000000000" pitchFamily="50" charset="-127"/>
-            </a:endParaRPr>
           </a:p>
         </p:txBody>
       </p:sp>
@@ -5728,16 +5695,6 @@
               </a:rPr>
               <a:t>중략</a:t>
             </a:r>
-            <a:endParaRPr lang="ko-KR" altLang="en-US" dirty="0" smtClean="0">
-              <a:solidFill>
-                <a:schemeClr val="tx1">
-                  <a:lumMod val="85000"/>
-                  <a:lumOff val="15000"/>
-                </a:schemeClr>
-              </a:solidFill>
-              <a:latin typeface="나눔고딕" panose="020D0604000000000000" pitchFamily="50" charset="-127"/>
-              <a:ea typeface="나눔고딕" panose="020D0604000000000000" pitchFamily="50" charset="-127"/>
-            </a:endParaRPr>
           </a:p>
         </p:txBody>
       </p:sp>
@@ -5797,16 +5754,6 @@
               </a:rPr>
               <a:t>맞춤 프로그램 소개</a:t>
             </a:r>
-            <a:endParaRPr lang="ko-KR" altLang="en-US" dirty="0" smtClean="0">
-              <a:solidFill>
-                <a:schemeClr val="tx1">
-                  <a:lumMod val="85000"/>
-                  <a:lumOff val="15000"/>
-                </a:schemeClr>
-              </a:solidFill>
-              <a:latin typeface="나눔고딕" panose="020D0604000000000000" pitchFamily="50" charset="-127"/>
-              <a:ea typeface="나눔고딕" panose="020D0604000000000000" pitchFamily="50" charset="-127"/>
-            </a:endParaRPr>
           </a:p>
         </p:txBody>
       </p:sp>
@@ -5890,16 +5837,6 @@
               </a:rPr>
               <a:t>회원 가입</a:t>
             </a:r>
-            <a:endParaRPr lang="ko-KR" altLang="en-US" dirty="0" smtClean="0">
-              <a:solidFill>
-                <a:schemeClr val="tx1">
-                  <a:lumMod val="85000"/>
-                  <a:lumOff val="15000"/>
-                </a:schemeClr>
-              </a:solidFill>
-              <a:latin typeface="나눔고딕" panose="020D0604000000000000" pitchFamily="50" charset="-127"/>
-              <a:ea typeface="나눔고딕" panose="020D0604000000000000" pitchFamily="50" charset="-127"/>
-            </a:endParaRPr>
           </a:p>
         </p:txBody>
       </p:sp>
@@ -7191,16 +7128,6 @@
               </a:rPr>
               <a:t>사용자의 질문</a:t>
             </a:r>
-            <a:endParaRPr lang="ko-KR" altLang="en-US" dirty="0" smtClean="0">
-              <a:solidFill>
-                <a:schemeClr val="tx1">
-                  <a:lumMod val="85000"/>
-                  <a:lumOff val="15000"/>
-                </a:schemeClr>
-              </a:solidFill>
-              <a:latin typeface="나눔고딕" panose="020D0604000000000000" pitchFamily="50" charset="-127"/>
-              <a:ea typeface="나눔고딕" panose="020D0604000000000000" pitchFamily="50" charset="-127"/>
-            </a:endParaRPr>
           </a:p>
         </p:txBody>
       </p:sp>
@@ -7273,16 +7200,6 @@
               </a:rPr>
               <a:t>진행중인 운동</a:t>
             </a:r>
-            <a:endParaRPr lang="ko-KR" altLang="en-US" dirty="0" smtClean="0">
-              <a:solidFill>
-                <a:schemeClr val="tx1">
-                  <a:lumMod val="85000"/>
-                  <a:lumOff val="15000"/>
-                </a:schemeClr>
-              </a:solidFill>
-              <a:latin typeface="나눔고딕" panose="020D0604000000000000" pitchFamily="50" charset="-127"/>
-              <a:ea typeface="나눔고딕" panose="020D0604000000000000" pitchFamily="50" charset="-127"/>
-            </a:endParaRPr>
           </a:p>
         </p:txBody>
       </p:sp>
@@ -7437,16 +7354,6 @@
               </a:rPr>
               <a:t>구현</a:t>
             </a:r>
-            <a:endParaRPr lang="ko-KR" altLang="en-US" b="1" dirty="0" smtClean="0">
-              <a:solidFill>
-                <a:schemeClr val="tx1">
-                  <a:lumMod val="85000"/>
-                  <a:lumOff val="15000"/>
-                </a:schemeClr>
-              </a:solidFill>
-              <a:latin typeface="나눔고딕" panose="020D0604000000000000" pitchFamily="50" charset="-127"/>
-              <a:ea typeface="나눔고딕" panose="020D0604000000000000" pitchFamily="50" charset="-127"/>
-            </a:endParaRPr>
           </a:p>
         </p:txBody>
       </p:sp>
@@ -7900,31 +7807,8 @@
                 <a:latin typeface="나눔고딕" panose="020D0604000000000000" pitchFamily="50" charset="-127"/>
                 <a:ea typeface="나눔고딕" panose="020D0604000000000000" pitchFamily="50" charset="-127"/>
               </a:rPr>
-              <a:t> 상품</a:t>
-            </a:r>
-            <a:r>
-              <a:rPr lang="ko-KR" altLang="en-US" dirty="0" smtClean="0">
-                <a:solidFill>
-                  <a:schemeClr val="tx1">
-                    <a:lumMod val="85000"/>
-                    <a:lumOff val="15000"/>
-                  </a:schemeClr>
-                </a:solidFill>
-                <a:latin typeface="나눔고딕" panose="020D0604000000000000" pitchFamily="50" charset="-127"/>
-                <a:ea typeface="나눔고딕" panose="020D0604000000000000" pitchFamily="50" charset="-127"/>
-              </a:rPr>
-              <a:t>으로 연결</a:t>
-            </a:r>
-            <a:endParaRPr lang="ko-KR" altLang="en-US" dirty="0" smtClean="0">
-              <a:solidFill>
-                <a:schemeClr val="tx1">
-                  <a:lumMod val="85000"/>
-                  <a:lumOff val="15000"/>
-                </a:schemeClr>
-              </a:solidFill>
-              <a:latin typeface="나눔고딕" panose="020D0604000000000000" pitchFamily="50" charset="-127"/>
-              <a:ea typeface="나눔고딕" panose="020D0604000000000000" pitchFamily="50" charset="-127"/>
-            </a:endParaRPr>
+              <a:t> 상품으로 연결</a:t>
+            </a:r>
           </a:p>
         </p:txBody>
       </p:sp>
@@ -8080,16 +7964,6 @@
               </a:rPr>
               <a:t> 제휴 마케팅</a:t>
             </a:r>
-            <a:endParaRPr lang="ko-KR" altLang="en-US" dirty="0" smtClean="0">
-              <a:solidFill>
-                <a:schemeClr val="tx1">
-                  <a:lumMod val="85000"/>
-                  <a:lumOff val="15000"/>
-                </a:schemeClr>
-              </a:solidFill>
-              <a:latin typeface="나눔고딕" panose="020D0604000000000000" pitchFamily="50" charset="-127"/>
-              <a:ea typeface="나눔고딕" panose="020D0604000000000000" pitchFamily="50" charset="-127"/>
-            </a:endParaRPr>
           </a:p>
         </p:txBody>
       </p:sp>
@@ -8149,16 +8023,6 @@
               </a:rPr>
               <a:t>링크 생성</a:t>
             </a:r>
-            <a:endParaRPr lang="ko-KR" altLang="en-US" dirty="0" smtClean="0">
-              <a:solidFill>
-                <a:schemeClr val="tx1">
-                  <a:lumMod val="85000"/>
-                  <a:lumOff val="15000"/>
-                </a:schemeClr>
-              </a:solidFill>
-              <a:latin typeface="나눔고딕" panose="020D0604000000000000" pitchFamily="50" charset="-127"/>
-              <a:ea typeface="나눔고딕" panose="020D0604000000000000" pitchFamily="50" charset="-127"/>
-            </a:endParaRPr>
           </a:p>
         </p:txBody>
       </p:sp>
@@ -9008,7 +8872,7 @@
         <p:spPr>
           <a:xfrm>
             <a:off x="184945" y="909433"/>
-            <a:ext cx="5777706" cy="5786642"/>
+            <a:ext cx="3934209" cy="5786642"/>
           </a:xfrm>
           <a:prstGeom prst="rect">
             <a:avLst/>
@@ -9162,7 +9026,18 @@
                   </a:schemeClr>
                 </a:solidFill>
               </a:rPr>
-              <a:t>프로젝트 범위 및 일정</a:t>
+              <a:t>프로젝트 </a:t>
+            </a:r>
+            <a:r>
+              <a:rPr lang="ko-KR" altLang="en-US" sz="1600" dirty="0" smtClean="0">
+                <a:solidFill>
+                  <a:schemeClr val="tx1">
+                    <a:lumMod val="85000"/>
+                    <a:lumOff val="15000"/>
+                  </a:schemeClr>
+                </a:solidFill>
+              </a:rPr>
+              <a:t>일정</a:t>
             </a:r>
             <a:endParaRPr lang="en-US" altLang="ko-KR" sz="1600" dirty="0" smtClean="0">
               <a:solidFill>
@@ -9687,6 +9562,36 @@
           <a:xfrm>
             <a:off x="7981950" y="-143080"/>
             <a:ext cx="4210050" cy="1052513"/>
+          </a:xfrm>
+          <a:prstGeom prst="rect">
+            <a:avLst/>
+          </a:prstGeom>
+        </p:spPr>
+      </p:pic>
+      <p:pic>
+        <p:nvPicPr>
+          <p:cNvPr id="3" name="그림 2"/>
+          <p:cNvPicPr>
+            <a:picLocks noChangeAspect="1"/>
+          </p:cNvPicPr>
+          <p:nvPr/>
+        </p:nvPicPr>
+        <p:blipFill>
+          <a:blip r:embed="rId3">
+            <a:extLst>
+              <a:ext uri="{28A0092B-C50C-407E-A947-70E740481C1C}">
+                <a14:useLocalDpi xmlns:a14="http://schemas.microsoft.com/office/drawing/2010/main" val="0"/>
+              </a:ext>
+            </a:extLst>
+          </a:blip>
+          <a:stretch>
+            <a:fillRect/>
+          </a:stretch>
+        </p:blipFill>
+        <p:spPr>
+          <a:xfrm>
+            <a:off x="4371703" y="909432"/>
+            <a:ext cx="7674429" cy="5773343"/>
           </a:xfrm>
           <a:prstGeom prst="rect">
             <a:avLst/>
@@ -13173,7 +13078,6 @@
               <a:rPr lang="en-US" altLang="ko-KR" sz="1400" dirty="0" smtClean="0"/>
               <a:t>MySQL</a:t>
             </a:r>
-            <a:endParaRPr lang="en-US" altLang="ko-KR" sz="1400" dirty="0" smtClean="0"/>
           </a:p>
           <a:p>
             <a:pPr algn="ctr"/>
@@ -15338,10 +15242,10 @@
                 <a:latin typeface="나눔고딕" panose="020D0604000000000000" pitchFamily="50" charset="-127"/>
                 <a:ea typeface="나눔고딕" panose="020D0604000000000000" pitchFamily="50" charset="-127"/>
               </a:rPr>
-              <a:t>네이버</a:t>
-            </a:r>
-            <a:r>
-              <a:rPr lang="ko-KR" altLang="en-US" dirty="0" err="1" smtClean="0">
+              <a:t>네이버페이</a:t>
+            </a:r>
+            <a:r>
+              <a:rPr lang="ko-KR" altLang="en-US" dirty="0" smtClean="0">
                 <a:solidFill>
                   <a:schemeClr val="tx1">
                     <a:lumMod val="85000"/>
@@ -15351,10 +15255,10 @@
                 <a:latin typeface="나눔고딕" panose="020D0604000000000000" pitchFamily="50" charset="-127"/>
                 <a:ea typeface="나눔고딕" panose="020D0604000000000000" pitchFamily="50" charset="-127"/>
               </a:rPr>
-              <a:t>페이</a:t>
-            </a:r>
-            <a:r>
-              <a:rPr lang="ko-KR" altLang="en-US" dirty="0" smtClean="0">
+              <a:t> 등</a:t>
+            </a:r>
+            <a:r>
+              <a:rPr lang="en-US" altLang="ko-KR" dirty="0" smtClean="0">
                 <a:solidFill>
                   <a:schemeClr val="tx1">
                     <a:lumMod val="85000"/>
@@ -15364,31 +15268,8 @@
                 <a:latin typeface="나눔고딕" panose="020D0604000000000000" pitchFamily="50" charset="-127"/>
                 <a:ea typeface="나눔고딕" panose="020D0604000000000000" pitchFamily="50" charset="-127"/>
               </a:rPr>
-              <a:t> 등</a:t>
-            </a:r>
-            <a:r>
-              <a:rPr lang="en-US" altLang="ko-KR" dirty="0" smtClean="0">
-                <a:solidFill>
-                  <a:schemeClr val="tx1">
-                    <a:lumMod val="85000"/>
-                    <a:lumOff val="15000"/>
-                  </a:schemeClr>
-                </a:solidFill>
-                <a:latin typeface="나눔고딕" panose="020D0604000000000000" pitchFamily="50" charset="-127"/>
-                <a:ea typeface="나눔고딕" panose="020D0604000000000000" pitchFamily="50" charset="-127"/>
-              </a:rPr>
               <a:t>)</a:t>
             </a:r>
-            <a:endParaRPr lang="en-US" altLang="ko-KR" dirty="0" smtClean="0">
-              <a:solidFill>
-                <a:schemeClr val="tx1">
-                  <a:lumMod val="85000"/>
-                  <a:lumOff val="15000"/>
-                </a:schemeClr>
-              </a:solidFill>
-              <a:latin typeface="나눔고딕" panose="020D0604000000000000" pitchFamily="50" charset="-127"/>
-              <a:ea typeface="나눔고딕" panose="020D0604000000000000" pitchFamily="50" charset="-127"/>
-            </a:endParaRPr>
           </a:p>
           <a:p>
             <a:pPr marL="800100" lvl="1" indent="-342900">
@@ -15702,14 +15583,7 @@
                 <a:latin typeface="나눔고딕 ExtraBold" panose="020D0904000000000000" pitchFamily="50" charset="-127"/>
                 <a:ea typeface="나눔고딕 ExtraBold" panose="020D0904000000000000" pitchFamily="50" charset="-127"/>
               </a:rPr>
-              <a:t>4.1</a:t>
-            </a:r>
-            <a:r>
-              <a:rPr lang="en-US" altLang="ko-KR" sz="2400" b="1" dirty="0" smtClean="0">
-                <a:latin typeface="나눔고딕 ExtraBold" panose="020D0904000000000000" pitchFamily="50" charset="-127"/>
-                <a:ea typeface="나눔고딕 ExtraBold" panose="020D0904000000000000" pitchFamily="50" charset="-127"/>
-              </a:rPr>
-              <a:t>. </a:t>
+              <a:t>4.1. </a:t>
             </a:r>
             <a:r>
               <a:rPr lang="ko-KR" altLang="en-US" sz="2400" b="1" dirty="0" smtClean="0">
@@ -16379,6 +16253,74 @@
 </p:sld>
 </file>
 
+<file path=ppt/slides/slide31.xml><?xml version="1.0" encoding="utf-8"?>
+<p:sld xmlns:a="http://schemas.openxmlformats.org/drawingml/2006/main" xmlns:r="http://schemas.openxmlformats.org/officeDocument/2006/relationships" xmlns:p="http://schemas.openxmlformats.org/presentationml/2006/main">
+  <p:cSld>
+    <p:spTree>
+      <p:nvGrpSpPr>
+        <p:cNvPr id="1" name=""/>
+        <p:cNvGrpSpPr/>
+        <p:nvPr/>
+      </p:nvGrpSpPr>
+      <p:grpSpPr>
+        <a:xfrm>
+          <a:off x="0" y="0"/>
+          <a:ext cx="0" cy="0"/>
+          <a:chOff x="0" y="0"/>
+          <a:chExt cx="0" cy="0"/>
+        </a:xfrm>
+      </p:grpSpPr>
+      <p:sp>
+        <p:nvSpPr>
+          <p:cNvPr id="2" name="제목 1"/>
+          <p:cNvSpPr>
+            <a:spLocks noGrp="1"/>
+          </p:cNvSpPr>
+          <p:nvPr>
+            <p:ph type="title"/>
+          </p:nvPr>
+        </p:nvSpPr>
+        <p:spPr/>
+        <p:txBody>
+          <a:bodyPr/>
+          <a:lstStyle/>
+          <a:p>
+            <a:endParaRPr lang="ko-KR" altLang="en-US"/>
+          </a:p>
+        </p:txBody>
+      </p:sp>
+      <p:sp>
+        <p:nvSpPr>
+          <p:cNvPr id="3" name="내용 개체 틀 2"/>
+          <p:cNvSpPr>
+            <a:spLocks noGrp="1"/>
+          </p:cNvSpPr>
+          <p:nvPr>
+            <p:ph idx="1"/>
+          </p:nvPr>
+        </p:nvSpPr>
+        <p:spPr/>
+        <p:txBody>
+          <a:bodyPr/>
+          <a:lstStyle/>
+          <a:p>
+            <a:endParaRPr lang="ko-KR" altLang="en-US"/>
+          </a:p>
+        </p:txBody>
+      </p:sp>
+    </p:spTree>
+    <p:extLst>
+      <p:ext uri="{BB962C8B-B14F-4D97-AF65-F5344CB8AC3E}">
+        <p14:creationId xmlns:p14="http://schemas.microsoft.com/office/powerpoint/2010/main" val="574617299"/>
+      </p:ext>
+    </p:extLst>
+  </p:cSld>
+  <p:clrMapOvr>
+    <a:masterClrMapping/>
+  </p:clrMapOvr>
+</p:sld>
+</file>
+
 <file path=ppt/slides/slide4.xml><?xml version="1.0" encoding="utf-8"?>
 <p:sld xmlns:a="http://schemas.openxmlformats.org/drawingml/2006/main" xmlns:r="http://schemas.openxmlformats.org/officeDocument/2006/relationships" xmlns:p="http://schemas.openxmlformats.org/presentationml/2006/main">
   <p:cSld>
@@ -16404,8 +16346,8 @@
         </p:nvSpPr>
         <p:spPr>
           <a:xfrm>
-            <a:off x="241300" y="909433"/>
-            <a:ext cx="11747500" cy="5786641"/>
+            <a:off x="241300" y="3257006"/>
+            <a:ext cx="11747500" cy="3439068"/>
           </a:xfrm>
           <a:prstGeom prst="rect">
             <a:avLst/>
@@ -16466,7 +16408,7 @@
               <a:buAutoNum type="arabicPeriod"/>
             </a:pPr>
             <a:r>
-              <a:rPr lang="ko-KR" altLang="en-US" dirty="0" err="1" smtClean="0">
+              <a:rPr lang="ko-KR" altLang="en-US" sz="1600" dirty="0" err="1" smtClean="0">
                 <a:solidFill>
                   <a:schemeClr val="tx1">
                     <a:lumMod val="85000"/>
@@ -16477,7 +16419,7 @@
               <a:t>이젠아카데미</a:t>
             </a:r>
             <a:r>
-              <a:rPr lang="ko-KR" altLang="en-US" dirty="0" smtClean="0">
+              <a:rPr lang="ko-KR" altLang="en-US" sz="1600" dirty="0" smtClean="0">
                 <a:solidFill>
                   <a:schemeClr val="tx1">
                     <a:lumMod val="85000"/>
@@ -16488,7 +16430,7 @@
               <a:t> 강남</a:t>
             </a:r>
             <a:r>
-              <a:rPr lang="en-US" altLang="ko-KR" dirty="0" smtClean="0">
+              <a:rPr lang="en-US" altLang="ko-KR" sz="1600" dirty="0" smtClean="0">
                 <a:solidFill>
                   <a:schemeClr val="tx1">
                     <a:lumMod val="85000"/>
@@ -16499,7 +16441,7 @@
               <a:t>, </a:t>
             </a:r>
             <a:r>
-              <a:rPr lang="ko-KR" altLang="en-US" dirty="0" err="1" smtClean="0">
+              <a:rPr lang="ko-KR" altLang="en-US" sz="1600" dirty="0" err="1" smtClean="0">
                 <a:solidFill>
                   <a:schemeClr val="tx1">
                     <a:lumMod val="85000"/>
@@ -16512,7 +16454,7 @@
               <a:t>웹서비스</a:t>
             </a:r>
             <a:r>
-              <a:rPr lang="ko-KR" altLang="en-US" dirty="0" smtClean="0">
+              <a:rPr lang="ko-KR" altLang="en-US" sz="1600" dirty="0" smtClean="0">
                 <a:solidFill>
                   <a:schemeClr val="tx1">
                     <a:lumMod val="85000"/>
@@ -16525,7 +16467,7 @@
               <a:t> </a:t>
             </a:r>
             <a:r>
-              <a:rPr lang="ko-KR" altLang="en-US" dirty="0" err="1">
+              <a:rPr lang="ko-KR" altLang="en-US" sz="1600" dirty="0" err="1">
                 <a:solidFill>
                   <a:schemeClr val="tx1">
                     <a:lumMod val="85000"/>
@@ -16538,7 +16480,7 @@
               <a:t>풀스택</a:t>
             </a:r>
             <a:r>
-              <a:rPr lang="ko-KR" altLang="en-US" dirty="0">
+              <a:rPr lang="ko-KR" altLang="en-US" sz="1600" dirty="0">
                 <a:solidFill>
                   <a:schemeClr val="tx1">
                     <a:lumMod val="85000"/>
@@ -16551,7 +16493,7 @@
               <a:t> 개발</a:t>
             </a:r>
             <a:r>
-              <a:rPr lang="en-US" altLang="ko-KR" dirty="0">
+              <a:rPr lang="en-US" altLang="ko-KR" sz="1600" dirty="0">
                 <a:solidFill>
                   <a:schemeClr val="tx1">
                     <a:lumMod val="85000"/>
@@ -16564,7 +16506,7 @@
               <a:t> </a:t>
             </a:r>
             <a:r>
-              <a:rPr lang="ko-KR" altLang="en-US" dirty="0">
+              <a:rPr lang="ko-KR" altLang="en-US" sz="1600" dirty="0">
                 <a:solidFill>
                   <a:schemeClr val="tx1">
                     <a:lumMod val="85000"/>
@@ -16577,7 +16519,7 @@
               <a:t>과정 </a:t>
             </a:r>
             <a:r>
-              <a:rPr lang="en-US" altLang="ko-KR" dirty="0">
+              <a:rPr lang="en-US" altLang="ko-KR" sz="1600" dirty="0">
                 <a:solidFill>
                   <a:schemeClr val="tx1">
                     <a:lumMod val="85000"/>
@@ -16590,7 +16532,7 @@
               <a:t>2</a:t>
             </a:r>
             <a:r>
-              <a:rPr lang="ko-KR" altLang="en-US" dirty="0" smtClean="0">
+              <a:rPr lang="ko-KR" altLang="en-US" sz="1600" dirty="0" smtClean="0">
                 <a:solidFill>
                   <a:schemeClr val="tx1">
                     <a:lumMod val="85000"/>
@@ -16603,7 +16545,7 @@
               <a:t>기</a:t>
             </a:r>
             <a:r>
-              <a:rPr lang="en-US" altLang="ko-KR" dirty="0">
+              <a:rPr lang="en-US" altLang="ko-KR" sz="1600" dirty="0">
                 <a:solidFill>
                   <a:schemeClr val="tx1">
                     <a:lumMod val="85000"/>
@@ -16616,7 +16558,7 @@
               <a:t> (</a:t>
             </a:r>
             <a:r>
-              <a:rPr lang="en-US" altLang="ko-KR" dirty="0" smtClean="0">
+              <a:rPr lang="en-US" altLang="ko-KR" sz="1600" dirty="0" smtClean="0">
                 <a:solidFill>
                   <a:schemeClr val="tx1">
                     <a:lumMod val="85000"/>
@@ -16629,7 +16571,7 @@
               <a:t>2023.11.16 </a:t>
             </a:r>
             <a:r>
-              <a:rPr lang="en-US" altLang="ko-KR" dirty="0">
+              <a:rPr lang="en-US" altLang="ko-KR" sz="1600" dirty="0">
                 <a:solidFill>
                   <a:schemeClr val="tx1">
                     <a:lumMod val="85000"/>
@@ -16642,7 +16584,7 @@
               <a:t>~ 2024.05.02)</a:t>
             </a:r>
             <a:r>
-              <a:rPr lang="ko-KR" altLang="en-US" dirty="0" smtClean="0">
+              <a:rPr lang="ko-KR" altLang="en-US" sz="1600" dirty="0" smtClean="0">
                 <a:solidFill>
                   <a:schemeClr val="tx1">
                     <a:lumMod val="85000"/>
@@ -16654,7 +16596,7 @@
               </a:rPr>
               <a:t> 팀 프로젝트</a:t>
             </a:r>
-            <a:endParaRPr lang="en-US" altLang="ko-KR" dirty="0" smtClean="0">
+            <a:endParaRPr lang="en-US" altLang="ko-KR" sz="1600" dirty="0" smtClean="0">
               <a:solidFill>
                 <a:schemeClr val="tx1">
                   <a:lumMod val="85000"/>
@@ -16714,7 +16656,7 @@
               <a:buAutoNum type="arabicPeriod"/>
             </a:pPr>
             <a:r>
-              <a:rPr lang="ko-KR" altLang="en-US" dirty="0" smtClean="0">
+              <a:rPr lang="ko-KR" altLang="en-US" sz="1600" dirty="0" smtClean="0">
                 <a:solidFill>
                   <a:schemeClr val="tx1">
                     <a:lumMod val="85000"/>
@@ -16725,7 +16667,7 @@
               <a:t>운동은 </a:t>
             </a:r>
             <a:r>
-              <a:rPr lang="ko-KR" altLang="en-US" dirty="0">
+              <a:rPr lang="ko-KR" altLang="en-US" sz="1600" dirty="0">
                 <a:solidFill>
                   <a:schemeClr val="tx1">
                     <a:lumMod val="85000"/>
@@ -16736,7 +16678,7 @@
               <a:t>선택이 아닌 </a:t>
             </a:r>
             <a:r>
-              <a:rPr lang="ko-KR" altLang="en-US" dirty="0" smtClean="0">
+              <a:rPr lang="ko-KR" altLang="en-US" sz="1600" dirty="0" smtClean="0">
                 <a:solidFill>
                   <a:schemeClr val="tx1">
                     <a:lumMod val="85000"/>
@@ -16746,7 +16688,7 @@
               </a:rPr>
               <a:t>필수</a:t>
             </a:r>
-            <a:endParaRPr lang="en-US" altLang="ko-KR" dirty="0" smtClean="0">
+            <a:endParaRPr lang="en-US" altLang="ko-KR" sz="1600" dirty="0" smtClean="0">
               <a:solidFill>
                 <a:schemeClr val="tx1">
                   <a:lumMod val="85000"/>
@@ -16761,7 +16703,7 @@
               <a:buAutoNum type="arabicPeriod"/>
             </a:pPr>
             <a:r>
-              <a:rPr lang="ko-KR" altLang="en-US" dirty="0" smtClean="0">
+              <a:rPr lang="ko-KR" altLang="en-US" sz="1600" dirty="0" smtClean="0">
                 <a:solidFill>
                   <a:schemeClr val="tx1">
                     <a:lumMod val="85000"/>
@@ -16772,7 +16714,7 @@
               <a:t>현대인들의 운동 부족의 근본 원인은</a:t>
             </a:r>
             <a:r>
-              <a:rPr lang="en-US" altLang="ko-KR" dirty="0" smtClean="0">
+              <a:rPr lang="en-US" altLang="ko-KR" sz="1600" dirty="0" smtClean="0">
                 <a:solidFill>
                   <a:schemeClr val="tx1">
                     <a:lumMod val="85000"/>
@@ -16789,7 +16731,7 @@
               <a:buAutoNum type="arabicPeriod"/>
             </a:pPr>
             <a:r>
-              <a:rPr lang="ko-KR" altLang="en-US" b="1" dirty="0" smtClean="0">
+              <a:rPr lang="ko-KR" altLang="en-US" sz="1600" b="1" dirty="0" smtClean="0">
                 <a:solidFill>
                   <a:srgbClr val="C00000"/>
                 </a:solidFill>
@@ -16797,7 +16739,7 @@
               <a:t>시간 부족</a:t>
             </a:r>
             <a:r>
-              <a:rPr lang="en-US" altLang="ko-KR" b="1" dirty="0" smtClean="0">
+              <a:rPr lang="en-US" altLang="ko-KR" sz="1600" b="1" dirty="0" smtClean="0">
                 <a:solidFill>
                   <a:srgbClr val="C00000"/>
                 </a:solidFill>
@@ -16805,7 +16747,7 @@
               <a:t>, </a:t>
             </a:r>
             <a:r>
-              <a:rPr lang="ko-KR" altLang="en-US" b="1" dirty="0" smtClean="0">
+              <a:rPr lang="ko-KR" altLang="en-US" sz="1600" b="1" dirty="0" smtClean="0">
                 <a:solidFill>
                   <a:srgbClr val="C00000"/>
                 </a:solidFill>
@@ -16813,7 +16755,7 @@
               <a:t>작심 삼일</a:t>
             </a:r>
             <a:r>
-              <a:rPr lang="en-US" altLang="ko-KR" b="1" dirty="0" smtClean="0">
+              <a:rPr lang="en-US" altLang="ko-KR" sz="1600" b="1" dirty="0" smtClean="0">
                 <a:solidFill>
                   <a:srgbClr val="C00000"/>
                 </a:solidFill>
@@ -16821,14 +16763,14 @@
               <a:t>, </a:t>
             </a:r>
             <a:r>
-              <a:rPr lang="ko-KR" altLang="en-US" b="1" dirty="0" smtClean="0">
+              <a:rPr lang="ko-KR" altLang="en-US" sz="1600" b="1" dirty="0" smtClean="0">
                 <a:solidFill>
                   <a:srgbClr val="C00000"/>
                 </a:solidFill>
               </a:rPr>
               <a:t>부상</a:t>
             </a:r>
-            <a:endParaRPr lang="en-US" altLang="ko-KR" b="1" dirty="0" smtClean="0">
+            <a:endParaRPr lang="en-US" altLang="ko-KR" sz="1600" b="1" dirty="0" smtClean="0">
               <a:solidFill>
                 <a:srgbClr val="C00000"/>
               </a:solidFill>
@@ -16879,7 +16821,7 @@
               <a:buAutoNum type="arabicPeriod"/>
             </a:pPr>
             <a:r>
-              <a:rPr lang="ko-KR" altLang="en-US" dirty="0" smtClean="0">
+              <a:rPr lang="ko-KR" altLang="en-US" sz="1600" dirty="0" smtClean="0">
                 <a:solidFill>
                   <a:schemeClr val="tx1">
                     <a:lumMod val="85000"/>
@@ -16890,7 +16832,7 @@
               <a:t>언제 어디서나 운동할 수 있으려면</a:t>
             </a:r>
             <a:r>
-              <a:rPr lang="en-US" altLang="ko-KR" dirty="0" smtClean="0">
+              <a:rPr lang="en-US" altLang="ko-KR" sz="1600" dirty="0" smtClean="0">
                 <a:solidFill>
                   <a:schemeClr val="tx1">
                     <a:lumMod val="85000"/>
@@ -16901,14 +16843,14 @@
               <a:t>? </a:t>
             </a:r>
             <a:r>
-              <a:rPr lang="ko-KR" altLang="en-US" b="1" dirty="0" smtClean="0">
+              <a:rPr lang="ko-KR" altLang="en-US" sz="1600" b="1" dirty="0" smtClean="0">
                 <a:solidFill>
                   <a:srgbClr val="C00000"/>
                 </a:solidFill>
               </a:rPr>
               <a:t>홈 트레이닝</a:t>
             </a:r>
-            <a:endParaRPr lang="en-US" altLang="ko-KR" b="1" dirty="0" smtClean="0">
+            <a:endParaRPr lang="en-US" altLang="ko-KR" sz="1600" b="1" dirty="0" smtClean="0">
               <a:solidFill>
                 <a:srgbClr val="C00000"/>
               </a:solidFill>
@@ -16920,7 +16862,7 @@
               <a:buAutoNum type="arabicPeriod"/>
             </a:pPr>
             <a:r>
-              <a:rPr lang="ko-KR" altLang="en-US" dirty="0" smtClean="0">
+              <a:rPr lang="ko-KR" altLang="en-US" sz="1600" dirty="0" smtClean="0">
                 <a:solidFill>
                   <a:schemeClr val="tx1">
                     <a:lumMod val="85000"/>
@@ -16931,7 +16873,7 @@
               <a:t>꾸준히 운동 하려면</a:t>
             </a:r>
             <a:r>
-              <a:rPr lang="en-US" altLang="ko-KR" dirty="0" smtClean="0">
+              <a:rPr lang="en-US" altLang="ko-KR" sz="1600" dirty="0" smtClean="0">
                 <a:solidFill>
                   <a:schemeClr val="tx1">
                     <a:lumMod val="85000"/>
@@ -16942,7 +16884,7 @@
               <a:t>? </a:t>
             </a:r>
             <a:r>
-              <a:rPr lang="ko-KR" altLang="en-US" b="1" dirty="0" smtClean="0">
+              <a:rPr lang="ko-KR" altLang="en-US" sz="1600" b="1" dirty="0" smtClean="0">
                 <a:solidFill>
                   <a:srgbClr val="C00000"/>
                 </a:solidFill>
@@ -16950,7 +16892,7 @@
               <a:t>운동 기록</a:t>
             </a:r>
             <a:r>
-              <a:rPr lang="en-US" altLang="ko-KR" b="1" dirty="0" smtClean="0">
+              <a:rPr lang="en-US" altLang="ko-KR" sz="1600" b="1" dirty="0" smtClean="0">
                 <a:solidFill>
                   <a:srgbClr val="C00000"/>
                 </a:solidFill>
@@ -16958,7 +16900,7 @@
               <a:t>, </a:t>
             </a:r>
             <a:r>
-              <a:rPr lang="ko-KR" altLang="en-US" b="1" dirty="0" err="1" smtClean="0">
+              <a:rPr lang="ko-KR" altLang="en-US" sz="1600" b="1" dirty="0" err="1" smtClean="0">
                 <a:solidFill>
                   <a:srgbClr val="C00000"/>
                 </a:solidFill>
@@ -16966,14 +16908,14 @@
               <a:t>챌린지</a:t>
             </a:r>
             <a:r>
-              <a:rPr lang="ko-KR" altLang="en-US" b="1" dirty="0" smtClean="0">
+              <a:rPr lang="ko-KR" altLang="en-US" sz="1600" b="1" dirty="0" smtClean="0">
                 <a:solidFill>
                   <a:srgbClr val="C00000"/>
                 </a:solidFill>
               </a:rPr>
               <a:t> 참여</a:t>
             </a:r>
-            <a:endParaRPr lang="en-US" altLang="ko-KR" b="1" dirty="0" smtClean="0">
+            <a:endParaRPr lang="en-US" altLang="ko-KR" sz="1600" b="1" dirty="0" smtClean="0">
               <a:solidFill>
                 <a:srgbClr val="C00000"/>
               </a:solidFill>
@@ -16985,7 +16927,7 @@
               <a:buAutoNum type="arabicPeriod"/>
             </a:pPr>
             <a:r>
-              <a:rPr lang="ko-KR" altLang="en-US" dirty="0" smtClean="0">
+              <a:rPr lang="ko-KR" altLang="en-US" sz="1600" dirty="0" smtClean="0">
                 <a:solidFill>
                   <a:schemeClr val="tx1">
                     <a:lumMod val="85000"/>
@@ -16996,7 +16938,7 @@
               <a:t>부상당하지 않으려면</a:t>
             </a:r>
             <a:r>
-              <a:rPr lang="en-US" altLang="ko-KR" dirty="0" smtClean="0">
+              <a:rPr lang="en-US" altLang="ko-KR" sz="1600" dirty="0" smtClean="0">
                 <a:solidFill>
                   <a:schemeClr val="tx1">
                     <a:lumMod val="85000"/>
@@ -17007,201 +16949,25 @@
               <a:t>? </a:t>
             </a:r>
             <a:r>
-              <a:rPr lang="ko-KR" altLang="en-US" b="1" dirty="0" smtClean="0">
+              <a:rPr lang="ko-KR" altLang="en-US" sz="1600" b="1" dirty="0" smtClean="0">
                 <a:solidFill>
                   <a:srgbClr val="C00000"/>
                 </a:solidFill>
               </a:rPr>
-              <a:t>맞춤 프로그램</a:t>
-            </a:r>
-            <a:endParaRPr lang="en-US" altLang="ko-KR" b="1" dirty="0" smtClean="0">
+              <a:t>맞춤 </a:t>
+            </a:r>
+            <a:r>
+              <a:rPr lang="ko-KR" altLang="en-US" sz="1600" b="1" dirty="0" smtClean="0">
+                <a:solidFill>
+                  <a:srgbClr val="C00000"/>
+                </a:solidFill>
+              </a:rPr>
+              <a:t>프로그램</a:t>
+            </a:r>
+            <a:endParaRPr lang="en-US" altLang="ko-KR" sz="1600" b="1" dirty="0" smtClean="0">
               <a:solidFill>
                 <a:srgbClr val="C00000"/>
               </a:solidFill>
-            </a:endParaRPr>
-          </a:p>
-          <a:p>
-            <a:pPr lvl="1"/>
-            <a:endParaRPr lang="en-US" altLang="ko-KR" b="1" dirty="0" smtClean="0">
-              <a:solidFill>
-                <a:srgbClr val="C00000"/>
-              </a:solidFill>
-            </a:endParaRPr>
-          </a:p>
-          <a:p>
-            <a:pPr marL="342900" indent="-342900">
-              <a:buFontTx/>
-              <a:buAutoNum type="arabicPeriod"/>
-            </a:pPr>
-            <a:r>
-              <a:rPr lang="ko-KR" altLang="en-US" b="1" dirty="0" smtClean="0">
-                <a:solidFill>
-                  <a:srgbClr val="C00000"/>
-                </a:solidFill>
-              </a:rPr>
-              <a:t>프로젝트</a:t>
-            </a:r>
-            <a:endParaRPr lang="en-US" altLang="ko-KR" b="1" dirty="0" smtClean="0">
-              <a:solidFill>
-                <a:srgbClr val="C00000"/>
-              </a:solidFill>
-            </a:endParaRPr>
-          </a:p>
-          <a:p>
-            <a:pPr marL="342900" indent="-342900">
-              <a:buFontTx/>
-              <a:buAutoNum type="arabicPeriod"/>
-            </a:pPr>
-            <a:endParaRPr lang="en-US" altLang="ko-KR" b="1" dirty="0">
-              <a:solidFill>
-                <a:srgbClr val="C00000"/>
-              </a:solidFill>
-            </a:endParaRPr>
-          </a:p>
-          <a:p>
-            <a:pPr marL="800100" lvl="1" indent="-342900">
-              <a:buFontTx/>
-              <a:buAutoNum type="arabicPeriod"/>
-            </a:pPr>
-            <a:endParaRPr lang="en-US" altLang="ko-KR" dirty="0" smtClean="0">
-              <a:solidFill>
-                <a:schemeClr val="tx1">
-                  <a:lumMod val="85000"/>
-                  <a:lumOff val="15000"/>
-                </a:schemeClr>
-              </a:solidFill>
-            </a:endParaRPr>
-          </a:p>
-          <a:p>
-            <a:pPr marL="800100" lvl="1" indent="-342900">
-              <a:buFontTx/>
-              <a:buAutoNum type="arabicPeriod"/>
-            </a:pPr>
-            <a:endParaRPr lang="en-US" altLang="ko-KR" dirty="0" smtClean="0">
-              <a:solidFill>
-                <a:schemeClr val="tx1">
-                  <a:lumMod val="85000"/>
-                  <a:lumOff val="15000"/>
-                </a:schemeClr>
-              </a:solidFill>
-            </a:endParaRPr>
-          </a:p>
-          <a:p>
-            <a:pPr marL="800100" lvl="1" indent="-342900">
-              <a:buFontTx/>
-              <a:buAutoNum type="arabicPeriod"/>
-            </a:pPr>
-            <a:r>
-              <a:rPr lang="ko-KR" altLang="en-US" dirty="0" smtClean="0">
-                <a:solidFill>
-                  <a:schemeClr val="tx1">
-                    <a:lumMod val="85000"/>
-                    <a:lumOff val="15000"/>
-                  </a:schemeClr>
-                </a:solidFill>
-              </a:rPr>
-              <a:t>운동을 뜻하는 </a:t>
-            </a:r>
-            <a:r>
-              <a:rPr lang="en-US" altLang="ko-KR" dirty="0" smtClean="0">
-                <a:solidFill>
-                  <a:schemeClr val="tx1">
-                    <a:lumMod val="85000"/>
-                    <a:lumOff val="15000"/>
-                  </a:schemeClr>
-                </a:solidFill>
-              </a:rPr>
-              <a:t>Gym </a:t>
-            </a:r>
-            <a:r>
-              <a:rPr lang="ko-KR" altLang="en-US" dirty="0" smtClean="0">
-                <a:solidFill>
-                  <a:schemeClr val="tx1">
-                    <a:lumMod val="85000"/>
-                    <a:lumOff val="15000"/>
-                  </a:schemeClr>
-                </a:solidFill>
-              </a:rPr>
-              <a:t>과 공동체를 뜻하는 </a:t>
-            </a:r>
-            <a:r>
-              <a:rPr lang="en-US" altLang="ko-KR" dirty="0" smtClean="0">
-                <a:solidFill>
-                  <a:schemeClr val="tx1">
-                    <a:lumMod val="85000"/>
-                    <a:lumOff val="15000"/>
-                  </a:schemeClr>
-                </a:solidFill>
-              </a:rPr>
-              <a:t>Community </a:t>
-            </a:r>
-            <a:r>
-              <a:rPr lang="ko-KR" altLang="en-US" dirty="0" smtClean="0">
-                <a:solidFill>
-                  <a:schemeClr val="tx1">
-                    <a:lumMod val="85000"/>
-                    <a:lumOff val="15000"/>
-                  </a:schemeClr>
-                </a:solidFill>
-              </a:rPr>
-              <a:t>의 합성어</a:t>
-            </a:r>
-            <a:endParaRPr lang="en-US" altLang="ko-KR" dirty="0" smtClean="0">
-              <a:solidFill>
-                <a:schemeClr val="tx1">
-                  <a:lumMod val="85000"/>
-                  <a:lumOff val="15000"/>
-                </a:schemeClr>
-              </a:solidFill>
-            </a:endParaRPr>
-          </a:p>
-          <a:p>
-            <a:pPr marL="800100" lvl="1" indent="-342900">
-              <a:buFontTx/>
-              <a:buAutoNum type="arabicPeriod"/>
-            </a:pPr>
-            <a:r>
-              <a:rPr lang="ko-KR" altLang="en-US" dirty="0" smtClean="0">
-                <a:solidFill>
-                  <a:schemeClr val="tx1">
-                    <a:lumMod val="85000"/>
-                    <a:lumOff val="15000"/>
-                  </a:schemeClr>
-                </a:solidFill>
-              </a:rPr>
-              <a:t>홈 트레이닝을 배우고</a:t>
-            </a:r>
-            <a:r>
-              <a:rPr lang="en-US" altLang="ko-KR" dirty="0" smtClean="0">
-                <a:solidFill>
-                  <a:schemeClr val="tx1">
-                    <a:lumMod val="85000"/>
-                    <a:lumOff val="15000"/>
-                  </a:schemeClr>
-                </a:solidFill>
-              </a:rPr>
-              <a:t>, </a:t>
-            </a:r>
-            <a:r>
-              <a:rPr lang="ko-KR" altLang="en-US" dirty="0" smtClean="0">
-                <a:solidFill>
-                  <a:schemeClr val="tx1">
-                    <a:lumMod val="85000"/>
-                    <a:lumOff val="15000"/>
-                  </a:schemeClr>
-                </a:solidFill>
-              </a:rPr>
-              <a:t>다른 사람들과 함께 지속적인 동기 부여를 장려하는 웹 서비스</a:t>
-            </a:r>
-            <a:endParaRPr lang="ko-KR" altLang="en-US" dirty="0" smtClean="0">
-              <a:solidFill>
-                <a:schemeClr val="tx1">
-                  <a:lumMod val="85000"/>
-                  <a:lumOff val="15000"/>
-                </a:schemeClr>
-              </a:solidFill>
-              <a:latin typeface="나눔고딕" panose="020D0604000000000000" pitchFamily="50" charset="-127"/>
-              <a:ea typeface="나눔고딕" panose="020D0604000000000000" pitchFamily="50" charset="-127"/>
             </a:endParaRPr>
           </a:p>
         </p:txBody>
@@ -17327,7 +17093,7 @@
         </p:blipFill>
         <p:spPr>
           <a:xfrm>
-            <a:off x="1384300" y="1917700"/>
+            <a:off x="2481580" y="-1689872"/>
             <a:ext cx="6858000" cy="6858000"/>
           </a:xfrm>
           <a:prstGeom prst="rect">
@@ -17335,6 +17101,151 @@
           </a:prstGeom>
         </p:spPr>
       </p:pic>
+      <p:sp>
+        <p:nvSpPr>
+          <p:cNvPr id="3" name="직사각형 2"/>
+          <p:cNvSpPr/>
+          <p:nvPr/>
+        </p:nvSpPr>
+        <p:spPr>
+          <a:xfrm>
+            <a:off x="1199242" y="2456225"/>
+            <a:ext cx="9422675" cy="523220"/>
+          </a:xfrm>
+          <a:prstGeom prst="rect">
+            <a:avLst/>
+          </a:prstGeom>
+        </p:spPr>
+        <p:txBody>
+          <a:bodyPr wrap="square">
+            <a:spAutoFit/>
+          </a:bodyPr>
+          <a:lstStyle/>
+          <a:p>
+            <a:pPr lvl="1" algn="ctr"/>
+            <a:r>
+              <a:rPr lang="ko-KR" altLang="en-US" sz="1400" dirty="0" smtClean="0">
+                <a:solidFill>
+                  <a:schemeClr val="tx1">
+                    <a:lumMod val="85000"/>
+                    <a:lumOff val="15000"/>
+                  </a:schemeClr>
+                </a:solidFill>
+              </a:rPr>
+              <a:t>운동을 </a:t>
+            </a:r>
+            <a:r>
+              <a:rPr lang="ko-KR" altLang="en-US" sz="1400" dirty="0">
+                <a:solidFill>
+                  <a:schemeClr val="tx1">
+                    <a:lumMod val="85000"/>
+                    <a:lumOff val="15000"/>
+                  </a:schemeClr>
+                </a:solidFill>
+              </a:rPr>
+              <a:t>뜻하는 </a:t>
+            </a:r>
+            <a:r>
+              <a:rPr lang="en-US" altLang="ko-KR" sz="1400" dirty="0">
+                <a:solidFill>
+                  <a:schemeClr val="tx1">
+                    <a:lumMod val="85000"/>
+                    <a:lumOff val="15000"/>
+                  </a:schemeClr>
+                </a:solidFill>
+              </a:rPr>
+              <a:t>Gym </a:t>
+            </a:r>
+            <a:r>
+              <a:rPr lang="ko-KR" altLang="en-US" sz="1400" dirty="0">
+                <a:solidFill>
+                  <a:schemeClr val="tx1">
+                    <a:lumMod val="85000"/>
+                    <a:lumOff val="15000"/>
+                  </a:schemeClr>
+                </a:solidFill>
+              </a:rPr>
+              <a:t>과 공동체를 뜻하는 </a:t>
+            </a:r>
+            <a:r>
+              <a:rPr lang="en-US" altLang="ko-KR" sz="1400" dirty="0">
+                <a:solidFill>
+                  <a:schemeClr val="tx1">
+                    <a:lumMod val="85000"/>
+                    <a:lumOff val="15000"/>
+                  </a:schemeClr>
+                </a:solidFill>
+              </a:rPr>
+              <a:t>Community </a:t>
+            </a:r>
+            <a:r>
+              <a:rPr lang="ko-KR" altLang="en-US" sz="1400" dirty="0">
+                <a:solidFill>
+                  <a:schemeClr val="tx1">
+                    <a:lumMod val="85000"/>
+                    <a:lumOff val="15000"/>
+                  </a:schemeClr>
+                </a:solidFill>
+              </a:rPr>
+              <a:t>의 합성어</a:t>
+            </a:r>
+            <a:endParaRPr lang="en-US" altLang="ko-KR" sz="1400" dirty="0">
+              <a:solidFill>
+                <a:schemeClr val="tx1">
+                  <a:lumMod val="85000"/>
+                  <a:lumOff val="15000"/>
+                </a:schemeClr>
+              </a:solidFill>
+            </a:endParaRPr>
+          </a:p>
+          <a:p>
+            <a:pPr lvl="1" algn="ctr"/>
+            <a:r>
+              <a:rPr lang="ko-KR" altLang="en-US" sz="1400" dirty="0">
+                <a:solidFill>
+                  <a:schemeClr val="tx1">
+                    <a:lumMod val="85000"/>
+                    <a:lumOff val="15000"/>
+                  </a:schemeClr>
+                </a:solidFill>
+              </a:rPr>
+              <a:t>홈 트레이닝을 배우고</a:t>
+            </a:r>
+            <a:r>
+              <a:rPr lang="en-US" altLang="ko-KR" sz="1400" dirty="0">
+                <a:solidFill>
+                  <a:schemeClr val="tx1">
+                    <a:lumMod val="85000"/>
+                    <a:lumOff val="15000"/>
+                  </a:schemeClr>
+                </a:solidFill>
+              </a:rPr>
+              <a:t>, </a:t>
+            </a:r>
+            <a:r>
+              <a:rPr lang="ko-KR" altLang="en-US" sz="1400" dirty="0">
+                <a:solidFill>
+                  <a:schemeClr val="tx1">
+                    <a:lumMod val="85000"/>
+                    <a:lumOff val="15000"/>
+                  </a:schemeClr>
+                </a:solidFill>
+              </a:rPr>
+              <a:t>다른 사람들과 함께 지속적인 동기 부여를 장려하는 웹 서비스</a:t>
+            </a:r>
+            <a:endParaRPr lang="ko-KR" altLang="en-US" sz="1400" dirty="0">
+              <a:solidFill>
+                <a:schemeClr val="tx1">
+                  <a:lumMod val="85000"/>
+                  <a:lumOff val="15000"/>
+                </a:schemeClr>
+              </a:solidFill>
+              <a:latin typeface="나눔고딕" panose="020D0604000000000000" pitchFamily="50" charset="-127"/>
+              <a:ea typeface="나눔고딕" panose="020D0604000000000000" pitchFamily="50" charset="-127"/>
+            </a:endParaRPr>
+          </a:p>
+        </p:txBody>
+      </p:sp>
     </p:spTree>
     <p:extLst>
       <p:ext uri="{BB962C8B-B14F-4D97-AF65-F5344CB8AC3E}">
@@ -18220,7 +18131,7 @@
         </p:nvSpPr>
         <p:spPr>
           <a:xfrm>
-            <a:off x="2465514" y="2136752"/>
+            <a:off x="215800" y="2136752"/>
             <a:ext cx="2568539" cy="1500027"/>
           </a:xfrm>
           <a:prstGeom prst="rightArrow">
@@ -18353,9 +18264,9 @@
                 <a:latin typeface="나눔고딕 ExtraBold" panose="020D0904000000000000" pitchFamily="50" charset="-127"/>
                 <a:ea typeface="나눔고딕 ExtraBold" panose="020D0904000000000000" pitchFamily="50" charset="-127"/>
               </a:rPr>
-              <a:t>프로젝트 범위 및 일정</a:t>
-            </a:r>
-            <a:endParaRPr lang="ko-KR" altLang="en-US" sz="2400" b="1" dirty="0">
+              <a:t>프로젝트 일정</a:t>
+            </a:r>
+            <a:endParaRPr lang="en-US" altLang="ko-KR" sz="2400" b="1" dirty="0" smtClean="0">
               <a:latin typeface="나눔고딕 ExtraBold" panose="020D0904000000000000" pitchFamily="50" charset="-127"/>
               <a:ea typeface="나눔고딕 ExtraBold" panose="020D0904000000000000" pitchFamily="50" charset="-127"/>
             </a:endParaRPr>
@@ -18394,66 +18305,63 @@
       </p:pic>
       <p:graphicFrame>
         <p:nvGraphicFramePr>
-          <p:cNvPr id="7" name="표 6"/>
+          <p:cNvPr id="2" name="표 1"/>
           <p:cNvGraphicFramePr>
             <a:graphicFrameLocks noGrp="1"/>
           </p:cNvGraphicFramePr>
           <p:nvPr>
             <p:extLst>
               <p:ext uri="{D42A27DB-BD31-4B8C-83A1-F6EECF244321}">
-                <p14:modId xmlns:p14="http://schemas.microsoft.com/office/powerpoint/2010/main" val="745379906"/>
+                <p14:modId xmlns:p14="http://schemas.microsoft.com/office/powerpoint/2010/main" val="4144958387"/>
               </p:ext>
             </p:extLst>
           </p:nvPr>
         </p:nvGraphicFramePr>
         <p:xfrm>
-          <a:off x="261258" y="3988528"/>
-          <a:ext cx="11686900" cy="2647404"/>
+          <a:off x="391886" y="909439"/>
+          <a:ext cx="11495313" cy="5784283"/>
         </p:xfrm>
         <a:graphic>
           <a:graphicData uri="http://schemas.openxmlformats.org/drawingml/2006/table">
             <a:tbl>
-              <a:tblPr firstRow="1" bandRow="1">
+              <a:tblPr>
                 <a:tableStyleId>{5C22544A-7EE6-4342-B048-85BDC9FD1C3A}</a:tableStyleId>
               </a:tblPr>
               <a:tblGrid>
-                <a:gridCol w="2337380"/>
-                <a:gridCol w="2337380"/>
-                <a:gridCol w="2337380"/>
-                <a:gridCol w="2337380"/>
-                <a:gridCol w="2337380"/>
+                <a:gridCol w="910520"/>
+                <a:gridCol w="910520"/>
+                <a:gridCol w="1669286"/>
+                <a:gridCol w="2668329"/>
+                <a:gridCol w="2668329"/>
+                <a:gridCol w="2668329"/>
               </a:tblGrid>
-              <a:tr h="441234">
+              <a:tr h="257938">
                 <a:tc>
                   <a:txBody>
                     <a:bodyPr/>
                     <a:lstStyle/>
                     <a:p>
-                      <a:pPr marL="0" marR="0" indent="0" algn="ctr" defTabSz="914400" rtl="0" eaLnBrk="1" fontAlgn="auto" latinLnBrk="1" hangingPunct="1">
-                        <a:lnSpc>
-                          <a:spcPct val="100000"/>
-                        </a:lnSpc>
-                        <a:spcBef>
-                          <a:spcPts val="0"/>
-                        </a:spcBef>
-                        <a:spcAft>
-                          <a:spcPts val="0"/>
-                        </a:spcAft>
-                        <a:buClrTx/>
-                        <a:buSzTx/>
-                        <a:buFontTx/>
-                        <a:buNone/>
-                        <a:tabLst/>
-                        <a:defRPr/>
-                      </a:pPr>
-                      <a:r>
-                        <a:rPr lang="ko-KR" altLang="en-US" dirty="0" smtClean="0"/>
-                        <a:t>월</a:t>
-                      </a:r>
-                      <a:endParaRPr lang="ko-KR" altLang="en-US" dirty="0"/>
+                      <a:pPr algn="ctr" fontAlgn="b"/>
+                      <a:r>
+                        <a:rPr lang="ko-KR" altLang="en-US" sz="1600" b="1" u="none" strike="noStrike" dirty="0">
+                          <a:solidFill>
+                            <a:schemeClr val="bg1"/>
+                          </a:solidFill>
+                          <a:effectLst/>
+                        </a:rPr>
+                        <a:t>　</a:t>
+                      </a:r>
+                      <a:endParaRPr lang="ko-KR" altLang="en-US" sz="1600" b="1" i="0" u="none" strike="noStrike" dirty="0">
+                        <a:solidFill>
+                          <a:schemeClr val="bg1"/>
+                        </a:solidFill>
+                        <a:effectLst/>
+                        <a:latin typeface="맑은 고딕" panose="020B0503020000020004" pitchFamily="50" charset="-127"/>
+                        <a:ea typeface="맑은 고딕" panose="020B0503020000020004" pitchFamily="50" charset="-127"/>
+                      </a:endParaRPr>
                     </a:p>
                   </a:txBody>
-                  <a:tcPr anchor="ctr">
+                  <a:tcPr marL="6757" marR="6757" marT="6757" marB="0" anchor="ctr">
                     <a:solidFill>
                       <a:srgbClr val="31375D"/>
                     </a:solidFill>
@@ -18464,15 +18372,27 @@
                     <a:bodyPr/>
                     <a:lstStyle/>
                     <a:p>
-                      <a:pPr algn="ctr" latinLnBrk="1"/>
-                      <a:r>
-                        <a:rPr lang="ko-KR" altLang="en-US" dirty="0" smtClean="0"/>
-                        <a:t>화</a:t>
-                      </a:r>
-                      <a:endParaRPr lang="ko-KR" altLang="en-US" dirty="0"/>
+                      <a:pPr algn="ctr" fontAlgn="b"/>
+                      <a:r>
+                        <a:rPr lang="ko-KR" altLang="en-US" sz="1600" b="1" u="none" strike="noStrike" dirty="0">
+                          <a:solidFill>
+                            <a:schemeClr val="bg1"/>
+                          </a:solidFill>
+                          <a:effectLst/>
+                        </a:rPr>
+                        <a:t>　</a:t>
+                      </a:r>
+                      <a:endParaRPr lang="ko-KR" altLang="en-US" sz="1600" b="1" i="0" u="none" strike="noStrike" dirty="0">
+                        <a:solidFill>
+                          <a:schemeClr val="bg1"/>
+                        </a:solidFill>
+                        <a:effectLst/>
+                        <a:latin typeface="맑은 고딕" panose="020B0503020000020004" pitchFamily="50" charset="-127"/>
+                        <a:ea typeface="맑은 고딕" panose="020B0503020000020004" pitchFamily="50" charset="-127"/>
+                      </a:endParaRPr>
                     </a:p>
                   </a:txBody>
-                  <a:tcPr anchor="ctr">
+                  <a:tcPr marL="6757" marR="6757" marT="6757" marB="0" anchor="ctr">
                     <a:solidFill>
                       <a:srgbClr val="31375D"/>
                     </a:solidFill>
@@ -18483,15 +18403,27 @@
                     <a:bodyPr/>
                     <a:lstStyle/>
                     <a:p>
-                      <a:pPr algn="ctr" latinLnBrk="1"/>
-                      <a:r>
-                        <a:rPr lang="ko-KR" altLang="en-US" dirty="0" smtClean="0"/>
-                        <a:t>수</a:t>
-                      </a:r>
-                      <a:endParaRPr lang="ko-KR" altLang="en-US" dirty="0"/>
+                      <a:pPr algn="ctr" fontAlgn="b"/>
+                      <a:r>
+                        <a:rPr lang="ko-KR" altLang="en-US" sz="1600" b="1" u="none" strike="noStrike" dirty="0">
+                          <a:solidFill>
+                            <a:schemeClr val="bg1"/>
+                          </a:solidFill>
+                          <a:effectLst/>
+                        </a:rPr>
+                        <a:t>주제</a:t>
+                      </a:r>
+                      <a:endParaRPr lang="ko-KR" altLang="en-US" sz="1600" b="1" i="0" u="none" strike="noStrike" dirty="0">
+                        <a:solidFill>
+                          <a:schemeClr val="bg1"/>
+                        </a:solidFill>
+                        <a:effectLst/>
+                        <a:latin typeface="맑은 고딕" panose="020B0503020000020004" pitchFamily="50" charset="-127"/>
+                        <a:ea typeface="맑은 고딕" panose="020B0503020000020004" pitchFamily="50" charset="-127"/>
+                      </a:endParaRPr>
                     </a:p>
                   </a:txBody>
-                  <a:tcPr anchor="ctr">
+                  <a:tcPr marL="6757" marR="6757" marT="6757" marB="0" anchor="ctr">
                     <a:solidFill>
                       <a:srgbClr val="31375D"/>
                     </a:solidFill>
@@ -18502,15 +18434,27 @@
                     <a:bodyPr/>
                     <a:lstStyle/>
                     <a:p>
-                      <a:pPr algn="ctr" latinLnBrk="1"/>
-                      <a:r>
-                        <a:rPr lang="ko-KR" altLang="en-US" dirty="0" smtClean="0"/>
-                        <a:t>목</a:t>
-                      </a:r>
-                      <a:endParaRPr lang="ko-KR" altLang="en-US" dirty="0"/>
+                      <a:pPr algn="ctr" fontAlgn="b"/>
+                      <a:r>
+                        <a:rPr lang="ko-KR" altLang="en-US" sz="1600" b="1" u="none" strike="noStrike" dirty="0">
+                          <a:solidFill>
+                            <a:schemeClr val="bg1"/>
+                          </a:solidFill>
+                          <a:effectLst/>
+                        </a:rPr>
+                        <a:t>홍보람</a:t>
+                      </a:r>
+                      <a:endParaRPr lang="ko-KR" altLang="en-US" sz="1600" b="1" i="0" u="none" strike="noStrike" dirty="0">
+                        <a:solidFill>
+                          <a:schemeClr val="bg1"/>
+                        </a:solidFill>
+                        <a:effectLst/>
+                        <a:latin typeface="맑은 고딕" panose="020B0503020000020004" pitchFamily="50" charset="-127"/>
+                        <a:ea typeface="맑은 고딕" panose="020B0503020000020004" pitchFamily="50" charset="-127"/>
+                      </a:endParaRPr>
                     </a:p>
                   </a:txBody>
-                  <a:tcPr anchor="ctr">
+                  <a:tcPr marL="6757" marR="6757" marT="6757" marB="0" anchor="ctr">
                     <a:solidFill>
                       <a:srgbClr val="31375D"/>
                     </a:solidFill>
@@ -18521,32 +18465,1119 @@
                     <a:bodyPr/>
                     <a:lstStyle/>
                     <a:p>
-                      <a:pPr algn="ctr" latinLnBrk="1"/>
-                      <a:r>
-                        <a:rPr lang="ko-KR" altLang="en-US" dirty="0" smtClean="0"/>
-                        <a:t>금</a:t>
-                      </a:r>
-                      <a:endParaRPr lang="ko-KR" altLang="en-US" dirty="0"/>
+                      <a:pPr algn="ctr" fontAlgn="b"/>
+                      <a:r>
+                        <a:rPr lang="ko-KR" altLang="en-US" sz="1600" b="1" u="none" strike="noStrike" dirty="0">
+                          <a:solidFill>
+                            <a:schemeClr val="bg1"/>
+                          </a:solidFill>
+                          <a:effectLst/>
+                        </a:rPr>
+                        <a:t>김민호</a:t>
+                      </a:r>
+                      <a:r>
+                        <a:rPr lang="en-US" altLang="ko-KR" sz="1600" b="1" u="none" strike="noStrike" dirty="0">
+                          <a:solidFill>
+                            <a:schemeClr val="bg1"/>
+                          </a:solidFill>
+                          <a:effectLst/>
+                        </a:rPr>
+                        <a:t>, </a:t>
+                      </a:r>
+                      <a:r>
+                        <a:rPr lang="ko-KR" altLang="en-US" sz="1600" b="1" u="none" strike="noStrike" dirty="0">
+                          <a:solidFill>
+                            <a:schemeClr val="bg1"/>
+                          </a:solidFill>
+                          <a:effectLst/>
+                        </a:rPr>
+                        <a:t>조윤수</a:t>
+                      </a:r>
+                      <a:endParaRPr lang="ko-KR" altLang="en-US" sz="1600" b="1" i="0" u="none" strike="noStrike" dirty="0">
+                        <a:solidFill>
+                          <a:schemeClr val="bg1"/>
+                        </a:solidFill>
+                        <a:effectLst/>
+                        <a:latin typeface="맑은 고딕" panose="020B0503020000020004" pitchFamily="50" charset="-127"/>
+                        <a:ea typeface="맑은 고딕" panose="020B0503020000020004" pitchFamily="50" charset="-127"/>
+                      </a:endParaRPr>
                     </a:p>
                   </a:txBody>
-                  <a:tcPr anchor="ctr">
+                  <a:tcPr marL="6757" marR="6757" marT="6757" marB="0" anchor="ctr">
+                    <a:solidFill>
+                      <a:srgbClr val="31375D"/>
+                    </a:solidFill>
+                  </a:tcPr>
+                </a:tc>
+                <a:tc>
+                  <a:txBody>
+                    <a:bodyPr/>
+                    <a:lstStyle/>
+                    <a:p>
+                      <a:pPr algn="ctr" fontAlgn="b"/>
+                      <a:r>
+                        <a:rPr lang="ko-KR" altLang="en-US" sz="1600" b="1" u="none" strike="noStrike" dirty="0">
+                          <a:solidFill>
+                            <a:schemeClr val="bg1"/>
+                          </a:solidFill>
+                          <a:effectLst/>
+                        </a:rPr>
+                        <a:t>김진화</a:t>
+                      </a:r>
+                      <a:r>
+                        <a:rPr lang="en-US" altLang="ko-KR" sz="1600" b="1" u="none" strike="noStrike" dirty="0">
+                          <a:solidFill>
+                            <a:schemeClr val="bg1"/>
+                          </a:solidFill>
+                          <a:effectLst/>
+                        </a:rPr>
+                        <a:t>, </a:t>
+                      </a:r>
+                      <a:r>
+                        <a:rPr lang="ko-KR" altLang="en-US" sz="1600" b="1" u="none" strike="noStrike" dirty="0">
+                          <a:solidFill>
+                            <a:schemeClr val="bg1"/>
+                          </a:solidFill>
+                          <a:effectLst/>
+                        </a:rPr>
+                        <a:t>임채현</a:t>
+                      </a:r>
+                      <a:endParaRPr lang="ko-KR" altLang="en-US" sz="1600" b="1" i="0" u="none" strike="noStrike" dirty="0">
+                        <a:solidFill>
+                          <a:schemeClr val="bg1"/>
+                        </a:solidFill>
+                        <a:effectLst/>
+                        <a:latin typeface="맑은 고딕" panose="020B0503020000020004" pitchFamily="50" charset="-127"/>
+                        <a:ea typeface="맑은 고딕" panose="020B0503020000020004" pitchFamily="50" charset="-127"/>
+                      </a:endParaRPr>
+                    </a:p>
+                  </a:txBody>
+                  <a:tcPr marL="6757" marR="6757" marT="6757" marB="0" anchor="ctr">
                     <a:solidFill>
                       <a:srgbClr val="31375D"/>
                     </a:solidFill>
                   </a:tcPr>
                 </a:tc>
               </a:tr>
-              <a:tr h="441234">
+              <a:tr h="266544">
                 <a:tc>
                   <a:txBody>
                     <a:bodyPr/>
                     <a:lstStyle/>
                     <a:p>
-                      <a:pPr latinLnBrk="1"/>
-                      <a:endParaRPr lang="ko-KR" altLang="en-US" sz="1400" b="0" dirty="0"/>
+                      <a:pPr algn="ctr" fontAlgn="b"/>
+                      <a:r>
+                        <a:rPr lang="en-US" altLang="ko-KR" sz="1100" u="none" strike="noStrike" dirty="0">
+                          <a:solidFill>
+                            <a:schemeClr val="tx1">
+                              <a:lumMod val="85000"/>
+                              <a:lumOff val="15000"/>
+                            </a:schemeClr>
+                          </a:solidFill>
+                          <a:effectLst/>
+                        </a:rPr>
+                        <a:t>4</a:t>
+                      </a:r>
+                      <a:r>
+                        <a:rPr lang="ko-KR" altLang="en-US" sz="1100" u="none" strike="noStrike" dirty="0">
+                          <a:solidFill>
+                            <a:schemeClr val="tx1">
+                              <a:lumMod val="85000"/>
+                              <a:lumOff val="15000"/>
+                            </a:schemeClr>
+                          </a:solidFill>
+                          <a:effectLst/>
+                        </a:rPr>
+                        <a:t>월 </a:t>
+                      </a:r>
+                      <a:r>
+                        <a:rPr lang="en-US" altLang="ko-KR" sz="1100" u="none" strike="noStrike" dirty="0">
+                          <a:solidFill>
+                            <a:schemeClr val="tx1">
+                              <a:lumMod val="85000"/>
+                              <a:lumOff val="15000"/>
+                            </a:schemeClr>
+                          </a:solidFill>
+                          <a:effectLst/>
+                        </a:rPr>
+                        <a:t>3</a:t>
+                      </a:r>
+                      <a:r>
+                        <a:rPr lang="ko-KR" altLang="en-US" sz="1100" u="none" strike="noStrike" dirty="0">
+                          <a:solidFill>
+                            <a:schemeClr val="tx1">
+                              <a:lumMod val="85000"/>
+                              <a:lumOff val="15000"/>
+                            </a:schemeClr>
+                          </a:solidFill>
+                          <a:effectLst/>
+                        </a:rPr>
+                        <a:t>일</a:t>
+                      </a:r>
+                      <a:endParaRPr lang="ko-KR" altLang="en-US" sz="1100" b="0" i="0" u="none" strike="noStrike" dirty="0">
+                        <a:solidFill>
+                          <a:schemeClr val="tx1">
+                            <a:lumMod val="85000"/>
+                            <a:lumOff val="15000"/>
+                          </a:schemeClr>
+                        </a:solidFill>
+                        <a:effectLst/>
+                        <a:latin typeface="맑은 고딕" panose="020B0503020000020004" pitchFamily="50" charset="-127"/>
+                        <a:ea typeface="맑은 고딕" panose="020B0503020000020004" pitchFamily="50" charset="-127"/>
+                      </a:endParaRPr>
                     </a:p>
                   </a:txBody>
-                  <a:tcPr>
+                  <a:tcPr marL="6757" marR="6757" marT="6757" marB="0" anchor="ctr">
+                    <a:solidFill>
+                      <a:srgbClr val="D7D7D7"/>
+                    </a:solidFill>
+                  </a:tcPr>
+                </a:tc>
+                <a:tc>
+                  <a:txBody>
+                    <a:bodyPr/>
+                    <a:lstStyle/>
+                    <a:p>
+                      <a:pPr algn="ctr" fontAlgn="b"/>
+                      <a:r>
+                        <a:rPr lang="ko-KR" altLang="en-US" sz="1100" u="none" strike="noStrike">
+                          <a:solidFill>
+                            <a:schemeClr val="tx1">
+                              <a:lumMod val="85000"/>
+                              <a:lumOff val="15000"/>
+                            </a:schemeClr>
+                          </a:solidFill>
+                          <a:effectLst/>
+                        </a:rPr>
+                        <a:t>수요일</a:t>
+                      </a:r>
+                      <a:endParaRPr lang="ko-KR" altLang="en-US" sz="1100" b="0" i="0" u="none" strike="noStrike">
+                        <a:solidFill>
+                          <a:schemeClr val="tx1">
+                            <a:lumMod val="85000"/>
+                            <a:lumOff val="15000"/>
+                          </a:schemeClr>
+                        </a:solidFill>
+                        <a:effectLst/>
+                        <a:latin typeface="맑은 고딕" panose="020B0503020000020004" pitchFamily="50" charset="-127"/>
+                        <a:ea typeface="맑은 고딕" panose="020B0503020000020004" pitchFamily="50" charset="-127"/>
+                      </a:endParaRPr>
+                    </a:p>
+                  </a:txBody>
+                  <a:tcPr marL="6757" marR="6757" marT="6757" marB="0" anchor="ctr">
+                    <a:solidFill>
+                      <a:srgbClr val="D7D7D7"/>
+                    </a:solidFill>
+                  </a:tcPr>
+                </a:tc>
+                <a:tc>
+                  <a:txBody>
+                    <a:bodyPr/>
+                    <a:lstStyle/>
+                    <a:p>
+                      <a:pPr algn="ctr" fontAlgn="b"/>
+                      <a:r>
+                        <a:rPr lang="ko-KR" altLang="en-US" sz="1100" u="none" strike="noStrike" dirty="0">
+                          <a:solidFill>
+                            <a:schemeClr val="tx1">
+                              <a:lumMod val="85000"/>
+                              <a:lumOff val="15000"/>
+                            </a:schemeClr>
+                          </a:solidFill>
+                          <a:effectLst/>
+                        </a:rPr>
+                        <a:t>시작발표</a:t>
+                      </a:r>
+                      <a:endParaRPr lang="ko-KR" altLang="en-US" sz="1100" b="0" i="0" u="none" strike="noStrike" dirty="0">
+                        <a:solidFill>
+                          <a:schemeClr val="tx1">
+                            <a:lumMod val="85000"/>
+                            <a:lumOff val="15000"/>
+                          </a:schemeClr>
+                        </a:solidFill>
+                        <a:effectLst/>
+                        <a:latin typeface="맑은 고딕" panose="020B0503020000020004" pitchFamily="50" charset="-127"/>
+                        <a:ea typeface="맑은 고딕" panose="020B0503020000020004" pitchFamily="50" charset="-127"/>
+                      </a:endParaRPr>
+                    </a:p>
+                  </a:txBody>
+                  <a:tcPr marL="6757" marR="6757" marT="6757" marB="0" anchor="ctr">
+                    <a:solidFill>
+                      <a:srgbClr val="D7D7D7"/>
+                    </a:solidFill>
+                  </a:tcPr>
+                </a:tc>
+                <a:tc gridSpan="3">
+                  <a:txBody>
+                    <a:bodyPr/>
+                    <a:lstStyle/>
+                    <a:p>
+                      <a:pPr algn="ctr" fontAlgn="b"/>
+                      <a:r>
+                        <a:rPr lang="ko-KR" altLang="en-US" sz="1100" u="none" strike="noStrike">
+                          <a:solidFill>
+                            <a:schemeClr val="tx1">
+                              <a:lumMod val="85000"/>
+                              <a:lumOff val="15000"/>
+                            </a:schemeClr>
+                          </a:solidFill>
+                          <a:effectLst/>
+                        </a:rPr>
+                        <a:t>스토리보드 설계</a:t>
+                      </a:r>
+                      <a:endParaRPr lang="ko-KR" altLang="en-US" sz="1100" b="0" i="0" u="none" strike="noStrike">
+                        <a:solidFill>
+                          <a:schemeClr val="tx1">
+                            <a:lumMod val="85000"/>
+                            <a:lumOff val="15000"/>
+                          </a:schemeClr>
+                        </a:solidFill>
+                        <a:effectLst/>
+                        <a:latin typeface="맑은 고딕" panose="020B0503020000020004" pitchFamily="50" charset="-127"/>
+                        <a:ea typeface="맑은 고딕" panose="020B0503020000020004" pitchFamily="50" charset="-127"/>
+                      </a:endParaRPr>
+                    </a:p>
+                  </a:txBody>
+                  <a:tcPr marL="6757" marR="6757" marT="6757" marB="0" anchor="ctr">
+                    <a:solidFill>
+                      <a:srgbClr val="F8F9FA"/>
+                    </a:solidFill>
+                  </a:tcPr>
+                </a:tc>
+                <a:tc hMerge="1">
+                  <a:txBody>
+                    <a:bodyPr/>
+                    <a:lstStyle/>
+                    <a:p>
+                      <a:pPr latinLnBrk="1"/>
+                      <a:endParaRPr lang="ko-KR" altLang="en-US"/>
+                    </a:p>
+                  </a:txBody>
+                  <a:tcPr/>
+                </a:tc>
+                <a:tc hMerge="1">
+                  <a:txBody>
+                    <a:bodyPr/>
+                    <a:lstStyle/>
+                    <a:p>
+                      <a:pPr latinLnBrk="1"/>
+                      <a:endParaRPr lang="ko-KR" altLang="en-US"/>
+                    </a:p>
+                  </a:txBody>
+                  <a:tcPr/>
+                </a:tc>
+              </a:tr>
+              <a:tr h="266544">
+                <a:tc>
+                  <a:txBody>
+                    <a:bodyPr/>
+                    <a:lstStyle/>
+                    <a:p>
+                      <a:pPr algn="ctr" fontAlgn="b"/>
+                      <a:r>
+                        <a:rPr lang="en-US" altLang="ko-KR" sz="1100" u="none" strike="noStrike">
+                          <a:solidFill>
+                            <a:schemeClr val="tx1">
+                              <a:lumMod val="85000"/>
+                              <a:lumOff val="15000"/>
+                            </a:schemeClr>
+                          </a:solidFill>
+                          <a:effectLst/>
+                        </a:rPr>
+                        <a:t>4</a:t>
+                      </a:r>
+                      <a:r>
+                        <a:rPr lang="ko-KR" altLang="en-US" sz="1100" u="none" strike="noStrike">
+                          <a:solidFill>
+                            <a:schemeClr val="tx1">
+                              <a:lumMod val="85000"/>
+                              <a:lumOff val="15000"/>
+                            </a:schemeClr>
+                          </a:solidFill>
+                          <a:effectLst/>
+                        </a:rPr>
+                        <a:t>월 </a:t>
+                      </a:r>
+                      <a:r>
+                        <a:rPr lang="en-US" altLang="ko-KR" sz="1100" u="none" strike="noStrike">
+                          <a:solidFill>
+                            <a:schemeClr val="tx1">
+                              <a:lumMod val="85000"/>
+                              <a:lumOff val="15000"/>
+                            </a:schemeClr>
+                          </a:solidFill>
+                          <a:effectLst/>
+                        </a:rPr>
+                        <a:t>4</a:t>
+                      </a:r>
+                      <a:r>
+                        <a:rPr lang="ko-KR" altLang="en-US" sz="1100" u="none" strike="noStrike">
+                          <a:solidFill>
+                            <a:schemeClr val="tx1">
+                              <a:lumMod val="85000"/>
+                              <a:lumOff val="15000"/>
+                            </a:schemeClr>
+                          </a:solidFill>
+                          <a:effectLst/>
+                        </a:rPr>
+                        <a:t>일</a:t>
+                      </a:r>
+                      <a:endParaRPr lang="ko-KR" altLang="en-US" sz="1100" b="0" i="0" u="none" strike="noStrike">
+                        <a:solidFill>
+                          <a:schemeClr val="tx1">
+                            <a:lumMod val="85000"/>
+                            <a:lumOff val="15000"/>
+                          </a:schemeClr>
+                        </a:solidFill>
+                        <a:effectLst/>
+                        <a:latin typeface="맑은 고딕" panose="020B0503020000020004" pitchFamily="50" charset="-127"/>
+                        <a:ea typeface="맑은 고딕" panose="020B0503020000020004" pitchFamily="50" charset="-127"/>
+                      </a:endParaRPr>
+                    </a:p>
+                  </a:txBody>
+                  <a:tcPr marL="6757" marR="6757" marT="6757" marB="0" anchor="ctr">
+                    <a:solidFill>
+                      <a:srgbClr val="D7D7D7"/>
+                    </a:solidFill>
+                  </a:tcPr>
+                </a:tc>
+                <a:tc>
+                  <a:txBody>
+                    <a:bodyPr/>
+                    <a:lstStyle/>
+                    <a:p>
+                      <a:pPr algn="ctr" fontAlgn="b"/>
+                      <a:r>
+                        <a:rPr lang="ko-KR" altLang="en-US" sz="1100" u="none" strike="noStrike">
+                          <a:solidFill>
+                            <a:schemeClr val="tx1">
+                              <a:lumMod val="85000"/>
+                              <a:lumOff val="15000"/>
+                            </a:schemeClr>
+                          </a:solidFill>
+                          <a:effectLst/>
+                        </a:rPr>
+                        <a:t>목요일</a:t>
+                      </a:r>
+                      <a:endParaRPr lang="ko-KR" altLang="en-US" sz="1100" b="0" i="0" u="none" strike="noStrike">
+                        <a:solidFill>
+                          <a:schemeClr val="tx1">
+                            <a:lumMod val="85000"/>
+                            <a:lumOff val="15000"/>
+                          </a:schemeClr>
+                        </a:solidFill>
+                        <a:effectLst/>
+                        <a:latin typeface="맑은 고딕" panose="020B0503020000020004" pitchFamily="50" charset="-127"/>
+                        <a:ea typeface="맑은 고딕" panose="020B0503020000020004" pitchFamily="50" charset="-127"/>
+                      </a:endParaRPr>
+                    </a:p>
+                  </a:txBody>
+                  <a:tcPr marL="6757" marR="6757" marT="6757" marB="0" anchor="ctr">
+                    <a:solidFill>
+                      <a:srgbClr val="D7D7D7"/>
+                    </a:solidFill>
+                  </a:tcPr>
+                </a:tc>
+                <a:tc rowSpan="2">
+                  <a:txBody>
+                    <a:bodyPr/>
+                    <a:lstStyle/>
+                    <a:p>
+                      <a:pPr algn="ctr" fontAlgn="b"/>
+                      <a:r>
+                        <a:rPr lang="ko-KR" altLang="en-US" sz="1100" u="none" strike="noStrike" dirty="0" err="1">
+                          <a:solidFill>
+                            <a:schemeClr val="tx1">
+                              <a:lumMod val="85000"/>
+                              <a:lumOff val="15000"/>
+                            </a:schemeClr>
+                          </a:solidFill>
+                          <a:effectLst/>
+                        </a:rPr>
+                        <a:t>멘토링</a:t>
+                      </a:r>
+                      <a:endParaRPr lang="ko-KR" altLang="en-US" sz="1100" b="0" i="0" u="none" strike="noStrike" dirty="0">
+                        <a:solidFill>
+                          <a:schemeClr val="tx1">
+                            <a:lumMod val="85000"/>
+                            <a:lumOff val="15000"/>
+                          </a:schemeClr>
+                        </a:solidFill>
+                        <a:effectLst/>
+                        <a:latin typeface="맑은 고딕" panose="020B0503020000020004" pitchFamily="50" charset="-127"/>
+                        <a:ea typeface="맑은 고딕" panose="020B0503020000020004" pitchFamily="50" charset="-127"/>
+                      </a:endParaRPr>
+                    </a:p>
+                  </a:txBody>
+                  <a:tcPr marL="6757" marR="6757" marT="6757" marB="0" anchor="ctr">
+                    <a:solidFill>
+                      <a:srgbClr val="D7D7D7"/>
+                    </a:solidFill>
+                  </a:tcPr>
+                </a:tc>
+                <a:tc rowSpan="2" gridSpan="3">
+                  <a:txBody>
+                    <a:bodyPr/>
+                    <a:lstStyle/>
+                    <a:p>
+                      <a:pPr algn="ctr" fontAlgn="b"/>
+                      <a:r>
+                        <a:rPr lang="ko-KR" altLang="en-US" sz="1100" u="none" strike="noStrike">
+                          <a:solidFill>
+                            <a:schemeClr val="tx1">
+                              <a:lumMod val="85000"/>
+                              <a:lumOff val="15000"/>
+                            </a:schemeClr>
+                          </a:solidFill>
+                          <a:effectLst/>
+                        </a:rPr>
+                        <a:t>멘토링</a:t>
+                      </a:r>
+                      <a:endParaRPr lang="ko-KR" altLang="en-US" sz="1100" b="0" i="0" u="none" strike="noStrike">
+                        <a:solidFill>
+                          <a:schemeClr val="tx1">
+                            <a:lumMod val="85000"/>
+                            <a:lumOff val="15000"/>
+                          </a:schemeClr>
+                        </a:solidFill>
+                        <a:effectLst/>
+                        <a:latin typeface="맑은 고딕" panose="020B0503020000020004" pitchFamily="50" charset="-127"/>
+                        <a:ea typeface="맑은 고딕" panose="020B0503020000020004" pitchFamily="50" charset="-127"/>
+                      </a:endParaRPr>
+                    </a:p>
+                  </a:txBody>
+                  <a:tcPr marL="6757" marR="6757" marT="6757" marB="0" anchor="ctr">
+                    <a:solidFill>
+                      <a:srgbClr val="F8F9FA"/>
+                    </a:solidFill>
+                  </a:tcPr>
+                </a:tc>
+                <a:tc rowSpan="2" hMerge="1">
+                  <a:txBody>
+                    <a:bodyPr/>
+                    <a:lstStyle/>
+                    <a:p>
+                      <a:pPr latinLnBrk="1"/>
+                      <a:endParaRPr lang="ko-KR" altLang="en-US"/>
+                    </a:p>
+                  </a:txBody>
+                  <a:tcPr/>
+                </a:tc>
+                <a:tc rowSpan="2" hMerge="1">
+                  <a:txBody>
+                    <a:bodyPr/>
+                    <a:lstStyle/>
+                    <a:p>
+                      <a:pPr latinLnBrk="1"/>
+                      <a:endParaRPr lang="ko-KR" altLang="en-US"/>
+                    </a:p>
+                  </a:txBody>
+                  <a:tcPr/>
+                </a:tc>
+              </a:tr>
+              <a:tr h="266544">
+                <a:tc>
+                  <a:txBody>
+                    <a:bodyPr/>
+                    <a:lstStyle/>
+                    <a:p>
+                      <a:pPr algn="ctr" fontAlgn="b"/>
+                      <a:r>
+                        <a:rPr lang="en-US" altLang="ko-KR" sz="1100" u="none" strike="noStrike">
+                          <a:solidFill>
+                            <a:schemeClr val="tx1">
+                              <a:lumMod val="85000"/>
+                              <a:lumOff val="15000"/>
+                            </a:schemeClr>
+                          </a:solidFill>
+                          <a:effectLst/>
+                        </a:rPr>
+                        <a:t>4</a:t>
+                      </a:r>
+                      <a:r>
+                        <a:rPr lang="ko-KR" altLang="en-US" sz="1100" u="none" strike="noStrike">
+                          <a:solidFill>
+                            <a:schemeClr val="tx1">
+                              <a:lumMod val="85000"/>
+                              <a:lumOff val="15000"/>
+                            </a:schemeClr>
+                          </a:solidFill>
+                          <a:effectLst/>
+                        </a:rPr>
+                        <a:t>월 </a:t>
+                      </a:r>
+                      <a:r>
+                        <a:rPr lang="en-US" altLang="ko-KR" sz="1100" u="none" strike="noStrike">
+                          <a:solidFill>
+                            <a:schemeClr val="tx1">
+                              <a:lumMod val="85000"/>
+                              <a:lumOff val="15000"/>
+                            </a:schemeClr>
+                          </a:solidFill>
+                          <a:effectLst/>
+                        </a:rPr>
+                        <a:t>5</a:t>
+                      </a:r>
+                      <a:r>
+                        <a:rPr lang="ko-KR" altLang="en-US" sz="1100" u="none" strike="noStrike">
+                          <a:solidFill>
+                            <a:schemeClr val="tx1">
+                              <a:lumMod val="85000"/>
+                              <a:lumOff val="15000"/>
+                            </a:schemeClr>
+                          </a:solidFill>
+                          <a:effectLst/>
+                        </a:rPr>
+                        <a:t>일</a:t>
+                      </a:r>
+                      <a:endParaRPr lang="ko-KR" altLang="en-US" sz="1100" b="0" i="0" u="none" strike="noStrike">
+                        <a:solidFill>
+                          <a:schemeClr val="tx1">
+                            <a:lumMod val="85000"/>
+                            <a:lumOff val="15000"/>
+                          </a:schemeClr>
+                        </a:solidFill>
+                        <a:effectLst/>
+                        <a:latin typeface="맑은 고딕" panose="020B0503020000020004" pitchFamily="50" charset="-127"/>
+                        <a:ea typeface="맑은 고딕" panose="020B0503020000020004" pitchFamily="50" charset="-127"/>
+                      </a:endParaRPr>
+                    </a:p>
+                  </a:txBody>
+                  <a:tcPr marL="6757" marR="6757" marT="6757" marB="0" anchor="ctr">
+                    <a:solidFill>
+                      <a:srgbClr val="D7D7D7"/>
+                    </a:solidFill>
+                  </a:tcPr>
+                </a:tc>
+                <a:tc>
+                  <a:txBody>
+                    <a:bodyPr/>
+                    <a:lstStyle/>
+                    <a:p>
+                      <a:pPr algn="ctr" fontAlgn="b"/>
+                      <a:r>
+                        <a:rPr lang="ko-KR" altLang="en-US" sz="1100" u="none" strike="noStrike" dirty="0">
+                          <a:solidFill>
+                            <a:schemeClr val="tx1">
+                              <a:lumMod val="85000"/>
+                              <a:lumOff val="15000"/>
+                            </a:schemeClr>
+                          </a:solidFill>
+                          <a:effectLst/>
+                        </a:rPr>
+                        <a:t>금요일</a:t>
+                      </a:r>
+                      <a:endParaRPr lang="ko-KR" altLang="en-US" sz="1100" b="0" i="0" u="none" strike="noStrike" dirty="0">
+                        <a:solidFill>
+                          <a:schemeClr val="tx1">
+                            <a:lumMod val="85000"/>
+                            <a:lumOff val="15000"/>
+                          </a:schemeClr>
+                        </a:solidFill>
+                        <a:effectLst/>
+                        <a:latin typeface="맑은 고딕" panose="020B0503020000020004" pitchFamily="50" charset="-127"/>
+                        <a:ea typeface="맑은 고딕" panose="020B0503020000020004" pitchFamily="50" charset="-127"/>
+                      </a:endParaRPr>
+                    </a:p>
+                  </a:txBody>
+                  <a:tcPr marL="6757" marR="6757" marT="6757" marB="0" anchor="ctr">
+                    <a:solidFill>
+                      <a:srgbClr val="D7D7D7"/>
+                    </a:solidFill>
+                  </a:tcPr>
+                </a:tc>
+                <a:tc vMerge="1">
+                  <a:txBody>
+                    <a:bodyPr/>
+                    <a:lstStyle/>
+                    <a:p>
+                      <a:pPr algn="ctr" fontAlgn="b"/>
+                      <a:endParaRPr lang="ko-KR" altLang="en-US" sz="1100" b="0" i="0" u="none" strike="noStrike" dirty="0">
+                        <a:solidFill>
+                          <a:srgbClr val="000000"/>
+                        </a:solidFill>
+                        <a:effectLst/>
+                        <a:latin typeface="맑은 고딕" panose="020B0503020000020004" pitchFamily="50" charset="-127"/>
+                        <a:ea typeface="맑은 고딕" panose="020B0503020000020004" pitchFamily="50" charset="-127"/>
+                      </a:endParaRPr>
+                    </a:p>
+                  </a:txBody>
+                  <a:tcPr marL="6757" marR="6757" marT="6757" marB="0" anchor="ctr">
+                    <a:solidFill>
+                      <a:srgbClr val="F8F9FA"/>
+                    </a:solidFill>
+                  </a:tcPr>
+                </a:tc>
+                <a:tc gridSpan="3" vMerge="1">
+                  <a:txBody>
+                    <a:bodyPr/>
+                    <a:lstStyle/>
+                    <a:p>
+                      <a:pPr latinLnBrk="1"/>
+                      <a:endParaRPr lang="ko-KR" altLang="en-US"/>
+                    </a:p>
+                  </a:txBody>
+                  <a:tcPr/>
+                </a:tc>
+                <a:tc hMerge="1" vMerge="1">
+                  <a:txBody>
+                    <a:bodyPr/>
+                    <a:lstStyle/>
+                    <a:p>
+                      <a:pPr latinLnBrk="1"/>
+                      <a:endParaRPr lang="ko-KR" altLang="en-US"/>
+                    </a:p>
+                  </a:txBody>
+                  <a:tcPr/>
+                </a:tc>
+                <a:tc hMerge="1" vMerge="1">
+                  <a:txBody>
+                    <a:bodyPr/>
+                    <a:lstStyle/>
+                    <a:p>
+                      <a:pPr latinLnBrk="1"/>
+                      <a:endParaRPr lang="ko-KR" altLang="en-US"/>
+                    </a:p>
+                  </a:txBody>
+                  <a:tcPr/>
+                </a:tc>
+              </a:tr>
+              <a:tr h="266544">
+                <a:tc>
+                  <a:txBody>
+                    <a:bodyPr/>
+                    <a:lstStyle/>
+                    <a:p>
+                      <a:pPr algn="ctr" fontAlgn="b"/>
+                      <a:r>
+                        <a:rPr lang="en-US" altLang="ko-KR" sz="1100" u="none" strike="noStrike">
+                          <a:solidFill>
+                            <a:schemeClr val="tx1">
+                              <a:lumMod val="85000"/>
+                              <a:lumOff val="15000"/>
+                            </a:schemeClr>
+                          </a:solidFill>
+                          <a:effectLst/>
+                        </a:rPr>
+                        <a:t>4</a:t>
+                      </a:r>
+                      <a:r>
+                        <a:rPr lang="ko-KR" altLang="en-US" sz="1100" u="none" strike="noStrike">
+                          <a:solidFill>
+                            <a:schemeClr val="tx1">
+                              <a:lumMod val="85000"/>
+                              <a:lumOff val="15000"/>
+                            </a:schemeClr>
+                          </a:solidFill>
+                          <a:effectLst/>
+                        </a:rPr>
+                        <a:t>월 </a:t>
+                      </a:r>
+                      <a:r>
+                        <a:rPr lang="en-US" altLang="ko-KR" sz="1100" u="none" strike="noStrike">
+                          <a:solidFill>
+                            <a:schemeClr val="tx1">
+                              <a:lumMod val="85000"/>
+                              <a:lumOff val="15000"/>
+                            </a:schemeClr>
+                          </a:solidFill>
+                          <a:effectLst/>
+                        </a:rPr>
+                        <a:t>8</a:t>
+                      </a:r>
+                      <a:r>
+                        <a:rPr lang="ko-KR" altLang="en-US" sz="1100" u="none" strike="noStrike">
+                          <a:solidFill>
+                            <a:schemeClr val="tx1">
+                              <a:lumMod val="85000"/>
+                              <a:lumOff val="15000"/>
+                            </a:schemeClr>
+                          </a:solidFill>
+                          <a:effectLst/>
+                        </a:rPr>
+                        <a:t>일</a:t>
+                      </a:r>
+                      <a:endParaRPr lang="ko-KR" altLang="en-US" sz="1100" b="0" i="0" u="none" strike="noStrike">
+                        <a:solidFill>
+                          <a:schemeClr val="tx1">
+                            <a:lumMod val="85000"/>
+                            <a:lumOff val="15000"/>
+                          </a:schemeClr>
+                        </a:solidFill>
+                        <a:effectLst/>
+                        <a:latin typeface="맑은 고딕" panose="020B0503020000020004" pitchFamily="50" charset="-127"/>
+                        <a:ea typeface="맑은 고딕" panose="020B0503020000020004" pitchFamily="50" charset="-127"/>
+                      </a:endParaRPr>
+                    </a:p>
+                  </a:txBody>
+                  <a:tcPr marL="6757" marR="6757" marT="6757" marB="0" anchor="ctr">
+                    <a:solidFill>
+                      <a:srgbClr val="D7D7D7"/>
+                    </a:solidFill>
+                  </a:tcPr>
+                </a:tc>
+                <a:tc>
+                  <a:txBody>
+                    <a:bodyPr/>
+                    <a:lstStyle/>
+                    <a:p>
+                      <a:pPr algn="ctr" fontAlgn="b"/>
+                      <a:r>
+                        <a:rPr lang="ko-KR" altLang="en-US" sz="1100" u="none" strike="noStrike">
+                          <a:solidFill>
+                            <a:schemeClr val="tx1">
+                              <a:lumMod val="85000"/>
+                              <a:lumOff val="15000"/>
+                            </a:schemeClr>
+                          </a:solidFill>
+                          <a:effectLst/>
+                        </a:rPr>
+                        <a:t>월요일</a:t>
+                      </a:r>
+                      <a:endParaRPr lang="ko-KR" altLang="en-US" sz="1100" b="0" i="0" u="none" strike="noStrike">
+                        <a:solidFill>
+                          <a:schemeClr val="tx1">
+                            <a:lumMod val="85000"/>
+                            <a:lumOff val="15000"/>
+                          </a:schemeClr>
+                        </a:solidFill>
+                        <a:effectLst/>
+                        <a:latin typeface="맑은 고딕" panose="020B0503020000020004" pitchFamily="50" charset="-127"/>
+                        <a:ea typeface="맑은 고딕" panose="020B0503020000020004" pitchFamily="50" charset="-127"/>
+                      </a:endParaRPr>
+                    </a:p>
+                  </a:txBody>
+                  <a:tcPr marL="6757" marR="6757" marT="6757" marB="0" anchor="ctr">
+                    <a:solidFill>
+                      <a:srgbClr val="D7D7D7"/>
+                    </a:solidFill>
+                  </a:tcPr>
+                </a:tc>
+                <a:tc>
+                  <a:txBody>
+                    <a:bodyPr/>
+                    <a:lstStyle/>
+                    <a:p>
+                      <a:pPr algn="ctr" fontAlgn="b"/>
+                      <a:r>
+                        <a:rPr lang="ko-KR" altLang="en-US" sz="1100" u="none" strike="noStrike" dirty="0">
+                          <a:solidFill>
+                            <a:schemeClr val="tx1">
+                              <a:lumMod val="85000"/>
+                              <a:lumOff val="15000"/>
+                            </a:schemeClr>
+                          </a:solidFill>
+                          <a:effectLst/>
+                        </a:rPr>
+                        <a:t>기획</a:t>
+                      </a:r>
+                      <a:endParaRPr lang="ko-KR" altLang="en-US" sz="1100" b="0" i="0" u="none" strike="noStrike" dirty="0">
+                        <a:solidFill>
+                          <a:schemeClr val="tx1">
+                            <a:lumMod val="85000"/>
+                            <a:lumOff val="15000"/>
+                          </a:schemeClr>
+                        </a:solidFill>
+                        <a:effectLst/>
+                        <a:latin typeface="맑은 고딕" panose="020B0503020000020004" pitchFamily="50" charset="-127"/>
+                        <a:ea typeface="맑은 고딕" panose="020B0503020000020004" pitchFamily="50" charset="-127"/>
+                      </a:endParaRPr>
+                    </a:p>
+                  </a:txBody>
+                  <a:tcPr marL="6757" marR="6757" marT="6757" marB="0" anchor="ctr">
+                    <a:solidFill>
+                      <a:srgbClr val="D7D7D7"/>
+                    </a:solidFill>
+                  </a:tcPr>
+                </a:tc>
+                <a:tc gridSpan="3">
+                  <a:txBody>
+                    <a:bodyPr/>
+                    <a:lstStyle/>
+                    <a:p>
+                      <a:pPr algn="ctr" fontAlgn="b"/>
+                      <a:r>
+                        <a:rPr lang="en-US" sz="1100" u="none" strike="noStrike">
+                          <a:solidFill>
+                            <a:schemeClr val="tx1">
+                              <a:lumMod val="85000"/>
+                              <a:lumOff val="15000"/>
+                            </a:schemeClr>
+                          </a:solidFill>
+                          <a:effectLst/>
+                        </a:rPr>
+                        <a:t>ERD </a:t>
+                      </a:r>
+                      <a:r>
+                        <a:rPr lang="ko-KR" altLang="en-US" sz="1100" u="none" strike="noStrike">
+                          <a:solidFill>
+                            <a:schemeClr val="tx1">
+                              <a:lumMod val="85000"/>
+                              <a:lumOff val="15000"/>
+                            </a:schemeClr>
+                          </a:solidFill>
+                          <a:effectLst/>
+                        </a:rPr>
+                        <a:t>설계</a:t>
+                      </a:r>
+                      <a:endParaRPr lang="ko-KR" altLang="en-US" sz="1100" b="0" i="0" u="none" strike="noStrike">
+                        <a:solidFill>
+                          <a:schemeClr val="tx1">
+                            <a:lumMod val="85000"/>
+                            <a:lumOff val="15000"/>
+                          </a:schemeClr>
+                        </a:solidFill>
+                        <a:effectLst/>
+                        <a:latin typeface="맑은 고딕" panose="020B0503020000020004" pitchFamily="50" charset="-127"/>
+                        <a:ea typeface="맑은 고딕" panose="020B0503020000020004" pitchFamily="50" charset="-127"/>
+                      </a:endParaRPr>
+                    </a:p>
+                  </a:txBody>
+                  <a:tcPr marL="6757" marR="6757" marT="6757" marB="0" anchor="ctr">
+                    <a:solidFill>
+                      <a:srgbClr val="F8F9FA"/>
+                    </a:solidFill>
+                  </a:tcPr>
+                </a:tc>
+                <a:tc hMerge="1">
+                  <a:txBody>
+                    <a:bodyPr/>
+                    <a:lstStyle/>
+                    <a:p>
+                      <a:pPr latinLnBrk="1"/>
+                      <a:endParaRPr lang="ko-KR" altLang="en-US"/>
+                    </a:p>
+                  </a:txBody>
+                  <a:tcPr/>
+                </a:tc>
+                <a:tc hMerge="1">
+                  <a:txBody>
+                    <a:bodyPr/>
+                    <a:lstStyle/>
+                    <a:p>
+                      <a:pPr latinLnBrk="1"/>
+                      <a:endParaRPr lang="ko-KR" altLang="en-US"/>
+                    </a:p>
+                  </a:txBody>
+                  <a:tcPr/>
+                </a:tc>
+              </a:tr>
+              <a:tr h="266544">
+                <a:tc>
+                  <a:txBody>
+                    <a:bodyPr/>
+                    <a:lstStyle/>
+                    <a:p>
+                      <a:pPr algn="ctr" fontAlgn="b"/>
+                      <a:r>
+                        <a:rPr lang="en-US" altLang="ko-KR" sz="1100" u="none" strike="noStrike">
+                          <a:solidFill>
+                            <a:schemeClr val="tx1">
+                              <a:lumMod val="85000"/>
+                              <a:lumOff val="15000"/>
+                            </a:schemeClr>
+                          </a:solidFill>
+                          <a:effectLst/>
+                        </a:rPr>
+                        <a:t>4</a:t>
+                      </a:r>
+                      <a:r>
+                        <a:rPr lang="ko-KR" altLang="en-US" sz="1100" u="none" strike="noStrike">
+                          <a:solidFill>
+                            <a:schemeClr val="tx1">
+                              <a:lumMod val="85000"/>
+                              <a:lumOff val="15000"/>
+                            </a:schemeClr>
+                          </a:solidFill>
+                          <a:effectLst/>
+                        </a:rPr>
+                        <a:t>월 </a:t>
+                      </a:r>
+                      <a:r>
+                        <a:rPr lang="en-US" altLang="ko-KR" sz="1100" u="none" strike="noStrike">
+                          <a:solidFill>
+                            <a:schemeClr val="tx1">
+                              <a:lumMod val="85000"/>
+                              <a:lumOff val="15000"/>
+                            </a:schemeClr>
+                          </a:solidFill>
+                          <a:effectLst/>
+                        </a:rPr>
+                        <a:t>9</a:t>
+                      </a:r>
+                      <a:r>
+                        <a:rPr lang="ko-KR" altLang="en-US" sz="1100" u="none" strike="noStrike">
+                          <a:solidFill>
+                            <a:schemeClr val="tx1">
+                              <a:lumMod val="85000"/>
+                              <a:lumOff val="15000"/>
+                            </a:schemeClr>
+                          </a:solidFill>
+                          <a:effectLst/>
+                        </a:rPr>
+                        <a:t>일</a:t>
+                      </a:r>
+                      <a:endParaRPr lang="ko-KR" altLang="en-US" sz="1100" b="0" i="0" u="none" strike="noStrike">
+                        <a:solidFill>
+                          <a:schemeClr val="tx1">
+                            <a:lumMod val="85000"/>
+                            <a:lumOff val="15000"/>
+                          </a:schemeClr>
+                        </a:solidFill>
+                        <a:effectLst/>
+                        <a:latin typeface="맑은 고딕" panose="020B0503020000020004" pitchFamily="50" charset="-127"/>
+                        <a:ea typeface="맑은 고딕" panose="020B0503020000020004" pitchFamily="50" charset="-127"/>
+                      </a:endParaRPr>
+                    </a:p>
+                  </a:txBody>
+                  <a:tcPr marL="6757" marR="6757" marT="6757" marB="0" anchor="ctr">
+                    <a:solidFill>
+                      <a:srgbClr val="D7D7D7"/>
+                    </a:solidFill>
+                  </a:tcPr>
+                </a:tc>
+                <a:tc>
+                  <a:txBody>
+                    <a:bodyPr/>
+                    <a:lstStyle/>
+                    <a:p>
+                      <a:pPr algn="ctr" fontAlgn="b"/>
+                      <a:r>
+                        <a:rPr lang="ko-KR" altLang="en-US" sz="1100" u="none" strike="noStrike">
+                          <a:solidFill>
+                            <a:schemeClr val="tx1">
+                              <a:lumMod val="85000"/>
+                              <a:lumOff val="15000"/>
+                            </a:schemeClr>
+                          </a:solidFill>
+                          <a:effectLst/>
+                        </a:rPr>
+                        <a:t>화요일</a:t>
+                      </a:r>
+                      <a:endParaRPr lang="ko-KR" altLang="en-US" sz="1100" b="0" i="0" u="none" strike="noStrike">
+                        <a:solidFill>
+                          <a:schemeClr val="tx1">
+                            <a:lumMod val="85000"/>
+                            <a:lumOff val="15000"/>
+                          </a:schemeClr>
+                        </a:solidFill>
+                        <a:effectLst/>
+                        <a:latin typeface="맑은 고딕" panose="020B0503020000020004" pitchFamily="50" charset="-127"/>
+                        <a:ea typeface="맑은 고딕" panose="020B0503020000020004" pitchFamily="50" charset="-127"/>
+                      </a:endParaRPr>
+                    </a:p>
+                  </a:txBody>
+                  <a:tcPr marL="6757" marR="6757" marT="6757" marB="0" anchor="ctr">
+                    <a:solidFill>
+                      <a:srgbClr val="D7D7D7"/>
+                    </a:solidFill>
+                  </a:tcPr>
+                </a:tc>
+                <a:tc rowSpan="8">
+                  <a:txBody>
+                    <a:bodyPr/>
+                    <a:lstStyle/>
+                    <a:p>
+                      <a:pPr algn="ctr" fontAlgn="b"/>
+                      <a:r>
+                        <a:rPr lang="ko-KR" altLang="en-US" sz="1100" u="none" strike="noStrike" dirty="0">
+                          <a:solidFill>
+                            <a:schemeClr val="tx1">
+                              <a:lumMod val="85000"/>
+                              <a:lumOff val="15000"/>
+                            </a:schemeClr>
+                          </a:solidFill>
+                          <a:effectLst/>
+                        </a:rPr>
+                        <a:t>개별 기능 </a:t>
+                      </a:r>
+                      <a:r>
+                        <a:rPr lang="ko-KR" altLang="en-US" sz="1100" u="none" strike="noStrike" dirty="0" smtClean="0">
+                          <a:solidFill>
+                            <a:schemeClr val="tx1">
+                              <a:lumMod val="85000"/>
+                              <a:lumOff val="15000"/>
+                            </a:schemeClr>
+                          </a:solidFill>
+                          <a:effectLst/>
+                        </a:rPr>
+                        <a:t>구현</a:t>
+                      </a:r>
+                      <a:endParaRPr lang="ko-KR" altLang="en-US" sz="1100" b="0" i="0" u="none" strike="noStrike" dirty="0">
+                        <a:solidFill>
+                          <a:schemeClr val="tx1">
+                            <a:lumMod val="85000"/>
+                            <a:lumOff val="15000"/>
+                          </a:schemeClr>
+                        </a:solidFill>
+                        <a:effectLst/>
+                        <a:latin typeface="맑은 고딕" panose="020B0503020000020004" pitchFamily="50" charset="-127"/>
+                        <a:ea typeface="맑은 고딕" panose="020B0503020000020004" pitchFamily="50" charset="-127"/>
+                      </a:endParaRPr>
+                    </a:p>
+                  </a:txBody>
+                  <a:tcPr marL="6757" marR="6757" marT="6757" marB="0" anchor="ctr">
+                    <a:solidFill>
+                      <a:srgbClr val="D7D7D7"/>
+                    </a:solidFill>
+                  </a:tcPr>
+                </a:tc>
+                <a:tc>
+                  <a:txBody>
+                    <a:bodyPr/>
+                    <a:lstStyle/>
+                    <a:p>
+                      <a:pPr algn="ctr" fontAlgn="b"/>
+                      <a:r>
+                        <a:rPr lang="ko-KR" altLang="en-US" sz="1100" u="none" strike="noStrike" dirty="0" err="1">
+                          <a:solidFill>
+                            <a:schemeClr val="tx1">
+                              <a:lumMod val="85000"/>
+                              <a:lumOff val="15000"/>
+                            </a:schemeClr>
+                          </a:solidFill>
+                          <a:effectLst/>
+                        </a:rPr>
+                        <a:t>프론트</a:t>
+                      </a:r>
+                      <a:r>
+                        <a:rPr lang="ko-KR" altLang="en-US" sz="1100" u="none" strike="noStrike" dirty="0">
+                          <a:solidFill>
+                            <a:schemeClr val="tx1">
+                              <a:lumMod val="85000"/>
+                              <a:lumOff val="15000"/>
+                            </a:schemeClr>
+                          </a:solidFill>
+                          <a:effectLst/>
+                        </a:rPr>
+                        <a:t> 레이아웃 </a:t>
+                      </a:r>
+                      <a:r>
+                        <a:rPr lang="en-US" altLang="ko-KR" sz="1100" u="none" strike="noStrike" dirty="0">
+                          <a:solidFill>
+                            <a:schemeClr val="tx1">
+                              <a:lumMod val="85000"/>
+                              <a:lumOff val="15000"/>
+                            </a:schemeClr>
+                          </a:solidFill>
+                          <a:effectLst/>
+                        </a:rPr>
+                        <a:t>(PT)</a:t>
+                      </a:r>
+                      <a:endParaRPr lang="en-US" altLang="ko-KR" sz="1100" b="0" i="0" u="none" strike="noStrike" dirty="0">
+                        <a:solidFill>
+                          <a:schemeClr val="tx1">
+                            <a:lumMod val="85000"/>
+                            <a:lumOff val="15000"/>
+                          </a:schemeClr>
+                        </a:solidFill>
+                        <a:effectLst/>
+                        <a:latin typeface="맑은 고딕" panose="020B0503020000020004" pitchFamily="50" charset="-127"/>
+                        <a:ea typeface="맑은 고딕" panose="020B0503020000020004" pitchFamily="50" charset="-127"/>
+                      </a:endParaRPr>
+                    </a:p>
+                  </a:txBody>
+                  <a:tcPr marL="6757" marR="6757" marT="6757" marB="0" anchor="ctr">
                     <a:solidFill>
                       <a:srgbClr val="F8F9FA"/>
                     </a:solidFill>
@@ -18557,11 +19588,45 @@
                     <a:bodyPr/>
                     <a:lstStyle/>
                     <a:p>
-                      <a:pPr latinLnBrk="1"/>
-                      <a:endParaRPr lang="ko-KR" altLang="en-US" sz="1400" b="0" dirty="0"/>
+                      <a:pPr algn="ctr" fontAlgn="b"/>
+                      <a:r>
+                        <a:rPr lang="en-US" sz="1100" u="none" strike="noStrike">
+                          <a:solidFill>
+                            <a:schemeClr val="tx1">
+                              <a:lumMod val="85000"/>
+                              <a:lumOff val="15000"/>
+                            </a:schemeClr>
+                          </a:solidFill>
+                          <a:effectLst/>
+                        </a:rPr>
+                        <a:t>DB </a:t>
+                      </a:r>
+                      <a:r>
+                        <a:rPr lang="ko-KR" altLang="en-US" sz="1100" u="none" strike="noStrike">
+                          <a:solidFill>
+                            <a:schemeClr val="tx1">
+                              <a:lumMod val="85000"/>
+                              <a:lumOff val="15000"/>
+                            </a:schemeClr>
+                          </a:solidFill>
+                          <a:effectLst/>
+                        </a:rPr>
+                        <a:t>구축</a:t>
+                      </a:r>
+                      <a:endParaRPr lang="ko-KR" altLang="en-US" sz="1100" b="0" i="0" u="none" strike="noStrike">
+                        <a:solidFill>
+                          <a:schemeClr val="tx1">
+                            <a:lumMod val="85000"/>
+                            <a:lumOff val="15000"/>
+                          </a:schemeClr>
+                        </a:solidFill>
+                        <a:effectLst/>
+                        <a:latin typeface="맑은 고딕" panose="020B0503020000020004" pitchFamily="50" charset="-127"/>
+                        <a:ea typeface="맑은 고딕" panose="020B0503020000020004" pitchFamily="50" charset="-127"/>
+                      </a:endParaRPr>
                     </a:p>
                   </a:txBody>
-                  <a:tcPr>
+                  <a:tcPr marL="6757" marR="6757" marT="6757" marB="0" anchor="ctr">
                     <a:solidFill>
                       <a:srgbClr val="F8F9FA"/>
                     </a:solidFill>
@@ -18572,19 +19637,179 @@
                     <a:bodyPr/>
                     <a:lstStyle/>
                     <a:p>
-                      <a:pPr latinLnBrk="1"/>
-                      <a:r>
-                        <a:rPr lang="en-US" altLang="ko-KR" sz="1400" b="1" dirty="0" smtClean="0"/>
-                        <a:t>4/3 </a:t>
-                      </a:r>
-                      <a:r>
-                        <a:rPr lang="ko-KR" altLang="en-US" sz="1400" b="1" dirty="0" smtClean="0"/>
-                        <a:t>시작발표</a:t>
-                      </a:r>
-                      <a:endParaRPr lang="ko-KR" altLang="en-US" sz="1400" b="1" dirty="0"/>
+                      <a:pPr algn="ctr" fontAlgn="b"/>
+                      <a:r>
+                        <a:rPr lang="ko-KR" altLang="en-US" sz="1100" u="none" strike="noStrike">
+                          <a:solidFill>
+                            <a:schemeClr val="tx1">
+                              <a:lumMod val="85000"/>
+                              <a:lumOff val="15000"/>
+                            </a:schemeClr>
+                          </a:solidFill>
+                          <a:effectLst/>
+                        </a:rPr>
+                        <a:t>프론트 레이아웃 </a:t>
+                      </a:r>
+                      <a:r>
+                        <a:rPr lang="en-US" altLang="ko-KR" sz="1100" u="none" strike="noStrike">
+                          <a:solidFill>
+                            <a:schemeClr val="tx1">
+                              <a:lumMod val="85000"/>
+                              <a:lumOff val="15000"/>
+                            </a:schemeClr>
+                          </a:solidFill>
+                          <a:effectLst/>
+                        </a:rPr>
+                        <a:t>(Challenge)</a:t>
+                      </a:r>
+                      <a:endParaRPr lang="en-US" altLang="ko-KR" sz="1100" b="0" i="0" u="none" strike="noStrike">
+                        <a:solidFill>
+                          <a:schemeClr val="tx1">
+                            <a:lumMod val="85000"/>
+                            <a:lumOff val="15000"/>
+                          </a:schemeClr>
+                        </a:solidFill>
+                        <a:effectLst/>
+                        <a:latin typeface="맑은 고딕" panose="020B0503020000020004" pitchFamily="50" charset="-127"/>
+                        <a:ea typeface="맑은 고딕" panose="020B0503020000020004" pitchFamily="50" charset="-127"/>
+                      </a:endParaRPr>
                     </a:p>
                   </a:txBody>
-                  <a:tcPr>
+                  <a:tcPr marL="6757" marR="6757" marT="6757" marB="0" anchor="ctr">
+                    <a:solidFill>
+                      <a:srgbClr val="F8F9FA"/>
+                    </a:solidFill>
+                  </a:tcPr>
+                </a:tc>
+              </a:tr>
+              <a:tr h="266544">
+                <a:tc>
+                  <a:txBody>
+                    <a:bodyPr/>
+                    <a:lstStyle/>
+                    <a:p>
+                      <a:pPr algn="ctr" fontAlgn="b"/>
+                      <a:r>
+                        <a:rPr lang="en-US" altLang="ko-KR" sz="1100" u="none" strike="noStrike">
+                          <a:solidFill>
+                            <a:schemeClr val="tx1">
+                              <a:lumMod val="85000"/>
+                              <a:lumOff val="15000"/>
+                            </a:schemeClr>
+                          </a:solidFill>
+                          <a:effectLst/>
+                        </a:rPr>
+                        <a:t>4</a:t>
+                      </a:r>
+                      <a:r>
+                        <a:rPr lang="ko-KR" altLang="en-US" sz="1100" u="none" strike="noStrike">
+                          <a:solidFill>
+                            <a:schemeClr val="tx1">
+                              <a:lumMod val="85000"/>
+                              <a:lumOff val="15000"/>
+                            </a:schemeClr>
+                          </a:solidFill>
+                          <a:effectLst/>
+                        </a:rPr>
+                        <a:t>월 </a:t>
+                      </a:r>
+                      <a:r>
+                        <a:rPr lang="en-US" altLang="ko-KR" sz="1100" u="none" strike="noStrike">
+                          <a:solidFill>
+                            <a:schemeClr val="tx1">
+                              <a:lumMod val="85000"/>
+                              <a:lumOff val="15000"/>
+                            </a:schemeClr>
+                          </a:solidFill>
+                          <a:effectLst/>
+                        </a:rPr>
+                        <a:t>11</a:t>
+                      </a:r>
+                      <a:r>
+                        <a:rPr lang="ko-KR" altLang="en-US" sz="1100" u="none" strike="noStrike">
+                          <a:solidFill>
+                            <a:schemeClr val="tx1">
+                              <a:lumMod val="85000"/>
+                              <a:lumOff val="15000"/>
+                            </a:schemeClr>
+                          </a:solidFill>
+                          <a:effectLst/>
+                        </a:rPr>
+                        <a:t>일</a:t>
+                      </a:r>
+                      <a:endParaRPr lang="ko-KR" altLang="en-US" sz="1100" b="0" i="0" u="none" strike="noStrike">
+                        <a:solidFill>
+                          <a:schemeClr val="tx1">
+                            <a:lumMod val="85000"/>
+                            <a:lumOff val="15000"/>
+                          </a:schemeClr>
+                        </a:solidFill>
+                        <a:effectLst/>
+                        <a:latin typeface="맑은 고딕" panose="020B0503020000020004" pitchFamily="50" charset="-127"/>
+                        <a:ea typeface="맑은 고딕" panose="020B0503020000020004" pitchFamily="50" charset="-127"/>
+                      </a:endParaRPr>
+                    </a:p>
+                  </a:txBody>
+                  <a:tcPr marL="6757" marR="6757" marT="6757" marB="0" anchor="ctr">
+                    <a:solidFill>
+                      <a:srgbClr val="D7D7D7"/>
+                    </a:solidFill>
+                  </a:tcPr>
+                </a:tc>
+                <a:tc>
+                  <a:txBody>
+                    <a:bodyPr/>
+                    <a:lstStyle/>
+                    <a:p>
+                      <a:pPr algn="ctr" fontAlgn="b"/>
+                      <a:r>
+                        <a:rPr lang="ko-KR" altLang="en-US" sz="1100" u="none" strike="noStrike">
+                          <a:solidFill>
+                            <a:schemeClr val="tx1">
+                              <a:lumMod val="85000"/>
+                              <a:lumOff val="15000"/>
+                            </a:schemeClr>
+                          </a:solidFill>
+                          <a:effectLst/>
+                        </a:rPr>
+                        <a:t>목요일</a:t>
+                      </a:r>
+                      <a:endParaRPr lang="ko-KR" altLang="en-US" sz="1100" b="0" i="0" u="none" strike="noStrike">
+                        <a:solidFill>
+                          <a:schemeClr val="tx1">
+                            <a:lumMod val="85000"/>
+                            <a:lumOff val="15000"/>
+                          </a:schemeClr>
+                        </a:solidFill>
+                        <a:effectLst/>
+                        <a:latin typeface="맑은 고딕" panose="020B0503020000020004" pitchFamily="50" charset="-127"/>
+                        <a:ea typeface="맑은 고딕" panose="020B0503020000020004" pitchFamily="50" charset="-127"/>
+                      </a:endParaRPr>
+                    </a:p>
+                  </a:txBody>
+                  <a:tcPr marL="6757" marR="6757" marT="6757" marB="0" anchor="ctr">
+                    <a:solidFill>
+                      <a:srgbClr val="D7D7D7"/>
+                    </a:solidFill>
+                  </a:tcPr>
+                </a:tc>
+                <a:tc vMerge="1">
+                  <a:txBody>
+                    <a:bodyPr/>
+                    <a:lstStyle/>
+                    <a:p>
+                      <a:pPr algn="ctr" fontAlgn="b"/>
+                      <a:endParaRPr lang="ko-KR" altLang="en-US" sz="1100" b="0" i="0" u="none" strike="noStrike" dirty="0">
+                        <a:solidFill>
+                          <a:srgbClr val="000000"/>
+                        </a:solidFill>
+                        <a:effectLst/>
+                        <a:latin typeface="맑은 고딕" panose="020B0503020000020004" pitchFamily="50" charset="-127"/>
+                        <a:ea typeface="맑은 고딕" panose="020B0503020000020004" pitchFamily="50" charset="-127"/>
+                      </a:endParaRPr>
+                    </a:p>
+                  </a:txBody>
+                  <a:tcPr marL="6757" marR="6757" marT="6757" marB="0" anchor="ctr">
                     <a:solidFill>
                       <a:srgbClr val="F8F9FA"/>
                     </a:solidFill>
@@ -18595,15 +19820,33 @@
                     <a:bodyPr/>
                     <a:lstStyle/>
                     <a:p>
-                      <a:pPr latinLnBrk="1"/>
-                      <a:r>
-                        <a:rPr lang="en-US" altLang="ko-KR" sz="1400" b="0" dirty="0" smtClean="0"/>
-                        <a:t>4</a:t>
-                      </a:r>
-                      <a:endParaRPr lang="ko-KR" altLang="en-US" sz="1400" b="0" dirty="0"/>
+                      <a:pPr algn="ctr" fontAlgn="b"/>
+                      <a:r>
+                        <a:rPr lang="ko-KR" altLang="en-US" sz="1100" u="none" strike="noStrike">
+                          <a:solidFill>
+                            <a:schemeClr val="tx1">
+                              <a:lumMod val="85000"/>
+                              <a:lumOff val="15000"/>
+                            </a:schemeClr>
+                          </a:solidFill>
+                          <a:effectLst/>
+                        </a:rPr>
+                        <a:t>맞춤 훈련 영상 리스트</a:t>
+                      </a:r>
+                      <a:endParaRPr lang="ko-KR" altLang="en-US" sz="1100" b="0" i="0" u="none" strike="noStrike">
+                        <a:solidFill>
+                          <a:schemeClr val="tx1">
+                            <a:lumMod val="85000"/>
+                            <a:lumOff val="15000"/>
+                          </a:schemeClr>
+                        </a:solidFill>
+                        <a:effectLst/>
+                        <a:latin typeface="맑은 고딕" panose="020B0503020000020004" pitchFamily="50" charset="-127"/>
+                        <a:ea typeface="맑은 고딕" panose="020B0503020000020004" pitchFamily="50" charset="-127"/>
+                      </a:endParaRPr>
                     </a:p>
                   </a:txBody>
-                  <a:tcPr>
+                  <a:tcPr marL="6757" marR="6757" marT="6757" marB="0" anchor="ctr">
                     <a:solidFill>
                       <a:srgbClr val="F8F9FA"/>
                     </a:solidFill>
@@ -18614,36 +19857,45 @@
                     <a:bodyPr/>
                     <a:lstStyle/>
                     <a:p>
-                      <a:pPr latinLnBrk="1"/>
-                      <a:r>
-                        <a:rPr lang="en-US" altLang="ko-KR" sz="1400" b="0" dirty="0" smtClean="0"/>
-                        <a:t>5</a:t>
-                      </a:r>
-                      <a:endParaRPr lang="ko-KR" altLang="en-US" sz="1400" b="0" dirty="0"/>
+                      <a:pPr algn="ctr" fontAlgn="b"/>
+                      <a:r>
+                        <a:rPr lang="ko-KR" altLang="en-US" sz="1100" u="none" strike="noStrike">
+                          <a:solidFill>
+                            <a:schemeClr val="tx1">
+                              <a:lumMod val="85000"/>
+                              <a:lumOff val="15000"/>
+                            </a:schemeClr>
+                          </a:solidFill>
+                          <a:effectLst/>
+                        </a:rPr>
+                        <a:t>프론트 레이아웃 </a:t>
+                      </a:r>
+                      <a:r>
+                        <a:rPr lang="en-US" altLang="ko-KR" sz="1100" u="none" strike="noStrike">
+                          <a:solidFill>
+                            <a:schemeClr val="tx1">
+                              <a:lumMod val="85000"/>
+                              <a:lumOff val="15000"/>
+                            </a:schemeClr>
+                          </a:solidFill>
+                          <a:effectLst/>
+                        </a:rPr>
+                        <a:t>(My Page)</a:t>
+                      </a:r>
+                      <a:endParaRPr lang="en-US" altLang="ko-KR" sz="1100" b="0" i="0" u="none" strike="noStrike">
+                        <a:solidFill>
+                          <a:schemeClr val="tx1">
+                            <a:lumMod val="85000"/>
+                            <a:lumOff val="15000"/>
+                          </a:schemeClr>
+                        </a:solidFill>
+                        <a:effectLst/>
+                        <a:latin typeface="맑은 고딕" panose="020B0503020000020004" pitchFamily="50" charset="-127"/>
+                        <a:ea typeface="맑은 고딕" panose="020B0503020000020004" pitchFamily="50" charset="-127"/>
+                      </a:endParaRPr>
                     </a:p>
                   </a:txBody>
-                  <a:tcPr>
-                    <a:solidFill>
-                      <a:srgbClr val="F8F9FA"/>
-                    </a:solidFill>
-                  </a:tcPr>
-                </a:tc>
-              </a:tr>
-              <a:tr h="441234">
-                <a:tc>
-                  <a:txBody>
-                    <a:bodyPr/>
-                    <a:lstStyle/>
-                    <a:p>
-                      <a:pPr latinLnBrk="1"/>
-                      <a:r>
-                        <a:rPr lang="en-US" altLang="ko-KR" sz="1400" b="0" dirty="0" smtClean="0"/>
-                        <a:t>8</a:t>
-                      </a:r>
-                      <a:endParaRPr lang="ko-KR" altLang="en-US" sz="1400" b="0" dirty="0"/>
-                    </a:p>
-                  </a:txBody>
-                  <a:tcPr>
+                  <a:tcPr marL="6757" marR="6757" marT="6757" marB="0" anchor="ctr">
                     <a:solidFill>
                       <a:srgbClr val="F8F9FA"/>
                     </a:solidFill>
@@ -18654,15 +19906,167 @@
                     <a:bodyPr/>
                     <a:lstStyle/>
                     <a:p>
-                      <a:pPr latinLnBrk="1"/>
-                      <a:r>
-                        <a:rPr lang="en-US" altLang="ko-KR" sz="1400" b="0" dirty="0" smtClean="0"/>
-                        <a:t>9</a:t>
-                      </a:r>
-                      <a:endParaRPr lang="ko-KR" altLang="en-US" sz="1400" b="0" dirty="0"/>
+                      <a:pPr algn="ctr" fontAlgn="b"/>
+                      <a:r>
+                        <a:rPr lang="ko-KR" altLang="en-US" sz="1100" u="none" strike="noStrike">
+                          <a:solidFill>
+                            <a:schemeClr val="tx1">
+                              <a:lumMod val="85000"/>
+                              <a:lumOff val="15000"/>
+                            </a:schemeClr>
+                          </a:solidFill>
+                          <a:effectLst/>
+                        </a:rPr>
+                        <a:t>챌린지 생성</a:t>
+                      </a:r>
+                      <a:endParaRPr lang="ko-KR" altLang="en-US" sz="1100" b="0" i="0" u="none" strike="noStrike">
+                        <a:solidFill>
+                          <a:schemeClr val="tx1">
+                            <a:lumMod val="85000"/>
+                            <a:lumOff val="15000"/>
+                          </a:schemeClr>
+                        </a:solidFill>
+                        <a:effectLst/>
+                        <a:latin typeface="맑은 고딕" panose="020B0503020000020004" pitchFamily="50" charset="-127"/>
+                        <a:ea typeface="맑은 고딕" panose="020B0503020000020004" pitchFamily="50" charset="-127"/>
+                      </a:endParaRPr>
                     </a:p>
                   </a:txBody>
-                  <a:tcPr>
+                  <a:tcPr marL="6757" marR="6757" marT="6757" marB="0" anchor="ctr">
+                    <a:solidFill>
+                      <a:srgbClr val="F8F9FA"/>
+                    </a:solidFill>
+                  </a:tcPr>
+                </a:tc>
+              </a:tr>
+              <a:tr h="266544">
+                <a:tc>
+                  <a:txBody>
+                    <a:bodyPr/>
+                    <a:lstStyle/>
+                    <a:p>
+                      <a:pPr algn="ctr" fontAlgn="b"/>
+                      <a:r>
+                        <a:rPr lang="en-US" altLang="ko-KR" sz="1100" u="none" strike="noStrike">
+                          <a:solidFill>
+                            <a:schemeClr val="tx1">
+                              <a:lumMod val="85000"/>
+                              <a:lumOff val="15000"/>
+                            </a:schemeClr>
+                          </a:solidFill>
+                          <a:effectLst/>
+                        </a:rPr>
+                        <a:t>4</a:t>
+                      </a:r>
+                      <a:r>
+                        <a:rPr lang="ko-KR" altLang="en-US" sz="1100" u="none" strike="noStrike">
+                          <a:solidFill>
+                            <a:schemeClr val="tx1">
+                              <a:lumMod val="85000"/>
+                              <a:lumOff val="15000"/>
+                            </a:schemeClr>
+                          </a:solidFill>
+                          <a:effectLst/>
+                        </a:rPr>
+                        <a:t>월 </a:t>
+                      </a:r>
+                      <a:r>
+                        <a:rPr lang="en-US" altLang="ko-KR" sz="1100" u="none" strike="noStrike">
+                          <a:solidFill>
+                            <a:schemeClr val="tx1">
+                              <a:lumMod val="85000"/>
+                              <a:lumOff val="15000"/>
+                            </a:schemeClr>
+                          </a:solidFill>
+                          <a:effectLst/>
+                        </a:rPr>
+                        <a:t>12</a:t>
+                      </a:r>
+                      <a:r>
+                        <a:rPr lang="ko-KR" altLang="en-US" sz="1100" u="none" strike="noStrike">
+                          <a:solidFill>
+                            <a:schemeClr val="tx1">
+                              <a:lumMod val="85000"/>
+                              <a:lumOff val="15000"/>
+                            </a:schemeClr>
+                          </a:solidFill>
+                          <a:effectLst/>
+                        </a:rPr>
+                        <a:t>일</a:t>
+                      </a:r>
+                      <a:endParaRPr lang="ko-KR" altLang="en-US" sz="1100" b="0" i="0" u="none" strike="noStrike">
+                        <a:solidFill>
+                          <a:schemeClr val="tx1">
+                            <a:lumMod val="85000"/>
+                            <a:lumOff val="15000"/>
+                          </a:schemeClr>
+                        </a:solidFill>
+                        <a:effectLst/>
+                        <a:latin typeface="맑은 고딕" panose="020B0503020000020004" pitchFamily="50" charset="-127"/>
+                        <a:ea typeface="맑은 고딕" panose="020B0503020000020004" pitchFamily="50" charset="-127"/>
+                      </a:endParaRPr>
+                    </a:p>
+                  </a:txBody>
+                  <a:tcPr marL="6757" marR="6757" marT="6757" marB="0" anchor="ctr">
+                    <a:solidFill>
+                      <a:srgbClr val="D7D7D7"/>
+                    </a:solidFill>
+                  </a:tcPr>
+                </a:tc>
+                <a:tc>
+                  <a:txBody>
+                    <a:bodyPr/>
+                    <a:lstStyle/>
+                    <a:p>
+                      <a:pPr algn="ctr" fontAlgn="b"/>
+                      <a:r>
+                        <a:rPr lang="ko-KR" altLang="en-US" sz="1100" u="none" strike="noStrike">
+                          <a:solidFill>
+                            <a:schemeClr val="tx1">
+                              <a:lumMod val="85000"/>
+                              <a:lumOff val="15000"/>
+                            </a:schemeClr>
+                          </a:solidFill>
+                          <a:effectLst/>
+                        </a:rPr>
+                        <a:t>금요일</a:t>
+                      </a:r>
+                      <a:endParaRPr lang="ko-KR" altLang="en-US" sz="1100" b="0" i="0" u="none" strike="noStrike">
+                        <a:solidFill>
+                          <a:schemeClr val="tx1">
+                            <a:lumMod val="85000"/>
+                            <a:lumOff val="15000"/>
+                          </a:schemeClr>
+                        </a:solidFill>
+                        <a:effectLst/>
+                        <a:latin typeface="맑은 고딕" panose="020B0503020000020004" pitchFamily="50" charset="-127"/>
+                        <a:ea typeface="맑은 고딕" panose="020B0503020000020004" pitchFamily="50" charset="-127"/>
+                      </a:endParaRPr>
+                    </a:p>
+                  </a:txBody>
+                  <a:tcPr marL="6757" marR="6757" marT="6757" marB="0" anchor="ctr">
+                    <a:solidFill>
+                      <a:srgbClr val="D7D7D7"/>
+                    </a:solidFill>
+                  </a:tcPr>
+                </a:tc>
+                <a:tc vMerge="1">
+                  <a:txBody>
+                    <a:bodyPr/>
+                    <a:lstStyle/>
+                    <a:p>
+                      <a:pPr algn="ctr" fontAlgn="b"/>
+                      <a:endParaRPr lang="ko-KR" altLang="en-US" sz="1100" b="0" i="0" u="none" strike="noStrike">
+                        <a:solidFill>
+                          <a:srgbClr val="000000"/>
+                        </a:solidFill>
+                        <a:effectLst/>
+                        <a:latin typeface="맑은 고딕" panose="020B0503020000020004" pitchFamily="50" charset="-127"/>
+                        <a:ea typeface="맑은 고딕" panose="020B0503020000020004" pitchFamily="50" charset="-127"/>
+                      </a:endParaRPr>
+                    </a:p>
+                  </a:txBody>
+                  <a:tcPr marL="6757" marR="6757" marT="6757" marB="0" anchor="ctr">
                     <a:solidFill>
                       <a:srgbClr val="F8F9FA"/>
                     </a:solidFill>
@@ -18673,54 +20077,57 @@
                     <a:bodyPr/>
                     <a:lstStyle/>
                     <a:p>
-                      <a:pPr latinLnBrk="1"/>
-                      <a:r>
-                        <a:rPr lang="en-US" altLang="ko-KR" sz="1400" b="0" dirty="0" smtClean="0">
-                          <a:solidFill>
-                            <a:srgbClr val="FF0000"/>
-                          </a:solidFill>
-                        </a:rPr>
-                        <a:t>10 (</a:t>
-                      </a:r>
-                      <a:r>
-                        <a:rPr lang="ko-KR" altLang="en-US" sz="1400" b="0" dirty="0" smtClean="0">
-                          <a:solidFill>
-                            <a:srgbClr val="FF0000"/>
-                          </a:solidFill>
-                        </a:rPr>
-                        <a:t>총선</a:t>
-                      </a:r>
-                      <a:r>
-                        <a:rPr lang="en-US" altLang="ko-KR" sz="1400" b="0" dirty="0" smtClean="0">
-                          <a:solidFill>
-                            <a:srgbClr val="FF0000"/>
-                          </a:solidFill>
-                        </a:rPr>
-                        <a:t>)</a:t>
-                      </a:r>
-                      <a:endParaRPr lang="ko-KR" altLang="en-US" sz="1400" b="0" dirty="0">
+                      <a:pPr algn="ctr" fontAlgn="b"/>
+                      <a:r>
+                        <a:rPr lang="ko-KR" altLang="en-US" sz="1100" u="none" strike="noStrike">
+                          <a:solidFill>
+                            <a:schemeClr val="tx1">
+                              <a:lumMod val="85000"/>
+                              <a:lumOff val="15000"/>
+                            </a:schemeClr>
+                          </a:solidFill>
+                          <a:effectLst/>
+                        </a:rPr>
+                        <a:t>순차 진행 </a:t>
+                      </a:r>
+                      <a:r>
+                        <a:rPr lang="en-US" altLang="ko-KR" sz="1100" u="none" strike="noStrike">
+                          <a:solidFill>
+                            <a:schemeClr val="tx1">
+                              <a:lumMod val="85000"/>
+                              <a:lumOff val="15000"/>
+                            </a:schemeClr>
+                          </a:solidFill>
+                          <a:effectLst/>
+                        </a:rPr>
+                        <a:t>/ </a:t>
+                      </a:r>
+                      <a:r>
+                        <a:rPr lang="ko-KR" altLang="en-US" sz="1100" u="none" strike="noStrike">
+                          <a:solidFill>
+                            <a:schemeClr val="tx1">
+                              <a:lumMod val="85000"/>
+                              <a:lumOff val="15000"/>
+                            </a:schemeClr>
+                          </a:solidFill>
+                          <a:effectLst/>
+                        </a:rPr>
+                        <a:t>오운완</a:t>
+                      </a:r>
+                      <a:endParaRPr lang="ko-KR" altLang="en-US" sz="1100" b="0" i="0" u="none" strike="noStrike">
                         <a:solidFill>
-                          <a:srgbClr val="FF0000"/>
+                          <a:schemeClr val="tx1">
+                            <a:lumMod val="85000"/>
+                            <a:lumOff val="15000"/>
+                          </a:schemeClr>
                         </a:solidFill>
+                        <a:effectLst/>
+                        <a:latin typeface="맑은 고딕" panose="020B0503020000020004" pitchFamily="50" charset="-127"/>
+                        <a:ea typeface="맑은 고딕" panose="020B0503020000020004" pitchFamily="50" charset="-127"/>
                       </a:endParaRPr>
                     </a:p>
                   </a:txBody>
-                  <a:tcPr/>
-                </a:tc>
-                <a:tc>
-                  <a:txBody>
-                    <a:bodyPr/>
-                    <a:lstStyle/>
-                    <a:p>
-                      <a:pPr latinLnBrk="1"/>
-                      <a:r>
-                        <a:rPr lang="en-US" altLang="ko-KR" sz="1400" b="0" dirty="0" smtClean="0"/>
-                        <a:t>11</a:t>
-                      </a:r>
-                      <a:endParaRPr lang="ko-KR" altLang="en-US" sz="1400" b="0" dirty="0"/>
-                    </a:p>
-                  </a:txBody>
-                  <a:tcPr>
+                  <a:tcPr marL="6757" marR="6757" marT="6757" marB="0" anchor="ctr">
                     <a:solidFill>
                       <a:srgbClr val="F8F9FA"/>
                     </a:solidFill>
@@ -18731,32 +20138,57 @@
                     <a:bodyPr/>
                     <a:lstStyle/>
                     <a:p>
-                      <a:pPr latinLnBrk="1"/>
-                      <a:r>
-                        <a:rPr lang="en-US" altLang="ko-KR" sz="1400" b="0" dirty="0" smtClean="0"/>
-                        <a:t>12</a:t>
-                      </a:r>
-                      <a:endParaRPr lang="ko-KR" altLang="en-US" sz="1400" b="0" dirty="0"/>
+                      <a:pPr algn="ctr" fontAlgn="b"/>
+                      <a:r>
+                        <a:rPr lang="ko-KR" altLang="en-US" sz="1100" u="none" strike="noStrike">
+                          <a:solidFill>
+                            <a:schemeClr val="tx1">
+                              <a:lumMod val="85000"/>
+                              <a:lumOff val="15000"/>
+                            </a:schemeClr>
+                          </a:solidFill>
+                          <a:effectLst/>
+                        </a:rPr>
+                        <a:t>사전 설문</a:t>
+                      </a:r>
+                      <a:r>
+                        <a:rPr lang="en-US" altLang="ko-KR" sz="1100" u="none" strike="noStrike">
+                          <a:solidFill>
+                            <a:schemeClr val="tx1">
+                              <a:lumMod val="85000"/>
+                              <a:lumOff val="15000"/>
+                            </a:schemeClr>
+                          </a:solidFill>
+                          <a:effectLst/>
+                        </a:rPr>
+                        <a:t>/ </a:t>
+                      </a:r>
+                      <a:r>
+                        <a:rPr lang="ko-KR" altLang="en-US" sz="1100" u="none" strike="noStrike">
+                          <a:solidFill>
+                            <a:schemeClr val="tx1">
+                              <a:lumMod val="85000"/>
+                              <a:lumOff val="15000"/>
+                            </a:schemeClr>
+                          </a:solidFill>
+                          <a:effectLst/>
+                        </a:rPr>
+                        <a:t>맞춤 플랜</a:t>
+                      </a:r>
+                      <a:endParaRPr lang="ko-KR" altLang="en-US" sz="1100" b="0" i="0" u="none" strike="noStrike">
+                        <a:solidFill>
+                          <a:schemeClr val="tx1">
+                            <a:lumMod val="85000"/>
+                            <a:lumOff val="15000"/>
+                          </a:schemeClr>
+                        </a:solidFill>
+                        <a:effectLst/>
+                        <a:latin typeface="맑은 고딕" panose="020B0503020000020004" pitchFamily="50" charset="-127"/>
+                        <a:ea typeface="맑은 고딕" panose="020B0503020000020004" pitchFamily="50" charset="-127"/>
+                      </a:endParaRPr>
                     </a:p>
                   </a:txBody>
-                  <a:tcPr/>
-                </a:tc>
-              </a:tr>
-              <a:tr h="441234">
-                <a:tc>
-                  <a:txBody>
-                    <a:bodyPr/>
-                    <a:lstStyle/>
-                    <a:p>
-                      <a:pPr latinLnBrk="1"/>
-                      <a:r>
-                        <a:rPr lang="en-US" altLang="ko-KR" sz="1400" b="0" dirty="0" smtClean="0"/>
-                        <a:t>15</a:t>
-                      </a:r>
-                      <a:endParaRPr lang="ko-KR" altLang="en-US" sz="1400" b="0" dirty="0"/>
-                    </a:p>
-                  </a:txBody>
-                  <a:tcPr>
+                  <a:tcPr marL="6757" marR="6757" marT="6757" marB="0" anchor="ctr">
                     <a:solidFill>
                       <a:srgbClr val="F8F9FA"/>
                     </a:solidFill>
@@ -18767,15 +20199,167 @@
                     <a:bodyPr/>
                     <a:lstStyle/>
                     <a:p>
-                      <a:pPr latinLnBrk="1"/>
-                      <a:r>
-                        <a:rPr lang="en-US" altLang="ko-KR" sz="1400" b="0" dirty="0" smtClean="0"/>
-                        <a:t>16</a:t>
-                      </a:r>
-                      <a:endParaRPr lang="ko-KR" altLang="en-US" sz="1400" b="0" dirty="0"/>
+                      <a:pPr algn="ctr" fontAlgn="b"/>
+                      <a:r>
+                        <a:rPr lang="ko-KR" altLang="en-US" sz="1100" u="none" strike="noStrike">
+                          <a:solidFill>
+                            <a:schemeClr val="tx1">
+                              <a:lumMod val="85000"/>
+                              <a:lumOff val="15000"/>
+                            </a:schemeClr>
+                          </a:solidFill>
+                          <a:effectLst/>
+                        </a:rPr>
+                        <a:t>챌린지 리스트</a:t>
+                      </a:r>
+                      <a:endParaRPr lang="ko-KR" altLang="en-US" sz="1100" b="0" i="0" u="none" strike="noStrike">
+                        <a:solidFill>
+                          <a:schemeClr val="tx1">
+                            <a:lumMod val="85000"/>
+                            <a:lumOff val="15000"/>
+                          </a:schemeClr>
+                        </a:solidFill>
+                        <a:effectLst/>
+                        <a:latin typeface="맑은 고딕" panose="020B0503020000020004" pitchFamily="50" charset="-127"/>
+                        <a:ea typeface="맑은 고딕" panose="020B0503020000020004" pitchFamily="50" charset="-127"/>
+                      </a:endParaRPr>
                     </a:p>
                   </a:txBody>
-                  <a:tcPr>
+                  <a:tcPr marL="6757" marR="6757" marT="6757" marB="0" anchor="ctr">
+                    <a:solidFill>
+                      <a:srgbClr val="F8F9FA"/>
+                    </a:solidFill>
+                  </a:tcPr>
+                </a:tc>
+              </a:tr>
+              <a:tr h="266544">
+                <a:tc>
+                  <a:txBody>
+                    <a:bodyPr/>
+                    <a:lstStyle/>
+                    <a:p>
+                      <a:pPr algn="ctr" fontAlgn="b"/>
+                      <a:r>
+                        <a:rPr lang="en-US" altLang="ko-KR" sz="1100" u="none" strike="noStrike">
+                          <a:solidFill>
+                            <a:schemeClr val="tx1">
+                              <a:lumMod val="85000"/>
+                              <a:lumOff val="15000"/>
+                            </a:schemeClr>
+                          </a:solidFill>
+                          <a:effectLst/>
+                        </a:rPr>
+                        <a:t>4</a:t>
+                      </a:r>
+                      <a:r>
+                        <a:rPr lang="ko-KR" altLang="en-US" sz="1100" u="none" strike="noStrike">
+                          <a:solidFill>
+                            <a:schemeClr val="tx1">
+                              <a:lumMod val="85000"/>
+                              <a:lumOff val="15000"/>
+                            </a:schemeClr>
+                          </a:solidFill>
+                          <a:effectLst/>
+                        </a:rPr>
+                        <a:t>월 </a:t>
+                      </a:r>
+                      <a:r>
+                        <a:rPr lang="en-US" altLang="ko-KR" sz="1100" u="none" strike="noStrike">
+                          <a:solidFill>
+                            <a:schemeClr val="tx1">
+                              <a:lumMod val="85000"/>
+                              <a:lumOff val="15000"/>
+                            </a:schemeClr>
+                          </a:solidFill>
+                          <a:effectLst/>
+                        </a:rPr>
+                        <a:t>15</a:t>
+                      </a:r>
+                      <a:r>
+                        <a:rPr lang="ko-KR" altLang="en-US" sz="1100" u="none" strike="noStrike">
+                          <a:solidFill>
+                            <a:schemeClr val="tx1">
+                              <a:lumMod val="85000"/>
+                              <a:lumOff val="15000"/>
+                            </a:schemeClr>
+                          </a:solidFill>
+                          <a:effectLst/>
+                        </a:rPr>
+                        <a:t>일</a:t>
+                      </a:r>
+                      <a:endParaRPr lang="ko-KR" altLang="en-US" sz="1100" b="0" i="0" u="none" strike="noStrike">
+                        <a:solidFill>
+                          <a:schemeClr val="tx1">
+                            <a:lumMod val="85000"/>
+                            <a:lumOff val="15000"/>
+                          </a:schemeClr>
+                        </a:solidFill>
+                        <a:effectLst/>
+                        <a:latin typeface="맑은 고딕" panose="020B0503020000020004" pitchFamily="50" charset="-127"/>
+                        <a:ea typeface="맑은 고딕" panose="020B0503020000020004" pitchFamily="50" charset="-127"/>
+                      </a:endParaRPr>
+                    </a:p>
+                  </a:txBody>
+                  <a:tcPr marL="6757" marR="6757" marT="6757" marB="0" anchor="ctr">
+                    <a:solidFill>
+                      <a:srgbClr val="D7D7D7"/>
+                    </a:solidFill>
+                  </a:tcPr>
+                </a:tc>
+                <a:tc>
+                  <a:txBody>
+                    <a:bodyPr/>
+                    <a:lstStyle/>
+                    <a:p>
+                      <a:pPr algn="ctr" fontAlgn="b"/>
+                      <a:r>
+                        <a:rPr lang="ko-KR" altLang="en-US" sz="1100" u="none" strike="noStrike">
+                          <a:solidFill>
+                            <a:schemeClr val="tx1">
+                              <a:lumMod val="85000"/>
+                              <a:lumOff val="15000"/>
+                            </a:schemeClr>
+                          </a:solidFill>
+                          <a:effectLst/>
+                        </a:rPr>
+                        <a:t>월요일</a:t>
+                      </a:r>
+                      <a:endParaRPr lang="ko-KR" altLang="en-US" sz="1100" b="0" i="0" u="none" strike="noStrike">
+                        <a:solidFill>
+                          <a:schemeClr val="tx1">
+                            <a:lumMod val="85000"/>
+                            <a:lumOff val="15000"/>
+                          </a:schemeClr>
+                        </a:solidFill>
+                        <a:effectLst/>
+                        <a:latin typeface="맑은 고딕" panose="020B0503020000020004" pitchFamily="50" charset="-127"/>
+                        <a:ea typeface="맑은 고딕" panose="020B0503020000020004" pitchFamily="50" charset="-127"/>
+                      </a:endParaRPr>
+                    </a:p>
+                  </a:txBody>
+                  <a:tcPr marL="6757" marR="6757" marT="6757" marB="0" anchor="ctr">
+                    <a:solidFill>
+                      <a:srgbClr val="D7D7D7"/>
+                    </a:solidFill>
+                  </a:tcPr>
+                </a:tc>
+                <a:tc vMerge="1">
+                  <a:txBody>
+                    <a:bodyPr/>
+                    <a:lstStyle/>
+                    <a:p>
+                      <a:pPr algn="ctr" fontAlgn="b"/>
+                      <a:endParaRPr lang="ko-KR" altLang="en-US" sz="1100" b="0" i="0" u="none" strike="noStrike" dirty="0">
+                        <a:solidFill>
+                          <a:srgbClr val="000000"/>
+                        </a:solidFill>
+                        <a:effectLst/>
+                        <a:latin typeface="맑은 고딕" panose="020B0503020000020004" pitchFamily="50" charset="-127"/>
+                        <a:ea typeface="맑은 고딕" panose="020B0503020000020004" pitchFamily="50" charset="-127"/>
+                      </a:endParaRPr>
+                    </a:p>
+                  </a:txBody>
+                  <a:tcPr marL="6757" marR="6757" marT="6757" marB="0" anchor="ctr">
                     <a:solidFill>
                       <a:srgbClr val="F8F9FA"/>
                     </a:solidFill>
@@ -18786,15 +20370,45 @@
                     <a:bodyPr/>
                     <a:lstStyle/>
                     <a:p>
-                      <a:pPr latinLnBrk="1"/>
-                      <a:r>
-                        <a:rPr lang="en-US" altLang="ko-KR" sz="1400" b="0" dirty="0" smtClean="0"/>
-                        <a:t>17</a:t>
-                      </a:r>
-                      <a:endParaRPr lang="ko-KR" altLang="en-US" sz="1400" b="0" dirty="0"/>
+                      <a:pPr algn="ctr" fontAlgn="b"/>
+                      <a:r>
+                        <a:rPr lang="en-US" sz="1100" u="none" strike="noStrike">
+                          <a:solidFill>
+                            <a:schemeClr val="tx1">
+                              <a:lumMod val="85000"/>
+                              <a:lumOff val="15000"/>
+                            </a:schemeClr>
+                          </a:solidFill>
+                          <a:effectLst/>
+                        </a:rPr>
+                        <a:t>PT </a:t>
+                      </a:r>
+                      <a:r>
+                        <a:rPr lang="ko-KR" altLang="en-US" sz="1100" u="none" strike="noStrike">
+                          <a:solidFill>
+                            <a:schemeClr val="tx1">
+                              <a:lumMod val="85000"/>
+                              <a:lumOff val="15000"/>
+                            </a:schemeClr>
+                          </a:solidFill>
+                          <a:effectLst/>
+                        </a:rPr>
+                        <a:t>챗봇</a:t>
+                      </a:r>
+                      <a:endParaRPr lang="ko-KR" altLang="en-US" sz="1100" b="0" i="0" u="none" strike="noStrike">
+                        <a:solidFill>
+                          <a:schemeClr val="tx1">
+                            <a:lumMod val="85000"/>
+                            <a:lumOff val="15000"/>
+                          </a:schemeClr>
+                        </a:solidFill>
+                        <a:effectLst/>
+                        <a:latin typeface="맑은 고딕" panose="020B0503020000020004" pitchFamily="50" charset="-127"/>
+                        <a:ea typeface="맑은 고딕" panose="020B0503020000020004" pitchFamily="50" charset="-127"/>
+                      </a:endParaRPr>
                     </a:p>
                   </a:txBody>
-                  <a:tcPr>
+                  <a:tcPr marL="6757" marR="6757" marT="6757" marB="0" anchor="ctr">
                     <a:solidFill>
                       <a:srgbClr val="F8F9FA"/>
                     </a:solidFill>
@@ -18805,15 +20419,57 @@
                     <a:bodyPr/>
                     <a:lstStyle/>
                     <a:p>
-                      <a:pPr latinLnBrk="1"/>
-                      <a:r>
-                        <a:rPr lang="en-US" altLang="ko-KR" sz="1400" b="0" dirty="0" smtClean="0"/>
-                        <a:t>18</a:t>
-                      </a:r>
-                      <a:endParaRPr lang="ko-KR" altLang="en-US" sz="1400" b="0" dirty="0"/>
+                      <a:pPr algn="ctr" fontAlgn="b"/>
+                      <a:r>
+                        <a:rPr lang="ko-KR" altLang="en-US" sz="1100" u="none" strike="noStrike">
+                          <a:solidFill>
+                            <a:schemeClr val="tx1">
+                              <a:lumMod val="85000"/>
+                              <a:lumOff val="15000"/>
+                            </a:schemeClr>
+                          </a:solidFill>
+                          <a:effectLst/>
+                        </a:rPr>
+                        <a:t>회원 가입 </a:t>
+                      </a:r>
+                      <a:r>
+                        <a:rPr lang="en-US" altLang="ko-KR" sz="1100" u="none" strike="noStrike">
+                          <a:solidFill>
+                            <a:schemeClr val="tx1">
+                              <a:lumMod val="85000"/>
+                              <a:lumOff val="15000"/>
+                            </a:schemeClr>
+                          </a:solidFill>
+                          <a:effectLst/>
+                        </a:rPr>
+                        <a:t>/ </a:t>
+                      </a:r>
+                      <a:r>
+                        <a:rPr lang="ko-KR" altLang="en-US" sz="1100" u="none" strike="noStrike">
+                          <a:solidFill>
+                            <a:schemeClr val="tx1">
+                              <a:lumMod val="85000"/>
+                              <a:lumOff val="15000"/>
+                            </a:schemeClr>
+                          </a:solidFill>
+                          <a:effectLst/>
+                        </a:rPr>
+                        <a:t>탈퇴</a:t>
+                      </a:r>
+                      <a:endParaRPr lang="ko-KR" altLang="en-US" sz="1100" b="0" i="0" u="none" strike="noStrike">
+                        <a:solidFill>
+                          <a:schemeClr val="tx1">
+                            <a:lumMod val="85000"/>
+                            <a:lumOff val="15000"/>
+                          </a:schemeClr>
+                        </a:solidFill>
+                        <a:effectLst/>
+                        <a:latin typeface="맑은 고딕" panose="020B0503020000020004" pitchFamily="50" charset="-127"/>
+                        <a:ea typeface="맑은 고딕" panose="020B0503020000020004" pitchFamily="50" charset="-127"/>
+                      </a:endParaRPr>
                     </a:p>
                   </a:txBody>
-                  <a:tcPr>
+                  <a:tcPr marL="6757" marR="6757" marT="6757" marB="0" anchor="ctr">
                     <a:solidFill>
                       <a:srgbClr val="F8F9FA"/>
                     </a:solidFill>
@@ -18824,36 +20480,167 @@
                     <a:bodyPr/>
                     <a:lstStyle/>
                     <a:p>
-                      <a:pPr latinLnBrk="1"/>
-                      <a:r>
-                        <a:rPr lang="en-US" altLang="ko-KR" sz="1400" b="0" dirty="0" smtClean="0"/>
-                        <a:t>19</a:t>
-                      </a:r>
-                      <a:endParaRPr lang="ko-KR" altLang="en-US" sz="1400" b="0" dirty="0"/>
+                      <a:pPr algn="ctr" fontAlgn="b"/>
+                      <a:r>
+                        <a:rPr lang="ko-KR" altLang="en-US" sz="1100" u="none" strike="noStrike">
+                          <a:solidFill>
+                            <a:schemeClr val="tx1">
+                              <a:lumMod val="85000"/>
+                              <a:lumOff val="15000"/>
+                            </a:schemeClr>
+                          </a:solidFill>
+                          <a:effectLst/>
+                        </a:rPr>
+                        <a:t>챌린지 상세</a:t>
+                      </a:r>
+                      <a:endParaRPr lang="ko-KR" altLang="en-US" sz="1100" b="0" i="0" u="none" strike="noStrike">
+                        <a:solidFill>
+                          <a:schemeClr val="tx1">
+                            <a:lumMod val="85000"/>
+                            <a:lumOff val="15000"/>
+                          </a:schemeClr>
+                        </a:solidFill>
+                        <a:effectLst/>
+                        <a:latin typeface="맑은 고딕" panose="020B0503020000020004" pitchFamily="50" charset="-127"/>
+                        <a:ea typeface="맑은 고딕" panose="020B0503020000020004" pitchFamily="50" charset="-127"/>
+                      </a:endParaRPr>
                     </a:p>
                   </a:txBody>
-                  <a:tcPr>
+                  <a:tcPr marL="6757" marR="6757" marT="6757" marB="0" anchor="ctr">
                     <a:solidFill>
                       <a:srgbClr val="F8F9FA"/>
                     </a:solidFill>
                   </a:tcPr>
                 </a:tc>
               </a:tr>
-              <a:tr h="441234">
+              <a:tr h="266544">
                 <a:tc>
                   <a:txBody>
                     <a:bodyPr/>
                     <a:lstStyle/>
                     <a:p>
-                      <a:pPr latinLnBrk="1"/>
-                      <a:r>
-                        <a:rPr lang="en-US" altLang="ko-KR" sz="1400" b="0" dirty="0" smtClean="0"/>
-                        <a:t>22</a:t>
-                      </a:r>
-                      <a:endParaRPr lang="ko-KR" altLang="en-US" sz="1400" b="0" dirty="0"/>
+                      <a:pPr algn="ctr" fontAlgn="b"/>
+                      <a:r>
+                        <a:rPr lang="en-US" altLang="ko-KR" sz="1100" u="none" strike="noStrike">
+                          <a:solidFill>
+                            <a:schemeClr val="tx1">
+                              <a:lumMod val="85000"/>
+                              <a:lumOff val="15000"/>
+                            </a:schemeClr>
+                          </a:solidFill>
+                          <a:effectLst/>
+                        </a:rPr>
+                        <a:t>4</a:t>
+                      </a:r>
+                      <a:r>
+                        <a:rPr lang="ko-KR" altLang="en-US" sz="1100" u="none" strike="noStrike">
+                          <a:solidFill>
+                            <a:schemeClr val="tx1">
+                              <a:lumMod val="85000"/>
+                              <a:lumOff val="15000"/>
+                            </a:schemeClr>
+                          </a:solidFill>
+                          <a:effectLst/>
+                        </a:rPr>
+                        <a:t>월 </a:t>
+                      </a:r>
+                      <a:r>
+                        <a:rPr lang="en-US" altLang="ko-KR" sz="1100" u="none" strike="noStrike">
+                          <a:solidFill>
+                            <a:schemeClr val="tx1">
+                              <a:lumMod val="85000"/>
+                              <a:lumOff val="15000"/>
+                            </a:schemeClr>
+                          </a:solidFill>
+                          <a:effectLst/>
+                        </a:rPr>
+                        <a:t>16</a:t>
+                      </a:r>
+                      <a:r>
+                        <a:rPr lang="ko-KR" altLang="en-US" sz="1100" u="none" strike="noStrike">
+                          <a:solidFill>
+                            <a:schemeClr val="tx1">
+                              <a:lumMod val="85000"/>
+                              <a:lumOff val="15000"/>
+                            </a:schemeClr>
+                          </a:solidFill>
+                          <a:effectLst/>
+                        </a:rPr>
+                        <a:t>일</a:t>
+                      </a:r>
+                      <a:endParaRPr lang="ko-KR" altLang="en-US" sz="1100" b="0" i="0" u="none" strike="noStrike">
+                        <a:solidFill>
+                          <a:schemeClr val="tx1">
+                            <a:lumMod val="85000"/>
+                            <a:lumOff val="15000"/>
+                          </a:schemeClr>
+                        </a:solidFill>
+                        <a:effectLst/>
+                        <a:latin typeface="맑은 고딕" panose="020B0503020000020004" pitchFamily="50" charset="-127"/>
+                        <a:ea typeface="맑은 고딕" panose="020B0503020000020004" pitchFamily="50" charset="-127"/>
+                      </a:endParaRPr>
                     </a:p>
                   </a:txBody>
-                  <a:tcPr>
+                  <a:tcPr marL="6757" marR="6757" marT="6757" marB="0" anchor="ctr">
+                    <a:solidFill>
+                      <a:srgbClr val="D7D7D7"/>
+                    </a:solidFill>
+                  </a:tcPr>
+                </a:tc>
+                <a:tc>
+                  <a:txBody>
+                    <a:bodyPr/>
+                    <a:lstStyle/>
+                    <a:p>
+                      <a:pPr algn="ctr" fontAlgn="b"/>
+                      <a:r>
+                        <a:rPr lang="ko-KR" altLang="en-US" sz="1100" u="none" strike="noStrike">
+                          <a:solidFill>
+                            <a:schemeClr val="tx1">
+                              <a:lumMod val="85000"/>
+                              <a:lumOff val="15000"/>
+                            </a:schemeClr>
+                          </a:solidFill>
+                          <a:effectLst/>
+                        </a:rPr>
+                        <a:t>화요일</a:t>
+                      </a:r>
+                      <a:endParaRPr lang="ko-KR" altLang="en-US" sz="1100" b="0" i="0" u="none" strike="noStrike">
+                        <a:solidFill>
+                          <a:schemeClr val="tx1">
+                            <a:lumMod val="85000"/>
+                            <a:lumOff val="15000"/>
+                          </a:schemeClr>
+                        </a:solidFill>
+                        <a:effectLst/>
+                        <a:latin typeface="맑은 고딕" panose="020B0503020000020004" pitchFamily="50" charset="-127"/>
+                        <a:ea typeface="맑은 고딕" panose="020B0503020000020004" pitchFamily="50" charset="-127"/>
+                      </a:endParaRPr>
+                    </a:p>
+                  </a:txBody>
+                  <a:tcPr marL="6757" marR="6757" marT="6757" marB="0" anchor="ctr">
+                    <a:solidFill>
+                      <a:srgbClr val="D7D7D7"/>
+                    </a:solidFill>
+                  </a:tcPr>
+                </a:tc>
+                <a:tc vMerge="1">
+                  <a:txBody>
+                    <a:bodyPr/>
+                    <a:lstStyle/>
+                    <a:p>
+                      <a:pPr algn="ctr" fontAlgn="b"/>
+                      <a:endParaRPr lang="ko-KR" altLang="en-US" sz="1100" b="0" i="0" u="none" strike="noStrike">
+                        <a:solidFill>
+                          <a:srgbClr val="000000"/>
+                        </a:solidFill>
+                        <a:effectLst/>
+                        <a:latin typeface="맑은 고딕" panose="020B0503020000020004" pitchFamily="50" charset="-127"/>
+                        <a:ea typeface="맑은 고딕" panose="020B0503020000020004" pitchFamily="50" charset="-127"/>
+                      </a:endParaRPr>
+                    </a:p>
+                  </a:txBody>
+                  <a:tcPr marL="6757" marR="6757" marT="6757" marB="0" anchor="ctr">
                     <a:solidFill>
                       <a:srgbClr val="F8F9FA"/>
                     </a:solidFill>
@@ -18864,15 +20651,33 @@
                     <a:bodyPr/>
                     <a:lstStyle/>
                     <a:p>
-                      <a:pPr latinLnBrk="1"/>
-                      <a:r>
-                        <a:rPr lang="en-US" altLang="ko-KR" sz="1400" b="0" dirty="0" smtClean="0"/>
-                        <a:t>23</a:t>
-                      </a:r>
-                      <a:endParaRPr lang="ko-KR" altLang="en-US" sz="1400" b="0" dirty="0"/>
+                      <a:pPr algn="ctr" fontAlgn="b"/>
+                      <a:r>
+                        <a:rPr lang="ko-KR" altLang="en-US" sz="1100" u="none" strike="noStrike" dirty="0">
+                          <a:solidFill>
+                            <a:schemeClr val="tx1">
+                              <a:lumMod val="85000"/>
+                              <a:lumOff val="15000"/>
+                            </a:schemeClr>
+                          </a:solidFill>
+                          <a:effectLst/>
+                        </a:rPr>
+                        <a:t>영상 추천 품질 개선</a:t>
+                      </a:r>
+                      <a:endParaRPr lang="ko-KR" altLang="en-US" sz="1100" b="0" i="0" u="none" strike="noStrike" dirty="0">
+                        <a:solidFill>
+                          <a:schemeClr val="tx1">
+                            <a:lumMod val="85000"/>
+                            <a:lumOff val="15000"/>
+                          </a:schemeClr>
+                        </a:solidFill>
+                        <a:effectLst/>
+                        <a:latin typeface="맑은 고딕" panose="020B0503020000020004" pitchFamily="50" charset="-127"/>
+                        <a:ea typeface="맑은 고딕" panose="020B0503020000020004" pitchFamily="50" charset="-127"/>
+                      </a:endParaRPr>
                     </a:p>
                   </a:txBody>
-                  <a:tcPr>
+                  <a:tcPr marL="6757" marR="6757" marT="6757" marB="0" anchor="ctr">
                     <a:solidFill>
                       <a:srgbClr val="F8F9FA"/>
                     </a:solidFill>
@@ -18883,15 +20688,57 @@
                     <a:bodyPr/>
                     <a:lstStyle/>
                     <a:p>
-                      <a:pPr latinLnBrk="1"/>
-                      <a:r>
-                        <a:rPr lang="en-US" altLang="ko-KR" sz="1400" b="0" dirty="0" smtClean="0"/>
-                        <a:t>24</a:t>
-                      </a:r>
-                      <a:endParaRPr lang="ko-KR" altLang="en-US" sz="1400" b="0" dirty="0"/>
+                      <a:pPr algn="ctr" fontAlgn="b"/>
+                      <a:r>
+                        <a:rPr lang="ko-KR" altLang="en-US" sz="1100" u="none" strike="noStrike">
+                          <a:solidFill>
+                            <a:schemeClr val="tx1">
+                              <a:lumMod val="85000"/>
+                              <a:lumOff val="15000"/>
+                            </a:schemeClr>
+                          </a:solidFill>
+                          <a:effectLst/>
+                        </a:rPr>
+                        <a:t>로그인 </a:t>
+                      </a:r>
+                      <a:r>
+                        <a:rPr lang="en-US" altLang="ko-KR" sz="1100" u="none" strike="noStrike">
+                          <a:solidFill>
+                            <a:schemeClr val="tx1">
+                              <a:lumMod val="85000"/>
+                              <a:lumOff val="15000"/>
+                            </a:schemeClr>
+                          </a:solidFill>
+                          <a:effectLst/>
+                        </a:rPr>
+                        <a:t>/ </a:t>
+                      </a:r>
+                      <a:r>
+                        <a:rPr lang="ko-KR" altLang="en-US" sz="1100" u="none" strike="noStrike">
+                          <a:solidFill>
+                            <a:schemeClr val="tx1">
+                              <a:lumMod val="85000"/>
+                              <a:lumOff val="15000"/>
+                            </a:schemeClr>
+                          </a:solidFill>
+                          <a:effectLst/>
+                        </a:rPr>
+                        <a:t>로그아웃</a:t>
+                      </a:r>
+                      <a:endParaRPr lang="ko-KR" altLang="en-US" sz="1100" b="0" i="0" u="none" strike="noStrike">
+                        <a:solidFill>
+                          <a:schemeClr val="tx1">
+                            <a:lumMod val="85000"/>
+                            <a:lumOff val="15000"/>
+                          </a:schemeClr>
+                        </a:solidFill>
+                        <a:effectLst/>
+                        <a:latin typeface="맑은 고딕" panose="020B0503020000020004" pitchFamily="50" charset="-127"/>
+                        <a:ea typeface="맑은 고딕" panose="020B0503020000020004" pitchFamily="50" charset="-127"/>
+                      </a:endParaRPr>
                     </a:p>
                   </a:txBody>
-                  <a:tcPr>
+                  <a:tcPr marL="6757" marR="6757" marT="6757" marB="0" anchor="ctr">
                     <a:solidFill>
                       <a:srgbClr val="F8F9FA"/>
                     </a:solidFill>
@@ -18902,15 +20749,167 @@
                     <a:bodyPr/>
                     <a:lstStyle/>
                     <a:p>
-                      <a:pPr latinLnBrk="1"/>
-                      <a:r>
-                        <a:rPr lang="en-US" altLang="ko-KR" sz="1400" b="0" dirty="0" smtClean="0"/>
-                        <a:t>25</a:t>
-                      </a:r>
-                      <a:endParaRPr lang="ko-KR" altLang="en-US" sz="1400" b="0" dirty="0"/>
+                      <a:pPr algn="ctr" fontAlgn="b"/>
+                      <a:r>
+                        <a:rPr lang="ko-KR" altLang="en-US" sz="1100" u="none" strike="noStrike">
+                          <a:solidFill>
+                            <a:schemeClr val="tx1">
+                              <a:lumMod val="85000"/>
+                              <a:lumOff val="15000"/>
+                            </a:schemeClr>
+                          </a:solidFill>
+                          <a:effectLst/>
+                        </a:rPr>
+                        <a:t>챌린지 수정</a:t>
+                      </a:r>
+                      <a:endParaRPr lang="ko-KR" altLang="en-US" sz="1100" b="0" i="0" u="none" strike="noStrike">
+                        <a:solidFill>
+                          <a:schemeClr val="tx1">
+                            <a:lumMod val="85000"/>
+                            <a:lumOff val="15000"/>
+                          </a:schemeClr>
+                        </a:solidFill>
+                        <a:effectLst/>
+                        <a:latin typeface="맑은 고딕" panose="020B0503020000020004" pitchFamily="50" charset="-127"/>
+                        <a:ea typeface="맑은 고딕" panose="020B0503020000020004" pitchFamily="50" charset="-127"/>
+                      </a:endParaRPr>
                     </a:p>
                   </a:txBody>
-                  <a:tcPr>
+                  <a:tcPr marL="6757" marR="6757" marT="6757" marB="0" anchor="ctr">
+                    <a:solidFill>
+                      <a:srgbClr val="F8F9FA"/>
+                    </a:solidFill>
+                  </a:tcPr>
+                </a:tc>
+              </a:tr>
+              <a:tr h="266544">
+                <a:tc>
+                  <a:txBody>
+                    <a:bodyPr/>
+                    <a:lstStyle/>
+                    <a:p>
+                      <a:pPr algn="ctr" fontAlgn="b"/>
+                      <a:r>
+                        <a:rPr lang="en-US" altLang="ko-KR" sz="1100" u="none" strike="noStrike">
+                          <a:solidFill>
+                            <a:schemeClr val="tx1">
+                              <a:lumMod val="85000"/>
+                              <a:lumOff val="15000"/>
+                            </a:schemeClr>
+                          </a:solidFill>
+                          <a:effectLst/>
+                        </a:rPr>
+                        <a:t>4</a:t>
+                      </a:r>
+                      <a:r>
+                        <a:rPr lang="ko-KR" altLang="en-US" sz="1100" u="none" strike="noStrike">
+                          <a:solidFill>
+                            <a:schemeClr val="tx1">
+                              <a:lumMod val="85000"/>
+                              <a:lumOff val="15000"/>
+                            </a:schemeClr>
+                          </a:solidFill>
+                          <a:effectLst/>
+                        </a:rPr>
+                        <a:t>월 </a:t>
+                      </a:r>
+                      <a:r>
+                        <a:rPr lang="en-US" altLang="ko-KR" sz="1100" u="none" strike="noStrike">
+                          <a:solidFill>
+                            <a:schemeClr val="tx1">
+                              <a:lumMod val="85000"/>
+                              <a:lumOff val="15000"/>
+                            </a:schemeClr>
+                          </a:solidFill>
+                          <a:effectLst/>
+                        </a:rPr>
+                        <a:t>17</a:t>
+                      </a:r>
+                      <a:r>
+                        <a:rPr lang="ko-KR" altLang="en-US" sz="1100" u="none" strike="noStrike">
+                          <a:solidFill>
+                            <a:schemeClr val="tx1">
+                              <a:lumMod val="85000"/>
+                              <a:lumOff val="15000"/>
+                            </a:schemeClr>
+                          </a:solidFill>
+                          <a:effectLst/>
+                        </a:rPr>
+                        <a:t>일</a:t>
+                      </a:r>
+                      <a:endParaRPr lang="ko-KR" altLang="en-US" sz="1100" b="0" i="0" u="none" strike="noStrike">
+                        <a:solidFill>
+                          <a:schemeClr val="tx1">
+                            <a:lumMod val="85000"/>
+                            <a:lumOff val="15000"/>
+                          </a:schemeClr>
+                        </a:solidFill>
+                        <a:effectLst/>
+                        <a:latin typeface="맑은 고딕" panose="020B0503020000020004" pitchFamily="50" charset="-127"/>
+                        <a:ea typeface="맑은 고딕" panose="020B0503020000020004" pitchFamily="50" charset="-127"/>
+                      </a:endParaRPr>
+                    </a:p>
+                  </a:txBody>
+                  <a:tcPr marL="6757" marR="6757" marT="6757" marB="0" anchor="ctr">
+                    <a:solidFill>
+                      <a:srgbClr val="D7D7D7"/>
+                    </a:solidFill>
+                  </a:tcPr>
+                </a:tc>
+                <a:tc>
+                  <a:txBody>
+                    <a:bodyPr/>
+                    <a:lstStyle/>
+                    <a:p>
+                      <a:pPr algn="ctr" fontAlgn="b"/>
+                      <a:r>
+                        <a:rPr lang="ko-KR" altLang="en-US" sz="1100" u="none" strike="noStrike">
+                          <a:solidFill>
+                            <a:schemeClr val="tx1">
+                              <a:lumMod val="85000"/>
+                              <a:lumOff val="15000"/>
+                            </a:schemeClr>
+                          </a:solidFill>
+                          <a:effectLst/>
+                        </a:rPr>
+                        <a:t>수요일</a:t>
+                      </a:r>
+                      <a:endParaRPr lang="ko-KR" altLang="en-US" sz="1100" b="0" i="0" u="none" strike="noStrike">
+                        <a:solidFill>
+                          <a:schemeClr val="tx1">
+                            <a:lumMod val="85000"/>
+                            <a:lumOff val="15000"/>
+                          </a:schemeClr>
+                        </a:solidFill>
+                        <a:effectLst/>
+                        <a:latin typeface="맑은 고딕" panose="020B0503020000020004" pitchFamily="50" charset="-127"/>
+                        <a:ea typeface="맑은 고딕" panose="020B0503020000020004" pitchFamily="50" charset="-127"/>
+                      </a:endParaRPr>
+                    </a:p>
+                  </a:txBody>
+                  <a:tcPr marL="6757" marR="6757" marT="6757" marB="0" anchor="ctr">
+                    <a:solidFill>
+                      <a:srgbClr val="D7D7D7"/>
+                    </a:solidFill>
+                  </a:tcPr>
+                </a:tc>
+                <a:tc vMerge="1">
+                  <a:txBody>
+                    <a:bodyPr/>
+                    <a:lstStyle/>
+                    <a:p>
+                      <a:pPr algn="ctr" fontAlgn="b"/>
+                      <a:endParaRPr lang="ko-KR" altLang="en-US" sz="1100" b="0" i="0" u="none" strike="noStrike" dirty="0">
+                        <a:solidFill>
+                          <a:srgbClr val="000000"/>
+                        </a:solidFill>
+                        <a:effectLst/>
+                        <a:latin typeface="맑은 고딕" panose="020B0503020000020004" pitchFamily="50" charset="-127"/>
+                        <a:ea typeface="맑은 고딕" panose="020B0503020000020004" pitchFamily="50" charset="-127"/>
+                      </a:endParaRPr>
+                    </a:p>
+                  </a:txBody>
+                  <a:tcPr marL="6757" marR="6757" marT="6757" marB="0" anchor="ctr">
                     <a:solidFill>
                       <a:srgbClr val="F8F9FA"/>
                     </a:solidFill>
@@ -18921,36 +20920,33 @@
                     <a:bodyPr/>
                     <a:lstStyle/>
                     <a:p>
-                      <a:pPr latinLnBrk="1"/>
-                      <a:r>
-                        <a:rPr lang="en-US" altLang="ko-KR" sz="1400" b="0" dirty="0" smtClean="0"/>
-                        <a:t>26</a:t>
-                      </a:r>
-                      <a:endParaRPr lang="ko-KR" altLang="en-US" sz="1400" b="0" dirty="0"/>
+                      <a:pPr algn="ctr" fontAlgn="b"/>
+                      <a:r>
+                        <a:rPr lang="ko-KR" altLang="en-US" sz="1100" u="none" strike="noStrike">
+                          <a:solidFill>
+                            <a:schemeClr val="tx1">
+                              <a:lumMod val="85000"/>
+                              <a:lumOff val="15000"/>
+                            </a:schemeClr>
+                          </a:solidFill>
+                          <a:effectLst/>
+                        </a:rPr>
+                        <a:t>챗봇 품질 개선</a:t>
+                      </a:r>
+                      <a:endParaRPr lang="ko-KR" altLang="en-US" sz="1100" b="0" i="0" u="none" strike="noStrike">
+                        <a:solidFill>
+                          <a:schemeClr val="tx1">
+                            <a:lumMod val="85000"/>
+                            <a:lumOff val="15000"/>
+                          </a:schemeClr>
+                        </a:solidFill>
+                        <a:effectLst/>
+                        <a:latin typeface="맑은 고딕" panose="020B0503020000020004" pitchFamily="50" charset="-127"/>
+                        <a:ea typeface="맑은 고딕" panose="020B0503020000020004" pitchFamily="50" charset="-127"/>
+                      </a:endParaRPr>
                     </a:p>
                   </a:txBody>
-                  <a:tcPr>
-                    <a:solidFill>
-                      <a:srgbClr val="F8F9FA"/>
-                    </a:solidFill>
-                  </a:tcPr>
-                </a:tc>
-              </a:tr>
-              <a:tr h="441234">
-                <a:tc>
-                  <a:txBody>
-                    <a:bodyPr/>
-                    <a:lstStyle/>
-                    <a:p>
-                      <a:pPr latinLnBrk="1"/>
-                      <a:r>
-                        <a:rPr lang="en-US" altLang="ko-KR" sz="1400" b="0" dirty="0" smtClean="0"/>
-                        <a:t>29</a:t>
-                      </a:r>
-                      <a:endParaRPr lang="ko-KR" altLang="en-US" sz="1400" b="0" dirty="0"/>
-                    </a:p>
-                  </a:txBody>
-                  <a:tcPr>
+                  <a:tcPr marL="6757" marR="6757" marT="6757" marB="0" anchor="ctr">
                     <a:solidFill>
                       <a:srgbClr val="F8F9FA"/>
                     </a:solidFill>
@@ -18961,15 +20957,33 @@
                     <a:bodyPr/>
                     <a:lstStyle/>
                     <a:p>
-                      <a:pPr latinLnBrk="1"/>
-                      <a:r>
-                        <a:rPr lang="en-US" altLang="ko-KR" sz="1400" b="0" dirty="0" smtClean="0"/>
-                        <a:t>30</a:t>
-                      </a:r>
-                      <a:endParaRPr lang="ko-KR" altLang="en-US" sz="1400" b="0" dirty="0"/>
+                      <a:pPr algn="ctr" fontAlgn="b"/>
+                      <a:r>
+                        <a:rPr lang="ko-KR" altLang="en-US" sz="1100" u="none" strike="noStrike">
+                          <a:solidFill>
+                            <a:schemeClr val="tx1">
+                              <a:lumMod val="85000"/>
+                              <a:lumOff val="15000"/>
+                            </a:schemeClr>
+                          </a:solidFill>
+                          <a:effectLst/>
+                        </a:rPr>
+                        <a:t>고객문의</a:t>
+                      </a:r>
+                      <a:endParaRPr lang="ko-KR" altLang="en-US" sz="1100" b="0" i="0" u="none" strike="noStrike">
+                        <a:solidFill>
+                          <a:schemeClr val="tx1">
+                            <a:lumMod val="85000"/>
+                            <a:lumOff val="15000"/>
+                          </a:schemeClr>
+                        </a:solidFill>
+                        <a:effectLst/>
+                        <a:latin typeface="맑은 고딕" panose="020B0503020000020004" pitchFamily="50" charset="-127"/>
+                        <a:ea typeface="맑은 고딕" panose="020B0503020000020004" pitchFamily="50" charset="-127"/>
+                      </a:endParaRPr>
                     </a:p>
                   </a:txBody>
-                  <a:tcPr>
+                  <a:tcPr marL="6757" marR="6757" marT="6757" marB="0" anchor="ctr">
                     <a:solidFill>
                       <a:srgbClr val="F8F9FA"/>
                     </a:solidFill>
@@ -18980,23 +20994,167 @@
                     <a:bodyPr/>
                     <a:lstStyle/>
                     <a:p>
-                      <a:pPr latinLnBrk="1"/>
-                      <a:r>
-                        <a:rPr lang="en-US" altLang="ko-KR" sz="1400" b="0" dirty="0" smtClean="0"/>
-                        <a:t>5</a:t>
-                      </a:r>
-                      <a:r>
-                        <a:rPr lang="ko-KR" altLang="en-US" sz="1400" b="0" dirty="0" smtClean="0"/>
-                        <a:t>월 </a:t>
-                      </a:r>
-                      <a:r>
-                        <a:rPr lang="en-US" altLang="ko-KR" sz="1400" b="0" dirty="0" smtClean="0"/>
-                        <a:t>1</a:t>
-                      </a:r>
-                      <a:endParaRPr lang="ko-KR" altLang="en-US" sz="1400" b="0" dirty="0"/>
+                      <a:pPr algn="ctr" fontAlgn="b"/>
+                      <a:r>
+                        <a:rPr lang="ko-KR" altLang="en-US" sz="1100" u="none" strike="noStrike">
+                          <a:solidFill>
+                            <a:schemeClr val="tx1">
+                              <a:lumMod val="85000"/>
+                              <a:lumOff val="15000"/>
+                            </a:schemeClr>
+                          </a:solidFill>
+                          <a:effectLst/>
+                        </a:rPr>
+                        <a:t>챌린지 삭제</a:t>
+                      </a:r>
+                      <a:endParaRPr lang="ko-KR" altLang="en-US" sz="1100" b="0" i="0" u="none" strike="noStrike">
+                        <a:solidFill>
+                          <a:schemeClr val="tx1">
+                            <a:lumMod val="85000"/>
+                            <a:lumOff val="15000"/>
+                          </a:schemeClr>
+                        </a:solidFill>
+                        <a:effectLst/>
+                        <a:latin typeface="맑은 고딕" panose="020B0503020000020004" pitchFamily="50" charset="-127"/>
+                        <a:ea typeface="맑은 고딕" panose="020B0503020000020004" pitchFamily="50" charset="-127"/>
+                      </a:endParaRPr>
                     </a:p>
                   </a:txBody>
-                  <a:tcPr>
+                  <a:tcPr marL="6757" marR="6757" marT="6757" marB="0" anchor="ctr">
+                    <a:solidFill>
+                      <a:srgbClr val="F8F9FA"/>
+                    </a:solidFill>
+                  </a:tcPr>
+                </a:tc>
+              </a:tr>
+              <a:tr h="266544">
+                <a:tc>
+                  <a:txBody>
+                    <a:bodyPr/>
+                    <a:lstStyle/>
+                    <a:p>
+                      <a:pPr algn="ctr" fontAlgn="b"/>
+                      <a:r>
+                        <a:rPr lang="en-US" altLang="ko-KR" sz="1100" u="none" strike="noStrike">
+                          <a:solidFill>
+                            <a:schemeClr val="tx1">
+                              <a:lumMod val="85000"/>
+                              <a:lumOff val="15000"/>
+                            </a:schemeClr>
+                          </a:solidFill>
+                          <a:effectLst/>
+                        </a:rPr>
+                        <a:t>4</a:t>
+                      </a:r>
+                      <a:r>
+                        <a:rPr lang="ko-KR" altLang="en-US" sz="1100" u="none" strike="noStrike">
+                          <a:solidFill>
+                            <a:schemeClr val="tx1">
+                              <a:lumMod val="85000"/>
+                              <a:lumOff val="15000"/>
+                            </a:schemeClr>
+                          </a:solidFill>
+                          <a:effectLst/>
+                        </a:rPr>
+                        <a:t>월 </a:t>
+                      </a:r>
+                      <a:r>
+                        <a:rPr lang="en-US" altLang="ko-KR" sz="1100" u="none" strike="noStrike">
+                          <a:solidFill>
+                            <a:schemeClr val="tx1">
+                              <a:lumMod val="85000"/>
+                              <a:lumOff val="15000"/>
+                            </a:schemeClr>
+                          </a:solidFill>
+                          <a:effectLst/>
+                        </a:rPr>
+                        <a:t>18</a:t>
+                      </a:r>
+                      <a:r>
+                        <a:rPr lang="ko-KR" altLang="en-US" sz="1100" u="none" strike="noStrike">
+                          <a:solidFill>
+                            <a:schemeClr val="tx1">
+                              <a:lumMod val="85000"/>
+                              <a:lumOff val="15000"/>
+                            </a:schemeClr>
+                          </a:solidFill>
+                          <a:effectLst/>
+                        </a:rPr>
+                        <a:t>일</a:t>
+                      </a:r>
+                      <a:endParaRPr lang="ko-KR" altLang="en-US" sz="1100" b="0" i="0" u="none" strike="noStrike">
+                        <a:solidFill>
+                          <a:schemeClr val="tx1">
+                            <a:lumMod val="85000"/>
+                            <a:lumOff val="15000"/>
+                          </a:schemeClr>
+                        </a:solidFill>
+                        <a:effectLst/>
+                        <a:latin typeface="맑은 고딕" panose="020B0503020000020004" pitchFamily="50" charset="-127"/>
+                        <a:ea typeface="맑은 고딕" panose="020B0503020000020004" pitchFamily="50" charset="-127"/>
+                      </a:endParaRPr>
+                    </a:p>
+                  </a:txBody>
+                  <a:tcPr marL="6757" marR="6757" marT="6757" marB="0" anchor="ctr">
+                    <a:solidFill>
+                      <a:srgbClr val="D7D7D7"/>
+                    </a:solidFill>
+                  </a:tcPr>
+                </a:tc>
+                <a:tc>
+                  <a:txBody>
+                    <a:bodyPr/>
+                    <a:lstStyle/>
+                    <a:p>
+                      <a:pPr algn="ctr" fontAlgn="b"/>
+                      <a:r>
+                        <a:rPr lang="ko-KR" altLang="en-US" sz="1100" u="none" strike="noStrike">
+                          <a:solidFill>
+                            <a:schemeClr val="tx1">
+                              <a:lumMod val="85000"/>
+                              <a:lumOff val="15000"/>
+                            </a:schemeClr>
+                          </a:solidFill>
+                          <a:effectLst/>
+                        </a:rPr>
+                        <a:t>목요일</a:t>
+                      </a:r>
+                      <a:endParaRPr lang="ko-KR" altLang="en-US" sz="1100" b="0" i="0" u="none" strike="noStrike">
+                        <a:solidFill>
+                          <a:schemeClr val="tx1">
+                            <a:lumMod val="85000"/>
+                            <a:lumOff val="15000"/>
+                          </a:schemeClr>
+                        </a:solidFill>
+                        <a:effectLst/>
+                        <a:latin typeface="맑은 고딕" panose="020B0503020000020004" pitchFamily="50" charset="-127"/>
+                        <a:ea typeface="맑은 고딕" panose="020B0503020000020004" pitchFamily="50" charset="-127"/>
+                      </a:endParaRPr>
+                    </a:p>
+                  </a:txBody>
+                  <a:tcPr marL="6757" marR="6757" marT="6757" marB="0" anchor="ctr">
+                    <a:solidFill>
+                      <a:srgbClr val="D7D7D7"/>
+                    </a:solidFill>
+                  </a:tcPr>
+                </a:tc>
+                <a:tc vMerge="1">
+                  <a:txBody>
+                    <a:bodyPr/>
+                    <a:lstStyle/>
+                    <a:p>
+                      <a:pPr algn="ctr" fontAlgn="b"/>
+                      <a:endParaRPr lang="ko-KR" altLang="en-US" sz="1100" b="0" i="0" u="none" strike="noStrike" dirty="0">
+                        <a:solidFill>
+                          <a:srgbClr val="000000"/>
+                        </a:solidFill>
+                        <a:effectLst/>
+                        <a:latin typeface="맑은 고딕" panose="020B0503020000020004" pitchFamily="50" charset="-127"/>
+                        <a:ea typeface="맑은 고딕" panose="020B0503020000020004" pitchFamily="50" charset="-127"/>
+                      </a:endParaRPr>
+                    </a:p>
+                  </a:txBody>
+                  <a:tcPr marL="6757" marR="6757" marT="6757" marB="0" anchor="ctr">
                     <a:solidFill>
                       <a:srgbClr val="F8F9FA"/>
                     </a:solidFill>
@@ -19007,19 +21165,45 @@
                     <a:bodyPr/>
                     <a:lstStyle/>
                     <a:p>
-                      <a:pPr latinLnBrk="1"/>
-                      <a:r>
-                        <a:rPr lang="en-US" altLang="ko-KR" sz="1400" b="1" dirty="0" smtClean="0"/>
-                        <a:t>2 </a:t>
-                      </a:r>
-                      <a:r>
-                        <a:rPr lang="ko-KR" altLang="en-US" sz="1400" b="1" dirty="0" smtClean="0"/>
-                        <a:t>완료발표</a:t>
-                      </a:r>
-                      <a:endParaRPr lang="ko-KR" altLang="en-US" sz="1400" b="1" dirty="0"/>
+                      <a:pPr algn="ctr" fontAlgn="b"/>
+                      <a:r>
+                        <a:rPr lang="ko-KR" altLang="en-US" sz="1100" u="none" strike="noStrike">
+                          <a:solidFill>
+                            <a:schemeClr val="tx1">
+                              <a:lumMod val="85000"/>
+                              <a:lumOff val="15000"/>
+                            </a:schemeClr>
+                          </a:solidFill>
+                          <a:effectLst/>
+                        </a:rPr>
+                        <a:t>프론트 레이아웃 </a:t>
+                      </a:r>
+                      <a:r>
+                        <a:rPr lang="en-US" altLang="ko-KR" sz="1100" u="none" strike="noStrike">
+                          <a:solidFill>
+                            <a:schemeClr val="tx1">
+                              <a:lumMod val="85000"/>
+                              <a:lumOff val="15000"/>
+                            </a:schemeClr>
+                          </a:solidFill>
+                          <a:effectLst/>
+                        </a:rPr>
+                        <a:t>(Store)</a:t>
+                      </a:r>
+                      <a:endParaRPr lang="en-US" altLang="ko-KR" sz="1100" b="0" i="0" u="none" strike="noStrike">
+                        <a:solidFill>
+                          <a:schemeClr val="tx1">
+                            <a:lumMod val="85000"/>
+                            <a:lumOff val="15000"/>
+                          </a:schemeClr>
+                        </a:solidFill>
+                        <a:effectLst/>
+                        <a:latin typeface="맑은 고딕" panose="020B0503020000020004" pitchFamily="50" charset="-127"/>
+                        <a:ea typeface="맑은 고딕" panose="020B0503020000020004" pitchFamily="50" charset="-127"/>
+                      </a:endParaRPr>
                     </a:p>
                   </a:txBody>
-                  <a:tcPr>
+                  <a:tcPr marL="6757" marR="6757" marT="6757" marB="0" anchor="ctr">
                     <a:solidFill>
                       <a:srgbClr val="F8F9FA"/>
                     </a:solidFill>
@@ -19030,645 +21214,2341 @@
                     <a:bodyPr/>
                     <a:lstStyle/>
                     <a:p>
-                      <a:pPr latinLnBrk="1"/>
-                      <a:endParaRPr lang="ko-KR" altLang="en-US" sz="1400" b="0" dirty="0"/>
+                      <a:pPr algn="ctr" fontAlgn="b"/>
+                      <a:r>
+                        <a:rPr lang="ko-KR" altLang="en-US" sz="1100" u="none" strike="noStrike">
+                          <a:solidFill>
+                            <a:schemeClr val="tx1">
+                              <a:lumMod val="85000"/>
+                              <a:lumOff val="15000"/>
+                            </a:schemeClr>
+                          </a:solidFill>
+                          <a:effectLst/>
+                        </a:rPr>
+                        <a:t>마이페이지 구성 연결</a:t>
+                      </a:r>
+                      <a:endParaRPr lang="ko-KR" altLang="en-US" sz="1100" b="0" i="0" u="none" strike="noStrike">
+                        <a:solidFill>
+                          <a:schemeClr val="tx1">
+                            <a:lumMod val="85000"/>
+                            <a:lumOff val="15000"/>
+                          </a:schemeClr>
+                        </a:solidFill>
+                        <a:effectLst/>
+                        <a:latin typeface="맑은 고딕" panose="020B0503020000020004" pitchFamily="50" charset="-127"/>
+                        <a:ea typeface="맑은 고딕" panose="020B0503020000020004" pitchFamily="50" charset="-127"/>
+                      </a:endParaRPr>
                     </a:p>
                   </a:txBody>
-                  <a:tcPr>
+                  <a:tcPr marL="6757" marR="6757" marT="6757" marB="0" anchor="ctr">
+                    <a:solidFill>
+                      <a:srgbClr val="F8F9FA"/>
+                    </a:solidFill>
+                  </a:tcPr>
+                </a:tc>
+                <a:tc>
+                  <a:txBody>
+                    <a:bodyPr/>
+                    <a:lstStyle/>
+                    <a:p>
+                      <a:pPr algn="ctr" fontAlgn="b"/>
+                      <a:r>
+                        <a:rPr lang="ko-KR" altLang="en-US" sz="1100" u="none" strike="noStrike">
+                          <a:solidFill>
+                            <a:schemeClr val="tx1">
+                              <a:lumMod val="85000"/>
+                              <a:lumOff val="15000"/>
+                            </a:schemeClr>
+                          </a:solidFill>
+                          <a:effectLst/>
+                        </a:rPr>
+                        <a:t>챌린지 인증</a:t>
+                      </a:r>
+                      <a:endParaRPr lang="ko-KR" altLang="en-US" sz="1100" b="0" i="0" u="none" strike="noStrike">
+                        <a:solidFill>
+                          <a:schemeClr val="tx1">
+                            <a:lumMod val="85000"/>
+                            <a:lumOff val="15000"/>
+                          </a:schemeClr>
+                        </a:solidFill>
+                        <a:effectLst/>
+                        <a:latin typeface="맑은 고딕" panose="020B0503020000020004" pitchFamily="50" charset="-127"/>
+                        <a:ea typeface="맑은 고딕" panose="020B0503020000020004" pitchFamily="50" charset="-127"/>
+                      </a:endParaRPr>
+                    </a:p>
+                  </a:txBody>
+                  <a:tcPr marL="6757" marR="6757" marT="6757" marB="0" anchor="ctr">
                     <a:solidFill>
                       <a:srgbClr val="F8F9FA"/>
                     </a:solidFill>
                   </a:tcPr>
                 </a:tc>
               </a:tr>
+              <a:tr h="266544">
+                <a:tc>
+                  <a:txBody>
+                    <a:bodyPr/>
+                    <a:lstStyle/>
+                    <a:p>
+                      <a:pPr algn="ctr" fontAlgn="b"/>
+                      <a:r>
+                        <a:rPr lang="en-US" altLang="ko-KR" sz="1100" u="none" strike="noStrike">
+                          <a:solidFill>
+                            <a:schemeClr val="tx1">
+                              <a:lumMod val="85000"/>
+                              <a:lumOff val="15000"/>
+                            </a:schemeClr>
+                          </a:solidFill>
+                          <a:effectLst/>
+                        </a:rPr>
+                        <a:t>4</a:t>
+                      </a:r>
+                      <a:r>
+                        <a:rPr lang="ko-KR" altLang="en-US" sz="1100" u="none" strike="noStrike">
+                          <a:solidFill>
+                            <a:schemeClr val="tx1">
+                              <a:lumMod val="85000"/>
+                              <a:lumOff val="15000"/>
+                            </a:schemeClr>
+                          </a:solidFill>
+                          <a:effectLst/>
+                        </a:rPr>
+                        <a:t>월 </a:t>
+                      </a:r>
+                      <a:r>
+                        <a:rPr lang="en-US" altLang="ko-KR" sz="1100" u="none" strike="noStrike">
+                          <a:solidFill>
+                            <a:schemeClr val="tx1">
+                              <a:lumMod val="85000"/>
+                              <a:lumOff val="15000"/>
+                            </a:schemeClr>
+                          </a:solidFill>
+                          <a:effectLst/>
+                        </a:rPr>
+                        <a:t>19</a:t>
+                      </a:r>
+                      <a:r>
+                        <a:rPr lang="ko-KR" altLang="en-US" sz="1100" u="none" strike="noStrike">
+                          <a:solidFill>
+                            <a:schemeClr val="tx1">
+                              <a:lumMod val="85000"/>
+                              <a:lumOff val="15000"/>
+                            </a:schemeClr>
+                          </a:solidFill>
+                          <a:effectLst/>
+                        </a:rPr>
+                        <a:t>일</a:t>
+                      </a:r>
+                      <a:endParaRPr lang="ko-KR" altLang="en-US" sz="1100" b="0" i="0" u="none" strike="noStrike">
+                        <a:solidFill>
+                          <a:schemeClr val="tx1">
+                            <a:lumMod val="85000"/>
+                            <a:lumOff val="15000"/>
+                          </a:schemeClr>
+                        </a:solidFill>
+                        <a:effectLst/>
+                        <a:latin typeface="맑은 고딕" panose="020B0503020000020004" pitchFamily="50" charset="-127"/>
+                        <a:ea typeface="맑은 고딕" panose="020B0503020000020004" pitchFamily="50" charset="-127"/>
+                      </a:endParaRPr>
+                    </a:p>
+                  </a:txBody>
+                  <a:tcPr marL="6757" marR="6757" marT="6757" marB="0" anchor="ctr">
+                    <a:solidFill>
+                      <a:srgbClr val="D7D7D7"/>
+                    </a:solidFill>
+                  </a:tcPr>
+                </a:tc>
+                <a:tc>
+                  <a:txBody>
+                    <a:bodyPr/>
+                    <a:lstStyle/>
+                    <a:p>
+                      <a:pPr algn="ctr" fontAlgn="b"/>
+                      <a:r>
+                        <a:rPr lang="ko-KR" altLang="en-US" sz="1100" u="none" strike="noStrike">
+                          <a:solidFill>
+                            <a:schemeClr val="tx1">
+                              <a:lumMod val="85000"/>
+                              <a:lumOff val="15000"/>
+                            </a:schemeClr>
+                          </a:solidFill>
+                          <a:effectLst/>
+                        </a:rPr>
+                        <a:t>금요일</a:t>
+                      </a:r>
+                      <a:endParaRPr lang="ko-KR" altLang="en-US" sz="1100" b="0" i="0" u="none" strike="noStrike">
+                        <a:solidFill>
+                          <a:schemeClr val="tx1">
+                            <a:lumMod val="85000"/>
+                            <a:lumOff val="15000"/>
+                          </a:schemeClr>
+                        </a:solidFill>
+                        <a:effectLst/>
+                        <a:latin typeface="맑은 고딕" panose="020B0503020000020004" pitchFamily="50" charset="-127"/>
+                        <a:ea typeface="맑은 고딕" panose="020B0503020000020004" pitchFamily="50" charset="-127"/>
+                      </a:endParaRPr>
+                    </a:p>
+                  </a:txBody>
+                  <a:tcPr marL="6757" marR="6757" marT="6757" marB="0" anchor="ctr">
+                    <a:solidFill>
+                      <a:srgbClr val="D7D7D7"/>
+                    </a:solidFill>
+                  </a:tcPr>
+                </a:tc>
+                <a:tc vMerge="1">
+                  <a:txBody>
+                    <a:bodyPr/>
+                    <a:lstStyle/>
+                    <a:p>
+                      <a:pPr algn="ctr" fontAlgn="b"/>
+                      <a:endParaRPr lang="ko-KR" altLang="en-US" sz="1100" b="0" i="0" u="none" strike="noStrike" dirty="0">
+                        <a:solidFill>
+                          <a:srgbClr val="000000"/>
+                        </a:solidFill>
+                        <a:effectLst/>
+                        <a:latin typeface="맑은 고딕" panose="020B0503020000020004" pitchFamily="50" charset="-127"/>
+                        <a:ea typeface="맑은 고딕" panose="020B0503020000020004" pitchFamily="50" charset="-127"/>
+                      </a:endParaRPr>
+                    </a:p>
+                  </a:txBody>
+                  <a:tcPr marL="6757" marR="6757" marT="6757" marB="0" anchor="ctr">
+                    <a:solidFill>
+                      <a:srgbClr val="F8F9FA"/>
+                    </a:solidFill>
+                  </a:tcPr>
+                </a:tc>
+                <a:tc>
+                  <a:txBody>
+                    <a:bodyPr/>
+                    <a:lstStyle/>
+                    <a:p>
+                      <a:pPr algn="ctr" fontAlgn="b"/>
+                      <a:r>
+                        <a:rPr lang="ko-KR" altLang="en-US" sz="1100" u="none" strike="noStrike">
+                          <a:solidFill>
+                            <a:schemeClr val="tx1">
+                              <a:lumMod val="85000"/>
+                              <a:lumOff val="15000"/>
+                            </a:schemeClr>
+                          </a:solidFill>
+                          <a:effectLst/>
+                        </a:rPr>
+                        <a:t>스토어 구성 연결</a:t>
+                      </a:r>
+                      <a:endParaRPr lang="ko-KR" altLang="en-US" sz="1100" b="0" i="0" u="none" strike="noStrike">
+                        <a:solidFill>
+                          <a:schemeClr val="tx1">
+                            <a:lumMod val="85000"/>
+                            <a:lumOff val="15000"/>
+                          </a:schemeClr>
+                        </a:solidFill>
+                        <a:effectLst/>
+                        <a:latin typeface="맑은 고딕" panose="020B0503020000020004" pitchFamily="50" charset="-127"/>
+                        <a:ea typeface="맑은 고딕" panose="020B0503020000020004" pitchFamily="50" charset="-127"/>
+                      </a:endParaRPr>
+                    </a:p>
+                  </a:txBody>
+                  <a:tcPr marL="6757" marR="6757" marT="6757" marB="0" anchor="ctr">
+                    <a:solidFill>
+                      <a:srgbClr val="F8F9FA"/>
+                    </a:solidFill>
+                  </a:tcPr>
+                </a:tc>
+                <a:tc>
+                  <a:txBody>
+                    <a:bodyPr/>
+                    <a:lstStyle/>
+                    <a:p>
+                      <a:pPr algn="ctr" fontAlgn="b"/>
+                      <a:r>
+                        <a:rPr lang="ko-KR" altLang="en-US" sz="1100" u="none" strike="noStrike">
+                          <a:solidFill>
+                            <a:schemeClr val="tx1">
+                              <a:lumMod val="85000"/>
+                              <a:lumOff val="15000"/>
+                            </a:schemeClr>
+                          </a:solidFill>
+                          <a:effectLst/>
+                        </a:rPr>
+                        <a:t>운영자 페이지 구성 연결</a:t>
+                      </a:r>
+                      <a:endParaRPr lang="ko-KR" altLang="en-US" sz="1100" b="0" i="0" u="none" strike="noStrike">
+                        <a:solidFill>
+                          <a:schemeClr val="tx1">
+                            <a:lumMod val="85000"/>
+                            <a:lumOff val="15000"/>
+                          </a:schemeClr>
+                        </a:solidFill>
+                        <a:effectLst/>
+                        <a:latin typeface="맑은 고딕" panose="020B0503020000020004" pitchFamily="50" charset="-127"/>
+                        <a:ea typeface="맑은 고딕" panose="020B0503020000020004" pitchFamily="50" charset="-127"/>
+                      </a:endParaRPr>
+                    </a:p>
+                  </a:txBody>
+                  <a:tcPr marL="6757" marR="6757" marT="6757" marB="0" anchor="ctr">
+                    <a:solidFill>
+                      <a:srgbClr val="F8F9FA"/>
+                    </a:solidFill>
+                  </a:tcPr>
+                </a:tc>
+                <a:tc>
+                  <a:txBody>
+                    <a:bodyPr/>
+                    <a:lstStyle/>
+                    <a:p>
+                      <a:pPr algn="ctr" fontAlgn="b"/>
+                      <a:r>
+                        <a:rPr lang="ko-KR" altLang="en-US" sz="1100" u="none" strike="noStrike">
+                          <a:solidFill>
+                            <a:schemeClr val="tx1">
+                              <a:lumMod val="85000"/>
+                              <a:lumOff val="15000"/>
+                            </a:schemeClr>
+                          </a:solidFill>
+                          <a:effectLst/>
+                        </a:rPr>
+                        <a:t>챌린지 포인트</a:t>
+                      </a:r>
+                      <a:endParaRPr lang="ko-KR" altLang="en-US" sz="1100" b="0" i="0" u="none" strike="noStrike">
+                        <a:solidFill>
+                          <a:schemeClr val="tx1">
+                            <a:lumMod val="85000"/>
+                            <a:lumOff val="15000"/>
+                          </a:schemeClr>
+                        </a:solidFill>
+                        <a:effectLst/>
+                        <a:latin typeface="맑은 고딕" panose="020B0503020000020004" pitchFamily="50" charset="-127"/>
+                        <a:ea typeface="맑은 고딕" panose="020B0503020000020004" pitchFamily="50" charset="-127"/>
+                      </a:endParaRPr>
+                    </a:p>
+                  </a:txBody>
+                  <a:tcPr marL="6757" marR="6757" marT="6757" marB="0" anchor="ctr">
+                    <a:solidFill>
+                      <a:srgbClr val="F8F9FA"/>
+                    </a:solidFill>
+                  </a:tcPr>
+                </a:tc>
+              </a:tr>
+              <a:tr h="266544">
+                <a:tc>
+                  <a:txBody>
+                    <a:bodyPr/>
+                    <a:lstStyle/>
+                    <a:p>
+                      <a:pPr algn="ctr" fontAlgn="b"/>
+                      <a:r>
+                        <a:rPr lang="en-US" altLang="ko-KR" sz="1100" u="none" strike="noStrike">
+                          <a:solidFill>
+                            <a:schemeClr val="tx1">
+                              <a:lumMod val="85000"/>
+                              <a:lumOff val="15000"/>
+                            </a:schemeClr>
+                          </a:solidFill>
+                          <a:effectLst/>
+                        </a:rPr>
+                        <a:t>4</a:t>
+                      </a:r>
+                      <a:r>
+                        <a:rPr lang="ko-KR" altLang="en-US" sz="1100" u="none" strike="noStrike">
+                          <a:solidFill>
+                            <a:schemeClr val="tx1">
+                              <a:lumMod val="85000"/>
+                              <a:lumOff val="15000"/>
+                            </a:schemeClr>
+                          </a:solidFill>
+                          <a:effectLst/>
+                        </a:rPr>
+                        <a:t>월 </a:t>
+                      </a:r>
+                      <a:r>
+                        <a:rPr lang="en-US" altLang="ko-KR" sz="1100" u="none" strike="noStrike">
+                          <a:solidFill>
+                            <a:schemeClr val="tx1">
+                              <a:lumMod val="85000"/>
+                              <a:lumOff val="15000"/>
+                            </a:schemeClr>
+                          </a:solidFill>
+                          <a:effectLst/>
+                        </a:rPr>
+                        <a:t>22</a:t>
+                      </a:r>
+                      <a:r>
+                        <a:rPr lang="ko-KR" altLang="en-US" sz="1100" u="none" strike="noStrike">
+                          <a:solidFill>
+                            <a:schemeClr val="tx1">
+                              <a:lumMod val="85000"/>
+                              <a:lumOff val="15000"/>
+                            </a:schemeClr>
+                          </a:solidFill>
+                          <a:effectLst/>
+                        </a:rPr>
+                        <a:t>일</a:t>
+                      </a:r>
+                      <a:endParaRPr lang="ko-KR" altLang="en-US" sz="1100" b="0" i="0" u="none" strike="noStrike">
+                        <a:solidFill>
+                          <a:schemeClr val="tx1">
+                            <a:lumMod val="85000"/>
+                            <a:lumOff val="15000"/>
+                          </a:schemeClr>
+                        </a:solidFill>
+                        <a:effectLst/>
+                        <a:latin typeface="맑은 고딕" panose="020B0503020000020004" pitchFamily="50" charset="-127"/>
+                        <a:ea typeface="맑은 고딕" panose="020B0503020000020004" pitchFamily="50" charset="-127"/>
+                      </a:endParaRPr>
+                    </a:p>
+                  </a:txBody>
+                  <a:tcPr marL="6757" marR="6757" marT="6757" marB="0" anchor="ctr">
+                    <a:solidFill>
+                      <a:srgbClr val="D7D7D7"/>
+                    </a:solidFill>
+                  </a:tcPr>
+                </a:tc>
+                <a:tc>
+                  <a:txBody>
+                    <a:bodyPr/>
+                    <a:lstStyle/>
+                    <a:p>
+                      <a:pPr algn="ctr" fontAlgn="b"/>
+                      <a:r>
+                        <a:rPr lang="ko-KR" altLang="en-US" sz="1100" u="none" strike="noStrike">
+                          <a:solidFill>
+                            <a:schemeClr val="tx1">
+                              <a:lumMod val="85000"/>
+                              <a:lumOff val="15000"/>
+                            </a:schemeClr>
+                          </a:solidFill>
+                          <a:effectLst/>
+                        </a:rPr>
+                        <a:t>월요일</a:t>
+                      </a:r>
+                      <a:endParaRPr lang="ko-KR" altLang="en-US" sz="1100" b="0" i="0" u="none" strike="noStrike">
+                        <a:solidFill>
+                          <a:schemeClr val="tx1">
+                            <a:lumMod val="85000"/>
+                            <a:lumOff val="15000"/>
+                          </a:schemeClr>
+                        </a:solidFill>
+                        <a:effectLst/>
+                        <a:latin typeface="맑은 고딕" panose="020B0503020000020004" pitchFamily="50" charset="-127"/>
+                        <a:ea typeface="맑은 고딕" panose="020B0503020000020004" pitchFamily="50" charset="-127"/>
+                      </a:endParaRPr>
+                    </a:p>
+                  </a:txBody>
+                  <a:tcPr marL="6757" marR="6757" marT="6757" marB="0" anchor="ctr">
+                    <a:solidFill>
+                      <a:srgbClr val="D7D7D7"/>
+                    </a:solidFill>
+                  </a:tcPr>
+                </a:tc>
+                <a:tc rowSpan="5">
+                  <a:txBody>
+                    <a:bodyPr/>
+                    <a:lstStyle/>
+                    <a:p>
+                      <a:pPr algn="ctr" fontAlgn="b"/>
+                      <a:r>
+                        <a:rPr lang="ko-KR" altLang="en-US" sz="1100" u="none" strike="noStrike" dirty="0" smtClean="0">
+                          <a:solidFill>
+                            <a:schemeClr val="tx1">
+                              <a:lumMod val="85000"/>
+                              <a:lumOff val="15000"/>
+                            </a:schemeClr>
+                          </a:solidFill>
+                          <a:effectLst/>
+                        </a:rPr>
+                        <a:t>통합</a:t>
+                      </a:r>
+                      <a:endParaRPr lang="ko-KR" altLang="en-US" sz="1100" b="0" i="0" u="none" strike="noStrike" dirty="0">
+                        <a:solidFill>
+                          <a:schemeClr val="tx1">
+                            <a:lumMod val="85000"/>
+                            <a:lumOff val="15000"/>
+                          </a:schemeClr>
+                        </a:solidFill>
+                        <a:effectLst/>
+                        <a:latin typeface="맑은 고딕" panose="020B0503020000020004" pitchFamily="50" charset="-127"/>
+                        <a:ea typeface="맑은 고딕" panose="020B0503020000020004" pitchFamily="50" charset="-127"/>
+                      </a:endParaRPr>
+                    </a:p>
+                  </a:txBody>
+                  <a:tcPr marL="6757" marR="6757" marT="6757" marB="0" anchor="ctr">
+                    <a:solidFill>
+                      <a:srgbClr val="D7D7D7"/>
+                    </a:solidFill>
+                  </a:tcPr>
+                </a:tc>
+                <a:tc>
+                  <a:txBody>
+                    <a:bodyPr/>
+                    <a:lstStyle/>
+                    <a:p>
+                      <a:pPr algn="ctr" fontAlgn="b"/>
+                      <a:r>
+                        <a:rPr lang="en-US" sz="1100" u="none" strike="noStrike">
+                          <a:solidFill>
+                            <a:schemeClr val="tx1">
+                              <a:lumMod val="85000"/>
+                              <a:lumOff val="15000"/>
+                            </a:schemeClr>
+                          </a:solidFill>
+                          <a:effectLst/>
+                        </a:rPr>
+                        <a:t>NginX </a:t>
+                      </a:r>
+                      <a:r>
+                        <a:rPr lang="ko-KR" altLang="en-US" sz="1100" u="none" strike="noStrike">
+                          <a:solidFill>
+                            <a:schemeClr val="tx1">
+                              <a:lumMod val="85000"/>
+                              <a:lumOff val="15000"/>
+                            </a:schemeClr>
+                          </a:solidFill>
+                          <a:effectLst/>
+                        </a:rPr>
+                        <a:t>구축</a:t>
+                      </a:r>
+                      <a:endParaRPr lang="ko-KR" altLang="en-US" sz="1100" b="0" i="0" u="none" strike="noStrike">
+                        <a:solidFill>
+                          <a:schemeClr val="tx1">
+                            <a:lumMod val="85000"/>
+                            <a:lumOff val="15000"/>
+                          </a:schemeClr>
+                        </a:solidFill>
+                        <a:effectLst/>
+                        <a:latin typeface="맑은 고딕" panose="020B0503020000020004" pitchFamily="50" charset="-127"/>
+                        <a:ea typeface="맑은 고딕" panose="020B0503020000020004" pitchFamily="50" charset="-127"/>
+                      </a:endParaRPr>
+                    </a:p>
+                  </a:txBody>
+                  <a:tcPr marL="6757" marR="6757" marT="6757" marB="0" anchor="ctr">
+                    <a:solidFill>
+                      <a:srgbClr val="F8F9FA"/>
+                    </a:solidFill>
+                  </a:tcPr>
+                </a:tc>
+                <a:tc gridSpan="2">
+                  <a:txBody>
+                    <a:bodyPr/>
+                    <a:lstStyle/>
+                    <a:p>
+                      <a:pPr algn="ctr" fontAlgn="b"/>
+                      <a:r>
+                        <a:rPr lang="en-US" sz="1100" u="none" strike="noStrike">
+                          <a:solidFill>
+                            <a:schemeClr val="tx1">
+                              <a:lumMod val="85000"/>
+                              <a:lumOff val="15000"/>
+                            </a:schemeClr>
+                          </a:solidFill>
+                          <a:effectLst/>
+                        </a:rPr>
+                        <a:t>Sping </a:t>
+                      </a:r>
+                      <a:r>
+                        <a:rPr lang="ko-KR" altLang="en-US" sz="1100" u="none" strike="noStrike">
+                          <a:solidFill>
+                            <a:schemeClr val="tx1">
+                              <a:lumMod val="85000"/>
+                              <a:lumOff val="15000"/>
+                            </a:schemeClr>
+                          </a:solidFill>
+                          <a:effectLst/>
+                        </a:rPr>
+                        <a:t>통합</a:t>
+                      </a:r>
+                      <a:endParaRPr lang="ko-KR" altLang="en-US" sz="1100" b="0" i="0" u="none" strike="noStrike">
+                        <a:solidFill>
+                          <a:schemeClr val="tx1">
+                            <a:lumMod val="85000"/>
+                            <a:lumOff val="15000"/>
+                          </a:schemeClr>
+                        </a:solidFill>
+                        <a:effectLst/>
+                        <a:latin typeface="맑은 고딕" panose="020B0503020000020004" pitchFamily="50" charset="-127"/>
+                        <a:ea typeface="맑은 고딕" panose="020B0503020000020004" pitchFamily="50" charset="-127"/>
+                      </a:endParaRPr>
+                    </a:p>
+                  </a:txBody>
+                  <a:tcPr marL="6757" marR="6757" marT="6757" marB="0" anchor="ctr">
+                    <a:solidFill>
+                      <a:srgbClr val="F8F9FA"/>
+                    </a:solidFill>
+                  </a:tcPr>
+                </a:tc>
+                <a:tc hMerge="1">
+                  <a:txBody>
+                    <a:bodyPr/>
+                    <a:lstStyle/>
+                    <a:p>
+                      <a:pPr latinLnBrk="1"/>
+                      <a:endParaRPr lang="ko-KR" altLang="en-US"/>
+                    </a:p>
+                  </a:txBody>
+                  <a:tcPr/>
+                </a:tc>
+              </a:tr>
+              <a:tr h="266544">
+                <a:tc>
+                  <a:txBody>
+                    <a:bodyPr/>
+                    <a:lstStyle/>
+                    <a:p>
+                      <a:pPr algn="ctr" fontAlgn="b"/>
+                      <a:r>
+                        <a:rPr lang="en-US" altLang="ko-KR" sz="1100" u="none" strike="noStrike">
+                          <a:solidFill>
+                            <a:schemeClr val="tx1">
+                              <a:lumMod val="85000"/>
+                              <a:lumOff val="15000"/>
+                            </a:schemeClr>
+                          </a:solidFill>
+                          <a:effectLst/>
+                        </a:rPr>
+                        <a:t>4</a:t>
+                      </a:r>
+                      <a:r>
+                        <a:rPr lang="ko-KR" altLang="en-US" sz="1100" u="none" strike="noStrike">
+                          <a:solidFill>
+                            <a:schemeClr val="tx1">
+                              <a:lumMod val="85000"/>
+                              <a:lumOff val="15000"/>
+                            </a:schemeClr>
+                          </a:solidFill>
+                          <a:effectLst/>
+                        </a:rPr>
+                        <a:t>월 </a:t>
+                      </a:r>
+                      <a:r>
+                        <a:rPr lang="en-US" altLang="ko-KR" sz="1100" u="none" strike="noStrike">
+                          <a:solidFill>
+                            <a:schemeClr val="tx1">
+                              <a:lumMod val="85000"/>
+                              <a:lumOff val="15000"/>
+                            </a:schemeClr>
+                          </a:solidFill>
+                          <a:effectLst/>
+                        </a:rPr>
+                        <a:t>23</a:t>
+                      </a:r>
+                      <a:r>
+                        <a:rPr lang="ko-KR" altLang="en-US" sz="1100" u="none" strike="noStrike">
+                          <a:solidFill>
+                            <a:schemeClr val="tx1">
+                              <a:lumMod val="85000"/>
+                              <a:lumOff val="15000"/>
+                            </a:schemeClr>
+                          </a:solidFill>
+                          <a:effectLst/>
+                        </a:rPr>
+                        <a:t>일</a:t>
+                      </a:r>
+                      <a:endParaRPr lang="ko-KR" altLang="en-US" sz="1100" b="0" i="0" u="none" strike="noStrike">
+                        <a:solidFill>
+                          <a:schemeClr val="tx1">
+                            <a:lumMod val="85000"/>
+                            <a:lumOff val="15000"/>
+                          </a:schemeClr>
+                        </a:solidFill>
+                        <a:effectLst/>
+                        <a:latin typeface="맑은 고딕" panose="020B0503020000020004" pitchFamily="50" charset="-127"/>
+                        <a:ea typeface="맑은 고딕" panose="020B0503020000020004" pitchFamily="50" charset="-127"/>
+                      </a:endParaRPr>
+                    </a:p>
+                  </a:txBody>
+                  <a:tcPr marL="6757" marR="6757" marT="6757" marB="0" anchor="ctr">
+                    <a:solidFill>
+                      <a:srgbClr val="D7D7D7"/>
+                    </a:solidFill>
+                  </a:tcPr>
+                </a:tc>
+                <a:tc>
+                  <a:txBody>
+                    <a:bodyPr/>
+                    <a:lstStyle/>
+                    <a:p>
+                      <a:pPr algn="ctr" fontAlgn="b"/>
+                      <a:r>
+                        <a:rPr lang="ko-KR" altLang="en-US" sz="1100" u="none" strike="noStrike">
+                          <a:solidFill>
+                            <a:schemeClr val="tx1">
+                              <a:lumMod val="85000"/>
+                              <a:lumOff val="15000"/>
+                            </a:schemeClr>
+                          </a:solidFill>
+                          <a:effectLst/>
+                        </a:rPr>
+                        <a:t>화요일</a:t>
+                      </a:r>
+                      <a:endParaRPr lang="ko-KR" altLang="en-US" sz="1100" b="0" i="0" u="none" strike="noStrike">
+                        <a:solidFill>
+                          <a:schemeClr val="tx1">
+                            <a:lumMod val="85000"/>
+                            <a:lumOff val="15000"/>
+                          </a:schemeClr>
+                        </a:solidFill>
+                        <a:effectLst/>
+                        <a:latin typeface="맑은 고딕" panose="020B0503020000020004" pitchFamily="50" charset="-127"/>
+                        <a:ea typeface="맑은 고딕" panose="020B0503020000020004" pitchFamily="50" charset="-127"/>
+                      </a:endParaRPr>
+                    </a:p>
+                  </a:txBody>
+                  <a:tcPr marL="6757" marR="6757" marT="6757" marB="0" anchor="ctr">
+                    <a:solidFill>
+                      <a:srgbClr val="D7D7D7"/>
+                    </a:solidFill>
+                  </a:tcPr>
+                </a:tc>
+                <a:tc vMerge="1">
+                  <a:txBody>
+                    <a:bodyPr/>
+                    <a:lstStyle/>
+                    <a:p>
+                      <a:pPr algn="ctr" fontAlgn="b"/>
+                      <a:endParaRPr lang="ko-KR" altLang="en-US" sz="1100" b="0" i="0" u="none" strike="noStrike">
+                        <a:solidFill>
+                          <a:srgbClr val="000000"/>
+                        </a:solidFill>
+                        <a:effectLst/>
+                        <a:latin typeface="맑은 고딕" panose="020B0503020000020004" pitchFamily="50" charset="-127"/>
+                        <a:ea typeface="맑은 고딕" panose="020B0503020000020004" pitchFamily="50" charset="-127"/>
+                      </a:endParaRPr>
+                    </a:p>
+                  </a:txBody>
+                  <a:tcPr marL="6757" marR="6757" marT="6757" marB="0" anchor="ctr">
+                    <a:solidFill>
+                      <a:srgbClr val="F8F9FA"/>
+                    </a:solidFill>
+                  </a:tcPr>
+                </a:tc>
+                <a:tc rowSpan="2" gridSpan="3">
+                  <a:txBody>
+                    <a:bodyPr/>
+                    <a:lstStyle/>
+                    <a:p>
+                      <a:pPr algn="ctr" fontAlgn="b"/>
+                      <a:r>
+                        <a:rPr lang="en-US" sz="1100" u="none" strike="noStrike" dirty="0">
+                          <a:solidFill>
+                            <a:schemeClr val="tx1">
+                              <a:lumMod val="85000"/>
+                              <a:lumOff val="15000"/>
+                            </a:schemeClr>
+                          </a:solidFill>
+                          <a:effectLst/>
+                        </a:rPr>
+                        <a:t>Flask, </a:t>
+                      </a:r>
+                      <a:r>
+                        <a:rPr lang="en-US" sz="1100" u="none" strike="noStrike" dirty="0" err="1">
+                          <a:solidFill>
+                            <a:schemeClr val="tx1">
+                              <a:lumMod val="85000"/>
+                              <a:lumOff val="15000"/>
+                            </a:schemeClr>
+                          </a:solidFill>
+                          <a:effectLst/>
+                        </a:rPr>
+                        <a:t>Sping</a:t>
+                      </a:r>
+                      <a:r>
+                        <a:rPr lang="en-US" sz="1100" u="none" strike="noStrike" dirty="0">
+                          <a:solidFill>
+                            <a:schemeClr val="tx1">
+                              <a:lumMod val="85000"/>
+                              <a:lumOff val="15000"/>
+                            </a:schemeClr>
+                          </a:solidFill>
+                          <a:effectLst/>
+                        </a:rPr>
+                        <a:t> </a:t>
+                      </a:r>
+                      <a:r>
+                        <a:rPr lang="ko-KR" altLang="en-US" sz="1100" u="none" strike="noStrike" dirty="0" smtClean="0">
+                          <a:solidFill>
+                            <a:schemeClr val="tx1">
+                              <a:lumMod val="85000"/>
+                              <a:lumOff val="15000"/>
+                            </a:schemeClr>
+                          </a:solidFill>
+                          <a:effectLst/>
+                        </a:rPr>
+                        <a:t>통합</a:t>
+                      </a:r>
+                      <a:endParaRPr lang="ko-KR" altLang="en-US" sz="1100" b="0" i="0" u="none" strike="noStrike" dirty="0">
+                        <a:solidFill>
+                          <a:schemeClr val="tx1">
+                            <a:lumMod val="85000"/>
+                            <a:lumOff val="15000"/>
+                          </a:schemeClr>
+                        </a:solidFill>
+                        <a:effectLst/>
+                        <a:latin typeface="맑은 고딕" panose="020B0503020000020004" pitchFamily="50" charset="-127"/>
+                        <a:ea typeface="맑은 고딕" panose="020B0503020000020004" pitchFamily="50" charset="-127"/>
+                      </a:endParaRPr>
+                    </a:p>
+                  </a:txBody>
+                  <a:tcPr marL="6757" marR="6757" marT="6757" marB="0" anchor="ctr">
+                    <a:solidFill>
+                      <a:srgbClr val="F8F9FA"/>
+                    </a:solidFill>
+                  </a:tcPr>
+                </a:tc>
+                <a:tc rowSpan="2" hMerge="1">
+                  <a:txBody>
+                    <a:bodyPr/>
+                    <a:lstStyle/>
+                    <a:p>
+                      <a:pPr latinLnBrk="1"/>
+                      <a:endParaRPr lang="ko-KR" altLang="en-US"/>
+                    </a:p>
+                  </a:txBody>
+                  <a:tcPr/>
+                </a:tc>
+                <a:tc rowSpan="2" hMerge="1">
+                  <a:txBody>
+                    <a:bodyPr/>
+                    <a:lstStyle/>
+                    <a:p>
+                      <a:pPr latinLnBrk="1"/>
+                      <a:endParaRPr lang="ko-KR" altLang="en-US"/>
+                    </a:p>
+                  </a:txBody>
+                  <a:tcPr/>
+                </a:tc>
+              </a:tr>
+              <a:tr h="266544">
+                <a:tc>
+                  <a:txBody>
+                    <a:bodyPr/>
+                    <a:lstStyle/>
+                    <a:p>
+                      <a:pPr algn="ctr" fontAlgn="b"/>
+                      <a:r>
+                        <a:rPr lang="en-US" altLang="ko-KR" sz="1100" u="none" strike="noStrike">
+                          <a:solidFill>
+                            <a:schemeClr val="tx1">
+                              <a:lumMod val="85000"/>
+                              <a:lumOff val="15000"/>
+                            </a:schemeClr>
+                          </a:solidFill>
+                          <a:effectLst/>
+                        </a:rPr>
+                        <a:t>4</a:t>
+                      </a:r>
+                      <a:r>
+                        <a:rPr lang="ko-KR" altLang="en-US" sz="1100" u="none" strike="noStrike">
+                          <a:solidFill>
+                            <a:schemeClr val="tx1">
+                              <a:lumMod val="85000"/>
+                              <a:lumOff val="15000"/>
+                            </a:schemeClr>
+                          </a:solidFill>
+                          <a:effectLst/>
+                        </a:rPr>
+                        <a:t>월 </a:t>
+                      </a:r>
+                      <a:r>
+                        <a:rPr lang="en-US" altLang="ko-KR" sz="1100" u="none" strike="noStrike">
+                          <a:solidFill>
+                            <a:schemeClr val="tx1">
+                              <a:lumMod val="85000"/>
+                              <a:lumOff val="15000"/>
+                            </a:schemeClr>
+                          </a:solidFill>
+                          <a:effectLst/>
+                        </a:rPr>
+                        <a:t>24</a:t>
+                      </a:r>
+                      <a:r>
+                        <a:rPr lang="ko-KR" altLang="en-US" sz="1100" u="none" strike="noStrike">
+                          <a:solidFill>
+                            <a:schemeClr val="tx1">
+                              <a:lumMod val="85000"/>
+                              <a:lumOff val="15000"/>
+                            </a:schemeClr>
+                          </a:solidFill>
+                          <a:effectLst/>
+                        </a:rPr>
+                        <a:t>일</a:t>
+                      </a:r>
+                      <a:endParaRPr lang="ko-KR" altLang="en-US" sz="1100" b="0" i="0" u="none" strike="noStrike">
+                        <a:solidFill>
+                          <a:schemeClr val="tx1">
+                            <a:lumMod val="85000"/>
+                            <a:lumOff val="15000"/>
+                          </a:schemeClr>
+                        </a:solidFill>
+                        <a:effectLst/>
+                        <a:latin typeface="맑은 고딕" panose="020B0503020000020004" pitchFamily="50" charset="-127"/>
+                        <a:ea typeface="맑은 고딕" panose="020B0503020000020004" pitchFamily="50" charset="-127"/>
+                      </a:endParaRPr>
+                    </a:p>
+                  </a:txBody>
+                  <a:tcPr marL="6757" marR="6757" marT="6757" marB="0" anchor="ctr">
+                    <a:solidFill>
+                      <a:srgbClr val="D7D7D7"/>
+                    </a:solidFill>
+                  </a:tcPr>
+                </a:tc>
+                <a:tc>
+                  <a:txBody>
+                    <a:bodyPr/>
+                    <a:lstStyle/>
+                    <a:p>
+                      <a:pPr algn="ctr" fontAlgn="b"/>
+                      <a:r>
+                        <a:rPr lang="ko-KR" altLang="en-US" sz="1100" u="none" strike="noStrike">
+                          <a:solidFill>
+                            <a:schemeClr val="tx1">
+                              <a:lumMod val="85000"/>
+                              <a:lumOff val="15000"/>
+                            </a:schemeClr>
+                          </a:solidFill>
+                          <a:effectLst/>
+                        </a:rPr>
+                        <a:t>수요일</a:t>
+                      </a:r>
+                      <a:endParaRPr lang="ko-KR" altLang="en-US" sz="1100" b="0" i="0" u="none" strike="noStrike">
+                        <a:solidFill>
+                          <a:schemeClr val="tx1">
+                            <a:lumMod val="85000"/>
+                            <a:lumOff val="15000"/>
+                          </a:schemeClr>
+                        </a:solidFill>
+                        <a:effectLst/>
+                        <a:latin typeface="맑은 고딕" panose="020B0503020000020004" pitchFamily="50" charset="-127"/>
+                        <a:ea typeface="맑은 고딕" panose="020B0503020000020004" pitchFamily="50" charset="-127"/>
+                      </a:endParaRPr>
+                    </a:p>
+                  </a:txBody>
+                  <a:tcPr marL="6757" marR="6757" marT="6757" marB="0" anchor="ctr">
+                    <a:solidFill>
+                      <a:srgbClr val="D7D7D7"/>
+                    </a:solidFill>
+                  </a:tcPr>
+                </a:tc>
+                <a:tc vMerge="1">
+                  <a:txBody>
+                    <a:bodyPr/>
+                    <a:lstStyle/>
+                    <a:p>
+                      <a:pPr algn="ctr" fontAlgn="b"/>
+                      <a:endParaRPr lang="ko-KR" altLang="en-US" sz="1100" b="0" i="0" u="none" strike="noStrike" dirty="0">
+                        <a:solidFill>
+                          <a:srgbClr val="000000"/>
+                        </a:solidFill>
+                        <a:effectLst/>
+                        <a:latin typeface="맑은 고딕" panose="020B0503020000020004" pitchFamily="50" charset="-127"/>
+                        <a:ea typeface="맑은 고딕" panose="020B0503020000020004" pitchFamily="50" charset="-127"/>
+                      </a:endParaRPr>
+                    </a:p>
+                  </a:txBody>
+                  <a:tcPr marL="6757" marR="6757" marT="6757" marB="0" anchor="ctr">
+                    <a:solidFill>
+                      <a:srgbClr val="F8F9FA"/>
+                    </a:solidFill>
+                  </a:tcPr>
+                </a:tc>
+                <a:tc gridSpan="3" vMerge="1">
+                  <a:txBody>
+                    <a:bodyPr/>
+                    <a:lstStyle/>
+                    <a:p>
+                      <a:pPr algn="ctr" fontAlgn="b"/>
+                      <a:endParaRPr lang="ko-KR" altLang="en-US" sz="1100" b="0" i="0" u="none" strike="noStrike" dirty="0">
+                        <a:solidFill>
+                          <a:schemeClr val="tx1">
+                            <a:lumMod val="85000"/>
+                            <a:lumOff val="15000"/>
+                          </a:schemeClr>
+                        </a:solidFill>
+                        <a:effectLst/>
+                        <a:latin typeface="맑은 고딕" panose="020B0503020000020004" pitchFamily="50" charset="-127"/>
+                        <a:ea typeface="맑은 고딕" panose="020B0503020000020004" pitchFamily="50" charset="-127"/>
+                      </a:endParaRPr>
+                    </a:p>
+                  </a:txBody>
+                  <a:tcPr marL="6757" marR="6757" marT="6757" marB="0" anchor="ctr">
+                    <a:solidFill>
+                      <a:srgbClr val="F8F9FA"/>
+                    </a:solidFill>
+                  </a:tcPr>
+                </a:tc>
+                <a:tc hMerge="1" vMerge="1">
+                  <a:txBody>
+                    <a:bodyPr/>
+                    <a:lstStyle/>
+                    <a:p>
+                      <a:pPr algn="ctr" fontAlgn="b"/>
+                      <a:endParaRPr lang="ko-KR" altLang="en-US" sz="1100" b="0" i="0" u="none" strike="noStrike" dirty="0">
+                        <a:solidFill>
+                          <a:schemeClr val="tx1">
+                            <a:lumMod val="85000"/>
+                            <a:lumOff val="15000"/>
+                          </a:schemeClr>
+                        </a:solidFill>
+                        <a:effectLst/>
+                        <a:latin typeface="맑은 고딕" panose="020B0503020000020004" pitchFamily="50" charset="-127"/>
+                        <a:ea typeface="맑은 고딕" panose="020B0503020000020004" pitchFamily="50" charset="-127"/>
+                      </a:endParaRPr>
+                    </a:p>
+                  </a:txBody>
+                  <a:tcPr marL="6757" marR="6757" marT="6757" marB="0" anchor="ctr">
+                    <a:solidFill>
+                      <a:srgbClr val="F8F9FA"/>
+                    </a:solidFill>
+                  </a:tcPr>
+                </a:tc>
+                <a:tc hMerge="1" vMerge="1">
+                  <a:txBody>
+                    <a:bodyPr/>
+                    <a:lstStyle/>
+                    <a:p>
+                      <a:pPr algn="ctr" fontAlgn="b"/>
+                      <a:endParaRPr lang="ko-KR" altLang="en-US" sz="1100" b="0" i="0" u="none" strike="noStrike" dirty="0">
+                        <a:solidFill>
+                          <a:schemeClr val="tx1">
+                            <a:lumMod val="85000"/>
+                            <a:lumOff val="15000"/>
+                          </a:schemeClr>
+                        </a:solidFill>
+                        <a:effectLst/>
+                        <a:latin typeface="맑은 고딕" panose="020B0503020000020004" pitchFamily="50" charset="-127"/>
+                        <a:ea typeface="맑은 고딕" panose="020B0503020000020004" pitchFamily="50" charset="-127"/>
+                      </a:endParaRPr>
+                    </a:p>
+                  </a:txBody>
+                  <a:tcPr marL="6757" marR="6757" marT="6757" marB="0" anchor="ctr">
+                    <a:solidFill>
+                      <a:srgbClr val="F8F9FA"/>
+                    </a:solidFill>
+                  </a:tcPr>
+                </a:tc>
+              </a:tr>
+              <a:tr h="266544">
+                <a:tc>
+                  <a:txBody>
+                    <a:bodyPr/>
+                    <a:lstStyle/>
+                    <a:p>
+                      <a:pPr algn="ctr" fontAlgn="b"/>
+                      <a:r>
+                        <a:rPr lang="en-US" altLang="ko-KR" sz="1100" u="none" strike="noStrike">
+                          <a:solidFill>
+                            <a:schemeClr val="tx1">
+                              <a:lumMod val="85000"/>
+                              <a:lumOff val="15000"/>
+                            </a:schemeClr>
+                          </a:solidFill>
+                          <a:effectLst/>
+                        </a:rPr>
+                        <a:t>4</a:t>
+                      </a:r>
+                      <a:r>
+                        <a:rPr lang="ko-KR" altLang="en-US" sz="1100" u="none" strike="noStrike">
+                          <a:solidFill>
+                            <a:schemeClr val="tx1">
+                              <a:lumMod val="85000"/>
+                              <a:lumOff val="15000"/>
+                            </a:schemeClr>
+                          </a:solidFill>
+                          <a:effectLst/>
+                        </a:rPr>
+                        <a:t>월 </a:t>
+                      </a:r>
+                      <a:r>
+                        <a:rPr lang="en-US" altLang="ko-KR" sz="1100" u="none" strike="noStrike">
+                          <a:solidFill>
+                            <a:schemeClr val="tx1">
+                              <a:lumMod val="85000"/>
+                              <a:lumOff val="15000"/>
+                            </a:schemeClr>
+                          </a:solidFill>
+                          <a:effectLst/>
+                        </a:rPr>
+                        <a:t>25</a:t>
+                      </a:r>
+                      <a:r>
+                        <a:rPr lang="ko-KR" altLang="en-US" sz="1100" u="none" strike="noStrike">
+                          <a:solidFill>
+                            <a:schemeClr val="tx1">
+                              <a:lumMod val="85000"/>
+                              <a:lumOff val="15000"/>
+                            </a:schemeClr>
+                          </a:solidFill>
+                          <a:effectLst/>
+                        </a:rPr>
+                        <a:t>일</a:t>
+                      </a:r>
+                      <a:endParaRPr lang="ko-KR" altLang="en-US" sz="1100" b="0" i="0" u="none" strike="noStrike">
+                        <a:solidFill>
+                          <a:schemeClr val="tx1">
+                            <a:lumMod val="85000"/>
+                            <a:lumOff val="15000"/>
+                          </a:schemeClr>
+                        </a:solidFill>
+                        <a:effectLst/>
+                        <a:latin typeface="맑은 고딕" panose="020B0503020000020004" pitchFamily="50" charset="-127"/>
+                        <a:ea typeface="맑은 고딕" panose="020B0503020000020004" pitchFamily="50" charset="-127"/>
+                      </a:endParaRPr>
+                    </a:p>
+                  </a:txBody>
+                  <a:tcPr marL="6757" marR="6757" marT="6757" marB="0" anchor="ctr">
+                    <a:solidFill>
+                      <a:srgbClr val="D7D7D7"/>
+                    </a:solidFill>
+                  </a:tcPr>
+                </a:tc>
+                <a:tc>
+                  <a:txBody>
+                    <a:bodyPr/>
+                    <a:lstStyle/>
+                    <a:p>
+                      <a:pPr algn="ctr" fontAlgn="b"/>
+                      <a:r>
+                        <a:rPr lang="ko-KR" altLang="en-US" sz="1100" u="none" strike="noStrike">
+                          <a:solidFill>
+                            <a:schemeClr val="tx1">
+                              <a:lumMod val="85000"/>
+                              <a:lumOff val="15000"/>
+                            </a:schemeClr>
+                          </a:solidFill>
+                          <a:effectLst/>
+                        </a:rPr>
+                        <a:t>목요일</a:t>
+                      </a:r>
+                      <a:endParaRPr lang="ko-KR" altLang="en-US" sz="1100" b="0" i="0" u="none" strike="noStrike">
+                        <a:solidFill>
+                          <a:schemeClr val="tx1">
+                            <a:lumMod val="85000"/>
+                            <a:lumOff val="15000"/>
+                          </a:schemeClr>
+                        </a:solidFill>
+                        <a:effectLst/>
+                        <a:latin typeface="맑은 고딕" panose="020B0503020000020004" pitchFamily="50" charset="-127"/>
+                        <a:ea typeface="맑은 고딕" panose="020B0503020000020004" pitchFamily="50" charset="-127"/>
+                      </a:endParaRPr>
+                    </a:p>
+                  </a:txBody>
+                  <a:tcPr marL="6757" marR="6757" marT="6757" marB="0" anchor="ctr">
+                    <a:solidFill>
+                      <a:srgbClr val="D7D7D7"/>
+                    </a:solidFill>
+                  </a:tcPr>
+                </a:tc>
+                <a:tc vMerge="1">
+                  <a:txBody>
+                    <a:bodyPr/>
+                    <a:lstStyle/>
+                    <a:p>
+                      <a:pPr algn="ctr" fontAlgn="b"/>
+                      <a:endParaRPr lang="ko-KR" altLang="en-US" sz="1100" b="0" i="0" u="none" strike="noStrike" dirty="0">
+                        <a:solidFill>
+                          <a:srgbClr val="000000"/>
+                        </a:solidFill>
+                        <a:effectLst/>
+                        <a:latin typeface="맑은 고딕" panose="020B0503020000020004" pitchFamily="50" charset="-127"/>
+                        <a:ea typeface="맑은 고딕" panose="020B0503020000020004" pitchFamily="50" charset="-127"/>
+                      </a:endParaRPr>
+                    </a:p>
+                  </a:txBody>
+                  <a:tcPr marL="6757" marR="6757" marT="6757" marB="0" anchor="ctr">
+                    <a:solidFill>
+                      <a:srgbClr val="F8F9FA"/>
+                    </a:solidFill>
+                  </a:tcPr>
+                </a:tc>
+                <a:tc gridSpan="3">
+                  <a:txBody>
+                    <a:bodyPr/>
+                    <a:lstStyle/>
+                    <a:p>
+                      <a:pPr algn="ctr" fontAlgn="b"/>
+                      <a:r>
+                        <a:rPr lang="en-US" altLang="ko-KR" sz="1100" u="none" strike="noStrike">
+                          <a:solidFill>
+                            <a:schemeClr val="tx1">
+                              <a:lumMod val="85000"/>
+                              <a:lumOff val="15000"/>
+                            </a:schemeClr>
+                          </a:solidFill>
+                          <a:effectLst/>
+                        </a:rPr>
+                        <a:t>CBT 1st (</a:t>
+                      </a:r>
+                      <a:r>
+                        <a:rPr lang="ko-KR" altLang="en-US" sz="1100" u="none" strike="noStrike">
+                          <a:solidFill>
+                            <a:schemeClr val="tx1">
+                              <a:lumMod val="85000"/>
+                              <a:lumOff val="15000"/>
+                            </a:schemeClr>
+                          </a:solidFill>
+                          <a:effectLst/>
+                        </a:rPr>
+                        <a:t>팀원</a:t>
+                      </a:r>
+                      <a:r>
+                        <a:rPr lang="en-US" altLang="ko-KR" sz="1100" u="none" strike="noStrike">
+                          <a:solidFill>
+                            <a:schemeClr val="tx1">
+                              <a:lumMod val="85000"/>
+                              <a:lumOff val="15000"/>
+                            </a:schemeClr>
+                          </a:solidFill>
+                          <a:effectLst/>
+                        </a:rPr>
+                        <a:t>) </a:t>
+                      </a:r>
+                      <a:r>
+                        <a:rPr lang="ko-KR" altLang="en-US" sz="1100" u="none" strike="noStrike">
+                          <a:solidFill>
+                            <a:schemeClr val="tx1">
+                              <a:lumMod val="85000"/>
+                              <a:lumOff val="15000"/>
+                            </a:schemeClr>
+                          </a:solidFill>
+                          <a:effectLst/>
+                        </a:rPr>
+                        <a:t>및 버그픽스</a:t>
+                      </a:r>
+                      <a:endParaRPr lang="ko-KR" altLang="en-US" sz="1100" b="0" i="0" u="none" strike="noStrike">
+                        <a:solidFill>
+                          <a:schemeClr val="tx1">
+                            <a:lumMod val="85000"/>
+                            <a:lumOff val="15000"/>
+                          </a:schemeClr>
+                        </a:solidFill>
+                        <a:effectLst/>
+                        <a:latin typeface="맑은 고딕" panose="020B0503020000020004" pitchFamily="50" charset="-127"/>
+                        <a:ea typeface="맑은 고딕" panose="020B0503020000020004" pitchFamily="50" charset="-127"/>
+                      </a:endParaRPr>
+                    </a:p>
+                  </a:txBody>
+                  <a:tcPr marL="6757" marR="6757" marT="6757" marB="0" anchor="ctr">
+                    <a:solidFill>
+                      <a:srgbClr val="F8F9FA"/>
+                    </a:solidFill>
+                  </a:tcPr>
+                </a:tc>
+                <a:tc hMerge="1">
+                  <a:txBody>
+                    <a:bodyPr/>
+                    <a:lstStyle/>
+                    <a:p>
+                      <a:pPr latinLnBrk="1"/>
+                      <a:endParaRPr lang="ko-KR" altLang="en-US"/>
+                    </a:p>
+                  </a:txBody>
+                  <a:tcPr/>
+                </a:tc>
+                <a:tc hMerge="1">
+                  <a:txBody>
+                    <a:bodyPr/>
+                    <a:lstStyle/>
+                    <a:p>
+                      <a:pPr latinLnBrk="1"/>
+                      <a:endParaRPr lang="ko-KR" altLang="en-US"/>
+                    </a:p>
+                  </a:txBody>
+                  <a:tcPr/>
+                </a:tc>
+              </a:tr>
+              <a:tr h="266544">
+                <a:tc>
+                  <a:txBody>
+                    <a:bodyPr/>
+                    <a:lstStyle/>
+                    <a:p>
+                      <a:pPr algn="ctr" fontAlgn="b"/>
+                      <a:r>
+                        <a:rPr lang="en-US" altLang="ko-KR" sz="1100" u="none" strike="noStrike">
+                          <a:solidFill>
+                            <a:schemeClr val="tx1">
+                              <a:lumMod val="85000"/>
+                              <a:lumOff val="15000"/>
+                            </a:schemeClr>
+                          </a:solidFill>
+                          <a:effectLst/>
+                        </a:rPr>
+                        <a:t>4</a:t>
+                      </a:r>
+                      <a:r>
+                        <a:rPr lang="ko-KR" altLang="en-US" sz="1100" u="none" strike="noStrike">
+                          <a:solidFill>
+                            <a:schemeClr val="tx1">
+                              <a:lumMod val="85000"/>
+                              <a:lumOff val="15000"/>
+                            </a:schemeClr>
+                          </a:solidFill>
+                          <a:effectLst/>
+                        </a:rPr>
+                        <a:t>월 </a:t>
+                      </a:r>
+                      <a:r>
+                        <a:rPr lang="en-US" altLang="ko-KR" sz="1100" u="none" strike="noStrike">
+                          <a:solidFill>
+                            <a:schemeClr val="tx1">
+                              <a:lumMod val="85000"/>
+                              <a:lumOff val="15000"/>
+                            </a:schemeClr>
+                          </a:solidFill>
+                          <a:effectLst/>
+                        </a:rPr>
+                        <a:t>26</a:t>
+                      </a:r>
+                      <a:r>
+                        <a:rPr lang="ko-KR" altLang="en-US" sz="1100" u="none" strike="noStrike">
+                          <a:solidFill>
+                            <a:schemeClr val="tx1">
+                              <a:lumMod val="85000"/>
+                              <a:lumOff val="15000"/>
+                            </a:schemeClr>
+                          </a:solidFill>
+                          <a:effectLst/>
+                        </a:rPr>
+                        <a:t>일</a:t>
+                      </a:r>
+                      <a:endParaRPr lang="ko-KR" altLang="en-US" sz="1100" b="0" i="0" u="none" strike="noStrike">
+                        <a:solidFill>
+                          <a:schemeClr val="tx1">
+                            <a:lumMod val="85000"/>
+                            <a:lumOff val="15000"/>
+                          </a:schemeClr>
+                        </a:solidFill>
+                        <a:effectLst/>
+                        <a:latin typeface="맑은 고딕" panose="020B0503020000020004" pitchFamily="50" charset="-127"/>
+                        <a:ea typeface="맑은 고딕" panose="020B0503020000020004" pitchFamily="50" charset="-127"/>
+                      </a:endParaRPr>
+                    </a:p>
+                  </a:txBody>
+                  <a:tcPr marL="6757" marR="6757" marT="6757" marB="0" anchor="ctr">
+                    <a:solidFill>
+                      <a:srgbClr val="D7D7D7"/>
+                    </a:solidFill>
+                  </a:tcPr>
+                </a:tc>
+                <a:tc>
+                  <a:txBody>
+                    <a:bodyPr/>
+                    <a:lstStyle/>
+                    <a:p>
+                      <a:pPr algn="ctr" fontAlgn="b"/>
+                      <a:r>
+                        <a:rPr lang="ko-KR" altLang="en-US" sz="1100" u="none" strike="noStrike">
+                          <a:solidFill>
+                            <a:schemeClr val="tx1">
+                              <a:lumMod val="85000"/>
+                              <a:lumOff val="15000"/>
+                            </a:schemeClr>
+                          </a:solidFill>
+                          <a:effectLst/>
+                        </a:rPr>
+                        <a:t>금요일</a:t>
+                      </a:r>
+                      <a:endParaRPr lang="ko-KR" altLang="en-US" sz="1100" b="0" i="0" u="none" strike="noStrike">
+                        <a:solidFill>
+                          <a:schemeClr val="tx1">
+                            <a:lumMod val="85000"/>
+                            <a:lumOff val="15000"/>
+                          </a:schemeClr>
+                        </a:solidFill>
+                        <a:effectLst/>
+                        <a:latin typeface="맑은 고딕" panose="020B0503020000020004" pitchFamily="50" charset="-127"/>
+                        <a:ea typeface="맑은 고딕" panose="020B0503020000020004" pitchFamily="50" charset="-127"/>
+                      </a:endParaRPr>
+                    </a:p>
+                  </a:txBody>
+                  <a:tcPr marL="6757" marR="6757" marT="6757" marB="0" anchor="ctr">
+                    <a:solidFill>
+                      <a:srgbClr val="D7D7D7"/>
+                    </a:solidFill>
+                  </a:tcPr>
+                </a:tc>
+                <a:tc vMerge="1">
+                  <a:txBody>
+                    <a:bodyPr/>
+                    <a:lstStyle/>
+                    <a:p>
+                      <a:pPr algn="ctr" fontAlgn="b"/>
+                      <a:endParaRPr lang="ko-KR" altLang="en-US" sz="1100" b="0" i="0" u="none" strike="noStrike" dirty="0">
+                        <a:solidFill>
+                          <a:srgbClr val="000000"/>
+                        </a:solidFill>
+                        <a:effectLst/>
+                        <a:latin typeface="맑은 고딕" panose="020B0503020000020004" pitchFamily="50" charset="-127"/>
+                        <a:ea typeface="맑은 고딕" panose="020B0503020000020004" pitchFamily="50" charset="-127"/>
+                      </a:endParaRPr>
+                    </a:p>
+                  </a:txBody>
+                  <a:tcPr marL="6757" marR="6757" marT="6757" marB="0" anchor="ctr">
+                    <a:solidFill>
+                      <a:srgbClr val="F8F9FA"/>
+                    </a:solidFill>
+                  </a:tcPr>
+                </a:tc>
+                <a:tc gridSpan="3">
+                  <a:txBody>
+                    <a:bodyPr/>
+                    <a:lstStyle/>
+                    <a:p>
+                      <a:pPr algn="ctr" fontAlgn="b"/>
+                      <a:r>
+                        <a:rPr lang="en-US" altLang="ko-KR" sz="1100" u="none" strike="noStrike">
+                          <a:solidFill>
+                            <a:schemeClr val="tx1">
+                              <a:lumMod val="85000"/>
+                              <a:lumOff val="15000"/>
+                            </a:schemeClr>
+                          </a:solidFill>
+                          <a:effectLst/>
+                        </a:rPr>
+                        <a:t>CBT 1st </a:t>
+                      </a:r>
+                      <a:r>
+                        <a:rPr lang="ko-KR" altLang="en-US" sz="1100" u="none" strike="noStrike">
+                          <a:solidFill>
+                            <a:schemeClr val="tx1">
+                              <a:lumMod val="85000"/>
+                              <a:lumOff val="15000"/>
+                            </a:schemeClr>
+                          </a:solidFill>
+                          <a:effectLst/>
+                        </a:rPr>
+                        <a:t>리뷰 및 버그픽스</a:t>
+                      </a:r>
+                      <a:endParaRPr lang="ko-KR" altLang="en-US" sz="1100" b="0" i="0" u="none" strike="noStrike">
+                        <a:solidFill>
+                          <a:schemeClr val="tx1">
+                            <a:lumMod val="85000"/>
+                            <a:lumOff val="15000"/>
+                          </a:schemeClr>
+                        </a:solidFill>
+                        <a:effectLst/>
+                        <a:latin typeface="맑은 고딕" panose="020B0503020000020004" pitchFamily="50" charset="-127"/>
+                        <a:ea typeface="맑은 고딕" panose="020B0503020000020004" pitchFamily="50" charset="-127"/>
+                      </a:endParaRPr>
+                    </a:p>
+                  </a:txBody>
+                  <a:tcPr marL="6757" marR="6757" marT="6757" marB="0" anchor="ctr">
+                    <a:solidFill>
+                      <a:srgbClr val="F8F9FA"/>
+                    </a:solidFill>
+                  </a:tcPr>
+                </a:tc>
+                <a:tc hMerge="1">
+                  <a:txBody>
+                    <a:bodyPr/>
+                    <a:lstStyle/>
+                    <a:p>
+                      <a:pPr latinLnBrk="1"/>
+                      <a:endParaRPr lang="ko-KR" altLang="en-US"/>
+                    </a:p>
+                  </a:txBody>
+                  <a:tcPr/>
+                </a:tc>
+                <a:tc hMerge="1">
+                  <a:txBody>
+                    <a:bodyPr/>
+                    <a:lstStyle/>
+                    <a:p>
+                      <a:pPr latinLnBrk="1"/>
+                      <a:endParaRPr lang="ko-KR" altLang="en-US"/>
+                    </a:p>
+                  </a:txBody>
+                  <a:tcPr/>
+                </a:tc>
+              </a:tr>
+              <a:tr h="266544">
+                <a:tc>
+                  <a:txBody>
+                    <a:bodyPr/>
+                    <a:lstStyle/>
+                    <a:p>
+                      <a:pPr algn="ctr" fontAlgn="b"/>
+                      <a:r>
+                        <a:rPr lang="en-US" altLang="ko-KR" sz="1100" u="none" strike="noStrike">
+                          <a:solidFill>
+                            <a:schemeClr val="tx1">
+                              <a:lumMod val="85000"/>
+                              <a:lumOff val="15000"/>
+                            </a:schemeClr>
+                          </a:solidFill>
+                          <a:effectLst/>
+                        </a:rPr>
+                        <a:t>4</a:t>
+                      </a:r>
+                      <a:r>
+                        <a:rPr lang="ko-KR" altLang="en-US" sz="1100" u="none" strike="noStrike">
+                          <a:solidFill>
+                            <a:schemeClr val="tx1">
+                              <a:lumMod val="85000"/>
+                              <a:lumOff val="15000"/>
+                            </a:schemeClr>
+                          </a:solidFill>
+                          <a:effectLst/>
+                        </a:rPr>
+                        <a:t>월 </a:t>
+                      </a:r>
+                      <a:r>
+                        <a:rPr lang="en-US" altLang="ko-KR" sz="1100" u="none" strike="noStrike">
+                          <a:solidFill>
+                            <a:schemeClr val="tx1">
+                              <a:lumMod val="85000"/>
+                              <a:lumOff val="15000"/>
+                            </a:schemeClr>
+                          </a:solidFill>
+                          <a:effectLst/>
+                        </a:rPr>
+                        <a:t>29</a:t>
+                      </a:r>
+                      <a:r>
+                        <a:rPr lang="ko-KR" altLang="en-US" sz="1100" u="none" strike="noStrike">
+                          <a:solidFill>
+                            <a:schemeClr val="tx1">
+                              <a:lumMod val="85000"/>
+                              <a:lumOff val="15000"/>
+                            </a:schemeClr>
+                          </a:solidFill>
+                          <a:effectLst/>
+                        </a:rPr>
+                        <a:t>일</a:t>
+                      </a:r>
+                      <a:endParaRPr lang="ko-KR" altLang="en-US" sz="1100" b="0" i="0" u="none" strike="noStrike">
+                        <a:solidFill>
+                          <a:schemeClr val="tx1">
+                            <a:lumMod val="85000"/>
+                            <a:lumOff val="15000"/>
+                          </a:schemeClr>
+                        </a:solidFill>
+                        <a:effectLst/>
+                        <a:latin typeface="맑은 고딕" panose="020B0503020000020004" pitchFamily="50" charset="-127"/>
+                        <a:ea typeface="맑은 고딕" panose="020B0503020000020004" pitchFamily="50" charset="-127"/>
+                      </a:endParaRPr>
+                    </a:p>
+                  </a:txBody>
+                  <a:tcPr marL="6757" marR="6757" marT="6757" marB="0" anchor="ctr">
+                    <a:solidFill>
+                      <a:srgbClr val="D7D7D7"/>
+                    </a:solidFill>
+                  </a:tcPr>
+                </a:tc>
+                <a:tc>
+                  <a:txBody>
+                    <a:bodyPr/>
+                    <a:lstStyle/>
+                    <a:p>
+                      <a:pPr algn="ctr" fontAlgn="b"/>
+                      <a:r>
+                        <a:rPr lang="ko-KR" altLang="en-US" sz="1100" u="none" strike="noStrike">
+                          <a:solidFill>
+                            <a:schemeClr val="tx1">
+                              <a:lumMod val="85000"/>
+                              <a:lumOff val="15000"/>
+                            </a:schemeClr>
+                          </a:solidFill>
+                          <a:effectLst/>
+                        </a:rPr>
+                        <a:t>월요일</a:t>
+                      </a:r>
+                      <a:endParaRPr lang="ko-KR" altLang="en-US" sz="1100" b="0" i="0" u="none" strike="noStrike">
+                        <a:solidFill>
+                          <a:schemeClr val="tx1">
+                            <a:lumMod val="85000"/>
+                            <a:lumOff val="15000"/>
+                          </a:schemeClr>
+                        </a:solidFill>
+                        <a:effectLst/>
+                        <a:latin typeface="맑은 고딕" panose="020B0503020000020004" pitchFamily="50" charset="-127"/>
+                        <a:ea typeface="맑은 고딕" panose="020B0503020000020004" pitchFamily="50" charset="-127"/>
+                      </a:endParaRPr>
+                    </a:p>
+                  </a:txBody>
+                  <a:tcPr marL="6757" marR="6757" marT="6757" marB="0" anchor="ctr">
+                    <a:solidFill>
+                      <a:srgbClr val="D7D7D7"/>
+                    </a:solidFill>
+                  </a:tcPr>
+                </a:tc>
+                <a:tc rowSpan="3">
+                  <a:txBody>
+                    <a:bodyPr/>
+                    <a:lstStyle/>
+                    <a:p>
+                      <a:pPr algn="ctr" fontAlgn="b"/>
+                      <a:r>
+                        <a:rPr lang="ko-KR" altLang="en-US" sz="1100" u="none" strike="noStrike" dirty="0">
+                          <a:solidFill>
+                            <a:schemeClr val="tx1">
+                              <a:lumMod val="85000"/>
+                              <a:lumOff val="15000"/>
+                            </a:schemeClr>
+                          </a:solidFill>
+                          <a:effectLst/>
+                        </a:rPr>
+                        <a:t>배포</a:t>
+                      </a:r>
+                      <a:endParaRPr lang="ko-KR" altLang="en-US" sz="1100" b="0" i="0" u="none" strike="noStrike" dirty="0">
+                        <a:solidFill>
+                          <a:schemeClr val="tx1">
+                            <a:lumMod val="85000"/>
+                            <a:lumOff val="15000"/>
+                          </a:schemeClr>
+                        </a:solidFill>
+                        <a:effectLst/>
+                        <a:latin typeface="맑은 고딕" panose="020B0503020000020004" pitchFamily="50" charset="-127"/>
+                        <a:ea typeface="맑은 고딕" panose="020B0503020000020004" pitchFamily="50" charset="-127"/>
+                      </a:endParaRPr>
+                    </a:p>
+                  </a:txBody>
+                  <a:tcPr marL="6757" marR="6757" marT="6757" marB="0" anchor="ctr">
+                    <a:solidFill>
+                      <a:srgbClr val="D7D7D7"/>
+                    </a:solidFill>
+                  </a:tcPr>
+                </a:tc>
+                <a:tc gridSpan="3">
+                  <a:txBody>
+                    <a:bodyPr/>
+                    <a:lstStyle/>
+                    <a:p>
+                      <a:pPr algn="ctr" fontAlgn="b"/>
+                      <a:r>
+                        <a:rPr lang="en-US" altLang="ko-KR" sz="1100" u="none" strike="noStrike" dirty="0">
+                          <a:solidFill>
+                            <a:schemeClr val="tx1">
+                              <a:lumMod val="85000"/>
+                              <a:lumOff val="15000"/>
+                            </a:schemeClr>
+                          </a:solidFill>
+                          <a:effectLst/>
+                        </a:rPr>
+                        <a:t>CBT 2nd (</a:t>
+                      </a:r>
+                      <a:r>
+                        <a:rPr lang="ko-KR" altLang="en-US" sz="1100" u="none" strike="noStrike" dirty="0">
+                          <a:solidFill>
+                            <a:schemeClr val="tx1">
+                              <a:lumMod val="85000"/>
+                              <a:lumOff val="15000"/>
+                            </a:schemeClr>
+                          </a:solidFill>
+                          <a:effectLst/>
+                        </a:rPr>
+                        <a:t>지인</a:t>
+                      </a:r>
+                      <a:r>
+                        <a:rPr lang="en-US" altLang="ko-KR" sz="1100" u="none" strike="noStrike" dirty="0">
+                          <a:solidFill>
+                            <a:schemeClr val="tx1">
+                              <a:lumMod val="85000"/>
+                              <a:lumOff val="15000"/>
+                            </a:schemeClr>
+                          </a:solidFill>
+                          <a:effectLst/>
+                        </a:rPr>
+                        <a:t>) </a:t>
+                      </a:r>
+                      <a:r>
+                        <a:rPr lang="ko-KR" altLang="en-US" sz="1100" u="none" strike="noStrike" dirty="0">
+                          <a:solidFill>
+                            <a:schemeClr val="tx1">
+                              <a:lumMod val="85000"/>
+                              <a:lumOff val="15000"/>
+                            </a:schemeClr>
+                          </a:solidFill>
+                          <a:effectLst/>
+                        </a:rPr>
+                        <a:t>시작 및 </a:t>
+                      </a:r>
+                      <a:r>
+                        <a:rPr lang="ko-KR" altLang="en-US" sz="1100" u="none" strike="noStrike" dirty="0" err="1">
+                          <a:solidFill>
+                            <a:schemeClr val="tx1">
+                              <a:lumMod val="85000"/>
+                              <a:lumOff val="15000"/>
+                            </a:schemeClr>
+                          </a:solidFill>
+                          <a:effectLst/>
+                        </a:rPr>
+                        <a:t>버그픽스</a:t>
+                      </a:r>
+                      <a:endParaRPr lang="ko-KR" altLang="en-US" sz="1100" b="0" i="0" u="none" strike="noStrike" dirty="0">
+                        <a:solidFill>
+                          <a:schemeClr val="tx1">
+                            <a:lumMod val="85000"/>
+                            <a:lumOff val="15000"/>
+                          </a:schemeClr>
+                        </a:solidFill>
+                        <a:effectLst/>
+                        <a:latin typeface="맑은 고딕" panose="020B0503020000020004" pitchFamily="50" charset="-127"/>
+                        <a:ea typeface="맑은 고딕" panose="020B0503020000020004" pitchFamily="50" charset="-127"/>
+                      </a:endParaRPr>
+                    </a:p>
+                  </a:txBody>
+                  <a:tcPr marL="6757" marR="6757" marT="6757" marB="0" anchor="ctr">
+                    <a:solidFill>
+                      <a:srgbClr val="F8F9FA"/>
+                    </a:solidFill>
+                  </a:tcPr>
+                </a:tc>
+                <a:tc hMerge="1">
+                  <a:txBody>
+                    <a:bodyPr/>
+                    <a:lstStyle/>
+                    <a:p>
+                      <a:pPr latinLnBrk="1"/>
+                      <a:endParaRPr lang="ko-KR" altLang="en-US"/>
+                    </a:p>
+                  </a:txBody>
+                  <a:tcPr/>
+                </a:tc>
+                <a:tc hMerge="1">
+                  <a:txBody>
+                    <a:bodyPr/>
+                    <a:lstStyle/>
+                    <a:p>
+                      <a:pPr latinLnBrk="1"/>
+                      <a:endParaRPr lang="ko-KR" altLang="en-US"/>
+                    </a:p>
+                  </a:txBody>
+                  <a:tcPr/>
+                </a:tc>
+              </a:tr>
+              <a:tr h="266544">
+                <a:tc>
+                  <a:txBody>
+                    <a:bodyPr/>
+                    <a:lstStyle/>
+                    <a:p>
+                      <a:pPr algn="ctr" fontAlgn="b"/>
+                      <a:r>
+                        <a:rPr lang="en-US" altLang="ko-KR" sz="1100" u="none" strike="noStrike">
+                          <a:solidFill>
+                            <a:schemeClr val="tx1">
+                              <a:lumMod val="85000"/>
+                              <a:lumOff val="15000"/>
+                            </a:schemeClr>
+                          </a:solidFill>
+                          <a:effectLst/>
+                        </a:rPr>
+                        <a:t>4</a:t>
+                      </a:r>
+                      <a:r>
+                        <a:rPr lang="ko-KR" altLang="en-US" sz="1100" u="none" strike="noStrike">
+                          <a:solidFill>
+                            <a:schemeClr val="tx1">
+                              <a:lumMod val="85000"/>
+                              <a:lumOff val="15000"/>
+                            </a:schemeClr>
+                          </a:solidFill>
+                          <a:effectLst/>
+                        </a:rPr>
+                        <a:t>월 </a:t>
+                      </a:r>
+                      <a:r>
+                        <a:rPr lang="en-US" altLang="ko-KR" sz="1100" u="none" strike="noStrike">
+                          <a:solidFill>
+                            <a:schemeClr val="tx1">
+                              <a:lumMod val="85000"/>
+                              <a:lumOff val="15000"/>
+                            </a:schemeClr>
+                          </a:solidFill>
+                          <a:effectLst/>
+                        </a:rPr>
+                        <a:t>30</a:t>
+                      </a:r>
+                      <a:r>
+                        <a:rPr lang="ko-KR" altLang="en-US" sz="1100" u="none" strike="noStrike">
+                          <a:solidFill>
+                            <a:schemeClr val="tx1">
+                              <a:lumMod val="85000"/>
+                              <a:lumOff val="15000"/>
+                            </a:schemeClr>
+                          </a:solidFill>
+                          <a:effectLst/>
+                        </a:rPr>
+                        <a:t>일</a:t>
+                      </a:r>
+                      <a:endParaRPr lang="ko-KR" altLang="en-US" sz="1100" b="0" i="0" u="none" strike="noStrike">
+                        <a:solidFill>
+                          <a:schemeClr val="tx1">
+                            <a:lumMod val="85000"/>
+                            <a:lumOff val="15000"/>
+                          </a:schemeClr>
+                        </a:solidFill>
+                        <a:effectLst/>
+                        <a:latin typeface="맑은 고딕" panose="020B0503020000020004" pitchFamily="50" charset="-127"/>
+                        <a:ea typeface="맑은 고딕" panose="020B0503020000020004" pitchFamily="50" charset="-127"/>
+                      </a:endParaRPr>
+                    </a:p>
+                  </a:txBody>
+                  <a:tcPr marL="6757" marR="6757" marT="6757" marB="0" anchor="ctr">
+                    <a:solidFill>
+                      <a:srgbClr val="D7D7D7"/>
+                    </a:solidFill>
+                  </a:tcPr>
+                </a:tc>
+                <a:tc>
+                  <a:txBody>
+                    <a:bodyPr/>
+                    <a:lstStyle/>
+                    <a:p>
+                      <a:pPr algn="ctr" fontAlgn="b"/>
+                      <a:r>
+                        <a:rPr lang="ko-KR" altLang="en-US" sz="1100" u="none" strike="noStrike" dirty="0">
+                          <a:solidFill>
+                            <a:schemeClr val="tx1">
+                              <a:lumMod val="85000"/>
+                              <a:lumOff val="15000"/>
+                            </a:schemeClr>
+                          </a:solidFill>
+                          <a:effectLst/>
+                        </a:rPr>
+                        <a:t>화요일</a:t>
+                      </a:r>
+                      <a:endParaRPr lang="ko-KR" altLang="en-US" sz="1100" b="0" i="0" u="none" strike="noStrike" dirty="0">
+                        <a:solidFill>
+                          <a:schemeClr val="tx1">
+                            <a:lumMod val="85000"/>
+                            <a:lumOff val="15000"/>
+                          </a:schemeClr>
+                        </a:solidFill>
+                        <a:effectLst/>
+                        <a:latin typeface="맑은 고딕" panose="020B0503020000020004" pitchFamily="50" charset="-127"/>
+                        <a:ea typeface="맑은 고딕" panose="020B0503020000020004" pitchFamily="50" charset="-127"/>
+                      </a:endParaRPr>
+                    </a:p>
+                  </a:txBody>
+                  <a:tcPr marL="6757" marR="6757" marT="6757" marB="0" anchor="ctr">
+                    <a:solidFill>
+                      <a:srgbClr val="D7D7D7"/>
+                    </a:solidFill>
+                  </a:tcPr>
+                </a:tc>
+                <a:tc vMerge="1">
+                  <a:txBody>
+                    <a:bodyPr/>
+                    <a:lstStyle/>
+                    <a:p>
+                      <a:pPr algn="ctr" fontAlgn="b"/>
+                      <a:endParaRPr lang="ko-KR" altLang="en-US" sz="1100" b="0" i="0" u="none" strike="noStrike" dirty="0">
+                        <a:solidFill>
+                          <a:srgbClr val="000000"/>
+                        </a:solidFill>
+                        <a:effectLst/>
+                        <a:latin typeface="맑은 고딕" panose="020B0503020000020004" pitchFamily="50" charset="-127"/>
+                        <a:ea typeface="맑은 고딕" panose="020B0503020000020004" pitchFamily="50" charset="-127"/>
+                      </a:endParaRPr>
+                    </a:p>
+                  </a:txBody>
+                  <a:tcPr marL="6757" marR="6757" marT="6757" marB="0" anchor="ctr">
+                    <a:solidFill>
+                      <a:srgbClr val="F8F9FA"/>
+                    </a:solidFill>
+                  </a:tcPr>
+                </a:tc>
+                <a:tc gridSpan="3">
+                  <a:txBody>
+                    <a:bodyPr/>
+                    <a:lstStyle/>
+                    <a:p>
+                      <a:pPr algn="ctr" fontAlgn="b"/>
+                      <a:r>
+                        <a:rPr lang="en-US" altLang="ko-KR" sz="1100" u="none" strike="noStrike" dirty="0">
+                          <a:solidFill>
+                            <a:schemeClr val="tx1">
+                              <a:lumMod val="85000"/>
+                              <a:lumOff val="15000"/>
+                            </a:schemeClr>
+                          </a:solidFill>
+                          <a:effectLst/>
+                        </a:rPr>
+                        <a:t>CBT 2nd </a:t>
+                      </a:r>
+                      <a:r>
+                        <a:rPr lang="ko-KR" altLang="en-US" sz="1100" u="none" strike="noStrike" dirty="0">
+                          <a:solidFill>
+                            <a:schemeClr val="tx1">
+                              <a:lumMod val="85000"/>
+                              <a:lumOff val="15000"/>
+                            </a:schemeClr>
+                          </a:solidFill>
+                          <a:effectLst/>
+                        </a:rPr>
+                        <a:t>리뷰 및 버그 </a:t>
+                      </a:r>
+                      <a:r>
+                        <a:rPr lang="ko-KR" altLang="en-US" sz="1100" u="none" strike="noStrike" dirty="0" err="1">
+                          <a:solidFill>
+                            <a:schemeClr val="tx1">
+                              <a:lumMod val="85000"/>
+                              <a:lumOff val="15000"/>
+                            </a:schemeClr>
+                          </a:solidFill>
+                          <a:effectLst/>
+                        </a:rPr>
+                        <a:t>픽스</a:t>
+                      </a:r>
+                      <a:endParaRPr lang="ko-KR" altLang="en-US" sz="1100" b="0" i="0" u="none" strike="noStrike" dirty="0">
+                        <a:solidFill>
+                          <a:schemeClr val="tx1">
+                            <a:lumMod val="85000"/>
+                            <a:lumOff val="15000"/>
+                          </a:schemeClr>
+                        </a:solidFill>
+                        <a:effectLst/>
+                        <a:latin typeface="맑은 고딕" panose="020B0503020000020004" pitchFamily="50" charset="-127"/>
+                        <a:ea typeface="맑은 고딕" panose="020B0503020000020004" pitchFamily="50" charset="-127"/>
+                      </a:endParaRPr>
+                    </a:p>
+                  </a:txBody>
+                  <a:tcPr marL="6757" marR="6757" marT="6757" marB="0" anchor="ctr">
+                    <a:solidFill>
+                      <a:srgbClr val="F8F9FA"/>
+                    </a:solidFill>
+                  </a:tcPr>
+                </a:tc>
+                <a:tc hMerge="1">
+                  <a:txBody>
+                    <a:bodyPr/>
+                    <a:lstStyle/>
+                    <a:p>
+                      <a:pPr latinLnBrk="1"/>
+                      <a:endParaRPr lang="ko-KR" altLang="en-US"/>
+                    </a:p>
+                  </a:txBody>
+                  <a:tcPr/>
+                </a:tc>
+                <a:tc hMerge="1">
+                  <a:txBody>
+                    <a:bodyPr/>
+                    <a:lstStyle/>
+                    <a:p>
+                      <a:pPr latinLnBrk="1"/>
+                      <a:endParaRPr lang="ko-KR" altLang="en-US"/>
+                    </a:p>
+                  </a:txBody>
+                  <a:tcPr/>
+                </a:tc>
+              </a:tr>
+              <a:tr h="266544">
+                <a:tc>
+                  <a:txBody>
+                    <a:bodyPr/>
+                    <a:lstStyle/>
+                    <a:p>
+                      <a:pPr algn="ctr" fontAlgn="b"/>
+                      <a:r>
+                        <a:rPr lang="en-US" altLang="ko-KR" sz="1100" u="none" strike="noStrike">
+                          <a:solidFill>
+                            <a:schemeClr val="tx1">
+                              <a:lumMod val="85000"/>
+                              <a:lumOff val="15000"/>
+                            </a:schemeClr>
+                          </a:solidFill>
+                          <a:effectLst/>
+                        </a:rPr>
+                        <a:t>5</a:t>
+                      </a:r>
+                      <a:r>
+                        <a:rPr lang="ko-KR" altLang="en-US" sz="1100" u="none" strike="noStrike">
+                          <a:solidFill>
+                            <a:schemeClr val="tx1">
+                              <a:lumMod val="85000"/>
+                              <a:lumOff val="15000"/>
+                            </a:schemeClr>
+                          </a:solidFill>
+                          <a:effectLst/>
+                        </a:rPr>
+                        <a:t>월 </a:t>
+                      </a:r>
+                      <a:r>
+                        <a:rPr lang="en-US" altLang="ko-KR" sz="1100" u="none" strike="noStrike">
+                          <a:solidFill>
+                            <a:schemeClr val="tx1">
+                              <a:lumMod val="85000"/>
+                              <a:lumOff val="15000"/>
+                            </a:schemeClr>
+                          </a:solidFill>
+                          <a:effectLst/>
+                        </a:rPr>
+                        <a:t>1</a:t>
+                      </a:r>
+                      <a:r>
+                        <a:rPr lang="ko-KR" altLang="en-US" sz="1100" u="none" strike="noStrike">
+                          <a:solidFill>
+                            <a:schemeClr val="tx1">
+                              <a:lumMod val="85000"/>
+                              <a:lumOff val="15000"/>
+                            </a:schemeClr>
+                          </a:solidFill>
+                          <a:effectLst/>
+                        </a:rPr>
+                        <a:t>일</a:t>
+                      </a:r>
+                      <a:endParaRPr lang="ko-KR" altLang="en-US" sz="1100" b="0" i="0" u="none" strike="noStrike">
+                        <a:solidFill>
+                          <a:schemeClr val="tx1">
+                            <a:lumMod val="85000"/>
+                            <a:lumOff val="15000"/>
+                          </a:schemeClr>
+                        </a:solidFill>
+                        <a:effectLst/>
+                        <a:latin typeface="맑은 고딕" panose="020B0503020000020004" pitchFamily="50" charset="-127"/>
+                        <a:ea typeface="맑은 고딕" panose="020B0503020000020004" pitchFamily="50" charset="-127"/>
+                      </a:endParaRPr>
+                    </a:p>
+                  </a:txBody>
+                  <a:tcPr marL="6757" marR="6757" marT="6757" marB="0" anchor="ctr">
+                    <a:solidFill>
+                      <a:srgbClr val="D7D7D7"/>
+                    </a:solidFill>
+                  </a:tcPr>
+                </a:tc>
+                <a:tc>
+                  <a:txBody>
+                    <a:bodyPr/>
+                    <a:lstStyle/>
+                    <a:p>
+                      <a:pPr algn="ctr" fontAlgn="b"/>
+                      <a:r>
+                        <a:rPr lang="ko-KR" altLang="en-US" sz="1100" u="none" strike="noStrike" dirty="0">
+                          <a:solidFill>
+                            <a:schemeClr val="tx1">
+                              <a:lumMod val="85000"/>
+                              <a:lumOff val="15000"/>
+                            </a:schemeClr>
+                          </a:solidFill>
+                          <a:effectLst/>
+                        </a:rPr>
+                        <a:t>수요일</a:t>
+                      </a:r>
+                      <a:endParaRPr lang="ko-KR" altLang="en-US" sz="1100" b="0" i="0" u="none" strike="noStrike" dirty="0">
+                        <a:solidFill>
+                          <a:schemeClr val="tx1">
+                            <a:lumMod val="85000"/>
+                            <a:lumOff val="15000"/>
+                          </a:schemeClr>
+                        </a:solidFill>
+                        <a:effectLst/>
+                        <a:latin typeface="맑은 고딕" panose="020B0503020000020004" pitchFamily="50" charset="-127"/>
+                        <a:ea typeface="맑은 고딕" panose="020B0503020000020004" pitchFamily="50" charset="-127"/>
+                      </a:endParaRPr>
+                    </a:p>
+                  </a:txBody>
+                  <a:tcPr marL="6757" marR="6757" marT="6757" marB="0" anchor="ctr">
+                    <a:solidFill>
+                      <a:srgbClr val="D7D7D7"/>
+                    </a:solidFill>
+                  </a:tcPr>
+                </a:tc>
+                <a:tc vMerge="1">
+                  <a:txBody>
+                    <a:bodyPr/>
+                    <a:lstStyle/>
+                    <a:p>
+                      <a:pPr algn="ctr" fontAlgn="b"/>
+                      <a:endParaRPr lang="ko-KR" altLang="en-US" sz="1100" b="0" i="0" u="none" strike="noStrike" dirty="0">
+                        <a:solidFill>
+                          <a:srgbClr val="000000"/>
+                        </a:solidFill>
+                        <a:effectLst/>
+                        <a:latin typeface="맑은 고딕" panose="020B0503020000020004" pitchFamily="50" charset="-127"/>
+                        <a:ea typeface="맑은 고딕" panose="020B0503020000020004" pitchFamily="50" charset="-127"/>
+                      </a:endParaRPr>
+                    </a:p>
+                  </a:txBody>
+                  <a:tcPr marL="6757" marR="6757" marT="6757" marB="0" anchor="ctr">
+                    <a:solidFill>
+                      <a:srgbClr val="F8F9FA"/>
+                    </a:solidFill>
+                  </a:tcPr>
+                </a:tc>
+                <a:tc gridSpan="3">
+                  <a:txBody>
+                    <a:bodyPr/>
+                    <a:lstStyle/>
+                    <a:p>
+                      <a:pPr algn="ctr" fontAlgn="b"/>
+                      <a:r>
+                        <a:rPr lang="ko-KR" altLang="en-US" sz="1100" u="none" strike="noStrike" dirty="0">
+                          <a:solidFill>
+                            <a:schemeClr val="tx1">
+                              <a:lumMod val="85000"/>
+                              <a:lumOff val="15000"/>
+                            </a:schemeClr>
+                          </a:solidFill>
+                          <a:effectLst/>
+                        </a:rPr>
+                        <a:t>버그 </a:t>
+                      </a:r>
+                      <a:r>
+                        <a:rPr lang="ko-KR" altLang="en-US" sz="1100" u="none" strike="noStrike" dirty="0" err="1">
+                          <a:solidFill>
+                            <a:schemeClr val="tx1">
+                              <a:lumMod val="85000"/>
+                              <a:lumOff val="15000"/>
+                            </a:schemeClr>
+                          </a:solidFill>
+                          <a:effectLst/>
+                        </a:rPr>
+                        <a:t>픽스</a:t>
+                      </a:r>
+                      <a:endParaRPr lang="ko-KR" altLang="en-US" sz="1100" b="0" i="0" u="none" strike="noStrike" dirty="0">
+                        <a:solidFill>
+                          <a:schemeClr val="tx1">
+                            <a:lumMod val="85000"/>
+                            <a:lumOff val="15000"/>
+                          </a:schemeClr>
+                        </a:solidFill>
+                        <a:effectLst/>
+                        <a:latin typeface="맑은 고딕" panose="020B0503020000020004" pitchFamily="50" charset="-127"/>
+                        <a:ea typeface="맑은 고딕" panose="020B0503020000020004" pitchFamily="50" charset="-127"/>
+                      </a:endParaRPr>
+                    </a:p>
+                  </a:txBody>
+                  <a:tcPr marL="6757" marR="6757" marT="6757" marB="0" anchor="ctr">
+                    <a:solidFill>
+                      <a:srgbClr val="F8F9FA"/>
+                    </a:solidFill>
+                  </a:tcPr>
+                </a:tc>
+                <a:tc hMerge="1">
+                  <a:txBody>
+                    <a:bodyPr/>
+                    <a:lstStyle/>
+                    <a:p>
+                      <a:pPr latinLnBrk="1"/>
+                      <a:endParaRPr lang="ko-KR" altLang="en-US"/>
+                    </a:p>
+                  </a:txBody>
+                  <a:tcPr/>
+                </a:tc>
+                <a:tc hMerge="1">
+                  <a:txBody>
+                    <a:bodyPr/>
+                    <a:lstStyle/>
+                    <a:p>
+                      <a:pPr latinLnBrk="1"/>
+                      <a:endParaRPr lang="ko-KR" altLang="en-US"/>
+                    </a:p>
+                  </a:txBody>
+                  <a:tcPr/>
+                </a:tc>
+              </a:tr>
+              <a:tr h="195465">
+                <a:tc>
+                  <a:txBody>
+                    <a:bodyPr/>
+                    <a:lstStyle/>
+                    <a:p>
+                      <a:pPr algn="ctr" fontAlgn="b"/>
+                      <a:r>
+                        <a:rPr lang="en-US" altLang="ko-KR" sz="1100" u="none" strike="noStrike">
+                          <a:solidFill>
+                            <a:schemeClr val="tx1">
+                              <a:lumMod val="85000"/>
+                              <a:lumOff val="15000"/>
+                            </a:schemeClr>
+                          </a:solidFill>
+                          <a:effectLst/>
+                        </a:rPr>
+                        <a:t>5</a:t>
+                      </a:r>
+                      <a:r>
+                        <a:rPr lang="ko-KR" altLang="en-US" sz="1100" u="none" strike="noStrike">
+                          <a:solidFill>
+                            <a:schemeClr val="tx1">
+                              <a:lumMod val="85000"/>
+                              <a:lumOff val="15000"/>
+                            </a:schemeClr>
+                          </a:solidFill>
+                          <a:effectLst/>
+                        </a:rPr>
+                        <a:t>월 </a:t>
+                      </a:r>
+                      <a:r>
+                        <a:rPr lang="en-US" altLang="ko-KR" sz="1100" u="none" strike="noStrike">
+                          <a:solidFill>
+                            <a:schemeClr val="tx1">
+                              <a:lumMod val="85000"/>
+                              <a:lumOff val="15000"/>
+                            </a:schemeClr>
+                          </a:solidFill>
+                          <a:effectLst/>
+                        </a:rPr>
+                        <a:t>1</a:t>
+                      </a:r>
+                      <a:r>
+                        <a:rPr lang="ko-KR" altLang="en-US" sz="1100" u="none" strike="noStrike">
+                          <a:solidFill>
+                            <a:schemeClr val="tx1">
+                              <a:lumMod val="85000"/>
+                              <a:lumOff val="15000"/>
+                            </a:schemeClr>
+                          </a:solidFill>
+                          <a:effectLst/>
+                        </a:rPr>
+                        <a:t>일</a:t>
+                      </a:r>
+                      <a:endParaRPr lang="ko-KR" altLang="en-US" sz="1100" b="0" i="0" u="none" strike="noStrike">
+                        <a:solidFill>
+                          <a:schemeClr val="tx1">
+                            <a:lumMod val="85000"/>
+                            <a:lumOff val="15000"/>
+                          </a:schemeClr>
+                        </a:solidFill>
+                        <a:effectLst/>
+                        <a:latin typeface="맑은 고딕" panose="020B0503020000020004" pitchFamily="50" charset="-127"/>
+                        <a:ea typeface="맑은 고딕" panose="020B0503020000020004" pitchFamily="50" charset="-127"/>
+                      </a:endParaRPr>
+                    </a:p>
+                  </a:txBody>
+                  <a:tcPr marL="6757" marR="6757" marT="6757" marB="0" anchor="ctr">
+                    <a:solidFill>
+                      <a:srgbClr val="D7D7D7"/>
+                    </a:solidFill>
+                  </a:tcPr>
+                </a:tc>
+                <a:tc>
+                  <a:txBody>
+                    <a:bodyPr/>
+                    <a:lstStyle/>
+                    <a:p>
+                      <a:pPr algn="ctr" fontAlgn="b"/>
+                      <a:r>
+                        <a:rPr lang="ko-KR" altLang="en-US" sz="1100" u="none" strike="noStrike">
+                          <a:solidFill>
+                            <a:schemeClr val="tx1">
+                              <a:lumMod val="85000"/>
+                              <a:lumOff val="15000"/>
+                            </a:schemeClr>
+                          </a:solidFill>
+                          <a:effectLst/>
+                        </a:rPr>
+                        <a:t>수요일</a:t>
+                      </a:r>
+                      <a:endParaRPr lang="ko-KR" altLang="en-US" sz="1100" b="0" i="0" u="none" strike="noStrike">
+                        <a:solidFill>
+                          <a:schemeClr val="tx1">
+                            <a:lumMod val="85000"/>
+                            <a:lumOff val="15000"/>
+                          </a:schemeClr>
+                        </a:solidFill>
+                        <a:effectLst/>
+                        <a:latin typeface="맑은 고딕" panose="020B0503020000020004" pitchFamily="50" charset="-127"/>
+                        <a:ea typeface="맑은 고딕" panose="020B0503020000020004" pitchFamily="50" charset="-127"/>
+                      </a:endParaRPr>
+                    </a:p>
+                  </a:txBody>
+                  <a:tcPr marL="6757" marR="6757" marT="6757" marB="0" anchor="ctr">
+                    <a:solidFill>
+                      <a:srgbClr val="D7D7D7"/>
+                    </a:solidFill>
+                  </a:tcPr>
+                </a:tc>
+                <a:tc>
+                  <a:txBody>
+                    <a:bodyPr/>
+                    <a:lstStyle/>
+                    <a:p>
+                      <a:pPr algn="ctr" fontAlgn="b"/>
+                      <a:r>
+                        <a:rPr lang="ko-KR" altLang="en-US" sz="1100" u="none" strike="noStrike" dirty="0">
+                          <a:solidFill>
+                            <a:schemeClr val="tx1">
+                              <a:lumMod val="85000"/>
+                              <a:lumOff val="15000"/>
+                            </a:schemeClr>
+                          </a:solidFill>
+                          <a:effectLst/>
+                        </a:rPr>
+                        <a:t>완료 발표</a:t>
+                      </a:r>
+                      <a:endParaRPr lang="ko-KR" altLang="en-US" sz="1100" b="0" i="0" u="none" strike="noStrike" dirty="0">
+                        <a:solidFill>
+                          <a:schemeClr val="tx1">
+                            <a:lumMod val="85000"/>
+                            <a:lumOff val="15000"/>
+                          </a:schemeClr>
+                        </a:solidFill>
+                        <a:effectLst/>
+                        <a:latin typeface="맑은 고딕" panose="020B0503020000020004" pitchFamily="50" charset="-127"/>
+                        <a:ea typeface="맑은 고딕" panose="020B0503020000020004" pitchFamily="50" charset="-127"/>
+                      </a:endParaRPr>
+                    </a:p>
+                  </a:txBody>
+                  <a:tcPr marL="6757" marR="6757" marT="6757" marB="0" anchor="ctr">
+                    <a:solidFill>
+                      <a:srgbClr val="D7D7D7"/>
+                    </a:solidFill>
+                  </a:tcPr>
+                </a:tc>
+                <a:tc gridSpan="3">
+                  <a:txBody>
+                    <a:bodyPr/>
+                    <a:lstStyle/>
+                    <a:p>
+                      <a:pPr algn="ctr" fontAlgn="b"/>
+                      <a:r>
+                        <a:rPr lang="ko-KR" altLang="en-US" sz="1100" u="none" strike="noStrike" dirty="0">
+                          <a:solidFill>
+                            <a:schemeClr val="tx1">
+                              <a:lumMod val="85000"/>
+                              <a:lumOff val="15000"/>
+                            </a:schemeClr>
+                          </a:solidFill>
+                          <a:effectLst/>
+                        </a:rPr>
+                        <a:t>　</a:t>
+                      </a:r>
+                      <a:endParaRPr lang="ko-KR" altLang="en-US" sz="1100" b="0" i="0" u="none" strike="noStrike" dirty="0">
+                        <a:solidFill>
+                          <a:schemeClr val="tx1">
+                            <a:lumMod val="85000"/>
+                            <a:lumOff val="15000"/>
+                          </a:schemeClr>
+                        </a:solidFill>
+                        <a:effectLst/>
+                        <a:latin typeface="맑은 고딕" panose="020B0503020000020004" pitchFamily="50" charset="-127"/>
+                        <a:ea typeface="맑은 고딕" panose="020B0503020000020004" pitchFamily="50" charset="-127"/>
+                      </a:endParaRPr>
+                    </a:p>
+                  </a:txBody>
+                  <a:tcPr marL="6757" marR="6757" marT="6757" marB="0" anchor="ctr">
+                    <a:solidFill>
+                      <a:srgbClr val="F8F9FA"/>
+                    </a:solidFill>
+                  </a:tcPr>
+                </a:tc>
+                <a:tc hMerge="1">
+                  <a:txBody>
+                    <a:bodyPr/>
+                    <a:lstStyle/>
+                    <a:p>
+                      <a:pPr latinLnBrk="1"/>
+                      <a:endParaRPr lang="ko-KR" altLang="en-US"/>
+                    </a:p>
+                  </a:txBody>
+                  <a:tcPr/>
+                </a:tc>
+                <a:tc hMerge="1">
+                  <a:txBody>
+                    <a:bodyPr/>
+                    <a:lstStyle/>
+                    <a:p>
+                      <a:pPr latinLnBrk="1"/>
+                      <a:endParaRPr lang="ko-KR" altLang="en-US"/>
+                    </a:p>
+                  </a:txBody>
+                  <a:tcPr/>
+                </a:tc>
+              </a:tr>
             </a:tbl>
           </a:graphicData>
         </a:graphic>
       </p:graphicFrame>
-      <p:sp>
-        <p:nvSpPr>
-          <p:cNvPr id="9" name="직사각형 8"/>
-          <p:cNvSpPr/>
-          <p:nvPr/>
-        </p:nvSpPr>
-        <p:spPr>
-          <a:xfrm>
-            <a:off x="241299" y="909434"/>
-            <a:ext cx="11741695" cy="396852"/>
-          </a:xfrm>
-          <a:prstGeom prst="rect">
-            <a:avLst/>
-          </a:prstGeom>
-          <a:solidFill>
-            <a:srgbClr val="F8F9FA"/>
-          </a:solidFill>
-          <a:ln w="3175">
-            <a:noFill/>
-            <a:prstDash val="dash"/>
-          </a:ln>
-        </p:spPr>
-        <p:style>
-          <a:lnRef idx="2">
-            <a:schemeClr val="accent1">
-              <a:shade val="50000"/>
-            </a:schemeClr>
-          </a:lnRef>
-          <a:fillRef idx="1">
-            <a:schemeClr val="accent1"/>
-          </a:fillRef>
-          <a:effectRef idx="0">
-            <a:schemeClr val="accent1"/>
-          </a:effectRef>
-          <a:fontRef idx="minor">
-            <a:schemeClr val="lt1"/>
-          </a:fontRef>
-        </p:style>
-        <p:txBody>
-          <a:bodyPr rtlCol="0" anchor="ctr"/>
-          <a:lstStyle/>
-          <a:p>
-            <a:r>
-              <a:rPr lang="ko-KR" altLang="en-US" b="1" dirty="0" smtClean="0">
-                <a:solidFill>
-                  <a:schemeClr val="tx1">
-                    <a:lumMod val="85000"/>
-                    <a:lumOff val="15000"/>
-                  </a:schemeClr>
-                </a:solidFill>
-              </a:rPr>
-              <a:t>프로젝트 범위</a:t>
-            </a:r>
-            <a:endParaRPr lang="ko-KR" altLang="en-US" dirty="0" smtClean="0">
-              <a:solidFill>
-                <a:schemeClr val="tx1">
-                  <a:lumMod val="85000"/>
-                  <a:lumOff val="15000"/>
-                </a:schemeClr>
-              </a:solidFill>
-              <a:latin typeface="나눔고딕" panose="020D0604000000000000" pitchFamily="50" charset="-127"/>
-              <a:ea typeface="나눔고딕" panose="020D0604000000000000" pitchFamily="50" charset="-127"/>
-            </a:endParaRPr>
-          </a:p>
-        </p:txBody>
-      </p:sp>
-      <p:sp>
-        <p:nvSpPr>
-          <p:cNvPr id="10" name="직사각형 9"/>
-          <p:cNvSpPr/>
-          <p:nvPr/>
-        </p:nvSpPr>
-        <p:spPr>
-          <a:xfrm>
-            <a:off x="241299" y="3417503"/>
-            <a:ext cx="11741695" cy="396852"/>
-          </a:xfrm>
-          <a:prstGeom prst="rect">
-            <a:avLst/>
-          </a:prstGeom>
-          <a:solidFill>
-            <a:srgbClr val="F8F9FA"/>
-          </a:solidFill>
-          <a:ln w="3175">
-            <a:noFill/>
-            <a:prstDash val="dash"/>
-          </a:ln>
-        </p:spPr>
-        <p:style>
-          <a:lnRef idx="2">
-            <a:schemeClr val="accent1">
-              <a:shade val="50000"/>
-            </a:schemeClr>
-          </a:lnRef>
-          <a:fillRef idx="1">
-            <a:schemeClr val="accent1"/>
-          </a:fillRef>
-          <a:effectRef idx="0">
-            <a:schemeClr val="accent1"/>
-          </a:effectRef>
-          <a:fontRef idx="minor">
-            <a:schemeClr val="lt1"/>
-          </a:fontRef>
-        </p:style>
-        <p:txBody>
-          <a:bodyPr rtlCol="0" anchor="ctr"/>
-          <a:lstStyle/>
-          <a:p>
-            <a:r>
-              <a:rPr lang="ko-KR" altLang="en-US" b="1" dirty="0" smtClean="0">
-                <a:solidFill>
-                  <a:schemeClr val="tx1">
-                    <a:lumMod val="85000"/>
-                    <a:lumOff val="15000"/>
-                  </a:schemeClr>
-                </a:solidFill>
-              </a:rPr>
-              <a:t>프로젝트 일정</a:t>
-            </a:r>
-            <a:endParaRPr lang="ko-KR" altLang="en-US" dirty="0" smtClean="0">
-              <a:solidFill>
-                <a:schemeClr val="tx1">
-                  <a:lumMod val="85000"/>
-                  <a:lumOff val="15000"/>
-                </a:schemeClr>
-              </a:solidFill>
-              <a:latin typeface="나눔고딕" panose="020D0604000000000000" pitchFamily="50" charset="-127"/>
-              <a:ea typeface="나눔고딕" panose="020D0604000000000000" pitchFamily="50" charset="-127"/>
-            </a:endParaRPr>
-          </a:p>
-        </p:txBody>
-      </p:sp>
-      <p:sp>
-        <p:nvSpPr>
-          <p:cNvPr id="18" name="직사각형 17"/>
-          <p:cNvSpPr/>
-          <p:nvPr/>
-        </p:nvSpPr>
-        <p:spPr>
-          <a:xfrm>
-            <a:off x="7712674" y="4504785"/>
-            <a:ext cx="3833091" cy="258617"/>
-          </a:xfrm>
-          <a:prstGeom prst="rect">
-            <a:avLst/>
-          </a:prstGeom>
-          <a:solidFill>
-            <a:schemeClr val="tx1">
-              <a:alpha val="34000"/>
-            </a:schemeClr>
-          </a:solidFill>
-          <a:ln>
-            <a:noFill/>
-          </a:ln>
-        </p:spPr>
-        <p:style>
-          <a:lnRef idx="2">
-            <a:schemeClr val="accent1">
-              <a:shade val="50000"/>
-            </a:schemeClr>
-          </a:lnRef>
-          <a:fillRef idx="1">
-            <a:schemeClr val="accent1"/>
-          </a:fillRef>
-          <a:effectRef idx="0">
-            <a:schemeClr val="accent1"/>
-          </a:effectRef>
-          <a:fontRef idx="minor">
-            <a:schemeClr val="lt1"/>
-          </a:fontRef>
-        </p:style>
-        <p:txBody>
-          <a:bodyPr rtlCol="0" anchor="ctr"/>
-          <a:lstStyle/>
-          <a:p>
-            <a:pPr algn="ctr"/>
-            <a:r>
-              <a:rPr lang="ko-KR" altLang="en-US" sz="1400" dirty="0" err="1" smtClean="0"/>
-              <a:t>멘토링</a:t>
-            </a:r>
-            <a:endParaRPr lang="ko-KR" altLang="en-US" sz="1400" dirty="0"/>
-          </a:p>
-        </p:txBody>
-      </p:sp>
-      <p:sp>
-        <p:nvSpPr>
-          <p:cNvPr id="19" name="직사각형 18"/>
-          <p:cNvSpPr/>
-          <p:nvPr/>
-        </p:nvSpPr>
-        <p:spPr>
-          <a:xfrm>
-            <a:off x="780628" y="4486552"/>
-            <a:ext cx="4052273" cy="258617"/>
-          </a:xfrm>
-          <a:prstGeom prst="rect">
-            <a:avLst/>
-          </a:prstGeom>
-          <a:solidFill>
-            <a:srgbClr val="C00000">
-              <a:alpha val="34000"/>
-            </a:srgbClr>
-          </a:solidFill>
-          <a:ln>
-            <a:noFill/>
-          </a:ln>
-        </p:spPr>
-        <p:style>
-          <a:lnRef idx="2">
-            <a:schemeClr val="accent1">
-              <a:shade val="50000"/>
-            </a:schemeClr>
-          </a:lnRef>
-          <a:fillRef idx="1">
-            <a:schemeClr val="accent1"/>
-          </a:fillRef>
-          <a:effectRef idx="0">
-            <a:schemeClr val="accent1"/>
-          </a:effectRef>
-          <a:fontRef idx="minor">
-            <a:schemeClr val="lt1"/>
-          </a:fontRef>
-        </p:style>
-        <p:txBody>
-          <a:bodyPr rtlCol="0" anchor="ctr"/>
-          <a:lstStyle/>
-          <a:p>
-            <a:pPr algn="ctr"/>
-            <a:r>
-              <a:rPr lang="ko-KR" altLang="en-US" sz="1400" dirty="0" smtClean="0">
-                <a:solidFill>
-                  <a:schemeClr val="tx1">
-                    <a:lumMod val="85000"/>
-                    <a:lumOff val="15000"/>
-                  </a:schemeClr>
-                </a:solidFill>
-              </a:rPr>
-              <a:t>기획</a:t>
-            </a:r>
-            <a:endParaRPr lang="ko-KR" altLang="en-US" sz="1400" dirty="0">
-              <a:solidFill>
-                <a:schemeClr val="tx1">
-                  <a:lumMod val="85000"/>
-                  <a:lumOff val="15000"/>
-                </a:schemeClr>
-              </a:solidFill>
-            </a:endParaRPr>
-          </a:p>
-        </p:txBody>
-      </p:sp>
-      <p:sp>
-        <p:nvSpPr>
-          <p:cNvPr id="20" name="직사각형 19"/>
-          <p:cNvSpPr/>
-          <p:nvPr/>
-        </p:nvSpPr>
-        <p:spPr>
-          <a:xfrm>
-            <a:off x="780627" y="4955178"/>
-            <a:ext cx="4052273" cy="258617"/>
-          </a:xfrm>
-          <a:prstGeom prst="rect">
-            <a:avLst/>
-          </a:prstGeom>
-          <a:solidFill>
-            <a:srgbClr val="C00000">
-              <a:alpha val="34000"/>
-            </a:srgbClr>
-          </a:solidFill>
-          <a:ln>
-            <a:noFill/>
-          </a:ln>
-        </p:spPr>
-        <p:style>
-          <a:lnRef idx="2">
-            <a:schemeClr val="accent1">
-              <a:shade val="50000"/>
-            </a:schemeClr>
-          </a:lnRef>
-          <a:fillRef idx="1">
-            <a:schemeClr val="accent1"/>
-          </a:fillRef>
-          <a:effectRef idx="0">
-            <a:schemeClr val="accent1"/>
-          </a:effectRef>
-          <a:fontRef idx="minor">
-            <a:schemeClr val="lt1"/>
-          </a:fontRef>
-        </p:style>
-        <p:txBody>
-          <a:bodyPr rtlCol="0" anchor="ctr"/>
-          <a:lstStyle/>
-          <a:p>
-            <a:pPr algn="ctr"/>
-            <a:r>
-              <a:rPr lang="ko-KR" altLang="en-US" sz="1400" smtClean="0">
-                <a:solidFill>
-                  <a:schemeClr val="tx1">
-                    <a:lumMod val="85000"/>
-                    <a:lumOff val="15000"/>
-                  </a:schemeClr>
-                </a:solidFill>
-              </a:rPr>
-              <a:t>개별 기능 구현</a:t>
-            </a:r>
-            <a:endParaRPr lang="ko-KR" altLang="en-US" sz="1400" dirty="0">
-              <a:solidFill>
-                <a:schemeClr val="tx1">
-                  <a:lumMod val="85000"/>
-                  <a:lumOff val="15000"/>
-                </a:schemeClr>
-              </a:solidFill>
-            </a:endParaRPr>
-          </a:p>
-        </p:txBody>
-      </p:sp>
-      <p:sp>
-        <p:nvSpPr>
-          <p:cNvPr id="21" name="직사각형 20"/>
-          <p:cNvSpPr/>
-          <p:nvPr/>
-        </p:nvSpPr>
-        <p:spPr>
-          <a:xfrm>
-            <a:off x="7712675" y="4955178"/>
-            <a:ext cx="3833091" cy="258617"/>
-          </a:xfrm>
-          <a:prstGeom prst="rect">
-            <a:avLst/>
-          </a:prstGeom>
-          <a:solidFill>
-            <a:srgbClr val="C00000">
-              <a:alpha val="34000"/>
-            </a:srgbClr>
-          </a:solidFill>
-          <a:ln>
-            <a:noFill/>
-          </a:ln>
-        </p:spPr>
-        <p:style>
-          <a:lnRef idx="2">
-            <a:schemeClr val="accent1">
-              <a:shade val="50000"/>
-            </a:schemeClr>
-          </a:lnRef>
-          <a:fillRef idx="1">
-            <a:schemeClr val="accent1"/>
-          </a:fillRef>
-          <a:effectRef idx="0">
-            <a:schemeClr val="accent1"/>
-          </a:effectRef>
-          <a:fontRef idx="minor">
-            <a:schemeClr val="lt1"/>
-          </a:fontRef>
-        </p:style>
-        <p:txBody>
-          <a:bodyPr rtlCol="0" anchor="ctr"/>
-          <a:lstStyle/>
-          <a:p>
-            <a:pPr algn="ctr"/>
-            <a:r>
-              <a:rPr lang="ko-KR" altLang="en-US" sz="1400" smtClean="0">
-                <a:solidFill>
-                  <a:schemeClr val="tx1">
-                    <a:lumMod val="85000"/>
-                    <a:lumOff val="15000"/>
-                  </a:schemeClr>
-                </a:solidFill>
-              </a:rPr>
-              <a:t>개별 기능 구현</a:t>
-            </a:r>
-            <a:endParaRPr lang="ko-KR" altLang="en-US" sz="1400" dirty="0">
-              <a:solidFill>
-                <a:schemeClr val="tx1">
-                  <a:lumMod val="85000"/>
-                  <a:lumOff val="15000"/>
-                </a:schemeClr>
-              </a:solidFill>
-            </a:endParaRPr>
-          </a:p>
-        </p:txBody>
-      </p:sp>
-      <p:sp>
-        <p:nvSpPr>
-          <p:cNvPr id="22" name="직사각형 21"/>
-          <p:cNvSpPr/>
-          <p:nvPr/>
-        </p:nvSpPr>
-        <p:spPr>
-          <a:xfrm>
-            <a:off x="780628" y="5417366"/>
-            <a:ext cx="10765137" cy="258617"/>
-          </a:xfrm>
-          <a:prstGeom prst="rect">
-            <a:avLst/>
-          </a:prstGeom>
-          <a:solidFill>
-            <a:srgbClr val="C00000">
-              <a:alpha val="34000"/>
-            </a:srgbClr>
-          </a:solidFill>
-          <a:ln>
-            <a:noFill/>
-          </a:ln>
-        </p:spPr>
-        <p:style>
-          <a:lnRef idx="2">
-            <a:schemeClr val="accent1">
-              <a:shade val="50000"/>
-            </a:schemeClr>
-          </a:lnRef>
-          <a:fillRef idx="1">
-            <a:schemeClr val="accent1"/>
-          </a:fillRef>
-          <a:effectRef idx="0">
-            <a:schemeClr val="accent1"/>
-          </a:effectRef>
-          <a:fontRef idx="minor">
-            <a:schemeClr val="lt1"/>
-          </a:fontRef>
-        </p:style>
-        <p:txBody>
-          <a:bodyPr rtlCol="0" anchor="ctr"/>
-          <a:lstStyle/>
-          <a:p>
-            <a:pPr algn="ctr"/>
-            <a:r>
-              <a:rPr lang="ko-KR" altLang="en-US" sz="1400" smtClean="0">
-                <a:solidFill>
-                  <a:schemeClr val="tx1">
-                    <a:lumMod val="85000"/>
-                    <a:lumOff val="15000"/>
-                  </a:schemeClr>
-                </a:solidFill>
-              </a:rPr>
-              <a:t>개별 기능 구현</a:t>
-            </a:r>
-            <a:endParaRPr lang="ko-KR" altLang="en-US" sz="1400" dirty="0">
-              <a:solidFill>
-                <a:schemeClr val="tx1">
-                  <a:lumMod val="85000"/>
-                  <a:lumOff val="15000"/>
-                </a:schemeClr>
-              </a:solidFill>
-            </a:endParaRPr>
-          </a:p>
-        </p:txBody>
-      </p:sp>
-      <p:sp>
-        <p:nvSpPr>
-          <p:cNvPr id="23" name="직사각형 22"/>
-          <p:cNvSpPr/>
-          <p:nvPr/>
-        </p:nvSpPr>
-        <p:spPr>
-          <a:xfrm>
-            <a:off x="780628" y="5867759"/>
-            <a:ext cx="10765137" cy="258617"/>
-          </a:xfrm>
-          <a:prstGeom prst="rect">
-            <a:avLst/>
-          </a:prstGeom>
-          <a:solidFill>
-            <a:srgbClr val="C00000">
-              <a:alpha val="34000"/>
-            </a:srgbClr>
-          </a:solidFill>
-          <a:ln>
-            <a:noFill/>
-          </a:ln>
-        </p:spPr>
-        <p:style>
-          <a:lnRef idx="2">
-            <a:schemeClr val="accent1">
-              <a:shade val="50000"/>
-            </a:schemeClr>
-          </a:lnRef>
-          <a:fillRef idx="1">
-            <a:schemeClr val="accent1"/>
-          </a:fillRef>
-          <a:effectRef idx="0">
-            <a:schemeClr val="accent1"/>
-          </a:effectRef>
-          <a:fontRef idx="minor">
-            <a:schemeClr val="lt1"/>
-          </a:fontRef>
-        </p:style>
-        <p:txBody>
-          <a:bodyPr rtlCol="0" anchor="ctr"/>
-          <a:lstStyle/>
-          <a:p>
-            <a:pPr algn="ctr"/>
-            <a:r>
-              <a:rPr lang="ko-KR" altLang="en-US" sz="1400" smtClean="0">
-                <a:solidFill>
-                  <a:schemeClr val="tx1">
-                    <a:lumMod val="85000"/>
-                    <a:lumOff val="15000"/>
-                  </a:schemeClr>
-                </a:solidFill>
-              </a:rPr>
-              <a:t>통합</a:t>
-            </a:r>
-            <a:endParaRPr lang="ko-KR" altLang="en-US" sz="1400" dirty="0">
-              <a:solidFill>
-                <a:schemeClr val="tx1">
-                  <a:lumMod val="85000"/>
-                  <a:lumOff val="15000"/>
-                </a:schemeClr>
-              </a:solidFill>
-            </a:endParaRPr>
-          </a:p>
-        </p:txBody>
-      </p:sp>
-      <p:sp>
-        <p:nvSpPr>
-          <p:cNvPr id="24" name="직사각형 23"/>
-          <p:cNvSpPr/>
-          <p:nvPr/>
-        </p:nvSpPr>
-        <p:spPr>
-          <a:xfrm>
-            <a:off x="780629" y="6296530"/>
-            <a:ext cx="6431829" cy="258617"/>
-          </a:xfrm>
-          <a:prstGeom prst="rect">
-            <a:avLst/>
-          </a:prstGeom>
-          <a:solidFill>
-            <a:srgbClr val="C00000">
-              <a:alpha val="34000"/>
-            </a:srgbClr>
-          </a:solidFill>
-          <a:ln>
-            <a:noFill/>
-          </a:ln>
-        </p:spPr>
-        <p:style>
-          <a:lnRef idx="2">
-            <a:schemeClr val="accent1">
-              <a:shade val="50000"/>
-            </a:schemeClr>
-          </a:lnRef>
-          <a:fillRef idx="1">
-            <a:schemeClr val="accent1"/>
-          </a:fillRef>
-          <a:effectRef idx="0">
-            <a:schemeClr val="accent1"/>
-          </a:effectRef>
-          <a:fontRef idx="minor">
-            <a:schemeClr val="lt1"/>
-          </a:fontRef>
-        </p:style>
-        <p:txBody>
-          <a:bodyPr rtlCol="0" anchor="ctr"/>
-          <a:lstStyle/>
-          <a:p>
-            <a:pPr algn="ctr"/>
-            <a:r>
-              <a:rPr lang="ko-KR" altLang="en-US" sz="1400" dirty="0" smtClean="0">
-                <a:solidFill>
-                  <a:schemeClr val="tx1">
-                    <a:lumMod val="85000"/>
-                    <a:lumOff val="15000"/>
-                  </a:schemeClr>
-                </a:solidFill>
-              </a:rPr>
-              <a:t>배포</a:t>
-            </a:r>
-            <a:endParaRPr lang="ko-KR" altLang="en-US" sz="1400" dirty="0">
-              <a:solidFill>
-                <a:schemeClr val="tx1">
-                  <a:lumMod val="85000"/>
-                  <a:lumOff val="15000"/>
-                </a:schemeClr>
-              </a:solidFill>
-            </a:endParaRPr>
-          </a:p>
-        </p:txBody>
-      </p:sp>
-      <p:sp>
-        <p:nvSpPr>
-          <p:cNvPr id="26" name="오른쪽 화살표 25"/>
-          <p:cNvSpPr/>
-          <p:nvPr/>
-        </p:nvSpPr>
-        <p:spPr>
-          <a:xfrm>
-            <a:off x="657262" y="1581377"/>
-            <a:ext cx="2568539" cy="1500027"/>
-          </a:xfrm>
-          <a:prstGeom prst="rightArrow">
-            <a:avLst/>
-          </a:prstGeom>
-        </p:spPr>
-        <p:style>
-          <a:lnRef idx="2">
-            <a:schemeClr val="accent3">
-              <a:shade val="50000"/>
-            </a:schemeClr>
-          </a:lnRef>
-          <a:fillRef idx="1">
-            <a:schemeClr val="accent3"/>
-          </a:fillRef>
-          <a:effectRef idx="0">
-            <a:schemeClr val="accent3"/>
-          </a:effectRef>
-          <a:fontRef idx="minor">
-            <a:schemeClr val="lt1"/>
-          </a:fontRef>
-        </p:style>
-        <p:txBody>
-          <a:bodyPr rtlCol="0" anchor="ctr"/>
-          <a:lstStyle/>
-          <a:p>
-            <a:pPr algn="ctr"/>
-            <a:r>
-              <a:rPr lang="ko-KR" altLang="en-US" dirty="0" smtClean="0"/>
-              <a:t>업데이트 필요</a:t>
-            </a:r>
-            <a:endParaRPr lang="ko-KR" altLang="en-US" dirty="0"/>
-          </a:p>
-        </p:txBody>
-      </p:sp>
     </p:spTree>
     <p:extLst>
       <p:ext uri="{BB962C8B-B14F-4D97-AF65-F5344CB8AC3E}">
@@ -20109,7 +23989,7 @@
           <p:cNvPr id="11" name="표 10">
             <a:extLst>
               <a:ext uri="{FF2B5EF4-FFF2-40B4-BE49-F238E27FC236}">
-                <a16:creationId xmlns="" xmlns:a16="http://schemas.microsoft.com/office/drawing/2014/main" id="{B8B76B82-8A4D-F387-2E90-E841956D0E24}"/>
+                <a16:creationId xmlns:a16="http://schemas.microsoft.com/office/drawing/2014/main" xmlns="" id="{B8B76B82-8A4D-F387-2E90-E841956D0E24}"/>
               </a:ext>
             </a:extLst>
           </p:cNvPr>
@@ -20138,35 +24018,35 @@
                 <a:gridCol w="2181175">
                   <a:extLst>
                     <a:ext uri="{9D8B030D-6E8A-4147-A177-3AD203B41FA5}">
-                      <a16:colId xmlns="" xmlns:a16="http://schemas.microsoft.com/office/drawing/2014/main" val="529196770"/>
+                      <a16:colId xmlns:a16="http://schemas.microsoft.com/office/drawing/2014/main" xmlns="" val="529196770"/>
                     </a:ext>
                   </a:extLst>
                 </a:gridCol>
                 <a:gridCol w="2181175">
                   <a:extLst>
                     <a:ext uri="{9D8B030D-6E8A-4147-A177-3AD203B41FA5}">
-                      <a16:colId xmlns="" xmlns:a16="http://schemas.microsoft.com/office/drawing/2014/main" val="120635450"/>
+                      <a16:colId xmlns:a16="http://schemas.microsoft.com/office/drawing/2014/main" xmlns="" val="120635450"/>
                     </a:ext>
                   </a:extLst>
                 </a:gridCol>
                 <a:gridCol w="2181175">
                   <a:extLst>
                     <a:ext uri="{9D8B030D-6E8A-4147-A177-3AD203B41FA5}">
-                      <a16:colId xmlns="" xmlns:a16="http://schemas.microsoft.com/office/drawing/2014/main" val="1685277408"/>
+                      <a16:colId xmlns:a16="http://schemas.microsoft.com/office/drawing/2014/main" xmlns="" val="1685277408"/>
                     </a:ext>
                   </a:extLst>
                 </a:gridCol>
                 <a:gridCol w="2181175">
                   <a:extLst>
                     <a:ext uri="{9D8B030D-6E8A-4147-A177-3AD203B41FA5}">
-                      <a16:colId xmlns="" xmlns:a16="http://schemas.microsoft.com/office/drawing/2014/main" val="1147348704"/>
+                      <a16:colId xmlns:a16="http://schemas.microsoft.com/office/drawing/2014/main" xmlns="" val="1147348704"/>
                     </a:ext>
                   </a:extLst>
                 </a:gridCol>
                 <a:gridCol w="2181175">
                   <a:extLst>
                     <a:ext uri="{9D8B030D-6E8A-4147-A177-3AD203B41FA5}">
-                      <a16:colId xmlns="" xmlns:a16="http://schemas.microsoft.com/office/drawing/2014/main" val="3799717654"/>
+                      <a16:colId xmlns:a16="http://schemas.microsoft.com/office/drawing/2014/main" xmlns="" val="3799717654"/>
                     </a:ext>
                   </a:extLst>
                 </a:gridCol>
@@ -20285,7 +24165,7 @@
                 </a:tc>
                 <a:extLst>
                   <a:ext uri="{0D108BD9-81ED-4DB2-BD59-A6C34878D82A}">
-                    <a16:rowId xmlns="" xmlns:a16="http://schemas.microsoft.com/office/drawing/2014/main" val="1912662179"/>
+                    <a16:rowId xmlns:a16="http://schemas.microsoft.com/office/drawing/2014/main" xmlns="" val="1912662179"/>
                   </a:ext>
                 </a:extLst>
               </a:tr>
@@ -20715,7 +24595,7 @@
                 </a:tc>
                 <a:extLst>
                   <a:ext uri="{0D108BD9-81ED-4DB2-BD59-A6C34878D82A}">
-                    <a16:rowId xmlns="" xmlns:a16="http://schemas.microsoft.com/office/drawing/2014/main" val="1874680937"/>
+                    <a16:rowId xmlns:a16="http://schemas.microsoft.com/office/drawing/2014/main" xmlns="" val="1874680937"/>
                   </a:ext>
                 </a:extLst>
               </a:tr>
@@ -20945,7 +24825,7 @@
                 </a:tc>
                 <a:extLst>
                   <a:ext uri="{0D108BD9-81ED-4DB2-BD59-A6C34878D82A}">
-                    <a16:rowId xmlns="" xmlns:a16="http://schemas.microsoft.com/office/drawing/2014/main" val="2420403979"/>
+                    <a16:rowId xmlns:a16="http://schemas.microsoft.com/office/drawing/2014/main" xmlns="" val="2420403979"/>
                   </a:ext>
                 </a:extLst>
               </a:tr>
@@ -21393,7 +25273,7 @@
                 </a:tc>
                 <a:extLst>
                   <a:ext uri="{0D108BD9-81ED-4DB2-BD59-A6C34878D82A}">
-                    <a16:rowId xmlns="" xmlns:a16="http://schemas.microsoft.com/office/drawing/2014/main" val="3001214840"/>
+                    <a16:rowId xmlns:a16="http://schemas.microsoft.com/office/drawing/2014/main" xmlns="" val="3001214840"/>
                   </a:ext>
                 </a:extLst>
               </a:tr>

--- a/Doc/최종발표/초안.pptx
+++ b/Doc/최종발표/초안.pptx
@@ -164,7 +164,7 @@
           <p:cNvPr id="2" name="제목 1">
             <a:extLst>
               <a:ext uri="{FF2B5EF4-FFF2-40B4-BE49-F238E27FC236}">
-                <a16:creationId xmlns:a16="http://schemas.microsoft.com/office/drawing/2014/main" xmlns="" id="{DE189C44-CACA-3D80-6904-E7347427BB9C}"/>
+                <a16:creationId xmlns="" xmlns:a16="http://schemas.microsoft.com/office/drawing/2014/main" id="{DE189C44-CACA-3D80-6904-E7347427BB9C}"/>
               </a:ext>
             </a:extLst>
           </p:cNvPr>
@@ -201,7 +201,7 @@
           <p:cNvPr id="3" name="부제목 2">
             <a:extLst>
               <a:ext uri="{FF2B5EF4-FFF2-40B4-BE49-F238E27FC236}">
-                <a16:creationId xmlns:a16="http://schemas.microsoft.com/office/drawing/2014/main" xmlns="" id="{1987E59B-5FA3-6B67-68BA-AFFA4328B884}"/>
+                <a16:creationId xmlns="" xmlns:a16="http://schemas.microsoft.com/office/drawing/2014/main" id="{1987E59B-5FA3-6B67-68BA-AFFA4328B884}"/>
               </a:ext>
             </a:extLst>
           </p:cNvPr>
@@ -271,7 +271,7 @@
           <p:cNvPr id="4" name="날짜 개체 틀 3">
             <a:extLst>
               <a:ext uri="{FF2B5EF4-FFF2-40B4-BE49-F238E27FC236}">
-                <a16:creationId xmlns:a16="http://schemas.microsoft.com/office/drawing/2014/main" xmlns="" id="{0EDB1383-ABDD-D778-2558-8BE20A8D561F}"/>
+                <a16:creationId xmlns="" xmlns:a16="http://schemas.microsoft.com/office/drawing/2014/main" id="{0EDB1383-ABDD-D778-2558-8BE20A8D561F}"/>
               </a:ext>
             </a:extLst>
           </p:cNvPr>
@@ -300,7 +300,7 @@
           <p:cNvPr id="5" name="바닥글 개체 틀 4">
             <a:extLst>
               <a:ext uri="{FF2B5EF4-FFF2-40B4-BE49-F238E27FC236}">
-                <a16:creationId xmlns:a16="http://schemas.microsoft.com/office/drawing/2014/main" xmlns="" id="{A07C33F7-97DD-C131-BB5C-B7A7B785BA4D}"/>
+                <a16:creationId xmlns="" xmlns:a16="http://schemas.microsoft.com/office/drawing/2014/main" id="{A07C33F7-97DD-C131-BB5C-B7A7B785BA4D}"/>
               </a:ext>
             </a:extLst>
           </p:cNvPr>
@@ -325,7 +325,7 @@
           <p:cNvPr id="6" name="슬라이드 번호 개체 틀 5">
             <a:extLst>
               <a:ext uri="{FF2B5EF4-FFF2-40B4-BE49-F238E27FC236}">
-                <a16:creationId xmlns:a16="http://schemas.microsoft.com/office/drawing/2014/main" xmlns="" id="{EABCDDC3-566B-411C-82B4-6EAC03395D85}"/>
+                <a16:creationId xmlns="" xmlns:a16="http://schemas.microsoft.com/office/drawing/2014/main" id="{EABCDDC3-566B-411C-82B4-6EAC03395D85}"/>
               </a:ext>
             </a:extLst>
           </p:cNvPr>
@@ -384,7 +384,7 @@
           <p:cNvPr id="2" name="제목 1">
             <a:extLst>
               <a:ext uri="{FF2B5EF4-FFF2-40B4-BE49-F238E27FC236}">
-                <a16:creationId xmlns:a16="http://schemas.microsoft.com/office/drawing/2014/main" xmlns="" id="{E8F0DCDA-4866-2366-4AEB-115F375ADE9D}"/>
+                <a16:creationId xmlns="" xmlns:a16="http://schemas.microsoft.com/office/drawing/2014/main" id="{E8F0DCDA-4866-2366-4AEB-115F375ADE9D}"/>
               </a:ext>
             </a:extLst>
           </p:cNvPr>
@@ -412,7 +412,7 @@
           <p:cNvPr id="3" name="세로 텍스트 개체 틀 2">
             <a:extLst>
               <a:ext uri="{FF2B5EF4-FFF2-40B4-BE49-F238E27FC236}">
-                <a16:creationId xmlns:a16="http://schemas.microsoft.com/office/drawing/2014/main" xmlns="" id="{E31EDDED-F231-D3D9-F84B-E183D6937E57}"/>
+                <a16:creationId xmlns="" xmlns:a16="http://schemas.microsoft.com/office/drawing/2014/main" id="{E31EDDED-F231-D3D9-F84B-E183D6937E57}"/>
               </a:ext>
             </a:extLst>
           </p:cNvPr>
@@ -469,7 +469,7 @@
           <p:cNvPr id="4" name="날짜 개체 틀 3">
             <a:extLst>
               <a:ext uri="{FF2B5EF4-FFF2-40B4-BE49-F238E27FC236}">
-                <a16:creationId xmlns:a16="http://schemas.microsoft.com/office/drawing/2014/main" xmlns="" id="{E10C3A87-D57E-6DFC-A500-BF4423C90D7B}"/>
+                <a16:creationId xmlns="" xmlns:a16="http://schemas.microsoft.com/office/drawing/2014/main" id="{E10C3A87-D57E-6DFC-A500-BF4423C90D7B}"/>
               </a:ext>
             </a:extLst>
           </p:cNvPr>
@@ -498,7 +498,7 @@
           <p:cNvPr id="5" name="바닥글 개체 틀 4">
             <a:extLst>
               <a:ext uri="{FF2B5EF4-FFF2-40B4-BE49-F238E27FC236}">
-                <a16:creationId xmlns:a16="http://schemas.microsoft.com/office/drawing/2014/main" xmlns="" id="{6361917A-04B4-38F2-1BC5-384E7EF3BB05}"/>
+                <a16:creationId xmlns="" xmlns:a16="http://schemas.microsoft.com/office/drawing/2014/main" id="{6361917A-04B4-38F2-1BC5-384E7EF3BB05}"/>
               </a:ext>
             </a:extLst>
           </p:cNvPr>
@@ -523,7 +523,7 @@
           <p:cNvPr id="6" name="슬라이드 번호 개체 틀 5">
             <a:extLst>
               <a:ext uri="{FF2B5EF4-FFF2-40B4-BE49-F238E27FC236}">
-                <a16:creationId xmlns:a16="http://schemas.microsoft.com/office/drawing/2014/main" xmlns="" id="{CA121516-B57E-D5FF-C134-FF2893061093}"/>
+                <a16:creationId xmlns="" xmlns:a16="http://schemas.microsoft.com/office/drawing/2014/main" id="{CA121516-B57E-D5FF-C134-FF2893061093}"/>
               </a:ext>
             </a:extLst>
           </p:cNvPr>
@@ -582,7 +582,7 @@
           <p:cNvPr id="2" name="세로 제목 1">
             <a:extLst>
               <a:ext uri="{FF2B5EF4-FFF2-40B4-BE49-F238E27FC236}">
-                <a16:creationId xmlns:a16="http://schemas.microsoft.com/office/drawing/2014/main" xmlns="" id="{0D9BFE26-BC3D-05F4-E78A-A8A81A01C8BB}"/>
+                <a16:creationId xmlns="" xmlns:a16="http://schemas.microsoft.com/office/drawing/2014/main" id="{0D9BFE26-BC3D-05F4-E78A-A8A81A01C8BB}"/>
               </a:ext>
             </a:extLst>
           </p:cNvPr>
@@ -615,7 +615,7 @@
           <p:cNvPr id="3" name="세로 텍스트 개체 틀 2">
             <a:extLst>
               <a:ext uri="{FF2B5EF4-FFF2-40B4-BE49-F238E27FC236}">
-                <a16:creationId xmlns:a16="http://schemas.microsoft.com/office/drawing/2014/main" xmlns="" id="{5F9AEEE7-7430-246B-467C-03C0630DBA0D}"/>
+                <a16:creationId xmlns="" xmlns:a16="http://schemas.microsoft.com/office/drawing/2014/main" id="{5F9AEEE7-7430-246B-467C-03C0630DBA0D}"/>
               </a:ext>
             </a:extLst>
           </p:cNvPr>
@@ -677,7 +677,7 @@
           <p:cNvPr id="4" name="날짜 개체 틀 3">
             <a:extLst>
               <a:ext uri="{FF2B5EF4-FFF2-40B4-BE49-F238E27FC236}">
-                <a16:creationId xmlns:a16="http://schemas.microsoft.com/office/drawing/2014/main" xmlns="" id="{B5707FC3-C1CA-FCF1-EE4D-0CA0412BC033}"/>
+                <a16:creationId xmlns="" xmlns:a16="http://schemas.microsoft.com/office/drawing/2014/main" id="{B5707FC3-C1CA-FCF1-EE4D-0CA0412BC033}"/>
               </a:ext>
             </a:extLst>
           </p:cNvPr>
@@ -706,7 +706,7 @@
           <p:cNvPr id="5" name="바닥글 개체 틀 4">
             <a:extLst>
               <a:ext uri="{FF2B5EF4-FFF2-40B4-BE49-F238E27FC236}">
-                <a16:creationId xmlns:a16="http://schemas.microsoft.com/office/drawing/2014/main" xmlns="" id="{AD858E4A-52C1-1FE4-59EB-593DC0C31D56}"/>
+                <a16:creationId xmlns="" xmlns:a16="http://schemas.microsoft.com/office/drawing/2014/main" id="{AD858E4A-52C1-1FE4-59EB-593DC0C31D56}"/>
               </a:ext>
             </a:extLst>
           </p:cNvPr>
@@ -731,7 +731,7 @@
           <p:cNvPr id="6" name="슬라이드 번호 개체 틀 5">
             <a:extLst>
               <a:ext uri="{FF2B5EF4-FFF2-40B4-BE49-F238E27FC236}">
-                <a16:creationId xmlns:a16="http://schemas.microsoft.com/office/drawing/2014/main" xmlns="" id="{64CBEAD5-56B0-6AD5-9753-06AC646FF00D}"/>
+                <a16:creationId xmlns="" xmlns:a16="http://schemas.microsoft.com/office/drawing/2014/main" id="{64CBEAD5-56B0-6AD5-9753-06AC646FF00D}"/>
               </a:ext>
             </a:extLst>
           </p:cNvPr>
@@ -790,7 +790,7 @@
           <p:cNvPr id="2" name="제목 1">
             <a:extLst>
               <a:ext uri="{FF2B5EF4-FFF2-40B4-BE49-F238E27FC236}">
-                <a16:creationId xmlns:a16="http://schemas.microsoft.com/office/drawing/2014/main" xmlns="" id="{13767168-43BA-CC4E-529E-905C771C7BCA}"/>
+                <a16:creationId xmlns="" xmlns:a16="http://schemas.microsoft.com/office/drawing/2014/main" id="{13767168-43BA-CC4E-529E-905C771C7BCA}"/>
               </a:ext>
             </a:extLst>
           </p:cNvPr>
@@ -818,7 +818,7 @@
           <p:cNvPr id="3" name="내용 개체 틀 2">
             <a:extLst>
               <a:ext uri="{FF2B5EF4-FFF2-40B4-BE49-F238E27FC236}">
-                <a16:creationId xmlns:a16="http://schemas.microsoft.com/office/drawing/2014/main" xmlns="" id="{8452392A-FBD5-A0FF-30D5-FD1A56B0FF2B}"/>
+                <a16:creationId xmlns="" xmlns:a16="http://schemas.microsoft.com/office/drawing/2014/main" id="{8452392A-FBD5-A0FF-30D5-FD1A56B0FF2B}"/>
               </a:ext>
             </a:extLst>
           </p:cNvPr>
@@ -875,7 +875,7 @@
           <p:cNvPr id="4" name="날짜 개체 틀 3">
             <a:extLst>
               <a:ext uri="{FF2B5EF4-FFF2-40B4-BE49-F238E27FC236}">
-                <a16:creationId xmlns:a16="http://schemas.microsoft.com/office/drawing/2014/main" xmlns="" id="{EE577586-B346-F90C-FD9B-9E463221F0B3}"/>
+                <a16:creationId xmlns="" xmlns:a16="http://schemas.microsoft.com/office/drawing/2014/main" id="{EE577586-B346-F90C-FD9B-9E463221F0B3}"/>
               </a:ext>
             </a:extLst>
           </p:cNvPr>
@@ -904,7 +904,7 @@
           <p:cNvPr id="5" name="바닥글 개체 틀 4">
             <a:extLst>
               <a:ext uri="{FF2B5EF4-FFF2-40B4-BE49-F238E27FC236}">
-                <a16:creationId xmlns:a16="http://schemas.microsoft.com/office/drawing/2014/main" xmlns="" id="{B3F79E16-BB57-2C73-E75D-0D5E2939D48D}"/>
+                <a16:creationId xmlns="" xmlns:a16="http://schemas.microsoft.com/office/drawing/2014/main" id="{B3F79E16-BB57-2C73-E75D-0D5E2939D48D}"/>
               </a:ext>
             </a:extLst>
           </p:cNvPr>
@@ -929,7 +929,7 @@
           <p:cNvPr id="6" name="슬라이드 번호 개체 틀 5">
             <a:extLst>
               <a:ext uri="{FF2B5EF4-FFF2-40B4-BE49-F238E27FC236}">
-                <a16:creationId xmlns:a16="http://schemas.microsoft.com/office/drawing/2014/main" xmlns="" id="{A7B1BDA6-9700-F1E4-837E-99FFF3C87E01}"/>
+                <a16:creationId xmlns="" xmlns:a16="http://schemas.microsoft.com/office/drawing/2014/main" id="{A7B1BDA6-9700-F1E4-837E-99FFF3C87E01}"/>
               </a:ext>
             </a:extLst>
           </p:cNvPr>
@@ -995,7 +995,7 @@
           <p:cNvPr id="2" name="제목 1">
             <a:extLst>
               <a:ext uri="{FF2B5EF4-FFF2-40B4-BE49-F238E27FC236}">
-                <a16:creationId xmlns:a16="http://schemas.microsoft.com/office/drawing/2014/main" xmlns="" id="{12EE473D-E992-F81B-0814-D1C7117CCDF7}"/>
+                <a16:creationId xmlns="" xmlns:a16="http://schemas.microsoft.com/office/drawing/2014/main" id="{12EE473D-E992-F81B-0814-D1C7117CCDF7}"/>
               </a:ext>
             </a:extLst>
           </p:cNvPr>
@@ -1032,7 +1032,7 @@
           <p:cNvPr id="3" name="텍스트 개체 틀 2">
             <a:extLst>
               <a:ext uri="{FF2B5EF4-FFF2-40B4-BE49-F238E27FC236}">
-                <a16:creationId xmlns:a16="http://schemas.microsoft.com/office/drawing/2014/main" xmlns="" id="{CF430EBB-08FF-3442-5DE3-7BC02CD90049}"/>
+                <a16:creationId xmlns="" xmlns:a16="http://schemas.microsoft.com/office/drawing/2014/main" id="{CF430EBB-08FF-3442-5DE3-7BC02CD90049}"/>
               </a:ext>
             </a:extLst>
           </p:cNvPr>
@@ -1157,7 +1157,7 @@
           <p:cNvPr id="4" name="날짜 개체 틀 3">
             <a:extLst>
               <a:ext uri="{FF2B5EF4-FFF2-40B4-BE49-F238E27FC236}">
-                <a16:creationId xmlns:a16="http://schemas.microsoft.com/office/drawing/2014/main" xmlns="" id="{3184FAB3-CC15-F1FF-C1A7-EC5E3FB852FE}"/>
+                <a16:creationId xmlns="" xmlns:a16="http://schemas.microsoft.com/office/drawing/2014/main" id="{3184FAB3-CC15-F1FF-C1A7-EC5E3FB852FE}"/>
               </a:ext>
             </a:extLst>
           </p:cNvPr>
@@ -1186,7 +1186,7 @@
           <p:cNvPr id="5" name="바닥글 개체 틀 4">
             <a:extLst>
               <a:ext uri="{FF2B5EF4-FFF2-40B4-BE49-F238E27FC236}">
-                <a16:creationId xmlns:a16="http://schemas.microsoft.com/office/drawing/2014/main" xmlns="" id="{C130F852-E00D-4FFC-50B0-8609F821B048}"/>
+                <a16:creationId xmlns="" xmlns:a16="http://schemas.microsoft.com/office/drawing/2014/main" id="{C130F852-E00D-4FFC-50B0-8609F821B048}"/>
               </a:ext>
             </a:extLst>
           </p:cNvPr>
@@ -1211,7 +1211,7 @@
           <p:cNvPr id="6" name="슬라이드 번호 개체 틀 5">
             <a:extLst>
               <a:ext uri="{FF2B5EF4-FFF2-40B4-BE49-F238E27FC236}">
-                <a16:creationId xmlns:a16="http://schemas.microsoft.com/office/drawing/2014/main" xmlns="" id="{B34D0A74-DB8F-3CBB-937A-EBA2573015C1}"/>
+                <a16:creationId xmlns="" xmlns:a16="http://schemas.microsoft.com/office/drawing/2014/main" id="{B34D0A74-DB8F-3CBB-937A-EBA2573015C1}"/>
               </a:ext>
             </a:extLst>
           </p:cNvPr>
@@ -1270,7 +1270,7 @@
           <p:cNvPr id="2" name="제목 1">
             <a:extLst>
               <a:ext uri="{FF2B5EF4-FFF2-40B4-BE49-F238E27FC236}">
-                <a16:creationId xmlns:a16="http://schemas.microsoft.com/office/drawing/2014/main" xmlns="" id="{06554B81-791F-82BC-4861-13194872DDD5}"/>
+                <a16:creationId xmlns="" xmlns:a16="http://schemas.microsoft.com/office/drawing/2014/main" id="{06554B81-791F-82BC-4861-13194872DDD5}"/>
               </a:ext>
             </a:extLst>
           </p:cNvPr>
@@ -1298,7 +1298,7 @@
           <p:cNvPr id="3" name="내용 개체 틀 2">
             <a:extLst>
               <a:ext uri="{FF2B5EF4-FFF2-40B4-BE49-F238E27FC236}">
-                <a16:creationId xmlns:a16="http://schemas.microsoft.com/office/drawing/2014/main" xmlns="" id="{9DDE2326-5B1B-E9CC-40F3-D429BACCCC45}"/>
+                <a16:creationId xmlns="" xmlns:a16="http://schemas.microsoft.com/office/drawing/2014/main" id="{9DDE2326-5B1B-E9CC-40F3-D429BACCCC45}"/>
               </a:ext>
             </a:extLst>
           </p:cNvPr>
@@ -1360,7 +1360,7 @@
           <p:cNvPr id="4" name="내용 개체 틀 3">
             <a:extLst>
               <a:ext uri="{FF2B5EF4-FFF2-40B4-BE49-F238E27FC236}">
-                <a16:creationId xmlns:a16="http://schemas.microsoft.com/office/drawing/2014/main" xmlns="" id="{F2435FDA-0198-A8EF-E176-5B8390D45B0E}"/>
+                <a16:creationId xmlns="" xmlns:a16="http://schemas.microsoft.com/office/drawing/2014/main" id="{F2435FDA-0198-A8EF-E176-5B8390D45B0E}"/>
               </a:ext>
             </a:extLst>
           </p:cNvPr>
@@ -1422,7 +1422,7 @@
           <p:cNvPr id="5" name="날짜 개체 틀 4">
             <a:extLst>
               <a:ext uri="{FF2B5EF4-FFF2-40B4-BE49-F238E27FC236}">
-                <a16:creationId xmlns:a16="http://schemas.microsoft.com/office/drawing/2014/main" xmlns="" id="{03D047C5-C662-2C52-70DF-BDD464875459}"/>
+                <a16:creationId xmlns="" xmlns:a16="http://schemas.microsoft.com/office/drawing/2014/main" id="{03D047C5-C662-2C52-70DF-BDD464875459}"/>
               </a:ext>
             </a:extLst>
           </p:cNvPr>
@@ -1451,7 +1451,7 @@
           <p:cNvPr id="6" name="바닥글 개체 틀 5">
             <a:extLst>
               <a:ext uri="{FF2B5EF4-FFF2-40B4-BE49-F238E27FC236}">
-                <a16:creationId xmlns:a16="http://schemas.microsoft.com/office/drawing/2014/main" xmlns="" id="{99999B55-BB73-F80A-708A-A1E969A5E591}"/>
+                <a16:creationId xmlns="" xmlns:a16="http://schemas.microsoft.com/office/drawing/2014/main" id="{99999B55-BB73-F80A-708A-A1E969A5E591}"/>
               </a:ext>
             </a:extLst>
           </p:cNvPr>
@@ -1476,7 +1476,7 @@
           <p:cNvPr id="7" name="슬라이드 번호 개체 틀 6">
             <a:extLst>
               <a:ext uri="{FF2B5EF4-FFF2-40B4-BE49-F238E27FC236}">
-                <a16:creationId xmlns:a16="http://schemas.microsoft.com/office/drawing/2014/main" xmlns="" id="{AE5B462C-25B6-6710-F326-884ECBD3BF05}"/>
+                <a16:creationId xmlns="" xmlns:a16="http://schemas.microsoft.com/office/drawing/2014/main" id="{AE5B462C-25B6-6710-F326-884ECBD3BF05}"/>
               </a:ext>
             </a:extLst>
           </p:cNvPr>
@@ -1535,7 +1535,7 @@
           <p:cNvPr id="2" name="제목 1">
             <a:extLst>
               <a:ext uri="{FF2B5EF4-FFF2-40B4-BE49-F238E27FC236}">
-                <a16:creationId xmlns:a16="http://schemas.microsoft.com/office/drawing/2014/main" xmlns="" id="{5FB5F2D9-DD21-88D7-01D5-83ED6E83C62F}"/>
+                <a16:creationId xmlns="" xmlns:a16="http://schemas.microsoft.com/office/drawing/2014/main" id="{5FB5F2D9-DD21-88D7-01D5-83ED6E83C62F}"/>
               </a:ext>
             </a:extLst>
           </p:cNvPr>
@@ -1568,7 +1568,7 @@
           <p:cNvPr id="3" name="텍스트 개체 틀 2">
             <a:extLst>
               <a:ext uri="{FF2B5EF4-FFF2-40B4-BE49-F238E27FC236}">
-                <a16:creationId xmlns:a16="http://schemas.microsoft.com/office/drawing/2014/main" xmlns="" id="{E4F215B7-ECA4-B0FE-4CFC-1F48458F7332}"/>
+                <a16:creationId xmlns="" xmlns:a16="http://schemas.microsoft.com/office/drawing/2014/main" id="{E4F215B7-ECA4-B0FE-4CFC-1F48458F7332}"/>
               </a:ext>
             </a:extLst>
           </p:cNvPr>
@@ -1639,7 +1639,7 @@
           <p:cNvPr id="4" name="내용 개체 틀 3">
             <a:extLst>
               <a:ext uri="{FF2B5EF4-FFF2-40B4-BE49-F238E27FC236}">
-                <a16:creationId xmlns:a16="http://schemas.microsoft.com/office/drawing/2014/main" xmlns="" id="{6A027223-F66D-3079-D670-93DAFA6FBF0E}"/>
+                <a16:creationId xmlns="" xmlns:a16="http://schemas.microsoft.com/office/drawing/2014/main" id="{6A027223-F66D-3079-D670-93DAFA6FBF0E}"/>
               </a:ext>
             </a:extLst>
           </p:cNvPr>
@@ -1701,7 +1701,7 @@
           <p:cNvPr id="5" name="텍스트 개체 틀 4">
             <a:extLst>
               <a:ext uri="{FF2B5EF4-FFF2-40B4-BE49-F238E27FC236}">
-                <a16:creationId xmlns:a16="http://schemas.microsoft.com/office/drawing/2014/main" xmlns="" id="{CB319D2B-B577-6D42-FD0A-8C9991C5A888}"/>
+                <a16:creationId xmlns="" xmlns:a16="http://schemas.microsoft.com/office/drawing/2014/main" id="{CB319D2B-B577-6D42-FD0A-8C9991C5A888}"/>
               </a:ext>
             </a:extLst>
           </p:cNvPr>
@@ -1772,7 +1772,7 @@
           <p:cNvPr id="6" name="내용 개체 틀 5">
             <a:extLst>
               <a:ext uri="{FF2B5EF4-FFF2-40B4-BE49-F238E27FC236}">
-                <a16:creationId xmlns:a16="http://schemas.microsoft.com/office/drawing/2014/main" xmlns="" id="{8931CC39-59D4-CC65-B0DD-6F643A4D7CD8}"/>
+                <a16:creationId xmlns="" xmlns:a16="http://schemas.microsoft.com/office/drawing/2014/main" id="{8931CC39-59D4-CC65-B0DD-6F643A4D7CD8}"/>
               </a:ext>
             </a:extLst>
           </p:cNvPr>
@@ -1834,7 +1834,7 @@
           <p:cNvPr id="7" name="날짜 개체 틀 6">
             <a:extLst>
               <a:ext uri="{FF2B5EF4-FFF2-40B4-BE49-F238E27FC236}">
-                <a16:creationId xmlns:a16="http://schemas.microsoft.com/office/drawing/2014/main" xmlns="" id="{645F053A-AE59-55C5-1B46-CDF2C29CD9B9}"/>
+                <a16:creationId xmlns="" xmlns:a16="http://schemas.microsoft.com/office/drawing/2014/main" id="{645F053A-AE59-55C5-1B46-CDF2C29CD9B9}"/>
               </a:ext>
             </a:extLst>
           </p:cNvPr>
@@ -1863,7 +1863,7 @@
           <p:cNvPr id="8" name="바닥글 개체 틀 7">
             <a:extLst>
               <a:ext uri="{FF2B5EF4-FFF2-40B4-BE49-F238E27FC236}">
-                <a16:creationId xmlns:a16="http://schemas.microsoft.com/office/drawing/2014/main" xmlns="" id="{8CCBD85C-6F22-398B-A275-D6208CBB67BC}"/>
+                <a16:creationId xmlns="" xmlns:a16="http://schemas.microsoft.com/office/drawing/2014/main" id="{8CCBD85C-6F22-398B-A275-D6208CBB67BC}"/>
               </a:ext>
             </a:extLst>
           </p:cNvPr>
@@ -1888,7 +1888,7 @@
           <p:cNvPr id="9" name="슬라이드 번호 개체 틀 8">
             <a:extLst>
               <a:ext uri="{FF2B5EF4-FFF2-40B4-BE49-F238E27FC236}">
-                <a16:creationId xmlns:a16="http://schemas.microsoft.com/office/drawing/2014/main" xmlns="" id="{D1D9D5B2-4593-7F19-6913-68831AC54D3B}"/>
+                <a16:creationId xmlns="" xmlns:a16="http://schemas.microsoft.com/office/drawing/2014/main" id="{D1D9D5B2-4593-7F19-6913-68831AC54D3B}"/>
               </a:ext>
             </a:extLst>
           </p:cNvPr>
@@ -1947,7 +1947,7 @@
           <p:cNvPr id="2" name="제목 1">
             <a:extLst>
               <a:ext uri="{FF2B5EF4-FFF2-40B4-BE49-F238E27FC236}">
-                <a16:creationId xmlns:a16="http://schemas.microsoft.com/office/drawing/2014/main" xmlns="" id="{9071CE86-1864-2B49-A2A7-53BB5392872E}"/>
+                <a16:creationId xmlns="" xmlns:a16="http://schemas.microsoft.com/office/drawing/2014/main" id="{9071CE86-1864-2B49-A2A7-53BB5392872E}"/>
               </a:ext>
             </a:extLst>
           </p:cNvPr>
@@ -1975,7 +1975,7 @@
           <p:cNvPr id="3" name="날짜 개체 틀 2">
             <a:extLst>
               <a:ext uri="{FF2B5EF4-FFF2-40B4-BE49-F238E27FC236}">
-                <a16:creationId xmlns:a16="http://schemas.microsoft.com/office/drawing/2014/main" xmlns="" id="{C52CA2B1-E288-A7B1-8EBA-2610044C93C4}"/>
+                <a16:creationId xmlns="" xmlns:a16="http://schemas.microsoft.com/office/drawing/2014/main" id="{C52CA2B1-E288-A7B1-8EBA-2610044C93C4}"/>
               </a:ext>
             </a:extLst>
           </p:cNvPr>
@@ -2004,7 +2004,7 @@
           <p:cNvPr id="4" name="바닥글 개체 틀 3">
             <a:extLst>
               <a:ext uri="{FF2B5EF4-FFF2-40B4-BE49-F238E27FC236}">
-                <a16:creationId xmlns:a16="http://schemas.microsoft.com/office/drawing/2014/main" xmlns="" id="{7C3BA640-DF24-43DE-1D87-52D08C868846}"/>
+                <a16:creationId xmlns="" xmlns:a16="http://schemas.microsoft.com/office/drawing/2014/main" id="{7C3BA640-DF24-43DE-1D87-52D08C868846}"/>
               </a:ext>
             </a:extLst>
           </p:cNvPr>
@@ -2029,7 +2029,7 @@
           <p:cNvPr id="5" name="슬라이드 번호 개체 틀 4">
             <a:extLst>
               <a:ext uri="{FF2B5EF4-FFF2-40B4-BE49-F238E27FC236}">
-                <a16:creationId xmlns:a16="http://schemas.microsoft.com/office/drawing/2014/main" xmlns="" id="{364628BB-7B76-8B84-B602-657AA975B08E}"/>
+                <a16:creationId xmlns="" xmlns:a16="http://schemas.microsoft.com/office/drawing/2014/main" id="{364628BB-7B76-8B84-B602-657AA975B08E}"/>
               </a:ext>
             </a:extLst>
           </p:cNvPr>
@@ -2088,7 +2088,7 @@
           <p:cNvPr id="2" name="날짜 개체 틀 1">
             <a:extLst>
               <a:ext uri="{FF2B5EF4-FFF2-40B4-BE49-F238E27FC236}">
-                <a16:creationId xmlns:a16="http://schemas.microsoft.com/office/drawing/2014/main" xmlns="" id="{4E0ADBB5-51F6-9745-4AF3-AEA43E2DD040}"/>
+                <a16:creationId xmlns="" xmlns:a16="http://schemas.microsoft.com/office/drawing/2014/main" id="{4E0ADBB5-51F6-9745-4AF3-AEA43E2DD040}"/>
               </a:ext>
             </a:extLst>
           </p:cNvPr>
@@ -2117,7 +2117,7 @@
           <p:cNvPr id="3" name="바닥글 개체 틀 2">
             <a:extLst>
               <a:ext uri="{FF2B5EF4-FFF2-40B4-BE49-F238E27FC236}">
-                <a16:creationId xmlns:a16="http://schemas.microsoft.com/office/drawing/2014/main" xmlns="" id="{46689A21-5EA5-5A9C-A2D9-281D3662013E}"/>
+                <a16:creationId xmlns="" xmlns:a16="http://schemas.microsoft.com/office/drawing/2014/main" id="{46689A21-5EA5-5A9C-A2D9-281D3662013E}"/>
               </a:ext>
             </a:extLst>
           </p:cNvPr>
@@ -2142,7 +2142,7 @@
           <p:cNvPr id="4" name="슬라이드 번호 개체 틀 3">
             <a:extLst>
               <a:ext uri="{FF2B5EF4-FFF2-40B4-BE49-F238E27FC236}">
-                <a16:creationId xmlns:a16="http://schemas.microsoft.com/office/drawing/2014/main" xmlns="" id="{D36E2501-7577-40AE-9834-391D38CF8F84}"/>
+                <a16:creationId xmlns="" xmlns:a16="http://schemas.microsoft.com/office/drawing/2014/main" id="{D36E2501-7577-40AE-9834-391D38CF8F84}"/>
               </a:ext>
             </a:extLst>
           </p:cNvPr>
@@ -2201,7 +2201,7 @@
           <p:cNvPr id="2" name="제목 1">
             <a:extLst>
               <a:ext uri="{FF2B5EF4-FFF2-40B4-BE49-F238E27FC236}">
-                <a16:creationId xmlns:a16="http://schemas.microsoft.com/office/drawing/2014/main" xmlns="" id="{25496A6D-137D-F687-DEEC-C090D86DB888}"/>
+                <a16:creationId xmlns="" xmlns:a16="http://schemas.microsoft.com/office/drawing/2014/main" id="{25496A6D-137D-F687-DEEC-C090D86DB888}"/>
               </a:ext>
             </a:extLst>
           </p:cNvPr>
@@ -2238,7 +2238,7 @@
           <p:cNvPr id="3" name="내용 개체 틀 2">
             <a:extLst>
               <a:ext uri="{FF2B5EF4-FFF2-40B4-BE49-F238E27FC236}">
-                <a16:creationId xmlns:a16="http://schemas.microsoft.com/office/drawing/2014/main" xmlns="" id="{3FD0D4E3-E228-768B-F457-5ADF0ABF801E}"/>
+                <a16:creationId xmlns="" xmlns:a16="http://schemas.microsoft.com/office/drawing/2014/main" id="{3FD0D4E3-E228-768B-F457-5ADF0ABF801E}"/>
               </a:ext>
             </a:extLst>
           </p:cNvPr>
@@ -2328,7 +2328,7 @@
           <p:cNvPr id="4" name="텍스트 개체 틀 3">
             <a:extLst>
               <a:ext uri="{FF2B5EF4-FFF2-40B4-BE49-F238E27FC236}">
-                <a16:creationId xmlns:a16="http://schemas.microsoft.com/office/drawing/2014/main" xmlns="" id="{2ABF6550-25CC-4BC4-FF1E-A0EC04FF027C}"/>
+                <a16:creationId xmlns="" xmlns:a16="http://schemas.microsoft.com/office/drawing/2014/main" id="{2ABF6550-25CC-4BC4-FF1E-A0EC04FF027C}"/>
               </a:ext>
             </a:extLst>
           </p:cNvPr>
@@ -2399,7 +2399,7 @@
           <p:cNvPr id="5" name="날짜 개체 틀 4">
             <a:extLst>
               <a:ext uri="{FF2B5EF4-FFF2-40B4-BE49-F238E27FC236}">
-                <a16:creationId xmlns:a16="http://schemas.microsoft.com/office/drawing/2014/main" xmlns="" id="{ED431536-F97D-9C62-83AD-1CDDAB8B4EA8}"/>
+                <a16:creationId xmlns="" xmlns:a16="http://schemas.microsoft.com/office/drawing/2014/main" id="{ED431536-F97D-9C62-83AD-1CDDAB8B4EA8}"/>
               </a:ext>
             </a:extLst>
           </p:cNvPr>
@@ -2428,7 +2428,7 @@
           <p:cNvPr id="6" name="바닥글 개체 틀 5">
             <a:extLst>
               <a:ext uri="{FF2B5EF4-FFF2-40B4-BE49-F238E27FC236}">
-                <a16:creationId xmlns:a16="http://schemas.microsoft.com/office/drawing/2014/main" xmlns="" id="{2D621DE7-B924-B15E-8CD0-BEF6377BEFED}"/>
+                <a16:creationId xmlns="" xmlns:a16="http://schemas.microsoft.com/office/drawing/2014/main" id="{2D621DE7-B924-B15E-8CD0-BEF6377BEFED}"/>
               </a:ext>
             </a:extLst>
           </p:cNvPr>
@@ -2453,7 +2453,7 @@
           <p:cNvPr id="7" name="슬라이드 번호 개체 틀 6">
             <a:extLst>
               <a:ext uri="{FF2B5EF4-FFF2-40B4-BE49-F238E27FC236}">
-                <a16:creationId xmlns:a16="http://schemas.microsoft.com/office/drawing/2014/main" xmlns="" id="{B2E53FF1-F78F-9E89-E69D-7A1374AB7E32}"/>
+                <a16:creationId xmlns="" xmlns:a16="http://schemas.microsoft.com/office/drawing/2014/main" id="{B2E53FF1-F78F-9E89-E69D-7A1374AB7E32}"/>
               </a:ext>
             </a:extLst>
           </p:cNvPr>
@@ -2512,7 +2512,7 @@
           <p:cNvPr id="2" name="제목 1">
             <a:extLst>
               <a:ext uri="{FF2B5EF4-FFF2-40B4-BE49-F238E27FC236}">
-                <a16:creationId xmlns:a16="http://schemas.microsoft.com/office/drawing/2014/main" xmlns="" id="{365D570F-7DBB-B24A-583D-4E6B2FBD3AE5}"/>
+                <a16:creationId xmlns="" xmlns:a16="http://schemas.microsoft.com/office/drawing/2014/main" id="{365D570F-7DBB-B24A-583D-4E6B2FBD3AE5}"/>
               </a:ext>
             </a:extLst>
           </p:cNvPr>
@@ -2549,7 +2549,7 @@
           <p:cNvPr id="3" name="그림 개체 틀 2">
             <a:extLst>
               <a:ext uri="{FF2B5EF4-FFF2-40B4-BE49-F238E27FC236}">
-                <a16:creationId xmlns:a16="http://schemas.microsoft.com/office/drawing/2014/main" xmlns="" id="{7B931B17-FE76-B511-E4E3-FD3960E027A6}"/>
+                <a16:creationId xmlns="" xmlns:a16="http://schemas.microsoft.com/office/drawing/2014/main" id="{7B931B17-FE76-B511-E4E3-FD3960E027A6}"/>
               </a:ext>
             </a:extLst>
           </p:cNvPr>
@@ -2616,7 +2616,7 @@
           <p:cNvPr id="4" name="텍스트 개체 틀 3">
             <a:extLst>
               <a:ext uri="{FF2B5EF4-FFF2-40B4-BE49-F238E27FC236}">
-                <a16:creationId xmlns:a16="http://schemas.microsoft.com/office/drawing/2014/main" xmlns="" id="{48CAC08F-7BCB-5E29-9EDC-5720188D64D9}"/>
+                <a16:creationId xmlns="" xmlns:a16="http://schemas.microsoft.com/office/drawing/2014/main" id="{48CAC08F-7BCB-5E29-9EDC-5720188D64D9}"/>
               </a:ext>
             </a:extLst>
           </p:cNvPr>
@@ -2687,7 +2687,7 @@
           <p:cNvPr id="5" name="날짜 개체 틀 4">
             <a:extLst>
               <a:ext uri="{FF2B5EF4-FFF2-40B4-BE49-F238E27FC236}">
-                <a16:creationId xmlns:a16="http://schemas.microsoft.com/office/drawing/2014/main" xmlns="" id="{69C48E20-C809-8E93-0A18-1F46A49CE001}"/>
+                <a16:creationId xmlns="" xmlns:a16="http://schemas.microsoft.com/office/drawing/2014/main" id="{69C48E20-C809-8E93-0A18-1F46A49CE001}"/>
               </a:ext>
             </a:extLst>
           </p:cNvPr>
@@ -2716,7 +2716,7 @@
           <p:cNvPr id="6" name="바닥글 개체 틀 5">
             <a:extLst>
               <a:ext uri="{FF2B5EF4-FFF2-40B4-BE49-F238E27FC236}">
-                <a16:creationId xmlns:a16="http://schemas.microsoft.com/office/drawing/2014/main" xmlns="" id="{2A1ABBFD-D298-E0AB-1412-1052008D9824}"/>
+                <a16:creationId xmlns="" xmlns:a16="http://schemas.microsoft.com/office/drawing/2014/main" id="{2A1ABBFD-D298-E0AB-1412-1052008D9824}"/>
               </a:ext>
             </a:extLst>
           </p:cNvPr>
@@ -2741,7 +2741,7 @@
           <p:cNvPr id="7" name="슬라이드 번호 개체 틀 6">
             <a:extLst>
               <a:ext uri="{FF2B5EF4-FFF2-40B4-BE49-F238E27FC236}">
-                <a16:creationId xmlns:a16="http://schemas.microsoft.com/office/drawing/2014/main" xmlns="" id="{37466B9B-7A83-C66F-259C-EA5D33AEAD69}"/>
+                <a16:creationId xmlns="" xmlns:a16="http://schemas.microsoft.com/office/drawing/2014/main" id="{37466B9B-7A83-C66F-259C-EA5D33AEAD69}"/>
               </a:ext>
             </a:extLst>
           </p:cNvPr>
@@ -2805,7 +2805,7 @@
           <p:cNvPr id="2" name="제목 개체 틀 1">
             <a:extLst>
               <a:ext uri="{FF2B5EF4-FFF2-40B4-BE49-F238E27FC236}">
-                <a16:creationId xmlns:a16="http://schemas.microsoft.com/office/drawing/2014/main" xmlns="" id="{E6B3D296-6168-CF26-616B-F8507A6C4FA8}"/>
+                <a16:creationId xmlns="" xmlns:a16="http://schemas.microsoft.com/office/drawing/2014/main" id="{E6B3D296-6168-CF26-616B-F8507A6C4FA8}"/>
               </a:ext>
             </a:extLst>
           </p:cNvPr>
@@ -2843,7 +2843,7 @@
           <p:cNvPr id="3" name="텍스트 개체 틀 2">
             <a:extLst>
               <a:ext uri="{FF2B5EF4-FFF2-40B4-BE49-F238E27FC236}">
-                <a16:creationId xmlns:a16="http://schemas.microsoft.com/office/drawing/2014/main" xmlns="" id="{05E25D47-AB35-0E4F-A570-9B623C693D43}"/>
+                <a16:creationId xmlns="" xmlns:a16="http://schemas.microsoft.com/office/drawing/2014/main" id="{05E25D47-AB35-0E4F-A570-9B623C693D43}"/>
               </a:ext>
             </a:extLst>
           </p:cNvPr>
@@ -2910,7 +2910,7 @@
           <p:cNvPr id="4" name="날짜 개체 틀 3">
             <a:extLst>
               <a:ext uri="{FF2B5EF4-FFF2-40B4-BE49-F238E27FC236}">
-                <a16:creationId xmlns:a16="http://schemas.microsoft.com/office/drawing/2014/main" xmlns="" id="{31731DE7-D2CE-22E1-3AD7-BBABC1F78443}"/>
+                <a16:creationId xmlns="" xmlns:a16="http://schemas.microsoft.com/office/drawing/2014/main" id="{31731DE7-D2CE-22E1-3AD7-BBABC1F78443}"/>
               </a:ext>
             </a:extLst>
           </p:cNvPr>
@@ -2960,7 +2960,7 @@
           <p:cNvPr id="5" name="바닥글 개체 틀 4">
             <a:extLst>
               <a:ext uri="{FF2B5EF4-FFF2-40B4-BE49-F238E27FC236}">
-                <a16:creationId xmlns:a16="http://schemas.microsoft.com/office/drawing/2014/main" xmlns="" id="{7099A974-0164-2701-1698-2E35CE08C66D}"/>
+                <a16:creationId xmlns="" xmlns:a16="http://schemas.microsoft.com/office/drawing/2014/main" id="{7099A974-0164-2701-1698-2E35CE08C66D}"/>
               </a:ext>
             </a:extLst>
           </p:cNvPr>
@@ -3005,7 +3005,7 @@
           <p:cNvPr id="6" name="슬라이드 번호 개체 틀 5">
             <a:extLst>
               <a:ext uri="{FF2B5EF4-FFF2-40B4-BE49-F238E27FC236}">
-                <a16:creationId xmlns:a16="http://schemas.microsoft.com/office/drawing/2014/main" xmlns="" id="{48525506-1D7A-1F5B-FE9E-C32A65360555}"/>
+                <a16:creationId xmlns="" xmlns:a16="http://schemas.microsoft.com/office/drawing/2014/main" id="{48525506-1D7A-1F5B-FE9E-C32A65360555}"/>
               </a:ext>
             </a:extLst>
           </p:cNvPr>
@@ -4053,7 +4053,7 @@
           <p:cNvPr id="8" name="표 7">
             <a:extLst>
               <a:ext uri="{FF2B5EF4-FFF2-40B4-BE49-F238E27FC236}">
-                <a16:creationId xmlns:a16="http://schemas.microsoft.com/office/drawing/2014/main" xmlns="" id="{63795079-34BE-930C-C4A6-6EA96F1C57A4}"/>
+                <a16:creationId xmlns="" xmlns:a16="http://schemas.microsoft.com/office/drawing/2014/main" id="{63795079-34BE-930C-C4A6-6EA96F1C57A4}"/>
               </a:ext>
             </a:extLst>
           </p:cNvPr>
@@ -4082,21 +4082,21 @@
                 <a:gridCol w="1960517">
                   <a:extLst>
                     <a:ext uri="{9D8B030D-6E8A-4147-A177-3AD203B41FA5}">
-                      <a16:colId xmlns:a16="http://schemas.microsoft.com/office/drawing/2014/main" xmlns="" val="529196770"/>
+                      <a16:colId xmlns="" xmlns:a16="http://schemas.microsoft.com/office/drawing/2014/main" val="529196770"/>
                     </a:ext>
                   </a:extLst>
                 </a:gridCol>
                 <a:gridCol w="1960517">
                   <a:extLst>
                     <a:ext uri="{9D8B030D-6E8A-4147-A177-3AD203B41FA5}">
-                      <a16:colId xmlns:a16="http://schemas.microsoft.com/office/drawing/2014/main" xmlns="" val="120635450"/>
+                      <a16:colId xmlns="" xmlns:a16="http://schemas.microsoft.com/office/drawing/2014/main" val="120635450"/>
                     </a:ext>
                   </a:extLst>
                 </a:gridCol>
                 <a:gridCol w="1960517">
                   <a:extLst>
                     <a:ext uri="{9D8B030D-6E8A-4147-A177-3AD203B41FA5}">
-                      <a16:colId xmlns:a16="http://schemas.microsoft.com/office/drawing/2014/main" xmlns="" val="1147348704"/>
+                      <a16:colId xmlns="" xmlns:a16="http://schemas.microsoft.com/office/drawing/2014/main" val="1147348704"/>
                     </a:ext>
                   </a:extLst>
                 </a:gridCol>
@@ -4104,7 +4104,7 @@
                 <a:gridCol w="1960517">
                   <a:extLst>
                     <a:ext uri="{9D8B030D-6E8A-4147-A177-3AD203B41FA5}">
-                      <a16:colId xmlns:a16="http://schemas.microsoft.com/office/drawing/2014/main" xmlns="" val="3799717654"/>
+                      <a16:colId xmlns="" xmlns:a16="http://schemas.microsoft.com/office/drawing/2014/main" val="3799717654"/>
                     </a:ext>
                   </a:extLst>
                 </a:gridCol>
@@ -4249,7 +4249,7 @@
                 </a:tc>
                 <a:extLst>
                   <a:ext uri="{0D108BD9-81ED-4DB2-BD59-A6C34878D82A}">
-                    <a16:rowId xmlns:a16="http://schemas.microsoft.com/office/drawing/2014/main" xmlns="" val="1912662179"/>
+                    <a16:rowId xmlns="" xmlns:a16="http://schemas.microsoft.com/office/drawing/2014/main" val="1912662179"/>
                   </a:ext>
                 </a:extLst>
               </a:tr>
@@ -4413,7 +4413,7 @@
                 </a:tc>
                 <a:extLst>
                   <a:ext uri="{0D108BD9-81ED-4DB2-BD59-A6C34878D82A}">
-                    <a16:rowId xmlns:a16="http://schemas.microsoft.com/office/drawing/2014/main" xmlns="" val="1874680937"/>
+                    <a16:rowId xmlns="" xmlns:a16="http://schemas.microsoft.com/office/drawing/2014/main" val="1874680937"/>
                   </a:ext>
                 </a:extLst>
               </a:tr>
@@ -4660,7 +4660,7 @@
                 </a:tc>
                 <a:extLst>
                   <a:ext uri="{0D108BD9-81ED-4DB2-BD59-A6C34878D82A}">
-                    <a16:rowId xmlns:a16="http://schemas.microsoft.com/office/drawing/2014/main" xmlns="" val="1332577370"/>
+                    <a16:rowId xmlns="" xmlns:a16="http://schemas.microsoft.com/office/drawing/2014/main" val="1332577370"/>
                   </a:ext>
                 </a:extLst>
               </a:tr>
@@ -4913,7 +4913,7 @@
                 </a:tc>
                 <a:extLst>
                   <a:ext uri="{0D108BD9-81ED-4DB2-BD59-A6C34878D82A}">
-                    <a16:rowId xmlns:a16="http://schemas.microsoft.com/office/drawing/2014/main" xmlns="" val="894817078"/>
+                    <a16:rowId xmlns="" xmlns:a16="http://schemas.microsoft.com/office/drawing/2014/main" val="894817078"/>
                   </a:ext>
                 </a:extLst>
               </a:tr>
@@ -6261,50 +6261,6 @@
           </a:prstGeom>
         </p:spPr>
       </p:pic>
-      <p:sp>
-        <p:nvSpPr>
-          <p:cNvPr id="21" name="오른쪽 화살표 20"/>
-          <p:cNvSpPr/>
-          <p:nvPr/>
-        </p:nvSpPr>
-        <p:spPr>
-          <a:xfrm>
-            <a:off x="8256032" y="1892673"/>
-            <a:ext cx="1977029" cy="1015550"/>
-          </a:xfrm>
-          <a:prstGeom prst="rightArrow">
-            <a:avLst/>
-          </a:prstGeom>
-        </p:spPr>
-        <p:style>
-          <a:lnRef idx="2">
-            <a:schemeClr val="accent3">
-              <a:shade val="50000"/>
-            </a:schemeClr>
-          </a:lnRef>
-          <a:fillRef idx="1">
-            <a:schemeClr val="accent3"/>
-          </a:fillRef>
-          <a:effectRef idx="0">
-            <a:schemeClr val="accent3"/>
-          </a:effectRef>
-          <a:fontRef idx="minor">
-            <a:schemeClr val="lt1"/>
-          </a:fontRef>
-        </p:style>
-        <p:txBody>
-          <a:bodyPr rtlCol="0" anchor="ctr"/>
-          <a:lstStyle/>
-          <a:p>
-            <a:pPr algn="ctr"/>
-            <a:r>
-              <a:rPr lang="ko-KR" altLang="en-US" dirty="0" smtClean="0"/>
-              <a:t>업데이트 필요</a:t>
-            </a:r>
-            <a:endParaRPr lang="ko-KR" altLang="en-US" dirty="0"/>
-          </a:p>
-        </p:txBody>
-      </p:sp>
       <p:pic>
         <p:nvPicPr>
           <p:cNvPr id="22" name="그림 21"/>
@@ -6329,50 +6285,6 @@
           </a:prstGeom>
         </p:spPr>
       </p:pic>
-      <p:sp>
-        <p:nvSpPr>
-          <p:cNvPr id="24" name="오른쪽 화살표 23"/>
-          <p:cNvSpPr/>
-          <p:nvPr/>
-        </p:nvSpPr>
-        <p:spPr>
-          <a:xfrm>
-            <a:off x="8114201" y="3954617"/>
-            <a:ext cx="2118859" cy="1015550"/>
-          </a:xfrm>
-          <a:prstGeom prst="rightArrow">
-            <a:avLst/>
-          </a:prstGeom>
-        </p:spPr>
-        <p:style>
-          <a:lnRef idx="2">
-            <a:schemeClr val="accent3">
-              <a:shade val="50000"/>
-            </a:schemeClr>
-          </a:lnRef>
-          <a:fillRef idx="1">
-            <a:schemeClr val="accent3"/>
-          </a:fillRef>
-          <a:effectRef idx="0">
-            <a:schemeClr val="accent3"/>
-          </a:effectRef>
-          <a:fontRef idx="minor">
-            <a:schemeClr val="lt1"/>
-          </a:fontRef>
-        </p:style>
-        <p:txBody>
-          <a:bodyPr rtlCol="0" anchor="ctr"/>
-          <a:lstStyle/>
-          <a:p>
-            <a:pPr algn="ctr"/>
-            <a:r>
-              <a:rPr lang="ko-KR" altLang="en-US" dirty="0" smtClean="0"/>
-              <a:t>업데이트 필요</a:t>
-            </a:r>
-            <a:endParaRPr lang="ko-KR" altLang="en-US" dirty="0"/>
-          </a:p>
-        </p:txBody>
-      </p:sp>
       <p:pic>
         <p:nvPicPr>
           <p:cNvPr id="25" name="그림 24"/>
@@ -9026,18 +8938,7 @@
                   </a:schemeClr>
                 </a:solidFill>
               </a:rPr>
-              <a:t>프로젝트 </a:t>
-            </a:r>
-            <a:r>
-              <a:rPr lang="ko-KR" altLang="en-US" sz="1600" dirty="0" smtClean="0">
-                <a:solidFill>
-                  <a:schemeClr val="tx1">
-                    <a:lumMod val="85000"/>
-                    <a:lumOff val="15000"/>
-                  </a:schemeClr>
-                </a:solidFill>
-              </a:rPr>
-              <a:t>일정</a:t>
+              <a:t>프로젝트 일정</a:t>
             </a:r>
             <a:endParaRPr lang="en-US" altLang="ko-KR" sz="1600" dirty="0" smtClean="0">
               <a:solidFill>
@@ -16954,15 +16855,7 @@
                   <a:srgbClr val="C00000"/>
                 </a:solidFill>
               </a:rPr>
-              <a:t>맞춤 </a:t>
-            </a:r>
-            <a:r>
-              <a:rPr lang="ko-KR" altLang="en-US" sz="1600" b="1" dirty="0" smtClean="0">
-                <a:solidFill>
-                  <a:srgbClr val="C00000"/>
-                </a:solidFill>
-              </a:rPr>
-              <a:t>프로그램</a:t>
+              <a:t>맞춤 프로그램</a:t>
             </a:r>
             <a:endParaRPr lang="en-US" altLang="ko-KR" sz="1600" b="1" dirty="0" smtClean="0">
               <a:solidFill>
@@ -23989,7 +23882,7 @@
           <p:cNvPr id="11" name="표 10">
             <a:extLst>
               <a:ext uri="{FF2B5EF4-FFF2-40B4-BE49-F238E27FC236}">
-                <a16:creationId xmlns:a16="http://schemas.microsoft.com/office/drawing/2014/main" xmlns="" id="{B8B76B82-8A4D-F387-2E90-E841956D0E24}"/>
+                <a16:creationId xmlns="" xmlns:a16="http://schemas.microsoft.com/office/drawing/2014/main" id="{B8B76B82-8A4D-F387-2E90-E841956D0E24}"/>
               </a:ext>
             </a:extLst>
           </p:cNvPr>
@@ -24018,35 +23911,35 @@
                 <a:gridCol w="2181175">
                   <a:extLst>
                     <a:ext uri="{9D8B030D-6E8A-4147-A177-3AD203B41FA5}">
-                      <a16:colId xmlns:a16="http://schemas.microsoft.com/office/drawing/2014/main" xmlns="" val="529196770"/>
+                      <a16:colId xmlns="" xmlns:a16="http://schemas.microsoft.com/office/drawing/2014/main" val="529196770"/>
                     </a:ext>
                   </a:extLst>
                 </a:gridCol>
                 <a:gridCol w="2181175">
                   <a:extLst>
                     <a:ext uri="{9D8B030D-6E8A-4147-A177-3AD203B41FA5}">
-                      <a16:colId xmlns:a16="http://schemas.microsoft.com/office/drawing/2014/main" xmlns="" val="120635450"/>
+                      <a16:colId xmlns="" xmlns:a16="http://schemas.microsoft.com/office/drawing/2014/main" val="120635450"/>
                     </a:ext>
                   </a:extLst>
                 </a:gridCol>
                 <a:gridCol w="2181175">
                   <a:extLst>
                     <a:ext uri="{9D8B030D-6E8A-4147-A177-3AD203B41FA5}">
-                      <a16:colId xmlns:a16="http://schemas.microsoft.com/office/drawing/2014/main" xmlns="" val="1685277408"/>
+                      <a16:colId xmlns="" xmlns:a16="http://schemas.microsoft.com/office/drawing/2014/main" val="1685277408"/>
                     </a:ext>
                   </a:extLst>
                 </a:gridCol>
                 <a:gridCol w="2181175">
                   <a:extLst>
                     <a:ext uri="{9D8B030D-6E8A-4147-A177-3AD203B41FA5}">
-                      <a16:colId xmlns:a16="http://schemas.microsoft.com/office/drawing/2014/main" xmlns="" val="1147348704"/>
+                      <a16:colId xmlns="" xmlns:a16="http://schemas.microsoft.com/office/drawing/2014/main" val="1147348704"/>
                     </a:ext>
                   </a:extLst>
                 </a:gridCol>
                 <a:gridCol w="2181175">
                   <a:extLst>
                     <a:ext uri="{9D8B030D-6E8A-4147-A177-3AD203B41FA5}">
-                      <a16:colId xmlns:a16="http://schemas.microsoft.com/office/drawing/2014/main" xmlns="" val="3799717654"/>
+                      <a16:colId xmlns="" xmlns:a16="http://schemas.microsoft.com/office/drawing/2014/main" val="3799717654"/>
                     </a:ext>
                   </a:extLst>
                 </a:gridCol>
@@ -24165,7 +24058,7 @@
                 </a:tc>
                 <a:extLst>
                   <a:ext uri="{0D108BD9-81ED-4DB2-BD59-A6C34878D82A}">
-                    <a16:rowId xmlns:a16="http://schemas.microsoft.com/office/drawing/2014/main" xmlns="" val="1912662179"/>
+                    <a16:rowId xmlns="" xmlns:a16="http://schemas.microsoft.com/office/drawing/2014/main" val="1912662179"/>
                   </a:ext>
                 </a:extLst>
               </a:tr>
@@ -24595,7 +24488,7 @@
                 </a:tc>
                 <a:extLst>
                   <a:ext uri="{0D108BD9-81ED-4DB2-BD59-A6C34878D82A}">
-                    <a16:rowId xmlns:a16="http://schemas.microsoft.com/office/drawing/2014/main" xmlns="" val="1874680937"/>
+                    <a16:rowId xmlns="" xmlns:a16="http://schemas.microsoft.com/office/drawing/2014/main" val="1874680937"/>
                   </a:ext>
                 </a:extLst>
               </a:tr>
@@ -24825,7 +24718,7 @@
                 </a:tc>
                 <a:extLst>
                   <a:ext uri="{0D108BD9-81ED-4DB2-BD59-A6C34878D82A}">
-                    <a16:rowId xmlns:a16="http://schemas.microsoft.com/office/drawing/2014/main" xmlns="" val="2420403979"/>
+                    <a16:rowId xmlns="" xmlns:a16="http://schemas.microsoft.com/office/drawing/2014/main" val="2420403979"/>
                   </a:ext>
                 </a:extLst>
               </a:tr>
@@ -25273,7 +25166,7 @@
                 </a:tc>
                 <a:extLst>
                   <a:ext uri="{0D108BD9-81ED-4DB2-BD59-A6C34878D82A}">
-                    <a16:rowId xmlns:a16="http://schemas.microsoft.com/office/drawing/2014/main" xmlns="" val="3001214840"/>
+                    <a16:rowId xmlns="" xmlns:a16="http://schemas.microsoft.com/office/drawing/2014/main" val="3001214840"/>
                   </a:ext>
                 </a:extLst>
               </a:tr>

--- a/Doc/최종발표/초안.pptx
+++ b/Doc/최종발표/초안.pptx
@@ -35,7 +35,6 @@
     <p:sldId id="354" r:id="rId29"/>
     <p:sldId id="355" r:id="rId30"/>
     <p:sldId id="358" r:id="rId31"/>
-    <p:sldId id="359" r:id="rId32"/>
   </p:sldIdLst>
   <p:sldSz cx="12192000" cy="6858000"/>
   <p:notesSz cx="6858000" cy="9144000"/>
@@ -289,7 +288,7 @@
           <a:p>
             <a:fld id="{4BF4DD58-F10B-47C8-B4E4-57EE29696E08}" type="datetimeFigureOut">
               <a:rPr lang="ko-KR" altLang="en-US" smtClean="0"/>
-              <a:t>2024-04-25</a:t>
+              <a:t>2024-04-24</a:t>
             </a:fld>
             <a:endParaRPr lang="ko-KR" altLang="en-US"/>
           </a:p>
@@ -487,7 +486,7 @@
           <a:p>
             <a:fld id="{4BF4DD58-F10B-47C8-B4E4-57EE29696E08}" type="datetimeFigureOut">
               <a:rPr lang="ko-KR" altLang="en-US" smtClean="0"/>
-              <a:t>2024-04-25</a:t>
+              <a:t>2024-04-24</a:t>
             </a:fld>
             <a:endParaRPr lang="ko-KR" altLang="en-US"/>
           </a:p>
@@ -695,7 +694,7 @@
           <a:p>
             <a:fld id="{4BF4DD58-F10B-47C8-B4E4-57EE29696E08}" type="datetimeFigureOut">
               <a:rPr lang="ko-KR" altLang="en-US" smtClean="0"/>
-              <a:t>2024-04-25</a:t>
+              <a:t>2024-04-24</a:t>
             </a:fld>
             <a:endParaRPr lang="ko-KR" altLang="en-US"/>
           </a:p>
@@ -893,7 +892,7 @@
           <a:p>
             <a:fld id="{4BF4DD58-F10B-47C8-B4E4-57EE29696E08}" type="datetimeFigureOut">
               <a:rPr lang="ko-KR" altLang="en-US" smtClean="0"/>
-              <a:t>2024-04-25</a:t>
+              <a:t>2024-04-24</a:t>
             </a:fld>
             <a:endParaRPr lang="ko-KR" altLang="en-US"/>
           </a:p>
@@ -1175,7 +1174,7 @@
           <a:p>
             <a:fld id="{4BF4DD58-F10B-47C8-B4E4-57EE29696E08}" type="datetimeFigureOut">
               <a:rPr lang="ko-KR" altLang="en-US" smtClean="0"/>
-              <a:t>2024-04-25</a:t>
+              <a:t>2024-04-24</a:t>
             </a:fld>
             <a:endParaRPr lang="ko-KR" altLang="en-US"/>
           </a:p>
@@ -1440,7 +1439,7 @@
           <a:p>
             <a:fld id="{4BF4DD58-F10B-47C8-B4E4-57EE29696E08}" type="datetimeFigureOut">
               <a:rPr lang="ko-KR" altLang="en-US" smtClean="0"/>
-              <a:t>2024-04-25</a:t>
+              <a:t>2024-04-24</a:t>
             </a:fld>
             <a:endParaRPr lang="ko-KR" altLang="en-US"/>
           </a:p>
@@ -1852,7 +1851,7 @@
           <a:p>
             <a:fld id="{4BF4DD58-F10B-47C8-B4E4-57EE29696E08}" type="datetimeFigureOut">
               <a:rPr lang="ko-KR" altLang="en-US" smtClean="0"/>
-              <a:t>2024-04-25</a:t>
+              <a:t>2024-04-24</a:t>
             </a:fld>
             <a:endParaRPr lang="ko-KR" altLang="en-US"/>
           </a:p>
@@ -1993,7 +1992,7 @@
           <a:p>
             <a:fld id="{4BF4DD58-F10B-47C8-B4E4-57EE29696E08}" type="datetimeFigureOut">
               <a:rPr lang="ko-KR" altLang="en-US" smtClean="0"/>
-              <a:t>2024-04-25</a:t>
+              <a:t>2024-04-24</a:t>
             </a:fld>
             <a:endParaRPr lang="ko-KR" altLang="en-US"/>
           </a:p>
@@ -2106,7 +2105,7 @@
           <a:p>
             <a:fld id="{4BF4DD58-F10B-47C8-B4E4-57EE29696E08}" type="datetimeFigureOut">
               <a:rPr lang="ko-KR" altLang="en-US" smtClean="0"/>
-              <a:t>2024-04-25</a:t>
+              <a:t>2024-04-24</a:t>
             </a:fld>
             <a:endParaRPr lang="ko-KR" altLang="en-US"/>
           </a:p>
@@ -2417,7 +2416,7 @@
           <a:p>
             <a:fld id="{4BF4DD58-F10B-47C8-B4E4-57EE29696E08}" type="datetimeFigureOut">
               <a:rPr lang="ko-KR" altLang="en-US" smtClean="0"/>
-              <a:t>2024-04-25</a:t>
+              <a:t>2024-04-24</a:t>
             </a:fld>
             <a:endParaRPr lang="ko-KR" altLang="en-US"/>
           </a:p>
@@ -2705,7 +2704,7 @@
           <a:p>
             <a:fld id="{4BF4DD58-F10B-47C8-B4E4-57EE29696E08}" type="datetimeFigureOut">
               <a:rPr lang="ko-KR" altLang="en-US" smtClean="0"/>
-              <a:t>2024-04-25</a:t>
+              <a:t>2024-04-24</a:t>
             </a:fld>
             <a:endParaRPr lang="ko-KR" altLang="en-US"/>
           </a:p>
@@ -2949,7 +2948,7 @@
             <a:fld id="{4BF4DD58-F10B-47C8-B4E4-57EE29696E08}" type="datetimeFigureOut">
               <a:rPr lang="ko-KR" altLang="en-US" smtClean="0"/>
               <a:pPr/>
-              <a:t>2024-04-25</a:t>
+              <a:t>2024-04-24</a:t>
             </a:fld>
             <a:endParaRPr lang="ko-KR" altLang="en-US" dirty="0"/>
           </a:p>
@@ -4015,6 +4014,10 @@
               </a:rPr>
               <a:t> 설계</a:t>
             </a:r>
+            <a:endParaRPr lang="ko-KR" altLang="en-US" sz="2400" b="1" dirty="0">
+              <a:latin typeface="나눔고딕 ExtraBold" panose="020D0904000000000000" pitchFamily="50" charset="-127"/>
+              <a:ea typeface="나눔고딕 ExtraBold" panose="020D0904000000000000" pitchFamily="50" charset="-127"/>
+            </a:endParaRPr>
           </a:p>
         </p:txBody>
       </p:sp>
@@ -4329,7 +4332,17 @@
                           <a:latin typeface="나눔스퀘어OTF" panose="020B0600000101010101" pitchFamily="34" charset="-127"/>
                           <a:ea typeface="나눔스퀘어OTF" panose="020B0600000101010101" pitchFamily="34" charset="-127"/>
                         </a:rPr>
-                        <a:t> Challenge</a:t>
+                        <a:t> </a:t>
+                      </a:r>
+                      <a:r>
+                        <a:rPr lang="en-US" altLang="ko-KR" sz="1500" b="0" baseline="0" dirty="0" smtClean="0">
+                          <a:solidFill>
+                            <a:schemeClr val="bg1"/>
+                          </a:solidFill>
+                          <a:latin typeface="나눔스퀘어OTF" panose="020B0600000101010101" pitchFamily="34" charset="-127"/>
+                          <a:ea typeface="나눔스퀘어OTF" panose="020B0600000101010101" pitchFamily="34" charset="-127"/>
+                        </a:rPr>
+                        <a:t>Challenge</a:t>
                       </a:r>
                       <a:endParaRPr lang="ko-KR" altLang="en-US" sz="1500" b="0" dirty="0">
                         <a:solidFill>
@@ -5481,6 +5494,16 @@
               </a:rPr>
               <a:t>랜딩 페이지</a:t>
             </a:r>
+            <a:endParaRPr lang="ko-KR" altLang="en-US" dirty="0" smtClean="0">
+              <a:solidFill>
+                <a:schemeClr val="tx1">
+                  <a:lumMod val="85000"/>
+                  <a:lumOff val="15000"/>
+                </a:schemeClr>
+              </a:solidFill>
+              <a:latin typeface="나눔고딕" panose="020D0604000000000000" pitchFamily="50" charset="-127"/>
+              <a:ea typeface="나눔고딕" panose="020D0604000000000000" pitchFamily="50" charset="-127"/>
+            </a:endParaRPr>
           </a:p>
         </p:txBody>
       </p:sp>
@@ -5588,6 +5611,16 @@
               </a:rPr>
               <a:t>사전 설문</a:t>
             </a:r>
+            <a:endParaRPr lang="ko-KR" altLang="en-US" dirty="0" smtClean="0">
+              <a:solidFill>
+                <a:schemeClr val="tx1">
+                  <a:lumMod val="85000"/>
+                  <a:lumOff val="15000"/>
+                </a:schemeClr>
+              </a:solidFill>
+              <a:latin typeface="나눔고딕" panose="020D0604000000000000" pitchFamily="50" charset="-127"/>
+              <a:ea typeface="나눔고딕" panose="020D0604000000000000" pitchFamily="50" charset="-127"/>
+            </a:endParaRPr>
           </a:p>
         </p:txBody>
       </p:sp>
@@ -5695,6 +5728,16 @@
               </a:rPr>
               <a:t>중략</a:t>
             </a:r>
+            <a:endParaRPr lang="ko-KR" altLang="en-US" dirty="0" smtClean="0">
+              <a:solidFill>
+                <a:schemeClr val="tx1">
+                  <a:lumMod val="85000"/>
+                  <a:lumOff val="15000"/>
+                </a:schemeClr>
+              </a:solidFill>
+              <a:latin typeface="나눔고딕" panose="020D0604000000000000" pitchFamily="50" charset="-127"/>
+              <a:ea typeface="나눔고딕" panose="020D0604000000000000" pitchFamily="50" charset="-127"/>
+            </a:endParaRPr>
           </a:p>
         </p:txBody>
       </p:sp>
@@ -5754,6 +5797,16 @@
               </a:rPr>
               <a:t>맞춤 프로그램 소개</a:t>
             </a:r>
+            <a:endParaRPr lang="ko-KR" altLang="en-US" dirty="0" smtClean="0">
+              <a:solidFill>
+                <a:schemeClr val="tx1">
+                  <a:lumMod val="85000"/>
+                  <a:lumOff val="15000"/>
+                </a:schemeClr>
+              </a:solidFill>
+              <a:latin typeface="나눔고딕" panose="020D0604000000000000" pitchFamily="50" charset="-127"/>
+              <a:ea typeface="나눔고딕" panose="020D0604000000000000" pitchFamily="50" charset="-127"/>
+            </a:endParaRPr>
           </a:p>
         </p:txBody>
       </p:sp>
@@ -5837,6 +5890,16 @@
               </a:rPr>
               <a:t>회원 가입</a:t>
             </a:r>
+            <a:endParaRPr lang="ko-KR" altLang="en-US" dirty="0" smtClean="0">
+              <a:solidFill>
+                <a:schemeClr val="tx1">
+                  <a:lumMod val="85000"/>
+                  <a:lumOff val="15000"/>
+                </a:schemeClr>
+              </a:solidFill>
+              <a:latin typeface="나눔고딕" panose="020D0604000000000000" pitchFamily="50" charset="-127"/>
+              <a:ea typeface="나눔고딕" panose="020D0604000000000000" pitchFamily="50" charset="-127"/>
+            </a:endParaRPr>
           </a:p>
         </p:txBody>
       </p:sp>
@@ -6261,6 +6324,50 @@
           </a:prstGeom>
         </p:spPr>
       </p:pic>
+      <p:sp>
+        <p:nvSpPr>
+          <p:cNvPr id="21" name="오른쪽 화살표 20"/>
+          <p:cNvSpPr/>
+          <p:nvPr/>
+        </p:nvSpPr>
+        <p:spPr>
+          <a:xfrm>
+            <a:off x="8256032" y="1892673"/>
+            <a:ext cx="1977029" cy="1015550"/>
+          </a:xfrm>
+          <a:prstGeom prst="rightArrow">
+            <a:avLst/>
+          </a:prstGeom>
+        </p:spPr>
+        <p:style>
+          <a:lnRef idx="2">
+            <a:schemeClr val="accent3">
+              <a:shade val="50000"/>
+            </a:schemeClr>
+          </a:lnRef>
+          <a:fillRef idx="1">
+            <a:schemeClr val="accent3"/>
+          </a:fillRef>
+          <a:effectRef idx="0">
+            <a:schemeClr val="accent3"/>
+          </a:effectRef>
+          <a:fontRef idx="minor">
+            <a:schemeClr val="lt1"/>
+          </a:fontRef>
+        </p:style>
+        <p:txBody>
+          <a:bodyPr rtlCol="0" anchor="ctr"/>
+          <a:lstStyle/>
+          <a:p>
+            <a:pPr algn="ctr"/>
+            <a:r>
+              <a:rPr lang="ko-KR" altLang="en-US" dirty="0" smtClean="0"/>
+              <a:t>업데이트 필요</a:t>
+            </a:r>
+            <a:endParaRPr lang="ko-KR" altLang="en-US" dirty="0"/>
+          </a:p>
+        </p:txBody>
+      </p:sp>
       <p:pic>
         <p:nvPicPr>
           <p:cNvPr id="22" name="그림 21"/>
@@ -6285,6 +6392,50 @@
           </a:prstGeom>
         </p:spPr>
       </p:pic>
+      <p:sp>
+        <p:nvSpPr>
+          <p:cNvPr id="24" name="오른쪽 화살표 23"/>
+          <p:cNvSpPr/>
+          <p:nvPr/>
+        </p:nvSpPr>
+        <p:spPr>
+          <a:xfrm>
+            <a:off x="8114201" y="3954617"/>
+            <a:ext cx="2118859" cy="1015550"/>
+          </a:xfrm>
+          <a:prstGeom prst="rightArrow">
+            <a:avLst/>
+          </a:prstGeom>
+        </p:spPr>
+        <p:style>
+          <a:lnRef idx="2">
+            <a:schemeClr val="accent3">
+              <a:shade val="50000"/>
+            </a:schemeClr>
+          </a:lnRef>
+          <a:fillRef idx="1">
+            <a:schemeClr val="accent3"/>
+          </a:fillRef>
+          <a:effectRef idx="0">
+            <a:schemeClr val="accent3"/>
+          </a:effectRef>
+          <a:fontRef idx="minor">
+            <a:schemeClr val="lt1"/>
+          </a:fontRef>
+        </p:style>
+        <p:txBody>
+          <a:bodyPr rtlCol="0" anchor="ctr"/>
+          <a:lstStyle/>
+          <a:p>
+            <a:pPr algn="ctr"/>
+            <a:r>
+              <a:rPr lang="ko-KR" altLang="en-US" dirty="0" smtClean="0"/>
+              <a:t>업데이트 필요</a:t>
+            </a:r>
+            <a:endParaRPr lang="ko-KR" altLang="en-US" dirty="0"/>
+          </a:p>
+        </p:txBody>
+      </p:sp>
       <p:pic>
         <p:nvPicPr>
           <p:cNvPr id="25" name="그림 24"/>
@@ -7040,6 +7191,16 @@
               </a:rPr>
               <a:t>사용자의 질문</a:t>
             </a:r>
+            <a:endParaRPr lang="ko-KR" altLang="en-US" dirty="0" smtClean="0">
+              <a:solidFill>
+                <a:schemeClr val="tx1">
+                  <a:lumMod val="85000"/>
+                  <a:lumOff val="15000"/>
+                </a:schemeClr>
+              </a:solidFill>
+              <a:latin typeface="나눔고딕" panose="020D0604000000000000" pitchFamily="50" charset="-127"/>
+              <a:ea typeface="나눔고딕" panose="020D0604000000000000" pitchFamily="50" charset="-127"/>
+            </a:endParaRPr>
           </a:p>
         </p:txBody>
       </p:sp>
@@ -7112,6 +7273,16 @@
               </a:rPr>
               <a:t>진행중인 운동</a:t>
             </a:r>
+            <a:endParaRPr lang="ko-KR" altLang="en-US" dirty="0" smtClean="0">
+              <a:solidFill>
+                <a:schemeClr val="tx1">
+                  <a:lumMod val="85000"/>
+                  <a:lumOff val="15000"/>
+                </a:schemeClr>
+              </a:solidFill>
+              <a:latin typeface="나눔고딕" panose="020D0604000000000000" pitchFamily="50" charset="-127"/>
+              <a:ea typeface="나눔고딕" panose="020D0604000000000000" pitchFamily="50" charset="-127"/>
+            </a:endParaRPr>
           </a:p>
         </p:txBody>
       </p:sp>
@@ -7266,6 +7437,16 @@
               </a:rPr>
               <a:t>구현</a:t>
             </a:r>
+            <a:endParaRPr lang="ko-KR" altLang="en-US" b="1" dirty="0" smtClean="0">
+              <a:solidFill>
+                <a:schemeClr val="tx1">
+                  <a:lumMod val="85000"/>
+                  <a:lumOff val="15000"/>
+                </a:schemeClr>
+              </a:solidFill>
+              <a:latin typeface="나눔고딕" panose="020D0604000000000000" pitchFamily="50" charset="-127"/>
+              <a:ea typeface="나눔고딕" panose="020D0604000000000000" pitchFamily="50" charset="-127"/>
+            </a:endParaRPr>
           </a:p>
         </p:txBody>
       </p:sp>
@@ -7719,8 +7900,31 @@
                 <a:latin typeface="나눔고딕" panose="020D0604000000000000" pitchFamily="50" charset="-127"/>
                 <a:ea typeface="나눔고딕" panose="020D0604000000000000" pitchFamily="50" charset="-127"/>
               </a:rPr>
-              <a:t> 상품으로 연결</a:t>
-            </a:r>
+              <a:t> 상품</a:t>
+            </a:r>
+            <a:r>
+              <a:rPr lang="ko-KR" altLang="en-US" dirty="0" smtClean="0">
+                <a:solidFill>
+                  <a:schemeClr val="tx1">
+                    <a:lumMod val="85000"/>
+                    <a:lumOff val="15000"/>
+                  </a:schemeClr>
+                </a:solidFill>
+                <a:latin typeface="나눔고딕" panose="020D0604000000000000" pitchFamily="50" charset="-127"/>
+                <a:ea typeface="나눔고딕" panose="020D0604000000000000" pitchFamily="50" charset="-127"/>
+              </a:rPr>
+              <a:t>으로 연결</a:t>
+            </a:r>
+            <a:endParaRPr lang="ko-KR" altLang="en-US" dirty="0" smtClean="0">
+              <a:solidFill>
+                <a:schemeClr val="tx1">
+                  <a:lumMod val="85000"/>
+                  <a:lumOff val="15000"/>
+                </a:schemeClr>
+              </a:solidFill>
+              <a:latin typeface="나눔고딕" panose="020D0604000000000000" pitchFamily="50" charset="-127"/>
+              <a:ea typeface="나눔고딕" panose="020D0604000000000000" pitchFamily="50" charset="-127"/>
+            </a:endParaRPr>
           </a:p>
         </p:txBody>
       </p:sp>
@@ -7876,6 +8080,16 @@
               </a:rPr>
               <a:t> 제휴 마케팅</a:t>
             </a:r>
+            <a:endParaRPr lang="ko-KR" altLang="en-US" dirty="0" smtClean="0">
+              <a:solidFill>
+                <a:schemeClr val="tx1">
+                  <a:lumMod val="85000"/>
+                  <a:lumOff val="15000"/>
+                </a:schemeClr>
+              </a:solidFill>
+              <a:latin typeface="나눔고딕" panose="020D0604000000000000" pitchFamily="50" charset="-127"/>
+              <a:ea typeface="나눔고딕" panose="020D0604000000000000" pitchFamily="50" charset="-127"/>
+            </a:endParaRPr>
           </a:p>
         </p:txBody>
       </p:sp>
@@ -7935,6 +8149,16 @@
               </a:rPr>
               <a:t>링크 생성</a:t>
             </a:r>
+            <a:endParaRPr lang="ko-KR" altLang="en-US" dirty="0" smtClean="0">
+              <a:solidFill>
+                <a:schemeClr val="tx1">
+                  <a:lumMod val="85000"/>
+                  <a:lumOff val="15000"/>
+                </a:schemeClr>
+              </a:solidFill>
+              <a:latin typeface="나눔고딕" panose="020D0604000000000000" pitchFamily="50" charset="-127"/>
+              <a:ea typeface="나눔고딕" panose="020D0604000000000000" pitchFamily="50" charset="-127"/>
+            </a:endParaRPr>
           </a:p>
         </p:txBody>
       </p:sp>
@@ -8784,7 +9008,7 @@
         <p:spPr>
           <a:xfrm>
             <a:off x="184945" y="909433"/>
-            <a:ext cx="3934209" cy="5786642"/>
+            <a:ext cx="5777706" cy="5786642"/>
           </a:xfrm>
           <a:prstGeom prst="rect">
             <a:avLst/>
@@ -8938,7 +9162,7 @@
                   </a:schemeClr>
                 </a:solidFill>
               </a:rPr>
-              <a:t>프로젝트 일정</a:t>
+              <a:t>프로젝트 범위 및 일정</a:t>
             </a:r>
             <a:endParaRPr lang="en-US" altLang="ko-KR" sz="1600" dirty="0" smtClean="0">
               <a:solidFill>
@@ -9463,36 +9687,6 @@
           <a:xfrm>
             <a:off x="7981950" y="-143080"/>
             <a:ext cx="4210050" cy="1052513"/>
-          </a:xfrm>
-          <a:prstGeom prst="rect">
-            <a:avLst/>
-          </a:prstGeom>
-        </p:spPr>
-      </p:pic>
-      <p:pic>
-        <p:nvPicPr>
-          <p:cNvPr id="3" name="그림 2"/>
-          <p:cNvPicPr>
-            <a:picLocks noChangeAspect="1"/>
-          </p:cNvPicPr>
-          <p:nvPr/>
-        </p:nvPicPr>
-        <p:blipFill>
-          <a:blip r:embed="rId3">
-            <a:extLst>
-              <a:ext uri="{28A0092B-C50C-407E-A947-70E740481C1C}">
-                <a14:useLocalDpi xmlns:a14="http://schemas.microsoft.com/office/drawing/2010/main" val="0"/>
-              </a:ext>
-            </a:extLst>
-          </a:blip>
-          <a:stretch>
-            <a:fillRect/>
-          </a:stretch>
-        </p:blipFill>
-        <p:spPr>
-          <a:xfrm>
-            <a:off x="4371703" y="909432"/>
-            <a:ext cx="7674429" cy="5773343"/>
           </a:xfrm>
           <a:prstGeom prst="rect">
             <a:avLst/>
@@ -12979,6 +13173,7 @@
               <a:rPr lang="en-US" altLang="ko-KR" sz="1400" dirty="0" smtClean="0"/>
               <a:t>MySQL</a:t>
             </a:r>
+            <a:endParaRPr lang="en-US" altLang="ko-KR" sz="1400" dirty="0" smtClean="0"/>
           </a:p>
           <a:p>
             <a:pPr algn="ctr"/>
@@ -15143,10 +15338,10 @@
                 <a:latin typeface="나눔고딕" panose="020D0604000000000000" pitchFamily="50" charset="-127"/>
                 <a:ea typeface="나눔고딕" panose="020D0604000000000000" pitchFamily="50" charset="-127"/>
               </a:rPr>
-              <a:t>네이버페이</a:t>
-            </a:r>
-            <a:r>
-              <a:rPr lang="ko-KR" altLang="en-US" dirty="0" smtClean="0">
+              <a:t>네이버</a:t>
+            </a:r>
+            <a:r>
+              <a:rPr lang="ko-KR" altLang="en-US" dirty="0" err="1" smtClean="0">
                 <a:solidFill>
                   <a:schemeClr val="tx1">
                     <a:lumMod val="85000"/>
@@ -15156,10 +15351,10 @@
                 <a:latin typeface="나눔고딕" panose="020D0604000000000000" pitchFamily="50" charset="-127"/>
                 <a:ea typeface="나눔고딕" panose="020D0604000000000000" pitchFamily="50" charset="-127"/>
               </a:rPr>
-              <a:t> 등</a:t>
-            </a:r>
-            <a:r>
-              <a:rPr lang="en-US" altLang="ko-KR" dirty="0" smtClean="0">
+              <a:t>페이</a:t>
+            </a:r>
+            <a:r>
+              <a:rPr lang="ko-KR" altLang="en-US" dirty="0" smtClean="0">
                 <a:solidFill>
                   <a:schemeClr val="tx1">
                     <a:lumMod val="85000"/>
@@ -15169,8 +15364,31 @@
                 <a:latin typeface="나눔고딕" panose="020D0604000000000000" pitchFamily="50" charset="-127"/>
                 <a:ea typeface="나눔고딕" panose="020D0604000000000000" pitchFamily="50" charset="-127"/>
               </a:rPr>
+              <a:t> 등</a:t>
+            </a:r>
+            <a:r>
+              <a:rPr lang="en-US" altLang="ko-KR" dirty="0" smtClean="0">
+                <a:solidFill>
+                  <a:schemeClr val="tx1">
+                    <a:lumMod val="85000"/>
+                    <a:lumOff val="15000"/>
+                  </a:schemeClr>
+                </a:solidFill>
+                <a:latin typeface="나눔고딕" panose="020D0604000000000000" pitchFamily="50" charset="-127"/>
+                <a:ea typeface="나눔고딕" panose="020D0604000000000000" pitchFamily="50" charset="-127"/>
+              </a:rPr>
               <a:t>)</a:t>
             </a:r>
+            <a:endParaRPr lang="en-US" altLang="ko-KR" dirty="0" smtClean="0">
+              <a:solidFill>
+                <a:schemeClr val="tx1">
+                  <a:lumMod val="85000"/>
+                  <a:lumOff val="15000"/>
+                </a:schemeClr>
+              </a:solidFill>
+              <a:latin typeface="나눔고딕" panose="020D0604000000000000" pitchFamily="50" charset="-127"/>
+              <a:ea typeface="나눔고딕" panose="020D0604000000000000" pitchFamily="50" charset="-127"/>
+            </a:endParaRPr>
           </a:p>
           <a:p>
             <a:pPr marL="800100" lvl="1" indent="-342900">
@@ -15484,7 +15702,14 @@
                 <a:latin typeface="나눔고딕 ExtraBold" panose="020D0904000000000000" pitchFamily="50" charset="-127"/>
                 <a:ea typeface="나눔고딕 ExtraBold" panose="020D0904000000000000" pitchFamily="50" charset="-127"/>
               </a:rPr>
-              <a:t>4.1. </a:t>
+              <a:t>4.1</a:t>
+            </a:r>
+            <a:r>
+              <a:rPr lang="en-US" altLang="ko-KR" sz="2400" b="1" dirty="0" smtClean="0">
+                <a:latin typeface="나눔고딕 ExtraBold" panose="020D0904000000000000" pitchFamily="50" charset="-127"/>
+                <a:ea typeface="나눔고딕 ExtraBold" panose="020D0904000000000000" pitchFamily="50" charset="-127"/>
+              </a:rPr>
+              <a:t>. </a:t>
             </a:r>
             <a:r>
               <a:rPr lang="ko-KR" altLang="en-US" sz="2400" b="1" dirty="0" smtClean="0">
@@ -16154,74 +16379,6 @@
 </p:sld>
 </file>
 
-<file path=ppt/slides/slide31.xml><?xml version="1.0" encoding="utf-8"?>
-<p:sld xmlns:a="http://schemas.openxmlformats.org/drawingml/2006/main" xmlns:r="http://schemas.openxmlformats.org/officeDocument/2006/relationships" xmlns:p="http://schemas.openxmlformats.org/presentationml/2006/main">
-  <p:cSld>
-    <p:spTree>
-      <p:nvGrpSpPr>
-        <p:cNvPr id="1" name=""/>
-        <p:cNvGrpSpPr/>
-        <p:nvPr/>
-      </p:nvGrpSpPr>
-      <p:grpSpPr>
-        <a:xfrm>
-          <a:off x="0" y="0"/>
-          <a:ext cx="0" cy="0"/>
-          <a:chOff x="0" y="0"/>
-          <a:chExt cx="0" cy="0"/>
-        </a:xfrm>
-      </p:grpSpPr>
-      <p:sp>
-        <p:nvSpPr>
-          <p:cNvPr id="2" name="제목 1"/>
-          <p:cNvSpPr>
-            <a:spLocks noGrp="1"/>
-          </p:cNvSpPr>
-          <p:nvPr>
-            <p:ph type="title"/>
-          </p:nvPr>
-        </p:nvSpPr>
-        <p:spPr/>
-        <p:txBody>
-          <a:bodyPr/>
-          <a:lstStyle/>
-          <a:p>
-            <a:endParaRPr lang="ko-KR" altLang="en-US"/>
-          </a:p>
-        </p:txBody>
-      </p:sp>
-      <p:sp>
-        <p:nvSpPr>
-          <p:cNvPr id="3" name="내용 개체 틀 2"/>
-          <p:cNvSpPr>
-            <a:spLocks noGrp="1"/>
-          </p:cNvSpPr>
-          <p:nvPr>
-            <p:ph idx="1"/>
-          </p:nvPr>
-        </p:nvSpPr>
-        <p:spPr/>
-        <p:txBody>
-          <a:bodyPr/>
-          <a:lstStyle/>
-          <a:p>
-            <a:endParaRPr lang="ko-KR" altLang="en-US"/>
-          </a:p>
-        </p:txBody>
-      </p:sp>
-    </p:spTree>
-    <p:extLst>
-      <p:ext uri="{BB962C8B-B14F-4D97-AF65-F5344CB8AC3E}">
-        <p14:creationId xmlns:p14="http://schemas.microsoft.com/office/powerpoint/2010/main" val="574617299"/>
-      </p:ext>
-    </p:extLst>
-  </p:cSld>
-  <p:clrMapOvr>
-    <a:masterClrMapping/>
-  </p:clrMapOvr>
-</p:sld>
-</file>
-
 <file path=ppt/slides/slide4.xml><?xml version="1.0" encoding="utf-8"?>
 <p:sld xmlns:a="http://schemas.openxmlformats.org/drawingml/2006/main" xmlns:r="http://schemas.openxmlformats.org/officeDocument/2006/relationships" xmlns:p="http://schemas.openxmlformats.org/presentationml/2006/main">
   <p:cSld>
@@ -16247,8 +16404,8 @@
         </p:nvSpPr>
         <p:spPr>
           <a:xfrm>
-            <a:off x="241300" y="3257006"/>
-            <a:ext cx="11747500" cy="3439068"/>
+            <a:off x="241300" y="909433"/>
+            <a:ext cx="11747500" cy="5786641"/>
           </a:xfrm>
           <a:prstGeom prst="rect">
             <a:avLst/>
@@ -16309,7 +16466,7 @@
               <a:buAutoNum type="arabicPeriod"/>
             </a:pPr>
             <a:r>
-              <a:rPr lang="ko-KR" altLang="en-US" sz="1600" dirty="0" err="1" smtClean="0">
+              <a:rPr lang="ko-KR" altLang="en-US" dirty="0" err="1" smtClean="0">
                 <a:solidFill>
                   <a:schemeClr val="tx1">
                     <a:lumMod val="85000"/>
@@ -16320,7 +16477,7 @@
               <a:t>이젠아카데미</a:t>
             </a:r>
             <a:r>
-              <a:rPr lang="ko-KR" altLang="en-US" sz="1600" dirty="0" smtClean="0">
+              <a:rPr lang="ko-KR" altLang="en-US" dirty="0" smtClean="0">
                 <a:solidFill>
                   <a:schemeClr val="tx1">
                     <a:lumMod val="85000"/>
@@ -16331,7 +16488,7 @@
               <a:t> 강남</a:t>
             </a:r>
             <a:r>
-              <a:rPr lang="en-US" altLang="ko-KR" sz="1600" dirty="0" smtClean="0">
+              <a:rPr lang="en-US" altLang="ko-KR" dirty="0" smtClean="0">
                 <a:solidFill>
                   <a:schemeClr val="tx1">
                     <a:lumMod val="85000"/>
@@ -16342,7 +16499,7 @@
               <a:t>, </a:t>
             </a:r>
             <a:r>
-              <a:rPr lang="ko-KR" altLang="en-US" sz="1600" dirty="0" err="1" smtClean="0">
+              <a:rPr lang="ko-KR" altLang="en-US" dirty="0" err="1" smtClean="0">
                 <a:solidFill>
                   <a:schemeClr val="tx1">
                     <a:lumMod val="85000"/>
@@ -16355,7 +16512,7 @@
               <a:t>웹서비스</a:t>
             </a:r>
             <a:r>
-              <a:rPr lang="ko-KR" altLang="en-US" sz="1600" dirty="0" smtClean="0">
+              <a:rPr lang="ko-KR" altLang="en-US" dirty="0" smtClean="0">
                 <a:solidFill>
                   <a:schemeClr val="tx1">
                     <a:lumMod val="85000"/>
@@ -16368,7 +16525,7 @@
               <a:t> </a:t>
             </a:r>
             <a:r>
-              <a:rPr lang="ko-KR" altLang="en-US" sz="1600" dirty="0" err="1">
+              <a:rPr lang="ko-KR" altLang="en-US" dirty="0" err="1">
                 <a:solidFill>
                   <a:schemeClr val="tx1">
                     <a:lumMod val="85000"/>
@@ -16381,7 +16538,7 @@
               <a:t>풀스택</a:t>
             </a:r>
             <a:r>
-              <a:rPr lang="ko-KR" altLang="en-US" sz="1600" dirty="0">
+              <a:rPr lang="ko-KR" altLang="en-US" dirty="0">
                 <a:solidFill>
                   <a:schemeClr val="tx1">
                     <a:lumMod val="85000"/>
@@ -16394,7 +16551,7 @@
               <a:t> 개발</a:t>
             </a:r>
             <a:r>
-              <a:rPr lang="en-US" altLang="ko-KR" sz="1600" dirty="0">
+              <a:rPr lang="en-US" altLang="ko-KR" dirty="0">
                 <a:solidFill>
                   <a:schemeClr val="tx1">
                     <a:lumMod val="85000"/>
@@ -16407,7 +16564,7 @@
               <a:t> </a:t>
             </a:r>
             <a:r>
-              <a:rPr lang="ko-KR" altLang="en-US" sz="1600" dirty="0">
+              <a:rPr lang="ko-KR" altLang="en-US" dirty="0">
                 <a:solidFill>
                   <a:schemeClr val="tx1">
                     <a:lumMod val="85000"/>
@@ -16420,7 +16577,7 @@
               <a:t>과정 </a:t>
             </a:r>
             <a:r>
-              <a:rPr lang="en-US" altLang="ko-KR" sz="1600" dirty="0">
+              <a:rPr lang="en-US" altLang="ko-KR" dirty="0">
                 <a:solidFill>
                   <a:schemeClr val="tx1">
                     <a:lumMod val="85000"/>
@@ -16433,7 +16590,7 @@
               <a:t>2</a:t>
             </a:r>
             <a:r>
-              <a:rPr lang="ko-KR" altLang="en-US" sz="1600" dirty="0" smtClean="0">
+              <a:rPr lang="ko-KR" altLang="en-US" dirty="0" smtClean="0">
                 <a:solidFill>
                   <a:schemeClr val="tx1">
                     <a:lumMod val="85000"/>
@@ -16446,7 +16603,7 @@
               <a:t>기</a:t>
             </a:r>
             <a:r>
-              <a:rPr lang="en-US" altLang="ko-KR" sz="1600" dirty="0">
+              <a:rPr lang="en-US" altLang="ko-KR" dirty="0">
                 <a:solidFill>
                   <a:schemeClr val="tx1">
                     <a:lumMod val="85000"/>
@@ -16459,7 +16616,7 @@
               <a:t> (</a:t>
             </a:r>
             <a:r>
-              <a:rPr lang="en-US" altLang="ko-KR" sz="1600" dirty="0" smtClean="0">
+              <a:rPr lang="en-US" altLang="ko-KR" dirty="0" smtClean="0">
                 <a:solidFill>
                   <a:schemeClr val="tx1">
                     <a:lumMod val="85000"/>
@@ -16472,7 +16629,7 @@
               <a:t>2023.11.16 </a:t>
             </a:r>
             <a:r>
-              <a:rPr lang="en-US" altLang="ko-KR" sz="1600" dirty="0">
+              <a:rPr lang="en-US" altLang="ko-KR" dirty="0">
                 <a:solidFill>
                   <a:schemeClr val="tx1">
                     <a:lumMod val="85000"/>
@@ -16485,7 +16642,7 @@
               <a:t>~ 2024.05.02)</a:t>
             </a:r>
             <a:r>
-              <a:rPr lang="ko-KR" altLang="en-US" sz="1600" dirty="0" smtClean="0">
+              <a:rPr lang="ko-KR" altLang="en-US" dirty="0" smtClean="0">
                 <a:solidFill>
                   <a:schemeClr val="tx1">
                     <a:lumMod val="85000"/>
@@ -16497,7 +16654,7 @@
               </a:rPr>
               <a:t> 팀 프로젝트</a:t>
             </a:r>
-            <a:endParaRPr lang="en-US" altLang="ko-KR" sz="1600" dirty="0" smtClean="0">
+            <a:endParaRPr lang="en-US" altLang="ko-KR" dirty="0" smtClean="0">
               <a:solidFill>
                 <a:schemeClr val="tx1">
                   <a:lumMod val="85000"/>
@@ -16557,7 +16714,7 @@
               <a:buAutoNum type="arabicPeriod"/>
             </a:pPr>
             <a:r>
-              <a:rPr lang="ko-KR" altLang="en-US" sz="1600" dirty="0" smtClean="0">
+              <a:rPr lang="ko-KR" altLang="en-US" dirty="0" smtClean="0">
                 <a:solidFill>
                   <a:schemeClr val="tx1">
                     <a:lumMod val="85000"/>
@@ -16568,7 +16725,7 @@
               <a:t>운동은 </a:t>
             </a:r>
             <a:r>
-              <a:rPr lang="ko-KR" altLang="en-US" sz="1600" dirty="0">
+              <a:rPr lang="ko-KR" altLang="en-US" dirty="0">
                 <a:solidFill>
                   <a:schemeClr val="tx1">
                     <a:lumMod val="85000"/>
@@ -16579,7 +16736,7 @@
               <a:t>선택이 아닌 </a:t>
             </a:r>
             <a:r>
-              <a:rPr lang="ko-KR" altLang="en-US" sz="1600" dirty="0" smtClean="0">
+              <a:rPr lang="ko-KR" altLang="en-US" dirty="0" smtClean="0">
                 <a:solidFill>
                   <a:schemeClr val="tx1">
                     <a:lumMod val="85000"/>
@@ -16589,7 +16746,7 @@
               </a:rPr>
               <a:t>필수</a:t>
             </a:r>
-            <a:endParaRPr lang="en-US" altLang="ko-KR" sz="1600" dirty="0" smtClean="0">
+            <a:endParaRPr lang="en-US" altLang="ko-KR" dirty="0" smtClean="0">
               <a:solidFill>
                 <a:schemeClr val="tx1">
                   <a:lumMod val="85000"/>
@@ -16604,7 +16761,7 @@
               <a:buAutoNum type="arabicPeriod"/>
             </a:pPr>
             <a:r>
-              <a:rPr lang="ko-KR" altLang="en-US" sz="1600" dirty="0" smtClean="0">
+              <a:rPr lang="ko-KR" altLang="en-US" dirty="0" smtClean="0">
                 <a:solidFill>
                   <a:schemeClr val="tx1">
                     <a:lumMod val="85000"/>
@@ -16615,7 +16772,7 @@
               <a:t>현대인들의 운동 부족의 근본 원인은</a:t>
             </a:r>
             <a:r>
-              <a:rPr lang="en-US" altLang="ko-KR" sz="1600" dirty="0" smtClean="0">
+              <a:rPr lang="en-US" altLang="ko-KR" dirty="0" smtClean="0">
                 <a:solidFill>
                   <a:schemeClr val="tx1">
                     <a:lumMod val="85000"/>
@@ -16632,7 +16789,7 @@
               <a:buAutoNum type="arabicPeriod"/>
             </a:pPr>
             <a:r>
-              <a:rPr lang="ko-KR" altLang="en-US" sz="1600" b="1" dirty="0" smtClean="0">
+              <a:rPr lang="ko-KR" altLang="en-US" b="1" dirty="0" smtClean="0">
                 <a:solidFill>
                   <a:srgbClr val="C00000"/>
                 </a:solidFill>
@@ -16640,7 +16797,7 @@
               <a:t>시간 부족</a:t>
             </a:r>
             <a:r>
-              <a:rPr lang="en-US" altLang="ko-KR" sz="1600" b="1" dirty="0" smtClean="0">
+              <a:rPr lang="en-US" altLang="ko-KR" b="1" dirty="0" smtClean="0">
                 <a:solidFill>
                   <a:srgbClr val="C00000"/>
                 </a:solidFill>
@@ -16648,7 +16805,7 @@
               <a:t>, </a:t>
             </a:r>
             <a:r>
-              <a:rPr lang="ko-KR" altLang="en-US" sz="1600" b="1" dirty="0" smtClean="0">
+              <a:rPr lang="ko-KR" altLang="en-US" b="1" dirty="0" smtClean="0">
                 <a:solidFill>
                   <a:srgbClr val="C00000"/>
                 </a:solidFill>
@@ -16656,7 +16813,7 @@
               <a:t>작심 삼일</a:t>
             </a:r>
             <a:r>
-              <a:rPr lang="en-US" altLang="ko-KR" sz="1600" b="1" dirty="0" smtClean="0">
+              <a:rPr lang="en-US" altLang="ko-KR" b="1" dirty="0" smtClean="0">
                 <a:solidFill>
                   <a:srgbClr val="C00000"/>
                 </a:solidFill>
@@ -16664,14 +16821,14 @@
               <a:t>, </a:t>
             </a:r>
             <a:r>
-              <a:rPr lang="ko-KR" altLang="en-US" sz="1600" b="1" dirty="0" smtClean="0">
+              <a:rPr lang="ko-KR" altLang="en-US" b="1" dirty="0" smtClean="0">
                 <a:solidFill>
                   <a:srgbClr val="C00000"/>
                 </a:solidFill>
               </a:rPr>
               <a:t>부상</a:t>
             </a:r>
-            <a:endParaRPr lang="en-US" altLang="ko-KR" sz="1600" b="1" dirty="0" smtClean="0">
+            <a:endParaRPr lang="en-US" altLang="ko-KR" b="1" dirty="0" smtClean="0">
               <a:solidFill>
                 <a:srgbClr val="C00000"/>
               </a:solidFill>
@@ -16722,7 +16879,7 @@
               <a:buAutoNum type="arabicPeriod"/>
             </a:pPr>
             <a:r>
-              <a:rPr lang="ko-KR" altLang="en-US" sz="1600" dirty="0" smtClean="0">
+              <a:rPr lang="ko-KR" altLang="en-US" dirty="0" smtClean="0">
                 <a:solidFill>
                   <a:schemeClr val="tx1">
                     <a:lumMod val="85000"/>
@@ -16733,7 +16890,7 @@
               <a:t>언제 어디서나 운동할 수 있으려면</a:t>
             </a:r>
             <a:r>
-              <a:rPr lang="en-US" altLang="ko-KR" sz="1600" dirty="0" smtClean="0">
+              <a:rPr lang="en-US" altLang="ko-KR" dirty="0" smtClean="0">
                 <a:solidFill>
                   <a:schemeClr val="tx1">
                     <a:lumMod val="85000"/>
@@ -16744,14 +16901,14 @@
               <a:t>? </a:t>
             </a:r>
             <a:r>
-              <a:rPr lang="ko-KR" altLang="en-US" sz="1600" b="1" dirty="0" smtClean="0">
+              <a:rPr lang="ko-KR" altLang="en-US" b="1" dirty="0" smtClean="0">
                 <a:solidFill>
                   <a:srgbClr val="C00000"/>
                 </a:solidFill>
               </a:rPr>
               <a:t>홈 트레이닝</a:t>
             </a:r>
-            <a:endParaRPr lang="en-US" altLang="ko-KR" sz="1600" b="1" dirty="0" smtClean="0">
+            <a:endParaRPr lang="en-US" altLang="ko-KR" b="1" dirty="0" smtClean="0">
               <a:solidFill>
                 <a:srgbClr val="C00000"/>
               </a:solidFill>
@@ -16763,7 +16920,7 @@
               <a:buAutoNum type="arabicPeriod"/>
             </a:pPr>
             <a:r>
-              <a:rPr lang="ko-KR" altLang="en-US" sz="1600" dirty="0" smtClean="0">
+              <a:rPr lang="ko-KR" altLang="en-US" dirty="0" smtClean="0">
                 <a:solidFill>
                   <a:schemeClr val="tx1">
                     <a:lumMod val="85000"/>
@@ -16774,7 +16931,7 @@
               <a:t>꾸준히 운동 하려면</a:t>
             </a:r>
             <a:r>
-              <a:rPr lang="en-US" altLang="ko-KR" sz="1600" dirty="0" smtClean="0">
+              <a:rPr lang="en-US" altLang="ko-KR" dirty="0" smtClean="0">
                 <a:solidFill>
                   <a:schemeClr val="tx1">
                     <a:lumMod val="85000"/>
@@ -16785,7 +16942,7 @@
               <a:t>? </a:t>
             </a:r>
             <a:r>
-              <a:rPr lang="ko-KR" altLang="en-US" sz="1600" b="1" dirty="0" smtClean="0">
+              <a:rPr lang="ko-KR" altLang="en-US" b="1" dirty="0" smtClean="0">
                 <a:solidFill>
                   <a:srgbClr val="C00000"/>
                 </a:solidFill>
@@ -16793,7 +16950,7 @@
               <a:t>운동 기록</a:t>
             </a:r>
             <a:r>
-              <a:rPr lang="en-US" altLang="ko-KR" sz="1600" b="1" dirty="0" smtClean="0">
+              <a:rPr lang="en-US" altLang="ko-KR" b="1" dirty="0" smtClean="0">
                 <a:solidFill>
                   <a:srgbClr val="C00000"/>
                 </a:solidFill>
@@ -16801,7 +16958,7 @@
               <a:t>, </a:t>
             </a:r>
             <a:r>
-              <a:rPr lang="ko-KR" altLang="en-US" sz="1600" b="1" dirty="0" err="1" smtClean="0">
+              <a:rPr lang="ko-KR" altLang="en-US" b="1" dirty="0" err="1" smtClean="0">
                 <a:solidFill>
                   <a:srgbClr val="C00000"/>
                 </a:solidFill>
@@ -16809,14 +16966,14 @@
               <a:t>챌린지</a:t>
             </a:r>
             <a:r>
-              <a:rPr lang="ko-KR" altLang="en-US" sz="1600" b="1" dirty="0" smtClean="0">
+              <a:rPr lang="ko-KR" altLang="en-US" b="1" dirty="0" smtClean="0">
                 <a:solidFill>
                   <a:srgbClr val="C00000"/>
                 </a:solidFill>
               </a:rPr>
               <a:t> 참여</a:t>
             </a:r>
-            <a:endParaRPr lang="en-US" altLang="ko-KR" sz="1600" b="1" dirty="0" smtClean="0">
+            <a:endParaRPr lang="en-US" altLang="ko-KR" b="1" dirty="0" smtClean="0">
               <a:solidFill>
                 <a:srgbClr val="C00000"/>
               </a:solidFill>
@@ -16828,7 +16985,7 @@
               <a:buAutoNum type="arabicPeriod"/>
             </a:pPr>
             <a:r>
-              <a:rPr lang="ko-KR" altLang="en-US" sz="1600" dirty="0" smtClean="0">
+              <a:rPr lang="ko-KR" altLang="en-US" dirty="0" smtClean="0">
                 <a:solidFill>
                   <a:schemeClr val="tx1">
                     <a:lumMod val="85000"/>
@@ -16839,7 +16996,7 @@
               <a:t>부상당하지 않으려면</a:t>
             </a:r>
             <a:r>
-              <a:rPr lang="en-US" altLang="ko-KR" sz="1600" dirty="0" smtClean="0">
+              <a:rPr lang="en-US" altLang="ko-KR" dirty="0" smtClean="0">
                 <a:solidFill>
                   <a:schemeClr val="tx1">
                     <a:lumMod val="85000"/>
@@ -16850,17 +17007,201 @@
               <a:t>? </a:t>
             </a:r>
             <a:r>
-              <a:rPr lang="ko-KR" altLang="en-US" sz="1600" b="1" dirty="0" smtClean="0">
+              <a:rPr lang="ko-KR" altLang="en-US" b="1" dirty="0" smtClean="0">
                 <a:solidFill>
                   <a:srgbClr val="C00000"/>
                 </a:solidFill>
               </a:rPr>
               <a:t>맞춤 프로그램</a:t>
             </a:r>
-            <a:endParaRPr lang="en-US" altLang="ko-KR" sz="1600" b="1" dirty="0" smtClean="0">
+            <a:endParaRPr lang="en-US" altLang="ko-KR" b="1" dirty="0" smtClean="0">
               <a:solidFill>
                 <a:srgbClr val="C00000"/>
               </a:solidFill>
+            </a:endParaRPr>
+          </a:p>
+          <a:p>
+            <a:pPr lvl="1"/>
+            <a:endParaRPr lang="en-US" altLang="ko-KR" b="1" dirty="0" smtClean="0">
+              <a:solidFill>
+                <a:srgbClr val="C00000"/>
+              </a:solidFill>
+            </a:endParaRPr>
+          </a:p>
+          <a:p>
+            <a:pPr marL="342900" indent="-342900">
+              <a:buFontTx/>
+              <a:buAutoNum type="arabicPeriod"/>
+            </a:pPr>
+            <a:r>
+              <a:rPr lang="ko-KR" altLang="en-US" b="1" dirty="0" smtClean="0">
+                <a:solidFill>
+                  <a:srgbClr val="C00000"/>
+                </a:solidFill>
+              </a:rPr>
+              <a:t>프로젝트</a:t>
+            </a:r>
+            <a:endParaRPr lang="en-US" altLang="ko-KR" b="1" dirty="0" smtClean="0">
+              <a:solidFill>
+                <a:srgbClr val="C00000"/>
+              </a:solidFill>
+            </a:endParaRPr>
+          </a:p>
+          <a:p>
+            <a:pPr marL="342900" indent="-342900">
+              <a:buFontTx/>
+              <a:buAutoNum type="arabicPeriod"/>
+            </a:pPr>
+            <a:endParaRPr lang="en-US" altLang="ko-KR" b="1" dirty="0">
+              <a:solidFill>
+                <a:srgbClr val="C00000"/>
+              </a:solidFill>
+            </a:endParaRPr>
+          </a:p>
+          <a:p>
+            <a:pPr marL="800100" lvl="1" indent="-342900">
+              <a:buFontTx/>
+              <a:buAutoNum type="arabicPeriod"/>
+            </a:pPr>
+            <a:endParaRPr lang="en-US" altLang="ko-KR" dirty="0" smtClean="0">
+              <a:solidFill>
+                <a:schemeClr val="tx1">
+                  <a:lumMod val="85000"/>
+                  <a:lumOff val="15000"/>
+                </a:schemeClr>
+              </a:solidFill>
+            </a:endParaRPr>
+          </a:p>
+          <a:p>
+            <a:pPr marL="800100" lvl="1" indent="-342900">
+              <a:buFontTx/>
+              <a:buAutoNum type="arabicPeriod"/>
+            </a:pPr>
+            <a:endParaRPr lang="en-US" altLang="ko-KR" dirty="0" smtClean="0">
+              <a:solidFill>
+                <a:schemeClr val="tx1">
+                  <a:lumMod val="85000"/>
+                  <a:lumOff val="15000"/>
+                </a:schemeClr>
+              </a:solidFill>
+            </a:endParaRPr>
+          </a:p>
+          <a:p>
+            <a:pPr marL="800100" lvl="1" indent="-342900">
+              <a:buFontTx/>
+              <a:buAutoNum type="arabicPeriod"/>
+            </a:pPr>
+            <a:r>
+              <a:rPr lang="ko-KR" altLang="en-US" dirty="0" smtClean="0">
+                <a:solidFill>
+                  <a:schemeClr val="tx1">
+                    <a:lumMod val="85000"/>
+                    <a:lumOff val="15000"/>
+                  </a:schemeClr>
+                </a:solidFill>
+              </a:rPr>
+              <a:t>운동을 뜻하는 </a:t>
+            </a:r>
+            <a:r>
+              <a:rPr lang="en-US" altLang="ko-KR" dirty="0" smtClean="0">
+                <a:solidFill>
+                  <a:schemeClr val="tx1">
+                    <a:lumMod val="85000"/>
+                    <a:lumOff val="15000"/>
+                  </a:schemeClr>
+                </a:solidFill>
+              </a:rPr>
+              <a:t>Gym </a:t>
+            </a:r>
+            <a:r>
+              <a:rPr lang="ko-KR" altLang="en-US" dirty="0" smtClean="0">
+                <a:solidFill>
+                  <a:schemeClr val="tx1">
+                    <a:lumMod val="85000"/>
+                    <a:lumOff val="15000"/>
+                  </a:schemeClr>
+                </a:solidFill>
+              </a:rPr>
+              <a:t>과 공동체를 뜻하는 </a:t>
+            </a:r>
+            <a:r>
+              <a:rPr lang="en-US" altLang="ko-KR" dirty="0" smtClean="0">
+                <a:solidFill>
+                  <a:schemeClr val="tx1">
+                    <a:lumMod val="85000"/>
+                    <a:lumOff val="15000"/>
+                  </a:schemeClr>
+                </a:solidFill>
+              </a:rPr>
+              <a:t>Community </a:t>
+            </a:r>
+            <a:r>
+              <a:rPr lang="ko-KR" altLang="en-US" dirty="0" smtClean="0">
+                <a:solidFill>
+                  <a:schemeClr val="tx1">
+                    <a:lumMod val="85000"/>
+                    <a:lumOff val="15000"/>
+                  </a:schemeClr>
+                </a:solidFill>
+              </a:rPr>
+              <a:t>의 합성어</a:t>
+            </a:r>
+            <a:endParaRPr lang="en-US" altLang="ko-KR" dirty="0" smtClean="0">
+              <a:solidFill>
+                <a:schemeClr val="tx1">
+                  <a:lumMod val="85000"/>
+                  <a:lumOff val="15000"/>
+                </a:schemeClr>
+              </a:solidFill>
+            </a:endParaRPr>
+          </a:p>
+          <a:p>
+            <a:pPr marL="800100" lvl="1" indent="-342900">
+              <a:buFontTx/>
+              <a:buAutoNum type="arabicPeriod"/>
+            </a:pPr>
+            <a:r>
+              <a:rPr lang="ko-KR" altLang="en-US" dirty="0" smtClean="0">
+                <a:solidFill>
+                  <a:schemeClr val="tx1">
+                    <a:lumMod val="85000"/>
+                    <a:lumOff val="15000"/>
+                  </a:schemeClr>
+                </a:solidFill>
+              </a:rPr>
+              <a:t>홈 트레이닝을 배우고</a:t>
+            </a:r>
+            <a:r>
+              <a:rPr lang="en-US" altLang="ko-KR" dirty="0" smtClean="0">
+                <a:solidFill>
+                  <a:schemeClr val="tx1">
+                    <a:lumMod val="85000"/>
+                    <a:lumOff val="15000"/>
+                  </a:schemeClr>
+                </a:solidFill>
+              </a:rPr>
+              <a:t>, </a:t>
+            </a:r>
+            <a:r>
+              <a:rPr lang="ko-KR" altLang="en-US" dirty="0" smtClean="0">
+                <a:solidFill>
+                  <a:schemeClr val="tx1">
+                    <a:lumMod val="85000"/>
+                    <a:lumOff val="15000"/>
+                  </a:schemeClr>
+                </a:solidFill>
+              </a:rPr>
+              <a:t>다른 사람들과 함께 지속적인 동기 부여를 장려하는 웹 서비스</a:t>
+            </a:r>
+            <a:endParaRPr lang="ko-KR" altLang="en-US" dirty="0" smtClean="0">
+              <a:solidFill>
+                <a:schemeClr val="tx1">
+                  <a:lumMod val="85000"/>
+                  <a:lumOff val="15000"/>
+                </a:schemeClr>
+              </a:solidFill>
+              <a:latin typeface="나눔고딕" panose="020D0604000000000000" pitchFamily="50" charset="-127"/>
+              <a:ea typeface="나눔고딕" panose="020D0604000000000000" pitchFamily="50" charset="-127"/>
             </a:endParaRPr>
           </a:p>
         </p:txBody>
@@ -16986,7 +17327,7 @@
         </p:blipFill>
         <p:spPr>
           <a:xfrm>
-            <a:off x="2481580" y="-1689872"/>
+            <a:off x="1384300" y="1917700"/>
             <a:ext cx="6858000" cy="6858000"/>
           </a:xfrm>
           <a:prstGeom prst="rect">
@@ -16994,151 +17335,6 @@
           </a:prstGeom>
         </p:spPr>
       </p:pic>
-      <p:sp>
-        <p:nvSpPr>
-          <p:cNvPr id="3" name="직사각형 2"/>
-          <p:cNvSpPr/>
-          <p:nvPr/>
-        </p:nvSpPr>
-        <p:spPr>
-          <a:xfrm>
-            <a:off x="1199242" y="2456225"/>
-            <a:ext cx="9422675" cy="523220"/>
-          </a:xfrm>
-          <a:prstGeom prst="rect">
-            <a:avLst/>
-          </a:prstGeom>
-        </p:spPr>
-        <p:txBody>
-          <a:bodyPr wrap="square">
-            <a:spAutoFit/>
-          </a:bodyPr>
-          <a:lstStyle/>
-          <a:p>
-            <a:pPr lvl="1" algn="ctr"/>
-            <a:r>
-              <a:rPr lang="ko-KR" altLang="en-US" sz="1400" dirty="0" smtClean="0">
-                <a:solidFill>
-                  <a:schemeClr val="tx1">
-                    <a:lumMod val="85000"/>
-                    <a:lumOff val="15000"/>
-                  </a:schemeClr>
-                </a:solidFill>
-              </a:rPr>
-              <a:t>운동을 </a:t>
-            </a:r>
-            <a:r>
-              <a:rPr lang="ko-KR" altLang="en-US" sz="1400" dirty="0">
-                <a:solidFill>
-                  <a:schemeClr val="tx1">
-                    <a:lumMod val="85000"/>
-                    <a:lumOff val="15000"/>
-                  </a:schemeClr>
-                </a:solidFill>
-              </a:rPr>
-              <a:t>뜻하는 </a:t>
-            </a:r>
-            <a:r>
-              <a:rPr lang="en-US" altLang="ko-KR" sz="1400" dirty="0">
-                <a:solidFill>
-                  <a:schemeClr val="tx1">
-                    <a:lumMod val="85000"/>
-                    <a:lumOff val="15000"/>
-                  </a:schemeClr>
-                </a:solidFill>
-              </a:rPr>
-              <a:t>Gym </a:t>
-            </a:r>
-            <a:r>
-              <a:rPr lang="ko-KR" altLang="en-US" sz="1400" dirty="0">
-                <a:solidFill>
-                  <a:schemeClr val="tx1">
-                    <a:lumMod val="85000"/>
-                    <a:lumOff val="15000"/>
-                  </a:schemeClr>
-                </a:solidFill>
-              </a:rPr>
-              <a:t>과 공동체를 뜻하는 </a:t>
-            </a:r>
-            <a:r>
-              <a:rPr lang="en-US" altLang="ko-KR" sz="1400" dirty="0">
-                <a:solidFill>
-                  <a:schemeClr val="tx1">
-                    <a:lumMod val="85000"/>
-                    <a:lumOff val="15000"/>
-                  </a:schemeClr>
-                </a:solidFill>
-              </a:rPr>
-              <a:t>Community </a:t>
-            </a:r>
-            <a:r>
-              <a:rPr lang="ko-KR" altLang="en-US" sz="1400" dirty="0">
-                <a:solidFill>
-                  <a:schemeClr val="tx1">
-                    <a:lumMod val="85000"/>
-                    <a:lumOff val="15000"/>
-                  </a:schemeClr>
-                </a:solidFill>
-              </a:rPr>
-              <a:t>의 합성어</a:t>
-            </a:r>
-            <a:endParaRPr lang="en-US" altLang="ko-KR" sz="1400" dirty="0">
-              <a:solidFill>
-                <a:schemeClr val="tx1">
-                  <a:lumMod val="85000"/>
-                  <a:lumOff val="15000"/>
-                </a:schemeClr>
-              </a:solidFill>
-            </a:endParaRPr>
-          </a:p>
-          <a:p>
-            <a:pPr lvl="1" algn="ctr"/>
-            <a:r>
-              <a:rPr lang="ko-KR" altLang="en-US" sz="1400" dirty="0">
-                <a:solidFill>
-                  <a:schemeClr val="tx1">
-                    <a:lumMod val="85000"/>
-                    <a:lumOff val="15000"/>
-                  </a:schemeClr>
-                </a:solidFill>
-              </a:rPr>
-              <a:t>홈 트레이닝을 배우고</a:t>
-            </a:r>
-            <a:r>
-              <a:rPr lang="en-US" altLang="ko-KR" sz="1400" dirty="0">
-                <a:solidFill>
-                  <a:schemeClr val="tx1">
-                    <a:lumMod val="85000"/>
-                    <a:lumOff val="15000"/>
-                  </a:schemeClr>
-                </a:solidFill>
-              </a:rPr>
-              <a:t>, </a:t>
-            </a:r>
-            <a:r>
-              <a:rPr lang="ko-KR" altLang="en-US" sz="1400" dirty="0">
-                <a:solidFill>
-                  <a:schemeClr val="tx1">
-                    <a:lumMod val="85000"/>
-                    <a:lumOff val="15000"/>
-                  </a:schemeClr>
-                </a:solidFill>
-              </a:rPr>
-              <a:t>다른 사람들과 함께 지속적인 동기 부여를 장려하는 웹 서비스</a:t>
-            </a:r>
-            <a:endParaRPr lang="ko-KR" altLang="en-US" sz="1400" dirty="0">
-              <a:solidFill>
-                <a:schemeClr val="tx1">
-                  <a:lumMod val="85000"/>
-                  <a:lumOff val="15000"/>
-                </a:schemeClr>
-              </a:solidFill>
-              <a:latin typeface="나눔고딕" panose="020D0604000000000000" pitchFamily="50" charset="-127"/>
-              <a:ea typeface="나눔고딕" panose="020D0604000000000000" pitchFamily="50" charset="-127"/>
-            </a:endParaRPr>
-          </a:p>
-        </p:txBody>
-      </p:sp>
     </p:spTree>
     <p:extLst>
       <p:ext uri="{BB962C8B-B14F-4D97-AF65-F5344CB8AC3E}">
@@ -18024,7 +18220,7 @@
         </p:nvSpPr>
         <p:spPr>
           <a:xfrm>
-            <a:off x="215800" y="2136752"/>
+            <a:off x="2465514" y="2136752"/>
             <a:ext cx="2568539" cy="1500027"/>
           </a:xfrm>
           <a:prstGeom prst="rightArrow">
@@ -18157,9 +18353,9 @@
                 <a:latin typeface="나눔고딕 ExtraBold" panose="020D0904000000000000" pitchFamily="50" charset="-127"/>
                 <a:ea typeface="나눔고딕 ExtraBold" panose="020D0904000000000000" pitchFamily="50" charset="-127"/>
               </a:rPr>
-              <a:t>프로젝트 일정</a:t>
-            </a:r>
-            <a:endParaRPr lang="en-US" altLang="ko-KR" sz="2400" b="1" dirty="0" smtClean="0">
+              <a:t>프로젝트 범위 및 일정</a:t>
+            </a:r>
+            <a:endParaRPr lang="ko-KR" altLang="en-US" sz="2400" b="1" dirty="0">
               <a:latin typeface="나눔고딕 ExtraBold" panose="020D0904000000000000" pitchFamily="50" charset="-127"/>
               <a:ea typeface="나눔고딕 ExtraBold" panose="020D0904000000000000" pitchFamily="50" charset="-127"/>
             </a:endParaRPr>
@@ -18198,63 +18394,66 @@
       </p:pic>
       <p:graphicFrame>
         <p:nvGraphicFramePr>
-          <p:cNvPr id="2" name="표 1"/>
+          <p:cNvPr id="7" name="표 6"/>
           <p:cNvGraphicFramePr>
             <a:graphicFrameLocks noGrp="1"/>
           </p:cNvGraphicFramePr>
           <p:nvPr>
             <p:extLst>
               <p:ext uri="{D42A27DB-BD31-4B8C-83A1-F6EECF244321}">
-                <p14:modId xmlns:p14="http://schemas.microsoft.com/office/powerpoint/2010/main" val="4144958387"/>
+                <p14:modId xmlns:p14="http://schemas.microsoft.com/office/powerpoint/2010/main" val="745379906"/>
               </p:ext>
             </p:extLst>
           </p:nvPr>
         </p:nvGraphicFramePr>
         <p:xfrm>
-          <a:off x="391886" y="909439"/>
-          <a:ext cx="11495313" cy="5784283"/>
+          <a:off x="261258" y="3988528"/>
+          <a:ext cx="11686900" cy="2647404"/>
         </p:xfrm>
         <a:graphic>
           <a:graphicData uri="http://schemas.openxmlformats.org/drawingml/2006/table">
             <a:tbl>
-              <a:tblPr>
+              <a:tblPr firstRow="1" bandRow="1">
                 <a:tableStyleId>{5C22544A-7EE6-4342-B048-85BDC9FD1C3A}</a:tableStyleId>
               </a:tblPr>
               <a:tblGrid>
-                <a:gridCol w="910520"/>
-                <a:gridCol w="910520"/>
-                <a:gridCol w="1669286"/>
-                <a:gridCol w="2668329"/>
-                <a:gridCol w="2668329"/>
-                <a:gridCol w="2668329"/>
+                <a:gridCol w="2337380"/>
+                <a:gridCol w="2337380"/>
+                <a:gridCol w="2337380"/>
+                <a:gridCol w="2337380"/>
+                <a:gridCol w="2337380"/>
               </a:tblGrid>
-              <a:tr h="257938">
+              <a:tr h="441234">
                 <a:tc>
                   <a:txBody>
                     <a:bodyPr/>
                     <a:lstStyle/>
                     <a:p>
-                      <a:pPr algn="ctr" fontAlgn="b"/>
+                      <a:pPr marL="0" marR="0" indent="0" algn="ctr" defTabSz="914400" rtl="0" eaLnBrk="1" fontAlgn="auto" latinLnBrk="1" hangingPunct="1">
+                        <a:lnSpc>
+                          <a:spcPct val="100000"/>
+                        </a:lnSpc>
+                        <a:spcBef>
+                          <a:spcPts val="0"/>
+                        </a:spcBef>
+                        <a:spcAft>
+                          <a:spcPts val="0"/>
+                        </a:spcAft>
+                        <a:buClrTx/>
+                        <a:buSzTx/>
+                        <a:buFontTx/>
+                        <a:buNone/>
+                        <a:tabLst/>
+                        <a:defRPr/>
+                      </a:pPr>
                       <a:r>
-                        <a:rPr lang="ko-KR" altLang="en-US" sz="1600" b="1" u="none" strike="noStrike" dirty="0">
-                          <a:solidFill>
-                            <a:schemeClr val="bg1"/>
-                          </a:solidFill>
-                          <a:effectLst/>
-                        </a:rPr>
-                        <a:t>　</a:t>
+                        <a:rPr lang="ko-KR" altLang="en-US" dirty="0" smtClean="0"/>
+                        <a:t>월</a:t>
                       </a:r>
-                      <a:endParaRPr lang="ko-KR" altLang="en-US" sz="1600" b="1" i="0" u="none" strike="noStrike" dirty="0">
-                        <a:solidFill>
-                          <a:schemeClr val="bg1"/>
-                        </a:solidFill>
-                        <a:effectLst/>
-                        <a:latin typeface="맑은 고딕" panose="020B0503020000020004" pitchFamily="50" charset="-127"/>
-                        <a:ea typeface="맑은 고딕" panose="020B0503020000020004" pitchFamily="50" charset="-127"/>
-                      </a:endParaRPr>
+                      <a:endParaRPr lang="ko-KR" altLang="en-US" dirty="0"/>
                     </a:p>
                   </a:txBody>
-                  <a:tcPr marL="6757" marR="6757" marT="6757" marB="0" anchor="ctr">
+                  <a:tcPr anchor="ctr">
                     <a:solidFill>
                       <a:srgbClr val="31375D"/>
                     </a:solidFill>
@@ -18265,27 +18464,15 @@
                     <a:bodyPr/>
                     <a:lstStyle/>
                     <a:p>
-                      <a:pPr algn="ctr" fontAlgn="b"/>
+                      <a:pPr algn="ctr" latinLnBrk="1"/>
                       <a:r>
-                        <a:rPr lang="ko-KR" altLang="en-US" sz="1600" b="1" u="none" strike="noStrike" dirty="0">
-                          <a:solidFill>
-                            <a:schemeClr val="bg1"/>
-                          </a:solidFill>
-                          <a:effectLst/>
-                        </a:rPr>
-                        <a:t>　</a:t>
+                        <a:rPr lang="ko-KR" altLang="en-US" dirty="0" smtClean="0"/>
+                        <a:t>화</a:t>
                       </a:r>
-                      <a:endParaRPr lang="ko-KR" altLang="en-US" sz="1600" b="1" i="0" u="none" strike="noStrike" dirty="0">
-                        <a:solidFill>
-                          <a:schemeClr val="bg1"/>
-                        </a:solidFill>
-                        <a:effectLst/>
-                        <a:latin typeface="맑은 고딕" panose="020B0503020000020004" pitchFamily="50" charset="-127"/>
-                        <a:ea typeface="맑은 고딕" panose="020B0503020000020004" pitchFamily="50" charset="-127"/>
-                      </a:endParaRPr>
+                      <a:endParaRPr lang="ko-KR" altLang="en-US" dirty="0"/>
                     </a:p>
                   </a:txBody>
-                  <a:tcPr marL="6757" marR="6757" marT="6757" marB="0" anchor="ctr">
+                  <a:tcPr anchor="ctr">
                     <a:solidFill>
                       <a:srgbClr val="31375D"/>
                     </a:solidFill>
@@ -18296,27 +18483,15 @@
                     <a:bodyPr/>
                     <a:lstStyle/>
                     <a:p>
-                      <a:pPr algn="ctr" fontAlgn="b"/>
+                      <a:pPr algn="ctr" latinLnBrk="1"/>
                       <a:r>
-                        <a:rPr lang="ko-KR" altLang="en-US" sz="1600" b="1" u="none" strike="noStrike" dirty="0">
-                          <a:solidFill>
-                            <a:schemeClr val="bg1"/>
-                          </a:solidFill>
-                          <a:effectLst/>
-                        </a:rPr>
-                        <a:t>주제</a:t>
+                        <a:rPr lang="ko-KR" altLang="en-US" dirty="0" smtClean="0"/>
+                        <a:t>수</a:t>
                       </a:r>
-                      <a:endParaRPr lang="ko-KR" altLang="en-US" sz="1600" b="1" i="0" u="none" strike="noStrike" dirty="0">
-                        <a:solidFill>
-                          <a:schemeClr val="bg1"/>
-                        </a:solidFill>
-                        <a:effectLst/>
-                        <a:latin typeface="맑은 고딕" panose="020B0503020000020004" pitchFamily="50" charset="-127"/>
-                        <a:ea typeface="맑은 고딕" panose="020B0503020000020004" pitchFamily="50" charset="-127"/>
-                      </a:endParaRPr>
+                      <a:endParaRPr lang="ko-KR" altLang="en-US" dirty="0"/>
                     </a:p>
                   </a:txBody>
-                  <a:tcPr marL="6757" marR="6757" marT="6757" marB="0" anchor="ctr">
+                  <a:tcPr anchor="ctr">
                     <a:solidFill>
                       <a:srgbClr val="31375D"/>
                     </a:solidFill>
@@ -18327,27 +18502,15 @@
                     <a:bodyPr/>
                     <a:lstStyle/>
                     <a:p>
-                      <a:pPr algn="ctr" fontAlgn="b"/>
+                      <a:pPr algn="ctr" latinLnBrk="1"/>
                       <a:r>
-                        <a:rPr lang="ko-KR" altLang="en-US" sz="1600" b="1" u="none" strike="noStrike" dirty="0">
-                          <a:solidFill>
-                            <a:schemeClr val="bg1"/>
-                          </a:solidFill>
-                          <a:effectLst/>
-                        </a:rPr>
-                        <a:t>홍보람</a:t>
+                        <a:rPr lang="ko-KR" altLang="en-US" dirty="0" smtClean="0"/>
+                        <a:t>목</a:t>
                       </a:r>
-                      <a:endParaRPr lang="ko-KR" altLang="en-US" sz="1600" b="1" i="0" u="none" strike="noStrike" dirty="0">
-                        <a:solidFill>
-                          <a:schemeClr val="bg1"/>
-                        </a:solidFill>
-                        <a:effectLst/>
-                        <a:latin typeface="맑은 고딕" panose="020B0503020000020004" pitchFamily="50" charset="-127"/>
-                        <a:ea typeface="맑은 고딕" panose="020B0503020000020004" pitchFamily="50" charset="-127"/>
-                      </a:endParaRPr>
+                      <a:endParaRPr lang="ko-KR" altLang="en-US" dirty="0"/>
                     </a:p>
                   </a:txBody>
-                  <a:tcPr marL="6757" marR="6757" marT="6757" marB="0" anchor="ctr">
+                  <a:tcPr anchor="ctr">
                     <a:solidFill>
                       <a:srgbClr val="31375D"/>
                     </a:solidFill>
@@ -18358,1119 +18521,32 @@
                     <a:bodyPr/>
                     <a:lstStyle/>
                     <a:p>
-                      <a:pPr algn="ctr" fontAlgn="b"/>
+                      <a:pPr algn="ctr" latinLnBrk="1"/>
                       <a:r>
-                        <a:rPr lang="ko-KR" altLang="en-US" sz="1600" b="1" u="none" strike="noStrike" dirty="0">
-                          <a:solidFill>
-                            <a:schemeClr val="bg1"/>
-                          </a:solidFill>
-                          <a:effectLst/>
-                        </a:rPr>
-                        <a:t>김민호</a:t>
+                        <a:rPr lang="ko-KR" altLang="en-US" dirty="0" smtClean="0"/>
+                        <a:t>금</a:t>
                       </a:r>
-                      <a:r>
-                        <a:rPr lang="en-US" altLang="ko-KR" sz="1600" b="1" u="none" strike="noStrike" dirty="0">
-                          <a:solidFill>
-                            <a:schemeClr val="bg1"/>
-                          </a:solidFill>
-                          <a:effectLst/>
-                        </a:rPr>
-                        <a:t>, </a:t>
-                      </a:r>
-                      <a:r>
-                        <a:rPr lang="ko-KR" altLang="en-US" sz="1600" b="1" u="none" strike="noStrike" dirty="0">
-                          <a:solidFill>
-                            <a:schemeClr val="bg1"/>
-                          </a:solidFill>
-                          <a:effectLst/>
-                        </a:rPr>
-                        <a:t>조윤수</a:t>
-                      </a:r>
-                      <a:endParaRPr lang="ko-KR" altLang="en-US" sz="1600" b="1" i="0" u="none" strike="noStrike" dirty="0">
-                        <a:solidFill>
-                          <a:schemeClr val="bg1"/>
-                        </a:solidFill>
-                        <a:effectLst/>
-                        <a:latin typeface="맑은 고딕" panose="020B0503020000020004" pitchFamily="50" charset="-127"/>
-                        <a:ea typeface="맑은 고딕" panose="020B0503020000020004" pitchFamily="50" charset="-127"/>
-                      </a:endParaRPr>
+                      <a:endParaRPr lang="ko-KR" altLang="en-US" dirty="0"/>
                     </a:p>
                   </a:txBody>
-                  <a:tcPr marL="6757" marR="6757" marT="6757" marB="0" anchor="ctr">
-                    <a:solidFill>
-                      <a:srgbClr val="31375D"/>
-                    </a:solidFill>
-                  </a:tcPr>
-                </a:tc>
-                <a:tc>
-                  <a:txBody>
-                    <a:bodyPr/>
-                    <a:lstStyle/>
-                    <a:p>
-                      <a:pPr algn="ctr" fontAlgn="b"/>
-                      <a:r>
-                        <a:rPr lang="ko-KR" altLang="en-US" sz="1600" b="1" u="none" strike="noStrike" dirty="0">
-                          <a:solidFill>
-                            <a:schemeClr val="bg1"/>
-                          </a:solidFill>
-                          <a:effectLst/>
-                        </a:rPr>
-                        <a:t>김진화</a:t>
-                      </a:r>
-                      <a:r>
-                        <a:rPr lang="en-US" altLang="ko-KR" sz="1600" b="1" u="none" strike="noStrike" dirty="0">
-                          <a:solidFill>
-                            <a:schemeClr val="bg1"/>
-                          </a:solidFill>
-                          <a:effectLst/>
-                        </a:rPr>
-                        <a:t>, </a:t>
-                      </a:r>
-                      <a:r>
-                        <a:rPr lang="ko-KR" altLang="en-US" sz="1600" b="1" u="none" strike="noStrike" dirty="0">
-                          <a:solidFill>
-                            <a:schemeClr val="bg1"/>
-                          </a:solidFill>
-                          <a:effectLst/>
-                        </a:rPr>
-                        <a:t>임채현</a:t>
-                      </a:r>
-                      <a:endParaRPr lang="ko-KR" altLang="en-US" sz="1600" b="1" i="0" u="none" strike="noStrike" dirty="0">
-                        <a:solidFill>
-                          <a:schemeClr val="bg1"/>
-                        </a:solidFill>
-                        <a:effectLst/>
-                        <a:latin typeface="맑은 고딕" panose="020B0503020000020004" pitchFamily="50" charset="-127"/>
-                        <a:ea typeface="맑은 고딕" panose="020B0503020000020004" pitchFamily="50" charset="-127"/>
-                      </a:endParaRPr>
-                    </a:p>
-                  </a:txBody>
-                  <a:tcPr marL="6757" marR="6757" marT="6757" marB="0" anchor="ctr">
+                  <a:tcPr anchor="ctr">
                     <a:solidFill>
                       <a:srgbClr val="31375D"/>
                     </a:solidFill>
                   </a:tcPr>
                 </a:tc>
               </a:tr>
-              <a:tr h="266544">
+              <a:tr h="441234">
                 <a:tc>
                   <a:txBody>
                     <a:bodyPr/>
                     <a:lstStyle/>
                     <a:p>
-                      <a:pPr algn="ctr" fontAlgn="b"/>
-                      <a:r>
-                        <a:rPr lang="en-US" altLang="ko-KR" sz="1100" u="none" strike="noStrike" dirty="0">
-                          <a:solidFill>
-                            <a:schemeClr val="tx1">
-                              <a:lumMod val="85000"/>
-                              <a:lumOff val="15000"/>
-                            </a:schemeClr>
-                          </a:solidFill>
-                          <a:effectLst/>
-                        </a:rPr>
-                        <a:t>4</a:t>
-                      </a:r>
-                      <a:r>
-                        <a:rPr lang="ko-KR" altLang="en-US" sz="1100" u="none" strike="noStrike" dirty="0">
-                          <a:solidFill>
-                            <a:schemeClr val="tx1">
-                              <a:lumMod val="85000"/>
-                              <a:lumOff val="15000"/>
-                            </a:schemeClr>
-                          </a:solidFill>
-                          <a:effectLst/>
-                        </a:rPr>
-                        <a:t>월 </a:t>
-                      </a:r>
-                      <a:r>
-                        <a:rPr lang="en-US" altLang="ko-KR" sz="1100" u="none" strike="noStrike" dirty="0">
-                          <a:solidFill>
-                            <a:schemeClr val="tx1">
-                              <a:lumMod val="85000"/>
-                              <a:lumOff val="15000"/>
-                            </a:schemeClr>
-                          </a:solidFill>
-                          <a:effectLst/>
-                        </a:rPr>
-                        <a:t>3</a:t>
-                      </a:r>
-                      <a:r>
-                        <a:rPr lang="ko-KR" altLang="en-US" sz="1100" u="none" strike="noStrike" dirty="0">
-                          <a:solidFill>
-                            <a:schemeClr val="tx1">
-                              <a:lumMod val="85000"/>
-                              <a:lumOff val="15000"/>
-                            </a:schemeClr>
-                          </a:solidFill>
-                          <a:effectLst/>
-                        </a:rPr>
-                        <a:t>일</a:t>
-                      </a:r>
-                      <a:endParaRPr lang="ko-KR" altLang="en-US" sz="1100" b="0" i="0" u="none" strike="noStrike" dirty="0">
-                        <a:solidFill>
-                          <a:schemeClr val="tx1">
-                            <a:lumMod val="85000"/>
-                            <a:lumOff val="15000"/>
-                          </a:schemeClr>
-                        </a:solidFill>
-                        <a:effectLst/>
-                        <a:latin typeface="맑은 고딕" panose="020B0503020000020004" pitchFamily="50" charset="-127"/>
-                        <a:ea typeface="맑은 고딕" panose="020B0503020000020004" pitchFamily="50" charset="-127"/>
-                      </a:endParaRPr>
+                      <a:pPr latinLnBrk="1"/>
+                      <a:endParaRPr lang="ko-KR" altLang="en-US" sz="1400" b="0" dirty="0"/>
                     </a:p>
                   </a:txBody>
-                  <a:tcPr marL="6757" marR="6757" marT="6757" marB="0" anchor="ctr">
-                    <a:solidFill>
-                      <a:srgbClr val="D7D7D7"/>
-                    </a:solidFill>
-                  </a:tcPr>
-                </a:tc>
-                <a:tc>
-                  <a:txBody>
-                    <a:bodyPr/>
-                    <a:lstStyle/>
-                    <a:p>
-                      <a:pPr algn="ctr" fontAlgn="b"/>
-                      <a:r>
-                        <a:rPr lang="ko-KR" altLang="en-US" sz="1100" u="none" strike="noStrike">
-                          <a:solidFill>
-                            <a:schemeClr val="tx1">
-                              <a:lumMod val="85000"/>
-                              <a:lumOff val="15000"/>
-                            </a:schemeClr>
-                          </a:solidFill>
-                          <a:effectLst/>
-                        </a:rPr>
-                        <a:t>수요일</a:t>
-                      </a:r>
-                      <a:endParaRPr lang="ko-KR" altLang="en-US" sz="1100" b="0" i="0" u="none" strike="noStrike">
-                        <a:solidFill>
-                          <a:schemeClr val="tx1">
-                            <a:lumMod val="85000"/>
-                            <a:lumOff val="15000"/>
-                          </a:schemeClr>
-                        </a:solidFill>
-                        <a:effectLst/>
-                        <a:latin typeface="맑은 고딕" panose="020B0503020000020004" pitchFamily="50" charset="-127"/>
-                        <a:ea typeface="맑은 고딕" panose="020B0503020000020004" pitchFamily="50" charset="-127"/>
-                      </a:endParaRPr>
-                    </a:p>
-                  </a:txBody>
-                  <a:tcPr marL="6757" marR="6757" marT="6757" marB="0" anchor="ctr">
-                    <a:solidFill>
-                      <a:srgbClr val="D7D7D7"/>
-                    </a:solidFill>
-                  </a:tcPr>
-                </a:tc>
-                <a:tc>
-                  <a:txBody>
-                    <a:bodyPr/>
-                    <a:lstStyle/>
-                    <a:p>
-                      <a:pPr algn="ctr" fontAlgn="b"/>
-                      <a:r>
-                        <a:rPr lang="ko-KR" altLang="en-US" sz="1100" u="none" strike="noStrike" dirty="0">
-                          <a:solidFill>
-                            <a:schemeClr val="tx1">
-                              <a:lumMod val="85000"/>
-                              <a:lumOff val="15000"/>
-                            </a:schemeClr>
-                          </a:solidFill>
-                          <a:effectLst/>
-                        </a:rPr>
-                        <a:t>시작발표</a:t>
-                      </a:r>
-                      <a:endParaRPr lang="ko-KR" altLang="en-US" sz="1100" b="0" i="0" u="none" strike="noStrike" dirty="0">
-                        <a:solidFill>
-                          <a:schemeClr val="tx1">
-                            <a:lumMod val="85000"/>
-                            <a:lumOff val="15000"/>
-                          </a:schemeClr>
-                        </a:solidFill>
-                        <a:effectLst/>
-                        <a:latin typeface="맑은 고딕" panose="020B0503020000020004" pitchFamily="50" charset="-127"/>
-                        <a:ea typeface="맑은 고딕" panose="020B0503020000020004" pitchFamily="50" charset="-127"/>
-                      </a:endParaRPr>
-                    </a:p>
-                  </a:txBody>
-                  <a:tcPr marL="6757" marR="6757" marT="6757" marB="0" anchor="ctr">
-                    <a:solidFill>
-                      <a:srgbClr val="D7D7D7"/>
-                    </a:solidFill>
-                  </a:tcPr>
-                </a:tc>
-                <a:tc gridSpan="3">
-                  <a:txBody>
-                    <a:bodyPr/>
-                    <a:lstStyle/>
-                    <a:p>
-                      <a:pPr algn="ctr" fontAlgn="b"/>
-                      <a:r>
-                        <a:rPr lang="ko-KR" altLang="en-US" sz="1100" u="none" strike="noStrike">
-                          <a:solidFill>
-                            <a:schemeClr val="tx1">
-                              <a:lumMod val="85000"/>
-                              <a:lumOff val="15000"/>
-                            </a:schemeClr>
-                          </a:solidFill>
-                          <a:effectLst/>
-                        </a:rPr>
-                        <a:t>스토리보드 설계</a:t>
-                      </a:r>
-                      <a:endParaRPr lang="ko-KR" altLang="en-US" sz="1100" b="0" i="0" u="none" strike="noStrike">
-                        <a:solidFill>
-                          <a:schemeClr val="tx1">
-                            <a:lumMod val="85000"/>
-                            <a:lumOff val="15000"/>
-                          </a:schemeClr>
-                        </a:solidFill>
-                        <a:effectLst/>
-                        <a:latin typeface="맑은 고딕" panose="020B0503020000020004" pitchFamily="50" charset="-127"/>
-                        <a:ea typeface="맑은 고딕" panose="020B0503020000020004" pitchFamily="50" charset="-127"/>
-                      </a:endParaRPr>
-                    </a:p>
-                  </a:txBody>
-                  <a:tcPr marL="6757" marR="6757" marT="6757" marB="0" anchor="ctr">
-                    <a:solidFill>
-                      <a:srgbClr val="F8F9FA"/>
-                    </a:solidFill>
-                  </a:tcPr>
-                </a:tc>
-                <a:tc hMerge="1">
-                  <a:txBody>
-                    <a:bodyPr/>
-                    <a:lstStyle/>
-                    <a:p>
-                      <a:pPr latinLnBrk="1"/>
-                      <a:endParaRPr lang="ko-KR" altLang="en-US"/>
-                    </a:p>
-                  </a:txBody>
-                  <a:tcPr/>
-                </a:tc>
-                <a:tc hMerge="1">
-                  <a:txBody>
-                    <a:bodyPr/>
-                    <a:lstStyle/>
-                    <a:p>
-                      <a:pPr latinLnBrk="1"/>
-                      <a:endParaRPr lang="ko-KR" altLang="en-US"/>
-                    </a:p>
-                  </a:txBody>
-                  <a:tcPr/>
-                </a:tc>
-              </a:tr>
-              <a:tr h="266544">
-                <a:tc>
-                  <a:txBody>
-                    <a:bodyPr/>
-                    <a:lstStyle/>
-                    <a:p>
-                      <a:pPr algn="ctr" fontAlgn="b"/>
-                      <a:r>
-                        <a:rPr lang="en-US" altLang="ko-KR" sz="1100" u="none" strike="noStrike">
-                          <a:solidFill>
-                            <a:schemeClr val="tx1">
-                              <a:lumMod val="85000"/>
-                              <a:lumOff val="15000"/>
-                            </a:schemeClr>
-                          </a:solidFill>
-                          <a:effectLst/>
-                        </a:rPr>
-                        <a:t>4</a:t>
-                      </a:r>
-                      <a:r>
-                        <a:rPr lang="ko-KR" altLang="en-US" sz="1100" u="none" strike="noStrike">
-                          <a:solidFill>
-                            <a:schemeClr val="tx1">
-                              <a:lumMod val="85000"/>
-                              <a:lumOff val="15000"/>
-                            </a:schemeClr>
-                          </a:solidFill>
-                          <a:effectLst/>
-                        </a:rPr>
-                        <a:t>월 </a:t>
-                      </a:r>
-                      <a:r>
-                        <a:rPr lang="en-US" altLang="ko-KR" sz="1100" u="none" strike="noStrike">
-                          <a:solidFill>
-                            <a:schemeClr val="tx1">
-                              <a:lumMod val="85000"/>
-                              <a:lumOff val="15000"/>
-                            </a:schemeClr>
-                          </a:solidFill>
-                          <a:effectLst/>
-                        </a:rPr>
-                        <a:t>4</a:t>
-                      </a:r>
-                      <a:r>
-                        <a:rPr lang="ko-KR" altLang="en-US" sz="1100" u="none" strike="noStrike">
-                          <a:solidFill>
-                            <a:schemeClr val="tx1">
-                              <a:lumMod val="85000"/>
-                              <a:lumOff val="15000"/>
-                            </a:schemeClr>
-                          </a:solidFill>
-                          <a:effectLst/>
-                        </a:rPr>
-                        <a:t>일</a:t>
-                      </a:r>
-                      <a:endParaRPr lang="ko-KR" altLang="en-US" sz="1100" b="0" i="0" u="none" strike="noStrike">
-                        <a:solidFill>
-                          <a:schemeClr val="tx1">
-                            <a:lumMod val="85000"/>
-                            <a:lumOff val="15000"/>
-                          </a:schemeClr>
-                        </a:solidFill>
-                        <a:effectLst/>
-                        <a:latin typeface="맑은 고딕" panose="020B0503020000020004" pitchFamily="50" charset="-127"/>
-                        <a:ea typeface="맑은 고딕" panose="020B0503020000020004" pitchFamily="50" charset="-127"/>
-                      </a:endParaRPr>
-                    </a:p>
-                  </a:txBody>
-                  <a:tcPr marL="6757" marR="6757" marT="6757" marB="0" anchor="ctr">
-                    <a:solidFill>
-                      <a:srgbClr val="D7D7D7"/>
-                    </a:solidFill>
-                  </a:tcPr>
-                </a:tc>
-                <a:tc>
-                  <a:txBody>
-                    <a:bodyPr/>
-                    <a:lstStyle/>
-                    <a:p>
-                      <a:pPr algn="ctr" fontAlgn="b"/>
-                      <a:r>
-                        <a:rPr lang="ko-KR" altLang="en-US" sz="1100" u="none" strike="noStrike">
-                          <a:solidFill>
-                            <a:schemeClr val="tx1">
-                              <a:lumMod val="85000"/>
-                              <a:lumOff val="15000"/>
-                            </a:schemeClr>
-                          </a:solidFill>
-                          <a:effectLst/>
-                        </a:rPr>
-                        <a:t>목요일</a:t>
-                      </a:r>
-                      <a:endParaRPr lang="ko-KR" altLang="en-US" sz="1100" b="0" i="0" u="none" strike="noStrike">
-                        <a:solidFill>
-                          <a:schemeClr val="tx1">
-                            <a:lumMod val="85000"/>
-                            <a:lumOff val="15000"/>
-                          </a:schemeClr>
-                        </a:solidFill>
-                        <a:effectLst/>
-                        <a:latin typeface="맑은 고딕" panose="020B0503020000020004" pitchFamily="50" charset="-127"/>
-                        <a:ea typeface="맑은 고딕" panose="020B0503020000020004" pitchFamily="50" charset="-127"/>
-                      </a:endParaRPr>
-                    </a:p>
-                  </a:txBody>
-                  <a:tcPr marL="6757" marR="6757" marT="6757" marB="0" anchor="ctr">
-                    <a:solidFill>
-                      <a:srgbClr val="D7D7D7"/>
-                    </a:solidFill>
-                  </a:tcPr>
-                </a:tc>
-                <a:tc rowSpan="2">
-                  <a:txBody>
-                    <a:bodyPr/>
-                    <a:lstStyle/>
-                    <a:p>
-                      <a:pPr algn="ctr" fontAlgn="b"/>
-                      <a:r>
-                        <a:rPr lang="ko-KR" altLang="en-US" sz="1100" u="none" strike="noStrike" dirty="0" err="1">
-                          <a:solidFill>
-                            <a:schemeClr val="tx1">
-                              <a:lumMod val="85000"/>
-                              <a:lumOff val="15000"/>
-                            </a:schemeClr>
-                          </a:solidFill>
-                          <a:effectLst/>
-                        </a:rPr>
-                        <a:t>멘토링</a:t>
-                      </a:r>
-                      <a:endParaRPr lang="ko-KR" altLang="en-US" sz="1100" b="0" i="0" u="none" strike="noStrike" dirty="0">
-                        <a:solidFill>
-                          <a:schemeClr val="tx1">
-                            <a:lumMod val="85000"/>
-                            <a:lumOff val="15000"/>
-                          </a:schemeClr>
-                        </a:solidFill>
-                        <a:effectLst/>
-                        <a:latin typeface="맑은 고딕" panose="020B0503020000020004" pitchFamily="50" charset="-127"/>
-                        <a:ea typeface="맑은 고딕" panose="020B0503020000020004" pitchFamily="50" charset="-127"/>
-                      </a:endParaRPr>
-                    </a:p>
-                  </a:txBody>
-                  <a:tcPr marL="6757" marR="6757" marT="6757" marB="0" anchor="ctr">
-                    <a:solidFill>
-                      <a:srgbClr val="D7D7D7"/>
-                    </a:solidFill>
-                  </a:tcPr>
-                </a:tc>
-                <a:tc rowSpan="2" gridSpan="3">
-                  <a:txBody>
-                    <a:bodyPr/>
-                    <a:lstStyle/>
-                    <a:p>
-                      <a:pPr algn="ctr" fontAlgn="b"/>
-                      <a:r>
-                        <a:rPr lang="ko-KR" altLang="en-US" sz="1100" u="none" strike="noStrike">
-                          <a:solidFill>
-                            <a:schemeClr val="tx1">
-                              <a:lumMod val="85000"/>
-                              <a:lumOff val="15000"/>
-                            </a:schemeClr>
-                          </a:solidFill>
-                          <a:effectLst/>
-                        </a:rPr>
-                        <a:t>멘토링</a:t>
-                      </a:r>
-                      <a:endParaRPr lang="ko-KR" altLang="en-US" sz="1100" b="0" i="0" u="none" strike="noStrike">
-                        <a:solidFill>
-                          <a:schemeClr val="tx1">
-                            <a:lumMod val="85000"/>
-                            <a:lumOff val="15000"/>
-                          </a:schemeClr>
-                        </a:solidFill>
-                        <a:effectLst/>
-                        <a:latin typeface="맑은 고딕" panose="020B0503020000020004" pitchFamily="50" charset="-127"/>
-                        <a:ea typeface="맑은 고딕" panose="020B0503020000020004" pitchFamily="50" charset="-127"/>
-                      </a:endParaRPr>
-                    </a:p>
-                  </a:txBody>
-                  <a:tcPr marL="6757" marR="6757" marT="6757" marB="0" anchor="ctr">
-                    <a:solidFill>
-                      <a:srgbClr val="F8F9FA"/>
-                    </a:solidFill>
-                  </a:tcPr>
-                </a:tc>
-                <a:tc rowSpan="2" hMerge="1">
-                  <a:txBody>
-                    <a:bodyPr/>
-                    <a:lstStyle/>
-                    <a:p>
-                      <a:pPr latinLnBrk="1"/>
-                      <a:endParaRPr lang="ko-KR" altLang="en-US"/>
-                    </a:p>
-                  </a:txBody>
-                  <a:tcPr/>
-                </a:tc>
-                <a:tc rowSpan="2" hMerge="1">
-                  <a:txBody>
-                    <a:bodyPr/>
-                    <a:lstStyle/>
-                    <a:p>
-                      <a:pPr latinLnBrk="1"/>
-                      <a:endParaRPr lang="ko-KR" altLang="en-US"/>
-                    </a:p>
-                  </a:txBody>
-                  <a:tcPr/>
-                </a:tc>
-              </a:tr>
-              <a:tr h="266544">
-                <a:tc>
-                  <a:txBody>
-                    <a:bodyPr/>
-                    <a:lstStyle/>
-                    <a:p>
-                      <a:pPr algn="ctr" fontAlgn="b"/>
-                      <a:r>
-                        <a:rPr lang="en-US" altLang="ko-KR" sz="1100" u="none" strike="noStrike">
-                          <a:solidFill>
-                            <a:schemeClr val="tx1">
-                              <a:lumMod val="85000"/>
-                              <a:lumOff val="15000"/>
-                            </a:schemeClr>
-                          </a:solidFill>
-                          <a:effectLst/>
-                        </a:rPr>
-                        <a:t>4</a:t>
-                      </a:r>
-                      <a:r>
-                        <a:rPr lang="ko-KR" altLang="en-US" sz="1100" u="none" strike="noStrike">
-                          <a:solidFill>
-                            <a:schemeClr val="tx1">
-                              <a:lumMod val="85000"/>
-                              <a:lumOff val="15000"/>
-                            </a:schemeClr>
-                          </a:solidFill>
-                          <a:effectLst/>
-                        </a:rPr>
-                        <a:t>월 </a:t>
-                      </a:r>
-                      <a:r>
-                        <a:rPr lang="en-US" altLang="ko-KR" sz="1100" u="none" strike="noStrike">
-                          <a:solidFill>
-                            <a:schemeClr val="tx1">
-                              <a:lumMod val="85000"/>
-                              <a:lumOff val="15000"/>
-                            </a:schemeClr>
-                          </a:solidFill>
-                          <a:effectLst/>
-                        </a:rPr>
-                        <a:t>5</a:t>
-                      </a:r>
-                      <a:r>
-                        <a:rPr lang="ko-KR" altLang="en-US" sz="1100" u="none" strike="noStrike">
-                          <a:solidFill>
-                            <a:schemeClr val="tx1">
-                              <a:lumMod val="85000"/>
-                              <a:lumOff val="15000"/>
-                            </a:schemeClr>
-                          </a:solidFill>
-                          <a:effectLst/>
-                        </a:rPr>
-                        <a:t>일</a:t>
-                      </a:r>
-                      <a:endParaRPr lang="ko-KR" altLang="en-US" sz="1100" b="0" i="0" u="none" strike="noStrike">
-                        <a:solidFill>
-                          <a:schemeClr val="tx1">
-                            <a:lumMod val="85000"/>
-                            <a:lumOff val="15000"/>
-                          </a:schemeClr>
-                        </a:solidFill>
-                        <a:effectLst/>
-                        <a:latin typeface="맑은 고딕" panose="020B0503020000020004" pitchFamily="50" charset="-127"/>
-                        <a:ea typeface="맑은 고딕" panose="020B0503020000020004" pitchFamily="50" charset="-127"/>
-                      </a:endParaRPr>
-                    </a:p>
-                  </a:txBody>
-                  <a:tcPr marL="6757" marR="6757" marT="6757" marB="0" anchor="ctr">
-                    <a:solidFill>
-                      <a:srgbClr val="D7D7D7"/>
-                    </a:solidFill>
-                  </a:tcPr>
-                </a:tc>
-                <a:tc>
-                  <a:txBody>
-                    <a:bodyPr/>
-                    <a:lstStyle/>
-                    <a:p>
-                      <a:pPr algn="ctr" fontAlgn="b"/>
-                      <a:r>
-                        <a:rPr lang="ko-KR" altLang="en-US" sz="1100" u="none" strike="noStrike" dirty="0">
-                          <a:solidFill>
-                            <a:schemeClr val="tx1">
-                              <a:lumMod val="85000"/>
-                              <a:lumOff val="15000"/>
-                            </a:schemeClr>
-                          </a:solidFill>
-                          <a:effectLst/>
-                        </a:rPr>
-                        <a:t>금요일</a:t>
-                      </a:r>
-                      <a:endParaRPr lang="ko-KR" altLang="en-US" sz="1100" b="0" i="0" u="none" strike="noStrike" dirty="0">
-                        <a:solidFill>
-                          <a:schemeClr val="tx1">
-                            <a:lumMod val="85000"/>
-                            <a:lumOff val="15000"/>
-                          </a:schemeClr>
-                        </a:solidFill>
-                        <a:effectLst/>
-                        <a:latin typeface="맑은 고딕" panose="020B0503020000020004" pitchFamily="50" charset="-127"/>
-                        <a:ea typeface="맑은 고딕" panose="020B0503020000020004" pitchFamily="50" charset="-127"/>
-                      </a:endParaRPr>
-                    </a:p>
-                  </a:txBody>
-                  <a:tcPr marL="6757" marR="6757" marT="6757" marB="0" anchor="ctr">
-                    <a:solidFill>
-                      <a:srgbClr val="D7D7D7"/>
-                    </a:solidFill>
-                  </a:tcPr>
-                </a:tc>
-                <a:tc vMerge="1">
-                  <a:txBody>
-                    <a:bodyPr/>
-                    <a:lstStyle/>
-                    <a:p>
-                      <a:pPr algn="ctr" fontAlgn="b"/>
-                      <a:endParaRPr lang="ko-KR" altLang="en-US" sz="1100" b="0" i="0" u="none" strike="noStrike" dirty="0">
-                        <a:solidFill>
-                          <a:srgbClr val="000000"/>
-                        </a:solidFill>
-                        <a:effectLst/>
-                        <a:latin typeface="맑은 고딕" panose="020B0503020000020004" pitchFamily="50" charset="-127"/>
-                        <a:ea typeface="맑은 고딕" panose="020B0503020000020004" pitchFamily="50" charset="-127"/>
-                      </a:endParaRPr>
-                    </a:p>
-                  </a:txBody>
-                  <a:tcPr marL="6757" marR="6757" marT="6757" marB="0" anchor="ctr">
-                    <a:solidFill>
-                      <a:srgbClr val="F8F9FA"/>
-                    </a:solidFill>
-                  </a:tcPr>
-                </a:tc>
-                <a:tc gridSpan="3" vMerge="1">
-                  <a:txBody>
-                    <a:bodyPr/>
-                    <a:lstStyle/>
-                    <a:p>
-                      <a:pPr latinLnBrk="1"/>
-                      <a:endParaRPr lang="ko-KR" altLang="en-US"/>
-                    </a:p>
-                  </a:txBody>
-                  <a:tcPr/>
-                </a:tc>
-                <a:tc hMerge="1" vMerge="1">
-                  <a:txBody>
-                    <a:bodyPr/>
-                    <a:lstStyle/>
-                    <a:p>
-                      <a:pPr latinLnBrk="1"/>
-                      <a:endParaRPr lang="ko-KR" altLang="en-US"/>
-                    </a:p>
-                  </a:txBody>
-                  <a:tcPr/>
-                </a:tc>
-                <a:tc hMerge="1" vMerge="1">
-                  <a:txBody>
-                    <a:bodyPr/>
-                    <a:lstStyle/>
-                    <a:p>
-                      <a:pPr latinLnBrk="1"/>
-                      <a:endParaRPr lang="ko-KR" altLang="en-US"/>
-                    </a:p>
-                  </a:txBody>
-                  <a:tcPr/>
-                </a:tc>
-              </a:tr>
-              <a:tr h="266544">
-                <a:tc>
-                  <a:txBody>
-                    <a:bodyPr/>
-                    <a:lstStyle/>
-                    <a:p>
-                      <a:pPr algn="ctr" fontAlgn="b"/>
-                      <a:r>
-                        <a:rPr lang="en-US" altLang="ko-KR" sz="1100" u="none" strike="noStrike">
-                          <a:solidFill>
-                            <a:schemeClr val="tx1">
-                              <a:lumMod val="85000"/>
-                              <a:lumOff val="15000"/>
-                            </a:schemeClr>
-                          </a:solidFill>
-                          <a:effectLst/>
-                        </a:rPr>
-                        <a:t>4</a:t>
-                      </a:r>
-                      <a:r>
-                        <a:rPr lang="ko-KR" altLang="en-US" sz="1100" u="none" strike="noStrike">
-                          <a:solidFill>
-                            <a:schemeClr val="tx1">
-                              <a:lumMod val="85000"/>
-                              <a:lumOff val="15000"/>
-                            </a:schemeClr>
-                          </a:solidFill>
-                          <a:effectLst/>
-                        </a:rPr>
-                        <a:t>월 </a:t>
-                      </a:r>
-                      <a:r>
-                        <a:rPr lang="en-US" altLang="ko-KR" sz="1100" u="none" strike="noStrike">
-                          <a:solidFill>
-                            <a:schemeClr val="tx1">
-                              <a:lumMod val="85000"/>
-                              <a:lumOff val="15000"/>
-                            </a:schemeClr>
-                          </a:solidFill>
-                          <a:effectLst/>
-                        </a:rPr>
-                        <a:t>8</a:t>
-                      </a:r>
-                      <a:r>
-                        <a:rPr lang="ko-KR" altLang="en-US" sz="1100" u="none" strike="noStrike">
-                          <a:solidFill>
-                            <a:schemeClr val="tx1">
-                              <a:lumMod val="85000"/>
-                              <a:lumOff val="15000"/>
-                            </a:schemeClr>
-                          </a:solidFill>
-                          <a:effectLst/>
-                        </a:rPr>
-                        <a:t>일</a:t>
-                      </a:r>
-                      <a:endParaRPr lang="ko-KR" altLang="en-US" sz="1100" b="0" i="0" u="none" strike="noStrike">
-                        <a:solidFill>
-                          <a:schemeClr val="tx1">
-                            <a:lumMod val="85000"/>
-                            <a:lumOff val="15000"/>
-                          </a:schemeClr>
-                        </a:solidFill>
-                        <a:effectLst/>
-                        <a:latin typeface="맑은 고딕" panose="020B0503020000020004" pitchFamily="50" charset="-127"/>
-                        <a:ea typeface="맑은 고딕" panose="020B0503020000020004" pitchFamily="50" charset="-127"/>
-                      </a:endParaRPr>
-                    </a:p>
-                  </a:txBody>
-                  <a:tcPr marL="6757" marR="6757" marT="6757" marB="0" anchor="ctr">
-                    <a:solidFill>
-                      <a:srgbClr val="D7D7D7"/>
-                    </a:solidFill>
-                  </a:tcPr>
-                </a:tc>
-                <a:tc>
-                  <a:txBody>
-                    <a:bodyPr/>
-                    <a:lstStyle/>
-                    <a:p>
-                      <a:pPr algn="ctr" fontAlgn="b"/>
-                      <a:r>
-                        <a:rPr lang="ko-KR" altLang="en-US" sz="1100" u="none" strike="noStrike">
-                          <a:solidFill>
-                            <a:schemeClr val="tx1">
-                              <a:lumMod val="85000"/>
-                              <a:lumOff val="15000"/>
-                            </a:schemeClr>
-                          </a:solidFill>
-                          <a:effectLst/>
-                        </a:rPr>
-                        <a:t>월요일</a:t>
-                      </a:r>
-                      <a:endParaRPr lang="ko-KR" altLang="en-US" sz="1100" b="0" i="0" u="none" strike="noStrike">
-                        <a:solidFill>
-                          <a:schemeClr val="tx1">
-                            <a:lumMod val="85000"/>
-                            <a:lumOff val="15000"/>
-                          </a:schemeClr>
-                        </a:solidFill>
-                        <a:effectLst/>
-                        <a:latin typeface="맑은 고딕" panose="020B0503020000020004" pitchFamily="50" charset="-127"/>
-                        <a:ea typeface="맑은 고딕" panose="020B0503020000020004" pitchFamily="50" charset="-127"/>
-                      </a:endParaRPr>
-                    </a:p>
-                  </a:txBody>
-                  <a:tcPr marL="6757" marR="6757" marT="6757" marB="0" anchor="ctr">
-                    <a:solidFill>
-                      <a:srgbClr val="D7D7D7"/>
-                    </a:solidFill>
-                  </a:tcPr>
-                </a:tc>
-                <a:tc>
-                  <a:txBody>
-                    <a:bodyPr/>
-                    <a:lstStyle/>
-                    <a:p>
-                      <a:pPr algn="ctr" fontAlgn="b"/>
-                      <a:r>
-                        <a:rPr lang="ko-KR" altLang="en-US" sz="1100" u="none" strike="noStrike" dirty="0">
-                          <a:solidFill>
-                            <a:schemeClr val="tx1">
-                              <a:lumMod val="85000"/>
-                              <a:lumOff val="15000"/>
-                            </a:schemeClr>
-                          </a:solidFill>
-                          <a:effectLst/>
-                        </a:rPr>
-                        <a:t>기획</a:t>
-                      </a:r>
-                      <a:endParaRPr lang="ko-KR" altLang="en-US" sz="1100" b="0" i="0" u="none" strike="noStrike" dirty="0">
-                        <a:solidFill>
-                          <a:schemeClr val="tx1">
-                            <a:lumMod val="85000"/>
-                            <a:lumOff val="15000"/>
-                          </a:schemeClr>
-                        </a:solidFill>
-                        <a:effectLst/>
-                        <a:latin typeface="맑은 고딕" panose="020B0503020000020004" pitchFamily="50" charset="-127"/>
-                        <a:ea typeface="맑은 고딕" panose="020B0503020000020004" pitchFamily="50" charset="-127"/>
-                      </a:endParaRPr>
-                    </a:p>
-                  </a:txBody>
-                  <a:tcPr marL="6757" marR="6757" marT="6757" marB="0" anchor="ctr">
-                    <a:solidFill>
-                      <a:srgbClr val="D7D7D7"/>
-                    </a:solidFill>
-                  </a:tcPr>
-                </a:tc>
-                <a:tc gridSpan="3">
-                  <a:txBody>
-                    <a:bodyPr/>
-                    <a:lstStyle/>
-                    <a:p>
-                      <a:pPr algn="ctr" fontAlgn="b"/>
-                      <a:r>
-                        <a:rPr lang="en-US" sz="1100" u="none" strike="noStrike">
-                          <a:solidFill>
-                            <a:schemeClr val="tx1">
-                              <a:lumMod val="85000"/>
-                              <a:lumOff val="15000"/>
-                            </a:schemeClr>
-                          </a:solidFill>
-                          <a:effectLst/>
-                        </a:rPr>
-                        <a:t>ERD </a:t>
-                      </a:r>
-                      <a:r>
-                        <a:rPr lang="ko-KR" altLang="en-US" sz="1100" u="none" strike="noStrike">
-                          <a:solidFill>
-                            <a:schemeClr val="tx1">
-                              <a:lumMod val="85000"/>
-                              <a:lumOff val="15000"/>
-                            </a:schemeClr>
-                          </a:solidFill>
-                          <a:effectLst/>
-                        </a:rPr>
-                        <a:t>설계</a:t>
-                      </a:r>
-                      <a:endParaRPr lang="ko-KR" altLang="en-US" sz="1100" b="0" i="0" u="none" strike="noStrike">
-                        <a:solidFill>
-                          <a:schemeClr val="tx1">
-                            <a:lumMod val="85000"/>
-                            <a:lumOff val="15000"/>
-                          </a:schemeClr>
-                        </a:solidFill>
-                        <a:effectLst/>
-                        <a:latin typeface="맑은 고딕" panose="020B0503020000020004" pitchFamily="50" charset="-127"/>
-                        <a:ea typeface="맑은 고딕" panose="020B0503020000020004" pitchFamily="50" charset="-127"/>
-                      </a:endParaRPr>
-                    </a:p>
-                  </a:txBody>
-                  <a:tcPr marL="6757" marR="6757" marT="6757" marB="0" anchor="ctr">
-                    <a:solidFill>
-                      <a:srgbClr val="F8F9FA"/>
-                    </a:solidFill>
-                  </a:tcPr>
-                </a:tc>
-                <a:tc hMerge="1">
-                  <a:txBody>
-                    <a:bodyPr/>
-                    <a:lstStyle/>
-                    <a:p>
-                      <a:pPr latinLnBrk="1"/>
-                      <a:endParaRPr lang="ko-KR" altLang="en-US"/>
-                    </a:p>
-                  </a:txBody>
-                  <a:tcPr/>
-                </a:tc>
-                <a:tc hMerge="1">
-                  <a:txBody>
-                    <a:bodyPr/>
-                    <a:lstStyle/>
-                    <a:p>
-                      <a:pPr latinLnBrk="1"/>
-                      <a:endParaRPr lang="ko-KR" altLang="en-US"/>
-                    </a:p>
-                  </a:txBody>
-                  <a:tcPr/>
-                </a:tc>
-              </a:tr>
-              <a:tr h="266544">
-                <a:tc>
-                  <a:txBody>
-                    <a:bodyPr/>
-                    <a:lstStyle/>
-                    <a:p>
-                      <a:pPr algn="ctr" fontAlgn="b"/>
-                      <a:r>
-                        <a:rPr lang="en-US" altLang="ko-KR" sz="1100" u="none" strike="noStrike">
-                          <a:solidFill>
-                            <a:schemeClr val="tx1">
-                              <a:lumMod val="85000"/>
-                              <a:lumOff val="15000"/>
-                            </a:schemeClr>
-                          </a:solidFill>
-                          <a:effectLst/>
-                        </a:rPr>
-                        <a:t>4</a:t>
-                      </a:r>
-                      <a:r>
-                        <a:rPr lang="ko-KR" altLang="en-US" sz="1100" u="none" strike="noStrike">
-                          <a:solidFill>
-                            <a:schemeClr val="tx1">
-                              <a:lumMod val="85000"/>
-                              <a:lumOff val="15000"/>
-                            </a:schemeClr>
-                          </a:solidFill>
-                          <a:effectLst/>
-                        </a:rPr>
-                        <a:t>월 </a:t>
-                      </a:r>
-                      <a:r>
-                        <a:rPr lang="en-US" altLang="ko-KR" sz="1100" u="none" strike="noStrike">
-                          <a:solidFill>
-                            <a:schemeClr val="tx1">
-                              <a:lumMod val="85000"/>
-                              <a:lumOff val="15000"/>
-                            </a:schemeClr>
-                          </a:solidFill>
-                          <a:effectLst/>
-                        </a:rPr>
-                        <a:t>9</a:t>
-                      </a:r>
-                      <a:r>
-                        <a:rPr lang="ko-KR" altLang="en-US" sz="1100" u="none" strike="noStrike">
-                          <a:solidFill>
-                            <a:schemeClr val="tx1">
-                              <a:lumMod val="85000"/>
-                              <a:lumOff val="15000"/>
-                            </a:schemeClr>
-                          </a:solidFill>
-                          <a:effectLst/>
-                        </a:rPr>
-                        <a:t>일</a:t>
-                      </a:r>
-                      <a:endParaRPr lang="ko-KR" altLang="en-US" sz="1100" b="0" i="0" u="none" strike="noStrike">
-                        <a:solidFill>
-                          <a:schemeClr val="tx1">
-                            <a:lumMod val="85000"/>
-                            <a:lumOff val="15000"/>
-                          </a:schemeClr>
-                        </a:solidFill>
-                        <a:effectLst/>
-                        <a:latin typeface="맑은 고딕" panose="020B0503020000020004" pitchFamily="50" charset="-127"/>
-                        <a:ea typeface="맑은 고딕" panose="020B0503020000020004" pitchFamily="50" charset="-127"/>
-                      </a:endParaRPr>
-                    </a:p>
-                  </a:txBody>
-                  <a:tcPr marL="6757" marR="6757" marT="6757" marB="0" anchor="ctr">
-                    <a:solidFill>
-                      <a:srgbClr val="D7D7D7"/>
-                    </a:solidFill>
-                  </a:tcPr>
-                </a:tc>
-                <a:tc>
-                  <a:txBody>
-                    <a:bodyPr/>
-                    <a:lstStyle/>
-                    <a:p>
-                      <a:pPr algn="ctr" fontAlgn="b"/>
-                      <a:r>
-                        <a:rPr lang="ko-KR" altLang="en-US" sz="1100" u="none" strike="noStrike">
-                          <a:solidFill>
-                            <a:schemeClr val="tx1">
-                              <a:lumMod val="85000"/>
-                              <a:lumOff val="15000"/>
-                            </a:schemeClr>
-                          </a:solidFill>
-                          <a:effectLst/>
-                        </a:rPr>
-                        <a:t>화요일</a:t>
-                      </a:r>
-                      <a:endParaRPr lang="ko-KR" altLang="en-US" sz="1100" b="0" i="0" u="none" strike="noStrike">
-                        <a:solidFill>
-                          <a:schemeClr val="tx1">
-                            <a:lumMod val="85000"/>
-                            <a:lumOff val="15000"/>
-                          </a:schemeClr>
-                        </a:solidFill>
-                        <a:effectLst/>
-                        <a:latin typeface="맑은 고딕" panose="020B0503020000020004" pitchFamily="50" charset="-127"/>
-                        <a:ea typeface="맑은 고딕" panose="020B0503020000020004" pitchFamily="50" charset="-127"/>
-                      </a:endParaRPr>
-                    </a:p>
-                  </a:txBody>
-                  <a:tcPr marL="6757" marR="6757" marT="6757" marB="0" anchor="ctr">
-                    <a:solidFill>
-                      <a:srgbClr val="D7D7D7"/>
-                    </a:solidFill>
-                  </a:tcPr>
-                </a:tc>
-                <a:tc rowSpan="8">
-                  <a:txBody>
-                    <a:bodyPr/>
-                    <a:lstStyle/>
-                    <a:p>
-                      <a:pPr algn="ctr" fontAlgn="b"/>
-                      <a:r>
-                        <a:rPr lang="ko-KR" altLang="en-US" sz="1100" u="none" strike="noStrike" dirty="0">
-                          <a:solidFill>
-                            <a:schemeClr val="tx1">
-                              <a:lumMod val="85000"/>
-                              <a:lumOff val="15000"/>
-                            </a:schemeClr>
-                          </a:solidFill>
-                          <a:effectLst/>
-                        </a:rPr>
-                        <a:t>개별 기능 </a:t>
-                      </a:r>
-                      <a:r>
-                        <a:rPr lang="ko-KR" altLang="en-US" sz="1100" u="none" strike="noStrike" dirty="0" smtClean="0">
-                          <a:solidFill>
-                            <a:schemeClr val="tx1">
-                              <a:lumMod val="85000"/>
-                              <a:lumOff val="15000"/>
-                            </a:schemeClr>
-                          </a:solidFill>
-                          <a:effectLst/>
-                        </a:rPr>
-                        <a:t>구현</a:t>
-                      </a:r>
-                      <a:endParaRPr lang="ko-KR" altLang="en-US" sz="1100" b="0" i="0" u="none" strike="noStrike" dirty="0">
-                        <a:solidFill>
-                          <a:schemeClr val="tx1">
-                            <a:lumMod val="85000"/>
-                            <a:lumOff val="15000"/>
-                          </a:schemeClr>
-                        </a:solidFill>
-                        <a:effectLst/>
-                        <a:latin typeface="맑은 고딕" panose="020B0503020000020004" pitchFamily="50" charset="-127"/>
-                        <a:ea typeface="맑은 고딕" panose="020B0503020000020004" pitchFamily="50" charset="-127"/>
-                      </a:endParaRPr>
-                    </a:p>
-                  </a:txBody>
-                  <a:tcPr marL="6757" marR="6757" marT="6757" marB="0" anchor="ctr">
-                    <a:solidFill>
-                      <a:srgbClr val="D7D7D7"/>
-                    </a:solidFill>
-                  </a:tcPr>
-                </a:tc>
-                <a:tc>
-                  <a:txBody>
-                    <a:bodyPr/>
-                    <a:lstStyle/>
-                    <a:p>
-                      <a:pPr algn="ctr" fontAlgn="b"/>
-                      <a:r>
-                        <a:rPr lang="ko-KR" altLang="en-US" sz="1100" u="none" strike="noStrike" dirty="0" err="1">
-                          <a:solidFill>
-                            <a:schemeClr val="tx1">
-                              <a:lumMod val="85000"/>
-                              <a:lumOff val="15000"/>
-                            </a:schemeClr>
-                          </a:solidFill>
-                          <a:effectLst/>
-                        </a:rPr>
-                        <a:t>프론트</a:t>
-                      </a:r>
-                      <a:r>
-                        <a:rPr lang="ko-KR" altLang="en-US" sz="1100" u="none" strike="noStrike" dirty="0">
-                          <a:solidFill>
-                            <a:schemeClr val="tx1">
-                              <a:lumMod val="85000"/>
-                              <a:lumOff val="15000"/>
-                            </a:schemeClr>
-                          </a:solidFill>
-                          <a:effectLst/>
-                        </a:rPr>
-                        <a:t> 레이아웃 </a:t>
-                      </a:r>
-                      <a:r>
-                        <a:rPr lang="en-US" altLang="ko-KR" sz="1100" u="none" strike="noStrike" dirty="0">
-                          <a:solidFill>
-                            <a:schemeClr val="tx1">
-                              <a:lumMod val="85000"/>
-                              <a:lumOff val="15000"/>
-                            </a:schemeClr>
-                          </a:solidFill>
-                          <a:effectLst/>
-                        </a:rPr>
-                        <a:t>(PT)</a:t>
-                      </a:r>
-                      <a:endParaRPr lang="en-US" altLang="ko-KR" sz="1100" b="0" i="0" u="none" strike="noStrike" dirty="0">
-                        <a:solidFill>
-                          <a:schemeClr val="tx1">
-                            <a:lumMod val="85000"/>
-                            <a:lumOff val="15000"/>
-                          </a:schemeClr>
-                        </a:solidFill>
-                        <a:effectLst/>
-                        <a:latin typeface="맑은 고딕" panose="020B0503020000020004" pitchFamily="50" charset="-127"/>
-                        <a:ea typeface="맑은 고딕" panose="020B0503020000020004" pitchFamily="50" charset="-127"/>
-                      </a:endParaRPr>
-                    </a:p>
-                  </a:txBody>
-                  <a:tcPr marL="6757" marR="6757" marT="6757" marB="0" anchor="ctr">
+                  <a:tcPr>
                     <a:solidFill>
                       <a:srgbClr val="F8F9FA"/>
                     </a:solidFill>
@@ -19481,45 +18557,11 @@
                     <a:bodyPr/>
                     <a:lstStyle/>
                     <a:p>
-                      <a:pPr algn="ctr" fontAlgn="b"/>
-                      <a:r>
-                        <a:rPr lang="en-US" sz="1100" u="none" strike="noStrike">
-                          <a:solidFill>
-                            <a:schemeClr val="tx1">
-                              <a:lumMod val="85000"/>
-                              <a:lumOff val="15000"/>
-                            </a:schemeClr>
-                          </a:solidFill>
-                          <a:effectLst/>
-                        </a:rPr>
-                        <a:t>DB </a:t>
-                      </a:r>
-                      <a:r>
-                        <a:rPr lang="ko-KR" altLang="en-US" sz="1100" u="none" strike="noStrike">
-                          <a:solidFill>
-                            <a:schemeClr val="tx1">
-                              <a:lumMod val="85000"/>
-                              <a:lumOff val="15000"/>
-                            </a:schemeClr>
-                          </a:solidFill>
-                          <a:effectLst/>
-                        </a:rPr>
-                        <a:t>구축</a:t>
-                      </a:r>
-                      <a:endParaRPr lang="ko-KR" altLang="en-US" sz="1100" b="0" i="0" u="none" strike="noStrike">
-                        <a:solidFill>
-                          <a:schemeClr val="tx1">
-                            <a:lumMod val="85000"/>
-                            <a:lumOff val="15000"/>
-                          </a:schemeClr>
-                        </a:solidFill>
-                        <a:effectLst/>
-                        <a:latin typeface="맑은 고딕" panose="020B0503020000020004" pitchFamily="50" charset="-127"/>
-                        <a:ea typeface="맑은 고딕" panose="020B0503020000020004" pitchFamily="50" charset="-127"/>
-                      </a:endParaRPr>
+                      <a:pPr latinLnBrk="1"/>
+                      <a:endParaRPr lang="ko-KR" altLang="en-US" sz="1400" b="0" dirty="0"/>
                     </a:p>
                   </a:txBody>
-                  <a:tcPr marL="6757" marR="6757" marT="6757" marB="0" anchor="ctr">
+                  <a:tcPr>
                     <a:solidFill>
                       <a:srgbClr val="F8F9FA"/>
                     </a:solidFill>
@@ -19530,179 +18572,19 @@
                     <a:bodyPr/>
                     <a:lstStyle/>
                     <a:p>
-                      <a:pPr algn="ctr" fontAlgn="b"/>
+                      <a:pPr latinLnBrk="1"/>
                       <a:r>
-                        <a:rPr lang="ko-KR" altLang="en-US" sz="1100" u="none" strike="noStrike">
-                          <a:solidFill>
-                            <a:schemeClr val="tx1">
-                              <a:lumMod val="85000"/>
-                              <a:lumOff val="15000"/>
-                            </a:schemeClr>
-                          </a:solidFill>
-                          <a:effectLst/>
-                        </a:rPr>
-                        <a:t>프론트 레이아웃 </a:t>
+                        <a:rPr lang="en-US" altLang="ko-KR" sz="1400" b="1" dirty="0" smtClean="0"/>
+                        <a:t>4/3 </a:t>
                       </a:r>
                       <a:r>
-                        <a:rPr lang="en-US" altLang="ko-KR" sz="1100" u="none" strike="noStrike">
-                          <a:solidFill>
-                            <a:schemeClr val="tx1">
-                              <a:lumMod val="85000"/>
-                              <a:lumOff val="15000"/>
-                            </a:schemeClr>
-                          </a:solidFill>
-                          <a:effectLst/>
-                        </a:rPr>
-                        <a:t>(Challenge)</a:t>
+                        <a:rPr lang="ko-KR" altLang="en-US" sz="1400" b="1" dirty="0" smtClean="0"/>
+                        <a:t>시작발표</a:t>
                       </a:r>
-                      <a:endParaRPr lang="en-US" altLang="ko-KR" sz="1100" b="0" i="0" u="none" strike="noStrike">
-                        <a:solidFill>
-                          <a:schemeClr val="tx1">
-                            <a:lumMod val="85000"/>
-                            <a:lumOff val="15000"/>
-                          </a:schemeClr>
-                        </a:solidFill>
-                        <a:effectLst/>
-                        <a:latin typeface="맑은 고딕" panose="020B0503020000020004" pitchFamily="50" charset="-127"/>
-                        <a:ea typeface="맑은 고딕" panose="020B0503020000020004" pitchFamily="50" charset="-127"/>
-                      </a:endParaRPr>
+                      <a:endParaRPr lang="ko-KR" altLang="en-US" sz="1400" b="1" dirty="0"/>
                     </a:p>
                   </a:txBody>
-                  <a:tcPr marL="6757" marR="6757" marT="6757" marB="0" anchor="ctr">
-                    <a:solidFill>
-                      <a:srgbClr val="F8F9FA"/>
-                    </a:solidFill>
-                  </a:tcPr>
-                </a:tc>
-              </a:tr>
-              <a:tr h="266544">
-                <a:tc>
-                  <a:txBody>
-                    <a:bodyPr/>
-                    <a:lstStyle/>
-                    <a:p>
-                      <a:pPr algn="ctr" fontAlgn="b"/>
-                      <a:r>
-                        <a:rPr lang="en-US" altLang="ko-KR" sz="1100" u="none" strike="noStrike">
-                          <a:solidFill>
-                            <a:schemeClr val="tx1">
-                              <a:lumMod val="85000"/>
-                              <a:lumOff val="15000"/>
-                            </a:schemeClr>
-                          </a:solidFill>
-                          <a:effectLst/>
-                        </a:rPr>
-                        <a:t>4</a:t>
-                      </a:r>
-                      <a:r>
-                        <a:rPr lang="ko-KR" altLang="en-US" sz="1100" u="none" strike="noStrike">
-                          <a:solidFill>
-                            <a:schemeClr val="tx1">
-                              <a:lumMod val="85000"/>
-                              <a:lumOff val="15000"/>
-                            </a:schemeClr>
-                          </a:solidFill>
-                          <a:effectLst/>
-                        </a:rPr>
-                        <a:t>월 </a:t>
-                      </a:r>
-                      <a:r>
-                        <a:rPr lang="en-US" altLang="ko-KR" sz="1100" u="none" strike="noStrike">
-                          <a:solidFill>
-                            <a:schemeClr val="tx1">
-                              <a:lumMod val="85000"/>
-                              <a:lumOff val="15000"/>
-                            </a:schemeClr>
-                          </a:solidFill>
-                          <a:effectLst/>
-                        </a:rPr>
-                        <a:t>11</a:t>
-                      </a:r>
-                      <a:r>
-                        <a:rPr lang="ko-KR" altLang="en-US" sz="1100" u="none" strike="noStrike">
-                          <a:solidFill>
-                            <a:schemeClr val="tx1">
-                              <a:lumMod val="85000"/>
-                              <a:lumOff val="15000"/>
-                            </a:schemeClr>
-                          </a:solidFill>
-                          <a:effectLst/>
-                        </a:rPr>
-                        <a:t>일</a:t>
-                      </a:r>
-                      <a:endParaRPr lang="ko-KR" altLang="en-US" sz="1100" b="0" i="0" u="none" strike="noStrike">
-                        <a:solidFill>
-                          <a:schemeClr val="tx1">
-                            <a:lumMod val="85000"/>
-                            <a:lumOff val="15000"/>
-                          </a:schemeClr>
-                        </a:solidFill>
-                        <a:effectLst/>
-                        <a:latin typeface="맑은 고딕" panose="020B0503020000020004" pitchFamily="50" charset="-127"/>
-                        <a:ea typeface="맑은 고딕" panose="020B0503020000020004" pitchFamily="50" charset="-127"/>
-                      </a:endParaRPr>
-                    </a:p>
-                  </a:txBody>
-                  <a:tcPr marL="6757" marR="6757" marT="6757" marB="0" anchor="ctr">
-                    <a:solidFill>
-                      <a:srgbClr val="D7D7D7"/>
-                    </a:solidFill>
-                  </a:tcPr>
-                </a:tc>
-                <a:tc>
-                  <a:txBody>
-                    <a:bodyPr/>
-                    <a:lstStyle/>
-                    <a:p>
-                      <a:pPr algn="ctr" fontAlgn="b"/>
-                      <a:r>
-                        <a:rPr lang="ko-KR" altLang="en-US" sz="1100" u="none" strike="noStrike">
-                          <a:solidFill>
-                            <a:schemeClr val="tx1">
-                              <a:lumMod val="85000"/>
-                              <a:lumOff val="15000"/>
-                            </a:schemeClr>
-                          </a:solidFill>
-                          <a:effectLst/>
-                        </a:rPr>
-                        <a:t>목요일</a:t>
-                      </a:r>
-                      <a:endParaRPr lang="ko-KR" altLang="en-US" sz="1100" b="0" i="0" u="none" strike="noStrike">
-                        <a:solidFill>
-                          <a:schemeClr val="tx1">
-                            <a:lumMod val="85000"/>
-                            <a:lumOff val="15000"/>
-                          </a:schemeClr>
-                        </a:solidFill>
-                        <a:effectLst/>
-                        <a:latin typeface="맑은 고딕" panose="020B0503020000020004" pitchFamily="50" charset="-127"/>
-                        <a:ea typeface="맑은 고딕" panose="020B0503020000020004" pitchFamily="50" charset="-127"/>
-                      </a:endParaRPr>
-                    </a:p>
-                  </a:txBody>
-                  <a:tcPr marL="6757" marR="6757" marT="6757" marB="0" anchor="ctr">
-                    <a:solidFill>
-                      <a:srgbClr val="D7D7D7"/>
-                    </a:solidFill>
-                  </a:tcPr>
-                </a:tc>
-                <a:tc vMerge="1">
-                  <a:txBody>
-                    <a:bodyPr/>
-                    <a:lstStyle/>
-                    <a:p>
-                      <a:pPr algn="ctr" fontAlgn="b"/>
-                      <a:endParaRPr lang="ko-KR" altLang="en-US" sz="1100" b="0" i="0" u="none" strike="noStrike" dirty="0">
-                        <a:solidFill>
-                          <a:srgbClr val="000000"/>
-                        </a:solidFill>
-                        <a:effectLst/>
-                        <a:latin typeface="맑은 고딕" panose="020B0503020000020004" pitchFamily="50" charset="-127"/>
-                        <a:ea typeface="맑은 고딕" panose="020B0503020000020004" pitchFamily="50" charset="-127"/>
-                      </a:endParaRPr>
-                    </a:p>
-                  </a:txBody>
-                  <a:tcPr marL="6757" marR="6757" marT="6757" marB="0" anchor="ctr">
+                  <a:tcPr>
                     <a:solidFill>
                       <a:srgbClr val="F8F9FA"/>
                     </a:solidFill>
@@ -19713,33 +18595,15 @@
                     <a:bodyPr/>
                     <a:lstStyle/>
                     <a:p>
-                      <a:pPr algn="ctr" fontAlgn="b"/>
+                      <a:pPr latinLnBrk="1"/>
                       <a:r>
-                        <a:rPr lang="ko-KR" altLang="en-US" sz="1100" u="none" strike="noStrike">
-                          <a:solidFill>
-                            <a:schemeClr val="tx1">
-                              <a:lumMod val="85000"/>
-                              <a:lumOff val="15000"/>
-                            </a:schemeClr>
-                          </a:solidFill>
-                          <a:effectLst/>
-                        </a:rPr>
-                        <a:t>맞춤 훈련 영상 리스트</a:t>
+                        <a:rPr lang="en-US" altLang="ko-KR" sz="1400" b="0" dirty="0" smtClean="0"/>
+                        <a:t>4</a:t>
                       </a:r>
-                      <a:endParaRPr lang="ko-KR" altLang="en-US" sz="1100" b="0" i="0" u="none" strike="noStrike">
-                        <a:solidFill>
-                          <a:schemeClr val="tx1">
-                            <a:lumMod val="85000"/>
-                            <a:lumOff val="15000"/>
-                          </a:schemeClr>
-                        </a:solidFill>
-                        <a:effectLst/>
-                        <a:latin typeface="맑은 고딕" panose="020B0503020000020004" pitchFamily="50" charset="-127"/>
-                        <a:ea typeface="맑은 고딕" panose="020B0503020000020004" pitchFamily="50" charset="-127"/>
-                      </a:endParaRPr>
+                      <a:endParaRPr lang="ko-KR" altLang="en-US" sz="1400" b="0" dirty="0"/>
                     </a:p>
                   </a:txBody>
-                  <a:tcPr marL="6757" marR="6757" marT="6757" marB="0" anchor="ctr">
+                  <a:tcPr>
                     <a:solidFill>
                       <a:srgbClr val="F8F9FA"/>
                     </a:solidFill>
@@ -19750,45 +18614,36 @@
                     <a:bodyPr/>
                     <a:lstStyle/>
                     <a:p>
-                      <a:pPr algn="ctr" fontAlgn="b"/>
+                      <a:pPr latinLnBrk="1"/>
                       <a:r>
-                        <a:rPr lang="ko-KR" altLang="en-US" sz="1100" u="none" strike="noStrike">
-                          <a:solidFill>
-                            <a:schemeClr val="tx1">
-                              <a:lumMod val="85000"/>
-                              <a:lumOff val="15000"/>
-                            </a:schemeClr>
-                          </a:solidFill>
-                          <a:effectLst/>
-                        </a:rPr>
-                        <a:t>프론트 레이아웃 </a:t>
+                        <a:rPr lang="en-US" altLang="ko-KR" sz="1400" b="0" dirty="0" smtClean="0"/>
+                        <a:t>5</a:t>
                       </a:r>
-                      <a:r>
-                        <a:rPr lang="en-US" altLang="ko-KR" sz="1100" u="none" strike="noStrike">
-                          <a:solidFill>
-                            <a:schemeClr val="tx1">
-                              <a:lumMod val="85000"/>
-                              <a:lumOff val="15000"/>
-                            </a:schemeClr>
-                          </a:solidFill>
-                          <a:effectLst/>
-                        </a:rPr>
-                        <a:t>(My Page)</a:t>
-                      </a:r>
-                      <a:endParaRPr lang="en-US" altLang="ko-KR" sz="1100" b="0" i="0" u="none" strike="noStrike">
-                        <a:solidFill>
-                          <a:schemeClr val="tx1">
-                            <a:lumMod val="85000"/>
-                            <a:lumOff val="15000"/>
-                          </a:schemeClr>
-                        </a:solidFill>
-                        <a:effectLst/>
-                        <a:latin typeface="맑은 고딕" panose="020B0503020000020004" pitchFamily="50" charset="-127"/>
-                        <a:ea typeface="맑은 고딕" panose="020B0503020000020004" pitchFamily="50" charset="-127"/>
-                      </a:endParaRPr>
+                      <a:endParaRPr lang="ko-KR" altLang="en-US" sz="1400" b="0" dirty="0"/>
                     </a:p>
                   </a:txBody>
-                  <a:tcPr marL="6757" marR="6757" marT="6757" marB="0" anchor="ctr">
+                  <a:tcPr>
+                    <a:solidFill>
+                      <a:srgbClr val="F8F9FA"/>
+                    </a:solidFill>
+                  </a:tcPr>
+                </a:tc>
+              </a:tr>
+              <a:tr h="441234">
+                <a:tc>
+                  <a:txBody>
+                    <a:bodyPr/>
+                    <a:lstStyle/>
+                    <a:p>
+                      <a:pPr latinLnBrk="1"/>
+                      <a:r>
+                        <a:rPr lang="en-US" altLang="ko-KR" sz="1400" b="0" dirty="0" smtClean="0"/>
+                        <a:t>8</a:t>
+                      </a:r>
+                      <a:endParaRPr lang="ko-KR" altLang="en-US" sz="1400" b="0" dirty="0"/>
+                    </a:p>
+                  </a:txBody>
+                  <a:tcPr>
                     <a:solidFill>
                       <a:srgbClr val="F8F9FA"/>
                     </a:solidFill>
@@ -19799,167 +18654,15 @@
                     <a:bodyPr/>
                     <a:lstStyle/>
                     <a:p>
-                      <a:pPr algn="ctr" fontAlgn="b"/>
+                      <a:pPr latinLnBrk="1"/>
                       <a:r>
-                        <a:rPr lang="ko-KR" altLang="en-US" sz="1100" u="none" strike="noStrike">
-                          <a:solidFill>
-                            <a:schemeClr val="tx1">
-                              <a:lumMod val="85000"/>
-                              <a:lumOff val="15000"/>
-                            </a:schemeClr>
-                          </a:solidFill>
-                          <a:effectLst/>
-                        </a:rPr>
-                        <a:t>챌린지 생성</a:t>
+                        <a:rPr lang="en-US" altLang="ko-KR" sz="1400" b="0" dirty="0" smtClean="0"/>
+                        <a:t>9</a:t>
                       </a:r>
-                      <a:endParaRPr lang="ko-KR" altLang="en-US" sz="1100" b="0" i="0" u="none" strike="noStrike">
-                        <a:solidFill>
-                          <a:schemeClr val="tx1">
-                            <a:lumMod val="85000"/>
-                            <a:lumOff val="15000"/>
-                          </a:schemeClr>
-                        </a:solidFill>
-                        <a:effectLst/>
-                        <a:latin typeface="맑은 고딕" panose="020B0503020000020004" pitchFamily="50" charset="-127"/>
-                        <a:ea typeface="맑은 고딕" panose="020B0503020000020004" pitchFamily="50" charset="-127"/>
-                      </a:endParaRPr>
+                      <a:endParaRPr lang="ko-KR" altLang="en-US" sz="1400" b="0" dirty="0"/>
                     </a:p>
                   </a:txBody>
-                  <a:tcPr marL="6757" marR="6757" marT="6757" marB="0" anchor="ctr">
-                    <a:solidFill>
-                      <a:srgbClr val="F8F9FA"/>
-                    </a:solidFill>
-                  </a:tcPr>
-                </a:tc>
-              </a:tr>
-              <a:tr h="266544">
-                <a:tc>
-                  <a:txBody>
-                    <a:bodyPr/>
-                    <a:lstStyle/>
-                    <a:p>
-                      <a:pPr algn="ctr" fontAlgn="b"/>
-                      <a:r>
-                        <a:rPr lang="en-US" altLang="ko-KR" sz="1100" u="none" strike="noStrike">
-                          <a:solidFill>
-                            <a:schemeClr val="tx1">
-                              <a:lumMod val="85000"/>
-                              <a:lumOff val="15000"/>
-                            </a:schemeClr>
-                          </a:solidFill>
-                          <a:effectLst/>
-                        </a:rPr>
-                        <a:t>4</a:t>
-                      </a:r>
-                      <a:r>
-                        <a:rPr lang="ko-KR" altLang="en-US" sz="1100" u="none" strike="noStrike">
-                          <a:solidFill>
-                            <a:schemeClr val="tx1">
-                              <a:lumMod val="85000"/>
-                              <a:lumOff val="15000"/>
-                            </a:schemeClr>
-                          </a:solidFill>
-                          <a:effectLst/>
-                        </a:rPr>
-                        <a:t>월 </a:t>
-                      </a:r>
-                      <a:r>
-                        <a:rPr lang="en-US" altLang="ko-KR" sz="1100" u="none" strike="noStrike">
-                          <a:solidFill>
-                            <a:schemeClr val="tx1">
-                              <a:lumMod val="85000"/>
-                              <a:lumOff val="15000"/>
-                            </a:schemeClr>
-                          </a:solidFill>
-                          <a:effectLst/>
-                        </a:rPr>
-                        <a:t>12</a:t>
-                      </a:r>
-                      <a:r>
-                        <a:rPr lang="ko-KR" altLang="en-US" sz="1100" u="none" strike="noStrike">
-                          <a:solidFill>
-                            <a:schemeClr val="tx1">
-                              <a:lumMod val="85000"/>
-                              <a:lumOff val="15000"/>
-                            </a:schemeClr>
-                          </a:solidFill>
-                          <a:effectLst/>
-                        </a:rPr>
-                        <a:t>일</a:t>
-                      </a:r>
-                      <a:endParaRPr lang="ko-KR" altLang="en-US" sz="1100" b="0" i="0" u="none" strike="noStrike">
-                        <a:solidFill>
-                          <a:schemeClr val="tx1">
-                            <a:lumMod val="85000"/>
-                            <a:lumOff val="15000"/>
-                          </a:schemeClr>
-                        </a:solidFill>
-                        <a:effectLst/>
-                        <a:latin typeface="맑은 고딕" panose="020B0503020000020004" pitchFamily="50" charset="-127"/>
-                        <a:ea typeface="맑은 고딕" panose="020B0503020000020004" pitchFamily="50" charset="-127"/>
-                      </a:endParaRPr>
-                    </a:p>
-                  </a:txBody>
-                  <a:tcPr marL="6757" marR="6757" marT="6757" marB="0" anchor="ctr">
-                    <a:solidFill>
-                      <a:srgbClr val="D7D7D7"/>
-                    </a:solidFill>
-                  </a:tcPr>
-                </a:tc>
-                <a:tc>
-                  <a:txBody>
-                    <a:bodyPr/>
-                    <a:lstStyle/>
-                    <a:p>
-                      <a:pPr algn="ctr" fontAlgn="b"/>
-                      <a:r>
-                        <a:rPr lang="ko-KR" altLang="en-US" sz="1100" u="none" strike="noStrike">
-                          <a:solidFill>
-                            <a:schemeClr val="tx1">
-                              <a:lumMod val="85000"/>
-                              <a:lumOff val="15000"/>
-                            </a:schemeClr>
-                          </a:solidFill>
-                          <a:effectLst/>
-                        </a:rPr>
-                        <a:t>금요일</a:t>
-                      </a:r>
-                      <a:endParaRPr lang="ko-KR" altLang="en-US" sz="1100" b="0" i="0" u="none" strike="noStrike">
-                        <a:solidFill>
-                          <a:schemeClr val="tx1">
-                            <a:lumMod val="85000"/>
-                            <a:lumOff val="15000"/>
-                          </a:schemeClr>
-                        </a:solidFill>
-                        <a:effectLst/>
-                        <a:latin typeface="맑은 고딕" panose="020B0503020000020004" pitchFamily="50" charset="-127"/>
-                        <a:ea typeface="맑은 고딕" panose="020B0503020000020004" pitchFamily="50" charset="-127"/>
-                      </a:endParaRPr>
-                    </a:p>
-                  </a:txBody>
-                  <a:tcPr marL="6757" marR="6757" marT="6757" marB="0" anchor="ctr">
-                    <a:solidFill>
-                      <a:srgbClr val="D7D7D7"/>
-                    </a:solidFill>
-                  </a:tcPr>
-                </a:tc>
-                <a:tc vMerge="1">
-                  <a:txBody>
-                    <a:bodyPr/>
-                    <a:lstStyle/>
-                    <a:p>
-                      <a:pPr algn="ctr" fontAlgn="b"/>
-                      <a:endParaRPr lang="ko-KR" altLang="en-US" sz="1100" b="0" i="0" u="none" strike="noStrike">
-                        <a:solidFill>
-                          <a:srgbClr val="000000"/>
-                        </a:solidFill>
-                        <a:effectLst/>
-                        <a:latin typeface="맑은 고딕" panose="020B0503020000020004" pitchFamily="50" charset="-127"/>
-                        <a:ea typeface="맑은 고딕" panose="020B0503020000020004" pitchFamily="50" charset="-127"/>
-                      </a:endParaRPr>
-                    </a:p>
-                  </a:txBody>
-                  <a:tcPr marL="6757" marR="6757" marT="6757" marB="0" anchor="ctr">
+                  <a:tcPr>
                     <a:solidFill>
                       <a:srgbClr val="F8F9FA"/>
                     </a:solidFill>
@@ -19970,57 +18673,54 @@
                     <a:bodyPr/>
                     <a:lstStyle/>
                     <a:p>
-                      <a:pPr algn="ctr" fontAlgn="b"/>
+                      <a:pPr latinLnBrk="1"/>
                       <a:r>
-                        <a:rPr lang="ko-KR" altLang="en-US" sz="1100" u="none" strike="noStrike">
+                        <a:rPr lang="en-US" altLang="ko-KR" sz="1400" b="0" dirty="0" smtClean="0">
                           <a:solidFill>
-                            <a:schemeClr val="tx1">
-                              <a:lumMod val="85000"/>
-                              <a:lumOff val="15000"/>
-                            </a:schemeClr>
+                            <a:srgbClr val="FF0000"/>
                           </a:solidFill>
-                          <a:effectLst/>
                         </a:rPr>
-                        <a:t>순차 진행 </a:t>
+                        <a:t>10 (</a:t>
                       </a:r>
                       <a:r>
-                        <a:rPr lang="en-US" altLang="ko-KR" sz="1100" u="none" strike="noStrike">
+                        <a:rPr lang="ko-KR" altLang="en-US" sz="1400" b="0" dirty="0" smtClean="0">
                           <a:solidFill>
-                            <a:schemeClr val="tx1">
-                              <a:lumMod val="85000"/>
-                              <a:lumOff val="15000"/>
-                            </a:schemeClr>
+                            <a:srgbClr val="FF0000"/>
                           </a:solidFill>
-                          <a:effectLst/>
                         </a:rPr>
-                        <a:t>/ </a:t>
+                        <a:t>총선</a:t>
                       </a:r>
                       <a:r>
-                        <a:rPr lang="ko-KR" altLang="en-US" sz="1100" u="none" strike="noStrike">
+                        <a:rPr lang="en-US" altLang="ko-KR" sz="1400" b="0" dirty="0" smtClean="0">
                           <a:solidFill>
-                            <a:schemeClr val="tx1">
-                              <a:lumMod val="85000"/>
-                              <a:lumOff val="15000"/>
-                            </a:schemeClr>
+                            <a:srgbClr val="FF0000"/>
                           </a:solidFill>
-                          <a:effectLst/>
                         </a:rPr>
-                        <a:t>오운완</a:t>
+                        <a:t>)</a:t>
                       </a:r>
-                      <a:endParaRPr lang="ko-KR" altLang="en-US" sz="1100" b="0" i="0" u="none" strike="noStrike">
+                      <a:endParaRPr lang="ko-KR" altLang="en-US" sz="1400" b="0" dirty="0">
                         <a:solidFill>
-                          <a:schemeClr val="tx1">
-                            <a:lumMod val="85000"/>
-                            <a:lumOff val="15000"/>
-                          </a:schemeClr>
+                          <a:srgbClr val="FF0000"/>
                         </a:solidFill>
-                        <a:effectLst/>
-                        <a:latin typeface="맑은 고딕" panose="020B0503020000020004" pitchFamily="50" charset="-127"/>
-                        <a:ea typeface="맑은 고딕" panose="020B0503020000020004" pitchFamily="50" charset="-127"/>
                       </a:endParaRPr>
                     </a:p>
                   </a:txBody>
-                  <a:tcPr marL="6757" marR="6757" marT="6757" marB="0" anchor="ctr">
+                  <a:tcPr/>
+                </a:tc>
+                <a:tc>
+                  <a:txBody>
+                    <a:bodyPr/>
+                    <a:lstStyle/>
+                    <a:p>
+                      <a:pPr latinLnBrk="1"/>
+                      <a:r>
+                        <a:rPr lang="en-US" altLang="ko-KR" sz="1400" b="0" dirty="0" smtClean="0"/>
+                        <a:t>11</a:t>
+                      </a:r>
+                      <a:endParaRPr lang="ko-KR" altLang="en-US" sz="1400" b="0" dirty="0"/>
+                    </a:p>
+                  </a:txBody>
+                  <a:tcPr>
                     <a:solidFill>
                       <a:srgbClr val="F8F9FA"/>
                     </a:solidFill>
@@ -20031,57 +18731,32 @@
                     <a:bodyPr/>
                     <a:lstStyle/>
                     <a:p>
-                      <a:pPr algn="ctr" fontAlgn="b"/>
+                      <a:pPr latinLnBrk="1"/>
                       <a:r>
-                        <a:rPr lang="ko-KR" altLang="en-US" sz="1100" u="none" strike="noStrike">
-                          <a:solidFill>
-                            <a:schemeClr val="tx1">
-                              <a:lumMod val="85000"/>
-                              <a:lumOff val="15000"/>
-                            </a:schemeClr>
-                          </a:solidFill>
-                          <a:effectLst/>
-                        </a:rPr>
-                        <a:t>사전 설문</a:t>
+                        <a:rPr lang="en-US" altLang="ko-KR" sz="1400" b="0" dirty="0" smtClean="0"/>
+                        <a:t>12</a:t>
                       </a:r>
-                      <a:r>
-                        <a:rPr lang="en-US" altLang="ko-KR" sz="1100" u="none" strike="noStrike">
-                          <a:solidFill>
-                            <a:schemeClr val="tx1">
-                              <a:lumMod val="85000"/>
-                              <a:lumOff val="15000"/>
-                            </a:schemeClr>
-                          </a:solidFill>
-                          <a:effectLst/>
-                        </a:rPr>
-                        <a:t>/ </a:t>
-                      </a:r>
-                      <a:r>
-                        <a:rPr lang="ko-KR" altLang="en-US" sz="1100" u="none" strike="noStrike">
-                          <a:solidFill>
-                            <a:schemeClr val="tx1">
-                              <a:lumMod val="85000"/>
-                              <a:lumOff val="15000"/>
-                            </a:schemeClr>
-                          </a:solidFill>
-                          <a:effectLst/>
-                        </a:rPr>
-                        <a:t>맞춤 플랜</a:t>
-                      </a:r>
-                      <a:endParaRPr lang="ko-KR" altLang="en-US" sz="1100" b="0" i="0" u="none" strike="noStrike">
-                        <a:solidFill>
-                          <a:schemeClr val="tx1">
-                            <a:lumMod val="85000"/>
-                            <a:lumOff val="15000"/>
-                          </a:schemeClr>
-                        </a:solidFill>
-                        <a:effectLst/>
-                        <a:latin typeface="맑은 고딕" panose="020B0503020000020004" pitchFamily="50" charset="-127"/>
-                        <a:ea typeface="맑은 고딕" panose="020B0503020000020004" pitchFamily="50" charset="-127"/>
-                      </a:endParaRPr>
+                      <a:endParaRPr lang="ko-KR" altLang="en-US" sz="1400" b="0" dirty="0"/>
                     </a:p>
                   </a:txBody>
-                  <a:tcPr marL="6757" marR="6757" marT="6757" marB="0" anchor="ctr">
+                  <a:tcPr/>
+                </a:tc>
+              </a:tr>
+              <a:tr h="441234">
+                <a:tc>
+                  <a:txBody>
+                    <a:bodyPr/>
+                    <a:lstStyle/>
+                    <a:p>
+                      <a:pPr latinLnBrk="1"/>
+                      <a:r>
+                        <a:rPr lang="en-US" altLang="ko-KR" sz="1400" b="0" dirty="0" smtClean="0"/>
+                        <a:t>15</a:t>
+                      </a:r>
+                      <a:endParaRPr lang="ko-KR" altLang="en-US" sz="1400" b="0" dirty="0"/>
+                    </a:p>
+                  </a:txBody>
+                  <a:tcPr>
                     <a:solidFill>
                       <a:srgbClr val="F8F9FA"/>
                     </a:solidFill>
@@ -20092,167 +18767,15 @@
                     <a:bodyPr/>
                     <a:lstStyle/>
                     <a:p>
-                      <a:pPr algn="ctr" fontAlgn="b"/>
+                      <a:pPr latinLnBrk="1"/>
                       <a:r>
-                        <a:rPr lang="ko-KR" altLang="en-US" sz="1100" u="none" strike="noStrike">
-                          <a:solidFill>
-                            <a:schemeClr val="tx1">
-                              <a:lumMod val="85000"/>
-                              <a:lumOff val="15000"/>
-                            </a:schemeClr>
-                          </a:solidFill>
-                          <a:effectLst/>
-                        </a:rPr>
-                        <a:t>챌린지 리스트</a:t>
+                        <a:rPr lang="en-US" altLang="ko-KR" sz="1400" b="0" dirty="0" smtClean="0"/>
+                        <a:t>16</a:t>
                       </a:r>
-                      <a:endParaRPr lang="ko-KR" altLang="en-US" sz="1100" b="0" i="0" u="none" strike="noStrike">
-                        <a:solidFill>
-                          <a:schemeClr val="tx1">
-                            <a:lumMod val="85000"/>
-                            <a:lumOff val="15000"/>
-                          </a:schemeClr>
-                        </a:solidFill>
-                        <a:effectLst/>
-                        <a:latin typeface="맑은 고딕" panose="020B0503020000020004" pitchFamily="50" charset="-127"/>
-                        <a:ea typeface="맑은 고딕" panose="020B0503020000020004" pitchFamily="50" charset="-127"/>
-                      </a:endParaRPr>
+                      <a:endParaRPr lang="ko-KR" altLang="en-US" sz="1400" b="0" dirty="0"/>
                     </a:p>
                   </a:txBody>
-                  <a:tcPr marL="6757" marR="6757" marT="6757" marB="0" anchor="ctr">
-                    <a:solidFill>
-                      <a:srgbClr val="F8F9FA"/>
-                    </a:solidFill>
-                  </a:tcPr>
-                </a:tc>
-              </a:tr>
-              <a:tr h="266544">
-                <a:tc>
-                  <a:txBody>
-                    <a:bodyPr/>
-                    <a:lstStyle/>
-                    <a:p>
-                      <a:pPr algn="ctr" fontAlgn="b"/>
-                      <a:r>
-                        <a:rPr lang="en-US" altLang="ko-KR" sz="1100" u="none" strike="noStrike">
-                          <a:solidFill>
-                            <a:schemeClr val="tx1">
-                              <a:lumMod val="85000"/>
-                              <a:lumOff val="15000"/>
-                            </a:schemeClr>
-                          </a:solidFill>
-                          <a:effectLst/>
-                        </a:rPr>
-                        <a:t>4</a:t>
-                      </a:r>
-                      <a:r>
-                        <a:rPr lang="ko-KR" altLang="en-US" sz="1100" u="none" strike="noStrike">
-                          <a:solidFill>
-                            <a:schemeClr val="tx1">
-                              <a:lumMod val="85000"/>
-                              <a:lumOff val="15000"/>
-                            </a:schemeClr>
-                          </a:solidFill>
-                          <a:effectLst/>
-                        </a:rPr>
-                        <a:t>월 </a:t>
-                      </a:r>
-                      <a:r>
-                        <a:rPr lang="en-US" altLang="ko-KR" sz="1100" u="none" strike="noStrike">
-                          <a:solidFill>
-                            <a:schemeClr val="tx1">
-                              <a:lumMod val="85000"/>
-                              <a:lumOff val="15000"/>
-                            </a:schemeClr>
-                          </a:solidFill>
-                          <a:effectLst/>
-                        </a:rPr>
-                        <a:t>15</a:t>
-                      </a:r>
-                      <a:r>
-                        <a:rPr lang="ko-KR" altLang="en-US" sz="1100" u="none" strike="noStrike">
-                          <a:solidFill>
-                            <a:schemeClr val="tx1">
-                              <a:lumMod val="85000"/>
-                              <a:lumOff val="15000"/>
-                            </a:schemeClr>
-                          </a:solidFill>
-                          <a:effectLst/>
-                        </a:rPr>
-                        <a:t>일</a:t>
-                      </a:r>
-                      <a:endParaRPr lang="ko-KR" altLang="en-US" sz="1100" b="0" i="0" u="none" strike="noStrike">
-                        <a:solidFill>
-                          <a:schemeClr val="tx1">
-                            <a:lumMod val="85000"/>
-                            <a:lumOff val="15000"/>
-                          </a:schemeClr>
-                        </a:solidFill>
-                        <a:effectLst/>
-                        <a:latin typeface="맑은 고딕" panose="020B0503020000020004" pitchFamily="50" charset="-127"/>
-                        <a:ea typeface="맑은 고딕" panose="020B0503020000020004" pitchFamily="50" charset="-127"/>
-                      </a:endParaRPr>
-                    </a:p>
-                  </a:txBody>
-                  <a:tcPr marL="6757" marR="6757" marT="6757" marB="0" anchor="ctr">
-                    <a:solidFill>
-                      <a:srgbClr val="D7D7D7"/>
-                    </a:solidFill>
-                  </a:tcPr>
-                </a:tc>
-                <a:tc>
-                  <a:txBody>
-                    <a:bodyPr/>
-                    <a:lstStyle/>
-                    <a:p>
-                      <a:pPr algn="ctr" fontAlgn="b"/>
-                      <a:r>
-                        <a:rPr lang="ko-KR" altLang="en-US" sz="1100" u="none" strike="noStrike">
-                          <a:solidFill>
-                            <a:schemeClr val="tx1">
-                              <a:lumMod val="85000"/>
-                              <a:lumOff val="15000"/>
-                            </a:schemeClr>
-                          </a:solidFill>
-                          <a:effectLst/>
-                        </a:rPr>
-                        <a:t>월요일</a:t>
-                      </a:r>
-                      <a:endParaRPr lang="ko-KR" altLang="en-US" sz="1100" b="0" i="0" u="none" strike="noStrike">
-                        <a:solidFill>
-                          <a:schemeClr val="tx1">
-                            <a:lumMod val="85000"/>
-                            <a:lumOff val="15000"/>
-                          </a:schemeClr>
-                        </a:solidFill>
-                        <a:effectLst/>
-                        <a:latin typeface="맑은 고딕" panose="020B0503020000020004" pitchFamily="50" charset="-127"/>
-                        <a:ea typeface="맑은 고딕" panose="020B0503020000020004" pitchFamily="50" charset="-127"/>
-                      </a:endParaRPr>
-                    </a:p>
-                  </a:txBody>
-                  <a:tcPr marL="6757" marR="6757" marT="6757" marB="0" anchor="ctr">
-                    <a:solidFill>
-                      <a:srgbClr val="D7D7D7"/>
-                    </a:solidFill>
-                  </a:tcPr>
-                </a:tc>
-                <a:tc vMerge="1">
-                  <a:txBody>
-                    <a:bodyPr/>
-                    <a:lstStyle/>
-                    <a:p>
-                      <a:pPr algn="ctr" fontAlgn="b"/>
-                      <a:endParaRPr lang="ko-KR" altLang="en-US" sz="1100" b="0" i="0" u="none" strike="noStrike" dirty="0">
-                        <a:solidFill>
-                          <a:srgbClr val="000000"/>
-                        </a:solidFill>
-                        <a:effectLst/>
-                        <a:latin typeface="맑은 고딕" panose="020B0503020000020004" pitchFamily="50" charset="-127"/>
-                        <a:ea typeface="맑은 고딕" panose="020B0503020000020004" pitchFamily="50" charset="-127"/>
-                      </a:endParaRPr>
-                    </a:p>
-                  </a:txBody>
-                  <a:tcPr marL="6757" marR="6757" marT="6757" marB="0" anchor="ctr">
+                  <a:tcPr>
                     <a:solidFill>
                       <a:srgbClr val="F8F9FA"/>
                     </a:solidFill>
@@ -20263,45 +18786,15 @@
                     <a:bodyPr/>
                     <a:lstStyle/>
                     <a:p>
-                      <a:pPr algn="ctr" fontAlgn="b"/>
+                      <a:pPr latinLnBrk="1"/>
                       <a:r>
-                        <a:rPr lang="en-US" sz="1100" u="none" strike="noStrike">
-                          <a:solidFill>
-                            <a:schemeClr val="tx1">
-                              <a:lumMod val="85000"/>
-                              <a:lumOff val="15000"/>
-                            </a:schemeClr>
-                          </a:solidFill>
-                          <a:effectLst/>
-                        </a:rPr>
-                        <a:t>PT </a:t>
+                        <a:rPr lang="en-US" altLang="ko-KR" sz="1400" b="0" dirty="0" smtClean="0"/>
+                        <a:t>17</a:t>
                       </a:r>
-                      <a:r>
-                        <a:rPr lang="ko-KR" altLang="en-US" sz="1100" u="none" strike="noStrike">
-                          <a:solidFill>
-                            <a:schemeClr val="tx1">
-                              <a:lumMod val="85000"/>
-                              <a:lumOff val="15000"/>
-                            </a:schemeClr>
-                          </a:solidFill>
-                          <a:effectLst/>
-                        </a:rPr>
-                        <a:t>챗봇</a:t>
-                      </a:r>
-                      <a:endParaRPr lang="ko-KR" altLang="en-US" sz="1100" b="0" i="0" u="none" strike="noStrike">
-                        <a:solidFill>
-                          <a:schemeClr val="tx1">
-                            <a:lumMod val="85000"/>
-                            <a:lumOff val="15000"/>
-                          </a:schemeClr>
-                        </a:solidFill>
-                        <a:effectLst/>
-                        <a:latin typeface="맑은 고딕" panose="020B0503020000020004" pitchFamily="50" charset="-127"/>
-                        <a:ea typeface="맑은 고딕" panose="020B0503020000020004" pitchFamily="50" charset="-127"/>
-                      </a:endParaRPr>
+                      <a:endParaRPr lang="ko-KR" altLang="en-US" sz="1400" b="0" dirty="0"/>
                     </a:p>
                   </a:txBody>
-                  <a:tcPr marL="6757" marR="6757" marT="6757" marB="0" anchor="ctr">
+                  <a:tcPr>
                     <a:solidFill>
                       <a:srgbClr val="F8F9FA"/>
                     </a:solidFill>
@@ -20312,57 +18805,15 @@
                     <a:bodyPr/>
                     <a:lstStyle/>
                     <a:p>
-                      <a:pPr algn="ctr" fontAlgn="b"/>
+                      <a:pPr latinLnBrk="1"/>
                       <a:r>
-                        <a:rPr lang="ko-KR" altLang="en-US" sz="1100" u="none" strike="noStrike">
-                          <a:solidFill>
-                            <a:schemeClr val="tx1">
-                              <a:lumMod val="85000"/>
-                              <a:lumOff val="15000"/>
-                            </a:schemeClr>
-                          </a:solidFill>
-                          <a:effectLst/>
-                        </a:rPr>
-                        <a:t>회원 가입 </a:t>
+                        <a:rPr lang="en-US" altLang="ko-KR" sz="1400" b="0" dirty="0" smtClean="0"/>
+                        <a:t>18</a:t>
                       </a:r>
-                      <a:r>
-                        <a:rPr lang="en-US" altLang="ko-KR" sz="1100" u="none" strike="noStrike">
-                          <a:solidFill>
-                            <a:schemeClr val="tx1">
-                              <a:lumMod val="85000"/>
-                              <a:lumOff val="15000"/>
-                            </a:schemeClr>
-                          </a:solidFill>
-                          <a:effectLst/>
-                        </a:rPr>
-                        <a:t>/ </a:t>
-                      </a:r>
-                      <a:r>
-                        <a:rPr lang="ko-KR" altLang="en-US" sz="1100" u="none" strike="noStrike">
-                          <a:solidFill>
-                            <a:schemeClr val="tx1">
-                              <a:lumMod val="85000"/>
-                              <a:lumOff val="15000"/>
-                            </a:schemeClr>
-                          </a:solidFill>
-                          <a:effectLst/>
-                        </a:rPr>
-                        <a:t>탈퇴</a:t>
-                      </a:r>
-                      <a:endParaRPr lang="ko-KR" altLang="en-US" sz="1100" b="0" i="0" u="none" strike="noStrike">
-                        <a:solidFill>
-                          <a:schemeClr val="tx1">
-                            <a:lumMod val="85000"/>
-                            <a:lumOff val="15000"/>
-                          </a:schemeClr>
-                        </a:solidFill>
-                        <a:effectLst/>
-                        <a:latin typeface="맑은 고딕" panose="020B0503020000020004" pitchFamily="50" charset="-127"/>
-                        <a:ea typeface="맑은 고딕" panose="020B0503020000020004" pitchFamily="50" charset="-127"/>
-                      </a:endParaRPr>
+                      <a:endParaRPr lang="ko-KR" altLang="en-US" sz="1400" b="0" dirty="0"/>
                     </a:p>
                   </a:txBody>
-                  <a:tcPr marL="6757" marR="6757" marT="6757" marB="0" anchor="ctr">
+                  <a:tcPr>
                     <a:solidFill>
                       <a:srgbClr val="F8F9FA"/>
                     </a:solidFill>
@@ -20373,167 +18824,36 @@
                     <a:bodyPr/>
                     <a:lstStyle/>
                     <a:p>
-                      <a:pPr algn="ctr" fontAlgn="b"/>
+                      <a:pPr latinLnBrk="1"/>
                       <a:r>
-                        <a:rPr lang="ko-KR" altLang="en-US" sz="1100" u="none" strike="noStrike">
-                          <a:solidFill>
-                            <a:schemeClr val="tx1">
-                              <a:lumMod val="85000"/>
-                              <a:lumOff val="15000"/>
-                            </a:schemeClr>
-                          </a:solidFill>
-                          <a:effectLst/>
-                        </a:rPr>
-                        <a:t>챌린지 상세</a:t>
+                        <a:rPr lang="en-US" altLang="ko-KR" sz="1400" b="0" dirty="0" smtClean="0"/>
+                        <a:t>19</a:t>
                       </a:r>
-                      <a:endParaRPr lang="ko-KR" altLang="en-US" sz="1100" b="0" i="0" u="none" strike="noStrike">
-                        <a:solidFill>
-                          <a:schemeClr val="tx1">
-                            <a:lumMod val="85000"/>
-                            <a:lumOff val="15000"/>
-                          </a:schemeClr>
-                        </a:solidFill>
-                        <a:effectLst/>
-                        <a:latin typeface="맑은 고딕" panose="020B0503020000020004" pitchFamily="50" charset="-127"/>
-                        <a:ea typeface="맑은 고딕" panose="020B0503020000020004" pitchFamily="50" charset="-127"/>
-                      </a:endParaRPr>
+                      <a:endParaRPr lang="ko-KR" altLang="en-US" sz="1400" b="0" dirty="0"/>
                     </a:p>
                   </a:txBody>
-                  <a:tcPr marL="6757" marR="6757" marT="6757" marB="0" anchor="ctr">
+                  <a:tcPr>
                     <a:solidFill>
                       <a:srgbClr val="F8F9FA"/>
                     </a:solidFill>
                   </a:tcPr>
                 </a:tc>
               </a:tr>
-              <a:tr h="266544">
+              <a:tr h="441234">
                 <a:tc>
                   <a:txBody>
                     <a:bodyPr/>
                     <a:lstStyle/>
                     <a:p>
-                      <a:pPr algn="ctr" fontAlgn="b"/>
+                      <a:pPr latinLnBrk="1"/>
                       <a:r>
-                        <a:rPr lang="en-US" altLang="ko-KR" sz="1100" u="none" strike="noStrike">
-                          <a:solidFill>
-                            <a:schemeClr val="tx1">
-                              <a:lumMod val="85000"/>
-                              <a:lumOff val="15000"/>
-                            </a:schemeClr>
-                          </a:solidFill>
-                          <a:effectLst/>
-                        </a:rPr>
-                        <a:t>4</a:t>
+                        <a:rPr lang="en-US" altLang="ko-KR" sz="1400" b="0" dirty="0" smtClean="0"/>
+                        <a:t>22</a:t>
                       </a:r>
-                      <a:r>
-                        <a:rPr lang="ko-KR" altLang="en-US" sz="1100" u="none" strike="noStrike">
-                          <a:solidFill>
-                            <a:schemeClr val="tx1">
-                              <a:lumMod val="85000"/>
-                              <a:lumOff val="15000"/>
-                            </a:schemeClr>
-                          </a:solidFill>
-                          <a:effectLst/>
-                        </a:rPr>
-                        <a:t>월 </a:t>
-                      </a:r>
-                      <a:r>
-                        <a:rPr lang="en-US" altLang="ko-KR" sz="1100" u="none" strike="noStrike">
-                          <a:solidFill>
-                            <a:schemeClr val="tx1">
-                              <a:lumMod val="85000"/>
-                              <a:lumOff val="15000"/>
-                            </a:schemeClr>
-                          </a:solidFill>
-                          <a:effectLst/>
-                        </a:rPr>
-                        <a:t>16</a:t>
-                      </a:r>
-                      <a:r>
-                        <a:rPr lang="ko-KR" altLang="en-US" sz="1100" u="none" strike="noStrike">
-                          <a:solidFill>
-                            <a:schemeClr val="tx1">
-                              <a:lumMod val="85000"/>
-                              <a:lumOff val="15000"/>
-                            </a:schemeClr>
-                          </a:solidFill>
-                          <a:effectLst/>
-                        </a:rPr>
-                        <a:t>일</a:t>
-                      </a:r>
-                      <a:endParaRPr lang="ko-KR" altLang="en-US" sz="1100" b="0" i="0" u="none" strike="noStrike">
-                        <a:solidFill>
-                          <a:schemeClr val="tx1">
-                            <a:lumMod val="85000"/>
-                            <a:lumOff val="15000"/>
-                          </a:schemeClr>
-                        </a:solidFill>
-                        <a:effectLst/>
-                        <a:latin typeface="맑은 고딕" panose="020B0503020000020004" pitchFamily="50" charset="-127"/>
-                        <a:ea typeface="맑은 고딕" panose="020B0503020000020004" pitchFamily="50" charset="-127"/>
-                      </a:endParaRPr>
+                      <a:endParaRPr lang="ko-KR" altLang="en-US" sz="1400" b="0" dirty="0"/>
                     </a:p>
                   </a:txBody>
-                  <a:tcPr marL="6757" marR="6757" marT="6757" marB="0" anchor="ctr">
-                    <a:solidFill>
-                      <a:srgbClr val="D7D7D7"/>
-                    </a:solidFill>
-                  </a:tcPr>
-                </a:tc>
-                <a:tc>
-                  <a:txBody>
-                    <a:bodyPr/>
-                    <a:lstStyle/>
-                    <a:p>
-                      <a:pPr algn="ctr" fontAlgn="b"/>
-                      <a:r>
-                        <a:rPr lang="ko-KR" altLang="en-US" sz="1100" u="none" strike="noStrike">
-                          <a:solidFill>
-                            <a:schemeClr val="tx1">
-                              <a:lumMod val="85000"/>
-                              <a:lumOff val="15000"/>
-                            </a:schemeClr>
-                          </a:solidFill>
-                          <a:effectLst/>
-                        </a:rPr>
-                        <a:t>화요일</a:t>
-                      </a:r>
-                      <a:endParaRPr lang="ko-KR" altLang="en-US" sz="1100" b="0" i="0" u="none" strike="noStrike">
-                        <a:solidFill>
-                          <a:schemeClr val="tx1">
-                            <a:lumMod val="85000"/>
-                            <a:lumOff val="15000"/>
-                          </a:schemeClr>
-                        </a:solidFill>
-                        <a:effectLst/>
-                        <a:latin typeface="맑은 고딕" panose="020B0503020000020004" pitchFamily="50" charset="-127"/>
-                        <a:ea typeface="맑은 고딕" panose="020B0503020000020004" pitchFamily="50" charset="-127"/>
-                      </a:endParaRPr>
-                    </a:p>
-                  </a:txBody>
-                  <a:tcPr marL="6757" marR="6757" marT="6757" marB="0" anchor="ctr">
-                    <a:solidFill>
-                      <a:srgbClr val="D7D7D7"/>
-                    </a:solidFill>
-                  </a:tcPr>
-                </a:tc>
-                <a:tc vMerge="1">
-                  <a:txBody>
-                    <a:bodyPr/>
-                    <a:lstStyle/>
-                    <a:p>
-                      <a:pPr algn="ctr" fontAlgn="b"/>
-                      <a:endParaRPr lang="ko-KR" altLang="en-US" sz="1100" b="0" i="0" u="none" strike="noStrike">
-                        <a:solidFill>
-                          <a:srgbClr val="000000"/>
-                        </a:solidFill>
-                        <a:effectLst/>
-                        <a:latin typeface="맑은 고딕" panose="020B0503020000020004" pitchFamily="50" charset="-127"/>
-                        <a:ea typeface="맑은 고딕" panose="020B0503020000020004" pitchFamily="50" charset="-127"/>
-                      </a:endParaRPr>
-                    </a:p>
-                  </a:txBody>
-                  <a:tcPr marL="6757" marR="6757" marT="6757" marB="0" anchor="ctr">
+                  <a:tcPr>
                     <a:solidFill>
                       <a:srgbClr val="F8F9FA"/>
                     </a:solidFill>
@@ -20544,33 +18864,15 @@
                     <a:bodyPr/>
                     <a:lstStyle/>
                     <a:p>
-                      <a:pPr algn="ctr" fontAlgn="b"/>
+                      <a:pPr latinLnBrk="1"/>
                       <a:r>
-                        <a:rPr lang="ko-KR" altLang="en-US" sz="1100" u="none" strike="noStrike" dirty="0">
-                          <a:solidFill>
-                            <a:schemeClr val="tx1">
-                              <a:lumMod val="85000"/>
-                              <a:lumOff val="15000"/>
-                            </a:schemeClr>
-                          </a:solidFill>
-                          <a:effectLst/>
-                        </a:rPr>
-                        <a:t>영상 추천 품질 개선</a:t>
+                        <a:rPr lang="en-US" altLang="ko-KR" sz="1400" b="0" dirty="0" smtClean="0"/>
+                        <a:t>23</a:t>
                       </a:r>
-                      <a:endParaRPr lang="ko-KR" altLang="en-US" sz="1100" b="0" i="0" u="none" strike="noStrike" dirty="0">
-                        <a:solidFill>
-                          <a:schemeClr val="tx1">
-                            <a:lumMod val="85000"/>
-                            <a:lumOff val="15000"/>
-                          </a:schemeClr>
-                        </a:solidFill>
-                        <a:effectLst/>
-                        <a:latin typeface="맑은 고딕" panose="020B0503020000020004" pitchFamily="50" charset="-127"/>
-                        <a:ea typeface="맑은 고딕" panose="020B0503020000020004" pitchFamily="50" charset="-127"/>
-                      </a:endParaRPr>
+                      <a:endParaRPr lang="ko-KR" altLang="en-US" sz="1400" b="0" dirty="0"/>
                     </a:p>
                   </a:txBody>
-                  <a:tcPr marL="6757" marR="6757" marT="6757" marB="0" anchor="ctr">
+                  <a:tcPr>
                     <a:solidFill>
                       <a:srgbClr val="F8F9FA"/>
                     </a:solidFill>
@@ -20581,57 +18883,15 @@
                     <a:bodyPr/>
                     <a:lstStyle/>
                     <a:p>
-                      <a:pPr algn="ctr" fontAlgn="b"/>
+                      <a:pPr latinLnBrk="1"/>
                       <a:r>
-                        <a:rPr lang="ko-KR" altLang="en-US" sz="1100" u="none" strike="noStrike">
-                          <a:solidFill>
-                            <a:schemeClr val="tx1">
-                              <a:lumMod val="85000"/>
-                              <a:lumOff val="15000"/>
-                            </a:schemeClr>
-                          </a:solidFill>
-                          <a:effectLst/>
-                        </a:rPr>
-                        <a:t>로그인 </a:t>
+                        <a:rPr lang="en-US" altLang="ko-KR" sz="1400" b="0" dirty="0" smtClean="0"/>
+                        <a:t>24</a:t>
                       </a:r>
-                      <a:r>
-                        <a:rPr lang="en-US" altLang="ko-KR" sz="1100" u="none" strike="noStrike">
-                          <a:solidFill>
-                            <a:schemeClr val="tx1">
-                              <a:lumMod val="85000"/>
-                              <a:lumOff val="15000"/>
-                            </a:schemeClr>
-                          </a:solidFill>
-                          <a:effectLst/>
-                        </a:rPr>
-                        <a:t>/ </a:t>
-                      </a:r>
-                      <a:r>
-                        <a:rPr lang="ko-KR" altLang="en-US" sz="1100" u="none" strike="noStrike">
-                          <a:solidFill>
-                            <a:schemeClr val="tx1">
-                              <a:lumMod val="85000"/>
-                              <a:lumOff val="15000"/>
-                            </a:schemeClr>
-                          </a:solidFill>
-                          <a:effectLst/>
-                        </a:rPr>
-                        <a:t>로그아웃</a:t>
-                      </a:r>
-                      <a:endParaRPr lang="ko-KR" altLang="en-US" sz="1100" b="0" i="0" u="none" strike="noStrike">
-                        <a:solidFill>
-                          <a:schemeClr val="tx1">
-                            <a:lumMod val="85000"/>
-                            <a:lumOff val="15000"/>
-                          </a:schemeClr>
-                        </a:solidFill>
-                        <a:effectLst/>
-                        <a:latin typeface="맑은 고딕" panose="020B0503020000020004" pitchFamily="50" charset="-127"/>
-                        <a:ea typeface="맑은 고딕" panose="020B0503020000020004" pitchFamily="50" charset="-127"/>
-                      </a:endParaRPr>
+                      <a:endParaRPr lang="ko-KR" altLang="en-US" sz="1400" b="0" dirty="0"/>
                     </a:p>
                   </a:txBody>
-                  <a:tcPr marL="6757" marR="6757" marT="6757" marB="0" anchor="ctr">
+                  <a:tcPr>
                     <a:solidFill>
                       <a:srgbClr val="F8F9FA"/>
                     </a:solidFill>
@@ -20642,167 +18902,15 @@
                     <a:bodyPr/>
                     <a:lstStyle/>
                     <a:p>
-                      <a:pPr algn="ctr" fontAlgn="b"/>
+                      <a:pPr latinLnBrk="1"/>
                       <a:r>
-                        <a:rPr lang="ko-KR" altLang="en-US" sz="1100" u="none" strike="noStrike">
-                          <a:solidFill>
-                            <a:schemeClr val="tx1">
-                              <a:lumMod val="85000"/>
-                              <a:lumOff val="15000"/>
-                            </a:schemeClr>
-                          </a:solidFill>
-                          <a:effectLst/>
-                        </a:rPr>
-                        <a:t>챌린지 수정</a:t>
+                        <a:rPr lang="en-US" altLang="ko-KR" sz="1400" b="0" dirty="0" smtClean="0"/>
+                        <a:t>25</a:t>
                       </a:r>
-                      <a:endParaRPr lang="ko-KR" altLang="en-US" sz="1100" b="0" i="0" u="none" strike="noStrike">
-                        <a:solidFill>
-                          <a:schemeClr val="tx1">
-                            <a:lumMod val="85000"/>
-                            <a:lumOff val="15000"/>
-                          </a:schemeClr>
-                        </a:solidFill>
-                        <a:effectLst/>
-                        <a:latin typeface="맑은 고딕" panose="020B0503020000020004" pitchFamily="50" charset="-127"/>
-                        <a:ea typeface="맑은 고딕" panose="020B0503020000020004" pitchFamily="50" charset="-127"/>
-                      </a:endParaRPr>
+                      <a:endParaRPr lang="ko-KR" altLang="en-US" sz="1400" b="0" dirty="0"/>
                     </a:p>
                   </a:txBody>
-                  <a:tcPr marL="6757" marR="6757" marT="6757" marB="0" anchor="ctr">
-                    <a:solidFill>
-                      <a:srgbClr val="F8F9FA"/>
-                    </a:solidFill>
-                  </a:tcPr>
-                </a:tc>
-              </a:tr>
-              <a:tr h="266544">
-                <a:tc>
-                  <a:txBody>
-                    <a:bodyPr/>
-                    <a:lstStyle/>
-                    <a:p>
-                      <a:pPr algn="ctr" fontAlgn="b"/>
-                      <a:r>
-                        <a:rPr lang="en-US" altLang="ko-KR" sz="1100" u="none" strike="noStrike">
-                          <a:solidFill>
-                            <a:schemeClr val="tx1">
-                              <a:lumMod val="85000"/>
-                              <a:lumOff val="15000"/>
-                            </a:schemeClr>
-                          </a:solidFill>
-                          <a:effectLst/>
-                        </a:rPr>
-                        <a:t>4</a:t>
-                      </a:r>
-                      <a:r>
-                        <a:rPr lang="ko-KR" altLang="en-US" sz="1100" u="none" strike="noStrike">
-                          <a:solidFill>
-                            <a:schemeClr val="tx1">
-                              <a:lumMod val="85000"/>
-                              <a:lumOff val="15000"/>
-                            </a:schemeClr>
-                          </a:solidFill>
-                          <a:effectLst/>
-                        </a:rPr>
-                        <a:t>월 </a:t>
-                      </a:r>
-                      <a:r>
-                        <a:rPr lang="en-US" altLang="ko-KR" sz="1100" u="none" strike="noStrike">
-                          <a:solidFill>
-                            <a:schemeClr val="tx1">
-                              <a:lumMod val="85000"/>
-                              <a:lumOff val="15000"/>
-                            </a:schemeClr>
-                          </a:solidFill>
-                          <a:effectLst/>
-                        </a:rPr>
-                        <a:t>17</a:t>
-                      </a:r>
-                      <a:r>
-                        <a:rPr lang="ko-KR" altLang="en-US" sz="1100" u="none" strike="noStrike">
-                          <a:solidFill>
-                            <a:schemeClr val="tx1">
-                              <a:lumMod val="85000"/>
-                              <a:lumOff val="15000"/>
-                            </a:schemeClr>
-                          </a:solidFill>
-                          <a:effectLst/>
-                        </a:rPr>
-                        <a:t>일</a:t>
-                      </a:r>
-                      <a:endParaRPr lang="ko-KR" altLang="en-US" sz="1100" b="0" i="0" u="none" strike="noStrike">
-                        <a:solidFill>
-                          <a:schemeClr val="tx1">
-                            <a:lumMod val="85000"/>
-                            <a:lumOff val="15000"/>
-                          </a:schemeClr>
-                        </a:solidFill>
-                        <a:effectLst/>
-                        <a:latin typeface="맑은 고딕" panose="020B0503020000020004" pitchFamily="50" charset="-127"/>
-                        <a:ea typeface="맑은 고딕" panose="020B0503020000020004" pitchFamily="50" charset="-127"/>
-                      </a:endParaRPr>
-                    </a:p>
-                  </a:txBody>
-                  <a:tcPr marL="6757" marR="6757" marT="6757" marB="0" anchor="ctr">
-                    <a:solidFill>
-                      <a:srgbClr val="D7D7D7"/>
-                    </a:solidFill>
-                  </a:tcPr>
-                </a:tc>
-                <a:tc>
-                  <a:txBody>
-                    <a:bodyPr/>
-                    <a:lstStyle/>
-                    <a:p>
-                      <a:pPr algn="ctr" fontAlgn="b"/>
-                      <a:r>
-                        <a:rPr lang="ko-KR" altLang="en-US" sz="1100" u="none" strike="noStrike">
-                          <a:solidFill>
-                            <a:schemeClr val="tx1">
-                              <a:lumMod val="85000"/>
-                              <a:lumOff val="15000"/>
-                            </a:schemeClr>
-                          </a:solidFill>
-                          <a:effectLst/>
-                        </a:rPr>
-                        <a:t>수요일</a:t>
-                      </a:r>
-                      <a:endParaRPr lang="ko-KR" altLang="en-US" sz="1100" b="0" i="0" u="none" strike="noStrike">
-                        <a:solidFill>
-                          <a:schemeClr val="tx1">
-                            <a:lumMod val="85000"/>
-                            <a:lumOff val="15000"/>
-                          </a:schemeClr>
-                        </a:solidFill>
-                        <a:effectLst/>
-                        <a:latin typeface="맑은 고딕" panose="020B0503020000020004" pitchFamily="50" charset="-127"/>
-                        <a:ea typeface="맑은 고딕" panose="020B0503020000020004" pitchFamily="50" charset="-127"/>
-                      </a:endParaRPr>
-                    </a:p>
-                  </a:txBody>
-                  <a:tcPr marL="6757" marR="6757" marT="6757" marB="0" anchor="ctr">
-                    <a:solidFill>
-                      <a:srgbClr val="D7D7D7"/>
-                    </a:solidFill>
-                  </a:tcPr>
-                </a:tc>
-                <a:tc vMerge="1">
-                  <a:txBody>
-                    <a:bodyPr/>
-                    <a:lstStyle/>
-                    <a:p>
-                      <a:pPr algn="ctr" fontAlgn="b"/>
-                      <a:endParaRPr lang="ko-KR" altLang="en-US" sz="1100" b="0" i="0" u="none" strike="noStrike" dirty="0">
-                        <a:solidFill>
-                          <a:srgbClr val="000000"/>
-                        </a:solidFill>
-                        <a:effectLst/>
-                        <a:latin typeface="맑은 고딕" panose="020B0503020000020004" pitchFamily="50" charset="-127"/>
-                        <a:ea typeface="맑은 고딕" panose="020B0503020000020004" pitchFamily="50" charset="-127"/>
-                      </a:endParaRPr>
-                    </a:p>
-                  </a:txBody>
-                  <a:tcPr marL="6757" marR="6757" marT="6757" marB="0" anchor="ctr">
+                  <a:tcPr>
                     <a:solidFill>
                       <a:srgbClr val="F8F9FA"/>
                     </a:solidFill>
@@ -20813,33 +18921,36 @@
                     <a:bodyPr/>
                     <a:lstStyle/>
                     <a:p>
-                      <a:pPr algn="ctr" fontAlgn="b"/>
+                      <a:pPr latinLnBrk="1"/>
                       <a:r>
-                        <a:rPr lang="ko-KR" altLang="en-US" sz="1100" u="none" strike="noStrike">
-                          <a:solidFill>
-                            <a:schemeClr val="tx1">
-                              <a:lumMod val="85000"/>
-                              <a:lumOff val="15000"/>
-                            </a:schemeClr>
-                          </a:solidFill>
-                          <a:effectLst/>
-                        </a:rPr>
-                        <a:t>챗봇 품질 개선</a:t>
+                        <a:rPr lang="en-US" altLang="ko-KR" sz="1400" b="0" dirty="0" smtClean="0"/>
+                        <a:t>26</a:t>
                       </a:r>
-                      <a:endParaRPr lang="ko-KR" altLang="en-US" sz="1100" b="0" i="0" u="none" strike="noStrike">
-                        <a:solidFill>
-                          <a:schemeClr val="tx1">
-                            <a:lumMod val="85000"/>
-                            <a:lumOff val="15000"/>
-                          </a:schemeClr>
-                        </a:solidFill>
-                        <a:effectLst/>
-                        <a:latin typeface="맑은 고딕" panose="020B0503020000020004" pitchFamily="50" charset="-127"/>
-                        <a:ea typeface="맑은 고딕" panose="020B0503020000020004" pitchFamily="50" charset="-127"/>
-                      </a:endParaRPr>
+                      <a:endParaRPr lang="ko-KR" altLang="en-US" sz="1400" b="0" dirty="0"/>
                     </a:p>
                   </a:txBody>
-                  <a:tcPr marL="6757" marR="6757" marT="6757" marB="0" anchor="ctr">
+                  <a:tcPr>
+                    <a:solidFill>
+                      <a:srgbClr val="F8F9FA"/>
+                    </a:solidFill>
+                  </a:tcPr>
+                </a:tc>
+              </a:tr>
+              <a:tr h="441234">
+                <a:tc>
+                  <a:txBody>
+                    <a:bodyPr/>
+                    <a:lstStyle/>
+                    <a:p>
+                      <a:pPr latinLnBrk="1"/>
+                      <a:r>
+                        <a:rPr lang="en-US" altLang="ko-KR" sz="1400" b="0" dirty="0" smtClean="0"/>
+                        <a:t>29</a:t>
+                      </a:r>
+                      <a:endParaRPr lang="ko-KR" altLang="en-US" sz="1400" b="0" dirty="0"/>
+                    </a:p>
+                  </a:txBody>
+                  <a:tcPr>
                     <a:solidFill>
                       <a:srgbClr val="F8F9FA"/>
                     </a:solidFill>
@@ -20850,33 +18961,15 @@
                     <a:bodyPr/>
                     <a:lstStyle/>
                     <a:p>
-                      <a:pPr algn="ctr" fontAlgn="b"/>
+                      <a:pPr latinLnBrk="1"/>
                       <a:r>
-                        <a:rPr lang="ko-KR" altLang="en-US" sz="1100" u="none" strike="noStrike">
-                          <a:solidFill>
-                            <a:schemeClr val="tx1">
-                              <a:lumMod val="85000"/>
-                              <a:lumOff val="15000"/>
-                            </a:schemeClr>
-                          </a:solidFill>
-                          <a:effectLst/>
-                        </a:rPr>
-                        <a:t>고객문의</a:t>
+                        <a:rPr lang="en-US" altLang="ko-KR" sz="1400" b="0" dirty="0" smtClean="0"/>
+                        <a:t>30</a:t>
                       </a:r>
-                      <a:endParaRPr lang="ko-KR" altLang="en-US" sz="1100" b="0" i="0" u="none" strike="noStrike">
-                        <a:solidFill>
-                          <a:schemeClr val="tx1">
-                            <a:lumMod val="85000"/>
-                            <a:lumOff val="15000"/>
-                          </a:schemeClr>
-                        </a:solidFill>
-                        <a:effectLst/>
-                        <a:latin typeface="맑은 고딕" panose="020B0503020000020004" pitchFamily="50" charset="-127"/>
-                        <a:ea typeface="맑은 고딕" panose="020B0503020000020004" pitchFamily="50" charset="-127"/>
-                      </a:endParaRPr>
+                      <a:endParaRPr lang="ko-KR" altLang="en-US" sz="1400" b="0" dirty="0"/>
                     </a:p>
                   </a:txBody>
-                  <a:tcPr marL="6757" marR="6757" marT="6757" marB="0" anchor="ctr">
+                  <a:tcPr>
                     <a:solidFill>
                       <a:srgbClr val="F8F9FA"/>
                     </a:solidFill>
@@ -20887,167 +18980,23 @@
                     <a:bodyPr/>
                     <a:lstStyle/>
                     <a:p>
-                      <a:pPr algn="ctr" fontAlgn="b"/>
+                      <a:pPr latinLnBrk="1"/>
                       <a:r>
-                        <a:rPr lang="ko-KR" altLang="en-US" sz="1100" u="none" strike="noStrike">
-                          <a:solidFill>
-                            <a:schemeClr val="tx1">
-                              <a:lumMod val="85000"/>
-                              <a:lumOff val="15000"/>
-                            </a:schemeClr>
-                          </a:solidFill>
-                          <a:effectLst/>
-                        </a:rPr>
-                        <a:t>챌린지 삭제</a:t>
-                      </a:r>
-                      <a:endParaRPr lang="ko-KR" altLang="en-US" sz="1100" b="0" i="0" u="none" strike="noStrike">
-                        <a:solidFill>
-                          <a:schemeClr val="tx1">
-                            <a:lumMod val="85000"/>
-                            <a:lumOff val="15000"/>
-                          </a:schemeClr>
-                        </a:solidFill>
-                        <a:effectLst/>
-                        <a:latin typeface="맑은 고딕" panose="020B0503020000020004" pitchFamily="50" charset="-127"/>
-                        <a:ea typeface="맑은 고딕" panose="020B0503020000020004" pitchFamily="50" charset="-127"/>
-                      </a:endParaRPr>
-                    </a:p>
-                  </a:txBody>
-                  <a:tcPr marL="6757" marR="6757" marT="6757" marB="0" anchor="ctr">
-                    <a:solidFill>
-                      <a:srgbClr val="F8F9FA"/>
-                    </a:solidFill>
-                  </a:tcPr>
-                </a:tc>
-              </a:tr>
-              <a:tr h="266544">
-                <a:tc>
-                  <a:txBody>
-                    <a:bodyPr/>
-                    <a:lstStyle/>
-                    <a:p>
-                      <a:pPr algn="ctr" fontAlgn="b"/>
-                      <a:r>
-                        <a:rPr lang="en-US" altLang="ko-KR" sz="1100" u="none" strike="noStrike">
-                          <a:solidFill>
-                            <a:schemeClr val="tx1">
-                              <a:lumMod val="85000"/>
-                              <a:lumOff val="15000"/>
-                            </a:schemeClr>
-                          </a:solidFill>
-                          <a:effectLst/>
-                        </a:rPr>
-                        <a:t>4</a:t>
+                        <a:rPr lang="en-US" altLang="ko-KR" sz="1400" b="0" dirty="0" smtClean="0"/>
+                        <a:t>5</a:t>
                       </a:r>
                       <a:r>
-                        <a:rPr lang="ko-KR" altLang="en-US" sz="1100" u="none" strike="noStrike">
-                          <a:solidFill>
-                            <a:schemeClr val="tx1">
-                              <a:lumMod val="85000"/>
-                              <a:lumOff val="15000"/>
-                            </a:schemeClr>
-                          </a:solidFill>
-                          <a:effectLst/>
-                        </a:rPr>
+                        <a:rPr lang="ko-KR" altLang="en-US" sz="1400" b="0" dirty="0" smtClean="0"/>
                         <a:t>월 </a:t>
                       </a:r>
                       <a:r>
-                        <a:rPr lang="en-US" altLang="ko-KR" sz="1100" u="none" strike="noStrike">
-                          <a:solidFill>
-                            <a:schemeClr val="tx1">
-                              <a:lumMod val="85000"/>
-                              <a:lumOff val="15000"/>
-                            </a:schemeClr>
-                          </a:solidFill>
-                          <a:effectLst/>
-                        </a:rPr>
-                        <a:t>18</a:t>
+                        <a:rPr lang="en-US" altLang="ko-KR" sz="1400" b="0" dirty="0" smtClean="0"/>
+                        <a:t>1</a:t>
                       </a:r>
-                      <a:r>
-                        <a:rPr lang="ko-KR" altLang="en-US" sz="1100" u="none" strike="noStrike">
-                          <a:solidFill>
-                            <a:schemeClr val="tx1">
-                              <a:lumMod val="85000"/>
-                              <a:lumOff val="15000"/>
-                            </a:schemeClr>
-                          </a:solidFill>
-                          <a:effectLst/>
-                        </a:rPr>
-                        <a:t>일</a:t>
-                      </a:r>
-                      <a:endParaRPr lang="ko-KR" altLang="en-US" sz="1100" b="0" i="0" u="none" strike="noStrike">
-                        <a:solidFill>
-                          <a:schemeClr val="tx1">
-                            <a:lumMod val="85000"/>
-                            <a:lumOff val="15000"/>
-                          </a:schemeClr>
-                        </a:solidFill>
-                        <a:effectLst/>
-                        <a:latin typeface="맑은 고딕" panose="020B0503020000020004" pitchFamily="50" charset="-127"/>
-                        <a:ea typeface="맑은 고딕" panose="020B0503020000020004" pitchFamily="50" charset="-127"/>
-                      </a:endParaRPr>
+                      <a:endParaRPr lang="ko-KR" altLang="en-US" sz="1400" b="0" dirty="0"/>
                     </a:p>
                   </a:txBody>
-                  <a:tcPr marL="6757" marR="6757" marT="6757" marB="0" anchor="ctr">
-                    <a:solidFill>
-                      <a:srgbClr val="D7D7D7"/>
-                    </a:solidFill>
-                  </a:tcPr>
-                </a:tc>
-                <a:tc>
-                  <a:txBody>
-                    <a:bodyPr/>
-                    <a:lstStyle/>
-                    <a:p>
-                      <a:pPr algn="ctr" fontAlgn="b"/>
-                      <a:r>
-                        <a:rPr lang="ko-KR" altLang="en-US" sz="1100" u="none" strike="noStrike">
-                          <a:solidFill>
-                            <a:schemeClr val="tx1">
-                              <a:lumMod val="85000"/>
-                              <a:lumOff val="15000"/>
-                            </a:schemeClr>
-                          </a:solidFill>
-                          <a:effectLst/>
-                        </a:rPr>
-                        <a:t>목요일</a:t>
-                      </a:r>
-                      <a:endParaRPr lang="ko-KR" altLang="en-US" sz="1100" b="0" i="0" u="none" strike="noStrike">
-                        <a:solidFill>
-                          <a:schemeClr val="tx1">
-                            <a:lumMod val="85000"/>
-                            <a:lumOff val="15000"/>
-                          </a:schemeClr>
-                        </a:solidFill>
-                        <a:effectLst/>
-                        <a:latin typeface="맑은 고딕" panose="020B0503020000020004" pitchFamily="50" charset="-127"/>
-                        <a:ea typeface="맑은 고딕" panose="020B0503020000020004" pitchFamily="50" charset="-127"/>
-                      </a:endParaRPr>
-                    </a:p>
-                  </a:txBody>
-                  <a:tcPr marL="6757" marR="6757" marT="6757" marB="0" anchor="ctr">
-                    <a:solidFill>
-                      <a:srgbClr val="D7D7D7"/>
-                    </a:solidFill>
-                  </a:tcPr>
-                </a:tc>
-                <a:tc vMerge="1">
-                  <a:txBody>
-                    <a:bodyPr/>
-                    <a:lstStyle/>
-                    <a:p>
-                      <a:pPr algn="ctr" fontAlgn="b"/>
-                      <a:endParaRPr lang="ko-KR" altLang="en-US" sz="1100" b="0" i="0" u="none" strike="noStrike" dirty="0">
-                        <a:solidFill>
-                          <a:srgbClr val="000000"/>
-                        </a:solidFill>
-                        <a:effectLst/>
-                        <a:latin typeface="맑은 고딕" panose="020B0503020000020004" pitchFamily="50" charset="-127"/>
-                        <a:ea typeface="맑은 고딕" panose="020B0503020000020004" pitchFamily="50" charset="-127"/>
-                      </a:endParaRPr>
-                    </a:p>
-                  </a:txBody>
-                  <a:tcPr marL="6757" marR="6757" marT="6757" marB="0" anchor="ctr">
+                  <a:tcPr>
                     <a:solidFill>
                       <a:srgbClr val="F8F9FA"/>
                     </a:solidFill>
@@ -21058,45 +19007,19 @@
                     <a:bodyPr/>
                     <a:lstStyle/>
                     <a:p>
-                      <a:pPr algn="ctr" fontAlgn="b"/>
+                      <a:pPr latinLnBrk="1"/>
                       <a:r>
-                        <a:rPr lang="ko-KR" altLang="en-US" sz="1100" u="none" strike="noStrike">
-                          <a:solidFill>
-                            <a:schemeClr val="tx1">
-                              <a:lumMod val="85000"/>
-                              <a:lumOff val="15000"/>
-                            </a:schemeClr>
-                          </a:solidFill>
-                          <a:effectLst/>
-                        </a:rPr>
-                        <a:t>프론트 레이아웃 </a:t>
+                        <a:rPr lang="en-US" altLang="ko-KR" sz="1400" b="1" dirty="0" smtClean="0"/>
+                        <a:t>2 </a:t>
                       </a:r>
                       <a:r>
-                        <a:rPr lang="en-US" altLang="ko-KR" sz="1100" u="none" strike="noStrike">
-                          <a:solidFill>
-                            <a:schemeClr val="tx1">
-                              <a:lumMod val="85000"/>
-                              <a:lumOff val="15000"/>
-                            </a:schemeClr>
-                          </a:solidFill>
-                          <a:effectLst/>
-                        </a:rPr>
-                        <a:t>(Store)</a:t>
+                        <a:rPr lang="ko-KR" altLang="en-US" sz="1400" b="1" dirty="0" smtClean="0"/>
+                        <a:t>완료발표</a:t>
                       </a:r>
-                      <a:endParaRPr lang="en-US" altLang="ko-KR" sz="1100" b="0" i="0" u="none" strike="noStrike">
-                        <a:solidFill>
-                          <a:schemeClr val="tx1">
-                            <a:lumMod val="85000"/>
-                            <a:lumOff val="15000"/>
-                          </a:schemeClr>
-                        </a:solidFill>
-                        <a:effectLst/>
-                        <a:latin typeface="맑은 고딕" panose="020B0503020000020004" pitchFamily="50" charset="-127"/>
-                        <a:ea typeface="맑은 고딕" panose="020B0503020000020004" pitchFamily="50" charset="-127"/>
-                      </a:endParaRPr>
+                      <a:endParaRPr lang="ko-KR" altLang="en-US" sz="1400" b="1" dirty="0"/>
                     </a:p>
                   </a:txBody>
-                  <a:tcPr marL="6757" marR="6757" marT="6757" marB="0" anchor="ctr">
+                  <a:tcPr>
                     <a:solidFill>
                       <a:srgbClr val="F8F9FA"/>
                     </a:solidFill>
@@ -21107,2341 +19030,645 @@
                     <a:bodyPr/>
                     <a:lstStyle/>
                     <a:p>
-                      <a:pPr algn="ctr" fontAlgn="b"/>
-                      <a:r>
-                        <a:rPr lang="ko-KR" altLang="en-US" sz="1100" u="none" strike="noStrike">
-                          <a:solidFill>
-                            <a:schemeClr val="tx1">
-                              <a:lumMod val="85000"/>
-                              <a:lumOff val="15000"/>
-                            </a:schemeClr>
-                          </a:solidFill>
-                          <a:effectLst/>
-                        </a:rPr>
-                        <a:t>마이페이지 구성 연결</a:t>
-                      </a:r>
-                      <a:endParaRPr lang="ko-KR" altLang="en-US" sz="1100" b="0" i="0" u="none" strike="noStrike">
-                        <a:solidFill>
-                          <a:schemeClr val="tx1">
-                            <a:lumMod val="85000"/>
-                            <a:lumOff val="15000"/>
-                          </a:schemeClr>
-                        </a:solidFill>
-                        <a:effectLst/>
-                        <a:latin typeface="맑은 고딕" panose="020B0503020000020004" pitchFamily="50" charset="-127"/>
-                        <a:ea typeface="맑은 고딕" panose="020B0503020000020004" pitchFamily="50" charset="-127"/>
-                      </a:endParaRPr>
+                      <a:pPr latinLnBrk="1"/>
+                      <a:endParaRPr lang="ko-KR" altLang="en-US" sz="1400" b="0" dirty="0"/>
                     </a:p>
                   </a:txBody>
-                  <a:tcPr marL="6757" marR="6757" marT="6757" marB="0" anchor="ctr">
-                    <a:solidFill>
-                      <a:srgbClr val="F8F9FA"/>
-                    </a:solidFill>
-                  </a:tcPr>
-                </a:tc>
-                <a:tc>
-                  <a:txBody>
-                    <a:bodyPr/>
-                    <a:lstStyle/>
-                    <a:p>
-                      <a:pPr algn="ctr" fontAlgn="b"/>
-                      <a:r>
-                        <a:rPr lang="ko-KR" altLang="en-US" sz="1100" u="none" strike="noStrike">
-                          <a:solidFill>
-                            <a:schemeClr val="tx1">
-                              <a:lumMod val="85000"/>
-                              <a:lumOff val="15000"/>
-                            </a:schemeClr>
-                          </a:solidFill>
-                          <a:effectLst/>
-                        </a:rPr>
-                        <a:t>챌린지 인증</a:t>
-                      </a:r>
-                      <a:endParaRPr lang="ko-KR" altLang="en-US" sz="1100" b="0" i="0" u="none" strike="noStrike">
-                        <a:solidFill>
-                          <a:schemeClr val="tx1">
-                            <a:lumMod val="85000"/>
-                            <a:lumOff val="15000"/>
-                          </a:schemeClr>
-                        </a:solidFill>
-                        <a:effectLst/>
-                        <a:latin typeface="맑은 고딕" panose="020B0503020000020004" pitchFamily="50" charset="-127"/>
-                        <a:ea typeface="맑은 고딕" panose="020B0503020000020004" pitchFamily="50" charset="-127"/>
-                      </a:endParaRPr>
-                    </a:p>
-                  </a:txBody>
-                  <a:tcPr marL="6757" marR="6757" marT="6757" marB="0" anchor="ctr">
+                  <a:tcPr>
                     <a:solidFill>
                       <a:srgbClr val="F8F9FA"/>
                     </a:solidFill>
                   </a:tcPr>
                 </a:tc>
               </a:tr>
-              <a:tr h="266544">
-                <a:tc>
-                  <a:txBody>
-                    <a:bodyPr/>
-                    <a:lstStyle/>
-                    <a:p>
-                      <a:pPr algn="ctr" fontAlgn="b"/>
-                      <a:r>
-                        <a:rPr lang="en-US" altLang="ko-KR" sz="1100" u="none" strike="noStrike">
-                          <a:solidFill>
-                            <a:schemeClr val="tx1">
-                              <a:lumMod val="85000"/>
-                              <a:lumOff val="15000"/>
-                            </a:schemeClr>
-                          </a:solidFill>
-                          <a:effectLst/>
-                        </a:rPr>
-                        <a:t>4</a:t>
-                      </a:r>
-                      <a:r>
-                        <a:rPr lang="ko-KR" altLang="en-US" sz="1100" u="none" strike="noStrike">
-                          <a:solidFill>
-                            <a:schemeClr val="tx1">
-                              <a:lumMod val="85000"/>
-                              <a:lumOff val="15000"/>
-                            </a:schemeClr>
-                          </a:solidFill>
-                          <a:effectLst/>
-                        </a:rPr>
-                        <a:t>월 </a:t>
-                      </a:r>
-                      <a:r>
-                        <a:rPr lang="en-US" altLang="ko-KR" sz="1100" u="none" strike="noStrike">
-                          <a:solidFill>
-                            <a:schemeClr val="tx1">
-                              <a:lumMod val="85000"/>
-                              <a:lumOff val="15000"/>
-                            </a:schemeClr>
-                          </a:solidFill>
-                          <a:effectLst/>
-                        </a:rPr>
-                        <a:t>19</a:t>
-                      </a:r>
-                      <a:r>
-                        <a:rPr lang="ko-KR" altLang="en-US" sz="1100" u="none" strike="noStrike">
-                          <a:solidFill>
-                            <a:schemeClr val="tx1">
-                              <a:lumMod val="85000"/>
-                              <a:lumOff val="15000"/>
-                            </a:schemeClr>
-                          </a:solidFill>
-                          <a:effectLst/>
-                        </a:rPr>
-                        <a:t>일</a:t>
-                      </a:r>
-                      <a:endParaRPr lang="ko-KR" altLang="en-US" sz="1100" b="0" i="0" u="none" strike="noStrike">
-                        <a:solidFill>
-                          <a:schemeClr val="tx1">
-                            <a:lumMod val="85000"/>
-                            <a:lumOff val="15000"/>
-                          </a:schemeClr>
-                        </a:solidFill>
-                        <a:effectLst/>
-                        <a:latin typeface="맑은 고딕" panose="020B0503020000020004" pitchFamily="50" charset="-127"/>
-                        <a:ea typeface="맑은 고딕" panose="020B0503020000020004" pitchFamily="50" charset="-127"/>
-                      </a:endParaRPr>
-                    </a:p>
-                  </a:txBody>
-                  <a:tcPr marL="6757" marR="6757" marT="6757" marB="0" anchor="ctr">
-                    <a:solidFill>
-                      <a:srgbClr val="D7D7D7"/>
-                    </a:solidFill>
-                  </a:tcPr>
-                </a:tc>
-                <a:tc>
-                  <a:txBody>
-                    <a:bodyPr/>
-                    <a:lstStyle/>
-                    <a:p>
-                      <a:pPr algn="ctr" fontAlgn="b"/>
-                      <a:r>
-                        <a:rPr lang="ko-KR" altLang="en-US" sz="1100" u="none" strike="noStrike">
-                          <a:solidFill>
-                            <a:schemeClr val="tx1">
-                              <a:lumMod val="85000"/>
-                              <a:lumOff val="15000"/>
-                            </a:schemeClr>
-                          </a:solidFill>
-                          <a:effectLst/>
-                        </a:rPr>
-                        <a:t>금요일</a:t>
-                      </a:r>
-                      <a:endParaRPr lang="ko-KR" altLang="en-US" sz="1100" b="0" i="0" u="none" strike="noStrike">
-                        <a:solidFill>
-                          <a:schemeClr val="tx1">
-                            <a:lumMod val="85000"/>
-                            <a:lumOff val="15000"/>
-                          </a:schemeClr>
-                        </a:solidFill>
-                        <a:effectLst/>
-                        <a:latin typeface="맑은 고딕" panose="020B0503020000020004" pitchFamily="50" charset="-127"/>
-                        <a:ea typeface="맑은 고딕" panose="020B0503020000020004" pitchFamily="50" charset="-127"/>
-                      </a:endParaRPr>
-                    </a:p>
-                  </a:txBody>
-                  <a:tcPr marL="6757" marR="6757" marT="6757" marB="0" anchor="ctr">
-                    <a:solidFill>
-                      <a:srgbClr val="D7D7D7"/>
-                    </a:solidFill>
-                  </a:tcPr>
-                </a:tc>
-                <a:tc vMerge="1">
-                  <a:txBody>
-                    <a:bodyPr/>
-                    <a:lstStyle/>
-                    <a:p>
-                      <a:pPr algn="ctr" fontAlgn="b"/>
-                      <a:endParaRPr lang="ko-KR" altLang="en-US" sz="1100" b="0" i="0" u="none" strike="noStrike" dirty="0">
-                        <a:solidFill>
-                          <a:srgbClr val="000000"/>
-                        </a:solidFill>
-                        <a:effectLst/>
-                        <a:latin typeface="맑은 고딕" panose="020B0503020000020004" pitchFamily="50" charset="-127"/>
-                        <a:ea typeface="맑은 고딕" panose="020B0503020000020004" pitchFamily="50" charset="-127"/>
-                      </a:endParaRPr>
-                    </a:p>
-                  </a:txBody>
-                  <a:tcPr marL="6757" marR="6757" marT="6757" marB="0" anchor="ctr">
-                    <a:solidFill>
-                      <a:srgbClr val="F8F9FA"/>
-                    </a:solidFill>
-                  </a:tcPr>
-                </a:tc>
-                <a:tc>
-                  <a:txBody>
-                    <a:bodyPr/>
-                    <a:lstStyle/>
-                    <a:p>
-                      <a:pPr algn="ctr" fontAlgn="b"/>
-                      <a:r>
-                        <a:rPr lang="ko-KR" altLang="en-US" sz="1100" u="none" strike="noStrike">
-                          <a:solidFill>
-                            <a:schemeClr val="tx1">
-                              <a:lumMod val="85000"/>
-                              <a:lumOff val="15000"/>
-                            </a:schemeClr>
-                          </a:solidFill>
-                          <a:effectLst/>
-                        </a:rPr>
-                        <a:t>스토어 구성 연결</a:t>
-                      </a:r>
-                      <a:endParaRPr lang="ko-KR" altLang="en-US" sz="1100" b="0" i="0" u="none" strike="noStrike">
-                        <a:solidFill>
-                          <a:schemeClr val="tx1">
-                            <a:lumMod val="85000"/>
-                            <a:lumOff val="15000"/>
-                          </a:schemeClr>
-                        </a:solidFill>
-                        <a:effectLst/>
-                        <a:latin typeface="맑은 고딕" panose="020B0503020000020004" pitchFamily="50" charset="-127"/>
-                        <a:ea typeface="맑은 고딕" panose="020B0503020000020004" pitchFamily="50" charset="-127"/>
-                      </a:endParaRPr>
-                    </a:p>
-                  </a:txBody>
-                  <a:tcPr marL="6757" marR="6757" marT="6757" marB="0" anchor="ctr">
-                    <a:solidFill>
-                      <a:srgbClr val="F8F9FA"/>
-                    </a:solidFill>
-                  </a:tcPr>
-                </a:tc>
-                <a:tc>
-                  <a:txBody>
-                    <a:bodyPr/>
-                    <a:lstStyle/>
-                    <a:p>
-                      <a:pPr algn="ctr" fontAlgn="b"/>
-                      <a:r>
-                        <a:rPr lang="ko-KR" altLang="en-US" sz="1100" u="none" strike="noStrike">
-                          <a:solidFill>
-                            <a:schemeClr val="tx1">
-                              <a:lumMod val="85000"/>
-                              <a:lumOff val="15000"/>
-                            </a:schemeClr>
-                          </a:solidFill>
-                          <a:effectLst/>
-                        </a:rPr>
-                        <a:t>운영자 페이지 구성 연결</a:t>
-                      </a:r>
-                      <a:endParaRPr lang="ko-KR" altLang="en-US" sz="1100" b="0" i="0" u="none" strike="noStrike">
-                        <a:solidFill>
-                          <a:schemeClr val="tx1">
-                            <a:lumMod val="85000"/>
-                            <a:lumOff val="15000"/>
-                          </a:schemeClr>
-                        </a:solidFill>
-                        <a:effectLst/>
-                        <a:latin typeface="맑은 고딕" panose="020B0503020000020004" pitchFamily="50" charset="-127"/>
-                        <a:ea typeface="맑은 고딕" panose="020B0503020000020004" pitchFamily="50" charset="-127"/>
-                      </a:endParaRPr>
-                    </a:p>
-                  </a:txBody>
-                  <a:tcPr marL="6757" marR="6757" marT="6757" marB="0" anchor="ctr">
-                    <a:solidFill>
-                      <a:srgbClr val="F8F9FA"/>
-                    </a:solidFill>
-                  </a:tcPr>
-                </a:tc>
-                <a:tc>
-                  <a:txBody>
-                    <a:bodyPr/>
-                    <a:lstStyle/>
-                    <a:p>
-                      <a:pPr algn="ctr" fontAlgn="b"/>
-                      <a:r>
-                        <a:rPr lang="ko-KR" altLang="en-US" sz="1100" u="none" strike="noStrike">
-                          <a:solidFill>
-                            <a:schemeClr val="tx1">
-                              <a:lumMod val="85000"/>
-                              <a:lumOff val="15000"/>
-                            </a:schemeClr>
-                          </a:solidFill>
-                          <a:effectLst/>
-                        </a:rPr>
-                        <a:t>챌린지 포인트</a:t>
-                      </a:r>
-                      <a:endParaRPr lang="ko-KR" altLang="en-US" sz="1100" b="0" i="0" u="none" strike="noStrike">
-                        <a:solidFill>
-                          <a:schemeClr val="tx1">
-                            <a:lumMod val="85000"/>
-                            <a:lumOff val="15000"/>
-                          </a:schemeClr>
-                        </a:solidFill>
-                        <a:effectLst/>
-                        <a:latin typeface="맑은 고딕" panose="020B0503020000020004" pitchFamily="50" charset="-127"/>
-                        <a:ea typeface="맑은 고딕" panose="020B0503020000020004" pitchFamily="50" charset="-127"/>
-                      </a:endParaRPr>
-                    </a:p>
-                  </a:txBody>
-                  <a:tcPr marL="6757" marR="6757" marT="6757" marB="0" anchor="ctr">
-                    <a:solidFill>
-                      <a:srgbClr val="F8F9FA"/>
-                    </a:solidFill>
-                  </a:tcPr>
-                </a:tc>
-              </a:tr>
-              <a:tr h="266544">
-                <a:tc>
-                  <a:txBody>
-                    <a:bodyPr/>
-                    <a:lstStyle/>
-                    <a:p>
-                      <a:pPr algn="ctr" fontAlgn="b"/>
-                      <a:r>
-                        <a:rPr lang="en-US" altLang="ko-KR" sz="1100" u="none" strike="noStrike">
-                          <a:solidFill>
-                            <a:schemeClr val="tx1">
-                              <a:lumMod val="85000"/>
-                              <a:lumOff val="15000"/>
-                            </a:schemeClr>
-                          </a:solidFill>
-                          <a:effectLst/>
-                        </a:rPr>
-                        <a:t>4</a:t>
-                      </a:r>
-                      <a:r>
-                        <a:rPr lang="ko-KR" altLang="en-US" sz="1100" u="none" strike="noStrike">
-                          <a:solidFill>
-                            <a:schemeClr val="tx1">
-                              <a:lumMod val="85000"/>
-                              <a:lumOff val="15000"/>
-                            </a:schemeClr>
-                          </a:solidFill>
-                          <a:effectLst/>
-                        </a:rPr>
-                        <a:t>월 </a:t>
-                      </a:r>
-                      <a:r>
-                        <a:rPr lang="en-US" altLang="ko-KR" sz="1100" u="none" strike="noStrike">
-                          <a:solidFill>
-                            <a:schemeClr val="tx1">
-                              <a:lumMod val="85000"/>
-                              <a:lumOff val="15000"/>
-                            </a:schemeClr>
-                          </a:solidFill>
-                          <a:effectLst/>
-                        </a:rPr>
-                        <a:t>22</a:t>
-                      </a:r>
-                      <a:r>
-                        <a:rPr lang="ko-KR" altLang="en-US" sz="1100" u="none" strike="noStrike">
-                          <a:solidFill>
-                            <a:schemeClr val="tx1">
-                              <a:lumMod val="85000"/>
-                              <a:lumOff val="15000"/>
-                            </a:schemeClr>
-                          </a:solidFill>
-                          <a:effectLst/>
-                        </a:rPr>
-                        <a:t>일</a:t>
-                      </a:r>
-                      <a:endParaRPr lang="ko-KR" altLang="en-US" sz="1100" b="0" i="0" u="none" strike="noStrike">
-                        <a:solidFill>
-                          <a:schemeClr val="tx1">
-                            <a:lumMod val="85000"/>
-                            <a:lumOff val="15000"/>
-                          </a:schemeClr>
-                        </a:solidFill>
-                        <a:effectLst/>
-                        <a:latin typeface="맑은 고딕" panose="020B0503020000020004" pitchFamily="50" charset="-127"/>
-                        <a:ea typeface="맑은 고딕" panose="020B0503020000020004" pitchFamily="50" charset="-127"/>
-                      </a:endParaRPr>
-                    </a:p>
-                  </a:txBody>
-                  <a:tcPr marL="6757" marR="6757" marT="6757" marB="0" anchor="ctr">
-                    <a:solidFill>
-                      <a:srgbClr val="D7D7D7"/>
-                    </a:solidFill>
-                  </a:tcPr>
-                </a:tc>
-                <a:tc>
-                  <a:txBody>
-                    <a:bodyPr/>
-                    <a:lstStyle/>
-                    <a:p>
-                      <a:pPr algn="ctr" fontAlgn="b"/>
-                      <a:r>
-                        <a:rPr lang="ko-KR" altLang="en-US" sz="1100" u="none" strike="noStrike">
-                          <a:solidFill>
-                            <a:schemeClr val="tx1">
-                              <a:lumMod val="85000"/>
-                              <a:lumOff val="15000"/>
-                            </a:schemeClr>
-                          </a:solidFill>
-                          <a:effectLst/>
-                        </a:rPr>
-                        <a:t>월요일</a:t>
-                      </a:r>
-                      <a:endParaRPr lang="ko-KR" altLang="en-US" sz="1100" b="0" i="0" u="none" strike="noStrike">
-                        <a:solidFill>
-                          <a:schemeClr val="tx1">
-                            <a:lumMod val="85000"/>
-                            <a:lumOff val="15000"/>
-                          </a:schemeClr>
-                        </a:solidFill>
-                        <a:effectLst/>
-                        <a:latin typeface="맑은 고딕" panose="020B0503020000020004" pitchFamily="50" charset="-127"/>
-                        <a:ea typeface="맑은 고딕" panose="020B0503020000020004" pitchFamily="50" charset="-127"/>
-                      </a:endParaRPr>
-                    </a:p>
-                  </a:txBody>
-                  <a:tcPr marL="6757" marR="6757" marT="6757" marB="0" anchor="ctr">
-                    <a:solidFill>
-                      <a:srgbClr val="D7D7D7"/>
-                    </a:solidFill>
-                  </a:tcPr>
-                </a:tc>
-                <a:tc rowSpan="5">
-                  <a:txBody>
-                    <a:bodyPr/>
-                    <a:lstStyle/>
-                    <a:p>
-                      <a:pPr algn="ctr" fontAlgn="b"/>
-                      <a:r>
-                        <a:rPr lang="ko-KR" altLang="en-US" sz="1100" u="none" strike="noStrike" dirty="0" smtClean="0">
-                          <a:solidFill>
-                            <a:schemeClr val="tx1">
-                              <a:lumMod val="85000"/>
-                              <a:lumOff val="15000"/>
-                            </a:schemeClr>
-                          </a:solidFill>
-                          <a:effectLst/>
-                        </a:rPr>
-                        <a:t>통합</a:t>
-                      </a:r>
-                      <a:endParaRPr lang="ko-KR" altLang="en-US" sz="1100" b="0" i="0" u="none" strike="noStrike" dirty="0">
-                        <a:solidFill>
-                          <a:schemeClr val="tx1">
-                            <a:lumMod val="85000"/>
-                            <a:lumOff val="15000"/>
-                          </a:schemeClr>
-                        </a:solidFill>
-                        <a:effectLst/>
-                        <a:latin typeface="맑은 고딕" panose="020B0503020000020004" pitchFamily="50" charset="-127"/>
-                        <a:ea typeface="맑은 고딕" panose="020B0503020000020004" pitchFamily="50" charset="-127"/>
-                      </a:endParaRPr>
-                    </a:p>
-                  </a:txBody>
-                  <a:tcPr marL="6757" marR="6757" marT="6757" marB="0" anchor="ctr">
-                    <a:solidFill>
-                      <a:srgbClr val="D7D7D7"/>
-                    </a:solidFill>
-                  </a:tcPr>
-                </a:tc>
-                <a:tc>
-                  <a:txBody>
-                    <a:bodyPr/>
-                    <a:lstStyle/>
-                    <a:p>
-                      <a:pPr algn="ctr" fontAlgn="b"/>
-                      <a:r>
-                        <a:rPr lang="en-US" sz="1100" u="none" strike="noStrike">
-                          <a:solidFill>
-                            <a:schemeClr val="tx1">
-                              <a:lumMod val="85000"/>
-                              <a:lumOff val="15000"/>
-                            </a:schemeClr>
-                          </a:solidFill>
-                          <a:effectLst/>
-                        </a:rPr>
-                        <a:t>NginX </a:t>
-                      </a:r>
-                      <a:r>
-                        <a:rPr lang="ko-KR" altLang="en-US" sz="1100" u="none" strike="noStrike">
-                          <a:solidFill>
-                            <a:schemeClr val="tx1">
-                              <a:lumMod val="85000"/>
-                              <a:lumOff val="15000"/>
-                            </a:schemeClr>
-                          </a:solidFill>
-                          <a:effectLst/>
-                        </a:rPr>
-                        <a:t>구축</a:t>
-                      </a:r>
-                      <a:endParaRPr lang="ko-KR" altLang="en-US" sz="1100" b="0" i="0" u="none" strike="noStrike">
-                        <a:solidFill>
-                          <a:schemeClr val="tx1">
-                            <a:lumMod val="85000"/>
-                            <a:lumOff val="15000"/>
-                          </a:schemeClr>
-                        </a:solidFill>
-                        <a:effectLst/>
-                        <a:latin typeface="맑은 고딕" panose="020B0503020000020004" pitchFamily="50" charset="-127"/>
-                        <a:ea typeface="맑은 고딕" panose="020B0503020000020004" pitchFamily="50" charset="-127"/>
-                      </a:endParaRPr>
-                    </a:p>
-                  </a:txBody>
-                  <a:tcPr marL="6757" marR="6757" marT="6757" marB="0" anchor="ctr">
-                    <a:solidFill>
-                      <a:srgbClr val="F8F9FA"/>
-                    </a:solidFill>
-                  </a:tcPr>
-                </a:tc>
-                <a:tc gridSpan="2">
-                  <a:txBody>
-                    <a:bodyPr/>
-                    <a:lstStyle/>
-                    <a:p>
-                      <a:pPr algn="ctr" fontAlgn="b"/>
-                      <a:r>
-                        <a:rPr lang="en-US" sz="1100" u="none" strike="noStrike">
-                          <a:solidFill>
-                            <a:schemeClr val="tx1">
-                              <a:lumMod val="85000"/>
-                              <a:lumOff val="15000"/>
-                            </a:schemeClr>
-                          </a:solidFill>
-                          <a:effectLst/>
-                        </a:rPr>
-                        <a:t>Sping </a:t>
-                      </a:r>
-                      <a:r>
-                        <a:rPr lang="ko-KR" altLang="en-US" sz="1100" u="none" strike="noStrike">
-                          <a:solidFill>
-                            <a:schemeClr val="tx1">
-                              <a:lumMod val="85000"/>
-                              <a:lumOff val="15000"/>
-                            </a:schemeClr>
-                          </a:solidFill>
-                          <a:effectLst/>
-                        </a:rPr>
-                        <a:t>통합</a:t>
-                      </a:r>
-                      <a:endParaRPr lang="ko-KR" altLang="en-US" sz="1100" b="0" i="0" u="none" strike="noStrike">
-                        <a:solidFill>
-                          <a:schemeClr val="tx1">
-                            <a:lumMod val="85000"/>
-                            <a:lumOff val="15000"/>
-                          </a:schemeClr>
-                        </a:solidFill>
-                        <a:effectLst/>
-                        <a:latin typeface="맑은 고딕" panose="020B0503020000020004" pitchFamily="50" charset="-127"/>
-                        <a:ea typeface="맑은 고딕" panose="020B0503020000020004" pitchFamily="50" charset="-127"/>
-                      </a:endParaRPr>
-                    </a:p>
-                  </a:txBody>
-                  <a:tcPr marL="6757" marR="6757" marT="6757" marB="0" anchor="ctr">
-                    <a:solidFill>
-                      <a:srgbClr val="F8F9FA"/>
-                    </a:solidFill>
-                  </a:tcPr>
-                </a:tc>
-                <a:tc hMerge="1">
-                  <a:txBody>
-                    <a:bodyPr/>
-                    <a:lstStyle/>
-                    <a:p>
-                      <a:pPr latinLnBrk="1"/>
-                      <a:endParaRPr lang="ko-KR" altLang="en-US"/>
-                    </a:p>
-                  </a:txBody>
-                  <a:tcPr/>
-                </a:tc>
-              </a:tr>
-              <a:tr h="266544">
-                <a:tc>
-                  <a:txBody>
-                    <a:bodyPr/>
-                    <a:lstStyle/>
-                    <a:p>
-                      <a:pPr algn="ctr" fontAlgn="b"/>
-                      <a:r>
-                        <a:rPr lang="en-US" altLang="ko-KR" sz="1100" u="none" strike="noStrike">
-                          <a:solidFill>
-                            <a:schemeClr val="tx1">
-                              <a:lumMod val="85000"/>
-                              <a:lumOff val="15000"/>
-                            </a:schemeClr>
-                          </a:solidFill>
-                          <a:effectLst/>
-                        </a:rPr>
-                        <a:t>4</a:t>
-                      </a:r>
-                      <a:r>
-                        <a:rPr lang="ko-KR" altLang="en-US" sz="1100" u="none" strike="noStrike">
-                          <a:solidFill>
-                            <a:schemeClr val="tx1">
-                              <a:lumMod val="85000"/>
-                              <a:lumOff val="15000"/>
-                            </a:schemeClr>
-                          </a:solidFill>
-                          <a:effectLst/>
-                        </a:rPr>
-                        <a:t>월 </a:t>
-                      </a:r>
-                      <a:r>
-                        <a:rPr lang="en-US" altLang="ko-KR" sz="1100" u="none" strike="noStrike">
-                          <a:solidFill>
-                            <a:schemeClr val="tx1">
-                              <a:lumMod val="85000"/>
-                              <a:lumOff val="15000"/>
-                            </a:schemeClr>
-                          </a:solidFill>
-                          <a:effectLst/>
-                        </a:rPr>
-                        <a:t>23</a:t>
-                      </a:r>
-                      <a:r>
-                        <a:rPr lang="ko-KR" altLang="en-US" sz="1100" u="none" strike="noStrike">
-                          <a:solidFill>
-                            <a:schemeClr val="tx1">
-                              <a:lumMod val="85000"/>
-                              <a:lumOff val="15000"/>
-                            </a:schemeClr>
-                          </a:solidFill>
-                          <a:effectLst/>
-                        </a:rPr>
-                        <a:t>일</a:t>
-                      </a:r>
-                      <a:endParaRPr lang="ko-KR" altLang="en-US" sz="1100" b="0" i="0" u="none" strike="noStrike">
-                        <a:solidFill>
-                          <a:schemeClr val="tx1">
-                            <a:lumMod val="85000"/>
-                            <a:lumOff val="15000"/>
-                          </a:schemeClr>
-                        </a:solidFill>
-                        <a:effectLst/>
-                        <a:latin typeface="맑은 고딕" panose="020B0503020000020004" pitchFamily="50" charset="-127"/>
-                        <a:ea typeface="맑은 고딕" panose="020B0503020000020004" pitchFamily="50" charset="-127"/>
-                      </a:endParaRPr>
-                    </a:p>
-                  </a:txBody>
-                  <a:tcPr marL="6757" marR="6757" marT="6757" marB="0" anchor="ctr">
-                    <a:solidFill>
-                      <a:srgbClr val="D7D7D7"/>
-                    </a:solidFill>
-                  </a:tcPr>
-                </a:tc>
-                <a:tc>
-                  <a:txBody>
-                    <a:bodyPr/>
-                    <a:lstStyle/>
-                    <a:p>
-                      <a:pPr algn="ctr" fontAlgn="b"/>
-                      <a:r>
-                        <a:rPr lang="ko-KR" altLang="en-US" sz="1100" u="none" strike="noStrike">
-                          <a:solidFill>
-                            <a:schemeClr val="tx1">
-                              <a:lumMod val="85000"/>
-                              <a:lumOff val="15000"/>
-                            </a:schemeClr>
-                          </a:solidFill>
-                          <a:effectLst/>
-                        </a:rPr>
-                        <a:t>화요일</a:t>
-                      </a:r>
-                      <a:endParaRPr lang="ko-KR" altLang="en-US" sz="1100" b="0" i="0" u="none" strike="noStrike">
-                        <a:solidFill>
-                          <a:schemeClr val="tx1">
-                            <a:lumMod val="85000"/>
-                            <a:lumOff val="15000"/>
-                          </a:schemeClr>
-                        </a:solidFill>
-                        <a:effectLst/>
-                        <a:latin typeface="맑은 고딕" panose="020B0503020000020004" pitchFamily="50" charset="-127"/>
-                        <a:ea typeface="맑은 고딕" panose="020B0503020000020004" pitchFamily="50" charset="-127"/>
-                      </a:endParaRPr>
-                    </a:p>
-                  </a:txBody>
-                  <a:tcPr marL="6757" marR="6757" marT="6757" marB="0" anchor="ctr">
-                    <a:solidFill>
-                      <a:srgbClr val="D7D7D7"/>
-                    </a:solidFill>
-                  </a:tcPr>
-                </a:tc>
-                <a:tc vMerge="1">
-                  <a:txBody>
-                    <a:bodyPr/>
-                    <a:lstStyle/>
-                    <a:p>
-                      <a:pPr algn="ctr" fontAlgn="b"/>
-                      <a:endParaRPr lang="ko-KR" altLang="en-US" sz="1100" b="0" i="0" u="none" strike="noStrike">
-                        <a:solidFill>
-                          <a:srgbClr val="000000"/>
-                        </a:solidFill>
-                        <a:effectLst/>
-                        <a:latin typeface="맑은 고딕" panose="020B0503020000020004" pitchFamily="50" charset="-127"/>
-                        <a:ea typeface="맑은 고딕" panose="020B0503020000020004" pitchFamily="50" charset="-127"/>
-                      </a:endParaRPr>
-                    </a:p>
-                  </a:txBody>
-                  <a:tcPr marL="6757" marR="6757" marT="6757" marB="0" anchor="ctr">
-                    <a:solidFill>
-                      <a:srgbClr val="F8F9FA"/>
-                    </a:solidFill>
-                  </a:tcPr>
-                </a:tc>
-                <a:tc rowSpan="2" gridSpan="3">
-                  <a:txBody>
-                    <a:bodyPr/>
-                    <a:lstStyle/>
-                    <a:p>
-                      <a:pPr algn="ctr" fontAlgn="b"/>
-                      <a:r>
-                        <a:rPr lang="en-US" sz="1100" u="none" strike="noStrike" dirty="0">
-                          <a:solidFill>
-                            <a:schemeClr val="tx1">
-                              <a:lumMod val="85000"/>
-                              <a:lumOff val="15000"/>
-                            </a:schemeClr>
-                          </a:solidFill>
-                          <a:effectLst/>
-                        </a:rPr>
-                        <a:t>Flask, </a:t>
-                      </a:r>
-                      <a:r>
-                        <a:rPr lang="en-US" sz="1100" u="none" strike="noStrike" dirty="0" err="1">
-                          <a:solidFill>
-                            <a:schemeClr val="tx1">
-                              <a:lumMod val="85000"/>
-                              <a:lumOff val="15000"/>
-                            </a:schemeClr>
-                          </a:solidFill>
-                          <a:effectLst/>
-                        </a:rPr>
-                        <a:t>Sping</a:t>
-                      </a:r>
-                      <a:r>
-                        <a:rPr lang="en-US" sz="1100" u="none" strike="noStrike" dirty="0">
-                          <a:solidFill>
-                            <a:schemeClr val="tx1">
-                              <a:lumMod val="85000"/>
-                              <a:lumOff val="15000"/>
-                            </a:schemeClr>
-                          </a:solidFill>
-                          <a:effectLst/>
-                        </a:rPr>
-                        <a:t> </a:t>
-                      </a:r>
-                      <a:r>
-                        <a:rPr lang="ko-KR" altLang="en-US" sz="1100" u="none" strike="noStrike" dirty="0" smtClean="0">
-                          <a:solidFill>
-                            <a:schemeClr val="tx1">
-                              <a:lumMod val="85000"/>
-                              <a:lumOff val="15000"/>
-                            </a:schemeClr>
-                          </a:solidFill>
-                          <a:effectLst/>
-                        </a:rPr>
-                        <a:t>통합</a:t>
-                      </a:r>
-                      <a:endParaRPr lang="ko-KR" altLang="en-US" sz="1100" b="0" i="0" u="none" strike="noStrike" dirty="0">
-                        <a:solidFill>
-                          <a:schemeClr val="tx1">
-                            <a:lumMod val="85000"/>
-                            <a:lumOff val="15000"/>
-                          </a:schemeClr>
-                        </a:solidFill>
-                        <a:effectLst/>
-                        <a:latin typeface="맑은 고딕" panose="020B0503020000020004" pitchFamily="50" charset="-127"/>
-                        <a:ea typeface="맑은 고딕" panose="020B0503020000020004" pitchFamily="50" charset="-127"/>
-                      </a:endParaRPr>
-                    </a:p>
-                  </a:txBody>
-                  <a:tcPr marL="6757" marR="6757" marT="6757" marB="0" anchor="ctr">
-                    <a:solidFill>
-                      <a:srgbClr val="F8F9FA"/>
-                    </a:solidFill>
-                  </a:tcPr>
-                </a:tc>
-                <a:tc rowSpan="2" hMerge="1">
-                  <a:txBody>
-                    <a:bodyPr/>
-                    <a:lstStyle/>
-                    <a:p>
-                      <a:pPr latinLnBrk="1"/>
-                      <a:endParaRPr lang="ko-KR" altLang="en-US"/>
-                    </a:p>
-                  </a:txBody>
-                  <a:tcPr/>
-                </a:tc>
-                <a:tc rowSpan="2" hMerge="1">
-                  <a:txBody>
-                    <a:bodyPr/>
-                    <a:lstStyle/>
-                    <a:p>
-                      <a:pPr latinLnBrk="1"/>
-                      <a:endParaRPr lang="ko-KR" altLang="en-US"/>
-                    </a:p>
-                  </a:txBody>
-                  <a:tcPr/>
-                </a:tc>
-              </a:tr>
-              <a:tr h="266544">
-                <a:tc>
-                  <a:txBody>
-                    <a:bodyPr/>
-                    <a:lstStyle/>
-                    <a:p>
-                      <a:pPr algn="ctr" fontAlgn="b"/>
-                      <a:r>
-                        <a:rPr lang="en-US" altLang="ko-KR" sz="1100" u="none" strike="noStrike">
-                          <a:solidFill>
-                            <a:schemeClr val="tx1">
-                              <a:lumMod val="85000"/>
-                              <a:lumOff val="15000"/>
-                            </a:schemeClr>
-                          </a:solidFill>
-                          <a:effectLst/>
-                        </a:rPr>
-                        <a:t>4</a:t>
-                      </a:r>
-                      <a:r>
-                        <a:rPr lang="ko-KR" altLang="en-US" sz="1100" u="none" strike="noStrike">
-                          <a:solidFill>
-                            <a:schemeClr val="tx1">
-                              <a:lumMod val="85000"/>
-                              <a:lumOff val="15000"/>
-                            </a:schemeClr>
-                          </a:solidFill>
-                          <a:effectLst/>
-                        </a:rPr>
-                        <a:t>월 </a:t>
-                      </a:r>
-                      <a:r>
-                        <a:rPr lang="en-US" altLang="ko-KR" sz="1100" u="none" strike="noStrike">
-                          <a:solidFill>
-                            <a:schemeClr val="tx1">
-                              <a:lumMod val="85000"/>
-                              <a:lumOff val="15000"/>
-                            </a:schemeClr>
-                          </a:solidFill>
-                          <a:effectLst/>
-                        </a:rPr>
-                        <a:t>24</a:t>
-                      </a:r>
-                      <a:r>
-                        <a:rPr lang="ko-KR" altLang="en-US" sz="1100" u="none" strike="noStrike">
-                          <a:solidFill>
-                            <a:schemeClr val="tx1">
-                              <a:lumMod val="85000"/>
-                              <a:lumOff val="15000"/>
-                            </a:schemeClr>
-                          </a:solidFill>
-                          <a:effectLst/>
-                        </a:rPr>
-                        <a:t>일</a:t>
-                      </a:r>
-                      <a:endParaRPr lang="ko-KR" altLang="en-US" sz="1100" b="0" i="0" u="none" strike="noStrike">
-                        <a:solidFill>
-                          <a:schemeClr val="tx1">
-                            <a:lumMod val="85000"/>
-                            <a:lumOff val="15000"/>
-                          </a:schemeClr>
-                        </a:solidFill>
-                        <a:effectLst/>
-                        <a:latin typeface="맑은 고딕" panose="020B0503020000020004" pitchFamily="50" charset="-127"/>
-                        <a:ea typeface="맑은 고딕" panose="020B0503020000020004" pitchFamily="50" charset="-127"/>
-                      </a:endParaRPr>
-                    </a:p>
-                  </a:txBody>
-                  <a:tcPr marL="6757" marR="6757" marT="6757" marB="0" anchor="ctr">
-                    <a:solidFill>
-                      <a:srgbClr val="D7D7D7"/>
-                    </a:solidFill>
-                  </a:tcPr>
-                </a:tc>
-                <a:tc>
-                  <a:txBody>
-                    <a:bodyPr/>
-                    <a:lstStyle/>
-                    <a:p>
-                      <a:pPr algn="ctr" fontAlgn="b"/>
-                      <a:r>
-                        <a:rPr lang="ko-KR" altLang="en-US" sz="1100" u="none" strike="noStrike">
-                          <a:solidFill>
-                            <a:schemeClr val="tx1">
-                              <a:lumMod val="85000"/>
-                              <a:lumOff val="15000"/>
-                            </a:schemeClr>
-                          </a:solidFill>
-                          <a:effectLst/>
-                        </a:rPr>
-                        <a:t>수요일</a:t>
-                      </a:r>
-                      <a:endParaRPr lang="ko-KR" altLang="en-US" sz="1100" b="0" i="0" u="none" strike="noStrike">
-                        <a:solidFill>
-                          <a:schemeClr val="tx1">
-                            <a:lumMod val="85000"/>
-                            <a:lumOff val="15000"/>
-                          </a:schemeClr>
-                        </a:solidFill>
-                        <a:effectLst/>
-                        <a:latin typeface="맑은 고딕" panose="020B0503020000020004" pitchFamily="50" charset="-127"/>
-                        <a:ea typeface="맑은 고딕" panose="020B0503020000020004" pitchFamily="50" charset="-127"/>
-                      </a:endParaRPr>
-                    </a:p>
-                  </a:txBody>
-                  <a:tcPr marL="6757" marR="6757" marT="6757" marB="0" anchor="ctr">
-                    <a:solidFill>
-                      <a:srgbClr val="D7D7D7"/>
-                    </a:solidFill>
-                  </a:tcPr>
-                </a:tc>
-                <a:tc vMerge="1">
-                  <a:txBody>
-                    <a:bodyPr/>
-                    <a:lstStyle/>
-                    <a:p>
-                      <a:pPr algn="ctr" fontAlgn="b"/>
-                      <a:endParaRPr lang="ko-KR" altLang="en-US" sz="1100" b="0" i="0" u="none" strike="noStrike" dirty="0">
-                        <a:solidFill>
-                          <a:srgbClr val="000000"/>
-                        </a:solidFill>
-                        <a:effectLst/>
-                        <a:latin typeface="맑은 고딕" panose="020B0503020000020004" pitchFamily="50" charset="-127"/>
-                        <a:ea typeface="맑은 고딕" panose="020B0503020000020004" pitchFamily="50" charset="-127"/>
-                      </a:endParaRPr>
-                    </a:p>
-                  </a:txBody>
-                  <a:tcPr marL="6757" marR="6757" marT="6757" marB="0" anchor="ctr">
-                    <a:solidFill>
-                      <a:srgbClr val="F8F9FA"/>
-                    </a:solidFill>
-                  </a:tcPr>
-                </a:tc>
-                <a:tc gridSpan="3" vMerge="1">
-                  <a:txBody>
-                    <a:bodyPr/>
-                    <a:lstStyle/>
-                    <a:p>
-                      <a:pPr algn="ctr" fontAlgn="b"/>
-                      <a:endParaRPr lang="ko-KR" altLang="en-US" sz="1100" b="0" i="0" u="none" strike="noStrike" dirty="0">
-                        <a:solidFill>
-                          <a:schemeClr val="tx1">
-                            <a:lumMod val="85000"/>
-                            <a:lumOff val="15000"/>
-                          </a:schemeClr>
-                        </a:solidFill>
-                        <a:effectLst/>
-                        <a:latin typeface="맑은 고딕" panose="020B0503020000020004" pitchFamily="50" charset="-127"/>
-                        <a:ea typeface="맑은 고딕" panose="020B0503020000020004" pitchFamily="50" charset="-127"/>
-                      </a:endParaRPr>
-                    </a:p>
-                  </a:txBody>
-                  <a:tcPr marL="6757" marR="6757" marT="6757" marB="0" anchor="ctr">
-                    <a:solidFill>
-                      <a:srgbClr val="F8F9FA"/>
-                    </a:solidFill>
-                  </a:tcPr>
-                </a:tc>
-                <a:tc hMerge="1" vMerge="1">
-                  <a:txBody>
-                    <a:bodyPr/>
-                    <a:lstStyle/>
-                    <a:p>
-                      <a:pPr algn="ctr" fontAlgn="b"/>
-                      <a:endParaRPr lang="ko-KR" altLang="en-US" sz="1100" b="0" i="0" u="none" strike="noStrike" dirty="0">
-                        <a:solidFill>
-                          <a:schemeClr val="tx1">
-                            <a:lumMod val="85000"/>
-                            <a:lumOff val="15000"/>
-                          </a:schemeClr>
-                        </a:solidFill>
-                        <a:effectLst/>
-                        <a:latin typeface="맑은 고딕" panose="020B0503020000020004" pitchFamily="50" charset="-127"/>
-                        <a:ea typeface="맑은 고딕" panose="020B0503020000020004" pitchFamily="50" charset="-127"/>
-                      </a:endParaRPr>
-                    </a:p>
-                  </a:txBody>
-                  <a:tcPr marL="6757" marR="6757" marT="6757" marB="0" anchor="ctr">
-                    <a:solidFill>
-                      <a:srgbClr val="F8F9FA"/>
-                    </a:solidFill>
-                  </a:tcPr>
-                </a:tc>
-                <a:tc hMerge="1" vMerge="1">
-                  <a:txBody>
-                    <a:bodyPr/>
-                    <a:lstStyle/>
-                    <a:p>
-                      <a:pPr algn="ctr" fontAlgn="b"/>
-                      <a:endParaRPr lang="ko-KR" altLang="en-US" sz="1100" b="0" i="0" u="none" strike="noStrike" dirty="0">
-                        <a:solidFill>
-                          <a:schemeClr val="tx1">
-                            <a:lumMod val="85000"/>
-                            <a:lumOff val="15000"/>
-                          </a:schemeClr>
-                        </a:solidFill>
-                        <a:effectLst/>
-                        <a:latin typeface="맑은 고딕" panose="020B0503020000020004" pitchFamily="50" charset="-127"/>
-                        <a:ea typeface="맑은 고딕" panose="020B0503020000020004" pitchFamily="50" charset="-127"/>
-                      </a:endParaRPr>
-                    </a:p>
-                  </a:txBody>
-                  <a:tcPr marL="6757" marR="6757" marT="6757" marB="0" anchor="ctr">
-                    <a:solidFill>
-                      <a:srgbClr val="F8F9FA"/>
-                    </a:solidFill>
-                  </a:tcPr>
-                </a:tc>
-              </a:tr>
-              <a:tr h="266544">
-                <a:tc>
-                  <a:txBody>
-                    <a:bodyPr/>
-                    <a:lstStyle/>
-                    <a:p>
-                      <a:pPr algn="ctr" fontAlgn="b"/>
-                      <a:r>
-                        <a:rPr lang="en-US" altLang="ko-KR" sz="1100" u="none" strike="noStrike">
-                          <a:solidFill>
-                            <a:schemeClr val="tx1">
-                              <a:lumMod val="85000"/>
-                              <a:lumOff val="15000"/>
-                            </a:schemeClr>
-                          </a:solidFill>
-                          <a:effectLst/>
-                        </a:rPr>
-                        <a:t>4</a:t>
-                      </a:r>
-                      <a:r>
-                        <a:rPr lang="ko-KR" altLang="en-US" sz="1100" u="none" strike="noStrike">
-                          <a:solidFill>
-                            <a:schemeClr val="tx1">
-                              <a:lumMod val="85000"/>
-                              <a:lumOff val="15000"/>
-                            </a:schemeClr>
-                          </a:solidFill>
-                          <a:effectLst/>
-                        </a:rPr>
-                        <a:t>월 </a:t>
-                      </a:r>
-                      <a:r>
-                        <a:rPr lang="en-US" altLang="ko-KR" sz="1100" u="none" strike="noStrike">
-                          <a:solidFill>
-                            <a:schemeClr val="tx1">
-                              <a:lumMod val="85000"/>
-                              <a:lumOff val="15000"/>
-                            </a:schemeClr>
-                          </a:solidFill>
-                          <a:effectLst/>
-                        </a:rPr>
-                        <a:t>25</a:t>
-                      </a:r>
-                      <a:r>
-                        <a:rPr lang="ko-KR" altLang="en-US" sz="1100" u="none" strike="noStrike">
-                          <a:solidFill>
-                            <a:schemeClr val="tx1">
-                              <a:lumMod val="85000"/>
-                              <a:lumOff val="15000"/>
-                            </a:schemeClr>
-                          </a:solidFill>
-                          <a:effectLst/>
-                        </a:rPr>
-                        <a:t>일</a:t>
-                      </a:r>
-                      <a:endParaRPr lang="ko-KR" altLang="en-US" sz="1100" b="0" i="0" u="none" strike="noStrike">
-                        <a:solidFill>
-                          <a:schemeClr val="tx1">
-                            <a:lumMod val="85000"/>
-                            <a:lumOff val="15000"/>
-                          </a:schemeClr>
-                        </a:solidFill>
-                        <a:effectLst/>
-                        <a:latin typeface="맑은 고딕" panose="020B0503020000020004" pitchFamily="50" charset="-127"/>
-                        <a:ea typeface="맑은 고딕" panose="020B0503020000020004" pitchFamily="50" charset="-127"/>
-                      </a:endParaRPr>
-                    </a:p>
-                  </a:txBody>
-                  <a:tcPr marL="6757" marR="6757" marT="6757" marB="0" anchor="ctr">
-                    <a:solidFill>
-                      <a:srgbClr val="D7D7D7"/>
-                    </a:solidFill>
-                  </a:tcPr>
-                </a:tc>
-                <a:tc>
-                  <a:txBody>
-                    <a:bodyPr/>
-                    <a:lstStyle/>
-                    <a:p>
-                      <a:pPr algn="ctr" fontAlgn="b"/>
-                      <a:r>
-                        <a:rPr lang="ko-KR" altLang="en-US" sz="1100" u="none" strike="noStrike">
-                          <a:solidFill>
-                            <a:schemeClr val="tx1">
-                              <a:lumMod val="85000"/>
-                              <a:lumOff val="15000"/>
-                            </a:schemeClr>
-                          </a:solidFill>
-                          <a:effectLst/>
-                        </a:rPr>
-                        <a:t>목요일</a:t>
-                      </a:r>
-                      <a:endParaRPr lang="ko-KR" altLang="en-US" sz="1100" b="0" i="0" u="none" strike="noStrike">
-                        <a:solidFill>
-                          <a:schemeClr val="tx1">
-                            <a:lumMod val="85000"/>
-                            <a:lumOff val="15000"/>
-                          </a:schemeClr>
-                        </a:solidFill>
-                        <a:effectLst/>
-                        <a:latin typeface="맑은 고딕" panose="020B0503020000020004" pitchFamily="50" charset="-127"/>
-                        <a:ea typeface="맑은 고딕" panose="020B0503020000020004" pitchFamily="50" charset="-127"/>
-                      </a:endParaRPr>
-                    </a:p>
-                  </a:txBody>
-                  <a:tcPr marL="6757" marR="6757" marT="6757" marB="0" anchor="ctr">
-                    <a:solidFill>
-                      <a:srgbClr val="D7D7D7"/>
-                    </a:solidFill>
-                  </a:tcPr>
-                </a:tc>
-                <a:tc vMerge="1">
-                  <a:txBody>
-                    <a:bodyPr/>
-                    <a:lstStyle/>
-                    <a:p>
-                      <a:pPr algn="ctr" fontAlgn="b"/>
-                      <a:endParaRPr lang="ko-KR" altLang="en-US" sz="1100" b="0" i="0" u="none" strike="noStrike" dirty="0">
-                        <a:solidFill>
-                          <a:srgbClr val="000000"/>
-                        </a:solidFill>
-                        <a:effectLst/>
-                        <a:latin typeface="맑은 고딕" panose="020B0503020000020004" pitchFamily="50" charset="-127"/>
-                        <a:ea typeface="맑은 고딕" panose="020B0503020000020004" pitchFamily="50" charset="-127"/>
-                      </a:endParaRPr>
-                    </a:p>
-                  </a:txBody>
-                  <a:tcPr marL="6757" marR="6757" marT="6757" marB="0" anchor="ctr">
-                    <a:solidFill>
-                      <a:srgbClr val="F8F9FA"/>
-                    </a:solidFill>
-                  </a:tcPr>
-                </a:tc>
-                <a:tc gridSpan="3">
-                  <a:txBody>
-                    <a:bodyPr/>
-                    <a:lstStyle/>
-                    <a:p>
-                      <a:pPr algn="ctr" fontAlgn="b"/>
-                      <a:r>
-                        <a:rPr lang="en-US" altLang="ko-KR" sz="1100" u="none" strike="noStrike">
-                          <a:solidFill>
-                            <a:schemeClr val="tx1">
-                              <a:lumMod val="85000"/>
-                              <a:lumOff val="15000"/>
-                            </a:schemeClr>
-                          </a:solidFill>
-                          <a:effectLst/>
-                        </a:rPr>
-                        <a:t>CBT 1st (</a:t>
-                      </a:r>
-                      <a:r>
-                        <a:rPr lang="ko-KR" altLang="en-US" sz="1100" u="none" strike="noStrike">
-                          <a:solidFill>
-                            <a:schemeClr val="tx1">
-                              <a:lumMod val="85000"/>
-                              <a:lumOff val="15000"/>
-                            </a:schemeClr>
-                          </a:solidFill>
-                          <a:effectLst/>
-                        </a:rPr>
-                        <a:t>팀원</a:t>
-                      </a:r>
-                      <a:r>
-                        <a:rPr lang="en-US" altLang="ko-KR" sz="1100" u="none" strike="noStrike">
-                          <a:solidFill>
-                            <a:schemeClr val="tx1">
-                              <a:lumMod val="85000"/>
-                              <a:lumOff val="15000"/>
-                            </a:schemeClr>
-                          </a:solidFill>
-                          <a:effectLst/>
-                        </a:rPr>
-                        <a:t>) </a:t>
-                      </a:r>
-                      <a:r>
-                        <a:rPr lang="ko-KR" altLang="en-US" sz="1100" u="none" strike="noStrike">
-                          <a:solidFill>
-                            <a:schemeClr val="tx1">
-                              <a:lumMod val="85000"/>
-                              <a:lumOff val="15000"/>
-                            </a:schemeClr>
-                          </a:solidFill>
-                          <a:effectLst/>
-                        </a:rPr>
-                        <a:t>및 버그픽스</a:t>
-                      </a:r>
-                      <a:endParaRPr lang="ko-KR" altLang="en-US" sz="1100" b="0" i="0" u="none" strike="noStrike">
-                        <a:solidFill>
-                          <a:schemeClr val="tx1">
-                            <a:lumMod val="85000"/>
-                            <a:lumOff val="15000"/>
-                          </a:schemeClr>
-                        </a:solidFill>
-                        <a:effectLst/>
-                        <a:latin typeface="맑은 고딕" panose="020B0503020000020004" pitchFamily="50" charset="-127"/>
-                        <a:ea typeface="맑은 고딕" panose="020B0503020000020004" pitchFamily="50" charset="-127"/>
-                      </a:endParaRPr>
-                    </a:p>
-                  </a:txBody>
-                  <a:tcPr marL="6757" marR="6757" marT="6757" marB="0" anchor="ctr">
-                    <a:solidFill>
-                      <a:srgbClr val="F8F9FA"/>
-                    </a:solidFill>
-                  </a:tcPr>
-                </a:tc>
-                <a:tc hMerge="1">
-                  <a:txBody>
-                    <a:bodyPr/>
-                    <a:lstStyle/>
-                    <a:p>
-                      <a:pPr latinLnBrk="1"/>
-                      <a:endParaRPr lang="ko-KR" altLang="en-US"/>
-                    </a:p>
-                  </a:txBody>
-                  <a:tcPr/>
-                </a:tc>
-                <a:tc hMerge="1">
-                  <a:txBody>
-                    <a:bodyPr/>
-                    <a:lstStyle/>
-                    <a:p>
-                      <a:pPr latinLnBrk="1"/>
-                      <a:endParaRPr lang="ko-KR" altLang="en-US"/>
-                    </a:p>
-                  </a:txBody>
-                  <a:tcPr/>
-                </a:tc>
-              </a:tr>
-              <a:tr h="266544">
-                <a:tc>
-                  <a:txBody>
-                    <a:bodyPr/>
-                    <a:lstStyle/>
-                    <a:p>
-                      <a:pPr algn="ctr" fontAlgn="b"/>
-                      <a:r>
-                        <a:rPr lang="en-US" altLang="ko-KR" sz="1100" u="none" strike="noStrike">
-                          <a:solidFill>
-                            <a:schemeClr val="tx1">
-                              <a:lumMod val="85000"/>
-                              <a:lumOff val="15000"/>
-                            </a:schemeClr>
-                          </a:solidFill>
-                          <a:effectLst/>
-                        </a:rPr>
-                        <a:t>4</a:t>
-                      </a:r>
-                      <a:r>
-                        <a:rPr lang="ko-KR" altLang="en-US" sz="1100" u="none" strike="noStrike">
-                          <a:solidFill>
-                            <a:schemeClr val="tx1">
-                              <a:lumMod val="85000"/>
-                              <a:lumOff val="15000"/>
-                            </a:schemeClr>
-                          </a:solidFill>
-                          <a:effectLst/>
-                        </a:rPr>
-                        <a:t>월 </a:t>
-                      </a:r>
-                      <a:r>
-                        <a:rPr lang="en-US" altLang="ko-KR" sz="1100" u="none" strike="noStrike">
-                          <a:solidFill>
-                            <a:schemeClr val="tx1">
-                              <a:lumMod val="85000"/>
-                              <a:lumOff val="15000"/>
-                            </a:schemeClr>
-                          </a:solidFill>
-                          <a:effectLst/>
-                        </a:rPr>
-                        <a:t>26</a:t>
-                      </a:r>
-                      <a:r>
-                        <a:rPr lang="ko-KR" altLang="en-US" sz="1100" u="none" strike="noStrike">
-                          <a:solidFill>
-                            <a:schemeClr val="tx1">
-                              <a:lumMod val="85000"/>
-                              <a:lumOff val="15000"/>
-                            </a:schemeClr>
-                          </a:solidFill>
-                          <a:effectLst/>
-                        </a:rPr>
-                        <a:t>일</a:t>
-                      </a:r>
-                      <a:endParaRPr lang="ko-KR" altLang="en-US" sz="1100" b="0" i="0" u="none" strike="noStrike">
-                        <a:solidFill>
-                          <a:schemeClr val="tx1">
-                            <a:lumMod val="85000"/>
-                            <a:lumOff val="15000"/>
-                          </a:schemeClr>
-                        </a:solidFill>
-                        <a:effectLst/>
-                        <a:latin typeface="맑은 고딕" panose="020B0503020000020004" pitchFamily="50" charset="-127"/>
-                        <a:ea typeface="맑은 고딕" panose="020B0503020000020004" pitchFamily="50" charset="-127"/>
-                      </a:endParaRPr>
-                    </a:p>
-                  </a:txBody>
-                  <a:tcPr marL="6757" marR="6757" marT="6757" marB="0" anchor="ctr">
-                    <a:solidFill>
-                      <a:srgbClr val="D7D7D7"/>
-                    </a:solidFill>
-                  </a:tcPr>
-                </a:tc>
-                <a:tc>
-                  <a:txBody>
-                    <a:bodyPr/>
-                    <a:lstStyle/>
-                    <a:p>
-                      <a:pPr algn="ctr" fontAlgn="b"/>
-                      <a:r>
-                        <a:rPr lang="ko-KR" altLang="en-US" sz="1100" u="none" strike="noStrike">
-                          <a:solidFill>
-                            <a:schemeClr val="tx1">
-                              <a:lumMod val="85000"/>
-                              <a:lumOff val="15000"/>
-                            </a:schemeClr>
-                          </a:solidFill>
-                          <a:effectLst/>
-                        </a:rPr>
-                        <a:t>금요일</a:t>
-                      </a:r>
-                      <a:endParaRPr lang="ko-KR" altLang="en-US" sz="1100" b="0" i="0" u="none" strike="noStrike">
-                        <a:solidFill>
-                          <a:schemeClr val="tx1">
-                            <a:lumMod val="85000"/>
-                            <a:lumOff val="15000"/>
-                          </a:schemeClr>
-                        </a:solidFill>
-                        <a:effectLst/>
-                        <a:latin typeface="맑은 고딕" panose="020B0503020000020004" pitchFamily="50" charset="-127"/>
-                        <a:ea typeface="맑은 고딕" panose="020B0503020000020004" pitchFamily="50" charset="-127"/>
-                      </a:endParaRPr>
-                    </a:p>
-                  </a:txBody>
-                  <a:tcPr marL="6757" marR="6757" marT="6757" marB="0" anchor="ctr">
-                    <a:solidFill>
-                      <a:srgbClr val="D7D7D7"/>
-                    </a:solidFill>
-                  </a:tcPr>
-                </a:tc>
-                <a:tc vMerge="1">
-                  <a:txBody>
-                    <a:bodyPr/>
-                    <a:lstStyle/>
-                    <a:p>
-                      <a:pPr algn="ctr" fontAlgn="b"/>
-                      <a:endParaRPr lang="ko-KR" altLang="en-US" sz="1100" b="0" i="0" u="none" strike="noStrike" dirty="0">
-                        <a:solidFill>
-                          <a:srgbClr val="000000"/>
-                        </a:solidFill>
-                        <a:effectLst/>
-                        <a:latin typeface="맑은 고딕" panose="020B0503020000020004" pitchFamily="50" charset="-127"/>
-                        <a:ea typeface="맑은 고딕" panose="020B0503020000020004" pitchFamily="50" charset="-127"/>
-                      </a:endParaRPr>
-                    </a:p>
-                  </a:txBody>
-                  <a:tcPr marL="6757" marR="6757" marT="6757" marB="0" anchor="ctr">
-                    <a:solidFill>
-                      <a:srgbClr val="F8F9FA"/>
-                    </a:solidFill>
-                  </a:tcPr>
-                </a:tc>
-                <a:tc gridSpan="3">
-                  <a:txBody>
-                    <a:bodyPr/>
-                    <a:lstStyle/>
-                    <a:p>
-                      <a:pPr algn="ctr" fontAlgn="b"/>
-                      <a:r>
-                        <a:rPr lang="en-US" altLang="ko-KR" sz="1100" u="none" strike="noStrike">
-                          <a:solidFill>
-                            <a:schemeClr val="tx1">
-                              <a:lumMod val="85000"/>
-                              <a:lumOff val="15000"/>
-                            </a:schemeClr>
-                          </a:solidFill>
-                          <a:effectLst/>
-                        </a:rPr>
-                        <a:t>CBT 1st </a:t>
-                      </a:r>
-                      <a:r>
-                        <a:rPr lang="ko-KR" altLang="en-US" sz="1100" u="none" strike="noStrike">
-                          <a:solidFill>
-                            <a:schemeClr val="tx1">
-                              <a:lumMod val="85000"/>
-                              <a:lumOff val="15000"/>
-                            </a:schemeClr>
-                          </a:solidFill>
-                          <a:effectLst/>
-                        </a:rPr>
-                        <a:t>리뷰 및 버그픽스</a:t>
-                      </a:r>
-                      <a:endParaRPr lang="ko-KR" altLang="en-US" sz="1100" b="0" i="0" u="none" strike="noStrike">
-                        <a:solidFill>
-                          <a:schemeClr val="tx1">
-                            <a:lumMod val="85000"/>
-                            <a:lumOff val="15000"/>
-                          </a:schemeClr>
-                        </a:solidFill>
-                        <a:effectLst/>
-                        <a:latin typeface="맑은 고딕" panose="020B0503020000020004" pitchFamily="50" charset="-127"/>
-                        <a:ea typeface="맑은 고딕" panose="020B0503020000020004" pitchFamily="50" charset="-127"/>
-                      </a:endParaRPr>
-                    </a:p>
-                  </a:txBody>
-                  <a:tcPr marL="6757" marR="6757" marT="6757" marB="0" anchor="ctr">
-                    <a:solidFill>
-                      <a:srgbClr val="F8F9FA"/>
-                    </a:solidFill>
-                  </a:tcPr>
-                </a:tc>
-                <a:tc hMerge="1">
-                  <a:txBody>
-                    <a:bodyPr/>
-                    <a:lstStyle/>
-                    <a:p>
-                      <a:pPr latinLnBrk="1"/>
-                      <a:endParaRPr lang="ko-KR" altLang="en-US"/>
-                    </a:p>
-                  </a:txBody>
-                  <a:tcPr/>
-                </a:tc>
-                <a:tc hMerge="1">
-                  <a:txBody>
-                    <a:bodyPr/>
-                    <a:lstStyle/>
-                    <a:p>
-                      <a:pPr latinLnBrk="1"/>
-                      <a:endParaRPr lang="ko-KR" altLang="en-US"/>
-                    </a:p>
-                  </a:txBody>
-                  <a:tcPr/>
-                </a:tc>
-              </a:tr>
-              <a:tr h="266544">
-                <a:tc>
-                  <a:txBody>
-                    <a:bodyPr/>
-                    <a:lstStyle/>
-                    <a:p>
-                      <a:pPr algn="ctr" fontAlgn="b"/>
-                      <a:r>
-                        <a:rPr lang="en-US" altLang="ko-KR" sz="1100" u="none" strike="noStrike">
-                          <a:solidFill>
-                            <a:schemeClr val="tx1">
-                              <a:lumMod val="85000"/>
-                              <a:lumOff val="15000"/>
-                            </a:schemeClr>
-                          </a:solidFill>
-                          <a:effectLst/>
-                        </a:rPr>
-                        <a:t>4</a:t>
-                      </a:r>
-                      <a:r>
-                        <a:rPr lang="ko-KR" altLang="en-US" sz="1100" u="none" strike="noStrike">
-                          <a:solidFill>
-                            <a:schemeClr val="tx1">
-                              <a:lumMod val="85000"/>
-                              <a:lumOff val="15000"/>
-                            </a:schemeClr>
-                          </a:solidFill>
-                          <a:effectLst/>
-                        </a:rPr>
-                        <a:t>월 </a:t>
-                      </a:r>
-                      <a:r>
-                        <a:rPr lang="en-US" altLang="ko-KR" sz="1100" u="none" strike="noStrike">
-                          <a:solidFill>
-                            <a:schemeClr val="tx1">
-                              <a:lumMod val="85000"/>
-                              <a:lumOff val="15000"/>
-                            </a:schemeClr>
-                          </a:solidFill>
-                          <a:effectLst/>
-                        </a:rPr>
-                        <a:t>29</a:t>
-                      </a:r>
-                      <a:r>
-                        <a:rPr lang="ko-KR" altLang="en-US" sz="1100" u="none" strike="noStrike">
-                          <a:solidFill>
-                            <a:schemeClr val="tx1">
-                              <a:lumMod val="85000"/>
-                              <a:lumOff val="15000"/>
-                            </a:schemeClr>
-                          </a:solidFill>
-                          <a:effectLst/>
-                        </a:rPr>
-                        <a:t>일</a:t>
-                      </a:r>
-                      <a:endParaRPr lang="ko-KR" altLang="en-US" sz="1100" b="0" i="0" u="none" strike="noStrike">
-                        <a:solidFill>
-                          <a:schemeClr val="tx1">
-                            <a:lumMod val="85000"/>
-                            <a:lumOff val="15000"/>
-                          </a:schemeClr>
-                        </a:solidFill>
-                        <a:effectLst/>
-                        <a:latin typeface="맑은 고딕" panose="020B0503020000020004" pitchFamily="50" charset="-127"/>
-                        <a:ea typeface="맑은 고딕" panose="020B0503020000020004" pitchFamily="50" charset="-127"/>
-                      </a:endParaRPr>
-                    </a:p>
-                  </a:txBody>
-                  <a:tcPr marL="6757" marR="6757" marT="6757" marB="0" anchor="ctr">
-                    <a:solidFill>
-                      <a:srgbClr val="D7D7D7"/>
-                    </a:solidFill>
-                  </a:tcPr>
-                </a:tc>
-                <a:tc>
-                  <a:txBody>
-                    <a:bodyPr/>
-                    <a:lstStyle/>
-                    <a:p>
-                      <a:pPr algn="ctr" fontAlgn="b"/>
-                      <a:r>
-                        <a:rPr lang="ko-KR" altLang="en-US" sz="1100" u="none" strike="noStrike">
-                          <a:solidFill>
-                            <a:schemeClr val="tx1">
-                              <a:lumMod val="85000"/>
-                              <a:lumOff val="15000"/>
-                            </a:schemeClr>
-                          </a:solidFill>
-                          <a:effectLst/>
-                        </a:rPr>
-                        <a:t>월요일</a:t>
-                      </a:r>
-                      <a:endParaRPr lang="ko-KR" altLang="en-US" sz="1100" b="0" i="0" u="none" strike="noStrike">
-                        <a:solidFill>
-                          <a:schemeClr val="tx1">
-                            <a:lumMod val="85000"/>
-                            <a:lumOff val="15000"/>
-                          </a:schemeClr>
-                        </a:solidFill>
-                        <a:effectLst/>
-                        <a:latin typeface="맑은 고딕" panose="020B0503020000020004" pitchFamily="50" charset="-127"/>
-                        <a:ea typeface="맑은 고딕" panose="020B0503020000020004" pitchFamily="50" charset="-127"/>
-                      </a:endParaRPr>
-                    </a:p>
-                  </a:txBody>
-                  <a:tcPr marL="6757" marR="6757" marT="6757" marB="0" anchor="ctr">
-                    <a:solidFill>
-                      <a:srgbClr val="D7D7D7"/>
-                    </a:solidFill>
-                  </a:tcPr>
-                </a:tc>
-                <a:tc rowSpan="3">
-                  <a:txBody>
-                    <a:bodyPr/>
-                    <a:lstStyle/>
-                    <a:p>
-                      <a:pPr algn="ctr" fontAlgn="b"/>
-                      <a:r>
-                        <a:rPr lang="ko-KR" altLang="en-US" sz="1100" u="none" strike="noStrike" dirty="0">
-                          <a:solidFill>
-                            <a:schemeClr val="tx1">
-                              <a:lumMod val="85000"/>
-                              <a:lumOff val="15000"/>
-                            </a:schemeClr>
-                          </a:solidFill>
-                          <a:effectLst/>
-                        </a:rPr>
-                        <a:t>배포</a:t>
-                      </a:r>
-                      <a:endParaRPr lang="ko-KR" altLang="en-US" sz="1100" b="0" i="0" u="none" strike="noStrike" dirty="0">
-                        <a:solidFill>
-                          <a:schemeClr val="tx1">
-                            <a:lumMod val="85000"/>
-                            <a:lumOff val="15000"/>
-                          </a:schemeClr>
-                        </a:solidFill>
-                        <a:effectLst/>
-                        <a:latin typeface="맑은 고딕" panose="020B0503020000020004" pitchFamily="50" charset="-127"/>
-                        <a:ea typeface="맑은 고딕" panose="020B0503020000020004" pitchFamily="50" charset="-127"/>
-                      </a:endParaRPr>
-                    </a:p>
-                  </a:txBody>
-                  <a:tcPr marL="6757" marR="6757" marT="6757" marB="0" anchor="ctr">
-                    <a:solidFill>
-                      <a:srgbClr val="D7D7D7"/>
-                    </a:solidFill>
-                  </a:tcPr>
-                </a:tc>
-                <a:tc gridSpan="3">
-                  <a:txBody>
-                    <a:bodyPr/>
-                    <a:lstStyle/>
-                    <a:p>
-                      <a:pPr algn="ctr" fontAlgn="b"/>
-                      <a:r>
-                        <a:rPr lang="en-US" altLang="ko-KR" sz="1100" u="none" strike="noStrike" dirty="0">
-                          <a:solidFill>
-                            <a:schemeClr val="tx1">
-                              <a:lumMod val="85000"/>
-                              <a:lumOff val="15000"/>
-                            </a:schemeClr>
-                          </a:solidFill>
-                          <a:effectLst/>
-                        </a:rPr>
-                        <a:t>CBT 2nd (</a:t>
-                      </a:r>
-                      <a:r>
-                        <a:rPr lang="ko-KR" altLang="en-US" sz="1100" u="none" strike="noStrike" dirty="0">
-                          <a:solidFill>
-                            <a:schemeClr val="tx1">
-                              <a:lumMod val="85000"/>
-                              <a:lumOff val="15000"/>
-                            </a:schemeClr>
-                          </a:solidFill>
-                          <a:effectLst/>
-                        </a:rPr>
-                        <a:t>지인</a:t>
-                      </a:r>
-                      <a:r>
-                        <a:rPr lang="en-US" altLang="ko-KR" sz="1100" u="none" strike="noStrike" dirty="0">
-                          <a:solidFill>
-                            <a:schemeClr val="tx1">
-                              <a:lumMod val="85000"/>
-                              <a:lumOff val="15000"/>
-                            </a:schemeClr>
-                          </a:solidFill>
-                          <a:effectLst/>
-                        </a:rPr>
-                        <a:t>) </a:t>
-                      </a:r>
-                      <a:r>
-                        <a:rPr lang="ko-KR" altLang="en-US" sz="1100" u="none" strike="noStrike" dirty="0">
-                          <a:solidFill>
-                            <a:schemeClr val="tx1">
-                              <a:lumMod val="85000"/>
-                              <a:lumOff val="15000"/>
-                            </a:schemeClr>
-                          </a:solidFill>
-                          <a:effectLst/>
-                        </a:rPr>
-                        <a:t>시작 및 </a:t>
-                      </a:r>
-                      <a:r>
-                        <a:rPr lang="ko-KR" altLang="en-US" sz="1100" u="none" strike="noStrike" dirty="0" err="1">
-                          <a:solidFill>
-                            <a:schemeClr val="tx1">
-                              <a:lumMod val="85000"/>
-                              <a:lumOff val="15000"/>
-                            </a:schemeClr>
-                          </a:solidFill>
-                          <a:effectLst/>
-                        </a:rPr>
-                        <a:t>버그픽스</a:t>
-                      </a:r>
-                      <a:endParaRPr lang="ko-KR" altLang="en-US" sz="1100" b="0" i="0" u="none" strike="noStrike" dirty="0">
-                        <a:solidFill>
-                          <a:schemeClr val="tx1">
-                            <a:lumMod val="85000"/>
-                            <a:lumOff val="15000"/>
-                          </a:schemeClr>
-                        </a:solidFill>
-                        <a:effectLst/>
-                        <a:latin typeface="맑은 고딕" panose="020B0503020000020004" pitchFamily="50" charset="-127"/>
-                        <a:ea typeface="맑은 고딕" panose="020B0503020000020004" pitchFamily="50" charset="-127"/>
-                      </a:endParaRPr>
-                    </a:p>
-                  </a:txBody>
-                  <a:tcPr marL="6757" marR="6757" marT="6757" marB="0" anchor="ctr">
-                    <a:solidFill>
-                      <a:srgbClr val="F8F9FA"/>
-                    </a:solidFill>
-                  </a:tcPr>
-                </a:tc>
-                <a:tc hMerge="1">
-                  <a:txBody>
-                    <a:bodyPr/>
-                    <a:lstStyle/>
-                    <a:p>
-                      <a:pPr latinLnBrk="1"/>
-                      <a:endParaRPr lang="ko-KR" altLang="en-US"/>
-                    </a:p>
-                  </a:txBody>
-                  <a:tcPr/>
-                </a:tc>
-                <a:tc hMerge="1">
-                  <a:txBody>
-                    <a:bodyPr/>
-                    <a:lstStyle/>
-                    <a:p>
-                      <a:pPr latinLnBrk="1"/>
-                      <a:endParaRPr lang="ko-KR" altLang="en-US"/>
-                    </a:p>
-                  </a:txBody>
-                  <a:tcPr/>
-                </a:tc>
-              </a:tr>
-              <a:tr h="266544">
-                <a:tc>
-                  <a:txBody>
-                    <a:bodyPr/>
-                    <a:lstStyle/>
-                    <a:p>
-                      <a:pPr algn="ctr" fontAlgn="b"/>
-                      <a:r>
-                        <a:rPr lang="en-US" altLang="ko-KR" sz="1100" u="none" strike="noStrike">
-                          <a:solidFill>
-                            <a:schemeClr val="tx1">
-                              <a:lumMod val="85000"/>
-                              <a:lumOff val="15000"/>
-                            </a:schemeClr>
-                          </a:solidFill>
-                          <a:effectLst/>
-                        </a:rPr>
-                        <a:t>4</a:t>
-                      </a:r>
-                      <a:r>
-                        <a:rPr lang="ko-KR" altLang="en-US" sz="1100" u="none" strike="noStrike">
-                          <a:solidFill>
-                            <a:schemeClr val="tx1">
-                              <a:lumMod val="85000"/>
-                              <a:lumOff val="15000"/>
-                            </a:schemeClr>
-                          </a:solidFill>
-                          <a:effectLst/>
-                        </a:rPr>
-                        <a:t>월 </a:t>
-                      </a:r>
-                      <a:r>
-                        <a:rPr lang="en-US" altLang="ko-KR" sz="1100" u="none" strike="noStrike">
-                          <a:solidFill>
-                            <a:schemeClr val="tx1">
-                              <a:lumMod val="85000"/>
-                              <a:lumOff val="15000"/>
-                            </a:schemeClr>
-                          </a:solidFill>
-                          <a:effectLst/>
-                        </a:rPr>
-                        <a:t>30</a:t>
-                      </a:r>
-                      <a:r>
-                        <a:rPr lang="ko-KR" altLang="en-US" sz="1100" u="none" strike="noStrike">
-                          <a:solidFill>
-                            <a:schemeClr val="tx1">
-                              <a:lumMod val="85000"/>
-                              <a:lumOff val="15000"/>
-                            </a:schemeClr>
-                          </a:solidFill>
-                          <a:effectLst/>
-                        </a:rPr>
-                        <a:t>일</a:t>
-                      </a:r>
-                      <a:endParaRPr lang="ko-KR" altLang="en-US" sz="1100" b="0" i="0" u="none" strike="noStrike">
-                        <a:solidFill>
-                          <a:schemeClr val="tx1">
-                            <a:lumMod val="85000"/>
-                            <a:lumOff val="15000"/>
-                          </a:schemeClr>
-                        </a:solidFill>
-                        <a:effectLst/>
-                        <a:latin typeface="맑은 고딕" panose="020B0503020000020004" pitchFamily="50" charset="-127"/>
-                        <a:ea typeface="맑은 고딕" panose="020B0503020000020004" pitchFamily="50" charset="-127"/>
-                      </a:endParaRPr>
-                    </a:p>
-                  </a:txBody>
-                  <a:tcPr marL="6757" marR="6757" marT="6757" marB="0" anchor="ctr">
-                    <a:solidFill>
-                      <a:srgbClr val="D7D7D7"/>
-                    </a:solidFill>
-                  </a:tcPr>
-                </a:tc>
-                <a:tc>
-                  <a:txBody>
-                    <a:bodyPr/>
-                    <a:lstStyle/>
-                    <a:p>
-                      <a:pPr algn="ctr" fontAlgn="b"/>
-                      <a:r>
-                        <a:rPr lang="ko-KR" altLang="en-US" sz="1100" u="none" strike="noStrike" dirty="0">
-                          <a:solidFill>
-                            <a:schemeClr val="tx1">
-                              <a:lumMod val="85000"/>
-                              <a:lumOff val="15000"/>
-                            </a:schemeClr>
-                          </a:solidFill>
-                          <a:effectLst/>
-                        </a:rPr>
-                        <a:t>화요일</a:t>
-                      </a:r>
-                      <a:endParaRPr lang="ko-KR" altLang="en-US" sz="1100" b="0" i="0" u="none" strike="noStrike" dirty="0">
-                        <a:solidFill>
-                          <a:schemeClr val="tx1">
-                            <a:lumMod val="85000"/>
-                            <a:lumOff val="15000"/>
-                          </a:schemeClr>
-                        </a:solidFill>
-                        <a:effectLst/>
-                        <a:latin typeface="맑은 고딕" panose="020B0503020000020004" pitchFamily="50" charset="-127"/>
-                        <a:ea typeface="맑은 고딕" panose="020B0503020000020004" pitchFamily="50" charset="-127"/>
-                      </a:endParaRPr>
-                    </a:p>
-                  </a:txBody>
-                  <a:tcPr marL="6757" marR="6757" marT="6757" marB="0" anchor="ctr">
-                    <a:solidFill>
-                      <a:srgbClr val="D7D7D7"/>
-                    </a:solidFill>
-                  </a:tcPr>
-                </a:tc>
-                <a:tc vMerge="1">
-                  <a:txBody>
-                    <a:bodyPr/>
-                    <a:lstStyle/>
-                    <a:p>
-                      <a:pPr algn="ctr" fontAlgn="b"/>
-                      <a:endParaRPr lang="ko-KR" altLang="en-US" sz="1100" b="0" i="0" u="none" strike="noStrike" dirty="0">
-                        <a:solidFill>
-                          <a:srgbClr val="000000"/>
-                        </a:solidFill>
-                        <a:effectLst/>
-                        <a:latin typeface="맑은 고딕" panose="020B0503020000020004" pitchFamily="50" charset="-127"/>
-                        <a:ea typeface="맑은 고딕" panose="020B0503020000020004" pitchFamily="50" charset="-127"/>
-                      </a:endParaRPr>
-                    </a:p>
-                  </a:txBody>
-                  <a:tcPr marL="6757" marR="6757" marT="6757" marB="0" anchor="ctr">
-                    <a:solidFill>
-                      <a:srgbClr val="F8F9FA"/>
-                    </a:solidFill>
-                  </a:tcPr>
-                </a:tc>
-                <a:tc gridSpan="3">
-                  <a:txBody>
-                    <a:bodyPr/>
-                    <a:lstStyle/>
-                    <a:p>
-                      <a:pPr algn="ctr" fontAlgn="b"/>
-                      <a:r>
-                        <a:rPr lang="en-US" altLang="ko-KR" sz="1100" u="none" strike="noStrike" dirty="0">
-                          <a:solidFill>
-                            <a:schemeClr val="tx1">
-                              <a:lumMod val="85000"/>
-                              <a:lumOff val="15000"/>
-                            </a:schemeClr>
-                          </a:solidFill>
-                          <a:effectLst/>
-                        </a:rPr>
-                        <a:t>CBT 2nd </a:t>
-                      </a:r>
-                      <a:r>
-                        <a:rPr lang="ko-KR" altLang="en-US" sz="1100" u="none" strike="noStrike" dirty="0">
-                          <a:solidFill>
-                            <a:schemeClr val="tx1">
-                              <a:lumMod val="85000"/>
-                              <a:lumOff val="15000"/>
-                            </a:schemeClr>
-                          </a:solidFill>
-                          <a:effectLst/>
-                        </a:rPr>
-                        <a:t>리뷰 및 버그 </a:t>
-                      </a:r>
-                      <a:r>
-                        <a:rPr lang="ko-KR" altLang="en-US" sz="1100" u="none" strike="noStrike" dirty="0" err="1">
-                          <a:solidFill>
-                            <a:schemeClr val="tx1">
-                              <a:lumMod val="85000"/>
-                              <a:lumOff val="15000"/>
-                            </a:schemeClr>
-                          </a:solidFill>
-                          <a:effectLst/>
-                        </a:rPr>
-                        <a:t>픽스</a:t>
-                      </a:r>
-                      <a:endParaRPr lang="ko-KR" altLang="en-US" sz="1100" b="0" i="0" u="none" strike="noStrike" dirty="0">
-                        <a:solidFill>
-                          <a:schemeClr val="tx1">
-                            <a:lumMod val="85000"/>
-                            <a:lumOff val="15000"/>
-                          </a:schemeClr>
-                        </a:solidFill>
-                        <a:effectLst/>
-                        <a:latin typeface="맑은 고딕" panose="020B0503020000020004" pitchFamily="50" charset="-127"/>
-                        <a:ea typeface="맑은 고딕" panose="020B0503020000020004" pitchFamily="50" charset="-127"/>
-                      </a:endParaRPr>
-                    </a:p>
-                  </a:txBody>
-                  <a:tcPr marL="6757" marR="6757" marT="6757" marB="0" anchor="ctr">
-                    <a:solidFill>
-                      <a:srgbClr val="F8F9FA"/>
-                    </a:solidFill>
-                  </a:tcPr>
-                </a:tc>
-                <a:tc hMerge="1">
-                  <a:txBody>
-                    <a:bodyPr/>
-                    <a:lstStyle/>
-                    <a:p>
-                      <a:pPr latinLnBrk="1"/>
-                      <a:endParaRPr lang="ko-KR" altLang="en-US"/>
-                    </a:p>
-                  </a:txBody>
-                  <a:tcPr/>
-                </a:tc>
-                <a:tc hMerge="1">
-                  <a:txBody>
-                    <a:bodyPr/>
-                    <a:lstStyle/>
-                    <a:p>
-                      <a:pPr latinLnBrk="1"/>
-                      <a:endParaRPr lang="ko-KR" altLang="en-US"/>
-                    </a:p>
-                  </a:txBody>
-                  <a:tcPr/>
-                </a:tc>
-              </a:tr>
-              <a:tr h="266544">
-                <a:tc>
-                  <a:txBody>
-                    <a:bodyPr/>
-                    <a:lstStyle/>
-                    <a:p>
-                      <a:pPr algn="ctr" fontAlgn="b"/>
-                      <a:r>
-                        <a:rPr lang="en-US" altLang="ko-KR" sz="1100" u="none" strike="noStrike">
-                          <a:solidFill>
-                            <a:schemeClr val="tx1">
-                              <a:lumMod val="85000"/>
-                              <a:lumOff val="15000"/>
-                            </a:schemeClr>
-                          </a:solidFill>
-                          <a:effectLst/>
-                        </a:rPr>
-                        <a:t>5</a:t>
-                      </a:r>
-                      <a:r>
-                        <a:rPr lang="ko-KR" altLang="en-US" sz="1100" u="none" strike="noStrike">
-                          <a:solidFill>
-                            <a:schemeClr val="tx1">
-                              <a:lumMod val="85000"/>
-                              <a:lumOff val="15000"/>
-                            </a:schemeClr>
-                          </a:solidFill>
-                          <a:effectLst/>
-                        </a:rPr>
-                        <a:t>월 </a:t>
-                      </a:r>
-                      <a:r>
-                        <a:rPr lang="en-US" altLang="ko-KR" sz="1100" u="none" strike="noStrike">
-                          <a:solidFill>
-                            <a:schemeClr val="tx1">
-                              <a:lumMod val="85000"/>
-                              <a:lumOff val="15000"/>
-                            </a:schemeClr>
-                          </a:solidFill>
-                          <a:effectLst/>
-                        </a:rPr>
-                        <a:t>1</a:t>
-                      </a:r>
-                      <a:r>
-                        <a:rPr lang="ko-KR" altLang="en-US" sz="1100" u="none" strike="noStrike">
-                          <a:solidFill>
-                            <a:schemeClr val="tx1">
-                              <a:lumMod val="85000"/>
-                              <a:lumOff val="15000"/>
-                            </a:schemeClr>
-                          </a:solidFill>
-                          <a:effectLst/>
-                        </a:rPr>
-                        <a:t>일</a:t>
-                      </a:r>
-                      <a:endParaRPr lang="ko-KR" altLang="en-US" sz="1100" b="0" i="0" u="none" strike="noStrike">
-                        <a:solidFill>
-                          <a:schemeClr val="tx1">
-                            <a:lumMod val="85000"/>
-                            <a:lumOff val="15000"/>
-                          </a:schemeClr>
-                        </a:solidFill>
-                        <a:effectLst/>
-                        <a:latin typeface="맑은 고딕" panose="020B0503020000020004" pitchFamily="50" charset="-127"/>
-                        <a:ea typeface="맑은 고딕" panose="020B0503020000020004" pitchFamily="50" charset="-127"/>
-                      </a:endParaRPr>
-                    </a:p>
-                  </a:txBody>
-                  <a:tcPr marL="6757" marR="6757" marT="6757" marB="0" anchor="ctr">
-                    <a:solidFill>
-                      <a:srgbClr val="D7D7D7"/>
-                    </a:solidFill>
-                  </a:tcPr>
-                </a:tc>
-                <a:tc>
-                  <a:txBody>
-                    <a:bodyPr/>
-                    <a:lstStyle/>
-                    <a:p>
-                      <a:pPr algn="ctr" fontAlgn="b"/>
-                      <a:r>
-                        <a:rPr lang="ko-KR" altLang="en-US" sz="1100" u="none" strike="noStrike" dirty="0">
-                          <a:solidFill>
-                            <a:schemeClr val="tx1">
-                              <a:lumMod val="85000"/>
-                              <a:lumOff val="15000"/>
-                            </a:schemeClr>
-                          </a:solidFill>
-                          <a:effectLst/>
-                        </a:rPr>
-                        <a:t>수요일</a:t>
-                      </a:r>
-                      <a:endParaRPr lang="ko-KR" altLang="en-US" sz="1100" b="0" i="0" u="none" strike="noStrike" dirty="0">
-                        <a:solidFill>
-                          <a:schemeClr val="tx1">
-                            <a:lumMod val="85000"/>
-                            <a:lumOff val="15000"/>
-                          </a:schemeClr>
-                        </a:solidFill>
-                        <a:effectLst/>
-                        <a:latin typeface="맑은 고딕" panose="020B0503020000020004" pitchFamily="50" charset="-127"/>
-                        <a:ea typeface="맑은 고딕" panose="020B0503020000020004" pitchFamily="50" charset="-127"/>
-                      </a:endParaRPr>
-                    </a:p>
-                  </a:txBody>
-                  <a:tcPr marL="6757" marR="6757" marT="6757" marB="0" anchor="ctr">
-                    <a:solidFill>
-                      <a:srgbClr val="D7D7D7"/>
-                    </a:solidFill>
-                  </a:tcPr>
-                </a:tc>
-                <a:tc vMerge="1">
-                  <a:txBody>
-                    <a:bodyPr/>
-                    <a:lstStyle/>
-                    <a:p>
-                      <a:pPr algn="ctr" fontAlgn="b"/>
-                      <a:endParaRPr lang="ko-KR" altLang="en-US" sz="1100" b="0" i="0" u="none" strike="noStrike" dirty="0">
-                        <a:solidFill>
-                          <a:srgbClr val="000000"/>
-                        </a:solidFill>
-                        <a:effectLst/>
-                        <a:latin typeface="맑은 고딕" panose="020B0503020000020004" pitchFamily="50" charset="-127"/>
-                        <a:ea typeface="맑은 고딕" panose="020B0503020000020004" pitchFamily="50" charset="-127"/>
-                      </a:endParaRPr>
-                    </a:p>
-                  </a:txBody>
-                  <a:tcPr marL="6757" marR="6757" marT="6757" marB="0" anchor="ctr">
-                    <a:solidFill>
-                      <a:srgbClr val="F8F9FA"/>
-                    </a:solidFill>
-                  </a:tcPr>
-                </a:tc>
-                <a:tc gridSpan="3">
-                  <a:txBody>
-                    <a:bodyPr/>
-                    <a:lstStyle/>
-                    <a:p>
-                      <a:pPr algn="ctr" fontAlgn="b"/>
-                      <a:r>
-                        <a:rPr lang="ko-KR" altLang="en-US" sz="1100" u="none" strike="noStrike" dirty="0">
-                          <a:solidFill>
-                            <a:schemeClr val="tx1">
-                              <a:lumMod val="85000"/>
-                              <a:lumOff val="15000"/>
-                            </a:schemeClr>
-                          </a:solidFill>
-                          <a:effectLst/>
-                        </a:rPr>
-                        <a:t>버그 </a:t>
-                      </a:r>
-                      <a:r>
-                        <a:rPr lang="ko-KR" altLang="en-US" sz="1100" u="none" strike="noStrike" dirty="0" err="1">
-                          <a:solidFill>
-                            <a:schemeClr val="tx1">
-                              <a:lumMod val="85000"/>
-                              <a:lumOff val="15000"/>
-                            </a:schemeClr>
-                          </a:solidFill>
-                          <a:effectLst/>
-                        </a:rPr>
-                        <a:t>픽스</a:t>
-                      </a:r>
-                      <a:endParaRPr lang="ko-KR" altLang="en-US" sz="1100" b="0" i="0" u="none" strike="noStrike" dirty="0">
-                        <a:solidFill>
-                          <a:schemeClr val="tx1">
-                            <a:lumMod val="85000"/>
-                            <a:lumOff val="15000"/>
-                          </a:schemeClr>
-                        </a:solidFill>
-                        <a:effectLst/>
-                        <a:latin typeface="맑은 고딕" panose="020B0503020000020004" pitchFamily="50" charset="-127"/>
-                        <a:ea typeface="맑은 고딕" panose="020B0503020000020004" pitchFamily="50" charset="-127"/>
-                      </a:endParaRPr>
-                    </a:p>
-                  </a:txBody>
-                  <a:tcPr marL="6757" marR="6757" marT="6757" marB="0" anchor="ctr">
-                    <a:solidFill>
-                      <a:srgbClr val="F8F9FA"/>
-                    </a:solidFill>
-                  </a:tcPr>
-                </a:tc>
-                <a:tc hMerge="1">
-                  <a:txBody>
-                    <a:bodyPr/>
-                    <a:lstStyle/>
-                    <a:p>
-                      <a:pPr latinLnBrk="1"/>
-                      <a:endParaRPr lang="ko-KR" altLang="en-US"/>
-                    </a:p>
-                  </a:txBody>
-                  <a:tcPr/>
-                </a:tc>
-                <a:tc hMerge="1">
-                  <a:txBody>
-                    <a:bodyPr/>
-                    <a:lstStyle/>
-                    <a:p>
-                      <a:pPr latinLnBrk="1"/>
-                      <a:endParaRPr lang="ko-KR" altLang="en-US"/>
-                    </a:p>
-                  </a:txBody>
-                  <a:tcPr/>
-                </a:tc>
-              </a:tr>
-              <a:tr h="195465">
-                <a:tc>
-                  <a:txBody>
-                    <a:bodyPr/>
-                    <a:lstStyle/>
-                    <a:p>
-                      <a:pPr algn="ctr" fontAlgn="b"/>
-                      <a:r>
-                        <a:rPr lang="en-US" altLang="ko-KR" sz="1100" u="none" strike="noStrike">
-                          <a:solidFill>
-                            <a:schemeClr val="tx1">
-                              <a:lumMod val="85000"/>
-                              <a:lumOff val="15000"/>
-                            </a:schemeClr>
-                          </a:solidFill>
-                          <a:effectLst/>
-                        </a:rPr>
-                        <a:t>5</a:t>
-                      </a:r>
-                      <a:r>
-                        <a:rPr lang="ko-KR" altLang="en-US" sz="1100" u="none" strike="noStrike">
-                          <a:solidFill>
-                            <a:schemeClr val="tx1">
-                              <a:lumMod val="85000"/>
-                              <a:lumOff val="15000"/>
-                            </a:schemeClr>
-                          </a:solidFill>
-                          <a:effectLst/>
-                        </a:rPr>
-                        <a:t>월 </a:t>
-                      </a:r>
-                      <a:r>
-                        <a:rPr lang="en-US" altLang="ko-KR" sz="1100" u="none" strike="noStrike">
-                          <a:solidFill>
-                            <a:schemeClr val="tx1">
-                              <a:lumMod val="85000"/>
-                              <a:lumOff val="15000"/>
-                            </a:schemeClr>
-                          </a:solidFill>
-                          <a:effectLst/>
-                        </a:rPr>
-                        <a:t>1</a:t>
-                      </a:r>
-                      <a:r>
-                        <a:rPr lang="ko-KR" altLang="en-US" sz="1100" u="none" strike="noStrike">
-                          <a:solidFill>
-                            <a:schemeClr val="tx1">
-                              <a:lumMod val="85000"/>
-                              <a:lumOff val="15000"/>
-                            </a:schemeClr>
-                          </a:solidFill>
-                          <a:effectLst/>
-                        </a:rPr>
-                        <a:t>일</a:t>
-                      </a:r>
-                      <a:endParaRPr lang="ko-KR" altLang="en-US" sz="1100" b="0" i="0" u="none" strike="noStrike">
-                        <a:solidFill>
-                          <a:schemeClr val="tx1">
-                            <a:lumMod val="85000"/>
-                            <a:lumOff val="15000"/>
-                          </a:schemeClr>
-                        </a:solidFill>
-                        <a:effectLst/>
-                        <a:latin typeface="맑은 고딕" panose="020B0503020000020004" pitchFamily="50" charset="-127"/>
-                        <a:ea typeface="맑은 고딕" panose="020B0503020000020004" pitchFamily="50" charset="-127"/>
-                      </a:endParaRPr>
-                    </a:p>
-                  </a:txBody>
-                  <a:tcPr marL="6757" marR="6757" marT="6757" marB="0" anchor="ctr">
-                    <a:solidFill>
-                      <a:srgbClr val="D7D7D7"/>
-                    </a:solidFill>
-                  </a:tcPr>
-                </a:tc>
-                <a:tc>
-                  <a:txBody>
-                    <a:bodyPr/>
-                    <a:lstStyle/>
-                    <a:p>
-                      <a:pPr algn="ctr" fontAlgn="b"/>
-                      <a:r>
-                        <a:rPr lang="ko-KR" altLang="en-US" sz="1100" u="none" strike="noStrike">
-                          <a:solidFill>
-                            <a:schemeClr val="tx1">
-                              <a:lumMod val="85000"/>
-                              <a:lumOff val="15000"/>
-                            </a:schemeClr>
-                          </a:solidFill>
-                          <a:effectLst/>
-                        </a:rPr>
-                        <a:t>수요일</a:t>
-                      </a:r>
-                      <a:endParaRPr lang="ko-KR" altLang="en-US" sz="1100" b="0" i="0" u="none" strike="noStrike">
-                        <a:solidFill>
-                          <a:schemeClr val="tx1">
-                            <a:lumMod val="85000"/>
-                            <a:lumOff val="15000"/>
-                          </a:schemeClr>
-                        </a:solidFill>
-                        <a:effectLst/>
-                        <a:latin typeface="맑은 고딕" panose="020B0503020000020004" pitchFamily="50" charset="-127"/>
-                        <a:ea typeface="맑은 고딕" panose="020B0503020000020004" pitchFamily="50" charset="-127"/>
-                      </a:endParaRPr>
-                    </a:p>
-                  </a:txBody>
-                  <a:tcPr marL="6757" marR="6757" marT="6757" marB="0" anchor="ctr">
-                    <a:solidFill>
-                      <a:srgbClr val="D7D7D7"/>
-                    </a:solidFill>
-                  </a:tcPr>
-                </a:tc>
-                <a:tc>
-                  <a:txBody>
-                    <a:bodyPr/>
-                    <a:lstStyle/>
-                    <a:p>
-                      <a:pPr algn="ctr" fontAlgn="b"/>
-                      <a:r>
-                        <a:rPr lang="ko-KR" altLang="en-US" sz="1100" u="none" strike="noStrike" dirty="0">
-                          <a:solidFill>
-                            <a:schemeClr val="tx1">
-                              <a:lumMod val="85000"/>
-                              <a:lumOff val="15000"/>
-                            </a:schemeClr>
-                          </a:solidFill>
-                          <a:effectLst/>
-                        </a:rPr>
-                        <a:t>완료 발표</a:t>
-                      </a:r>
-                      <a:endParaRPr lang="ko-KR" altLang="en-US" sz="1100" b="0" i="0" u="none" strike="noStrike" dirty="0">
-                        <a:solidFill>
-                          <a:schemeClr val="tx1">
-                            <a:lumMod val="85000"/>
-                            <a:lumOff val="15000"/>
-                          </a:schemeClr>
-                        </a:solidFill>
-                        <a:effectLst/>
-                        <a:latin typeface="맑은 고딕" panose="020B0503020000020004" pitchFamily="50" charset="-127"/>
-                        <a:ea typeface="맑은 고딕" panose="020B0503020000020004" pitchFamily="50" charset="-127"/>
-                      </a:endParaRPr>
-                    </a:p>
-                  </a:txBody>
-                  <a:tcPr marL="6757" marR="6757" marT="6757" marB="0" anchor="ctr">
-                    <a:solidFill>
-                      <a:srgbClr val="D7D7D7"/>
-                    </a:solidFill>
-                  </a:tcPr>
-                </a:tc>
-                <a:tc gridSpan="3">
-                  <a:txBody>
-                    <a:bodyPr/>
-                    <a:lstStyle/>
-                    <a:p>
-                      <a:pPr algn="ctr" fontAlgn="b"/>
-                      <a:r>
-                        <a:rPr lang="ko-KR" altLang="en-US" sz="1100" u="none" strike="noStrike" dirty="0">
-                          <a:solidFill>
-                            <a:schemeClr val="tx1">
-                              <a:lumMod val="85000"/>
-                              <a:lumOff val="15000"/>
-                            </a:schemeClr>
-                          </a:solidFill>
-                          <a:effectLst/>
-                        </a:rPr>
-                        <a:t>　</a:t>
-                      </a:r>
-                      <a:endParaRPr lang="ko-KR" altLang="en-US" sz="1100" b="0" i="0" u="none" strike="noStrike" dirty="0">
-                        <a:solidFill>
-                          <a:schemeClr val="tx1">
-                            <a:lumMod val="85000"/>
-                            <a:lumOff val="15000"/>
-                          </a:schemeClr>
-                        </a:solidFill>
-                        <a:effectLst/>
-                        <a:latin typeface="맑은 고딕" panose="020B0503020000020004" pitchFamily="50" charset="-127"/>
-                        <a:ea typeface="맑은 고딕" panose="020B0503020000020004" pitchFamily="50" charset="-127"/>
-                      </a:endParaRPr>
-                    </a:p>
-                  </a:txBody>
-                  <a:tcPr marL="6757" marR="6757" marT="6757" marB="0" anchor="ctr">
-                    <a:solidFill>
-                      <a:srgbClr val="F8F9FA"/>
-                    </a:solidFill>
-                  </a:tcPr>
-                </a:tc>
-                <a:tc hMerge="1">
-                  <a:txBody>
-                    <a:bodyPr/>
-                    <a:lstStyle/>
-                    <a:p>
-                      <a:pPr latinLnBrk="1"/>
-                      <a:endParaRPr lang="ko-KR" altLang="en-US"/>
-                    </a:p>
-                  </a:txBody>
-                  <a:tcPr/>
-                </a:tc>
-                <a:tc hMerge="1">
-                  <a:txBody>
-                    <a:bodyPr/>
-                    <a:lstStyle/>
-                    <a:p>
-                      <a:pPr latinLnBrk="1"/>
-                      <a:endParaRPr lang="ko-KR" altLang="en-US"/>
-                    </a:p>
-                  </a:txBody>
-                  <a:tcPr/>
-                </a:tc>
-              </a:tr>
             </a:tbl>
           </a:graphicData>
         </a:graphic>
       </p:graphicFrame>
+      <p:sp>
+        <p:nvSpPr>
+          <p:cNvPr id="9" name="직사각형 8"/>
+          <p:cNvSpPr/>
+          <p:nvPr/>
+        </p:nvSpPr>
+        <p:spPr>
+          <a:xfrm>
+            <a:off x="241299" y="909434"/>
+            <a:ext cx="11741695" cy="396852"/>
+          </a:xfrm>
+          <a:prstGeom prst="rect">
+            <a:avLst/>
+          </a:prstGeom>
+          <a:solidFill>
+            <a:srgbClr val="F8F9FA"/>
+          </a:solidFill>
+          <a:ln w="3175">
+            <a:noFill/>
+            <a:prstDash val="dash"/>
+          </a:ln>
+        </p:spPr>
+        <p:style>
+          <a:lnRef idx="2">
+            <a:schemeClr val="accent1">
+              <a:shade val="50000"/>
+            </a:schemeClr>
+          </a:lnRef>
+          <a:fillRef idx="1">
+            <a:schemeClr val="accent1"/>
+          </a:fillRef>
+          <a:effectRef idx="0">
+            <a:schemeClr val="accent1"/>
+          </a:effectRef>
+          <a:fontRef idx="minor">
+            <a:schemeClr val="lt1"/>
+          </a:fontRef>
+        </p:style>
+        <p:txBody>
+          <a:bodyPr rtlCol="0" anchor="ctr"/>
+          <a:lstStyle/>
+          <a:p>
+            <a:r>
+              <a:rPr lang="ko-KR" altLang="en-US" b="1" dirty="0" smtClean="0">
+                <a:solidFill>
+                  <a:schemeClr val="tx1">
+                    <a:lumMod val="85000"/>
+                    <a:lumOff val="15000"/>
+                  </a:schemeClr>
+                </a:solidFill>
+              </a:rPr>
+              <a:t>프로젝트 범위</a:t>
+            </a:r>
+            <a:endParaRPr lang="ko-KR" altLang="en-US" dirty="0" smtClean="0">
+              <a:solidFill>
+                <a:schemeClr val="tx1">
+                  <a:lumMod val="85000"/>
+                  <a:lumOff val="15000"/>
+                </a:schemeClr>
+              </a:solidFill>
+              <a:latin typeface="나눔고딕" panose="020D0604000000000000" pitchFamily="50" charset="-127"/>
+              <a:ea typeface="나눔고딕" panose="020D0604000000000000" pitchFamily="50" charset="-127"/>
+            </a:endParaRPr>
+          </a:p>
+        </p:txBody>
+      </p:sp>
+      <p:sp>
+        <p:nvSpPr>
+          <p:cNvPr id="10" name="직사각형 9"/>
+          <p:cNvSpPr/>
+          <p:nvPr/>
+        </p:nvSpPr>
+        <p:spPr>
+          <a:xfrm>
+            <a:off x="241299" y="3417503"/>
+            <a:ext cx="11741695" cy="396852"/>
+          </a:xfrm>
+          <a:prstGeom prst="rect">
+            <a:avLst/>
+          </a:prstGeom>
+          <a:solidFill>
+            <a:srgbClr val="F8F9FA"/>
+          </a:solidFill>
+          <a:ln w="3175">
+            <a:noFill/>
+            <a:prstDash val="dash"/>
+          </a:ln>
+        </p:spPr>
+        <p:style>
+          <a:lnRef idx="2">
+            <a:schemeClr val="accent1">
+              <a:shade val="50000"/>
+            </a:schemeClr>
+          </a:lnRef>
+          <a:fillRef idx="1">
+            <a:schemeClr val="accent1"/>
+          </a:fillRef>
+          <a:effectRef idx="0">
+            <a:schemeClr val="accent1"/>
+          </a:effectRef>
+          <a:fontRef idx="minor">
+            <a:schemeClr val="lt1"/>
+          </a:fontRef>
+        </p:style>
+        <p:txBody>
+          <a:bodyPr rtlCol="0" anchor="ctr"/>
+          <a:lstStyle/>
+          <a:p>
+            <a:r>
+              <a:rPr lang="ko-KR" altLang="en-US" b="1" dirty="0" smtClean="0">
+                <a:solidFill>
+                  <a:schemeClr val="tx1">
+                    <a:lumMod val="85000"/>
+                    <a:lumOff val="15000"/>
+                  </a:schemeClr>
+                </a:solidFill>
+              </a:rPr>
+              <a:t>프로젝트 일정</a:t>
+            </a:r>
+            <a:endParaRPr lang="ko-KR" altLang="en-US" dirty="0" smtClean="0">
+              <a:solidFill>
+                <a:schemeClr val="tx1">
+                  <a:lumMod val="85000"/>
+                  <a:lumOff val="15000"/>
+                </a:schemeClr>
+              </a:solidFill>
+              <a:latin typeface="나눔고딕" panose="020D0604000000000000" pitchFamily="50" charset="-127"/>
+              <a:ea typeface="나눔고딕" panose="020D0604000000000000" pitchFamily="50" charset="-127"/>
+            </a:endParaRPr>
+          </a:p>
+        </p:txBody>
+      </p:sp>
+      <p:sp>
+        <p:nvSpPr>
+          <p:cNvPr id="18" name="직사각형 17"/>
+          <p:cNvSpPr/>
+          <p:nvPr/>
+        </p:nvSpPr>
+        <p:spPr>
+          <a:xfrm>
+            <a:off x="7712674" y="4504785"/>
+            <a:ext cx="3833091" cy="258617"/>
+          </a:xfrm>
+          <a:prstGeom prst="rect">
+            <a:avLst/>
+          </a:prstGeom>
+          <a:solidFill>
+            <a:schemeClr val="tx1">
+              <a:alpha val="34000"/>
+            </a:schemeClr>
+          </a:solidFill>
+          <a:ln>
+            <a:noFill/>
+          </a:ln>
+        </p:spPr>
+        <p:style>
+          <a:lnRef idx="2">
+            <a:schemeClr val="accent1">
+              <a:shade val="50000"/>
+            </a:schemeClr>
+          </a:lnRef>
+          <a:fillRef idx="1">
+            <a:schemeClr val="accent1"/>
+          </a:fillRef>
+          <a:effectRef idx="0">
+            <a:schemeClr val="accent1"/>
+          </a:effectRef>
+          <a:fontRef idx="minor">
+            <a:schemeClr val="lt1"/>
+          </a:fontRef>
+        </p:style>
+        <p:txBody>
+          <a:bodyPr rtlCol="0" anchor="ctr"/>
+          <a:lstStyle/>
+          <a:p>
+            <a:pPr algn="ctr"/>
+            <a:r>
+              <a:rPr lang="ko-KR" altLang="en-US" sz="1400" dirty="0" err="1" smtClean="0"/>
+              <a:t>멘토링</a:t>
+            </a:r>
+            <a:endParaRPr lang="ko-KR" altLang="en-US" sz="1400" dirty="0"/>
+          </a:p>
+        </p:txBody>
+      </p:sp>
+      <p:sp>
+        <p:nvSpPr>
+          <p:cNvPr id="19" name="직사각형 18"/>
+          <p:cNvSpPr/>
+          <p:nvPr/>
+        </p:nvSpPr>
+        <p:spPr>
+          <a:xfrm>
+            <a:off x="780628" y="4486552"/>
+            <a:ext cx="4052273" cy="258617"/>
+          </a:xfrm>
+          <a:prstGeom prst="rect">
+            <a:avLst/>
+          </a:prstGeom>
+          <a:solidFill>
+            <a:srgbClr val="C00000">
+              <a:alpha val="34000"/>
+            </a:srgbClr>
+          </a:solidFill>
+          <a:ln>
+            <a:noFill/>
+          </a:ln>
+        </p:spPr>
+        <p:style>
+          <a:lnRef idx="2">
+            <a:schemeClr val="accent1">
+              <a:shade val="50000"/>
+            </a:schemeClr>
+          </a:lnRef>
+          <a:fillRef idx="1">
+            <a:schemeClr val="accent1"/>
+          </a:fillRef>
+          <a:effectRef idx="0">
+            <a:schemeClr val="accent1"/>
+          </a:effectRef>
+          <a:fontRef idx="minor">
+            <a:schemeClr val="lt1"/>
+          </a:fontRef>
+        </p:style>
+        <p:txBody>
+          <a:bodyPr rtlCol="0" anchor="ctr"/>
+          <a:lstStyle/>
+          <a:p>
+            <a:pPr algn="ctr"/>
+            <a:r>
+              <a:rPr lang="ko-KR" altLang="en-US" sz="1400" dirty="0" smtClean="0">
+                <a:solidFill>
+                  <a:schemeClr val="tx1">
+                    <a:lumMod val="85000"/>
+                    <a:lumOff val="15000"/>
+                  </a:schemeClr>
+                </a:solidFill>
+              </a:rPr>
+              <a:t>기획</a:t>
+            </a:r>
+            <a:endParaRPr lang="ko-KR" altLang="en-US" sz="1400" dirty="0">
+              <a:solidFill>
+                <a:schemeClr val="tx1">
+                  <a:lumMod val="85000"/>
+                  <a:lumOff val="15000"/>
+                </a:schemeClr>
+              </a:solidFill>
+            </a:endParaRPr>
+          </a:p>
+        </p:txBody>
+      </p:sp>
+      <p:sp>
+        <p:nvSpPr>
+          <p:cNvPr id="20" name="직사각형 19"/>
+          <p:cNvSpPr/>
+          <p:nvPr/>
+        </p:nvSpPr>
+        <p:spPr>
+          <a:xfrm>
+            <a:off x="780627" y="4955178"/>
+            <a:ext cx="4052273" cy="258617"/>
+          </a:xfrm>
+          <a:prstGeom prst="rect">
+            <a:avLst/>
+          </a:prstGeom>
+          <a:solidFill>
+            <a:srgbClr val="C00000">
+              <a:alpha val="34000"/>
+            </a:srgbClr>
+          </a:solidFill>
+          <a:ln>
+            <a:noFill/>
+          </a:ln>
+        </p:spPr>
+        <p:style>
+          <a:lnRef idx="2">
+            <a:schemeClr val="accent1">
+              <a:shade val="50000"/>
+            </a:schemeClr>
+          </a:lnRef>
+          <a:fillRef idx="1">
+            <a:schemeClr val="accent1"/>
+          </a:fillRef>
+          <a:effectRef idx="0">
+            <a:schemeClr val="accent1"/>
+          </a:effectRef>
+          <a:fontRef idx="minor">
+            <a:schemeClr val="lt1"/>
+          </a:fontRef>
+        </p:style>
+        <p:txBody>
+          <a:bodyPr rtlCol="0" anchor="ctr"/>
+          <a:lstStyle/>
+          <a:p>
+            <a:pPr algn="ctr"/>
+            <a:r>
+              <a:rPr lang="ko-KR" altLang="en-US" sz="1400" smtClean="0">
+                <a:solidFill>
+                  <a:schemeClr val="tx1">
+                    <a:lumMod val="85000"/>
+                    <a:lumOff val="15000"/>
+                  </a:schemeClr>
+                </a:solidFill>
+              </a:rPr>
+              <a:t>개별 기능 구현</a:t>
+            </a:r>
+            <a:endParaRPr lang="ko-KR" altLang="en-US" sz="1400" dirty="0">
+              <a:solidFill>
+                <a:schemeClr val="tx1">
+                  <a:lumMod val="85000"/>
+                  <a:lumOff val="15000"/>
+                </a:schemeClr>
+              </a:solidFill>
+            </a:endParaRPr>
+          </a:p>
+        </p:txBody>
+      </p:sp>
+      <p:sp>
+        <p:nvSpPr>
+          <p:cNvPr id="21" name="직사각형 20"/>
+          <p:cNvSpPr/>
+          <p:nvPr/>
+        </p:nvSpPr>
+        <p:spPr>
+          <a:xfrm>
+            <a:off x="7712675" y="4955178"/>
+            <a:ext cx="3833091" cy="258617"/>
+          </a:xfrm>
+          <a:prstGeom prst="rect">
+            <a:avLst/>
+          </a:prstGeom>
+          <a:solidFill>
+            <a:srgbClr val="C00000">
+              <a:alpha val="34000"/>
+            </a:srgbClr>
+          </a:solidFill>
+          <a:ln>
+            <a:noFill/>
+          </a:ln>
+        </p:spPr>
+        <p:style>
+          <a:lnRef idx="2">
+            <a:schemeClr val="accent1">
+              <a:shade val="50000"/>
+            </a:schemeClr>
+          </a:lnRef>
+          <a:fillRef idx="1">
+            <a:schemeClr val="accent1"/>
+          </a:fillRef>
+          <a:effectRef idx="0">
+            <a:schemeClr val="accent1"/>
+          </a:effectRef>
+          <a:fontRef idx="minor">
+            <a:schemeClr val="lt1"/>
+          </a:fontRef>
+        </p:style>
+        <p:txBody>
+          <a:bodyPr rtlCol="0" anchor="ctr"/>
+          <a:lstStyle/>
+          <a:p>
+            <a:pPr algn="ctr"/>
+            <a:r>
+              <a:rPr lang="ko-KR" altLang="en-US" sz="1400" smtClean="0">
+                <a:solidFill>
+                  <a:schemeClr val="tx1">
+                    <a:lumMod val="85000"/>
+                    <a:lumOff val="15000"/>
+                  </a:schemeClr>
+                </a:solidFill>
+              </a:rPr>
+              <a:t>개별 기능 구현</a:t>
+            </a:r>
+            <a:endParaRPr lang="ko-KR" altLang="en-US" sz="1400" dirty="0">
+              <a:solidFill>
+                <a:schemeClr val="tx1">
+                  <a:lumMod val="85000"/>
+                  <a:lumOff val="15000"/>
+                </a:schemeClr>
+              </a:solidFill>
+            </a:endParaRPr>
+          </a:p>
+        </p:txBody>
+      </p:sp>
+      <p:sp>
+        <p:nvSpPr>
+          <p:cNvPr id="22" name="직사각형 21"/>
+          <p:cNvSpPr/>
+          <p:nvPr/>
+        </p:nvSpPr>
+        <p:spPr>
+          <a:xfrm>
+            <a:off x="780628" y="5417366"/>
+            <a:ext cx="10765137" cy="258617"/>
+          </a:xfrm>
+          <a:prstGeom prst="rect">
+            <a:avLst/>
+          </a:prstGeom>
+          <a:solidFill>
+            <a:srgbClr val="C00000">
+              <a:alpha val="34000"/>
+            </a:srgbClr>
+          </a:solidFill>
+          <a:ln>
+            <a:noFill/>
+          </a:ln>
+        </p:spPr>
+        <p:style>
+          <a:lnRef idx="2">
+            <a:schemeClr val="accent1">
+              <a:shade val="50000"/>
+            </a:schemeClr>
+          </a:lnRef>
+          <a:fillRef idx="1">
+            <a:schemeClr val="accent1"/>
+          </a:fillRef>
+          <a:effectRef idx="0">
+            <a:schemeClr val="accent1"/>
+          </a:effectRef>
+          <a:fontRef idx="minor">
+            <a:schemeClr val="lt1"/>
+          </a:fontRef>
+        </p:style>
+        <p:txBody>
+          <a:bodyPr rtlCol="0" anchor="ctr"/>
+          <a:lstStyle/>
+          <a:p>
+            <a:pPr algn="ctr"/>
+            <a:r>
+              <a:rPr lang="ko-KR" altLang="en-US" sz="1400" smtClean="0">
+                <a:solidFill>
+                  <a:schemeClr val="tx1">
+                    <a:lumMod val="85000"/>
+                    <a:lumOff val="15000"/>
+                  </a:schemeClr>
+                </a:solidFill>
+              </a:rPr>
+              <a:t>개별 기능 구현</a:t>
+            </a:r>
+            <a:endParaRPr lang="ko-KR" altLang="en-US" sz="1400" dirty="0">
+              <a:solidFill>
+                <a:schemeClr val="tx1">
+                  <a:lumMod val="85000"/>
+                  <a:lumOff val="15000"/>
+                </a:schemeClr>
+              </a:solidFill>
+            </a:endParaRPr>
+          </a:p>
+        </p:txBody>
+      </p:sp>
+      <p:sp>
+        <p:nvSpPr>
+          <p:cNvPr id="23" name="직사각형 22"/>
+          <p:cNvSpPr/>
+          <p:nvPr/>
+        </p:nvSpPr>
+        <p:spPr>
+          <a:xfrm>
+            <a:off x="780628" y="5867759"/>
+            <a:ext cx="10765137" cy="258617"/>
+          </a:xfrm>
+          <a:prstGeom prst="rect">
+            <a:avLst/>
+          </a:prstGeom>
+          <a:solidFill>
+            <a:srgbClr val="C00000">
+              <a:alpha val="34000"/>
+            </a:srgbClr>
+          </a:solidFill>
+          <a:ln>
+            <a:noFill/>
+          </a:ln>
+        </p:spPr>
+        <p:style>
+          <a:lnRef idx="2">
+            <a:schemeClr val="accent1">
+              <a:shade val="50000"/>
+            </a:schemeClr>
+          </a:lnRef>
+          <a:fillRef idx="1">
+            <a:schemeClr val="accent1"/>
+          </a:fillRef>
+          <a:effectRef idx="0">
+            <a:schemeClr val="accent1"/>
+          </a:effectRef>
+          <a:fontRef idx="minor">
+            <a:schemeClr val="lt1"/>
+          </a:fontRef>
+        </p:style>
+        <p:txBody>
+          <a:bodyPr rtlCol="0" anchor="ctr"/>
+          <a:lstStyle/>
+          <a:p>
+            <a:pPr algn="ctr"/>
+            <a:r>
+              <a:rPr lang="ko-KR" altLang="en-US" sz="1400" smtClean="0">
+                <a:solidFill>
+                  <a:schemeClr val="tx1">
+                    <a:lumMod val="85000"/>
+                    <a:lumOff val="15000"/>
+                  </a:schemeClr>
+                </a:solidFill>
+              </a:rPr>
+              <a:t>통합</a:t>
+            </a:r>
+            <a:endParaRPr lang="ko-KR" altLang="en-US" sz="1400" dirty="0">
+              <a:solidFill>
+                <a:schemeClr val="tx1">
+                  <a:lumMod val="85000"/>
+                  <a:lumOff val="15000"/>
+                </a:schemeClr>
+              </a:solidFill>
+            </a:endParaRPr>
+          </a:p>
+        </p:txBody>
+      </p:sp>
+      <p:sp>
+        <p:nvSpPr>
+          <p:cNvPr id="24" name="직사각형 23"/>
+          <p:cNvSpPr/>
+          <p:nvPr/>
+        </p:nvSpPr>
+        <p:spPr>
+          <a:xfrm>
+            <a:off x="780629" y="6296530"/>
+            <a:ext cx="6431829" cy="258617"/>
+          </a:xfrm>
+          <a:prstGeom prst="rect">
+            <a:avLst/>
+          </a:prstGeom>
+          <a:solidFill>
+            <a:srgbClr val="C00000">
+              <a:alpha val="34000"/>
+            </a:srgbClr>
+          </a:solidFill>
+          <a:ln>
+            <a:noFill/>
+          </a:ln>
+        </p:spPr>
+        <p:style>
+          <a:lnRef idx="2">
+            <a:schemeClr val="accent1">
+              <a:shade val="50000"/>
+            </a:schemeClr>
+          </a:lnRef>
+          <a:fillRef idx="1">
+            <a:schemeClr val="accent1"/>
+          </a:fillRef>
+          <a:effectRef idx="0">
+            <a:schemeClr val="accent1"/>
+          </a:effectRef>
+          <a:fontRef idx="minor">
+            <a:schemeClr val="lt1"/>
+          </a:fontRef>
+        </p:style>
+        <p:txBody>
+          <a:bodyPr rtlCol="0" anchor="ctr"/>
+          <a:lstStyle/>
+          <a:p>
+            <a:pPr algn="ctr"/>
+            <a:r>
+              <a:rPr lang="ko-KR" altLang="en-US" sz="1400" dirty="0" smtClean="0">
+                <a:solidFill>
+                  <a:schemeClr val="tx1">
+                    <a:lumMod val="85000"/>
+                    <a:lumOff val="15000"/>
+                  </a:schemeClr>
+                </a:solidFill>
+              </a:rPr>
+              <a:t>배포</a:t>
+            </a:r>
+            <a:endParaRPr lang="ko-KR" altLang="en-US" sz="1400" dirty="0">
+              <a:solidFill>
+                <a:schemeClr val="tx1">
+                  <a:lumMod val="85000"/>
+                  <a:lumOff val="15000"/>
+                </a:schemeClr>
+              </a:solidFill>
+            </a:endParaRPr>
+          </a:p>
+        </p:txBody>
+      </p:sp>
+      <p:sp>
+        <p:nvSpPr>
+          <p:cNvPr id="26" name="오른쪽 화살표 25"/>
+          <p:cNvSpPr/>
+          <p:nvPr/>
+        </p:nvSpPr>
+        <p:spPr>
+          <a:xfrm>
+            <a:off x="657262" y="1581377"/>
+            <a:ext cx="2568539" cy="1500027"/>
+          </a:xfrm>
+          <a:prstGeom prst="rightArrow">
+            <a:avLst/>
+          </a:prstGeom>
+        </p:spPr>
+        <p:style>
+          <a:lnRef idx="2">
+            <a:schemeClr val="accent3">
+              <a:shade val="50000"/>
+            </a:schemeClr>
+          </a:lnRef>
+          <a:fillRef idx="1">
+            <a:schemeClr val="accent3"/>
+          </a:fillRef>
+          <a:effectRef idx="0">
+            <a:schemeClr val="accent3"/>
+          </a:effectRef>
+          <a:fontRef idx="minor">
+            <a:schemeClr val="lt1"/>
+          </a:fontRef>
+        </p:style>
+        <p:txBody>
+          <a:bodyPr rtlCol="0" anchor="ctr"/>
+          <a:lstStyle/>
+          <a:p>
+            <a:pPr algn="ctr"/>
+            <a:r>
+              <a:rPr lang="ko-KR" altLang="en-US" dirty="0" smtClean="0"/>
+              <a:t>업데이트 필요</a:t>
+            </a:r>
+            <a:endParaRPr lang="ko-KR" altLang="en-US" dirty="0"/>
+          </a:p>
+        </p:txBody>
+      </p:sp>
     </p:spTree>
     <p:extLst>
       <p:ext uri="{BB962C8B-B14F-4D97-AF65-F5344CB8AC3E}">

--- a/Doc/최종발표/초안.pptx
+++ b/Doc/최종발표/초안.pptx
@@ -35,6 +35,7 @@
     <p:sldId id="354" r:id="rId29"/>
     <p:sldId id="355" r:id="rId30"/>
     <p:sldId id="358" r:id="rId31"/>
+    <p:sldId id="359" r:id="rId32"/>
   </p:sldIdLst>
   <p:sldSz cx="12192000" cy="6858000"/>
   <p:notesSz cx="6858000" cy="9144000"/>
@@ -288,7 +289,7 @@
           <a:p>
             <a:fld id="{4BF4DD58-F10B-47C8-B4E4-57EE29696E08}" type="datetimeFigureOut">
               <a:rPr lang="ko-KR" altLang="en-US" smtClean="0"/>
-              <a:t>2024-04-24</a:t>
+              <a:t>2024-04-25</a:t>
             </a:fld>
             <a:endParaRPr lang="ko-KR" altLang="en-US"/>
           </a:p>
@@ -486,7 +487,7 @@
           <a:p>
             <a:fld id="{4BF4DD58-F10B-47C8-B4E4-57EE29696E08}" type="datetimeFigureOut">
               <a:rPr lang="ko-KR" altLang="en-US" smtClean="0"/>
-              <a:t>2024-04-24</a:t>
+              <a:t>2024-04-25</a:t>
             </a:fld>
             <a:endParaRPr lang="ko-KR" altLang="en-US"/>
           </a:p>
@@ -694,7 +695,7 @@
           <a:p>
             <a:fld id="{4BF4DD58-F10B-47C8-B4E4-57EE29696E08}" type="datetimeFigureOut">
               <a:rPr lang="ko-KR" altLang="en-US" smtClean="0"/>
-              <a:t>2024-04-24</a:t>
+              <a:t>2024-04-25</a:t>
             </a:fld>
             <a:endParaRPr lang="ko-KR" altLang="en-US"/>
           </a:p>
@@ -892,7 +893,7 @@
           <a:p>
             <a:fld id="{4BF4DD58-F10B-47C8-B4E4-57EE29696E08}" type="datetimeFigureOut">
               <a:rPr lang="ko-KR" altLang="en-US" smtClean="0"/>
-              <a:t>2024-04-24</a:t>
+              <a:t>2024-04-25</a:t>
             </a:fld>
             <a:endParaRPr lang="ko-KR" altLang="en-US"/>
           </a:p>
@@ -1174,7 +1175,7 @@
           <a:p>
             <a:fld id="{4BF4DD58-F10B-47C8-B4E4-57EE29696E08}" type="datetimeFigureOut">
               <a:rPr lang="ko-KR" altLang="en-US" smtClean="0"/>
-              <a:t>2024-04-24</a:t>
+              <a:t>2024-04-25</a:t>
             </a:fld>
             <a:endParaRPr lang="ko-KR" altLang="en-US"/>
           </a:p>
@@ -1439,7 +1440,7 @@
           <a:p>
             <a:fld id="{4BF4DD58-F10B-47C8-B4E4-57EE29696E08}" type="datetimeFigureOut">
               <a:rPr lang="ko-KR" altLang="en-US" smtClean="0"/>
-              <a:t>2024-04-24</a:t>
+              <a:t>2024-04-25</a:t>
             </a:fld>
             <a:endParaRPr lang="ko-KR" altLang="en-US"/>
           </a:p>
@@ -1851,7 +1852,7 @@
           <a:p>
             <a:fld id="{4BF4DD58-F10B-47C8-B4E4-57EE29696E08}" type="datetimeFigureOut">
               <a:rPr lang="ko-KR" altLang="en-US" smtClean="0"/>
-              <a:t>2024-04-24</a:t>
+              <a:t>2024-04-25</a:t>
             </a:fld>
             <a:endParaRPr lang="ko-KR" altLang="en-US"/>
           </a:p>
@@ -1992,7 +1993,7 @@
           <a:p>
             <a:fld id="{4BF4DD58-F10B-47C8-B4E4-57EE29696E08}" type="datetimeFigureOut">
               <a:rPr lang="ko-KR" altLang="en-US" smtClean="0"/>
-              <a:t>2024-04-24</a:t>
+              <a:t>2024-04-25</a:t>
             </a:fld>
             <a:endParaRPr lang="ko-KR" altLang="en-US"/>
           </a:p>
@@ -2105,7 +2106,7 @@
           <a:p>
             <a:fld id="{4BF4DD58-F10B-47C8-B4E4-57EE29696E08}" type="datetimeFigureOut">
               <a:rPr lang="ko-KR" altLang="en-US" smtClean="0"/>
-              <a:t>2024-04-24</a:t>
+              <a:t>2024-04-25</a:t>
             </a:fld>
             <a:endParaRPr lang="ko-KR" altLang="en-US"/>
           </a:p>
@@ -2416,7 +2417,7 @@
           <a:p>
             <a:fld id="{4BF4DD58-F10B-47C8-B4E4-57EE29696E08}" type="datetimeFigureOut">
               <a:rPr lang="ko-KR" altLang="en-US" smtClean="0"/>
-              <a:t>2024-04-24</a:t>
+              <a:t>2024-04-25</a:t>
             </a:fld>
             <a:endParaRPr lang="ko-KR" altLang="en-US"/>
           </a:p>
@@ -2704,7 +2705,7 @@
           <a:p>
             <a:fld id="{4BF4DD58-F10B-47C8-B4E4-57EE29696E08}" type="datetimeFigureOut">
               <a:rPr lang="ko-KR" altLang="en-US" smtClean="0"/>
-              <a:t>2024-04-24</a:t>
+              <a:t>2024-04-25</a:t>
             </a:fld>
             <a:endParaRPr lang="ko-KR" altLang="en-US"/>
           </a:p>
@@ -2948,7 +2949,7 @@
             <a:fld id="{4BF4DD58-F10B-47C8-B4E4-57EE29696E08}" type="datetimeFigureOut">
               <a:rPr lang="ko-KR" altLang="en-US" smtClean="0"/>
               <a:pPr/>
-              <a:t>2024-04-24</a:t>
+              <a:t>2024-04-25</a:t>
             </a:fld>
             <a:endParaRPr lang="ko-KR" altLang="en-US" dirty="0"/>
           </a:p>
@@ -4014,10 +4015,6 @@
               </a:rPr>
               <a:t> 설계</a:t>
             </a:r>
-            <a:endParaRPr lang="ko-KR" altLang="en-US" sz="2400" b="1" dirty="0">
-              <a:latin typeface="나눔고딕 ExtraBold" panose="020D0904000000000000" pitchFamily="50" charset="-127"/>
-              <a:ea typeface="나눔고딕 ExtraBold" panose="020D0904000000000000" pitchFamily="50" charset="-127"/>
-            </a:endParaRPr>
           </a:p>
         </p:txBody>
       </p:sp>
@@ -4332,17 +4329,7 @@
                           <a:latin typeface="나눔스퀘어OTF" panose="020B0600000101010101" pitchFamily="34" charset="-127"/>
                           <a:ea typeface="나눔스퀘어OTF" panose="020B0600000101010101" pitchFamily="34" charset="-127"/>
                         </a:rPr>
-                        <a:t> </a:t>
-                      </a:r>
-                      <a:r>
-                        <a:rPr lang="en-US" altLang="ko-KR" sz="1500" b="0" baseline="0" dirty="0" smtClean="0">
-                          <a:solidFill>
-                            <a:schemeClr val="bg1"/>
-                          </a:solidFill>
-                          <a:latin typeface="나눔스퀘어OTF" panose="020B0600000101010101" pitchFamily="34" charset="-127"/>
-                          <a:ea typeface="나눔스퀘어OTF" panose="020B0600000101010101" pitchFamily="34" charset="-127"/>
-                        </a:rPr>
-                        <a:t>Challenge</a:t>
+                        <a:t> Challenge</a:t>
                       </a:r>
                       <a:endParaRPr lang="ko-KR" altLang="en-US" sz="1500" b="0" dirty="0">
                         <a:solidFill>
@@ -5494,16 +5481,6 @@
               </a:rPr>
               <a:t>랜딩 페이지</a:t>
             </a:r>
-            <a:endParaRPr lang="ko-KR" altLang="en-US" dirty="0" smtClean="0">
-              <a:solidFill>
-                <a:schemeClr val="tx1">
-                  <a:lumMod val="85000"/>
-                  <a:lumOff val="15000"/>
-                </a:schemeClr>
-              </a:solidFill>
-              <a:latin typeface="나눔고딕" panose="020D0604000000000000" pitchFamily="50" charset="-127"/>
-              <a:ea typeface="나눔고딕" panose="020D0604000000000000" pitchFamily="50" charset="-127"/>
-            </a:endParaRPr>
           </a:p>
         </p:txBody>
       </p:sp>
@@ -5611,16 +5588,6 @@
               </a:rPr>
               <a:t>사전 설문</a:t>
             </a:r>
-            <a:endParaRPr lang="ko-KR" altLang="en-US" dirty="0" smtClean="0">
-              <a:solidFill>
-                <a:schemeClr val="tx1">
-                  <a:lumMod val="85000"/>
-                  <a:lumOff val="15000"/>
-                </a:schemeClr>
-              </a:solidFill>
-              <a:latin typeface="나눔고딕" panose="020D0604000000000000" pitchFamily="50" charset="-127"/>
-              <a:ea typeface="나눔고딕" panose="020D0604000000000000" pitchFamily="50" charset="-127"/>
-            </a:endParaRPr>
           </a:p>
         </p:txBody>
       </p:sp>
@@ -5728,16 +5695,6 @@
               </a:rPr>
               <a:t>중략</a:t>
             </a:r>
-            <a:endParaRPr lang="ko-KR" altLang="en-US" dirty="0" smtClean="0">
-              <a:solidFill>
-                <a:schemeClr val="tx1">
-                  <a:lumMod val="85000"/>
-                  <a:lumOff val="15000"/>
-                </a:schemeClr>
-              </a:solidFill>
-              <a:latin typeface="나눔고딕" panose="020D0604000000000000" pitchFamily="50" charset="-127"/>
-              <a:ea typeface="나눔고딕" panose="020D0604000000000000" pitchFamily="50" charset="-127"/>
-            </a:endParaRPr>
           </a:p>
         </p:txBody>
       </p:sp>
@@ -5797,16 +5754,6 @@
               </a:rPr>
               <a:t>맞춤 프로그램 소개</a:t>
             </a:r>
-            <a:endParaRPr lang="ko-KR" altLang="en-US" dirty="0" smtClean="0">
-              <a:solidFill>
-                <a:schemeClr val="tx1">
-                  <a:lumMod val="85000"/>
-                  <a:lumOff val="15000"/>
-                </a:schemeClr>
-              </a:solidFill>
-              <a:latin typeface="나눔고딕" panose="020D0604000000000000" pitchFamily="50" charset="-127"/>
-              <a:ea typeface="나눔고딕" panose="020D0604000000000000" pitchFamily="50" charset="-127"/>
-            </a:endParaRPr>
           </a:p>
         </p:txBody>
       </p:sp>
@@ -5890,16 +5837,6 @@
               </a:rPr>
               <a:t>회원 가입</a:t>
             </a:r>
-            <a:endParaRPr lang="ko-KR" altLang="en-US" dirty="0" smtClean="0">
-              <a:solidFill>
-                <a:schemeClr val="tx1">
-                  <a:lumMod val="85000"/>
-                  <a:lumOff val="15000"/>
-                </a:schemeClr>
-              </a:solidFill>
-              <a:latin typeface="나눔고딕" panose="020D0604000000000000" pitchFamily="50" charset="-127"/>
-              <a:ea typeface="나눔고딕" panose="020D0604000000000000" pitchFamily="50" charset="-127"/>
-            </a:endParaRPr>
           </a:p>
         </p:txBody>
       </p:sp>
@@ -6324,50 +6261,6 @@
           </a:prstGeom>
         </p:spPr>
       </p:pic>
-      <p:sp>
-        <p:nvSpPr>
-          <p:cNvPr id="21" name="오른쪽 화살표 20"/>
-          <p:cNvSpPr/>
-          <p:nvPr/>
-        </p:nvSpPr>
-        <p:spPr>
-          <a:xfrm>
-            <a:off x="8256032" y="1892673"/>
-            <a:ext cx="1977029" cy="1015550"/>
-          </a:xfrm>
-          <a:prstGeom prst="rightArrow">
-            <a:avLst/>
-          </a:prstGeom>
-        </p:spPr>
-        <p:style>
-          <a:lnRef idx="2">
-            <a:schemeClr val="accent3">
-              <a:shade val="50000"/>
-            </a:schemeClr>
-          </a:lnRef>
-          <a:fillRef idx="1">
-            <a:schemeClr val="accent3"/>
-          </a:fillRef>
-          <a:effectRef idx="0">
-            <a:schemeClr val="accent3"/>
-          </a:effectRef>
-          <a:fontRef idx="minor">
-            <a:schemeClr val="lt1"/>
-          </a:fontRef>
-        </p:style>
-        <p:txBody>
-          <a:bodyPr rtlCol="0" anchor="ctr"/>
-          <a:lstStyle/>
-          <a:p>
-            <a:pPr algn="ctr"/>
-            <a:r>
-              <a:rPr lang="ko-KR" altLang="en-US" dirty="0" smtClean="0"/>
-              <a:t>업데이트 필요</a:t>
-            </a:r>
-            <a:endParaRPr lang="ko-KR" altLang="en-US" dirty="0"/>
-          </a:p>
-        </p:txBody>
-      </p:sp>
       <p:pic>
         <p:nvPicPr>
           <p:cNvPr id="22" name="그림 21"/>
@@ -6392,50 +6285,6 @@
           </a:prstGeom>
         </p:spPr>
       </p:pic>
-      <p:sp>
-        <p:nvSpPr>
-          <p:cNvPr id="24" name="오른쪽 화살표 23"/>
-          <p:cNvSpPr/>
-          <p:nvPr/>
-        </p:nvSpPr>
-        <p:spPr>
-          <a:xfrm>
-            <a:off x="8114201" y="3954617"/>
-            <a:ext cx="2118859" cy="1015550"/>
-          </a:xfrm>
-          <a:prstGeom prst="rightArrow">
-            <a:avLst/>
-          </a:prstGeom>
-        </p:spPr>
-        <p:style>
-          <a:lnRef idx="2">
-            <a:schemeClr val="accent3">
-              <a:shade val="50000"/>
-            </a:schemeClr>
-          </a:lnRef>
-          <a:fillRef idx="1">
-            <a:schemeClr val="accent3"/>
-          </a:fillRef>
-          <a:effectRef idx="0">
-            <a:schemeClr val="accent3"/>
-          </a:effectRef>
-          <a:fontRef idx="minor">
-            <a:schemeClr val="lt1"/>
-          </a:fontRef>
-        </p:style>
-        <p:txBody>
-          <a:bodyPr rtlCol="0" anchor="ctr"/>
-          <a:lstStyle/>
-          <a:p>
-            <a:pPr algn="ctr"/>
-            <a:r>
-              <a:rPr lang="ko-KR" altLang="en-US" dirty="0" smtClean="0"/>
-              <a:t>업데이트 필요</a:t>
-            </a:r>
-            <a:endParaRPr lang="ko-KR" altLang="en-US" dirty="0"/>
-          </a:p>
-        </p:txBody>
-      </p:sp>
       <p:pic>
         <p:nvPicPr>
           <p:cNvPr id="25" name="그림 24"/>
@@ -7191,16 +7040,6 @@
               </a:rPr>
               <a:t>사용자의 질문</a:t>
             </a:r>
-            <a:endParaRPr lang="ko-KR" altLang="en-US" dirty="0" smtClean="0">
-              <a:solidFill>
-                <a:schemeClr val="tx1">
-                  <a:lumMod val="85000"/>
-                  <a:lumOff val="15000"/>
-                </a:schemeClr>
-              </a:solidFill>
-              <a:latin typeface="나눔고딕" panose="020D0604000000000000" pitchFamily="50" charset="-127"/>
-              <a:ea typeface="나눔고딕" panose="020D0604000000000000" pitchFamily="50" charset="-127"/>
-            </a:endParaRPr>
           </a:p>
         </p:txBody>
       </p:sp>
@@ -7273,16 +7112,6 @@
               </a:rPr>
               <a:t>진행중인 운동</a:t>
             </a:r>
-            <a:endParaRPr lang="ko-KR" altLang="en-US" dirty="0" smtClean="0">
-              <a:solidFill>
-                <a:schemeClr val="tx1">
-                  <a:lumMod val="85000"/>
-                  <a:lumOff val="15000"/>
-                </a:schemeClr>
-              </a:solidFill>
-              <a:latin typeface="나눔고딕" panose="020D0604000000000000" pitchFamily="50" charset="-127"/>
-              <a:ea typeface="나눔고딕" panose="020D0604000000000000" pitchFamily="50" charset="-127"/>
-            </a:endParaRPr>
           </a:p>
         </p:txBody>
       </p:sp>
@@ -7437,16 +7266,6 @@
               </a:rPr>
               <a:t>구현</a:t>
             </a:r>
-            <a:endParaRPr lang="ko-KR" altLang="en-US" b="1" dirty="0" smtClean="0">
-              <a:solidFill>
-                <a:schemeClr val="tx1">
-                  <a:lumMod val="85000"/>
-                  <a:lumOff val="15000"/>
-                </a:schemeClr>
-              </a:solidFill>
-              <a:latin typeface="나눔고딕" panose="020D0604000000000000" pitchFamily="50" charset="-127"/>
-              <a:ea typeface="나눔고딕" panose="020D0604000000000000" pitchFamily="50" charset="-127"/>
-            </a:endParaRPr>
           </a:p>
         </p:txBody>
       </p:sp>
@@ -7900,31 +7719,8 @@
                 <a:latin typeface="나눔고딕" panose="020D0604000000000000" pitchFamily="50" charset="-127"/>
                 <a:ea typeface="나눔고딕" panose="020D0604000000000000" pitchFamily="50" charset="-127"/>
               </a:rPr>
-              <a:t> 상품</a:t>
-            </a:r>
-            <a:r>
-              <a:rPr lang="ko-KR" altLang="en-US" dirty="0" smtClean="0">
-                <a:solidFill>
-                  <a:schemeClr val="tx1">
-                    <a:lumMod val="85000"/>
-                    <a:lumOff val="15000"/>
-                  </a:schemeClr>
-                </a:solidFill>
-                <a:latin typeface="나눔고딕" panose="020D0604000000000000" pitchFamily="50" charset="-127"/>
-                <a:ea typeface="나눔고딕" panose="020D0604000000000000" pitchFamily="50" charset="-127"/>
-              </a:rPr>
-              <a:t>으로 연결</a:t>
-            </a:r>
-            <a:endParaRPr lang="ko-KR" altLang="en-US" dirty="0" smtClean="0">
-              <a:solidFill>
-                <a:schemeClr val="tx1">
-                  <a:lumMod val="85000"/>
-                  <a:lumOff val="15000"/>
-                </a:schemeClr>
-              </a:solidFill>
-              <a:latin typeface="나눔고딕" panose="020D0604000000000000" pitchFamily="50" charset="-127"/>
-              <a:ea typeface="나눔고딕" panose="020D0604000000000000" pitchFamily="50" charset="-127"/>
-            </a:endParaRPr>
+              <a:t> 상품으로 연결</a:t>
+            </a:r>
           </a:p>
         </p:txBody>
       </p:sp>
@@ -8080,16 +7876,6 @@
               </a:rPr>
               <a:t> 제휴 마케팅</a:t>
             </a:r>
-            <a:endParaRPr lang="ko-KR" altLang="en-US" dirty="0" smtClean="0">
-              <a:solidFill>
-                <a:schemeClr val="tx1">
-                  <a:lumMod val="85000"/>
-                  <a:lumOff val="15000"/>
-                </a:schemeClr>
-              </a:solidFill>
-              <a:latin typeface="나눔고딕" panose="020D0604000000000000" pitchFamily="50" charset="-127"/>
-              <a:ea typeface="나눔고딕" panose="020D0604000000000000" pitchFamily="50" charset="-127"/>
-            </a:endParaRPr>
           </a:p>
         </p:txBody>
       </p:sp>
@@ -8149,16 +7935,6 @@
               </a:rPr>
               <a:t>링크 생성</a:t>
             </a:r>
-            <a:endParaRPr lang="ko-KR" altLang="en-US" dirty="0" smtClean="0">
-              <a:solidFill>
-                <a:schemeClr val="tx1">
-                  <a:lumMod val="85000"/>
-                  <a:lumOff val="15000"/>
-                </a:schemeClr>
-              </a:solidFill>
-              <a:latin typeface="나눔고딕" panose="020D0604000000000000" pitchFamily="50" charset="-127"/>
-              <a:ea typeface="나눔고딕" panose="020D0604000000000000" pitchFamily="50" charset="-127"/>
-            </a:endParaRPr>
           </a:p>
         </p:txBody>
       </p:sp>
@@ -9008,7 +8784,7 @@
         <p:spPr>
           <a:xfrm>
             <a:off x="184945" y="909433"/>
-            <a:ext cx="5777706" cy="5786642"/>
+            <a:ext cx="3934209" cy="5786642"/>
           </a:xfrm>
           <a:prstGeom prst="rect">
             <a:avLst/>
@@ -9162,7 +8938,7 @@
                   </a:schemeClr>
                 </a:solidFill>
               </a:rPr>
-              <a:t>프로젝트 범위 및 일정</a:t>
+              <a:t>프로젝트 일정</a:t>
             </a:r>
             <a:endParaRPr lang="en-US" altLang="ko-KR" sz="1600" dirty="0" smtClean="0">
               <a:solidFill>
@@ -9687,6 +9463,36 @@
           <a:xfrm>
             <a:off x="7981950" y="-143080"/>
             <a:ext cx="4210050" cy="1052513"/>
+          </a:xfrm>
+          <a:prstGeom prst="rect">
+            <a:avLst/>
+          </a:prstGeom>
+        </p:spPr>
+      </p:pic>
+      <p:pic>
+        <p:nvPicPr>
+          <p:cNvPr id="3" name="그림 2"/>
+          <p:cNvPicPr>
+            <a:picLocks noChangeAspect="1"/>
+          </p:cNvPicPr>
+          <p:nvPr/>
+        </p:nvPicPr>
+        <p:blipFill>
+          <a:blip r:embed="rId3">
+            <a:extLst>
+              <a:ext uri="{28A0092B-C50C-407E-A947-70E740481C1C}">
+                <a14:useLocalDpi xmlns:a14="http://schemas.microsoft.com/office/drawing/2010/main" val="0"/>
+              </a:ext>
+            </a:extLst>
+          </a:blip>
+          <a:stretch>
+            <a:fillRect/>
+          </a:stretch>
+        </p:blipFill>
+        <p:spPr>
+          <a:xfrm>
+            <a:off x="4371703" y="909432"/>
+            <a:ext cx="7674429" cy="5773343"/>
           </a:xfrm>
           <a:prstGeom prst="rect">
             <a:avLst/>
@@ -13173,7 +12979,6 @@
               <a:rPr lang="en-US" altLang="ko-KR" sz="1400" dirty="0" smtClean="0"/>
               <a:t>MySQL</a:t>
             </a:r>
-            <a:endParaRPr lang="en-US" altLang="ko-KR" sz="1400" dirty="0" smtClean="0"/>
           </a:p>
           <a:p>
             <a:pPr algn="ctr"/>
@@ -15338,10 +15143,10 @@
                 <a:latin typeface="나눔고딕" panose="020D0604000000000000" pitchFamily="50" charset="-127"/>
                 <a:ea typeface="나눔고딕" panose="020D0604000000000000" pitchFamily="50" charset="-127"/>
               </a:rPr>
-              <a:t>네이버</a:t>
-            </a:r>
-            <a:r>
-              <a:rPr lang="ko-KR" altLang="en-US" dirty="0" err="1" smtClean="0">
+              <a:t>네이버페이</a:t>
+            </a:r>
+            <a:r>
+              <a:rPr lang="ko-KR" altLang="en-US" dirty="0" smtClean="0">
                 <a:solidFill>
                   <a:schemeClr val="tx1">
                     <a:lumMod val="85000"/>
@@ -15351,10 +15156,10 @@
                 <a:latin typeface="나눔고딕" panose="020D0604000000000000" pitchFamily="50" charset="-127"/>
                 <a:ea typeface="나눔고딕" panose="020D0604000000000000" pitchFamily="50" charset="-127"/>
               </a:rPr>
-              <a:t>페이</a:t>
-            </a:r>
-            <a:r>
-              <a:rPr lang="ko-KR" altLang="en-US" dirty="0" smtClean="0">
+              <a:t> 등</a:t>
+            </a:r>
+            <a:r>
+              <a:rPr lang="en-US" altLang="ko-KR" dirty="0" smtClean="0">
                 <a:solidFill>
                   <a:schemeClr val="tx1">
                     <a:lumMod val="85000"/>
@@ -15364,31 +15169,8 @@
                 <a:latin typeface="나눔고딕" panose="020D0604000000000000" pitchFamily="50" charset="-127"/>
                 <a:ea typeface="나눔고딕" panose="020D0604000000000000" pitchFamily="50" charset="-127"/>
               </a:rPr>
-              <a:t> 등</a:t>
-            </a:r>
-            <a:r>
-              <a:rPr lang="en-US" altLang="ko-KR" dirty="0" smtClean="0">
-                <a:solidFill>
-                  <a:schemeClr val="tx1">
-                    <a:lumMod val="85000"/>
-                    <a:lumOff val="15000"/>
-                  </a:schemeClr>
-                </a:solidFill>
-                <a:latin typeface="나눔고딕" panose="020D0604000000000000" pitchFamily="50" charset="-127"/>
-                <a:ea typeface="나눔고딕" panose="020D0604000000000000" pitchFamily="50" charset="-127"/>
-              </a:rPr>
               <a:t>)</a:t>
             </a:r>
-            <a:endParaRPr lang="en-US" altLang="ko-KR" dirty="0" smtClean="0">
-              <a:solidFill>
-                <a:schemeClr val="tx1">
-                  <a:lumMod val="85000"/>
-                  <a:lumOff val="15000"/>
-                </a:schemeClr>
-              </a:solidFill>
-              <a:latin typeface="나눔고딕" panose="020D0604000000000000" pitchFamily="50" charset="-127"/>
-              <a:ea typeface="나눔고딕" panose="020D0604000000000000" pitchFamily="50" charset="-127"/>
-            </a:endParaRPr>
           </a:p>
           <a:p>
             <a:pPr marL="800100" lvl="1" indent="-342900">
@@ -15702,14 +15484,7 @@
                 <a:latin typeface="나눔고딕 ExtraBold" panose="020D0904000000000000" pitchFamily="50" charset="-127"/>
                 <a:ea typeface="나눔고딕 ExtraBold" panose="020D0904000000000000" pitchFamily="50" charset="-127"/>
               </a:rPr>
-              <a:t>4.1</a:t>
-            </a:r>
-            <a:r>
-              <a:rPr lang="en-US" altLang="ko-KR" sz="2400" b="1" dirty="0" smtClean="0">
-                <a:latin typeface="나눔고딕 ExtraBold" panose="020D0904000000000000" pitchFamily="50" charset="-127"/>
-                <a:ea typeface="나눔고딕 ExtraBold" panose="020D0904000000000000" pitchFamily="50" charset="-127"/>
-              </a:rPr>
-              <a:t>. </a:t>
+              <a:t>4.1. </a:t>
             </a:r>
             <a:r>
               <a:rPr lang="ko-KR" altLang="en-US" sz="2400" b="1" dirty="0" smtClean="0">
@@ -16379,6 +16154,74 @@
 </p:sld>
 </file>
 
+<file path=ppt/slides/slide31.xml><?xml version="1.0" encoding="utf-8"?>
+<p:sld xmlns:a="http://schemas.openxmlformats.org/drawingml/2006/main" xmlns:r="http://schemas.openxmlformats.org/officeDocument/2006/relationships" xmlns:p="http://schemas.openxmlformats.org/presentationml/2006/main">
+  <p:cSld>
+    <p:spTree>
+      <p:nvGrpSpPr>
+        <p:cNvPr id="1" name=""/>
+        <p:cNvGrpSpPr/>
+        <p:nvPr/>
+      </p:nvGrpSpPr>
+      <p:grpSpPr>
+        <a:xfrm>
+          <a:off x="0" y="0"/>
+          <a:ext cx="0" cy="0"/>
+          <a:chOff x="0" y="0"/>
+          <a:chExt cx="0" cy="0"/>
+        </a:xfrm>
+      </p:grpSpPr>
+      <p:sp>
+        <p:nvSpPr>
+          <p:cNvPr id="2" name="제목 1"/>
+          <p:cNvSpPr>
+            <a:spLocks noGrp="1"/>
+          </p:cNvSpPr>
+          <p:nvPr>
+            <p:ph type="title"/>
+          </p:nvPr>
+        </p:nvSpPr>
+        <p:spPr/>
+        <p:txBody>
+          <a:bodyPr/>
+          <a:lstStyle/>
+          <a:p>
+            <a:endParaRPr lang="ko-KR" altLang="en-US"/>
+          </a:p>
+        </p:txBody>
+      </p:sp>
+      <p:sp>
+        <p:nvSpPr>
+          <p:cNvPr id="3" name="내용 개체 틀 2"/>
+          <p:cNvSpPr>
+            <a:spLocks noGrp="1"/>
+          </p:cNvSpPr>
+          <p:nvPr>
+            <p:ph idx="1"/>
+          </p:nvPr>
+        </p:nvSpPr>
+        <p:spPr/>
+        <p:txBody>
+          <a:bodyPr/>
+          <a:lstStyle/>
+          <a:p>
+            <a:endParaRPr lang="ko-KR" altLang="en-US"/>
+          </a:p>
+        </p:txBody>
+      </p:sp>
+    </p:spTree>
+    <p:extLst>
+      <p:ext uri="{BB962C8B-B14F-4D97-AF65-F5344CB8AC3E}">
+        <p14:creationId xmlns:p14="http://schemas.microsoft.com/office/powerpoint/2010/main" val="574617299"/>
+      </p:ext>
+    </p:extLst>
+  </p:cSld>
+  <p:clrMapOvr>
+    <a:masterClrMapping/>
+  </p:clrMapOvr>
+</p:sld>
+</file>
+
 <file path=ppt/slides/slide4.xml><?xml version="1.0" encoding="utf-8"?>
 <p:sld xmlns:a="http://schemas.openxmlformats.org/drawingml/2006/main" xmlns:r="http://schemas.openxmlformats.org/officeDocument/2006/relationships" xmlns:p="http://schemas.openxmlformats.org/presentationml/2006/main">
   <p:cSld>
@@ -16404,8 +16247,8 @@
         </p:nvSpPr>
         <p:spPr>
           <a:xfrm>
-            <a:off x="241300" y="909433"/>
-            <a:ext cx="11747500" cy="5786641"/>
+            <a:off x="241300" y="3257006"/>
+            <a:ext cx="11747500" cy="3439068"/>
           </a:xfrm>
           <a:prstGeom prst="rect">
             <a:avLst/>
@@ -16466,7 +16309,7 @@
               <a:buAutoNum type="arabicPeriod"/>
             </a:pPr>
             <a:r>
-              <a:rPr lang="ko-KR" altLang="en-US" dirty="0" err="1" smtClean="0">
+              <a:rPr lang="ko-KR" altLang="en-US" sz="1600" dirty="0" err="1" smtClean="0">
                 <a:solidFill>
                   <a:schemeClr val="tx1">
                     <a:lumMod val="85000"/>
@@ -16477,7 +16320,7 @@
               <a:t>이젠아카데미</a:t>
             </a:r>
             <a:r>
-              <a:rPr lang="ko-KR" altLang="en-US" dirty="0" smtClean="0">
+              <a:rPr lang="ko-KR" altLang="en-US" sz="1600" dirty="0" smtClean="0">
                 <a:solidFill>
                   <a:schemeClr val="tx1">
                     <a:lumMod val="85000"/>
@@ -16488,7 +16331,7 @@
               <a:t> 강남</a:t>
             </a:r>
             <a:r>
-              <a:rPr lang="en-US" altLang="ko-KR" dirty="0" smtClean="0">
+              <a:rPr lang="en-US" altLang="ko-KR" sz="1600" dirty="0" smtClean="0">
                 <a:solidFill>
                   <a:schemeClr val="tx1">
                     <a:lumMod val="85000"/>
@@ -16499,7 +16342,7 @@
               <a:t>, </a:t>
             </a:r>
             <a:r>
-              <a:rPr lang="ko-KR" altLang="en-US" dirty="0" err="1" smtClean="0">
+              <a:rPr lang="ko-KR" altLang="en-US" sz="1600" dirty="0" err="1" smtClean="0">
                 <a:solidFill>
                   <a:schemeClr val="tx1">
                     <a:lumMod val="85000"/>
@@ -16512,7 +16355,7 @@
               <a:t>웹서비스</a:t>
             </a:r>
             <a:r>
-              <a:rPr lang="ko-KR" altLang="en-US" dirty="0" smtClean="0">
+              <a:rPr lang="ko-KR" altLang="en-US" sz="1600" dirty="0" smtClean="0">
                 <a:solidFill>
                   <a:schemeClr val="tx1">
                     <a:lumMod val="85000"/>
@@ -16525,7 +16368,7 @@
               <a:t> </a:t>
             </a:r>
             <a:r>
-              <a:rPr lang="ko-KR" altLang="en-US" dirty="0" err="1">
+              <a:rPr lang="ko-KR" altLang="en-US" sz="1600" dirty="0" err="1">
                 <a:solidFill>
                   <a:schemeClr val="tx1">
                     <a:lumMod val="85000"/>
@@ -16538,7 +16381,7 @@
               <a:t>풀스택</a:t>
             </a:r>
             <a:r>
-              <a:rPr lang="ko-KR" altLang="en-US" dirty="0">
+              <a:rPr lang="ko-KR" altLang="en-US" sz="1600" dirty="0">
                 <a:solidFill>
                   <a:schemeClr val="tx1">
                     <a:lumMod val="85000"/>
@@ -16551,7 +16394,7 @@
               <a:t> 개발</a:t>
             </a:r>
             <a:r>
-              <a:rPr lang="en-US" altLang="ko-KR" dirty="0">
+              <a:rPr lang="en-US" altLang="ko-KR" sz="1600" dirty="0">
                 <a:solidFill>
                   <a:schemeClr val="tx1">
                     <a:lumMod val="85000"/>
@@ -16564,7 +16407,7 @@
               <a:t> </a:t>
             </a:r>
             <a:r>
-              <a:rPr lang="ko-KR" altLang="en-US" dirty="0">
+              <a:rPr lang="ko-KR" altLang="en-US" sz="1600" dirty="0">
                 <a:solidFill>
                   <a:schemeClr val="tx1">
                     <a:lumMod val="85000"/>
@@ -16577,7 +16420,7 @@
               <a:t>과정 </a:t>
             </a:r>
             <a:r>
-              <a:rPr lang="en-US" altLang="ko-KR" dirty="0">
+              <a:rPr lang="en-US" altLang="ko-KR" sz="1600" dirty="0">
                 <a:solidFill>
                   <a:schemeClr val="tx1">
                     <a:lumMod val="85000"/>
@@ -16590,7 +16433,7 @@
               <a:t>2</a:t>
             </a:r>
             <a:r>
-              <a:rPr lang="ko-KR" altLang="en-US" dirty="0" smtClean="0">
+              <a:rPr lang="ko-KR" altLang="en-US" sz="1600" dirty="0" smtClean="0">
                 <a:solidFill>
                   <a:schemeClr val="tx1">
                     <a:lumMod val="85000"/>
@@ -16603,7 +16446,7 @@
               <a:t>기</a:t>
             </a:r>
             <a:r>
-              <a:rPr lang="en-US" altLang="ko-KR" dirty="0">
+              <a:rPr lang="en-US" altLang="ko-KR" sz="1600" dirty="0">
                 <a:solidFill>
                   <a:schemeClr val="tx1">
                     <a:lumMod val="85000"/>
@@ -16616,7 +16459,7 @@
               <a:t> (</a:t>
             </a:r>
             <a:r>
-              <a:rPr lang="en-US" altLang="ko-KR" dirty="0" smtClean="0">
+              <a:rPr lang="en-US" altLang="ko-KR" sz="1600" dirty="0" smtClean="0">
                 <a:solidFill>
                   <a:schemeClr val="tx1">
                     <a:lumMod val="85000"/>
@@ -16629,7 +16472,7 @@
               <a:t>2023.11.16 </a:t>
             </a:r>
             <a:r>
-              <a:rPr lang="en-US" altLang="ko-KR" dirty="0">
+              <a:rPr lang="en-US" altLang="ko-KR" sz="1600" dirty="0">
                 <a:solidFill>
                   <a:schemeClr val="tx1">
                     <a:lumMod val="85000"/>
@@ -16642,7 +16485,7 @@
               <a:t>~ 2024.05.02)</a:t>
             </a:r>
             <a:r>
-              <a:rPr lang="ko-KR" altLang="en-US" dirty="0" smtClean="0">
+              <a:rPr lang="ko-KR" altLang="en-US" sz="1600" dirty="0" smtClean="0">
                 <a:solidFill>
                   <a:schemeClr val="tx1">
                     <a:lumMod val="85000"/>
@@ -16654,7 +16497,7 @@
               </a:rPr>
               <a:t> 팀 프로젝트</a:t>
             </a:r>
-            <a:endParaRPr lang="en-US" altLang="ko-KR" dirty="0" smtClean="0">
+            <a:endParaRPr lang="en-US" altLang="ko-KR" sz="1600" dirty="0" smtClean="0">
               <a:solidFill>
                 <a:schemeClr val="tx1">
                   <a:lumMod val="85000"/>
@@ -16714,7 +16557,7 @@
               <a:buAutoNum type="arabicPeriod"/>
             </a:pPr>
             <a:r>
-              <a:rPr lang="ko-KR" altLang="en-US" dirty="0" smtClean="0">
+              <a:rPr lang="ko-KR" altLang="en-US" sz="1600" dirty="0" smtClean="0">
                 <a:solidFill>
                   <a:schemeClr val="tx1">
                     <a:lumMod val="85000"/>
@@ -16725,7 +16568,7 @@
               <a:t>운동은 </a:t>
             </a:r>
             <a:r>
-              <a:rPr lang="ko-KR" altLang="en-US" dirty="0">
+              <a:rPr lang="ko-KR" altLang="en-US" sz="1600" dirty="0">
                 <a:solidFill>
                   <a:schemeClr val="tx1">
                     <a:lumMod val="85000"/>
@@ -16736,7 +16579,7 @@
               <a:t>선택이 아닌 </a:t>
             </a:r>
             <a:r>
-              <a:rPr lang="ko-KR" altLang="en-US" dirty="0" smtClean="0">
+              <a:rPr lang="ko-KR" altLang="en-US" sz="1600" dirty="0" smtClean="0">
                 <a:solidFill>
                   <a:schemeClr val="tx1">
                     <a:lumMod val="85000"/>
@@ -16746,7 +16589,7 @@
               </a:rPr>
               <a:t>필수</a:t>
             </a:r>
-            <a:endParaRPr lang="en-US" altLang="ko-KR" dirty="0" smtClean="0">
+            <a:endParaRPr lang="en-US" altLang="ko-KR" sz="1600" dirty="0" smtClean="0">
               <a:solidFill>
                 <a:schemeClr val="tx1">
                   <a:lumMod val="85000"/>
@@ -16761,7 +16604,7 @@
               <a:buAutoNum type="arabicPeriod"/>
             </a:pPr>
             <a:r>
-              <a:rPr lang="ko-KR" altLang="en-US" dirty="0" smtClean="0">
+              <a:rPr lang="ko-KR" altLang="en-US" sz="1600" dirty="0" smtClean="0">
                 <a:solidFill>
                   <a:schemeClr val="tx1">
                     <a:lumMod val="85000"/>
@@ -16772,7 +16615,7 @@
               <a:t>현대인들의 운동 부족의 근본 원인은</a:t>
             </a:r>
             <a:r>
-              <a:rPr lang="en-US" altLang="ko-KR" dirty="0" smtClean="0">
+              <a:rPr lang="en-US" altLang="ko-KR" sz="1600" dirty="0" smtClean="0">
                 <a:solidFill>
                   <a:schemeClr val="tx1">
                     <a:lumMod val="85000"/>
@@ -16789,7 +16632,7 @@
               <a:buAutoNum type="arabicPeriod"/>
             </a:pPr>
             <a:r>
-              <a:rPr lang="ko-KR" altLang="en-US" b="1" dirty="0" smtClean="0">
+              <a:rPr lang="ko-KR" altLang="en-US" sz="1600" b="1" dirty="0" smtClean="0">
                 <a:solidFill>
                   <a:srgbClr val="C00000"/>
                 </a:solidFill>
@@ -16797,7 +16640,7 @@
               <a:t>시간 부족</a:t>
             </a:r>
             <a:r>
-              <a:rPr lang="en-US" altLang="ko-KR" b="1" dirty="0" smtClean="0">
+              <a:rPr lang="en-US" altLang="ko-KR" sz="1600" b="1" dirty="0" smtClean="0">
                 <a:solidFill>
                   <a:srgbClr val="C00000"/>
                 </a:solidFill>
@@ -16805,7 +16648,7 @@
               <a:t>, </a:t>
             </a:r>
             <a:r>
-              <a:rPr lang="ko-KR" altLang="en-US" b="1" dirty="0" smtClean="0">
+              <a:rPr lang="ko-KR" altLang="en-US" sz="1600" b="1" dirty="0" smtClean="0">
                 <a:solidFill>
                   <a:srgbClr val="C00000"/>
                 </a:solidFill>
@@ -16813,7 +16656,7 @@
               <a:t>작심 삼일</a:t>
             </a:r>
             <a:r>
-              <a:rPr lang="en-US" altLang="ko-KR" b="1" dirty="0" smtClean="0">
+              <a:rPr lang="en-US" altLang="ko-KR" sz="1600" b="1" dirty="0" smtClean="0">
                 <a:solidFill>
                   <a:srgbClr val="C00000"/>
                 </a:solidFill>
@@ -16821,14 +16664,14 @@
               <a:t>, </a:t>
             </a:r>
             <a:r>
-              <a:rPr lang="ko-KR" altLang="en-US" b="1" dirty="0" smtClean="0">
+              <a:rPr lang="ko-KR" altLang="en-US" sz="1600" b="1" dirty="0" smtClean="0">
                 <a:solidFill>
                   <a:srgbClr val="C00000"/>
                 </a:solidFill>
               </a:rPr>
               <a:t>부상</a:t>
             </a:r>
-            <a:endParaRPr lang="en-US" altLang="ko-KR" b="1" dirty="0" smtClean="0">
+            <a:endParaRPr lang="en-US" altLang="ko-KR" sz="1600" b="1" dirty="0" smtClean="0">
               <a:solidFill>
                 <a:srgbClr val="C00000"/>
               </a:solidFill>
@@ -16879,7 +16722,7 @@
               <a:buAutoNum type="arabicPeriod"/>
             </a:pPr>
             <a:r>
-              <a:rPr lang="ko-KR" altLang="en-US" dirty="0" smtClean="0">
+              <a:rPr lang="ko-KR" altLang="en-US" sz="1600" dirty="0" smtClean="0">
                 <a:solidFill>
                   <a:schemeClr val="tx1">
                     <a:lumMod val="85000"/>
@@ -16890,7 +16733,7 @@
               <a:t>언제 어디서나 운동할 수 있으려면</a:t>
             </a:r>
             <a:r>
-              <a:rPr lang="en-US" altLang="ko-KR" dirty="0" smtClean="0">
+              <a:rPr lang="en-US" altLang="ko-KR" sz="1600" dirty="0" smtClean="0">
                 <a:solidFill>
                   <a:schemeClr val="tx1">
                     <a:lumMod val="85000"/>
@@ -16901,14 +16744,14 @@
               <a:t>? </a:t>
             </a:r>
             <a:r>
-              <a:rPr lang="ko-KR" altLang="en-US" b="1" dirty="0" smtClean="0">
+              <a:rPr lang="ko-KR" altLang="en-US" sz="1600" b="1" dirty="0" smtClean="0">
                 <a:solidFill>
                   <a:srgbClr val="C00000"/>
                 </a:solidFill>
               </a:rPr>
               <a:t>홈 트레이닝</a:t>
             </a:r>
-            <a:endParaRPr lang="en-US" altLang="ko-KR" b="1" dirty="0" smtClean="0">
+            <a:endParaRPr lang="en-US" altLang="ko-KR" sz="1600" b="1" dirty="0" smtClean="0">
               <a:solidFill>
                 <a:srgbClr val="C00000"/>
               </a:solidFill>
@@ -16920,7 +16763,7 @@
               <a:buAutoNum type="arabicPeriod"/>
             </a:pPr>
             <a:r>
-              <a:rPr lang="ko-KR" altLang="en-US" dirty="0" smtClean="0">
+              <a:rPr lang="ko-KR" altLang="en-US" sz="1600" dirty="0" smtClean="0">
                 <a:solidFill>
                   <a:schemeClr val="tx1">
                     <a:lumMod val="85000"/>
@@ -16931,7 +16774,7 @@
               <a:t>꾸준히 운동 하려면</a:t>
             </a:r>
             <a:r>
-              <a:rPr lang="en-US" altLang="ko-KR" dirty="0" smtClean="0">
+              <a:rPr lang="en-US" altLang="ko-KR" sz="1600" dirty="0" smtClean="0">
                 <a:solidFill>
                   <a:schemeClr val="tx1">
                     <a:lumMod val="85000"/>
@@ -16942,7 +16785,7 @@
               <a:t>? </a:t>
             </a:r>
             <a:r>
-              <a:rPr lang="ko-KR" altLang="en-US" b="1" dirty="0" smtClean="0">
+              <a:rPr lang="ko-KR" altLang="en-US" sz="1600" b="1" dirty="0" smtClean="0">
                 <a:solidFill>
                   <a:srgbClr val="C00000"/>
                 </a:solidFill>
@@ -16950,7 +16793,7 @@
               <a:t>운동 기록</a:t>
             </a:r>
             <a:r>
-              <a:rPr lang="en-US" altLang="ko-KR" b="1" dirty="0" smtClean="0">
+              <a:rPr lang="en-US" altLang="ko-KR" sz="1600" b="1" dirty="0" smtClean="0">
                 <a:solidFill>
                   <a:srgbClr val="C00000"/>
                 </a:solidFill>
@@ -16958,7 +16801,7 @@
               <a:t>, </a:t>
             </a:r>
             <a:r>
-              <a:rPr lang="ko-KR" altLang="en-US" b="1" dirty="0" err="1" smtClean="0">
+              <a:rPr lang="ko-KR" altLang="en-US" sz="1600" b="1" dirty="0" err="1" smtClean="0">
                 <a:solidFill>
                   <a:srgbClr val="C00000"/>
                 </a:solidFill>
@@ -16966,14 +16809,14 @@
               <a:t>챌린지</a:t>
             </a:r>
             <a:r>
-              <a:rPr lang="ko-KR" altLang="en-US" b="1" dirty="0" smtClean="0">
+              <a:rPr lang="ko-KR" altLang="en-US" sz="1600" b="1" dirty="0" smtClean="0">
                 <a:solidFill>
                   <a:srgbClr val="C00000"/>
                 </a:solidFill>
               </a:rPr>
               <a:t> 참여</a:t>
             </a:r>
-            <a:endParaRPr lang="en-US" altLang="ko-KR" b="1" dirty="0" smtClean="0">
+            <a:endParaRPr lang="en-US" altLang="ko-KR" sz="1600" b="1" dirty="0" smtClean="0">
               <a:solidFill>
                 <a:srgbClr val="C00000"/>
               </a:solidFill>
@@ -16985,7 +16828,7 @@
               <a:buAutoNum type="arabicPeriod"/>
             </a:pPr>
             <a:r>
-              <a:rPr lang="ko-KR" altLang="en-US" dirty="0" smtClean="0">
+              <a:rPr lang="ko-KR" altLang="en-US" sz="1600" dirty="0" smtClean="0">
                 <a:solidFill>
                   <a:schemeClr val="tx1">
                     <a:lumMod val="85000"/>
@@ -16996,7 +16839,7 @@
               <a:t>부상당하지 않으려면</a:t>
             </a:r>
             <a:r>
-              <a:rPr lang="en-US" altLang="ko-KR" dirty="0" smtClean="0">
+              <a:rPr lang="en-US" altLang="ko-KR" sz="1600" dirty="0" smtClean="0">
                 <a:solidFill>
                   <a:schemeClr val="tx1">
                     <a:lumMod val="85000"/>
@@ -17007,201 +16850,17 @@
               <a:t>? </a:t>
             </a:r>
             <a:r>
-              <a:rPr lang="ko-KR" altLang="en-US" b="1" dirty="0" smtClean="0">
+              <a:rPr lang="ko-KR" altLang="en-US" sz="1600" b="1" dirty="0" smtClean="0">
                 <a:solidFill>
                   <a:srgbClr val="C00000"/>
                 </a:solidFill>
               </a:rPr>
               <a:t>맞춤 프로그램</a:t>
             </a:r>
-            <a:endParaRPr lang="en-US" altLang="ko-KR" b="1" dirty="0" smtClean="0">
+            <a:endParaRPr lang="en-US" altLang="ko-KR" sz="1600" b="1" dirty="0" smtClean="0">
               <a:solidFill>
                 <a:srgbClr val="C00000"/>
               </a:solidFill>
-            </a:endParaRPr>
-          </a:p>
-          <a:p>
-            <a:pPr lvl="1"/>
-            <a:endParaRPr lang="en-US" altLang="ko-KR" b="1" dirty="0" smtClean="0">
-              <a:solidFill>
-                <a:srgbClr val="C00000"/>
-              </a:solidFill>
-            </a:endParaRPr>
-          </a:p>
-          <a:p>
-            <a:pPr marL="342900" indent="-342900">
-              <a:buFontTx/>
-              <a:buAutoNum type="arabicPeriod"/>
-            </a:pPr>
-            <a:r>
-              <a:rPr lang="ko-KR" altLang="en-US" b="1" dirty="0" smtClean="0">
-                <a:solidFill>
-                  <a:srgbClr val="C00000"/>
-                </a:solidFill>
-              </a:rPr>
-              <a:t>프로젝트</a:t>
-            </a:r>
-            <a:endParaRPr lang="en-US" altLang="ko-KR" b="1" dirty="0" smtClean="0">
-              <a:solidFill>
-                <a:srgbClr val="C00000"/>
-              </a:solidFill>
-            </a:endParaRPr>
-          </a:p>
-          <a:p>
-            <a:pPr marL="342900" indent="-342900">
-              <a:buFontTx/>
-              <a:buAutoNum type="arabicPeriod"/>
-            </a:pPr>
-            <a:endParaRPr lang="en-US" altLang="ko-KR" b="1" dirty="0">
-              <a:solidFill>
-                <a:srgbClr val="C00000"/>
-              </a:solidFill>
-            </a:endParaRPr>
-          </a:p>
-          <a:p>
-            <a:pPr marL="800100" lvl="1" indent="-342900">
-              <a:buFontTx/>
-              <a:buAutoNum type="arabicPeriod"/>
-            </a:pPr>
-            <a:endParaRPr lang="en-US" altLang="ko-KR" dirty="0" smtClean="0">
-              <a:solidFill>
-                <a:schemeClr val="tx1">
-                  <a:lumMod val="85000"/>
-                  <a:lumOff val="15000"/>
-                </a:schemeClr>
-              </a:solidFill>
-            </a:endParaRPr>
-          </a:p>
-          <a:p>
-            <a:pPr marL="800100" lvl="1" indent="-342900">
-              <a:buFontTx/>
-              <a:buAutoNum type="arabicPeriod"/>
-            </a:pPr>
-            <a:endParaRPr lang="en-US" altLang="ko-KR" dirty="0" smtClean="0">
-              <a:solidFill>
-                <a:schemeClr val="tx1">
-                  <a:lumMod val="85000"/>
-                  <a:lumOff val="15000"/>
-                </a:schemeClr>
-              </a:solidFill>
-            </a:endParaRPr>
-          </a:p>
-          <a:p>
-            <a:pPr marL="800100" lvl="1" indent="-342900">
-              <a:buFontTx/>
-              <a:buAutoNum type="arabicPeriod"/>
-            </a:pPr>
-            <a:r>
-              <a:rPr lang="ko-KR" altLang="en-US" dirty="0" smtClean="0">
-                <a:solidFill>
-                  <a:schemeClr val="tx1">
-                    <a:lumMod val="85000"/>
-                    <a:lumOff val="15000"/>
-                  </a:schemeClr>
-                </a:solidFill>
-              </a:rPr>
-              <a:t>운동을 뜻하는 </a:t>
-            </a:r>
-            <a:r>
-              <a:rPr lang="en-US" altLang="ko-KR" dirty="0" smtClean="0">
-                <a:solidFill>
-                  <a:schemeClr val="tx1">
-                    <a:lumMod val="85000"/>
-                    <a:lumOff val="15000"/>
-                  </a:schemeClr>
-                </a:solidFill>
-              </a:rPr>
-              <a:t>Gym </a:t>
-            </a:r>
-            <a:r>
-              <a:rPr lang="ko-KR" altLang="en-US" dirty="0" smtClean="0">
-                <a:solidFill>
-                  <a:schemeClr val="tx1">
-                    <a:lumMod val="85000"/>
-                    <a:lumOff val="15000"/>
-                  </a:schemeClr>
-                </a:solidFill>
-              </a:rPr>
-              <a:t>과 공동체를 뜻하는 </a:t>
-            </a:r>
-            <a:r>
-              <a:rPr lang="en-US" altLang="ko-KR" dirty="0" smtClean="0">
-                <a:solidFill>
-                  <a:schemeClr val="tx1">
-                    <a:lumMod val="85000"/>
-                    <a:lumOff val="15000"/>
-                  </a:schemeClr>
-                </a:solidFill>
-              </a:rPr>
-              <a:t>Community </a:t>
-            </a:r>
-            <a:r>
-              <a:rPr lang="ko-KR" altLang="en-US" dirty="0" smtClean="0">
-                <a:solidFill>
-                  <a:schemeClr val="tx1">
-                    <a:lumMod val="85000"/>
-                    <a:lumOff val="15000"/>
-                  </a:schemeClr>
-                </a:solidFill>
-              </a:rPr>
-              <a:t>의 합성어</a:t>
-            </a:r>
-            <a:endParaRPr lang="en-US" altLang="ko-KR" dirty="0" smtClean="0">
-              <a:solidFill>
-                <a:schemeClr val="tx1">
-                  <a:lumMod val="85000"/>
-                  <a:lumOff val="15000"/>
-                </a:schemeClr>
-              </a:solidFill>
-            </a:endParaRPr>
-          </a:p>
-          <a:p>
-            <a:pPr marL="800100" lvl="1" indent="-342900">
-              <a:buFontTx/>
-              <a:buAutoNum type="arabicPeriod"/>
-            </a:pPr>
-            <a:r>
-              <a:rPr lang="ko-KR" altLang="en-US" dirty="0" smtClean="0">
-                <a:solidFill>
-                  <a:schemeClr val="tx1">
-                    <a:lumMod val="85000"/>
-                    <a:lumOff val="15000"/>
-                  </a:schemeClr>
-                </a:solidFill>
-              </a:rPr>
-              <a:t>홈 트레이닝을 배우고</a:t>
-            </a:r>
-            <a:r>
-              <a:rPr lang="en-US" altLang="ko-KR" dirty="0" smtClean="0">
-                <a:solidFill>
-                  <a:schemeClr val="tx1">
-                    <a:lumMod val="85000"/>
-                    <a:lumOff val="15000"/>
-                  </a:schemeClr>
-                </a:solidFill>
-              </a:rPr>
-              <a:t>, </a:t>
-            </a:r>
-            <a:r>
-              <a:rPr lang="ko-KR" altLang="en-US" dirty="0" smtClean="0">
-                <a:solidFill>
-                  <a:schemeClr val="tx1">
-                    <a:lumMod val="85000"/>
-                    <a:lumOff val="15000"/>
-                  </a:schemeClr>
-                </a:solidFill>
-              </a:rPr>
-              <a:t>다른 사람들과 함께 지속적인 동기 부여를 장려하는 웹 서비스</a:t>
-            </a:r>
-            <a:endParaRPr lang="ko-KR" altLang="en-US" dirty="0" smtClean="0">
-              <a:solidFill>
-                <a:schemeClr val="tx1">
-                  <a:lumMod val="85000"/>
-                  <a:lumOff val="15000"/>
-                </a:schemeClr>
-              </a:solidFill>
-              <a:latin typeface="나눔고딕" panose="020D0604000000000000" pitchFamily="50" charset="-127"/>
-              <a:ea typeface="나눔고딕" panose="020D0604000000000000" pitchFamily="50" charset="-127"/>
             </a:endParaRPr>
           </a:p>
         </p:txBody>
@@ -17327,7 +16986,7 @@
         </p:blipFill>
         <p:spPr>
           <a:xfrm>
-            <a:off x="1384300" y="1917700"/>
+            <a:off x="2481580" y="-1689872"/>
             <a:ext cx="6858000" cy="6858000"/>
           </a:xfrm>
           <a:prstGeom prst="rect">
@@ -17335,6 +16994,151 @@
           </a:prstGeom>
         </p:spPr>
       </p:pic>
+      <p:sp>
+        <p:nvSpPr>
+          <p:cNvPr id="3" name="직사각형 2"/>
+          <p:cNvSpPr/>
+          <p:nvPr/>
+        </p:nvSpPr>
+        <p:spPr>
+          <a:xfrm>
+            <a:off x="1199242" y="2456225"/>
+            <a:ext cx="9422675" cy="523220"/>
+          </a:xfrm>
+          <a:prstGeom prst="rect">
+            <a:avLst/>
+          </a:prstGeom>
+        </p:spPr>
+        <p:txBody>
+          <a:bodyPr wrap="square">
+            <a:spAutoFit/>
+          </a:bodyPr>
+          <a:lstStyle/>
+          <a:p>
+            <a:pPr lvl="1" algn="ctr"/>
+            <a:r>
+              <a:rPr lang="ko-KR" altLang="en-US" sz="1400" dirty="0" smtClean="0">
+                <a:solidFill>
+                  <a:schemeClr val="tx1">
+                    <a:lumMod val="85000"/>
+                    <a:lumOff val="15000"/>
+                  </a:schemeClr>
+                </a:solidFill>
+              </a:rPr>
+              <a:t>운동을 </a:t>
+            </a:r>
+            <a:r>
+              <a:rPr lang="ko-KR" altLang="en-US" sz="1400" dirty="0">
+                <a:solidFill>
+                  <a:schemeClr val="tx1">
+                    <a:lumMod val="85000"/>
+                    <a:lumOff val="15000"/>
+                  </a:schemeClr>
+                </a:solidFill>
+              </a:rPr>
+              <a:t>뜻하는 </a:t>
+            </a:r>
+            <a:r>
+              <a:rPr lang="en-US" altLang="ko-KR" sz="1400" dirty="0">
+                <a:solidFill>
+                  <a:schemeClr val="tx1">
+                    <a:lumMod val="85000"/>
+                    <a:lumOff val="15000"/>
+                  </a:schemeClr>
+                </a:solidFill>
+              </a:rPr>
+              <a:t>Gym </a:t>
+            </a:r>
+            <a:r>
+              <a:rPr lang="ko-KR" altLang="en-US" sz="1400" dirty="0">
+                <a:solidFill>
+                  <a:schemeClr val="tx1">
+                    <a:lumMod val="85000"/>
+                    <a:lumOff val="15000"/>
+                  </a:schemeClr>
+                </a:solidFill>
+              </a:rPr>
+              <a:t>과 공동체를 뜻하는 </a:t>
+            </a:r>
+            <a:r>
+              <a:rPr lang="en-US" altLang="ko-KR" sz="1400" dirty="0">
+                <a:solidFill>
+                  <a:schemeClr val="tx1">
+                    <a:lumMod val="85000"/>
+                    <a:lumOff val="15000"/>
+                  </a:schemeClr>
+                </a:solidFill>
+              </a:rPr>
+              <a:t>Community </a:t>
+            </a:r>
+            <a:r>
+              <a:rPr lang="ko-KR" altLang="en-US" sz="1400" dirty="0">
+                <a:solidFill>
+                  <a:schemeClr val="tx1">
+                    <a:lumMod val="85000"/>
+                    <a:lumOff val="15000"/>
+                  </a:schemeClr>
+                </a:solidFill>
+              </a:rPr>
+              <a:t>의 합성어</a:t>
+            </a:r>
+            <a:endParaRPr lang="en-US" altLang="ko-KR" sz="1400" dirty="0">
+              <a:solidFill>
+                <a:schemeClr val="tx1">
+                  <a:lumMod val="85000"/>
+                  <a:lumOff val="15000"/>
+                </a:schemeClr>
+              </a:solidFill>
+            </a:endParaRPr>
+          </a:p>
+          <a:p>
+            <a:pPr lvl="1" algn="ctr"/>
+            <a:r>
+              <a:rPr lang="ko-KR" altLang="en-US" sz="1400" dirty="0">
+                <a:solidFill>
+                  <a:schemeClr val="tx1">
+                    <a:lumMod val="85000"/>
+                    <a:lumOff val="15000"/>
+                  </a:schemeClr>
+                </a:solidFill>
+              </a:rPr>
+              <a:t>홈 트레이닝을 배우고</a:t>
+            </a:r>
+            <a:r>
+              <a:rPr lang="en-US" altLang="ko-KR" sz="1400" dirty="0">
+                <a:solidFill>
+                  <a:schemeClr val="tx1">
+                    <a:lumMod val="85000"/>
+                    <a:lumOff val="15000"/>
+                  </a:schemeClr>
+                </a:solidFill>
+              </a:rPr>
+              <a:t>, </a:t>
+            </a:r>
+            <a:r>
+              <a:rPr lang="ko-KR" altLang="en-US" sz="1400" dirty="0">
+                <a:solidFill>
+                  <a:schemeClr val="tx1">
+                    <a:lumMod val="85000"/>
+                    <a:lumOff val="15000"/>
+                  </a:schemeClr>
+                </a:solidFill>
+              </a:rPr>
+              <a:t>다른 사람들과 함께 지속적인 동기 부여를 장려하는 웹 서비스</a:t>
+            </a:r>
+            <a:endParaRPr lang="ko-KR" altLang="en-US" sz="1400" dirty="0">
+              <a:solidFill>
+                <a:schemeClr val="tx1">
+                  <a:lumMod val="85000"/>
+                  <a:lumOff val="15000"/>
+                </a:schemeClr>
+              </a:solidFill>
+              <a:latin typeface="나눔고딕" panose="020D0604000000000000" pitchFamily="50" charset="-127"/>
+              <a:ea typeface="나눔고딕" panose="020D0604000000000000" pitchFamily="50" charset="-127"/>
+            </a:endParaRPr>
+          </a:p>
+        </p:txBody>
+      </p:sp>
     </p:spTree>
     <p:extLst>
       <p:ext uri="{BB962C8B-B14F-4D97-AF65-F5344CB8AC3E}">
@@ -18220,7 +18024,7 @@
         </p:nvSpPr>
         <p:spPr>
           <a:xfrm>
-            <a:off x="2465514" y="2136752"/>
+            <a:off x="215800" y="2136752"/>
             <a:ext cx="2568539" cy="1500027"/>
           </a:xfrm>
           <a:prstGeom prst="rightArrow">
@@ -18353,9 +18157,9 @@
                 <a:latin typeface="나눔고딕 ExtraBold" panose="020D0904000000000000" pitchFamily="50" charset="-127"/>
                 <a:ea typeface="나눔고딕 ExtraBold" panose="020D0904000000000000" pitchFamily="50" charset="-127"/>
               </a:rPr>
-              <a:t>프로젝트 범위 및 일정</a:t>
-            </a:r>
-            <a:endParaRPr lang="ko-KR" altLang="en-US" sz="2400" b="1" dirty="0">
+              <a:t>프로젝트 일정</a:t>
+            </a:r>
+            <a:endParaRPr lang="en-US" altLang="ko-KR" sz="2400" b="1" dirty="0" smtClean="0">
               <a:latin typeface="나눔고딕 ExtraBold" panose="020D0904000000000000" pitchFamily="50" charset="-127"/>
               <a:ea typeface="나눔고딕 ExtraBold" panose="020D0904000000000000" pitchFamily="50" charset="-127"/>
             </a:endParaRPr>
@@ -18394,66 +18198,63 @@
       </p:pic>
       <p:graphicFrame>
         <p:nvGraphicFramePr>
-          <p:cNvPr id="7" name="표 6"/>
+          <p:cNvPr id="2" name="표 1"/>
           <p:cNvGraphicFramePr>
             <a:graphicFrameLocks noGrp="1"/>
           </p:cNvGraphicFramePr>
           <p:nvPr>
             <p:extLst>
               <p:ext uri="{D42A27DB-BD31-4B8C-83A1-F6EECF244321}">
-                <p14:modId xmlns:p14="http://schemas.microsoft.com/office/powerpoint/2010/main" val="745379906"/>
+                <p14:modId xmlns:p14="http://schemas.microsoft.com/office/powerpoint/2010/main" val="4144958387"/>
               </p:ext>
             </p:extLst>
           </p:nvPr>
         </p:nvGraphicFramePr>
         <p:xfrm>
-          <a:off x="261258" y="3988528"/>
-          <a:ext cx="11686900" cy="2647404"/>
+          <a:off x="391886" y="909439"/>
+          <a:ext cx="11495313" cy="5784283"/>
         </p:xfrm>
         <a:graphic>
           <a:graphicData uri="http://schemas.openxmlformats.org/drawingml/2006/table">
             <a:tbl>
-              <a:tblPr firstRow="1" bandRow="1">
+              <a:tblPr>
                 <a:tableStyleId>{5C22544A-7EE6-4342-B048-85BDC9FD1C3A}</a:tableStyleId>
               </a:tblPr>
               <a:tblGrid>
-                <a:gridCol w="2337380"/>
-                <a:gridCol w="2337380"/>
-                <a:gridCol w="2337380"/>
-                <a:gridCol w="2337380"/>
-                <a:gridCol w="2337380"/>
+                <a:gridCol w="910520"/>
+                <a:gridCol w="910520"/>
+                <a:gridCol w="1669286"/>
+                <a:gridCol w="2668329"/>
+                <a:gridCol w="2668329"/>
+                <a:gridCol w="2668329"/>
               </a:tblGrid>
-              <a:tr h="441234">
+              <a:tr h="257938">
                 <a:tc>
                   <a:txBody>
                     <a:bodyPr/>
                     <a:lstStyle/>
                     <a:p>
-                      <a:pPr marL="0" marR="0" indent="0" algn="ctr" defTabSz="914400" rtl="0" eaLnBrk="1" fontAlgn="auto" latinLnBrk="1" hangingPunct="1">
-                        <a:lnSpc>
-                          <a:spcPct val="100000"/>
-                        </a:lnSpc>
-                        <a:spcBef>
-                          <a:spcPts val="0"/>
-                        </a:spcBef>
-                        <a:spcAft>
-                          <a:spcPts val="0"/>
-                        </a:spcAft>
-                        <a:buClrTx/>
-                        <a:buSzTx/>
-                        <a:buFontTx/>
-                        <a:buNone/>
-                        <a:tabLst/>
-                        <a:defRPr/>
-                      </a:pPr>
-                      <a:r>
-                        <a:rPr lang="ko-KR" altLang="en-US" dirty="0" smtClean="0"/>
-                        <a:t>월</a:t>
-                      </a:r>
-                      <a:endParaRPr lang="ko-KR" altLang="en-US" dirty="0"/>
+                      <a:pPr algn="ctr" fontAlgn="b"/>
+                      <a:r>
+                        <a:rPr lang="ko-KR" altLang="en-US" sz="1600" b="1" u="none" strike="noStrike" dirty="0">
+                          <a:solidFill>
+                            <a:schemeClr val="bg1"/>
+                          </a:solidFill>
+                          <a:effectLst/>
+                        </a:rPr>
+                        <a:t>　</a:t>
+                      </a:r>
+                      <a:endParaRPr lang="ko-KR" altLang="en-US" sz="1600" b="1" i="0" u="none" strike="noStrike" dirty="0">
+                        <a:solidFill>
+                          <a:schemeClr val="bg1"/>
+                        </a:solidFill>
+                        <a:effectLst/>
+                        <a:latin typeface="맑은 고딕" panose="020B0503020000020004" pitchFamily="50" charset="-127"/>
+                        <a:ea typeface="맑은 고딕" panose="020B0503020000020004" pitchFamily="50" charset="-127"/>
+                      </a:endParaRPr>
                     </a:p>
                   </a:txBody>
-                  <a:tcPr anchor="ctr">
+                  <a:tcPr marL="6757" marR="6757" marT="6757" marB="0" anchor="ctr">
                     <a:solidFill>
                       <a:srgbClr val="31375D"/>
                     </a:solidFill>
@@ -18464,15 +18265,27 @@
                     <a:bodyPr/>
                     <a:lstStyle/>
                     <a:p>
-                      <a:pPr algn="ctr" latinLnBrk="1"/>
-                      <a:r>
-                        <a:rPr lang="ko-KR" altLang="en-US" dirty="0" smtClean="0"/>
-                        <a:t>화</a:t>
-                      </a:r>
-                      <a:endParaRPr lang="ko-KR" altLang="en-US" dirty="0"/>
+                      <a:pPr algn="ctr" fontAlgn="b"/>
+                      <a:r>
+                        <a:rPr lang="ko-KR" altLang="en-US" sz="1600" b="1" u="none" strike="noStrike" dirty="0">
+                          <a:solidFill>
+                            <a:schemeClr val="bg1"/>
+                          </a:solidFill>
+                          <a:effectLst/>
+                        </a:rPr>
+                        <a:t>　</a:t>
+                      </a:r>
+                      <a:endParaRPr lang="ko-KR" altLang="en-US" sz="1600" b="1" i="0" u="none" strike="noStrike" dirty="0">
+                        <a:solidFill>
+                          <a:schemeClr val="bg1"/>
+                        </a:solidFill>
+                        <a:effectLst/>
+                        <a:latin typeface="맑은 고딕" panose="020B0503020000020004" pitchFamily="50" charset="-127"/>
+                        <a:ea typeface="맑은 고딕" panose="020B0503020000020004" pitchFamily="50" charset="-127"/>
+                      </a:endParaRPr>
                     </a:p>
                   </a:txBody>
-                  <a:tcPr anchor="ctr">
+                  <a:tcPr marL="6757" marR="6757" marT="6757" marB="0" anchor="ctr">
                     <a:solidFill>
                       <a:srgbClr val="31375D"/>
                     </a:solidFill>
@@ -18483,15 +18296,27 @@
                     <a:bodyPr/>
                     <a:lstStyle/>
                     <a:p>
-                      <a:pPr algn="ctr" latinLnBrk="1"/>
-                      <a:r>
-                        <a:rPr lang="ko-KR" altLang="en-US" dirty="0" smtClean="0"/>
-                        <a:t>수</a:t>
-                      </a:r>
-                      <a:endParaRPr lang="ko-KR" altLang="en-US" dirty="0"/>
+                      <a:pPr algn="ctr" fontAlgn="b"/>
+                      <a:r>
+                        <a:rPr lang="ko-KR" altLang="en-US" sz="1600" b="1" u="none" strike="noStrike" dirty="0">
+                          <a:solidFill>
+                            <a:schemeClr val="bg1"/>
+                          </a:solidFill>
+                          <a:effectLst/>
+                        </a:rPr>
+                        <a:t>주제</a:t>
+                      </a:r>
+                      <a:endParaRPr lang="ko-KR" altLang="en-US" sz="1600" b="1" i="0" u="none" strike="noStrike" dirty="0">
+                        <a:solidFill>
+                          <a:schemeClr val="bg1"/>
+                        </a:solidFill>
+                        <a:effectLst/>
+                        <a:latin typeface="맑은 고딕" panose="020B0503020000020004" pitchFamily="50" charset="-127"/>
+                        <a:ea typeface="맑은 고딕" panose="020B0503020000020004" pitchFamily="50" charset="-127"/>
+                      </a:endParaRPr>
                     </a:p>
                   </a:txBody>
-                  <a:tcPr anchor="ctr">
+                  <a:tcPr marL="6757" marR="6757" marT="6757" marB="0" anchor="ctr">
                     <a:solidFill>
                       <a:srgbClr val="31375D"/>
                     </a:solidFill>
@@ -18502,15 +18327,27 @@
                     <a:bodyPr/>
                     <a:lstStyle/>
                     <a:p>
-                      <a:pPr algn="ctr" latinLnBrk="1"/>
-                      <a:r>
-                        <a:rPr lang="ko-KR" altLang="en-US" dirty="0" smtClean="0"/>
-                        <a:t>목</a:t>
-                      </a:r>
-                      <a:endParaRPr lang="ko-KR" altLang="en-US" dirty="0"/>
+                      <a:pPr algn="ctr" fontAlgn="b"/>
+                      <a:r>
+                        <a:rPr lang="ko-KR" altLang="en-US" sz="1600" b="1" u="none" strike="noStrike" dirty="0">
+                          <a:solidFill>
+                            <a:schemeClr val="bg1"/>
+                          </a:solidFill>
+                          <a:effectLst/>
+                        </a:rPr>
+                        <a:t>홍보람</a:t>
+                      </a:r>
+                      <a:endParaRPr lang="ko-KR" altLang="en-US" sz="1600" b="1" i="0" u="none" strike="noStrike" dirty="0">
+                        <a:solidFill>
+                          <a:schemeClr val="bg1"/>
+                        </a:solidFill>
+                        <a:effectLst/>
+                        <a:latin typeface="맑은 고딕" panose="020B0503020000020004" pitchFamily="50" charset="-127"/>
+                        <a:ea typeface="맑은 고딕" panose="020B0503020000020004" pitchFamily="50" charset="-127"/>
+                      </a:endParaRPr>
                     </a:p>
                   </a:txBody>
-                  <a:tcPr anchor="ctr">
+                  <a:tcPr marL="6757" marR="6757" marT="6757" marB="0" anchor="ctr">
                     <a:solidFill>
                       <a:srgbClr val="31375D"/>
                     </a:solidFill>
@@ -18521,32 +18358,1119 @@
                     <a:bodyPr/>
                     <a:lstStyle/>
                     <a:p>
-                      <a:pPr algn="ctr" latinLnBrk="1"/>
-                      <a:r>
-                        <a:rPr lang="ko-KR" altLang="en-US" dirty="0" smtClean="0"/>
-                        <a:t>금</a:t>
-                      </a:r>
-                      <a:endParaRPr lang="ko-KR" altLang="en-US" dirty="0"/>
+                      <a:pPr algn="ctr" fontAlgn="b"/>
+                      <a:r>
+                        <a:rPr lang="ko-KR" altLang="en-US" sz="1600" b="1" u="none" strike="noStrike" dirty="0">
+                          <a:solidFill>
+                            <a:schemeClr val="bg1"/>
+                          </a:solidFill>
+                          <a:effectLst/>
+                        </a:rPr>
+                        <a:t>김민호</a:t>
+                      </a:r>
+                      <a:r>
+                        <a:rPr lang="en-US" altLang="ko-KR" sz="1600" b="1" u="none" strike="noStrike" dirty="0">
+                          <a:solidFill>
+                            <a:schemeClr val="bg1"/>
+                          </a:solidFill>
+                          <a:effectLst/>
+                        </a:rPr>
+                        <a:t>, </a:t>
+                      </a:r>
+                      <a:r>
+                        <a:rPr lang="ko-KR" altLang="en-US" sz="1600" b="1" u="none" strike="noStrike" dirty="0">
+                          <a:solidFill>
+                            <a:schemeClr val="bg1"/>
+                          </a:solidFill>
+                          <a:effectLst/>
+                        </a:rPr>
+                        <a:t>조윤수</a:t>
+                      </a:r>
+                      <a:endParaRPr lang="ko-KR" altLang="en-US" sz="1600" b="1" i="0" u="none" strike="noStrike" dirty="0">
+                        <a:solidFill>
+                          <a:schemeClr val="bg1"/>
+                        </a:solidFill>
+                        <a:effectLst/>
+                        <a:latin typeface="맑은 고딕" panose="020B0503020000020004" pitchFamily="50" charset="-127"/>
+                        <a:ea typeface="맑은 고딕" panose="020B0503020000020004" pitchFamily="50" charset="-127"/>
+                      </a:endParaRPr>
                     </a:p>
                   </a:txBody>
-                  <a:tcPr anchor="ctr">
+                  <a:tcPr marL="6757" marR="6757" marT="6757" marB="0" anchor="ctr">
+                    <a:solidFill>
+                      <a:srgbClr val="31375D"/>
+                    </a:solidFill>
+                  </a:tcPr>
+                </a:tc>
+                <a:tc>
+                  <a:txBody>
+                    <a:bodyPr/>
+                    <a:lstStyle/>
+                    <a:p>
+                      <a:pPr algn="ctr" fontAlgn="b"/>
+                      <a:r>
+                        <a:rPr lang="ko-KR" altLang="en-US" sz="1600" b="1" u="none" strike="noStrike" dirty="0">
+                          <a:solidFill>
+                            <a:schemeClr val="bg1"/>
+                          </a:solidFill>
+                          <a:effectLst/>
+                        </a:rPr>
+                        <a:t>김진화</a:t>
+                      </a:r>
+                      <a:r>
+                        <a:rPr lang="en-US" altLang="ko-KR" sz="1600" b="1" u="none" strike="noStrike" dirty="0">
+                          <a:solidFill>
+                            <a:schemeClr val="bg1"/>
+                          </a:solidFill>
+                          <a:effectLst/>
+                        </a:rPr>
+                        <a:t>, </a:t>
+                      </a:r>
+                      <a:r>
+                        <a:rPr lang="ko-KR" altLang="en-US" sz="1600" b="1" u="none" strike="noStrike" dirty="0">
+                          <a:solidFill>
+                            <a:schemeClr val="bg1"/>
+                          </a:solidFill>
+                          <a:effectLst/>
+                        </a:rPr>
+                        <a:t>임채현</a:t>
+                      </a:r>
+                      <a:endParaRPr lang="ko-KR" altLang="en-US" sz="1600" b="1" i="0" u="none" strike="noStrike" dirty="0">
+                        <a:solidFill>
+                          <a:schemeClr val="bg1"/>
+                        </a:solidFill>
+                        <a:effectLst/>
+                        <a:latin typeface="맑은 고딕" panose="020B0503020000020004" pitchFamily="50" charset="-127"/>
+                        <a:ea typeface="맑은 고딕" panose="020B0503020000020004" pitchFamily="50" charset="-127"/>
+                      </a:endParaRPr>
+                    </a:p>
+                  </a:txBody>
+                  <a:tcPr marL="6757" marR="6757" marT="6757" marB="0" anchor="ctr">
                     <a:solidFill>
                       <a:srgbClr val="31375D"/>
                     </a:solidFill>
                   </a:tcPr>
                 </a:tc>
               </a:tr>
-              <a:tr h="441234">
+              <a:tr h="266544">
                 <a:tc>
                   <a:txBody>
                     <a:bodyPr/>
                     <a:lstStyle/>
                     <a:p>
-                      <a:pPr latinLnBrk="1"/>
-                      <a:endParaRPr lang="ko-KR" altLang="en-US" sz="1400" b="0" dirty="0"/>
+                      <a:pPr algn="ctr" fontAlgn="b"/>
+                      <a:r>
+                        <a:rPr lang="en-US" altLang="ko-KR" sz="1100" u="none" strike="noStrike" dirty="0">
+                          <a:solidFill>
+                            <a:schemeClr val="tx1">
+                              <a:lumMod val="85000"/>
+                              <a:lumOff val="15000"/>
+                            </a:schemeClr>
+                          </a:solidFill>
+                          <a:effectLst/>
+                        </a:rPr>
+                        <a:t>4</a:t>
+                      </a:r>
+                      <a:r>
+                        <a:rPr lang="ko-KR" altLang="en-US" sz="1100" u="none" strike="noStrike" dirty="0">
+                          <a:solidFill>
+                            <a:schemeClr val="tx1">
+                              <a:lumMod val="85000"/>
+                              <a:lumOff val="15000"/>
+                            </a:schemeClr>
+                          </a:solidFill>
+                          <a:effectLst/>
+                        </a:rPr>
+                        <a:t>월 </a:t>
+                      </a:r>
+                      <a:r>
+                        <a:rPr lang="en-US" altLang="ko-KR" sz="1100" u="none" strike="noStrike" dirty="0">
+                          <a:solidFill>
+                            <a:schemeClr val="tx1">
+                              <a:lumMod val="85000"/>
+                              <a:lumOff val="15000"/>
+                            </a:schemeClr>
+                          </a:solidFill>
+                          <a:effectLst/>
+                        </a:rPr>
+                        <a:t>3</a:t>
+                      </a:r>
+                      <a:r>
+                        <a:rPr lang="ko-KR" altLang="en-US" sz="1100" u="none" strike="noStrike" dirty="0">
+                          <a:solidFill>
+                            <a:schemeClr val="tx1">
+                              <a:lumMod val="85000"/>
+                              <a:lumOff val="15000"/>
+                            </a:schemeClr>
+                          </a:solidFill>
+                          <a:effectLst/>
+                        </a:rPr>
+                        <a:t>일</a:t>
+                      </a:r>
+                      <a:endParaRPr lang="ko-KR" altLang="en-US" sz="1100" b="0" i="0" u="none" strike="noStrike" dirty="0">
+                        <a:solidFill>
+                          <a:schemeClr val="tx1">
+                            <a:lumMod val="85000"/>
+                            <a:lumOff val="15000"/>
+                          </a:schemeClr>
+                        </a:solidFill>
+                        <a:effectLst/>
+                        <a:latin typeface="맑은 고딕" panose="020B0503020000020004" pitchFamily="50" charset="-127"/>
+                        <a:ea typeface="맑은 고딕" panose="020B0503020000020004" pitchFamily="50" charset="-127"/>
+                      </a:endParaRPr>
                     </a:p>
                   </a:txBody>
-                  <a:tcPr>
+                  <a:tcPr marL="6757" marR="6757" marT="6757" marB="0" anchor="ctr">
+                    <a:solidFill>
+                      <a:srgbClr val="D7D7D7"/>
+                    </a:solidFill>
+                  </a:tcPr>
+                </a:tc>
+                <a:tc>
+                  <a:txBody>
+                    <a:bodyPr/>
+                    <a:lstStyle/>
+                    <a:p>
+                      <a:pPr algn="ctr" fontAlgn="b"/>
+                      <a:r>
+                        <a:rPr lang="ko-KR" altLang="en-US" sz="1100" u="none" strike="noStrike">
+                          <a:solidFill>
+                            <a:schemeClr val="tx1">
+                              <a:lumMod val="85000"/>
+                              <a:lumOff val="15000"/>
+                            </a:schemeClr>
+                          </a:solidFill>
+                          <a:effectLst/>
+                        </a:rPr>
+                        <a:t>수요일</a:t>
+                      </a:r>
+                      <a:endParaRPr lang="ko-KR" altLang="en-US" sz="1100" b="0" i="0" u="none" strike="noStrike">
+                        <a:solidFill>
+                          <a:schemeClr val="tx1">
+                            <a:lumMod val="85000"/>
+                            <a:lumOff val="15000"/>
+                          </a:schemeClr>
+                        </a:solidFill>
+                        <a:effectLst/>
+                        <a:latin typeface="맑은 고딕" panose="020B0503020000020004" pitchFamily="50" charset="-127"/>
+                        <a:ea typeface="맑은 고딕" panose="020B0503020000020004" pitchFamily="50" charset="-127"/>
+                      </a:endParaRPr>
+                    </a:p>
+                  </a:txBody>
+                  <a:tcPr marL="6757" marR="6757" marT="6757" marB="0" anchor="ctr">
+                    <a:solidFill>
+                      <a:srgbClr val="D7D7D7"/>
+                    </a:solidFill>
+                  </a:tcPr>
+                </a:tc>
+                <a:tc>
+                  <a:txBody>
+                    <a:bodyPr/>
+                    <a:lstStyle/>
+                    <a:p>
+                      <a:pPr algn="ctr" fontAlgn="b"/>
+                      <a:r>
+                        <a:rPr lang="ko-KR" altLang="en-US" sz="1100" u="none" strike="noStrike" dirty="0">
+                          <a:solidFill>
+                            <a:schemeClr val="tx1">
+                              <a:lumMod val="85000"/>
+                              <a:lumOff val="15000"/>
+                            </a:schemeClr>
+                          </a:solidFill>
+                          <a:effectLst/>
+                        </a:rPr>
+                        <a:t>시작발표</a:t>
+                      </a:r>
+                      <a:endParaRPr lang="ko-KR" altLang="en-US" sz="1100" b="0" i="0" u="none" strike="noStrike" dirty="0">
+                        <a:solidFill>
+                          <a:schemeClr val="tx1">
+                            <a:lumMod val="85000"/>
+                            <a:lumOff val="15000"/>
+                          </a:schemeClr>
+                        </a:solidFill>
+                        <a:effectLst/>
+                        <a:latin typeface="맑은 고딕" panose="020B0503020000020004" pitchFamily="50" charset="-127"/>
+                        <a:ea typeface="맑은 고딕" panose="020B0503020000020004" pitchFamily="50" charset="-127"/>
+                      </a:endParaRPr>
+                    </a:p>
+                  </a:txBody>
+                  <a:tcPr marL="6757" marR="6757" marT="6757" marB="0" anchor="ctr">
+                    <a:solidFill>
+                      <a:srgbClr val="D7D7D7"/>
+                    </a:solidFill>
+                  </a:tcPr>
+                </a:tc>
+                <a:tc gridSpan="3">
+                  <a:txBody>
+                    <a:bodyPr/>
+                    <a:lstStyle/>
+                    <a:p>
+                      <a:pPr algn="ctr" fontAlgn="b"/>
+                      <a:r>
+                        <a:rPr lang="ko-KR" altLang="en-US" sz="1100" u="none" strike="noStrike">
+                          <a:solidFill>
+                            <a:schemeClr val="tx1">
+                              <a:lumMod val="85000"/>
+                              <a:lumOff val="15000"/>
+                            </a:schemeClr>
+                          </a:solidFill>
+                          <a:effectLst/>
+                        </a:rPr>
+                        <a:t>스토리보드 설계</a:t>
+                      </a:r>
+                      <a:endParaRPr lang="ko-KR" altLang="en-US" sz="1100" b="0" i="0" u="none" strike="noStrike">
+                        <a:solidFill>
+                          <a:schemeClr val="tx1">
+                            <a:lumMod val="85000"/>
+                            <a:lumOff val="15000"/>
+                          </a:schemeClr>
+                        </a:solidFill>
+                        <a:effectLst/>
+                        <a:latin typeface="맑은 고딕" panose="020B0503020000020004" pitchFamily="50" charset="-127"/>
+                        <a:ea typeface="맑은 고딕" panose="020B0503020000020004" pitchFamily="50" charset="-127"/>
+                      </a:endParaRPr>
+                    </a:p>
+                  </a:txBody>
+                  <a:tcPr marL="6757" marR="6757" marT="6757" marB="0" anchor="ctr">
+                    <a:solidFill>
+                      <a:srgbClr val="F8F9FA"/>
+                    </a:solidFill>
+                  </a:tcPr>
+                </a:tc>
+                <a:tc hMerge="1">
+                  <a:txBody>
+                    <a:bodyPr/>
+                    <a:lstStyle/>
+                    <a:p>
+                      <a:pPr latinLnBrk="1"/>
+                      <a:endParaRPr lang="ko-KR" altLang="en-US"/>
+                    </a:p>
+                  </a:txBody>
+                  <a:tcPr/>
+                </a:tc>
+                <a:tc hMerge="1">
+                  <a:txBody>
+                    <a:bodyPr/>
+                    <a:lstStyle/>
+                    <a:p>
+                      <a:pPr latinLnBrk="1"/>
+                      <a:endParaRPr lang="ko-KR" altLang="en-US"/>
+                    </a:p>
+                  </a:txBody>
+                  <a:tcPr/>
+                </a:tc>
+              </a:tr>
+              <a:tr h="266544">
+                <a:tc>
+                  <a:txBody>
+                    <a:bodyPr/>
+                    <a:lstStyle/>
+                    <a:p>
+                      <a:pPr algn="ctr" fontAlgn="b"/>
+                      <a:r>
+                        <a:rPr lang="en-US" altLang="ko-KR" sz="1100" u="none" strike="noStrike">
+                          <a:solidFill>
+                            <a:schemeClr val="tx1">
+                              <a:lumMod val="85000"/>
+                              <a:lumOff val="15000"/>
+                            </a:schemeClr>
+                          </a:solidFill>
+                          <a:effectLst/>
+                        </a:rPr>
+                        <a:t>4</a:t>
+                      </a:r>
+                      <a:r>
+                        <a:rPr lang="ko-KR" altLang="en-US" sz="1100" u="none" strike="noStrike">
+                          <a:solidFill>
+                            <a:schemeClr val="tx1">
+                              <a:lumMod val="85000"/>
+                              <a:lumOff val="15000"/>
+                            </a:schemeClr>
+                          </a:solidFill>
+                          <a:effectLst/>
+                        </a:rPr>
+                        <a:t>월 </a:t>
+                      </a:r>
+                      <a:r>
+                        <a:rPr lang="en-US" altLang="ko-KR" sz="1100" u="none" strike="noStrike">
+                          <a:solidFill>
+                            <a:schemeClr val="tx1">
+                              <a:lumMod val="85000"/>
+                              <a:lumOff val="15000"/>
+                            </a:schemeClr>
+                          </a:solidFill>
+                          <a:effectLst/>
+                        </a:rPr>
+                        <a:t>4</a:t>
+                      </a:r>
+                      <a:r>
+                        <a:rPr lang="ko-KR" altLang="en-US" sz="1100" u="none" strike="noStrike">
+                          <a:solidFill>
+                            <a:schemeClr val="tx1">
+                              <a:lumMod val="85000"/>
+                              <a:lumOff val="15000"/>
+                            </a:schemeClr>
+                          </a:solidFill>
+                          <a:effectLst/>
+                        </a:rPr>
+                        <a:t>일</a:t>
+                      </a:r>
+                      <a:endParaRPr lang="ko-KR" altLang="en-US" sz="1100" b="0" i="0" u="none" strike="noStrike">
+                        <a:solidFill>
+                          <a:schemeClr val="tx1">
+                            <a:lumMod val="85000"/>
+                            <a:lumOff val="15000"/>
+                          </a:schemeClr>
+                        </a:solidFill>
+                        <a:effectLst/>
+                        <a:latin typeface="맑은 고딕" panose="020B0503020000020004" pitchFamily="50" charset="-127"/>
+                        <a:ea typeface="맑은 고딕" panose="020B0503020000020004" pitchFamily="50" charset="-127"/>
+                      </a:endParaRPr>
+                    </a:p>
+                  </a:txBody>
+                  <a:tcPr marL="6757" marR="6757" marT="6757" marB="0" anchor="ctr">
+                    <a:solidFill>
+                      <a:srgbClr val="D7D7D7"/>
+                    </a:solidFill>
+                  </a:tcPr>
+                </a:tc>
+                <a:tc>
+                  <a:txBody>
+                    <a:bodyPr/>
+                    <a:lstStyle/>
+                    <a:p>
+                      <a:pPr algn="ctr" fontAlgn="b"/>
+                      <a:r>
+                        <a:rPr lang="ko-KR" altLang="en-US" sz="1100" u="none" strike="noStrike">
+                          <a:solidFill>
+                            <a:schemeClr val="tx1">
+                              <a:lumMod val="85000"/>
+                              <a:lumOff val="15000"/>
+                            </a:schemeClr>
+                          </a:solidFill>
+                          <a:effectLst/>
+                        </a:rPr>
+                        <a:t>목요일</a:t>
+                      </a:r>
+                      <a:endParaRPr lang="ko-KR" altLang="en-US" sz="1100" b="0" i="0" u="none" strike="noStrike">
+                        <a:solidFill>
+                          <a:schemeClr val="tx1">
+                            <a:lumMod val="85000"/>
+                            <a:lumOff val="15000"/>
+                          </a:schemeClr>
+                        </a:solidFill>
+                        <a:effectLst/>
+                        <a:latin typeface="맑은 고딕" panose="020B0503020000020004" pitchFamily="50" charset="-127"/>
+                        <a:ea typeface="맑은 고딕" panose="020B0503020000020004" pitchFamily="50" charset="-127"/>
+                      </a:endParaRPr>
+                    </a:p>
+                  </a:txBody>
+                  <a:tcPr marL="6757" marR="6757" marT="6757" marB="0" anchor="ctr">
+                    <a:solidFill>
+                      <a:srgbClr val="D7D7D7"/>
+                    </a:solidFill>
+                  </a:tcPr>
+                </a:tc>
+                <a:tc rowSpan="2">
+                  <a:txBody>
+                    <a:bodyPr/>
+                    <a:lstStyle/>
+                    <a:p>
+                      <a:pPr algn="ctr" fontAlgn="b"/>
+                      <a:r>
+                        <a:rPr lang="ko-KR" altLang="en-US" sz="1100" u="none" strike="noStrike" dirty="0" err="1">
+                          <a:solidFill>
+                            <a:schemeClr val="tx1">
+                              <a:lumMod val="85000"/>
+                              <a:lumOff val="15000"/>
+                            </a:schemeClr>
+                          </a:solidFill>
+                          <a:effectLst/>
+                        </a:rPr>
+                        <a:t>멘토링</a:t>
+                      </a:r>
+                      <a:endParaRPr lang="ko-KR" altLang="en-US" sz="1100" b="0" i="0" u="none" strike="noStrike" dirty="0">
+                        <a:solidFill>
+                          <a:schemeClr val="tx1">
+                            <a:lumMod val="85000"/>
+                            <a:lumOff val="15000"/>
+                          </a:schemeClr>
+                        </a:solidFill>
+                        <a:effectLst/>
+                        <a:latin typeface="맑은 고딕" panose="020B0503020000020004" pitchFamily="50" charset="-127"/>
+                        <a:ea typeface="맑은 고딕" panose="020B0503020000020004" pitchFamily="50" charset="-127"/>
+                      </a:endParaRPr>
+                    </a:p>
+                  </a:txBody>
+                  <a:tcPr marL="6757" marR="6757" marT="6757" marB="0" anchor="ctr">
+                    <a:solidFill>
+                      <a:srgbClr val="D7D7D7"/>
+                    </a:solidFill>
+                  </a:tcPr>
+                </a:tc>
+                <a:tc rowSpan="2" gridSpan="3">
+                  <a:txBody>
+                    <a:bodyPr/>
+                    <a:lstStyle/>
+                    <a:p>
+                      <a:pPr algn="ctr" fontAlgn="b"/>
+                      <a:r>
+                        <a:rPr lang="ko-KR" altLang="en-US" sz="1100" u="none" strike="noStrike">
+                          <a:solidFill>
+                            <a:schemeClr val="tx1">
+                              <a:lumMod val="85000"/>
+                              <a:lumOff val="15000"/>
+                            </a:schemeClr>
+                          </a:solidFill>
+                          <a:effectLst/>
+                        </a:rPr>
+                        <a:t>멘토링</a:t>
+                      </a:r>
+                      <a:endParaRPr lang="ko-KR" altLang="en-US" sz="1100" b="0" i="0" u="none" strike="noStrike">
+                        <a:solidFill>
+                          <a:schemeClr val="tx1">
+                            <a:lumMod val="85000"/>
+                            <a:lumOff val="15000"/>
+                          </a:schemeClr>
+                        </a:solidFill>
+                        <a:effectLst/>
+                        <a:latin typeface="맑은 고딕" panose="020B0503020000020004" pitchFamily="50" charset="-127"/>
+                        <a:ea typeface="맑은 고딕" panose="020B0503020000020004" pitchFamily="50" charset="-127"/>
+                      </a:endParaRPr>
+                    </a:p>
+                  </a:txBody>
+                  <a:tcPr marL="6757" marR="6757" marT="6757" marB="0" anchor="ctr">
+                    <a:solidFill>
+                      <a:srgbClr val="F8F9FA"/>
+                    </a:solidFill>
+                  </a:tcPr>
+                </a:tc>
+                <a:tc rowSpan="2" hMerge="1">
+                  <a:txBody>
+                    <a:bodyPr/>
+                    <a:lstStyle/>
+                    <a:p>
+                      <a:pPr latinLnBrk="1"/>
+                      <a:endParaRPr lang="ko-KR" altLang="en-US"/>
+                    </a:p>
+                  </a:txBody>
+                  <a:tcPr/>
+                </a:tc>
+                <a:tc rowSpan="2" hMerge="1">
+                  <a:txBody>
+                    <a:bodyPr/>
+                    <a:lstStyle/>
+                    <a:p>
+                      <a:pPr latinLnBrk="1"/>
+                      <a:endParaRPr lang="ko-KR" altLang="en-US"/>
+                    </a:p>
+                  </a:txBody>
+                  <a:tcPr/>
+                </a:tc>
+              </a:tr>
+              <a:tr h="266544">
+                <a:tc>
+                  <a:txBody>
+                    <a:bodyPr/>
+                    <a:lstStyle/>
+                    <a:p>
+                      <a:pPr algn="ctr" fontAlgn="b"/>
+                      <a:r>
+                        <a:rPr lang="en-US" altLang="ko-KR" sz="1100" u="none" strike="noStrike">
+                          <a:solidFill>
+                            <a:schemeClr val="tx1">
+                              <a:lumMod val="85000"/>
+                              <a:lumOff val="15000"/>
+                            </a:schemeClr>
+                          </a:solidFill>
+                          <a:effectLst/>
+                        </a:rPr>
+                        <a:t>4</a:t>
+                      </a:r>
+                      <a:r>
+                        <a:rPr lang="ko-KR" altLang="en-US" sz="1100" u="none" strike="noStrike">
+                          <a:solidFill>
+                            <a:schemeClr val="tx1">
+                              <a:lumMod val="85000"/>
+                              <a:lumOff val="15000"/>
+                            </a:schemeClr>
+                          </a:solidFill>
+                          <a:effectLst/>
+                        </a:rPr>
+                        <a:t>월 </a:t>
+                      </a:r>
+                      <a:r>
+                        <a:rPr lang="en-US" altLang="ko-KR" sz="1100" u="none" strike="noStrike">
+                          <a:solidFill>
+                            <a:schemeClr val="tx1">
+                              <a:lumMod val="85000"/>
+                              <a:lumOff val="15000"/>
+                            </a:schemeClr>
+                          </a:solidFill>
+                          <a:effectLst/>
+                        </a:rPr>
+                        <a:t>5</a:t>
+                      </a:r>
+                      <a:r>
+                        <a:rPr lang="ko-KR" altLang="en-US" sz="1100" u="none" strike="noStrike">
+                          <a:solidFill>
+                            <a:schemeClr val="tx1">
+                              <a:lumMod val="85000"/>
+                              <a:lumOff val="15000"/>
+                            </a:schemeClr>
+                          </a:solidFill>
+                          <a:effectLst/>
+                        </a:rPr>
+                        <a:t>일</a:t>
+                      </a:r>
+                      <a:endParaRPr lang="ko-KR" altLang="en-US" sz="1100" b="0" i="0" u="none" strike="noStrike">
+                        <a:solidFill>
+                          <a:schemeClr val="tx1">
+                            <a:lumMod val="85000"/>
+                            <a:lumOff val="15000"/>
+                          </a:schemeClr>
+                        </a:solidFill>
+                        <a:effectLst/>
+                        <a:latin typeface="맑은 고딕" panose="020B0503020000020004" pitchFamily="50" charset="-127"/>
+                        <a:ea typeface="맑은 고딕" panose="020B0503020000020004" pitchFamily="50" charset="-127"/>
+                      </a:endParaRPr>
+                    </a:p>
+                  </a:txBody>
+                  <a:tcPr marL="6757" marR="6757" marT="6757" marB="0" anchor="ctr">
+                    <a:solidFill>
+                      <a:srgbClr val="D7D7D7"/>
+                    </a:solidFill>
+                  </a:tcPr>
+                </a:tc>
+                <a:tc>
+                  <a:txBody>
+                    <a:bodyPr/>
+                    <a:lstStyle/>
+                    <a:p>
+                      <a:pPr algn="ctr" fontAlgn="b"/>
+                      <a:r>
+                        <a:rPr lang="ko-KR" altLang="en-US" sz="1100" u="none" strike="noStrike" dirty="0">
+                          <a:solidFill>
+                            <a:schemeClr val="tx1">
+                              <a:lumMod val="85000"/>
+                              <a:lumOff val="15000"/>
+                            </a:schemeClr>
+                          </a:solidFill>
+                          <a:effectLst/>
+                        </a:rPr>
+                        <a:t>금요일</a:t>
+                      </a:r>
+                      <a:endParaRPr lang="ko-KR" altLang="en-US" sz="1100" b="0" i="0" u="none" strike="noStrike" dirty="0">
+                        <a:solidFill>
+                          <a:schemeClr val="tx1">
+                            <a:lumMod val="85000"/>
+                            <a:lumOff val="15000"/>
+                          </a:schemeClr>
+                        </a:solidFill>
+                        <a:effectLst/>
+                        <a:latin typeface="맑은 고딕" panose="020B0503020000020004" pitchFamily="50" charset="-127"/>
+                        <a:ea typeface="맑은 고딕" panose="020B0503020000020004" pitchFamily="50" charset="-127"/>
+                      </a:endParaRPr>
+                    </a:p>
+                  </a:txBody>
+                  <a:tcPr marL="6757" marR="6757" marT="6757" marB="0" anchor="ctr">
+                    <a:solidFill>
+                      <a:srgbClr val="D7D7D7"/>
+                    </a:solidFill>
+                  </a:tcPr>
+                </a:tc>
+                <a:tc vMerge="1">
+                  <a:txBody>
+                    <a:bodyPr/>
+                    <a:lstStyle/>
+                    <a:p>
+                      <a:pPr algn="ctr" fontAlgn="b"/>
+                      <a:endParaRPr lang="ko-KR" altLang="en-US" sz="1100" b="0" i="0" u="none" strike="noStrike" dirty="0">
+                        <a:solidFill>
+                          <a:srgbClr val="000000"/>
+                        </a:solidFill>
+                        <a:effectLst/>
+                        <a:latin typeface="맑은 고딕" panose="020B0503020000020004" pitchFamily="50" charset="-127"/>
+                        <a:ea typeface="맑은 고딕" panose="020B0503020000020004" pitchFamily="50" charset="-127"/>
+                      </a:endParaRPr>
+                    </a:p>
+                  </a:txBody>
+                  <a:tcPr marL="6757" marR="6757" marT="6757" marB="0" anchor="ctr">
+                    <a:solidFill>
+                      <a:srgbClr val="F8F9FA"/>
+                    </a:solidFill>
+                  </a:tcPr>
+                </a:tc>
+                <a:tc gridSpan="3" vMerge="1">
+                  <a:txBody>
+                    <a:bodyPr/>
+                    <a:lstStyle/>
+                    <a:p>
+                      <a:pPr latinLnBrk="1"/>
+                      <a:endParaRPr lang="ko-KR" altLang="en-US"/>
+                    </a:p>
+                  </a:txBody>
+                  <a:tcPr/>
+                </a:tc>
+                <a:tc hMerge="1" vMerge="1">
+                  <a:txBody>
+                    <a:bodyPr/>
+                    <a:lstStyle/>
+                    <a:p>
+                      <a:pPr latinLnBrk="1"/>
+                      <a:endParaRPr lang="ko-KR" altLang="en-US"/>
+                    </a:p>
+                  </a:txBody>
+                  <a:tcPr/>
+                </a:tc>
+                <a:tc hMerge="1" vMerge="1">
+                  <a:txBody>
+                    <a:bodyPr/>
+                    <a:lstStyle/>
+                    <a:p>
+                      <a:pPr latinLnBrk="1"/>
+                      <a:endParaRPr lang="ko-KR" altLang="en-US"/>
+                    </a:p>
+                  </a:txBody>
+                  <a:tcPr/>
+                </a:tc>
+              </a:tr>
+              <a:tr h="266544">
+                <a:tc>
+                  <a:txBody>
+                    <a:bodyPr/>
+                    <a:lstStyle/>
+                    <a:p>
+                      <a:pPr algn="ctr" fontAlgn="b"/>
+                      <a:r>
+                        <a:rPr lang="en-US" altLang="ko-KR" sz="1100" u="none" strike="noStrike">
+                          <a:solidFill>
+                            <a:schemeClr val="tx1">
+                              <a:lumMod val="85000"/>
+                              <a:lumOff val="15000"/>
+                            </a:schemeClr>
+                          </a:solidFill>
+                          <a:effectLst/>
+                        </a:rPr>
+                        <a:t>4</a:t>
+                      </a:r>
+                      <a:r>
+                        <a:rPr lang="ko-KR" altLang="en-US" sz="1100" u="none" strike="noStrike">
+                          <a:solidFill>
+                            <a:schemeClr val="tx1">
+                              <a:lumMod val="85000"/>
+                              <a:lumOff val="15000"/>
+                            </a:schemeClr>
+                          </a:solidFill>
+                          <a:effectLst/>
+                        </a:rPr>
+                        <a:t>월 </a:t>
+                      </a:r>
+                      <a:r>
+                        <a:rPr lang="en-US" altLang="ko-KR" sz="1100" u="none" strike="noStrike">
+                          <a:solidFill>
+                            <a:schemeClr val="tx1">
+                              <a:lumMod val="85000"/>
+                              <a:lumOff val="15000"/>
+                            </a:schemeClr>
+                          </a:solidFill>
+                          <a:effectLst/>
+                        </a:rPr>
+                        <a:t>8</a:t>
+                      </a:r>
+                      <a:r>
+                        <a:rPr lang="ko-KR" altLang="en-US" sz="1100" u="none" strike="noStrike">
+                          <a:solidFill>
+                            <a:schemeClr val="tx1">
+                              <a:lumMod val="85000"/>
+                              <a:lumOff val="15000"/>
+                            </a:schemeClr>
+                          </a:solidFill>
+                          <a:effectLst/>
+                        </a:rPr>
+                        <a:t>일</a:t>
+                      </a:r>
+                      <a:endParaRPr lang="ko-KR" altLang="en-US" sz="1100" b="0" i="0" u="none" strike="noStrike">
+                        <a:solidFill>
+                          <a:schemeClr val="tx1">
+                            <a:lumMod val="85000"/>
+                            <a:lumOff val="15000"/>
+                          </a:schemeClr>
+                        </a:solidFill>
+                        <a:effectLst/>
+                        <a:latin typeface="맑은 고딕" panose="020B0503020000020004" pitchFamily="50" charset="-127"/>
+                        <a:ea typeface="맑은 고딕" panose="020B0503020000020004" pitchFamily="50" charset="-127"/>
+                      </a:endParaRPr>
+                    </a:p>
+                  </a:txBody>
+                  <a:tcPr marL="6757" marR="6757" marT="6757" marB="0" anchor="ctr">
+                    <a:solidFill>
+                      <a:srgbClr val="D7D7D7"/>
+                    </a:solidFill>
+                  </a:tcPr>
+                </a:tc>
+                <a:tc>
+                  <a:txBody>
+                    <a:bodyPr/>
+                    <a:lstStyle/>
+                    <a:p>
+                      <a:pPr algn="ctr" fontAlgn="b"/>
+                      <a:r>
+                        <a:rPr lang="ko-KR" altLang="en-US" sz="1100" u="none" strike="noStrike">
+                          <a:solidFill>
+                            <a:schemeClr val="tx1">
+                              <a:lumMod val="85000"/>
+                              <a:lumOff val="15000"/>
+                            </a:schemeClr>
+                          </a:solidFill>
+                          <a:effectLst/>
+                        </a:rPr>
+                        <a:t>월요일</a:t>
+                      </a:r>
+                      <a:endParaRPr lang="ko-KR" altLang="en-US" sz="1100" b="0" i="0" u="none" strike="noStrike">
+                        <a:solidFill>
+                          <a:schemeClr val="tx1">
+                            <a:lumMod val="85000"/>
+                            <a:lumOff val="15000"/>
+                          </a:schemeClr>
+                        </a:solidFill>
+                        <a:effectLst/>
+                        <a:latin typeface="맑은 고딕" panose="020B0503020000020004" pitchFamily="50" charset="-127"/>
+                        <a:ea typeface="맑은 고딕" panose="020B0503020000020004" pitchFamily="50" charset="-127"/>
+                      </a:endParaRPr>
+                    </a:p>
+                  </a:txBody>
+                  <a:tcPr marL="6757" marR="6757" marT="6757" marB="0" anchor="ctr">
+                    <a:solidFill>
+                      <a:srgbClr val="D7D7D7"/>
+                    </a:solidFill>
+                  </a:tcPr>
+                </a:tc>
+                <a:tc>
+                  <a:txBody>
+                    <a:bodyPr/>
+                    <a:lstStyle/>
+                    <a:p>
+                      <a:pPr algn="ctr" fontAlgn="b"/>
+                      <a:r>
+                        <a:rPr lang="ko-KR" altLang="en-US" sz="1100" u="none" strike="noStrike" dirty="0">
+                          <a:solidFill>
+                            <a:schemeClr val="tx1">
+                              <a:lumMod val="85000"/>
+                              <a:lumOff val="15000"/>
+                            </a:schemeClr>
+                          </a:solidFill>
+                          <a:effectLst/>
+                        </a:rPr>
+                        <a:t>기획</a:t>
+                      </a:r>
+                      <a:endParaRPr lang="ko-KR" altLang="en-US" sz="1100" b="0" i="0" u="none" strike="noStrike" dirty="0">
+                        <a:solidFill>
+                          <a:schemeClr val="tx1">
+                            <a:lumMod val="85000"/>
+                            <a:lumOff val="15000"/>
+                          </a:schemeClr>
+                        </a:solidFill>
+                        <a:effectLst/>
+                        <a:latin typeface="맑은 고딕" panose="020B0503020000020004" pitchFamily="50" charset="-127"/>
+                        <a:ea typeface="맑은 고딕" panose="020B0503020000020004" pitchFamily="50" charset="-127"/>
+                      </a:endParaRPr>
+                    </a:p>
+                  </a:txBody>
+                  <a:tcPr marL="6757" marR="6757" marT="6757" marB="0" anchor="ctr">
+                    <a:solidFill>
+                      <a:srgbClr val="D7D7D7"/>
+                    </a:solidFill>
+                  </a:tcPr>
+                </a:tc>
+                <a:tc gridSpan="3">
+                  <a:txBody>
+                    <a:bodyPr/>
+                    <a:lstStyle/>
+                    <a:p>
+                      <a:pPr algn="ctr" fontAlgn="b"/>
+                      <a:r>
+                        <a:rPr lang="en-US" sz="1100" u="none" strike="noStrike">
+                          <a:solidFill>
+                            <a:schemeClr val="tx1">
+                              <a:lumMod val="85000"/>
+                              <a:lumOff val="15000"/>
+                            </a:schemeClr>
+                          </a:solidFill>
+                          <a:effectLst/>
+                        </a:rPr>
+                        <a:t>ERD </a:t>
+                      </a:r>
+                      <a:r>
+                        <a:rPr lang="ko-KR" altLang="en-US" sz="1100" u="none" strike="noStrike">
+                          <a:solidFill>
+                            <a:schemeClr val="tx1">
+                              <a:lumMod val="85000"/>
+                              <a:lumOff val="15000"/>
+                            </a:schemeClr>
+                          </a:solidFill>
+                          <a:effectLst/>
+                        </a:rPr>
+                        <a:t>설계</a:t>
+                      </a:r>
+                      <a:endParaRPr lang="ko-KR" altLang="en-US" sz="1100" b="0" i="0" u="none" strike="noStrike">
+                        <a:solidFill>
+                          <a:schemeClr val="tx1">
+                            <a:lumMod val="85000"/>
+                            <a:lumOff val="15000"/>
+                          </a:schemeClr>
+                        </a:solidFill>
+                        <a:effectLst/>
+                        <a:latin typeface="맑은 고딕" panose="020B0503020000020004" pitchFamily="50" charset="-127"/>
+                        <a:ea typeface="맑은 고딕" panose="020B0503020000020004" pitchFamily="50" charset="-127"/>
+                      </a:endParaRPr>
+                    </a:p>
+                  </a:txBody>
+                  <a:tcPr marL="6757" marR="6757" marT="6757" marB="0" anchor="ctr">
+                    <a:solidFill>
+                      <a:srgbClr val="F8F9FA"/>
+                    </a:solidFill>
+                  </a:tcPr>
+                </a:tc>
+                <a:tc hMerge="1">
+                  <a:txBody>
+                    <a:bodyPr/>
+                    <a:lstStyle/>
+                    <a:p>
+                      <a:pPr latinLnBrk="1"/>
+                      <a:endParaRPr lang="ko-KR" altLang="en-US"/>
+                    </a:p>
+                  </a:txBody>
+                  <a:tcPr/>
+                </a:tc>
+                <a:tc hMerge="1">
+                  <a:txBody>
+                    <a:bodyPr/>
+                    <a:lstStyle/>
+                    <a:p>
+                      <a:pPr latinLnBrk="1"/>
+                      <a:endParaRPr lang="ko-KR" altLang="en-US"/>
+                    </a:p>
+                  </a:txBody>
+                  <a:tcPr/>
+                </a:tc>
+              </a:tr>
+              <a:tr h="266544">
+                <a:tc>
+                  <a:txBody>
+                    <a:bodyPr/>
+                    <a:lstStyle/>
+                    <a:p>
+                      <a:pPr algn="ctr" fontAlgn="b"/>
+                      <a:r>
+                        <a:rPr lang="en-US" altLang="ko-KR" sz="1100" u="none" strike="noStrike">
+                          <a:solidFill>
+                            <a:schemeClr val="tx1">
+                              <a:lumMod val="85000"/>
+                              <a:lumOff val="15000"/>
+                            </a:schemeClr>
+                          </a:solidFill>
+                          <a:effectLst/>
+                        </a:rPr>
+                        <a:t>4</a:t>
+                      </a:r>
+                      <a:r>
+                        <a:rPr lang="ko-KR" altLang="en-US" sz="1100" u="none" strike="noStrike">
+                          <a:solidFill>
+                            <a:schemeClr val="tx1">
+                              <a:lumMod val="85000"/>
+                              <a:lumOff val="15000"/>
+                            </a:schemeClr>
+                          </a:solidFill>
+                          <a:effectLst/>
+                        </a:rPr>
+                        <a:t>월 </a:t>
+                      </a:r>
+                      <a:r>
+                        <a:rPr lang="en-US" altLang="ko-KR" sz="1100" u="none" strike="noStrike">
+                          <a:solidFill>
+                            <a:schemeClr val="tx1">
+                              <a:lumMod val="85000"/>
+                              <a:lumOff val="15000"/>
+                            </a:schemeClr>
+                          </a:solidFill>
+                          <a:effectLst/>
+                        </a:rPr>
+                        <a:t>9</a:t>
+                      </a:r>
+                      <a:r>
+                        <a:rPr lang="ko-KR" altLang="en-US" sz="1100" u="none" strike="noStrike">
+                          <a:solidFill>
+                            <a:schemeClr val="tx1">
+                              <a:lumMod val="85000"/>
+                              <a:lumOff val="15000"/>
+                            </a:schemeClr>
+                          </a:solidFill>
+                          <a:effectLst/>
+                        </a:rPr>
+                        <a:t>일</a:t>
+                      </a:r>
+                      <a:endParaRPr lang="ko-KR" altLang="en-US" sz="1100" b="0" i="0" u="none" strike="noStrike">
+                        <a:solidFill>
+                          <a:schemeClr val="tx1">
+                            <a:lumMod val="85000"/>
+                            <a:lumOff val="15000"/>
+                          </a:schemeClr>
+                        </a:solidFill>
+                        <a:effectLst/>
+                        <a:latin typeface="맑은 고딕" panose="020B0503020000020004" pitchFamily="50" charset="-127"/>
+                        <a:ea typeface="맑은 고딕" panose="020B0503020000020004" pitchFamily="50" charset="-127"/>
+                      </a:endParaRPr>
+                    </a:p>
+                  </a:txBody>
+                  <a:tcPr marL="6757" marR="6757" marT="6757" marB="0" anchor="ctr">
+                    <a:solidFill>
+                      <a:srgbClr val="D7D7D7"/>
+                    </a:solidFill>
+                  </a:tcPr>
+                </a:tc>
+                <a:tc>
+                  <a:txBody>
+                    <a:bodyPr/>
+                    <a:lstStyle/>
+                    <a:p>
+                      <a:pPr algn="ctr" fontAlgn="b"/>
+                      <a:r>
+                        <a:rPr lang="ko-KR" altLang="en-US" sz="1100" u="none" strike="noStrike">
+                          <a:solidFill>
+                            <a:schemeClr val="tx1">
+                              <a:lumMod val="85000"/>
+                              <a:lumOff val="15000"/>
+                            </a:schemeClr>
+                          </a:solidFill>
+                          <a:effectLst/>
+                        </a:rPr>
+                        <a:t>화요일</a:t>
+                      </a:r>
+                      <a:endParaRPr lang="ko-KR" altLang="en-US" sz="1100" b="0" i="0" u="none" strike="noStrike">
+                        <a:solidFill>
+                          <a:schemeClr val="tx1">
+                            <a:lumMod val="85000"/>
+                            <a:lumOff val="15000"/>
+                          </a:schemeClr>
+                        </a:solidFill>
+                        <a:effectLst/>
+                        <a:latin typeface="맑은 고딕" panose="020B0503020000020004" pitchFamily="50" charset="-127"/>
+                        <a:ea typeface="맑은 고딕" panose="020B0503020000020004" pitchFamily="50" charset="-127"/>
+                      </a:endParaRPr>
+                    </a:p>
+                  </a:txBody>
+                  <a:tcPr marL="6757" marR="6757" marT="6757" marB="0" anchor="ctr">
+                    <a:solidFill>
+                      <a:srgbClr val="D7D7D7"/>
+                    </a:solidFill>
+                  </a:tcPr>
+                </a:tc>
+                <a:tc rowSpan="8">
+                  <a:txBody>
+                    <a:bodyPr/>
+                    <a:lstStyle/>
+                    <a:p>
+                      <a:pPr algn="ctr" fontAlgn="b"/>
+                      <a:r>
+                        <a:rPr lang="ko-KR" altLang="en-US" sz="1100" u="none" strike="noStrike" dirty="0">
+                          <a:solidFill>
+                            <a:schemeClr val="tx1">
+                              <a:lumMod val="85000"/>
+                              <a:lumOff val="15000"/>
+                            </a:schemeClr>
+                          </a:solidFill>
+                          <a:effectLst/>
+                        </a:rPr>
+                        <a:t>개별 기능 </a:t>
+                      </a:r>
+                      <a:r>
+                        <a:rPr lang="ko-KR" altLang="en-US" sz="1100" u="none" strike="noStrike" dirty="0" smtClean="0">
+                          <a:solidFill>
+                            <a:schemeClr val="tx1">
+                              <a:lumMod val="85000"/>
+                              <a:lumOff val="15000"/>
+                            </a:schemeClr>
+                          </a:solidFill>
+                          <a:effectLst/>
+                        </a:rPr>
+                        <a:t>구현</a:t>
+                      </a:r>
+                      <a:endParaRPr lang="ko-KR" altLang="en-US" sz="1100" b="0" i="0" u="none" strike="noStrike" dirty="0">
+                        <a:solidFill>
+                          <a:schemeClr val="tx1">
+                            <a:lumMod val="85000"/>
+                            <a:lumOff val="15000"/>
+                          </a:schemeClr>
+                        </a:solidFill>
+                        <a:effectLst/>
+                        <a:latin typeface="맑은 고딕" panose="020B0503020000020004" pitchFamily="50" charset="-127"/>
+                        <a:ea typeface="맑은 고딕" panose="020B0503020000020004" pitchFamily="50" charset="-127"/>
+                      </a:endParaRPr>
+                    </a:p>
+                  </a:txBody>
+                  <a:tcPr marL="6757" marR="6757" marT="6757" marB="0" anchor="ctr">
+                    <a:solidFill>
+                      <a:srgbClr val="D7D7D7"/>
+                    </a:solidFill>
+                  </a:tcPr>
+                </a:tc>
+                <a:tc>
+                  <a:txBody>
+                    <a:bodyPr/>
+                    <a:lstStyle/>
+                    <a:p>
+                      <a:pPr algn="ctr" fontAlgn="b"/>
+                      <a:r>
+                        <a:rPr lang="ko-KR" altLang="en-US" sz="1100" u="none" strike="noStrike" dirty="0" err="1">
+                          <a:solidFill>
+                            <a:schemeClr val="tx1">
+                              <a:lumMod val="85000"/>
+                              <a:lumOff val="15000"/>
+                            </a:schemeClr>
+                          </a:solidFill>
+                          <a:effectLst/>
+                        </a:rPr>
+                        <a:t>프론트</a:t>
+                      </a:r>
+                      <a:r>
+                        <a:rPr lang="ko-KR" altLang="en-US" sz="1100" u="none" strike="noStrike" dirty="0">
+                          <a:solidFill>
+                            <a:schemeClr val="tx1">
+                              <a:lumMod val="85000"/>
+                              <a:lumOff val="15000"/>
+                            </a:schemeClr>
+                          </a:solidFill>
+                          <a:effectLst/>
+                        </a:rPr>
+                        <a:t> 레이아웃 </a:t>
+                      </a:r>
+                      <a:r>
+                        <a:rPr lang="en-US" altLang="ko-KR" sz="1100" u="none" strike="noStrike" dirty="0">
+                          <a:solidFill>
+                            <a:schemeClr val="tx1">
+                              <a:lumMod val="85000"/>
+                              <a:lumOff val="15000"/>
+                            </a:schemeClr>
+                          </a:solidFill>
+                          <a:effectLst/>
+                        </a:rPr>
+                        <a:t>(PT)</a:t>
+                      </a:r>
+                      <a:endParaRPr lang="en-US" altLang="ko-KR" sz="1100" b="0" i="0" u="none" strike="noStrike" dirty="0">
+                        <a:solidFill>
+                          <a:schemeClr val="tx1">
+                            <a:lumMod val="85000"/>
+                            <a:lumOff val="15000"/>
+                          </a:schemeClr>
+                        </a:solidFill>
+                        <a:effectLst/>
+                        <a:latin typeface="맑은 고딕" panose="020B0503020000020004" pitchFamily="50" charset="-127"/>
+                        <a:ea typeface="맑은 고딕" panose="020B0503020000020004" pitchFamily="50" charset="-127"/>
+                      </a:endParaRPr>
+                    </a:p>
+                  </a:txBody>
+                  <a:tcPr marL="6757" marR="6757" marT="6757" marB="0" anchor="ctr">
                     <a:solidFill>
                       <a:srgbClr val="F8F9FA"/>
                     </a:solidFill>
@@ -18557,11 +19481,45 @@
                     <a:bodyPr/>
                     <a:lstStyle/>
                     <a:p>
-                      <a:pPr latinLnBrk="1"/>
-                      <a:endParaRPr lang="ko-KR" altLang="en-US" sz="1400" b="0" dirty="0"/>
+                      <a:pPr algn="ctr" fontAlgn="b"/>
+                      <a:r>
+                        <a:rPr lang="en-US" sz="1100" u="none" strike="noStrike">
+                          <a:solidFill>
+                            <a:schemeClr val="tx1">
+                              <a:lumMod val="85000"/>
+                              <a:lumOff val="15000"/>
+                            </a:schemeClr>
+                          </a:solidFill>
+                          <a:effectLst/>
+                        </a:rPr>
+                        <a:t>DB </a:t>
+                      </a:r>
+                      <a:r>
+                        <a:rPr lang="ko-KR" altLang="en-US" sz="1100" u="none" strike="noStrike">
+                          <a:solidFill>
+                            <a:schemeClr val="tx1">
+                              <a:lumMod val="85000"/>
+                              <a:lumOff val="15000"/>
+                            </a:schemeClr>
+                          </a:solidFill>
+                          <a:effectLst/>
+                        </a:rPr>
+                        <a:t>구축</a:t>
+                      </a:r>
+                      <a:endParaRPr lang="ko-KR" altLang="en-US" sz="1100" b="0" i="0" u="none" strike="noStrike">
+                        <a:solidFill>
+                          <a:schemeClr val="tx1">
+                            <a:lumMod val="85000"/>
+                            <a:lumOff val="15000"/>
+                          </a:schemeClr>
+                        </a:solidFill>
+                        <a:effectLst/>
+                        <a:latin typeface="맑은 고딕" panose="020B0503020000020004" pitchFamily="50" charset="-127"/>
+                        <a:ea typeface="맑은 고딕" panose="020B0503020000020004" pitchFamily="50" charset="-127"/>
+                      </a:endParaRPr>
                     </a:p>
                   </a:txBody>
-                  <a:tcPr>
+                  <a:tcPr marL="6757" marR="6757" marT="6757" marB="0" anchor="ctr">
                     <a:solidFill>
                       <a:srgbClr val="F8F9FA"/>
                     </a:solidFill>
@@ -18572,19 +19530,179 @@
                     <a:bodyPr/>
                     <a:lstStyle/>
                     <a:p>
-                      <a:pPr latinLnBrk="1"/>
-                      <a:r>
-                        <a:rPr lang="en-US" altLang="ko-KR" sz="1400" b="1" dirty="0" smtClean="0"/>
-                        <a:t>4/3 </a:t>
-                      </a:r>
-                      <a:r>
-                        <a:rPr lang="ko-KR" altLang="en-US" sz="1400" b="1" dirty="0" smtClean="0"/>
-                        <a:t>시작발표</a:t>
-                      </a:r>
-                      <a:endParaRPr lang="ko-KR" altLang="en-US" sz="1400" b="1" dirty="0"/>
+                      <a:pPr algn="ctr" fontAlgn="b"/>
+                      <a:r>
+                        <a:rPr lang="ko-KR" altLang="en-US" sz="1100" u="none" strike="noStrike">
+                          <a:solidFill>
+                            <a:schemeClr val="tx1">
+                              <a:lumMod val="85000"/>
+                              <a:lumOff val="15000"/>
+                            </a:schemeClr>
+                          </a:solidFill>
+                          <a:effectLst/>
+                        </a:rPr>
+                        <a:t>프론트 레이아웃 </a:t>
+                      </a:r>
+                      <a:r>
+                        <a:rPr lang="en-US" altLang="ko-KR" sz="1100" u="none" strike="noStrike">
+                          <a:solidFill>
+                            <a:schemeClr val="tx1">
+                              <a:lumMod val="85000"/>
+                              <a:lumOff val="15000"/>
+                            </a:schemeClr>
+                          </a:solidFill>
+                          <a:effectLst/>
+                        </a:rPr>
+                        <a:t>(Challenge)</a:t>
+                      </a:r>
+                      <a:endParaRPr lang="en-US" altLang="ko-KR" sz="1100" b="0" i="0" u="none" strike="noStrike">
+                        <a:solidFill>
+                          <a:schemeClr val="tx1">
+                            <a:lumMod val="85000"/>
+                            <a:lumOff val="15000"/>
+                          </a:schemeClr>
+                        </a:solidFill>
+                        <a:effectLst/>
+                        <a:latin typeface="맑은 고딕" panose="020B0503020000020004" pitchFamily="50" charset="-127"/>
+                        <a:ea typeface="맑은 고딕" panose="020B0503020000020004" pitchFamily="50" charset="-127"/>
+                      </a:endParaRPr>
                     </a:p>
                   </a:txBody>
-                  <a:tcPr>
+                  <a:tcPr marL="6757" marR="6757" marT="6757" marB="0" anchor="ctr">
+                    <a:solidFill>
+                      <a:srgbClr val="F8F9FA"/>
+                    </a:solidFill>
+                  </a:tcPr>
+                </a:tc>
+              </a:tr>
+              <a:tr h="266544">
+                <a:tc>
+                  <a:txBody>
+                    <a:bodyPr/>
+                    <a:lstStyle/>
+                    <a:p>
+                      <a:pPr algn="ctr" fontAlgn="b"/>
+                      <a:r>
+                        <a:rPr lang="en-US" altLang="ko-KR" sz="1100" u="none" strike="noStrike">
+                          <a:solidFill>
+                            <a:schemeClr val="tx1">
+                              <a:lumMod val="85000"/>
+                              <a:lumOff val="15000"/>
+                            </a:schemeClr>
+                          </a:solidFill>
+                          <a:effectLst/>
+                        </a:rPr>
+                        <a:t>4</a:t>
+                      </a:r>
+                      <a:r>
+                        <a:rPr lang="ko-KR" altLang="en-US" sz="1100" u="none" strike="noStrike">
+                          <a:solidFill>
+                            <a:schemeClr val="tx1">
+                              <a:lumMod val="85000"/>
+                              <a:lumOff val="15000"/>
+                            </a:schemeClr>
+                          </a:solidFill>
+                          <a:effectLst/>
+                        </a:rPr>
+                        <a:t>월 </a:t>
+                      </a:r>
+                      <a:r>
+                        <a:rPr lang="en-US" altLang="ko-KR" sz="1100" u="none" strike="noStrike">
+                          <a:solidFill>
+                            <a:schemeClr val="tx1">
+                              <a:lumMod val="85000"/>
+                              <a:lumOff val="15000"/>
+                            </a:schemeClr>
+                          </a:solidFill>
+                          <a:effectLst/>
+                        </a:rPr>
+                        <a:t>11</a:t>
+                      </a:r>
+                      <a:r>
+                        <a:rPr lang="ko-KR" altLang="en-US" sz="1100" u="none" strike="noStrike">
+                          <a:solidFill>
+                            <a:schemeClr val="tx1">
+                              <a:lumMod val="85000"/>
+                              <a:lumOff val="15000"/>
+                            </a:schemeClr>
+                          </a:solidFill>
+                          <a:effectLst/>
+                        </a:rPr>
+                        <a:t>일</a:t>
+                      </a:r>
+                      <a:endParaRPr lang="ko-KR" altLang="en-US" sz="1100" b="0" i="0" u="none" strike="noStrike">
+                        <a:solidFill>
+                          <a:schemeClr val="tx1">
+                            <a:lumMod val="85000"/>
+                            <a:lumOff val="15000"/>
+                          </a:schemeClr>
+                        </a:solidFill>
+                        <a:effectLst/>
+                        <a:latin typeface="맑은 고딕" panose="020B0503020000020004" pitchFamily="50" charset="-127"/>
+                        <a:ea typeface="맑은 고딕" panose="020B0503020000020004" pitchFamily="50" charset="-127"/>
+                      </a:endParaRPr>
+                    </a:p>
+                  </a:txBody>
+                  <a:tcPr marL="6757" marR="6757" marT="6757" marB="0" anchor="ctr">
+                    <a:solidFill>
+                      <a:srgbClr val="D7D7D7"/>
+                    </a:solidFill>
+                  </a:tcPr>
+                </a:tc>
+                <a:tc>
+                  <a:txBody>
+                    <a:bodyPr/>
+                    <a:lstStyle/>
+                    <a:p>
+                      <a:pPr algn="ctr" fontAlgn="b"/>
+                      <a:r>
+                        <a:rPr lang="ko-KR" altLang="en-US" sz="1100" u="none" strike="noStrike">
+                          <a:solidFill>
+                            <a:schemeClr val="tx1">
+                              <a:lumMod val="85000"/>
+                              <a:lumOff val="15000"/>
+                            </a:schemeClr>
+                          </a:solidFill>
+                          <a:effectLst/>
+                        </a:rPr>
+                        <a:t>목요일</a:t>
+                      </a:r>
+                      <a:endParaRPr lang="ko-KR" altLang="en-US" sz="1100" b="0" i="0" u="none" strike="noStrike">
+                        <a:solidFill>
+                          <a:schemeClr val="tx1">
+                            <a:lumMod val="85000"/>
+                            <a:lumOff val="15000"/>
+                          </a:schemeClr>
+                        </a:solidFill>
+                        <a:effectLst/>
+                        <a:latin typeface="맑은 고딕" panose="020B0503020000020004" pitchFamily="50" charset="-127"/>
+                        <a:ea typeface="맑은 고딕" panose="020B0503020000020004" pitchFamily="50" charset="-127"/>
+                      </a:endParaRPr>
+                    </a:p>
+                  </a:txBody>
+                  <a:tcPr marL="6757" marR="6757" marT="6757" marB="0" anchor="ctr">
+                    <a:solidFill>
+                      <a:srgbClr val="D7D7D7"/>
+                    </a:solidFill>
+                  </a:tcPr>
+                </a:tc>
+                <a:tc vMerge="1">
+                  <a:txBody>
+                    <a:bodyPr/>
+                    <a:lstStyle/>
+                    <a:p>
+                      <a:pPr algn="ctr" fontAlgn="b"/>
+                      <a:endParaRPr lang="ko-KR" altLang="en-US" sz="1100" b="0" i="0" u="none" strike="noStrike" dirty="0">
+                        <a:solidFill>
+                          <a:srgbClr val="000000"/>
+                        </a:solidFill>
+                        <a:effectLst/>
+                        <a:latin typeface="맑은 고딕" panose="020B0503020000020004" pitchFamily="50" charset="-127"/>
+                        <a:ea typeface="맑은 고딕" panose="020B0503020000020004" pitchFamily="50" charset="-127"/>
+                      </a:endParaRPr>
+                    </a:p>
+                  </a:txBody>
+                  <a:tcPr marL="6757" marR="6757" marT="6757" marB="0" anchor="ctr">
                     <a:solidFill>
                       <a:srgbClr val="F8F9FA"/>
                     </a:solidFill>
@@ -18595,15 +19713,33 @@
                     <a:bodyPr/>
                     <a:lstStyle/>
                     <a:p>
-                      <a:pPr latinLnBrk="1"/>
-                      <a:r>
-                        <a:rPr lang="en-US" altLang="ko-KR" sz="1400" b="0" dirty="0" smtClean="0"/>
-                        <a:t>4</a:t>
-                      </a:r>
-                      <a:endParaRPr lang="ko-KR" altLang="en-US" sz="1400" b="0" dirty="0"/>
+                      <a:pPr algn="ctr" fontAlgn="b"/>
+                      <a:r>
+                        <a:rPr lang="ko-KR" altLang="en-US" sz="1100" u="none" strike="noStrike">
+                          <a:solidFill>
+                            <a:schemeClr val="tx1">
+                              <a:lumMod val="85000"/>
+                              <a:lumOff val="15000"/>
+                            </a:schemeClr>
+                          </a:solidFill>
+                          <a:effectLst/>
+                        </a:rPr>
+                        <a:t>맞춤 훈련 영상 리스트</a:t>
+                      </a:r>
+                      <a:endParaRPr lang="ko-KR" altLang="en-US" sz="1100" b="0" i="0" u="none" strike="noStrike">
+                        <a:solidFill>
+                          <a:schemeClr val="tx1">
+                            <a:lumMod val="85000"/>
+                            <a:lumOff val="15000"/>
+                          </a:schemeClr>
+                        </a:solidFill>
+                        <a:effectLst/>
+                        <a:latin typeface="맑은 고딕" panose="020B0503020000020004" pitchFamily="50" charset="-127"/>
+                        <a:ea typeface="맑은 고딕" panose="020B0503020000020004" pitchFamily="50" charset="-127"/>
+                      </a:endParaRPr>
                     </a:p>
                   </a:txBody>
-                  <a:tcPr>
+                  <a:tcPr marL="6757" marR="6757" marT="6757" marB="0" anchor="ctr">
                     <a:solidFill>
                       <a:srgbClr val="F8F9FA"/>
                     </a:solidFill>
@@ -18614,36 +19750,45 @@
                     <a:bodyPr/>
                     <a:lstStyle/>
                     <a:p>
-                      <a:pPr latinLnBrk="1"/>
-                      <a:r>
-                        <a:rPr lang="en-US" altLang="ko-KR" sz="1400" b="0" dirty="0" smtClean="0"/>
-                        <a:t>5</a:t>
-                      </a:r>
-                      <a:endParaRPr lang="ko-KR" altLang="en-US" sz="1400" b="0" dirty="0"/>
+                      <a:pPr algn="ctr" fontAlgn="b"/>
+                      <a:r>
+                        <a:rPr lang="ko-KR" altLang="en-US" sz="1100" u="none" strike="noStrike">
+                          <a:solidFill>
+                            <a:schemeClr val="tx1">
+                              <a:lumMod val="85000"/>
+                              <a:lumOff val="15000"/>
+                            </a:schemeClr>
+                          </a:solidFill>
+                          <a:effectLst/>
+                        </a:rPr>
+                        <a:t>프론트 레이아웃 </a:t>
+                      </a:r>
+                      <a:r>
+                        <a:rPr lang="en-US" altLang="ko-KR" sz="1100" u="none" strike="noStrike">
+                          <a:solidFill>
+                            <a:schemeClr val="tx1">
+                              <a:lumMod val="85000"/>
+                              <a:lumOff val="15000"/>
+                            </a:schemeClr>
+                          </a:solidFill>
+                          <a:effectLst/>
+                        </a:rPr>
+                        <a:t>(My Page)</a:t>
+                      </a:r>
+                      <a:endParaRPr lang="en-US" altLang="ko-KR" sz="1100" b="0" i="0" u="none" strike="noStrike">
+                        <a:solidFill>
+                          <a:schemeClr val="tx1">
+                            <a:lumMod val="85000"/>
+                            <a:lumOff val="15000"/>
+                          </a:schemeClr>
+                        </a:solidFill>
+                        <a:effectLst/>
+                        <a:latin typeface="맑은 고딕" panose="020B0503020000020004" pitchFamily="50" charset="-127"/>
+                        <a:ea typeface="맑은 고딕" panose="020B0503020000020004" pitchFamily="50" charset="-127"/>
+                      </a:endParaRPr>
                     </a:p>
                   </a:txBody>
-                  <a:tcPr>
-                    <a:solidFill>
-                      <a:srgbClr val="F8F9FA"/>
-                    </a:solidFill>
-                  </a:tcPr>
-                </a:tc>
-              </a:tr>
-              <a:tr h="441234">
-                <a:tc>
-                  <a:txBody>
-                    <a:bodyPr/>
-                    <a:lstStyle/>
-                    <a:p>
-                      <a:pPr latinLnBrk="1"/>
-                      <a:r>
-                        <a:rPr lang="en-US" altLang="ko-KR" sz="1400" b="0" dirty="0" smtClean="0"/>
-                        <a:t>8</a:t>
-                      </a:r>
-                      <a:endParaRPr lang="ko-KR" altLang="en-US" sz="1400" b="0" dirty="0"/>
-                    </a:p>
-                  </a:txBody>
-                  <a:tcPr>
+                  <a:tcPr marL="6757" marR="6757" marT="6757" marB="0" anchor="ctr">
                     <a:solidFill>
                       <a:srgbClr val="F8F9FA"/>
                     </a:solidFill>
@@ -18654,15 +19799,167 @@
                     <a:bodyPr/>
                     <a:lstStyle/>
                     <a:p>
-                      <a:pPr latinLnBrk="1"/>
-                      <a:r>
-                        <a:rPr lang="en-US" altLang="ko-KR" sz="1400" b="0" dirty="0" smtClean="0"/>
-                        <a:t>9</a:t>
-                      </a:r>
-                      <a:endParaRPr lang="ko-KR" altLang="en-US" sz="1400" b="0" dirty="0"/>
+                      <a:pPr algn="ctr" fontAlgn="b"/>
+                      <a:r>
+                        <a:rPr lang="ko-KR" altLang="en-US" sz="1100" u="none" strike="noStrike">
+                          <a:solidFill>
+                            <a:schemeClr val="tx1">
+                              <a:lumMod val="85000"/>
+                              <a:lumOff val="15000"/>
+                            </a:schemeClr>
+                          </a:solidFill>
+                          <a:effectLst/>
+                        </a:rPr>
+                        <a:t>챌린지 생성</a:t>
+                      </a:r>
+                      <a:endParaRPr lang="ko-KR" altLang="en-US" sz="1100" b="0" i="0" u="none" strike="noStrike">
+                        <a:solidFill>
+                          <a:schemeClr val="tx1">
+                            <a:lumMod val="85000"/>
+                            <a:lumOff val="15000"/>
+                          </a:schemeClr>
+                        </a:solidFill>
+                        <a:effectLst/>
+                        <a:latin typeface="맑은 고딕" panose="020B0503020000020004" pitchFamily="50" charset="-127"/>
+                        <a:ea typeface="맑은 고딕" panose="020B0503020000020004" pitchFamily="50" charset="-127"/>
+                      </a:endParaRPr>
                     </a:p>
                   </a:txBody>
-                  <a:tcPr>
+                  <a:tcPr marL="6757" marR="6757" marT="6757" marB="0" anchor="ctr">
+                    <a:solidFill>
+                      <a:srgbClr val="F8F9FA"/>
+                    </a:solidFill>
+                  </a:tcPr>
+                </a:tc>
+              </a:tr>
+              <a:tr h="266544">
+                <a:tc>
+                  <a:txBody>
+                    <a:bodyPr/>
+                    <a:lstStyle/>
+                    <a:p>
+                      <a:pPr algn="ctr" fontAlgn="b"/>
+                      <a:r>
+                        <a:rPr lang="en-US" altLang="ko-KR" sz="1100" u="none" strike="noStrike">
+                          <a:solidFill>
+                            <a:schemeClr val="tx1">
+                              <a:lumMod val="85000"/>
+                              <a:lumOff val="15000"/>
+                            </a:schemeClr>
+                          </a:solidFill>
+                          <a:effectLst/>
+                        </a:rPr>
+                        <a:t>4</a:t>
+                      </a:r>
+                      <a:r>
+                        <a:rPr lang="ko-KR" altLang="en-US" sz="1100" u="none" strike="noStrike">
+                          <a:solidFill>
+                            <a:schemeClr val="tx1">
+                              <a:lumMod val="85000"/>
+                              <a:lumOff val="15000"/>
+                            </a:schemeClr>
+                          </a:solidFill>
+                          <a:effectLst/>
+                        </a:rPr>
+                        <a:t>월 </a:t>
+                      </a:r>
+                      <a:r>
+                        <a:rPr lang="en-US" altLang="ko-KR" sz="1100" u="none" strike="noStrike">
+                          <a:solidFill>
+                            <a:schemeClr val="tx1">
+                              <a:lumMod val="85000"/>
+                              <a:lumOff val="15000"/>
+                            </a:schemeClr>
+                          </a:solidFill>
+                          <a:effectLst/>
+                        </a:rPr>
+                        <a:t>12</a:t>
+                      </a:r>
+                      <a:r>
+                        <a:rPr lang="ko-KR" altLang="en-US" sz="1100" u="none" strike="noStrike">
+                          <a:solidFill>
+                            <a:schemeClr val="tx1">
+                              <a:lumMod val="85000"/>
+                              <a:lumOff val="15000"/>
+                            </a:schemeClr>
+                          </a:solidFill>
+                          <a:effectLst/>
+                        </a:rPr>
+                        <a:t>일</a:t>
+                      </a:r>
+                      <a:endParaRPr lang="ko-KR" altLang="en-US" sz="1100" b="0" i="0" u="none" strike="noStrike">
+                        <a:solidFill>
+                          <a:schemeClr val="tx1">
+                            <a:lumMod val="85000"/>
+                            <a:lumOff val="15000"/>
+                          </a:schemeClr>
+                        </a:solidFill>
+                        <a:effectLst/>
+                        <a:latin typeface="맑은 고딕" panose="020B0503020000020004" pitchFamily="50" charset="-127"/>
+                        <a:ea typeface="맑은 고딕" panose="020B0503020000020004" pitchFamily="50" charset="-127"/>
+                      </a:endParaRPr>
+                    </a:p>
+                  </a:txBody>
+                  <a:tcPr marL="6757" marR="6757" marT="6757" marB="0" anchor="ctr">
+                    <a:solidFill>
+                      <a:srgbClr val="D7D7D7"/>
+                    </a:solidFill>
+                  </a:tcPr>
+                </a:tc>
+                <a:tc>
+                  <a:txBody>
+                    <a:bodyPr/>
+                    <a:lstStyle/>
+                    <a:p>
+                      <a:pPr algn="ctr" fontAlgn="b"/>
+                      <a:r>
+                        <a:rPr lang="ko-KR" altLang="en-US" sz="1100" u="none" strike="noStrike">
+                          <a:solidFill>
+                            <a:schemeClr val="tx1">
+                              <a:lumMod val="85000"/>
+                              <a:lumOff val="15000"/>
+                            </a:schemeClr>
+                          </a:solidFill>
+                          <a:effectLst/>
+                        </a:rPr>
+                        <a:t>금요일</a:t>
+                      </a:r>
+                      <a:endParaRPr lang="ko-KR" altLang="en-US" sz="1100" b="0" i="0" u="none" strike="noStrike">
+                        <a:solidFill>
+                          <a:schemeClr val="tx1">
+                            <a:lumMod val="85000"/>
+                            <a:lumOff val="15000"/>
+                          </a:schemeClr>
+                        </a:solidFill>
+                        <a:effectLst/>
+                        <a:latin typeface="맑은 고딕" panose="020B0503020000020004" pitchFamily="50" charset="-127"/>
+                        <a:ea typeface="맑은 고딕" panose="020B0503020000020004" pitchFamily="50" charset="-127"/>
+                      </a:endParaRPr>
+                    </a:p>
+                  </a:txBody>
+                  <a:tcPr marL="6757" marR="6757" marT="6757" marB="0" anchor="ctr">
+                    <a:solidFill>
+                      <a:srgbClr val="D7D7D7"/>
+                    </a:solidFill>
+                  </a:tcPr>
+                </a:tc>
+                <a:tc vMerge="1">
+                  <a:txBody>
+                    <a:bodyPr/>
+                    <a:lstStyle/>
+                    <a:p>
+                      <a:pPr algn="ctr" fontAlgn="b"/>
+                      <a:endParaRPr lang="ko-KR" altLang="en-US" sz="1100" b="0" i="0" u="none" strike="noStrike">
+                        <a:solidFill>
+                          <a:srgbClr val="000000"/>
+                        </a:solidFill>
+                        <a:effectLst/>
+                        <a:latin typeface="맑은 고딕" panose="020B0503020000020004" pitchFamily="50" charset="-127"/>
+                        <a:ea typeface="맑은 고딕" panose="020B0503020000020004" pitchFamily="50" charset="-127"/>
+                      </a:endParaRPr>
+                    </a:p>
+                  </a:txBody>
+                  <a:tcPr marL="6757" marR="6757" marT="6757" marB="0" anchor="ctr">
                     <a:solidFill>
                       <a:srgbClr val="F8F9FA"/>
                     </a:solidFill>
@@ -18673,54 +19970,57 @@
                     <a:bodyPr/>
                     <a:lstStyle/>
                     <a:p>
-                      <a:pPr latinLnBrk="1"/>
-                      <a:r>
-                        <a:rPr lang="en-US" altLang="ko-KR" sz="1400" b="0" dirty="0" smtClean="0">
-                          <a:solidFill>
-                            <a:srgbClr val="FF0000"/>
-                          </a:solidFill>
-                        </a:rPr>
-                        <a:t>10 (</a:t>
-                      </a:r>
-                      <a:r>
-                        <a:rPr lang="ko-KR" altLang="en-US" sz="1400" b="0" dirty="0" smtClean="0">
-                          <a:solidFill>
-                            <a:srgbClr val="FF0000"/>
-                          </a:solidFill>
-                        </a:rPr>
-                        <a:t>총선</a:t>
-                      </a:r>
-                      <a:r>
-                        <a:rPr lang="en-US" altLang="ko-KR" sz="1400" b="0" dirty="0" smtClean="0">
-                          <a:solidFill>
-                            <a:srgbClr val="FF0000"/>
-                          </a:solidFill>
-                        </a:rPr>
-                        <a:t>)</a:t>
-                      </a:r>
-                      <a:endParaRPr lang="ko-KR" altLang="en-US" sz="1400" b="0" dirty="0">
+                      <a:pPr algn="ctr" fontAlgn="b"/>
+                      <a:r>
+                        <a:rPr lang="ko-KR" altLang="en-US" sz="1100" u="none" strike="noStrike">
+                          <a:solidFill>
+                            <a:schemeClr val="tx1">
+                              <a:lumMod val="85000"/>
+                              <a:lumOff val="15000"/>
+                            </a:schemeClr>
+                          </a:solidFill>
+                          <a:effectLst/>
+                        </a:rPr>
+                        <a:t>순차 진행 </a:t>
+                      </a:r>
+                      <a:r>
+                        <a:rPr lang="en-US" altLang="ko-KR" sz="1100" u="none" strike="noStrike">
+                          <a:solidFill>
+                            <a:schemeClr val="tx1">
+                              <a:lumMod val="85000"/>
+                              <a:lumOff val="15000"/>
+                            </a:schemeClr>
+                          </a:solidFill>
+                          <a:effectLst/>
+                        </a:rPr>
+                        <a:t>/ </a:t>
+                      </a:r>
+                      <a:r>
+                        <a:rPr lang="ko-KR" altLang="en-US" sz="1100" u="none" strike="noStrike">
+                          <a:solidFill>
+                            <a:schemeClr val="tx1">
+                              <a:lumMod val="85000"/>
+                              <a:lumOff val="15000"/>
+                            </a:schemeClr>
+                          </a:solidFill>
+                          <a:effectLst/>
+                        </a:rPr>
+                        <a:t>오운완</a:t>
+                      </a:r>
+                      <a:endParaRPr lang="ko-KR" altLang="en-US" sz="1100" b="0" i="0" u="none" strike="noStrike">
                         <a:solidFill>
-                          <a:srgbClr val="FF0000"/>
+                          <a:schemeClr val="tx1">
+                            <a:lumMod val="85000"/>
+                            <a:lumOff val="15000"/>
+                          </a:schemeClr>
                         </a:solidFill>
+                        <a:effectLst/>
+                        <a:latin typeface="맑은 고딕" panose="020B0503020000020004" pitchFamily="50" charset="-127"/>
+                        <a:ea typeface="맑은 고딕" panose="020B0503020000020004" pitchFamily="50" charset="-127"/>
                       </a:endParaRPr>
                     </a:p>
                   </a:txBody>
-                  <a:tcPr/>
-                </a:tc>
-                <a:tc>
-                  <a:txBody>
-                    <a:bodyPr/>
-                    <a:lstStyle/>
-                    <a:p>
-                      <a:pPr latinLnBrk="1"/>
-                      <a:r>
-                        <a:rPr lang="en-US" altLang="ko-KR" sz="1400" b="0" dirty="0" smtClean="0"/>
-                        <a:t>11</a:t>
-                      </a:r>
-                      <a:endParaRPr lang="ko-KR" altLang="en-US" sz="1400" b="0" dirty="0"/>
-                    </a:p>
-                  </a:txBody>
-                  <a:tcPr>
+                  <a:tcPr marL="6757" marR="6757" marT="6757" marB="0" anchor="ctr">
                     <a:solidFill>
                       <a:srgbClr val="F8F9FA"/>
                     </a:solidFill>
@@ -18731,32 +20031,57 @@
                     <a:bodyPr/>
                     <a:lstStyle/>
                     <a:p>
-                      <a:pPr latinLnBrk="1"/>
-                      <a:r>
-                        <a:rPr lang="en-US" altLang="ko-KR" sz="1400" b="0" dirty="0" smtClean="0"/>
-                        <a:t>12</a:t>
-                      </a:r>
-                      <a:endParaRPr lang="ko-KR" altLang="en-US" sz="1400" b="0" dirty="0"/>
+                      <a:pPr algn="ctr" fontAlgn="b"/>
+                      <a:r>
+                        <a:rPr lang="ko-KR" altLang="en-US" sz="1100" u="none" strike="noStrike">
+                          <a:solidFill>
+                            <a:schemeClr val="tx1">
+                              <a:lumMod val="85000"/>
+                              <a:lumOff val="15000"/>
+                            </a:schemeClr>
+                          </a:solidFill>
+                          <a:effectLst/>
+                        </a:rPr>
+                        <a:t>사전 설문</a:t>
+                      </a:r>
+                      <a:r>
+                        <a:rPr lang="en-US" altLang="ko-KR" sz="1100" u="none" strike="noStrike">
+                          <a:solidFill>
+                            <a:schemeClr val="tx1">
+                              <a:lumMod val="85000"/>
+                              <a:lumOff val="15000"/>
+                            </a:schemeClr>
+                          </a:solidFill>
+                          <a:effectLst/>
+                        </a:rPr>
+                        <a:t>/ </a:t>
+                      </a:r>
+                      <a:r>
+                        <a:rPr lang="ko-KR" altLang="en-US" sz="1100" u="none" strike="noStrike">
+                          <a:solidFill>
+                            <a:schemeClr val="tx1">
+                              <a:lumMod val="85000"/>
+                              <a:lumOff val="15000"/>
+                            </a:schemeClr>
+                          </a:solidFill>
+                          <a:effectLst/>
+                        </a:rPr>
+                        <a:t>맞춤 플랜</a:t>
+                      </a:r>
+                      <a:endParaRPr lang="ko-KR" altLang="en-US" sz="1100" b="0" i="0" u="none" strike="noStrike">
+                        <a:solidFill>
+                          <a:schemeClr val="tx1">
+                            <a:lumMod val="85000"/>
+                            <a:lumOff val="15000"/>
+                          </a:schemeClr>
+                        </a:solidFill>
+                        <a:effectLst/>
+                        <a:latin typeface="맑은 고딕" panose="020B0503020000020004" pitchFamily="50" charset="-127"/>
+                        <a:ea typeface="맑은 고딕" panose="020B0503020000020004" pitchFamily="50" charset="-127"/>
+                      </a:endParaRPr>
                     </a:p>
                   </a:txBody>
-                  <a:tcPr/>
-                </a:tc>
-              </a:tr>
-              <a:tr h="441234">
-                <a:tc>
-                  <a:txBody>
-                    <a:bodyPr/>
-                    <a:lstStyle/>
-                    <a:p>
-                      <a:pPr latinLnBrk="1"/>
-                      <a:r>
-                        <a:rPr lang="en-US" altLang="ko-KR" sz="1400" b="0" dirty="0" smtClean="0"/>
-                        <a:t>15</a:t>
-                      </a:r>
-                      <a:endParaRPr lang="ko-KR" altLang="en-US" sz="1400" b="0" dirty="0"/>
-                    </a:p>
-                  </a:txBody>
-                  <a:tcPr>
+                  <a:tcPr marL="6757" marR="6757" marT="6757" marB="0" anchor="ctr">
                     <a:solidFill>
                       <a:srgbClr val="F8F9FA"/>
                     </a:solidFill>
@@ -18767,15 +20092,167 @@
                     <a:bodyPr/>
                     <a:lstStyle/>
                     <a:p>
-                      <a:pPr latinLnBrk="1"/>
-                      <a:r>
-                        <a:rPr lang="en-US" altLang="ko-KR" sz="1400" b="0" dirty="0" smtClean="0"/>
-                        <a:t>16</a:t>
-                      </a:r>
-                      <a:endParaRPr lang="ko-KR" altLang="en-US" sz="1400" b="0" dirty="0"/>
+                      <a:pPr algn="ctr" fontAlgn="b"/>
+                      <a:r>
+                        <a:rPr lang="ko-KR" altLang="en-US" sz="1100" u="none" strike="noStrike">
+                          <a:solidFill>
+                            <a:schemeClr val="tx1">
+                              <a:lumMod val="85000"/>
+                              <a:lumOff val="15000"/>
+                            </a:schemeClr>
+                          </a:solidFill>
+                          <a:effectLst/>
+                        </a:rPr>
+                        <a:t>챌린지 리스트</a:t>
+                      </a:r>
+                      <a:endParaRPr lang="ko-KR" altLang="en-US" sz="1100" b="0" i="0" u="none" strike="noStrike">
+                        <a:solidFill>
+                          <a:schemeClr val="tx1">
+                            <a:lumMod val="85000"/>
+                            <a:lumOff val="15000"/>
+                          </a:schemeClr>
+                        </a:solidFill>
+                        <a:effectLst/>
+                        <a:latin typeface="맑은 고딕" panose="020B0503020000020004" pitchFamily="50" charset="-127"/>
+                        <a:ea typeface="맑은 고딕" panose="020B0503020000020004" pitchFamily="50" charset="-127"/>
+                      </a:endParaRPr>
                     </a:p>
                   </a:txBody>
-                  <a:tcPr>
+                  <a:tcPr marL="6757" marR="6757" marT="6757" marB="0" anchor="ctr">
+                    <a:solidFill>
+                      <a:srgbClr val="F8F9FA"/>
+                    </a:solidFill>
+                  </a:tcPr>
+                </a:tc>
+              </a:tr>
+              <a:tr h="266544">
+                <a:tc>
+                  <a:txBody>
+                    <a:bodyPr/>
+                    <a:lstStyle/>
+                    <a:p>
+                      <a:pPr algn="ctr" fontAlgn="b"/>
+                      <a:r>
+                        <a:rPr lang="en-US" altLang="ko-KR" sz="1100" u="none" strike="noStrike">
+                          <a:solidFill>
+                            <a:schemeClr val="tx1">
+                              <a:lumMod val="85000"/>
+                              <a:lumOff val="15000"/>
+                            </a:schemeClr>
+                          </a:solidFill>
+                          <a:effectLst/>
+                        </a:rPr>
+                        <a:t>4</a:t>
+                      </a:r>
+                      <a:r>
+                        <a:rPr lang="ko-KR" altLang="en-US" sz="1100" u="none" strike="noStrike">
+                          <a:solidFill>
+                            <a:schemeClr val="tx1">
+                              <a:lumMod val="85000"/>
+                              <a:lumOff val="15000"/>
+                            </a:schemeClr>
+                          </a:solidFill>
+                          <a:effectLst/>
+                        </a:rPr>
+                        <a:t>월 </a:t>
+                      </a:r>
+                      <a:r>
+                        <a:rPr lang="en-US" altLang="ko-KR" sz="1100" u="none" strike="noStrike">
+                          <a:solidFill>
+                            <a:schemeClr val="tx1">
+                              <a:lumMod val="85000"/>
+                              <a:lumOff val="15000"/>
+                            </a:schemeClr>
+                          </a:solidFill>
+                          <a:effectLst/>
+                        </a:rPr>
+                        <a:t>15</a:t>
+                      </a:r>
+                      <a:r>
+                        <a:rPr lang="ko-KR" altLang="en-US" sz="1100" u="none" strike="noStrike">
+                          <a:solidFill>
+                            <a:schemeClr val="tx1">
+                              <a:lumMod val="85000"/>
+                              <a:lumOff val="15000"/>
+                            </a:schemeClr>
+                          </a:solidFill>
+                          <a:effectLst/>
+                        </a:rPr>
+                        <a:t>일</a:t>
+                      </a:r>
+                      <a:endParaRPr lang="ko-KR" altLang="en-US" sz="1100" b="0" i="0" u="none" strike="noStrike">
+                        <a:solidFill>
+                          <a:schemeClr val="tx1">
+                            <a:lumMod val="85000"/>
+                            <a:lumOff val="15000"/>
+                          </a:schemeClr>
+                        </a:solidFill>
+                        <a:effectLst/>
+                        <a:latin typeface="맑은 고딕" panose="020B0503020000020004" pitchFamily="50" charset="-127"/>
+                        <a:ea typeface="맑은 고딕" panose="020B0503020000020004" pitchFamily="50" charset="-127"/>
+                      </a:endParaRPr>
+                    </a:p>
+                  </a:txBody>
+                  <a:tcPr marL="6757" marR="6757" marT="6757" marB="0" anchor="ctr">
+                    <a:solidFill>
+                      <a:srgbClr val="D7D7D7"/>
+                    </a:solidFill>
+                  </a:tcPr>
+                </a:tc>
+                <a:tc>
+                  <a:txBody>
+                    <a:bodyPr/>
+                    <a:lstStyle/>
+                    <a:p>
+                      <a:pPr algn="ctr" fontAlgn="b"/>
+                      <a:r>
+                        <a:rPr lang="ko-KR" altLang="en-US" sz="1100" u="none" strike="noStrike">
+                          <a:solidFill>
+                            <a:schemeClr val="tx1">
+                              <a:lumMod val="85000"/>
+                              <a:lumOff val="15000"/>
+                            </a:schemeClr>
+                          </a:solidFill>
+                          <a:effectLst/>
+                        </a:rPr>
+                        <a:t>월요일</a:t>
+                      </a:r>
+                      <a:endParaRPr lang="ko-KR" altLang="en-US" sz="1100" b="0" i="0" u="none" strike="noStrike">
+                        <a:solidFill>
+                          <a:schemeClr val="tx1">
+                            <a:lumMod val="85000"/>
+                            <a:lumOff val="15000"/>
+                          </a:schemeClr>
+                        </a:solidFill>
+                        <a:effectLst/>
+                        <a:latin typeface="맑은 고딕" panose="020B0503020000020004" pitchFamily="50" charset="-127"/>
+                        <a:ea typeface="맑은 고딕" panose="020B0503020000020004" pitchFamily="50" charset="-127"/>
+                      </a:endParaRPr>
+                    </a:p>
+                  </a:txBody>
+                  <a:tcPr marL="6757" marR="6757" marT="6757" marB="0" anchor="ctr">
+                    <a:solidFill>
+                      <a:srgbClr val="D7D7D7"/>
+                    </a:solidFill>
+                  </a:tcPr>
+                </a:tc>
+                <a:tc vMerge="1">
+                  <a:txBody>
+                    <a:bodyPr/>
+                    <a:lstStyle/>
+                    <a:p>
+                      <a:pPr algn="ctr" fontAlgn="b"/>
+                      <a:endParaRPr lang="ko-KR" altLang="en-US" sz="1100" b="0" i="0" u="none" strike="noStrike" dirty="0">
+                        <a:solidFill>
+                          <a:srgbClr val="000000"/>
+                        </a:solidFill>
+                        <a:effectLst/>
+                        <a:latin typeface="맑은 고딕" panose="020B0503020000020004" pitchFamily="50" charset="-127"/>
+                        <a:ea typeface="맑은 고딕" panose="020B0503020000020004" pitchFamily="50" charset="-127"/>
+                      </a:endParaRPr>
+                    </a:p>
+                  </a:txBody>
+                  <a:tcPr marL="6757" marR="6757" marT="6757" marB="0" anchor="ctr">
                     <a:solidFill>
                       <a:srgbClr val="F8F9FA"/>
                     </a:solidFill>
@@ -18786,15 +20263,45 @@
                     <a:bodyPr/>
                     <a:lstStyle/>
                     <a:p>
-                      <a:pPr latinLnBrk="1"/>
-                      <a:r>
-                        <a:rPr lang="en-US" altLang="ko-KR" sz="1400" b="0" dirty="0" smtClean="0"/>
-                        <a:t>17</a:t>
-                      </a:r>
-                      <a:endParaRPr lang="ko-KR" altLang="en-US" sz="1400" b="0" dirty="0"/>
+                      <a:pPr algn="ctr" fontAlgn="b"/>
+                      <a:r>
+                        <a:rPr lang="en-US" sz="1100" u="none" strike="noStrike">
+                          <a:solidFill>
+                            <a:schemeClr val="tx1">
+                              <a:lumMod val="85000"/>
+                              <a:lumOff val="15000"/>
+                            </a:schemeClr>
+                          </a:solidFill>
+                          <a:effectLst/>
+                        </a:rPr>
+                        <a:t>PT </a:t>
+                      </a:r>
+                      <a:r>
+                        <a:rPr lang="ko-KR" altLang="en-US" sz="1100" u="none" strike="noStrike">
+                          <a:solidFill>
+                            <a:schemeClr val="tx1">
+                              <a:lumMod val="85000"/>
+                              <a:lumOff val="15000"/>
+                            </a:schemeClr>
+                          </a:solidFill>
+                          <a:effectLst/>
+                        </a:rPr>
+                        <a:t>챗봇</a:t>
+                      </a:r>
+                      <a:endParaRPr lang="ko-KR" altLang="en-US" sz="1100" b="0" i="0" u="none" strike="noStrike">
+                        <a:solidFill>
+                          <a:schemeClr val="tx1">
+                            <a:lumMod val="85000"/>
+                            <a:lumOff val="15000"/>
+                          </a:schemeClr>
+                        </a:solidFill>
+                        <a:effectLst/>
+                        <a:latin typeface="맑은 고딕" panose="020B0503020000020004" pitchFamily="50" charset="-127"/>
+                        <a:ea typeface="맑은 고딕" panose="020B0503020000020004" pitchFamily="50" charset="-127"/>
+                      </a:endParaRPr>
                     </a:p>
                   </a:txBody>
-                  <a:tcPr>
+                  <a:tcPr marL="6757" marR="6757" marT="6757" marB="0" anchor="ctr">
                     <a:solidFill>
                       <a:srgbClr val="F8F9FA"/>
                     </a:solidFill>
@@ -18805,15 +20312,57 @@
                     <a:bodyPr/>
                     <a:lstStyle/>
                     <a:p>
-                      <a:pPr latinLnBrk="1"/>
-                      <a:r>
-                        <a:rPr lang="en-US" altLang="ko-KR" sz="1400" b="0" dirty="0" smtClean="0"/>
-                        <a:t>18</a:t>
-                      </a:r>
-                      <a:endParaRPr lang="ko-KR" altLang="en-US" sz="1400" b="0" dirty="0"/>
+                      <a:pPr algn="ctr" fontAlgn="b"/>
+                      <a:r>
+                        <a:rPr lang="ko-KR" altLang="en-US" sz="1100" u="none" strike="noStrike">
+                          <a:solidFill>
+                            <a:schemeClr val="tx1">
+                              <a:lumMod val="85000"/>
+                              <a:lumOff val="15000"/>
+                            </a:schemeClr>
+                          </a:solidFill>
+                          <a:effectLst/>
+                        </a:rPr>
+                        <a:t>회원 가입 </a:t>
+                      </a:r>
+                      <a:r>
+                        <a:rPr lang="en-US" altLang="ko-KR" sz="1100" u="none" strike="noStrike">
+                          <a:solidFill>
+                            <a:schemeClr val="tx1">
+                              <a:lumMod val="85000"/>
+                              <a:lumOff val="15000"/>
+                            </a:schemeClr>
+                          </a:solidFill>
+                          <a:effectLst/>
+                        </a:rPr>
+                        <a:t>/ </a:t>
+                      </a:r>
+                      <a:r>
+                        <a:rPr lang="ko-KR" altLang="en-US" sz="1100" u="none" strike="noStrike">
+                          <a:solidFill>
+                            <a:schemeClr val="tx1">
+                              <a:lumMod val="85000"/>
+                              <a:lumOff val="15000"/>
+                            </a:schemeClr>
+                          </a:solidFill>
+                          <a:effectLst/>
+                        </a:rPr>
+                        <a:t>탈퇴</a:t>
+                      </a:r>
+                      <a:endParaRPr lang="ko-KR" altLang="en-US" sz="1100" b="0" i="0" u="none" strike="noStrike">
+                        <a:solidFill>
+                          <a:schemeClr val="tx1">
+                            <a:lumMod val="85000"/>
+                            <a:lumOff val="15000"/>
+                          </a:schemeClr>
+                        </a:solidFill>
+                        <a:effectLst/>
+                        <a:latin typeface="맑은 고딕" panose="020B0503020000020004" pitchFamily="50" charset="-127"/>
+                        <a:ea typeface="맑은 고딕" panose="020B0503020000020004" pitchFamily="50" charset="-127"/>
+                      </a:endParaRPr>
                     </a:p>
                   </a:txBody>
-                  <a:tcPr>
+                  <a:tcPr marL="6757" marR="6757" marT="6757" marB="0" anchor="ctr">
                     <a:solidFill>
                       <a:srgbClr val="F8F9FA"/>
                     </a:solidFill>
@@ -18824,36 +20373,167 @@
                     <a:bodyPr/>
                     <a:lstStyle/>
                     <a:p>
-                      <a:pPr latinLnBrk="1"/>
-                      <a:r>
-                        <a:rPr lang="en-US" altLang="ko-KR" sz="1400" b="0" dirty="0" smtClean="0"/>
-                        <a:t>19</a:t>
-                      </a:r>
-                      <a:endParaRPr lang="ko-KR" altLang="en-US" sz="1400" b="0" dirty="0"/>
+                      <a:pPr algn="ctr" fontAlgn="b"/>
+                      <a:r>
+                        <a:rPr lang="ko-KR" altLang="en-US" sz="1100" u="none" strike="noStrike">
+                          <a:solidFill>
+                            <a:schemeClr val="tx1">
+                              <a:lumMod val="85000"/>
+                              <a:lumOff val="15000"/>
+                            </a:schemeClr>
+                          </a:solidFill>
+                          <a:effectLst/>
+                        </a:rPr>
+                        <a:t>챌린지 상세</a:t>
+                      </a:r>
+                      <a:endParaRPr lang="ko-KR" altLang="en-US" sz="1100" b="0" i="0" u="none" strike="noStrike">
+                        <a:solidFill>
+                          <a:schemeClr val="tx1">
+                            <a:lumMod val="85000"/>
+                            <a:lumOff val="15000"/>
+                          </a:schemeClr>
+                        </a:solidFill>
+                        <a:effectLst/>
+                        <a:latin typeface="맑은 고딕" panose="020B0503020000020004" pitchFamily="50" charset="-127"/>
+                        <a:ea typeface="맑은 고딕" panose="020B0503020000020004" pitchFamily="50" charset="-127"/>
+                      </a:endParaRPr>
                     </a:p>
                   </a:txBody>
-                  <a:tcPr>
+                  <a:tcPr marL="6757" marR="6757" marT="6757" marB="0" anchor="ctr">
                     <a:solidFill>
                       <a:srgbClr val="F8F9FA"/>
                     </a:solidFill>
                   </a:tcPr>
                 </a:tc>
               </a:tr>
-              <a:tr h="441234">
+              <a:tr h="266544">
                 <a:tc>
                   <a:txBody>
                     <a:bodyPr/>
                     <a:lstStyle/>
                     <a:p>
-                      <a:pPr latinLnBrk="1"/>
-                      <a:r>
-                        <a:rPr lang="en-US" altLang="ko-KR" sz="1400" b="0" dirty="0" smtClean="0"/>
-                        <a:t>22</a:t>
-                      </a:r>
-                      <a:endParaRPr lang="ko-KR" altLang="en-US" sz="1400" b="0" dirty="0"/>
+                      <a:pPr algn="ctr" fontAlgn="b"/>
+                      <a:r>
+                        <a:rPr lang="en-US" altLang="ko-KR" sz="1100" u="none" strike="noStrike">
+                          <a:solidFill>
+                            <a:schemeClr val="tx1">
+                              <a:lumMod val="85000"/>
+                              <a:lumOff val="15000"/>
+                            </a:schemeClr>
+                          </a:solidFill>
+                          <a:effectLst/>
+                        </a:rPr>
+                        <a:t>4</a:t>
+                      </a:r>
+                      <a:r>
+                        <a:rPr lang="ko-KR" altLang="en-US" sz="1100" u="none" strike="noStrike">
+                          <a:solidFill>
+                            <a:schemeClr val="tx1">
+                              <a:lumMod val="85000"/>
+                              <a:lumOff val="15000"/>
+                            </a:schemeClr>
+                          </a:solidFill>
+                          <a:effectLst/>
+                        </a:rPr>
+                        <a:t>월 </a:t>
+                      </a:r>
+                      <a:r>
+                        <a:rPr lang="en-US" altLang="ko-KR" sz="1100" u="none" strike="noStrike">
+                          <a:solidFill>
+                            <a:schemeClr val="tx1">
+                              <a:lumMod val="85000"/>
+                              <a:lumOff val="15000"/>
+                            </a:schemeClr>
+                          </a:solidFill>
+                          <a:effectLst/>
+                        </a:rPr>
+                        <a:t>16</a:t>
+                      </a:r>
+                      <a:r>
+                        <a:rPr lang="ko-KR" altLang="en-US" sz="1100" u="none" strike="noStrike">
+                          <a:solidFill>
+                            <a:schemeClr val="tx1">
+                              <a:lumMod val="85000"/>
+                              <a:lumOff val="15000"/>
+                            </a:schemeClr>
+                          </a:solidFill>
+                          <a:effectLst/>
+                        </a:rPr>
+                        <a:t>일</a:t>
+                      </a:r>
+                      <a:endParaRPr lang="ko-KR" altLang="en-US" sz="1100" b="0" i="0" u="none" strike="noStrike">
+                        <a:solidFill>
+                          <a:schemeClr val="tx1">
+                            <a:lumMod val="85000"/>
+                            <a:lumOff val="15000"/>
+                          </a:schemeClr>
+                        </a:solidFill>
+                        <a:effectLst/>
+                        <a:latin typeface="맑은 고딕" panose="020B0503020000020004" pitchFamily="50" charset="-127"/>
+                        <a:ea typeface="맑은 고딕" panose="020B0503020000020004" pitchFamily="50" charset="-127"/>
+                      </a:endParaRPr>
                     </a:p>
                   </a:txBody>
-                  <a:tcPr>
+                  <a:tcPr marL="6757" marR="6757" marT="6757" marB="0" anchor="ctr">
+                    <a:solidFill>
+                      <a:srgbClr val="D7D7D7"/>
+                    </a:solidFill>
+                  </a:tcPr>
+                </a:tc>
+                <a:tc>
+                  <a:txBody>
+                    <a:bodyPr/>
+                    <a:lstStyle/>
+                    <a:p>
+                      <a:pPr algn="ctr" fontAlgn="b"/>
+                      <a:r>
+                        <a:rPr lang="ko-KR" altLang="en-US" sz="1100" u="none" strike="noStrike">
+                          <a:solidFill>
+                            <a:schemeClr val="tx1">
+                              <a:lumMod val="85000"/>
+                              <a:lumOff val="15000"/>
+                            </a:schemeClr>
+                          </a:solidFill>
+                          <a:effectLst/>
+                        </a:rPr>
+                        <a:t>화요일</a:t>
+                      </a:r>
+                      <a:endParaRPr lang="ko-KR" altLang="en-US" sz="1100" b="0" i="0" u="none" strike="noStrike">
+                        <a:solidFill>
+                          <a:schemeClr val="tx1">
+                            <a:lumMod val="85000"/>
+                            <a:lumOff val="15000"/>
+                          </a:schemeClr>
+                        </a:solidFill>
+                        <a:effectLst/>
+                        <a:latin typeface="맑은 고딕" panose="020B0503020000020004" pitchFamily="50" charset="-127"/>
+                        <a:ea typeface="맑은 고딕" panose="020B0503020000020004" pitchFamily="50" charset="-127"/>
+                      </a:endParaRPr>
+                    </a:p>
+                  </a:txBody>
+                  <a:tcPr marL="6757" marR="6757" marT="6757" marB="0" anchor="ctr">
+                    <a:solidFill>
+                      <a:srgbClr val="D7D7D7"/>
+                    </a:solidFill>
+                  </a:tcPr>
+                </a:tc>
+                <a:tc vMerge="1">
+                  <a:txBody>
+                    <a:bodyPr/>
+                    <a:lstStyle/>
+                    <a:p>
+                      <a:pPr algn="ctr" fontAlgn="b"/>
+                      <a:endParaRPr lang="ko-KR" altLang="en-US" sz="1100" b="0" i="0" u="none" strike="noStrike">
+                        <a:solidFill>
+                          <a:srgbClr val="000000"/>
+                        </a:solidFill>
+                        <a:effectLst/>
+                        <a:latin typeface="맑은 고딕" panose="020B0503020000020004" pitchFamily="50" charset="-127"/>
+                        <a:ea typeface="맑은 고딕" panose="020B0503020000020004" pitchFamily="50" charset="-127"/>
+                      </a:endParaRPr>
+                    </a:p>
+                  </a:txBody>
+                  <a:tcPr marL="6757" marR="6757" marT="6757" marB="0" anchor="ctr">
                     <a:solidFill>
                       <a:srgbClr val="F8F9FA"/>
                     </a:solidFill>
@@ -18864,15 +20544,33 @@
                     <a:bodyPr/>
                     <a:lstStyle/>
                     <a:p>
-                      <a:pPr latinLnBrk="1"/>
-                      <a:r>
-                        <a:rPr lang="en-US" altLang="ko-KR" sz="1400" b="0" dirty="0" smtClean="0"/>
-                        <a:t>23</a:t>
-                      </a:r>
-                      <a:endParaRPr lang="ko-KR" altLang="en-US" sz="1400" b="0" dirty="0"/>
+                      <a:pPr algn="ctr" fontAlgn="b"/>
+                      <a:r>
+                        <a:rPr lang="ko-KR" altLang="en-US" sz="1100" u="none" strike="noStrike" dirty="0">
+                          <a:solidFill>
+                            <a:schemeClr val="tx1">
+                              <a:lumMod val="85000"/>
+                              <a:lumOff val="15000"/>
+                            </a:schemeClr>
+                          </a:solidFill>
+                          <a:effectLst/>
+                        </a:rPr>
+                        <a:t>영상 추천 품질 개선</a:t>
+                      </a:r>
+                      <a:endParaRPr lang="ko-KR" altLang="en-US" sz="1100" b="0" i="0" u="none" strike="noStrike" dirty="0">
+                        <a:solidFill>
+                          <a:schemeClr val="tx1">
+                            <a:lumMod val="85000"/>
+                            <a:lumOff val="15000"/>
+                          </a:schemeClr>
+                        </a:solidFill>
+                        <a:effectLst/>
+                        <a:latin typeface="맑은 고딕" panose="020B0503020000020004" pitchFamily="50" charset="-127"/>
+                        <a:ea typeface="맑은 고딕" panose="020B0503020000020004" pitchFamily="50" charset="-127"/>
+                      </a:endParaRPr>
                     </a:p>
                   </a:txBody>
-                  <a:tcPr>
+                  <a:tcPr marL="6757" marR="6757" marT="6757" marB="0" anchor="ctr">
                     <a:solidFill>
                       <a:srgbClr val="F8F9FA"/>
                     </a:solidFill>
@@ -18883,15 +20581,57 @@
                     <a:bodyPr/>
                     <a:lstStyle/>
                     <a:p>
-                      <a:pPr latinLnBrk="1"/>
-                      <a:r>
-                        <a:rPr lang="en-US" altLang="ko-KR" sz="1400" b="0" dirty="0" smtClean="0"/>
-                        <a:t>24</a:t>
-                      </a:r>
-                      <a:endParaRPr lang="ko-KR" altLang="en-US" sz="1400" b="0" dirty="0"/>
+                      <a:pPr algn="ctr" fontAlgn="b"/>
+                      <a:r>
+                        <a:rPr lang="ko-KR" altLang="en-US" sz="1100" u="none" strike="noStrike">
+                          <a:solidFill>
+                            <a:schemeClr val="tx1">
+                              <a:lumMod val="85000"/>
+                              <a:lumOff val="15000"/>
+                            </a:schemeClr>
+                          </a:solidFill>
+                          <a:effectLst/>
+                        </a:rPr>
+                        <a:t>로그인 </a:t>
+                      </a:r>
+                      <a:r>
+                        <a:rPr lang="en-US" altLang="ko-KR" sz="1100" u="none" strike="noStrike">
+                          <a:solidFill>
+                            <a:schemeClr val="tx1">
+                              <a:lumMod val="85000"/>
+                              <a:lumOff val="15000"/>
+                            </a:schemeClr>
+                          </a:solidFill>
+                          <a:effectLst/>
+                        </a:rPr>
+                        <a:t>/ </a:t>
+                      </a:r>
+                      <a:r>
+                        <a:rPr lang="ko-KR" altLang="en-US" sz="1100" u="none" strike="noStrike">
+                          <a:solidFill>
+                            <a:schemeClr val="tx1">
+                              <a:lumMod val="85000"/>
+                              <a:lumOff val="15000"/>
+                            </a:schemeClr>
+                          </a:solidFill>
+                          <a:effectLst/>
+                        </a:rPr>
+                        <a:t>로그아웃</a:t>
+                      </a:r>
+                      <a:endParaRPr lang="ko-KR" altLang="en-US" sz="1100" b="0" i="0" u="none" strike="noStrike">
+                        <a:solidFill>
+                          <a:schemeClr val="tx1">
+                            <a:lumMod val="85000"/>
+                            <a:lumOff val="15000"/>
+                          </a:schemeClr>
+                        </a:solidFill>
+                        <a:effectLst/>
+                        <a:latin typeface="맑은 고딕" panose="020B0503020000020004" pitchFamily="50" charset="-127"/>
+                        <a:ea typeface="맑은 고딕" panose="020B0503020000020004" pitchFamily="50" charset="-127"/>
+                      </a:endParaRPr>
                     </a:p>
                   </a:txBody>
-                  <a:tcPr>
+                  <a:tcPr marL="6757" marR="6757" marT="6757" marB="0" anchor="ctr">
                     <a:solidFill>
                       <a:srgbClr val="F8F9FA"/>
                     </a:solidFill>
@@ -18902,15 +20642,167 @@
                     <a:bodyPr/>
                     <a:lstStyle/>
                     <a:p>
-                      <a:pPr latinLnBrk="1"/>
-                      <a:r>
-                        <a:rPr lang="en-US" altLang="ko-KR" sz="1400" b="0" dirty="0" smtClean="0"/>
-                        <a:t>25</a:t>
-                      </a:r>
-                      <a:endParaRPr lang="ko-KR" altLang="en-US" sz="1400" b="0" dirty="0"/>
+                      <a:pPr algn="ctr" fontAlgn="b"/>
+                      <a:r>
+                        <a:rPr lang="ko-KR" altLang="en-US" sz="1100" u="none" strike="noStrike">
+                          <a:solidFill>
+                            <a:schemeClr val="tx1">
+                              <a:lumMod val="85000"/>
+                              <a:lumOff val="15000"/>
+                            </a:schemeClr>
+                          </a:solidFill>
+                          <a:effectLst/>
+                        </a:rPr>
+                        <a:t>챌린지 수정</a:t>
+                      </a:r>
+                      <a:endParaRPr lang="ko-KR" altLang="en-US" sz="1100" b="0" i="0" u="none" strike="noStrike">
+                        <a:solidFill>
+                          <a:schemeClr val="tx1">
+                            <a:lumMod val="85000"/>
+                            <a:lumOff val="15000"/>
+                          </a:schemeClr>
+                        </a:solidFill>
+                        <a:effectLst/>
+                        <a:latin typeface="맑은 고딕" panose="020B0503020000020004" pitchFamily="50" charset="-127"/>
+                        <a:ea typeface="맑은 고딕" panose="020B0503020000020004" pitchFamily="50" charset="-127"/>
+                      </a:endParaRPr>
                     </a:p>
                   </a:txBody>
-                  <a:tcPr>
+                  <a:tcPr marL="6757" marR="6757" marT="6757" marB="0" anchor="ctr">
+                    <a:solidFill>
+                      <a:srgbClr val="F8F9FA"/>
+                    </a:solidFill>
+                  </a:tcPr>
+                </a:tc>
+              </a:tr>
+              <a:tr h="266544">
+                <a:tc>
+                  <a:txBody>
+                    <a:bodyPr/>
+                    <a:lstStyle/>
+                    <a:p>
+                      <a:pPr algn="ctr" fontAlgn="b"/>
+                      <a:r>
+                        <a:rPr lang="en-US" altLang="ko-KR" sz="1100" u="none" strike="noStrike">
+                          <a:solidFill>
+                            <a:schemeClr val="tx1">
+                              <a:lumMod val="85000"/>
+                              <a:lumOff val="15000"/>
+                            </a:schemeClr>
+                          </a:solidFill>
+                          <a:effectLst/>
+                        </a:rPr>
+                        <a:t>4</a:t>
+                      </a:r>
+                      <a:r>
+                        <a:rPr lang="ko-KR" altLang="en-US" sz="1100" u="none" strike="noStrike">
+                          <a:solidFill>
+                            <a:schemeClr val="tx1">
+                              <a:lumMod val="85000"/>
+                              <a:lumOff val="15000"/>
+                            </a:schemeClr>
+                          </a:solidFill>
+                          <a:effectLst/>
+                        </a:rPr>
+                        <a:t>월 </a:t>
+                      </a:r>
+                      <a:r>
+                        <a:rPr lang="en-US" altLang="ko-KR" sz="1100" u="none" strike="noStrike">
+                          <a:solidFill>
+                            <a:schemeClr val="tx1">
+                              <a:lumMod val="85000"/>
+                              <a:lumOff val="15000"/>
+                            </a:schemeClr>
+                          </a:solidFill>
+                          <a:effectLst/>
+                        </a:rPr>
+                        <a:t>17</a:t>
+                      </a:r>
+                      <a:r>
+                        <a:rPr lang="ko-KR" altLang="en-US" sz="1100" u="none" strike="noStrike">
+                          <a:solidFill>
+                            <a:schemeClr val="tx1">
+                              <a:lumMod val="85000"/>
+                              <a:lumOff val="15000"/>
+                            </a:schemeClr>
+                          </a:solidFill>
+                          <a:effectLst/>
+                        </a:rPr>
+                        <a:t>일</a:t>
+                      </a:r>
+                      <a:endParaRPr lang="ko-KR" altLang="en-US" sz="1100" b="0" i="0" u="none" strike="noStrike">
+                        <a:solidFill>
+                          <a:schemeClr val="tx1">
+                            <a:lumMod val="85000"/>
+                            <a:lumOff val="15000"/>
+                          </a:schemeClr>
+                        </a:solidFill>
+                        <a:effectLst/>
+                        <a:latin typeface="맑은 고딕" panose="020B0503020000020004" pitchFamily="50" charset="-127"/>
+                        <a:ea typeface="맑은 고딕" panose="020B0503020000020004" pitchFamily="50" charset="-127"/>
+                      </a:endParaRPr>
+                    </a:p>
+                  </a:txBody>
+                  <a:tcPr marL="6757" marR="6757" marT="6757" marB="0" anchor="ctr">
+                    <a:solidFill>
+                      <a:srgbClr val="D7D7D7"/>
+                    </a:solidFill>
+                  </a:tcPr>
+                </a:tc>
+                <a:tc>
+                  <a:txBody>
+                    <a:bodyPr/>
+                    <a:lstStyle/>
+                    <a:p>
+                      <a:pPr algn="ctr" fontAlgn="b"/>
+                      <a:r>
+                        <a:rPr lang="ko-KR" altLang="en-US" sz="1100" u="none" strike="noStrike">
+                          <a:solidFill>
+                            <a:schemeClr val="tx1">
+                              <a:lumMod val="85000"/>
+                              <a:lumOff val="15000"/>
+                            </a:schemeClr>
+                          </a:solidFill>
+                          <a:effectLst/>
+                        </a:rPr>
+                        <a:t>수요일</a:t>
+                      </a:r>
+                      <a:endParaRPr lang="ko-KR" altLang="en-US" sz="1100" b="0" i="0" u="none" strike="noStrike">
+                        <a:solidFill>
+                          <a:schemeClr val="tx1">
+                            <a:lumMod val="85000"/>
+                            <a:lumOff val="15000"/>
+                          </a:schemeClr>
+                        </a:solidFill>
+                        <a:effectLst/>
+                        <a:latin typeface="맑은 고딕" panose="020B0503020000020004" pitchFamily="50" charset="-127"/>
+                        <a:ea typeface="맑은 고딕" panose="020B0503020000020004" pitchFamily="50" charset="-127"/>
+                      </a:endParaRPr>
+                    </a:p>
+                  </a:txBody>
+                  <a:tcPr marL="6757" marR="6757" marT="6757" marB="0" anchor="ctr">
+                    <a:solidFill>
+                      <a:srgbClr val="D7D7D7"/>
+                    </a:solidFill>
+                  </a:tcPr>
+                </a:tc>
+                <a:tc vMerge="1">
+                  <a:txBody>
+                    <a:bodyPr/>
+                    <a:lstStyle/>
+                    <a:p>
+                      <a:pPr algn="ctr" fontAlgn="b"/>
+                      <a:endParaRPr lang="ko-KR" altLang="en-US" sz="1100" b="0" i="0" u="none" strike="noStrike" dirty="0">
+                        <a:solidFill>
+                          <a:srgbClr val="000000"/>
+                        </a:solidFill>
+                        <a:effectLst/>
+                        <a:latin typeface="맑은 고딕" panose="020B0503020000020004" pitchFamily="50" charset="-127"/>
+                        <a:ea typeface="맑은 고딕" panose="020B0503020000020004" pitchFamily="50" charset="-127"/>
+                      </a:endParaRPr>
+                    </a:p>
+                  </a:txBody>
+                  <a:tcPr marL="6757" marR="6757" marT="6757" marB="0" anchor="ctr">
                     <a:solidFill>
                       <a:srgbClr val="F8F9FA"/>
                     </a:solidFill>
@@ -18921,36 +20813,33 @@
                     <a:bodyPr/>
                     <a:lstStyle/>
                     <a:p>
-                      <a:pPr latinLnBrk="1"/>
-                      <a:r>
-                        <a:rPr lang="en-US" altLang="ko-KR" sz="1400" b="0" dirty="0" smtClean="0"/>
-                        <a:t>26</a:t>
-                      </a:r>
-                      <a:endParaRPr lang="ko-KR" altLang="en-US" sz="1400" b="0" dirty="0"/>
+                      <a:pPr algn="ctr" fontAlgn="b"/>
+                      <a:r>
+                        <a:rPr lang="ko-KR" altLang="en-US" sz="1100" u="none" strike="noStrike">
+                          <a:solidFill>
+                            <a:schemeClr val="tx1">
+                              <a:lumMod val="85000"/>
+                              <a:lumOff val="15000"/>
+                            </a:schemeClr>
+                          </a:solidFill>
+                          <a:effectLst/>
+                        </a:rPr>
+                        <a:t>챗봇 품질 개선</a:t>
+                      </a:r>
+                      <a:endParaRPr lang="ko-KR" altLang="en-US" sz="1100" b="0" i="0" u="none" strike="noStrike">
+                        <a:solidFill>
+                          <a:schemeClr val="tx1">
+                            <a:lumMod val="85000"/>
+                            <a:lumOff val="15000"/>
+                          </a:schemeClr>
+                        </a:solidFill>
+                        <a:effectLst/>
+                        <a:latin typeface="맑은 고딕" panose="020B0503020000020004" pitchFamily="50" charset="-127"/>
+                        <a:ea typeface="맑은 고딕" panose="020B0503020000020004" pitchFamily="50" charset="-127"/>
+                      </a:endParaRPr>
                     </a:p>
                   </a:txBody>
-                  <a:tcPr>
-                    <a:solidFill>
-                      <a:srgbClr val="F8F9FA"/>
-                    </a:solidFill>
-                  </a:tcPr>
-                </a:tc>
-              </a:tr>
-              <a:tr h="441234">
-                <a:tc>
-                  <a:txBody>
-                    <a:bodyPr/>
-                    <a:lstStyle/>
-                    <a:p>
-                      <a:pPr latinLnBrk="1"/>
-                      <a:r>
-                        <a:rPr lang="en-US" altLang="ko-KR" sz="1400" b="0" dirty="0" smtClean="0"/>
-                        <a:t>29</a:t>
-                      </a:r>
-                      <a:endParaRPr lang="ko-KR" altLang="en-US" sz="1400" b="0" dirty="0"/>
-                    </a:p>
-                  </a:txBody>
-                  <a:tcPr>
+                  <a:tcPr marL="6757" marR="6757" marT="6757" marB="0" anchor="ctr">
                     <a:solidFill>
                       <a:srgbClr val="F8F9FA"/>
                     </a:solidFill>
@@ -18961,15 +20850,33 @@
                     <a:bodyPr/>
                     <a:lstStyle/>
                     <a:p>
-                      <a:pPr latinLnBrk="1"/>
-                      <a:r>
-                        <a:rPr lang="en-US" altLang="ko-KR" sz="1400" b="0" dirty="0" smtClean="0"/>
-                        <a:t>30</a:t>
-                      </a:r>
-                      <a:endParaRPr lang="ko-KR" altLang="en-US" sz="1400" b="0" dirty="0"/>
+                      <a:pPr algn="ctr" fontAlgn="b"/>
+                      <a:r>
+                        <a:rPr lang="ko-KR" altLang="en-US" sz="1100" u="none" strike="noStrike">
+                          <a:solidFill>
+                            <a:schemeClr val="tx1">
+                              <a:lumMod val="85000"/>
+                              <a:lumOff val="15000"/>
+                            </a:schemeClr>
+                          </a:solidFill>
+                          <a:effectLst/>
+                        </a:rPr>
+                        <a:t>고객문의</a:t>
+                      </a:r>
+                      <a:endParaRPr lang="ko-KR" altLang="en-US" sz="1100" b="0" i="0" u="none" strike="noStrike">
+                        <a:solidFill>
+                          <a:schemeClr val="tx1">
+                            <a:lumMod val="85000"/>
+                            <a:lumOff val="15000"/>
+                          </a:schemeClr>
+                        </a:solidFill>
+                        <a:effectLst/>
+                        <a:latin typeface="맑은 고딕" panose="020B0503020000020004" pitchFamily="50" charset="-127"/>
+                        <a:ea typeface="맑은 고딕" panose="020B0503020000020004" pitchFamily="50" charset="-127"/>
+                      </a:endParaRPr>
                     </a:p>
                   </a:txBody>
-                  <a:tcPr>
+                  <a:tcPr marL="6757" marR="6757" marT="6757" marB="0" anchor="ctr">
                     <a:solidFill>
                       <a:srgbClr val="F8F9FA"/>
                     </a:solidFill>
@@ -18980,23 +20887,167 @@
                     <a:bodyPr/>
                     <a:lstStyle/>
                     <a:p>
-                      <a:pPr latinLnBrk="1"/>
-                      <a:r>
-                        <a:rPr lang="en-US" altLang="ko-KR" sz="1400" b="0" dirty="0" smtClean="0"/>
-                        <a:t>5</a:t>
-                      </a:r>
-                      <a:r>
-                        <a:rPr lang="ko-KR" altLang="en-US" sz="1400" b="0" dirty="0" smtClean="0"/>
-                        <a:t>월 </a:t>
-                      </a:r>
-                      <a:r>
-                        <a:rPr lang="en-US" altLang="ko-KR" sz="1400" b="0" dirty="0" smtClean="0"/>
-                        <a:t>1</a:t>
-                      </a:r>
-                      <a:endParaRPr lang="ko-KR" altLang="en-US" sz="1400" b="0" dirty="0"/>
+                      <a:pPr algn="ctr" fontAlgn="b"/>
+                      <a:r>
+                        <a:rPr lang="ko-KR" altLang="en-US" sz="1100" u="none" strike="noStrike">
+                          <a:solidFill>
+                            <a:schemeClr val="tx1">
+                              <a:lumMod val="85000"/>
+                              <a:lumOff val="15000"/>
+                            </a:schemeClr>
+                          </a:solidFill>
+                          <a:effectLst/>
+                        </a:rPr>
+                        <a:t>챌린지 삭제</a:t>
+                      </a:r>
+                      <a:endParaRPr lang="ko-KR" altLang="en-US" sz="1100" b="0" i="0" u="none" strike="noStrike">
+                        <a:solidFill>
+                          <a:schemeClr val="tx1">
+                            <a:lumMod val="85000"/>
+                            <a:lumOff val="15000"/>
+                          </a:schemeClr>
+                        </a:solidFill>
+                        <a:effectLst/>
+                        <a:latin typeface="맑은 고딕" panose="020B0503020000020004" pitchFamily="50" charset="-127"/>
+                        <a:ea typeface="맑은 고딕" panose="020B0503020000020004" pitchFamily="50" charset="-127"/>
+                      </a:endParaRPr>
                     </a:p>
                   </a:txBody>
-                  <a:tcPr>
+                  <a:tcPr marL="6757" marR="6757" marT="6757" marB="0" anchor="ctr">
+                    <a:solidFill>
+                      <a:srgbClr val="F8F9FA"/>
+                    </a:solidFill>
+                  </a:tcPr>
+                </a:tc>
+              </a:tr>
+              <a:tr h="266544">
+                <a:tc>
+                  <a:txBody>
+                    <a:bodyPr/>
+                    <a:lstStyle/>
+                    <a:p>
+                      <a:pPr algn="ctr" fontAlgn="b"/>
+                      <a:r>
+                        <a:rPr lang="en-US" altLang="ko-KR" sz="1100" u="none" strike="noStrike">
+                          <a:solidFill>
+                            <a:schemeClr val="tx1">
+                              <a:lumMod val="85000"/>
+                              <a:lumOff val="15000"/>
+                            </a:schemeClr>
+                          </a:solidFill>
+                          <a:effectLst/>
+                        </a:rPr>
+                        <a:t>4</a:t>
+                      </a:r>
+                      <a:r>
+                        <a:rPr lang="ko-KR" altLang="en-US" sz="1100" u="none" strike="noStrike">
+                          <a:solidFill>
+                            <a:schemeClr val="tx1">
+                              <a:lumMod val="85000"/>
+                              <a:lumOff val="15000"/>
+                            </a:schemeClr>
+                          </a:solidFill>
+                          <a:effectLst/>
+                        </a:rPr>
+                        <a:t>월 </a:t>
+                      </a:r>
+                      <a:r>
+                        <a:rPr lang="en-US" altLang="ko-KR" sz="1100" u="none" strike="noStrike">
+                          <a:solidFill>
+                            <a:schemeClr val="tx1">
+                              <a:lumMod val="85000"/>
+                              <a:lumOff val="15000"/>
+                            </a:schemeClr>
+                          </a:solidFill>
+                          <a:effectLst/>
+                        </a:rPr>
+                        <a:t>18</a:t>
+                      </a:r>
+                      <a:r>
+                        <a:rPr lang="ko-KR" altLang="en-US" sz="1100" u="none" strike="noStrike">
+                          <a:solidFill>
+                            <a:schemeClr val="tx1">
+                              <a:lumMod val="85000"/>
+                              <a:lumOff val="15000"/>
+                            </a:schemeClr>
+                          </a:solidFill>
+                          <a:effectLst/>
+                        </a:rPr>
+                        <a:t>일</a:t>
+                      </a:r>
+                      <a:endParaRPr lang="ko-KR" altLang="en-US" sz="1100" b="0" i="0" u="none" strike="noStrike">
+                        <a:solidFill>
+                          <a:schemeClr val="tx1">
+                            <a:lumMod val="85000"/>
+                            <a:lumOff val="15000"/>
+                          </a:schemeClr>
+                        </a:solidFill>
+                        <a:effectLst/>
+                        <a:latin typeface="맑은 고딕" panose="020B0503020000020004" pitchFamily="50" charset="-127"/>
+                        <a:ea typeface="맑은 고딕" panose="020B0503020000020004" pitchFamily="50" charset="-127"/>
+                      </a:endParaRPr>
+                    </a:p>
+                  </a:txBody>
+                  <a:tcPr marL="6757" marR="6757" marT="6757" marB="0" anchor="ctr">
+                    <a:solidFill>
+                      <a:srgbClr val="D7D7D7"/>
+                    </a:solidFill>
+                  </a:tcPr>
+                </a:tc>
+                <a:tc>
+                  <a:txBody>
+                    <a:bodyPr/>
+                    <a:lstStyle/>
+                    <a:p>
+                      <a:pPr algn="ctr" fontAlgn="b"/>
+                      <a:r>
+                        <a:rPr lang="ko-KR" altLang="en-US" sz="1100" u="none" strike="noStrike">
+                          <a:solidFill>
+                            <a:schemeClr val="tx1">
+                              <a:lumMod val="85000"/>
+                              <a:lumOff val="15000"/>
+                            </a:schemeClr>
+                          </a:solidFill>
+                          <a:effectLst/>
+                        </a:rPr>
+                        <a:t>목요일</a:t>
+                      </a:r>
+                      <a:endParaRPr lang="ko-KR" altLang="en-US" sz="1100" b="0" i="0" u="none" strike="noStrike">
+                        <a:solidFill>
+                          <a:schemeClr val="tx1">
+                            <a:lumMod val="85000"/>
+                            <a:lumOff val="15000"/>
+                          </a:schemeClr>
+                        </a:solidFill>
+                        <a:effectLst/>
+                        <a:latin typeface="맑은 고딕" panose="020B0503020000020004" pitchFamily="50" charset="-127"/>
+                        <a:ea typeface="맑은 고딕" panose="020B0503020000020004" pitchFamily="50" charset="-127"/>
+                      </a:endParaRPr>
+                    </a:p>
+                  </a:txBody>
+                  <a:tcPr marL="6757" marR="6757" marT="6757" marB="0" anchor="ctr">
+                    <a:solidFill>
+                      <a:srgbClr val="D7D7D7"/>
+                    </a:solidFill>
+                  </a:tcPr>
+                </a:tc>
+                <a:tc vMerge="1">
+                  <a:txBody>
+                    <a:bodyPr/>
+                    <a:lstStyle/>
+                    <a:p>
+                      <a:pPr algn="ctr" fontAlgn="b"/>
+                      <a:endParaRPr lang="ko-KR" altLang="en-US" sz="1100" b="0" i="0" u="none" strike="noStrike" dirty="0">
+                        <a:solidFill>
+                          <a:srgbClr val="000000"/>
+                        </a:solidFill>
+                        <a:effectLst/>
+                        <a:latin typeface="맑은 고딕" panose="020B0503020000020004" pitchFamily="50" charset="-127"/>
+                        <a:ea typeface="맑은 고딕" panose="020B0503020000020004" pitchFamily="50" charset="-127"/>
+                      </a:endParaRPr>
+                    </a:p>
+                  </a:txBody>
+                  <a:tcPr marL="6757" marR="6757" marT="6757" marB="0" anchor="ctr">
                     <a:solidFill>
                       <a:srgbClr val="F8F9FA"/>
                     </a:solidFill>
@@ -19007,19 +21058,45 @@
                     <a:bodyPr/>
                     <a:lstStyle/>
                     <a:p>
-                      <a:pPr latinLnBrk="1"/>
-                      <a:r>
-                        <a:rPr lang="en-US" altLang="ko-KR" sz="1400" b="1" dirty="0" smtClean="0"/>
-                        <a:t>2 </a:t>
-                      </a:r>
-                      <a:r>
-                        <a:rPr lang="ko-KR" altLang="en-US" sz="1400" b="1" dirty="0" smtClean="0"/>
-                        <a:t>완료발표</a:t>
-                      </a:r>
-                      <a:endParaRPr lang="ko-KR" altLang="en-US" sz="1400" b="1" dirty="0"/>
+                      <a:pPr algn="ctr" fontAlgn="b"/>
+                      <a:r>
+                        <a:rPr lang="ko-KR" altLang="en-US" sz="1100" u="none" strike="noStrike">
+                          <a:solidFill>
+                            <a:schemeClr val="tx1">
+                              <a:lumMod val="85000"/>
+                              <a:lumOff val="15000"/>
+                            </a:schemeClr>
+                          </a:solidFill>
+                          <a:effectLst/>
+                        </a:rPr>
+                        <a:t>프론트 레이아웃 </a:t>
+                      </a:r>
+                      <a:r>
+                        <a:rPr lang="en-US" altLang="ko-KR" sz="1100" u="none" strike="noStrike">
+                          <a:solidFill>
+                            <a:schemeClr val="tx1">
+                              <a:lumMod val="85000"/>
+                              <a:lumOff val="15000"/>
+                            </a:schemeClr>
+                          </a:solidFill>
+                          <a:effectLst/>
+                        </a:rPr>
+                        <a:t>(Store)</a:t>
+                      </a:r>
+                      <a:endParaRPr lang="en-US" altLang="ko-KR" sz="1100" b="0" i="0" u="none" strike="noStrike">
+                        <a:solidFill>
+                          <a:schemeClr val="tx1">
+                            <a:lumMod val="85000"/>
+                            <a:lumOff val="15000"/>
+                          </a:schemeClr>
+                        </a:solidFill>
+                        <a:effectLst/>
+                        <a:latin typeface="맑은 고딕" panose="020B0503020000020004" pitchFamily="50" charset="-127"/>
+                        <a:ea typeface="맑은 고딕" panose="020B0503020000020004" pitchFamily="50" charset="-127"/>
+                      </a:endParaRPr>
                     </a:p>
                   </a:txBody>
-                  <a:tcPr>
+                  <a:tcPr marL="6757" marR="6757" marT="6757" marB="0" anchor="ctr">
                     <a:solidFill>
                       <a:srgbClr val="F8F9FA"/>
                     </a:solidFill>
@@ -19030,645 +21107,2341 @@
                     <a:bodyPr/>
                     <a:lstStyle/>
                     <a:p>
-                      <a:pPr latinLnBrk="1"/>
-                      <a:endParaRPr lang="ko-KR" altLang="en-US" sz="1400" b="0" dirty="0"/>
+                      <a:pPr algn="ctr" fontAlgn="b"/>
+                      <a:r>
+                        <a:rPr lang="ko-KR" altLang="en-US" sz="1100" u="none" strike="noStrike">
+                          <a:solidFill>
+                            <a:schemeClr val="tx1">
+                              <a:lumMod val="85000"/>
+                              <a:lumOff val="15000"/>
+                            </a:schemeClr>
+                          </a:solidFill>
+                          <a:effectLst/>
+                        </a:rPr>
+                        <a:t>마이페이지 구성 연결</a:t>
+                      </a:r>
+                      <a:endParaRPr lang="ko-KR" altLang="en-US" sz="1100" b="0" i="0" u="none" strike="noStrike">
+                        <a:solidFill>
+                          <a:schemeClr val="tx1">
+                            <a:lumMod val="85000"/>
+                            <a:lumOff val="15000"/>
+                          </a:schemeClr>
+                        </a:solidFill>
+                        <a:effectLst/>
+                        <a:latin typeface="맑은 고딕" panose="020B0503020000020004" pitchFamily="50" charset="-127"/>
+                        <a:ea typeface="맑은 고딕" panose="020B0503020000020004" pitchFamily="50" charset="-127"/>
+                      </a:endParaRPr>
                     </a:p>
                   </a:txBody>
-                  <a:tcPr>
+                  <a:tcPr marL="6757" marR="6757" marT="6757" marB="0" anchor="ctr">
+                    <a:solidFill>
+                      <a:srgbClr val="F8F9FA"/>
+                    </a:solidFill>
+                  </a:tcPr>
+                </a:tc>
+                <a:tc>
+                  <a:txBody>
+                    <a:bodyPr/>
+                    <a:lstStyle/>
+                    <a:p>
+                      <a:pPr algn="ctr" fontAlgn="b"/>
+                      <a:r>
+                        <a:rPr lang="ko-KR" altLang="en-US" sz="1100" u="none" strike="noStrike">
+                          <a:solidFill>
+                            <a:schemeClr val="tx1">
+                              <a:lumMod val="85000"/>
+                              <a:lumOff val="15000"/>
+                            </a:schemeClr>
+                          </a:solidFill>
+                          <a:effectLst/>
+                        </a:rPr>
+                        <a:t>챌린지 인증</a:t>
+                      </a:r>
+                      <a:endParaRPr lang="ko-KR" altLang="en-US" sz="1100" b="0" i="0" u="none" strike="noStrike">
+                        <a:solidFill>
+                          <a:schemeClr val="tx1">
+                            <a:lumMod val="85000"/>
+                            <a:lumOff val="15000"/>
+                          </a:schemeClr>
+                        </a:solidFill>
+                        <a:effectLst/>
+                        <a:latin typeface="맑은 고딕" panose="020B0503020000020004" pitchFamily="50" charset="-127"/>
+                        <a:ea typeface="맑은 고딕" panose="020B0503020000020004" pitchFamily="50" charset="-127"/>
+                      </a:endParaRPr>
+                    </a:p>
+                  </a:txBody>
+                  <a:tcPr marL="6757" marR="6757" marT="6757" marB="0" anchor="ctr">
                     <a:solidFill>
                       <a:srgbClr val="F8F9FA"/>
                     </a:solidFill>
                   </a:tcPr>
                 </a:tc>
               </a:tr>
+              <a:tr h="266544">
+                <a:tc>
+                  <a:txBody>
+                    <a:bodyPr/>
+                    <a:lstStyle/>
+                    <a:p>
+                      <a:pPr algn="ctr" fontAlgn="b"/>
+                      <a:r>
+                        <a:rPr lang="en-US" altLang="ko-KR" sz="1100" u="none" strike="noStrike">
+                          <a:solidFill>
+                            <a:schemeClr val="tx1">
+                              <a:lumMod val="85000"/>
+                              <a:lumOff val="15000"/>
+                            </a:schemeClr>
+                          </a:solidFill>
+                          <a:effectLst/>
+                        </a:rPr>
+                        <a:t>4</a:t>
+                      </a:r>
+                      <a:r>
+                        <a:rPr lang="ko-KR" altLang="en-US" sz="1100" u="none" strike="noStrike">
+                          <a:solidFill>
+                            <a:schemeClr val="tx1">
+                              <a:lumMod val="85000"/>
+                              <a:lumOff val="15000"/>
+                            </a:schemeClr>
+                          </a:solidFill>
+                          <a:effectLst/>
+                        </a:rPr>
+                        <a:t>월 </a:t>
+                      </a:r>
+                      <a:r>
+                        <a:rPr lang="en-US" altLang="ko-KR" sz="1100" u="none" strike="noStrike">
+                          <a:solidFill>
+                            <a:schemeClr val="tx1">
+                              <a:lumMod val="85000"/>
+                              <a:lumOff val="15000"/>
+                            </a:schemeClr>
+                          </a:solidFill>
+                          <a:effectLst/>
+                        </a:rPr>
+                        <a:t>19</a:t>
+                      </a:r>
+                      <a:r>
+                        <a:rPr lang="ko-KR" altLang="en-US" sz="1100" u="none" strike="noStrike">
+                          <a:solidFill>
+                            <a:schemeClr val="tx1">
+                              <a:lumMod val="85000"/>
+                              <a:lumOff val="15000"/>
+                            </a:schemeClr>
+                          </a:solidFill>
+                          <a:effectLst/>
+                        </a:rPr>
+                        <a:t>일</a:t>
+                      </a:r>
+                      <a:endParaRPr lang="ko-KR" altLang="en-US" sz="1100" b="0" i="0" u="none" strike="noStrike">
+                        <a:solidFill>
+                          <a:schemeClr val="tx1">
+                            <a:lumMod val="85000"/>
+                            <a:lumOff val="15000"/>
+                          </a:schemeClr>
+                        </a:solidFill>
+                        <a:effectLst/>
+                        <a:latin typeface="맑은 고딕" panose="020B0503020000020004" pitchFamily="50" charset="-127"/>
+                        <a:ea typeface="맑은 고딕" panose="020B0503020000020004" pitchFamily="50" charset="-127"/>
+                      </a:endParaRPr>
+                    </a:p>
+                  </a:txBody>
+                  <a:tcPr marL="6757" marR="6757" marT="6757" marB="0" anchor="ctr">
+                    <a:solidFill>
+                      <a:srgbClr val="D7D7D7"/>
+                    </a:solidFill>
+                  </a:tcPr>
+                </a:tc>
+                <a:tc>
+                  <a:txBody>
+                    <a:bodyPr/>
+                    <a:lstStyle/>
+                    <a:p>
+                      <a:pPr algn="ctr" fontAlgn="b"/>
+                      <a:r>
+                        <a:rPr lang="ko-KR" altLang="en-US" sz="1100" u="none" strike="noStrike">
+                          <a:solidFill>
+                            <a:schemeClr val="tx1">
+                              <a:lumMod val="85000"/>
+                              <a:lumOff val="15000"/>
+                            </a:schemeClr>
+                          </a:solidFill>
+                          <a:effectLst/>
+                        </a:rPr>
+                        <a:t>금요일</a:t>
+                      </a:r>
+                      <a:endParaRPr lang="ko-KR" altLang="en-US" sz="1100" b="0" i="0" u="none" strike="noStrike">
+                        <a:solidFill>
+                          <a:schemeClr val="tx1">
+                            <a:lumMod val="85000"/>
+                            <a:lumOff val="15000"/>
+                          </a:schemeClr>
+                        </a:solidFill>
+                        <a:effectLst/>
+                        <a:latin typeface="맑은 고딕" panose="020B0503020000020004" pitchFamily="50" charset="-127"/>
+                        <a:ea typeface="맑은 고딕" panose="020B0503020000020004" pitchFamily="50" charset="-127"/>
+                      </a:endParaRPr>
+                    </a:p>
+                  </a:txBody>
+                  <a:tcPr marL="6757" marR="6757" marT="6757" marB="0" anchor="ctr">
+                    <a:solidFill>
+                      <a:srgbClr val="D7D7D7"/>
+                    </a:solidFill>
+                  </a:tcPr>
+                </a:tc>
+                <a:tc vMerge="1">
+                  <a:txBody>
+                    <a:bodyPr/>
+                    <a:lstStyle/>
+                    <a:p>
+                      <a:pPr algn="ctr" fontAlgn="b"/>
+                      <a:endParaRPr lang="ko-KR" altLang="en-US" sz="1100" b="0" i="0" u="none" strike="noStrike" dirty="0">
+                        <a:solidFill>
+                          <a:srgbClr val="000000"/>
+                        </a:solidFill>
+                        <a:effectLst/>
+                        <a:latin typeface="맑은 고딕" panose="020B0503020000020004" pitchFamily="50" charset="-127"/>
+                        <a:ea typeface="맑은 고딕" panose="020B0503020000020004" pitchFamily="50" charset="-127"/>
+                      </a:endParaRPr>
+                    </a:p>
+                  </a:txBody>
+                  <a:tcPr marL="6757" marR="6757" marT="6757" marB="0" anchor="ctr">
+                    <a:solidFill>
+                      <a:srgbClr val="F8F9FA"/>
+                    </a:solidFill>
+                  </a:tcPr>
+                </a:tc>
+                <a:tc>
+                  <a:txBody>
+                    <a:bodyPr/>
+                    <a:lstStyle/>
+                    <a:p>
+                      <a:pPr algn="ctr" fontAlgn="b"/>
+                      <a:r>
+                        <a:rPr lang="ko-KR" altLang="en-US" sz="1100" u="none" strike="noStrike">
+                          <a:solidFill>
+                            <a:schemeClr val="tx1">
+                              <a:lumMod val="85000"/>
+                              <a:lumOff val="15000"/>
+                            </a:schemeClr>
+                          </a:solidFill>
+                          <a:effectLst/>
+                        </a:rPr>
+                        <a:t>스토어 구성 연결</a:t>
+                      </a:r>
+                      <a:endParaRPr lang="ko-KR" altLang="en-US" sz="1100" b="0" i="0" u="none" strike="noStrike">
+                        <a:solidFill>
+                          <a:schemeClr val="tx1">
+                            <a:lumMod val="85000"/>
+                            <a:lumOff val="15000"/>
+                          </a:schemeClr>
+                        </a:solidFill>
+                        <a:effectLst/>
+                        <a:latin typeface="맑은 고딕" panose="020B0503020000020004" pitchFamily="50" charset="-127"/>
+                        <a:ea typeface="맑은 고딕" panose="020B0503020000020004" pitchFamily="50" charset="-127"/>
+                      </a:endParaRPr>
+                    </a:p>
+                  </a:txBody>
+                  <a:tcPr marL="6757" marR="6757" marT="6757" marB="0" anchor="ctr">
+                    <a:solidFill>
+                      <a:srgbClr val="F8F9FA"/>
+                    </a:solidFill>
+                  </a:tcPr>
+                </a:tc>
+                <a:tc>
+                  <a:txBody>
+                    <a:bodyPr/>
+                    <a:lstStyle/>
+                    <a:p>
+                      <a:pPr algn="ctr" fontAlgn="b"/>
+                      <a:r>
+                        <a:rPr lang="ko-KR" altLang="en-US" sz="1100" u="none" strike="noStrike">
+                          <a:solidFill>
+                            <a:schemeClr val="tx1">
+                              <a:lumMod val="85000"/>
+                              <a:lumOff val="15000"/>
+                            </a:schemeClr>
+                          </a:solidFill>
+                          <a:effectLst/>
+                        </a:rPr>
+                        <a:t>운영자 페이지 구성 연결</a:t>
+                      </a:r>
+                      <a:endParaRPr lang="ko-KR" altLang="en-US" sz="1100" b="0" i="0" u="none" strike="noStrike">
+                        <a:solidFill>
+                          <a:schemeClr val="tx1">
+                            <a:lumMod val="85000"/>
+                            <a:lumOff val="15000"/>
+                          </a:schemeClr>
+                        </a:solidFill>
+                        <a:effectLst/>
+                        <a:latin typeface="맑은 고딕" panose="020B0503020000020004" pitchFamily="50" charset="-127"/>
+                        <a:ea typeface="맑은 고딕" panose="020B0503020000020004" pitchFamily="50" charset="-127"/>
+                      </a:endParaRPr>
+                    </a:p>
+                  </a:txBody>
+                  <a:tcPr marL="6757" marR="6757" marT="6757" marB="0" anchor="ctr">
+                    <a:solidFill>
+                      <a:srgbClr val="F8F9FA"/>
+                    </a:solidFill>
+                  </a:tcPr>
+                </a:tc>
+                <a:tc>
+                  <a:txBody>
+                    <a:bodyPr/>
+                    <a:lstStyle/>
+                    <a:p>
+                      <a:pPr algn="ctr" fontAlgn="b"/>
+                      <a:r>
+                        <a:rPr lang="ko-KR" altLang="en-US" sz="1100" u="none" strike="noStrike">
+                          <a:solidFill>
+                            <a:schemeClr val="tx1">
+                              <a:lumMod val="85000"/>
+                              <a:lumOff val="15000"/>
+                            </a:schemeClr>
+                          </a:solidFill>
+                          <a:effectLst/>
+                        </a:rPr>
+                        <a:t>챌린지 포인트</a:t>
+                      </a:r>
+                      <a:endParaRPr lang="ko-KR" altLang="en-US" sz="1100" b="0" i="0" u="none" strike="noStrike">
+                        <a:solidFill>
+                          <a:schemeClr val="tx1">
+                            <a:lumMod val="85000"/>
+                            <a:lumOff val="15000"/>
+                          </a:schemeClr>
+                        </a:solidFill>
+                        <a:effectLst/>
+                        <a:latin typeface="맑은 고딕" panose="020B0503020000020004" pitchFamily="50" charset="-127"/>
+                        <a:ea typeface="맑은 고딕" panose="020B0503020000020004" pitchFamily="50" charset="-127"/>
+                      </a:endParaRPr>
+                    </a:p>
+                  </a:txBody>
+                  <a:tcPr marL="6757" marR="6757" marT="6757" marB="0" anchor="ctr">
+                    <a:solidFill>
+                      <a:srgbClr val="F8F9FA"/>
+                    </a:solidFill>
+                  </a:tcPr>
+                </a:tc>
+              </a:tr>
+              <a:tr h="266544">
+                <a:tc>
+                  <a:txBody>
+                    <a:bodyPr/>
+                    <a:lstStyle/>
+                    <a:p>
+                      <a:pPr algn="ctr" fontAlgn="b"/>
+                      <a:r>
+                        <a:rPr lang="en-US" altLang="ko-KR" sz="1100" u="none" strike="noStrike">
+                          <a:solidFill>
+                            <a:schemeClr val="tx1">
+                              <a:lumMod val="85000"/>
+                              <a:lumOff val="15000"/>
+                            </a:schemeClr>
+                          </a:solidFill>
+                          <a:effectLst/>
+                        </a:rPr>
+                        <a:t>4</a:t>
+                      </a:r>
+                      <a:r>
+                        <a:rPr lang="ko-KR" altLang="en-US" sz="1100" u="none" strike="noStrike">
+                          <a:solidFill>
+                            <a:schemeClr val="tx1">
+                              <a:lumMod val="85000"/>
+                              <a:lumOff val="15000"/>
+                            </a:schemeClr>
+                          </a:solidFill>
+                          <a:effectLst/>
+                        </a:rPr>
+                        <a:t>월 </a:t>
+                      </a:r>
+                      <a:r>
+                        <a:rPr lang="en-US" altLang="ko-KR" sz="1100" u="none" strike="noStrike">
+                          <a:solidFill>
+                            <a:schemeClr val="tx1">
+                              <a:lumMod val="85000"/>
+                              <a:lumOff val="15000"/>
+                            </a:schemeClr>
+                          </a:solidFill>
+                          <a:effectLst/>
+                        </a:rPr>
+                        <a:t>22</a:t>
+                      </a:r>
+                      <a:r>
+                        <a:rPr lang="ko-KR" altLang="en-US" sz="1100" u="none" strike="noStrike">
+                          <a:solidFill>
+                            <a:schemeClr val="tx1">
+                              <a:lumMod val="85000"/>
+                              <a:lumOff val="15000"/>
+                            </a:schemeClr>
+                          </a:solidFill>
+                          <a:effectLst/>
+                        </a:rPr>
+                        <a:t>일</a:t>
+                      </a:r>
+                      <a:endParaRPr lang="ko-KR" altLang="en-US" sz="1100" b="0" i="0" u="none" strike="noStrike">
+                        <a:solidFill>
+                          <a:schemeClr val="tx1">
+                            <a:lumMod val="85000"/>
+                            <a:lumOff val="15000"/>
+                          </a:schemeClr>
+                        </a:solidFill>
+                        <a:effectLst/>
+                        <a:latin typeface="맑은 고딕" panose="020B0503020000020004" pitchFamily="50" charset="-127"/>
+                        <a:ea typeface="맑은 고딕" panose="020B0503020000020004" pitchFamily="50" charset="-127"/>
+                      </a:endParaRPr>
+                    </a:p>
+                  </a:txBody>
+                  <a:tcPr marL="6757" marR="6757" marT="6757" marB="0" anchor="ctr">
+                    <a:solidFill>
+                      <a:srgbClr val="D7D7D7"/>
+                    </a:solidFill>
+                  </a:tcPr>
+                </a:tc>
+                <a:tc>
+                  <a:txBody>
+                    <a:bodyPr/>
+                    <a:lstStyle/>
+                    <a:p>
+                      <a:pPr algn="ctr" fontAlgn="b"/>
+                      <a:r>
+                        <a:rPr lang="ko-KR" altLang="en-US" sz="1100" u="none" strike="noStrike">
+                          <a:solidFill>
+                            <a:schemeClr val="tx1">
+                              <a:lumMod val="85000"/>
+                              <a:lumOff val="15000"/>
+                            </a:schemeClr>
+                          </a:solidFill>
+                          <a:effectLst/>
+                        </a:rPr>
+                        <a:t>월요일</a:t>
+                      </a:r>
+                      <a:endParaRPr lang="ko-KR" altLang="en-US" sz="1100" b="0" i="0" u="none" strike="noStrike">
+                        <a:solidFill>
+                          <a:schemeClr val="tx1">
+                            <a:lumMod val="85000"/>
+                            <a:lumOff val="15000"/>
+                          </a:schemeClr>
+                        </a:solidFill>
+                        <a:effectLst/>
+                        <a:latin typeface="맑은 고딕" panose="020B0503020000020004" pitchFamily="50" charset="-127"/>
+                        <a:ea typeface="맑은 고딕" panose="020B0503020000020004" pitchFamily="50" charset="-127"/>
+                      </a:endParaRPr>
+                    </a:p>
+                  </a:txBody>
+                  <a:tcPr marL="6757" marR="6757" marT="6757" marB="0" anchor="ctr">
+                    <a:solidFill>
+                      <a:srgbClr val="D7D7D7"/>
+                    </a:solidFill>
+                  </a:tcPr>
+                </a:tc>
+                <a:tc rowSpan="5">
+                  <a:txBody>
+                    <a:bodyPr/>
+                    <a:lstStyle/>
+                    <a:p>
+                      <a:pPr algn="ctr" fontAlgn="b"/>
+                      <a:r>
+                        <a:rPr lang="ko-KR" altLang="en-US" sz="1100" u="none" strike="noStrike" dirty="0" smtClean="0">
+                          <a:solidFill>
+                            <a:schemeClr val="tx1">
+                              <a:lumMod val="85000"/>
+                              <a:lumOff val="15000"/>
+                            </a:schemeClr>
+                          </a:solidFill>
+                          <a:effectLst/>
+                        </a:rPr>
+                        <a:t>통합</a:t>
+                      </a:r>
+                      <a:endParaRPr lang="ko-KR" altLang="en-US" sz="1100" b="0" i="0" u="none" strike="noStrike" dirty="0">
+                        <a:solidFill>
+                          <a:schemeClr val="tx1">
+                            <a:lumMod val="85000"/>
+                            <a:lumOff val="15000"/>
+                          </a:schemeClr>
+                        </a:solidFill>
+                        <a:effectLst/>
+                        <a:latin typeface="맑은 고딕" panose="020B0503020000020004" pitchFamily="50" charset="-127"/>
+                        <a:ea typeface="맑은 고딕" panose="020B0503020000020004" pitchFamily="50" charset="-127"/>
+                      </a:endParaRPr>
+                    </a:p>
+                  </a:txBody>
+                  <a:tcPr marL="6757" marR="6757" marT="6757" marB="0" anchor="ctr">
+                    <a:solidFill>
+                      <a:srgbClr val="D7D7D7"/>
+                    </a:solidFill>
+                  </a:tcPr>
+                </a:tc>
+                <a:tc>
+                  <a:txBody>
+                    <a:bodyPr/>
+                    <a:lstStyle/>
+                    <a:p>
+                      <a:pPr algn="ctr" fontAlgn="b"/>
+                      <a:r>
+                        <a:rPr lang="en-US" sz="1100" u="none" strike="noStrike">
+                          <a:solidFill>
+                            <a:schemeClr val="tx1">
+                              <a:lumMod val="85000"/>
+                              <a:lumOff val="15000"/>
+                            </a:schemeClr>
+                          </a:solidFill>
+                          <a:effectLst/>
+                        </a:rPr>
+                        <a:t>NginX </a:t>
+                      </a:r>
+                      <a:r>
+                        <a:rPr lang="ko-KR" altLang="en-US" sz="1100" u="none" strike="noStrike">
+                          <a:solidFill>
+                            <a:schemeClr val="tx1">
+                              <a:lumMod val="85000"/>
+                              <a:lumOff val="15000"/>
+                            </a:schemeClr>
+                          </a:solidFill>
+                          <a:effectLst/>
+                        </a:rPr>
+                        <a:t>구축</a:t>
+                      </a:r>
+                      <a:endParaRPr lang="ko-KR" altLang="en-US" sz="1100" b="0" i="0" u="none" strike="noStrike">
+                        <a:solidFill>
+                          <a:schemeClr val="tx1">
+                            <a:lumMod val="85000"/>
+                            <a:lumOff val="15000"/>
+                          </a:schemeClr>
+                        </a:solidFill>
+                        <a:effectLst/>
+                        <a:latin typeface="맑은 고딕" panose="020B0503020000020004" pitchFamily="50" charset="-127"/>
+                        <a:ea typeface="맑은 고딕" panose="020B0503020000020004" pitchFamily="50" charset="-127"/>
+                      </a:endParaRPr>
+                    </a:p>
+                  </a:txBody>
+                  <a:tcPr marL="6757" marR="6757" marT="6757" marB="0" anchor="ctr">
+                    <a:solidFill>
+                      <a:srgbClr val="F8F9FA"/>
+                    </a:solidFill>
+                  </a:tcPr>
+                </a:tc>
+                <a:tc gridSpan="2">
+                  <a:txBody>
+                    <a:bodyPr/>
+                    <a:lstStyle/>
+                    <a:p>
+                      <a:pPr algn="ctr" fontAlgn="b"/>
+                      <a:r>
+                        <a:rPr lang="en-US" sz="1100" u="none" strike="noStrike">
+                          <a:solidFill>
+                            <a:schemeClr val="tx1">
+                              <a:lumMod val="85000"/>
+                              <a:lumOff val="15000"/>
+                            </a:schemeClr>
+                          </a:solidFill>
+                          <a:effectLst/>
+                        </a:rPr>
+                        <a:t>Sping </a:t>
+                      </a:r>
+                      <a:r>
+                        <a:rPr lang="ko-KR" altLang="en-US" sz="1100" u="none" strike="noStrike">
+                          <a:solidFill>
+                            <a:schemeClr val="tx1">
+                              <a:lumMod val="85000"/>
+                              <a:lumOff val="15000"/>
+                            </a:schemeClr>
+                          </a:solidFill>
+                          <a:effectLst/>
+                        </a:rPr>
+                        <a:t>통합</a:t>
+                      </a:r>
+                      <a:endParaRPr lang="ko-KR" altLang="en-US" sz="1100" b="0" i="0" u="none" strike="noStrike">
+                        <a:solidFill>
+                          <a:schemeClr val="tx1">
+                            <a:lumMod val="85000"/>
+                            <a:lumOff val="15000"/>
+                          </a:schemeClr>
+                        </a:solidFill>
+                        <a:effectLst/>
+                        <a:latin typeface="맑은 고딕" panose="020B0503020000020004" pitchFamily="50" charset="-127"/>
+                        <a:ea typeface="맑은 고딕" panose="020B0503020000020004" pitchFamily="50" charset="-127"/>
+                      </a:endParaRPr>
+                    </a:p>
+                  </a:txBody>
+                  <a:tcPr marL="6757" marR="6757" marT="6757" marB="0" anchor="ctr">
+                    <a:solidFill>
+                      <a:srgbClr val="F8F9FA"/>
+                    </a:solidFill>
+                  </a:tcPr>
+                </a:tc>
+                <a:tc hMerge="1">
+                  <a:txBody>
+                    <a:bodyPr/>
+                    <a:lstStyle/>
+                    <a:p>
+                      <a:pPr latinLnBrk="1"/>
+                      <a:endParaRPr lang="ko-KR" altLang="en-US"/>
+                    </a:p>
+                  </a:txBody>
+                  <a:tcPr/>
+                </a:tc>
+              </a:tr>
+              <a:tr h="266544">
+                <a:tc>
+                  <a:txBody>
+                    <a:bodyPr/>
+                    <a:lstStyle/>
+                    <a:p>
+                      <a:pPr algn="ctr" fontAlgn="b"/>
+                      <a:r>
+                        <a:rPr lang="en-US" altLang="ko-KR" sz="1100" u="none" strike="noStrike">
+                          <a:solidFill>
+                            <a:schemeClr val="tx1">
+                              <a:lumMod val="85000"/>
+                              <a:lumOff val="15000"/>
+                            </a:schemeClr>
+                          </a:solidFill>
+                          <a:effectLst/>
+                        </a:rPr>
+                        <a:t>4</a:t>
+                      </a:r>
+                      <a:r>
+                        <a:rPr lang="ko-KR" altLang="en-US" sz="1100" u="none" strike="noStrike">
+                          <a:solidFill>
+                            <a:schemeClr val="tx1">
+                              <a:lumMod val="85000"/>
+                              <a:lumOff val="15000"/>
+                            </a:schemeClr>
+                          </a:solidFill>
+                          <a:effectLst/>
+                        </a:rPr>
+                        <a:t>월 </a:t>
+                      </a:r>
+                      <a:r>
+                        <a:rPr lang="en-US" altLang="ko-KR" sz="1100" u="none" strike="noStrike">
+                          <a:solidFill>
+                            <a:schemeClr val="tx1">
+                              <a:lumMod val="85000"/>
+                              <a:lumOff val="15000"/>
+                            </a:schemeClr>
+                          </a:solidFill>
+                          <a:effectLst/>
+                        </a:rPr>
+                        <a:t>23</a:t>
+                      </a:r>
+                      <a:r>
+                        <a:rPr lang="ko-KR" altLang="en-US" sz="1100" u="none" strike="noStrike">
+                          <a:solidFill>
+                            <a:schemeClr val="tx1">
+                              <a:lumMod val="85000"/>
+                              <a:lumOff val="15000"/>
+                            </a:schemeClr>
+                          </a:solidFill>
+                          <a:effectLst/>
+                        </a:rPr>
+                        <a:t>일</a:t>
+                      </a:r>
+                      <a:endParaRPr lang="ko-KR" altLang="en-US" sz="1100" b="0" i="0" u="none" strike="noStrike">
+                        <a:solidFill>
+                          <a:schemeClr val="tx1">
+                            <a:lumMod val="85000"/>
+                            <a:lumOff val="15000"/>
+                          </a:schemeClr>
+                        </a:solidFill>
+                        <a:effectLst/>
+                        <a:latin typeface="맑은 고딕" panose="020B0503020000020004" pitchFamily="50" charset="-127"/>
+                        <a:ea typeface="맑은 고딕" panose="020B0503020000020004" pitchFamily="50" charset="-127"/>
+                      </a:endParaRPr>
+                    </a:p>
+                  </a:txBody>
+                  <a:tcPr marL="6757" marR="6757" marT="6757" marB="0" anchor="ctr">
+                    <a:solidFill>
+                      <a:srgbClr val="D7D7D7"/>
+                    </a:solidFill>
+                  </a:tcPr>
+                </a:tc>
+                <a:tc>
+                  <a:txBody>
+                    <a:bodyPr/>
+                    <a:lstStyle/>
+                    <a:p>
+                      <a:pPr algn="ctr" fontAlgn="b"/>
+                      <a:r>
+                        <a:rPr lang="ko-KR" altLang="en-US" sz="1100" u="none" strike="noStrike">
+                          <a:solidFill>
+                            <a:schemeClr val="tx1">
+                              <a:lumMod val="85000"/>
+                              <a:lumOff val="15000"/>
+                            </a:schemeClr>
+                          </a:solidFill>
+                          <a:effectLst/>
+                        </a:rPr>
+                        <a:t>화요일</a:t>
+                      </a:r>
+                      <a:endParaRPr lang="ko-KR" altLang="en-US" sz="1100" b="0" i="0" u="none" strike="noStrike">
+                        <a:solidFill>
+                          <a:schemeClr val="tx1">
+                            <a:lumMod val="85000"/>
+                            <a:lumOff val="15000"/>
+                          </a:schemeClr>
+                        </a:solidFill>
+                        <a:effectLst/>
+                        <a:latin typeface="맑은 고딕" panose="020B0503020000020004" pitchFamily="50" charset="-127"/>
+                        <a:ea typeface="맑은 고딕" panose="020B0503020000020004" pitchFamily="50" charset="-127"/>
+                      </a:endParaRPr>
+                    </a:p>
+                  </a:txBody>
+                  <a:tcPr marL="6757" marR="6757" marT="6757" marB="0" anchor="ctr">
+                    <a:solidFill>
+                      <a:srgbClr val="D7D7D7"/>
+                    </a:solidFill>
+                  </a:tcPr>
+                </a:tc>
+                <a:tc vMerge="1">
+                  <a:txBody>
+                    <a:bodyPr/>
+                    <a:lstStyle/>
+                    <a:p>
+                      <a:pPr algn="ctr" fontAlgn="b"/>
+                      <a:endParaRPr lang="ko-KR" altLang="en-US" sz="1100" b="0" i="0" u="none" strike="noStrike">
+                        <a:solidFill>
+                          <a:srgbClr val="000000"/>
+                        </a:solidFill>
+                        <a:effectLst/>
+                        <a:latin typeface="맑은 고딕" panose="020B0503020000020004" pitchFamily="50" charset="-127"/>
+                        <a:ea typeface="맑은 고딕" panose="020B0503020000020004" pitchFamily="50" charset="-127"/>
+                      </a:endParaRPr>
+                    </a:p>
+                  </a:txBody>
+                  <a:tcPr marL="6757" marR="6757" marT="6757" marB="0" anchor="ctr">
+                    <a:solidFill>
+                      <a:srgbClr val="F8F9FA"/>
+                    </a:solidFill>
+                  </a:tcPr>
+                </a:tc>
+                <a:tc rowSpan="2" gridSpan="3">
+                  <a:txBody>
+                    <a:bodyPr/>
+                    <a:lstStyle/>
+                    <a:p>
+                      <a:pPr algn="ctr" fontAlgn="b"/>
+                      <a:r>
+                        <a:rPr lang="en-US" sz="1100" u="none" strike="noStrike" dirty="0">
+                          <a:solidFill>
+                            <a:schemeClr val="tx1">
+                              <a:lumMod val="85000"/>
+                              <a:lumOff val="15000"/>
+                            </a:schemeClr>
+                          </a:solidFill>
+                          <a:effectLst/>
+                        </a:rPr>
+                        <a:t>Flask, </a:t>
+                      </a:r>
+                      <a:r>
+                        <a:rPr lang="en-US" sz="1100" u="none" strike="noStrike" dirty="0" err="1">
+                          <a:solidFill>
+                            <a:schemeClr val="tx1">
+                              <a:lumMod val="85000"/>
+                              <a:lumOff val="15000"/>
+                            </a:schemeClr>
+                          </a:solidFill>
+                          <a:effectLst/>
+                        </a:rPr>
+                        <a:t>Sping</a:t>
+                      </a:r>
+                      <a:r>
+                        <a:rPr lang="en-US" sz="1100" u="none" strike="noStrike" dirty="0">
+                          <a:solidFill>
+                            <a:schemeClr val="tx1">
+                              <a:lumMod val="85000"/>
+                              <a:lumOff val="15000"/>
+                            </a:schemeClr>
+                          </a:solidFill>
+                          <a:effectLst/>
+                        </a:rPr>
+                        <a:t> </a:t>
+                      </a:r>
+                      <a:r>
+                        <a:rPr lang="ko-KR" altLang="en-US" sz="1100" u="none" strike="noStrike" dirty="0" smtClean="0">
+                          <a:solidFill>
+                            <a:schemeClr val="tx1">
+                              <a:lumMod val="85000"/>
+                              <a:lumOff val="15000"/>
+                            </a:schemeClr>
+                          </a:solidFill>
+                          <a:effectLst/>
+                        </a:rPr>
+                        <a:t>통합</a:t>
+                      </a:r>
+                      <a:endParaRPr lang="ko-KR" altLang="en-US" sz="1100" b="0" i="0" u="none" strike="noStrike" dirty="0">
+                        <a:solidFill>
+                          <a:schemeClr val="tx1">
+                            <a:lumMod val="85000"/>
+                            <a:lumOff val="15000"/>
+                          </a:schemeClr>
+                        </a:solidFill>
+                        <a:effectLst/>
+                        <a:latin typeface="맑은 고딕" panose="020B0503020000020004" pitchFamily="50" charset="-127"/>
+                        <a:ea typeface="맑은 고딕" panose="020B0503020000020004" pitchFamily="50" charset="-127"/>
+                      </a:endParaRPr>
+                    </a:p>
+                  </a:txBody>
+                  <a:tcPr marL="6757" marR="6757" marT="6757" marB="0" anchor="ctr">
+                    <a:solidFill>
+                      <a:srgbClr val="F8F9FA"/>
+                    </a:solidFill>
+                  </a:tcPr>
+                </a:tc>
+                <a:tc rowSpan="2" hMerge="1">
+                  <a:txBody>
+                    <a:bodyPr/>
+                    <a:lstStyle/>
+                    <a:p>
+                      <a:pPr latinLnBrk="1"/>
+                      <a:endParaRPr lang="ko-KR" altLang="en-US"/>
+                    </a:p>
+                  </a:txBody>
+                  <a:tcPr/>
+                </a:tc>
+                <a:tc rowSpan="2" hMerge="1">
+                  <a:txBody>
+                    <a:bodyPr/>
+                    <a:lstStyle/>
+                    <a:p>
+                      <a:pPr latinLnBrk="1"/>
+                      <a:endParaRPr lang="ko-KR" altLang="en-US"/>
+                    </a:p>
+                  </a:txBody>
+                  <a:tcPr/>
+                </a:tc>
+              </a:tr>
+              <a:tr h="266544">
+                <a:tc>
+                  <a:txBody>
+                    <a:bodyPr/>
+                    <a:lstStyle/>
+                    <a:p>
+                      <a:pPr algn="ctr" fontAlgn="b"/>
+                      <a:r>
+                        <a:rPr lang="en-US" altLang="ko-KR" sz="1100" u="none" strike="noStrike">
+                          <a:solidFill>
+                            <a:schemeClr val="tx1">
+                              <a:lumMod val="85000"/>
+                              <a:lumOff val="15000"/>
+                            </a:schemeClr>
+                          </a:solidFill>
+                          <a:effectLst/>
+                        </a:rPr>
+                        <a:t>4</a:t>
+                      </a:r>
+                      <a:r>
+                        <a:rPr lang="ko-KR" altLang="en-US" sz="1100" u="none" strike="noStrike">
+                          <a:solidFill>
+                            <a:schemeClr val="tx1">
+                              <a:lumMod val="85000"/>
+                              <a:lumOff val="15000"/>
+                            </a:schemeClr>
+                          </a:solidFill>
+                          <a:effectLst/>
+                        </a:rPr>
+                        <a:t>월 </a:t>
+                      </a:r>
+                      <a:r>
+                        <a:rPr lang="en-US" altLang="ko-KR" sz="1100" u="none" strike="noStrike">
+                          <a:solidFill>
+                            <a:schemeClr val="tx1">
+                              <a:lumMod val="85000"/>
+                              <a:lumOff val="15000"/>
+                            </a:schemeClr>
+                          </a:solidFill>
+                          <a:effectLst/>
+                        </a:rPr>
+                        <a:t>24</a:t>
+                      </a:r>
+                      <a:r>
+                        <a:rPr lang="ko-KR" altLang="en-US" sz="1100" u="none" strike="noStrike">
+                          <a:solidFill>
+                            <a:schemeClr val="tx1">
+                              <a:lumMod val="85000"/>
+                              <a:lumOff val="15000"/>
+                            </a:schemeClr>
+                          </a:solidFill>
+                          <a:effectLst/>
+                        </a:rPr>
+                        <a:t>일</a:t>
+                      </a:r>
+                      <a:endParaRPr lang="ko-KR" altLang="en-US" sz="1100" b="0" i="0" u="none" strike="noStrike">
+                        <a:solidFill>
+                          <a:schemeClr val="tx1">
+                            <a:lumMod val="85000"/>
+                            <a:lumOff val="15000"/>
+                          </a:schemeClr>
+                        </a:solidFill>
+                        <a:effectLst/>
+                        <a:latin typeface="맑은 고딕" panose="020B0503020000020004" pitchFamily="50" charset="-127"/>
+                        <a:ea typeface="맑은 고딕" panose="020B0503020000020004" pitchFamily="50" charset="-127"/>
+                      </a:endParaRPr>
+                    </a:p>
+                  </a:txBody>
+                  <a:tcPr marL="6757" marR="6757" marT="6757" marB="0" anchor="ctr">
+                    <a:solidFill>
+                      <a:srgbClr val="D7D7D7"/>
+                    </a:solidFill>
+                  </a:tcPr>
+                </a:tc>
+                <a:tc>
+                  <a:txBody>
+                    <a:bodyPr/>
+                    <a:lstStyle/>
+                    <a:p>
+                      <a:pPr algn="ctr" fontAlgn="b"/>
+                      <a:r>
+                        <a:rPr lang="ko-KR" altLang="en-US" sz="1100" u="none" strike="noStrike">
+                          <a:solidFill>
+                            <a:schemeClr val="tx1">
+                              <a:lumMod val="85000"/>
+                              <a:lumOff val="15000"/>
+                            </a:schemeClr>
+                          </a:solidFill>
+                          <a:effectLst/>
+                        </a:rPr>
+                        <a:t>수요일</a:t>
+                      </a:r>
+                      <a:endParaRPr lang="ko-KR" altLang="en-US" sz="1100" b="0" i="0" u="none" strike="noStrike">
+                        <a:solidFill>
+                          <a:schemeClr val="tx1">
+                            <a:lumMod val="85000"/>
+                            <a:lumOff val="15000"/>
+                          </a:schemeClr>
+                        </a:solidFill>
+                        <a:effectLst/>
+                        <a:latin typeface="맑은 고딕" panose="020B0503020000020004" pitchFamily="50" charset="-127"/>
+                        <a:ea typeface="맑은 고딕" panose="020B0503020000020004" pitchFamily="50" charset="-127"/>
+                      </a:endParaRPr>
+                    </a:p>
+                  </a:txBody>
+                  <a:tcPr marL="6757" marR="6757" marT="6757" marB="0" anchor="ctr">
+                    <a:solidFill>
+                      <a:srgbClr val="D7D7D7"/>
+                    </a:solidFill>
+                  </a:tcPr>
+                </a:tc>
+                <a:tc vMerge="1">
+                  <a:txBody>
+                    <a:bodyPr/>
+                    <a:lstStyle/>
+                    <a:p>
+                      <a:pPr algn="ctr" fontAlgn="b"/>
+                      <a:endParaRPr lang="ko-KR" altLang="en-US" sz="1100" b="0" i="0" u="none" strike="noStrike" dirty="0">
+                        <a:solidFill>
+                          <a:srgbClr val="000000"/>
+                        </a:solidFill>
+                        <a:effectLst/>
+                        <a:latin typeface="맑은 고딕" panose="020B0503020000020004" pitchFamily="50" charset="-127"/>
+                        <a:ea typeface="맑은 고딕" panose="020B0503020000020004" pitchFamily="50" charset="-127"/>
+                      </a:endParaRPr>
+                    </a:p>
+                  </a:txBody>
+                  <a:tcPr marL="6757" marR="6757" marT="6757" marB="0" anchor="ctr">
+                    <a:solidFill>
+                      <a:srgbClr val="F8F9FA"/>
+                    </a:solidFill>
+                  </a:tcPr>
+                </a:tc>
+                <a:tc gridSpan="3" vMerge="1">
+                  <a:txBody>
+                    <a:bodyPr/>
+                    <a:lstStyle/>
+                    <a:p>
+                      <a:pPr algn="ctr" fontAlgn="b"/>
+                      <a:endParaRPr lang="ko-KR" altLang="en-US" sz="1100" b="0" i="0" u="none" strike="noStrike" dirty="0">
+                        <a:solidFill>
+                          <a:schemeClr val="tx1">
+                            <a:lumMod val="85000"/>
+                            <a:lumOff val="15000"/>
+                          </a:schemeClr>
+                        </a:solidFill>
+                        <a:effectLst/>
+                        <a:latin typeface="맑은 고딕" panose="020B0503020000020004" pitchFamily="50" charset="-127"/>
+                        <a:ea typeface="맑은 고딕" panose="020B0503020000020004" pitchFamily="50" charset="-127"/>
+                      </a:endParaRPr>
+                    </a:p>
+                  </a:txBody>
+                  <a:tcPr marL="6757" marR="6757" marT="6757" marB="0" anchor="ctr">
+                    <a:solidFill>
+                      <a:srgbClr val="F8F9FA"/>
+                    </a:solidFill>
+                  </a:tcPr>
+                </a:tc>
+                <a:tc hMerge="1" vMerge="1">
+                  <a:txBody>
+                    <a:bodyPr/>
+                    <a:lstStyle/>
+                    <a:p>
+                      <a:pPr algn="ctr" fontAlgn="b"/>
+                      <a:endParaRPr lang="ko-KR" altLang="en-US" sz="1100" b="0" i="0" u="none" strike="noStrike" dirty="0">
+                        <a:solidFill>
+                          <a:schemeClr val="tx1">
+                            <a:lumMod val="85000"/>
+                            <a:lumOff val="15000"/>
+                          </a:schemeClr>
+                        </a:solidFill>
+                        <a:effectLst/>
+                        <a:latin typeface="맑은 고딕" panose="020B0503020000020004" pitchFamily="50" charset="-127"/>
+                        <a:ea typeface="맑은 고딕" panose="020B0503020000020004" pitchFamily="50" charset="-127"/>
+                      </a:endParaRPr>
+                    </a:p>
+                  </a:txBody>
+                  <a:tcPr marL="6757" marR="6757" marT="6757" marB="0" anchor="ctr">
+                    <a:solidFill>
+                      <a:srgbClr val="F8F9FA"/>
+                    </a:solidFill>
+                  </a:tcPr>
+                </a:tc>
+                <a:tc hMerge="1" vMerge="1">
+                  <a:txBody>
+                    <a:bodyPr/>
+                    <a:lstStyle/>
+                    <a:p>
+                      <a:pPr algn="ctr" fontAlgn="b"/>
+                      <a:endParaRPr lang="ko-KR" altLang="en-US" sz="1100" b="0" i="0" u="none" strike="noStrike" dirty="0">
+                        <a:solidFill>
+                          <a:schemeClr val="tx1">
+                            <a:lumMod val="85000"/>
+                            <a:lumOff val="15000"/>
+                          </a:schemeClr>
+                        </a:solidFill>
+                        <a:effectLst/>
+                        <a:latin typeface="맑은 고딕" panose="020B0503020000020004" pitchFamily="50" charset="-127"/>
+                        <a:ea typeface="맑은 고딕" panose="020B0503020000020004" pitchFamily="50" charset="-127"/>
+                      </a:endParaRPr>
+                    </a:p>
+                  </a:txBody>
+                  <a:tcPr marL="6757" marR="6757" marT="6757" marB="0" anchor="ctr">
+                    <a:solidFill>
+                      <a:srgbClr val="F8F9FA"/>
+                    </a:solidFill>
+                  </a:tcPr>
+                </a:tc>
+              </a:tr>
+              <a:tr h="266544">
+                <a:tc>
+                  <a:txBody>
+                    <a:bodyPr/>
+                    <a:lstStyle/>
+                    <a:p>
+                      <a:pPr algn="ctr" fontAlgn="b"/>
+                      <a:r>
+                        <a:rPr lang="en-US" altLang="ko-KR" sz="1100" u="none" strike="noStrike">
+                          <a:solidFill>
+                            <a:schemeClr val="tx1">
+                              <a:lumMod val="85000"/>
+                              <a:lumOff val="15000"/>
+                            </a:schemeClr>
+                          </a:solidFill>
+                          <a:effectLst/>
+                        </a:rPr>
+                        <a:t>4</a:t>
+                      </a:r>
+                      <a:r>
+                        <a:rPr lang="ko-KR" altLang="en-US" sz="1100" u="none" strike="noStrike">
+                          <a:solidFill>
+                            <a:schemeClr val="tx1">
+                              <a:lumMod val="85000"/>
+                              <a:lumOff val="15000"/>
+                            </a:schemeClr>
+                          </a:solidFill>
+                          <a:effectLst/>
+                        </a:rPr>
+                        <a:t>월 </a:t>
+                      </a:r>
+                      <a:r>
+                        <a:rPr lang="en-US" altLang="ko-KR" sz="1100" u="none" strike="noStrike">
+                          <a:solidFill>
+                            <a:schemeClr val="tx1">
+                              <a:lumMod val="85000"/>
+                              <a:lumOff val="15000"/>
+                            </a:schemeClr>
+                          </a:solidFill>
+                          <a:effectLst/>
+                        </a:rPr>
+                        <a:t>25</a:t>
+                      </a:r>
+                      <a:r>
+                        <a:rPr lang="ko-KR" altLang="en-US" sz="1100" u="none" strike="noStrike">
+                          <a:solidFill>
+                            <a:schemeClr val="tx1">
+                              <a:lumMod val="85000"/>
+                              <a:lumOff val="15000"/>
+                            </a:schemeClr>
+                          </a:solidFill>
+                          <a:effectLst/>
+                        </a:rPr>
+                        <a:t>일</a:t>
+                      </a:r>
+                      <a:endParaRPr lang="ko-KR" altLang="en-US" sz="1100" b="0" i="0" u="none" strike="noStrike">
+                        <a:solidFill>
+                          <a:schemeClr val="tx1">
+                            <a:lumMod val="85000"/>
+                            <a:lumOff val="15000"/>
+                          </a:schemeClr>
+                        </a:solidFill>
+                        <a:effectLst/>
+                        <a:latin typeface="맑은 고딕" panose="020B0503020000020004" pitchFamily="50" charset="-127"/>
+                        <a:ea typeface="맑은 고딕" panose="020B0503020000020004" pitchFamily="50" charset="-127"/>
+                      </a:endParaRPr>
+                    </a:p>
+                  </a:txBody>
+                  <a:tcPr marL="6757" marR="6757" marT="6757" marB="0" anchor="ctr">
+                    <a:solidFill>
+                      <a:srgbClr val="D7D7D7"/>
+                    </a:solidFill>
+                  </a:tcPr>
+                </a:tc>
+                <a:tc>
+                  <a:txBody>
+                    <a:bodyPr/>
+                    <a:lstStyle/>
+                    <a:p>
+                      <a:pPr algn="ctr" fontAlgn="b"/>
+                      <a:r>
+                        <a:rPr lang="ko-KR" altLang="en-US" sz="1100" u="none" strike="noStrike">
+                          <a:solidFill>
+                            <a:schemeClr val="tx1">
+                              <a:lumMod val="85000"/>
+                              <a:lumOff val="15000"/>
+                            </a:schemeClr>
+                          </a:solidFill>
+                          <a:effectLst/>
+                        </a:rPr>
+                        <a:t>목요일</a:t>
+                      </a:r>
+                      <a:endParaRPr lang="ko-KR" altLang="en-US" sz="1100" b="0" i="0" u="none" strike="noStrike">
+                        <a:solidFill>
+                          <a:schemeClr val="tx1">
+                            <a:lumMod val="85000"/>
+                            <a:lumOff val="15000"/>
+                          </a:schemeClr>
+                        </a:solidFill>
+                        <a:effectLst/>
+                        <a:latin typeface="맑은 고딕" panose="020B0503020000020004" pitchFamily="50" charset="-127"/>
+                        <a:ea typeface="맑은 고딕" panose="020B0503020000020004" pitchFamily="50" charset="-127"/>
+                      </a:endParaRPr>
+                    </a:p>
+                  </a:txBody>
+                  <a:tcPr marL="6757" marR="6757" marT="6757" marB="0" anchor="ctr">
+                    <a:solidFill>
+                      <a:srgbClr val="D7D7D7"/>
+                    </a:solidFill>
+                  </a:tcPr>
+                </a:tc>
+                <a:tc vMerge="1">
+                  <a:txBody>
+                    <a:bodyPr/>
+                    <a:lstStyle/>
+                    <a:p>
+                      <a:pPr algn="ctr" fontAlgn="b"/>
+                      <a:endParaRPr lang="ko-KR" altLang="en-US" sz="1100" b="0" i="0" u="none" strike="noStrike" dirty="0">
+                        <a:solidFill>
+                          <a:srgbClr val="000000"/>
+                        </a:solidFill>
+                        <a:effectLst/>
+                        <a:latin typeface="맑은 고딕" panose="020B0503020000020004" pitchFamily="50" charset="-127"/>
+                        <a:ea typeface="맑은 고딕" panose="020B0503020000020004" pitchFamily="50" charset="-127"/>
+                      </a:endParaRPr>
+                    </a:p>
+                  </a:txBody>
+                  <a:tcPr marL="6757" marR="6757" marT="6757" marB="0" anchor="ctr">
+                    <a:solidFill>
+                      <a:srgbClr val="F8F9FA"/>
+                    </a:solidFill>
+                  </a:tcPr>
+                </a:tc>
+                <a:tc gridSpan="3">
+                  <a:txBody>
+                    <a:bodyPr/>
+                    <a:lstStyle/>
+                    <a:p>
+                      <a:pPr algn="ctr" fontAlgn="b"/>
+                      <a:r>
+                        <a:rPr lang="en-US" altLang="ko-KR" sz="1100" u="none" strike="noStrike">
+                          <a:solidFill>
+                            <a:schemeClr val="tx1">
+                              <a:lumMod val="85000"/>
+                              <a:lumOff val="15000"/>
+                            </a:schemeClr>
+                          </a:solidFill>
+                          <a:effectLst/>
+                        </a:rPr>
+                        <a:t>CBT 1st (</a:t>
+                      </a:r>
+                      <a:r>
+                        <a:rPr lang="ko-KR" altLang="en-US" sz="1100" u="none" strike="noStrike">
+                          <a:solidFill>
+                            <a:schemeClr val="tx1">
+                              <a:lumMod val="85000"/>
+                              <a:lumOff val="15000"/>
+                            </a:schemeClr>
+                          </a:solidFill>
+                          <a:effectLst/>
+                        </a:rPr>
+                        <a:t>팀원</a:t>
+                      </a:r>
+                      <a:r>
+                        <a:rPr lang="en-US" altLang="ko-KR" sz="1100" u="none" strike="noStrike">
+                          <a:solidFill>
+                            <a:schemeClr val="tx1">
+                              <a:lumMod val="85000"/>
+                              <a:lumOff val="15000"/>
+                            </a:schemeClr>
+                          </a:solidFill>
+                          <a:effectLst/>
+                        </a:rPr>
+                        <a:t>) </a:t>
+                      </a:r>
+                      <a:r>
+                        <a:rPr lang="ko-KR" altLang="en-US" sz="1100" u="none" strike="noStrike">
+                          <a:solidFill>
+                            <a:schemeClr val="tx1">
+                              <a:lumMod val="85000"/>
+                              <a:lumOff val="15000"/>
+                            </a:schemeClr>
+                          </a:solidFill>
+                          <a:effectLst/>
+                        </a:rPr>
+                        <a:t>및 버그픽스</a:t>
+                      </a:r>
+                      <a:endParaRPr lang="ko-KR" altLang="en-US" sz="1100" b="0" i="0" u="none" strike="noStrike">
+                        <a:solidFill>
+                          <a:schemeClr val="tx1">
+                            <a:lumMod val="85000"/>
+                            <a:lumOff val="15000"/>
+                          </a:schemeClr>
+                        </a:solidFill>
+                        <a:effectLst/>
+                        <a:latin typeface="맑은 고딕" panose="020B0503020000020004" pitchFamily="50" charset="-127"/>
+                        <a:ea typeface="맑은 고딕" panose="020B0503020000020004" pitchFamily="50" charset="-127"/>
+                      </a:endParaRPr>
+                    </a:p>
+                  </a:txBody>
+                  <a:tcPr marL="6757" marR="6757" marT="6757" marB="0" anchor="ctr">
+                    <a:solidFill>
+                      <a:srgbClr val="F8F9FA"/>
+                    </a:solidFill>
+                  </a:tcPr>
+                </a:tc>
+                <a:tc hMerge="1">
+                  <a:txBody>
+                    <a:bodyPr/>
+                    <a:lstStyle/>
+                    <a:p>
+                      <a:pPr latinLnBrk="1"/>
+                      <a:endParaRPr lang="ko-KR" altLang="en-US"/>
+                    </a:p>
+                  </a:txBody>
+                  <a:tcPr/>
+                </a:tc>
+                <a:tc hMerge="1">
+                  <a:txBody>
+                    <a:bodyPr/>
+                    <a:lstStyle/>
+                    <a:p>
+                      <a:pPr latinLnBrk="1"/>
+                      <a:endParaRPr lang="ko-KR" altLang="en-US"/>
+                    </a:p>
+                  </a:txBody>
+                  <a:tcPr/>
+                </a:tc>
+              </a:tr>
+              <a:tr h="266544">
+                <a:tc>
+                  <a:txBody>
+                    <a:bodyPr/>
+                    <a:lstStyle/>
+                    <a:p>
+                      <a:pPr algn="ctr" fontAlgn="b"/>
+                      <a:r>
+                        <a:rPr lang="en-US" altLang="ko-KR" sz="1100" u="none" strike="noStrike">
+                          <a:solidFill>
+                            <a:schemeClr val="tx1">
+                              <a:lumMod val="85000"/>
+                              <a:lumOff val="15000"/>
+                            </a:schemeClr>
+                          </a:solidFill>
+                          <a:effectLst/>
+                        </a:rPr>
+                        <a:t>4</a:t>
+                      </a:r>
+                      <a:r>
+                        <a:rPr lang="ko-KR" altLang="en-US" sz="1100" u="none" strike="noStrike">
+                          <a:solidFill>
+                            <a:schemeClr val="tx1">
+                              <a:lumMod val="85000"/>
+                              <a:lumOff val="15000"/>
+                            </a:schemeClr>
+                          </a:solidFill>
+                          <a:effectLst/>
+                        </a:rPr>
+                        <a:t>월 </a:t>
+                      </a:r>
+                      <a:r>
+                        <a:rPr lang="en-US" altLang="ko-KR" sz="1100" u="none" strike="noStrike">
+                          <a:solidFill>
+                            <a:schemeClr val="tx1">
+                              <a:lumMod val="85000"/>
+                              <a:lumOff val="15000"/>
+                            </a:schemeClr>
+                          </a:solidFill>
+                          <a:effectLst/>
+                        </a:rPr>
+                        <a:t>26</a:t>
+                      </a:r>
+                      <a:r>
+                        <a:rPr lang="ko-KR" altLang="en-US" sz="1100" u="none" strike="noStrike">
+                          <a:solidFill>
+                            <a:schemeClr val="tx1">
+                              <a:lumMod val="85000"/>
+                              <a:lumOff val="15000"/>
+                            </a:schemeClr>
+                          </a:solidFill>
+                          <a:effectLst/>
+                        </a:rPr>
+                        <a:t>일</a:t>
+                      </a:r>
+                      <a:endParaRPr lang="ko-KR" altLang="en-US" sz="1100" b="0" i="0" u="none" strike="noStrike">
+                        <a:solidFill>
+                          <a:schemeClr val="tx1">
+                            <a:lumMod val="85000"/>
+                            <a:lumOff val="15000"/>
+                          </a:schemeClr>
+                        </a:solidFill>
+                        <a:effectLst/>
+                        <a:latin typeface="맑은 고딕" panose="020B0503020000020004" pitchFamily="50" charset="-127"/>
+                        <a:ea typeface="맑은 고딕" panose="020B0503020000020004" pitchFamily="50" charset="-127"/>
+                      </a:endParaRPr>
+                    </a:p>
+                  </a:txBody>
+                  <a:tcPr marL="6757" marR="6757" marT="6757" marB="0" anchor="ctr">
+                    <a:solidFill>
+                      <a:srgbClr val="D7D7D7"/>
+                    </a:solidFill>
+                  </a:tcPr>
+                </a:tc>
+                <a:tc>
+                  <a:txBody>
+                    <a:bodyPr/>
+                    <a:lstStyle/>
+                    <a:p>
+                      <a:pPr algn="ctr" fontAlgn="b"/>
+                      <a:r>
+                        <a:rPr lang="ko-KR" altLang="en-US" sz="1100" u="none" strike="noStrike">
+                          <a:solidFill>
+                            <a:schemeClr val="tx1">
+                              <a:lumMod val="85000"/>
+                              <a:lumOff val="15000"/>
+                            </a:schemeClr>
+                          </a:solidFill>
+                          <a:effectLst/>
+                        </a:rPr>
+                        <a:t>금요일</a:t>
+                      </a:r>
+                      <a:endParaRPr lang="ko-KR" altLang="en-US" sz="1100" b="0" i="0" u="none" strike="noStrike">
+                        <a:solidFill>
+                          <a:schemeClr val="tx1">
+                            <a:lumMod val="85000"/>
+                            <a:lumOff val="15000"/>
+                          </a:schemeClr>
+                        </a:solidFill>
+                        <a:effectLst/>
+                        <a:latin typeface="맑은 고딕" panose="020B0503020000020004" pitchFamily="50" charset="-127"/>
+                        <a:ea typeface="맑은 고딕" panose="020B0503020000020004" pitchFamily="50" charset="-127"/>
+                      </a:endParaRPr>
+                    </a:p>
+                  </a:txBody>
+                  <a:tcPr marL="6757" marR="6757" marT="6757" marB="0" anchor="ctr">
+                    <a:solidFill>
+                      <a:srgbClr val="D7D7D7"/>
+                    </a:solidFill>
+                  </a:tcPr>
+                </a:tc>
+                <a:tc vMerge="1">
+                  <a:txBody>
+                    <a:bodyPr/>
+                    <a:lstStyle/>
+                    <a:p>
+                      <a:pPr algn="ctr" fontAlgn="b"/>
+                      <a:endParaRPr lang="ko-KR" altLang="en-US" sz="1100" b="0" i="0" u="none" strike="noStrike" dirty="0">
+                        <a:solidFill>
+                          <a:srgbClr val="000000"/>
+                        </a:solidFill>
+                        <a:effectLst/>
+                        <a:latin typeface="맑은 고딕" panose="020B0503020000020004" pitchFamily="50" charset="-127"/>
+                        <a:ea typeface="맑은 고딕" panose="020B0503020000020004" pitchFamily="50" charset="-127"/>
+                      </a:endParaRPr>
+                    </a:p>
+                  </a:txBody>
+                  <a:tcPr marL="6757" marR="6757" marT="6757" marB="0" anchor="ctr">
+                    <a:solidFill>
+                      <a:srgbClr val="F8F9FA"/>
+                    </a:solidFill>
+                  </a:tcPr>
+                </a:tc>
+                <a:tc gridSpan="3">
+                  <a:txBody>
+                    <a:bodyPr/>
+                    <a:lstStyle/>
+                    <a:p>
+                      <a:pPr algn="ctr" fontAlgn="b"/>
+                      <a:r>
+                        <a:rPr lang="en-US" altLang="ko-KR" sz="1100" u="none" strike="noStrike">
+                          <a:solidFill>
+                            <a:schemeClr val="tx1">
+                              <a:lumMod val="85000"/>
+                              <a:lumOff val="15000"/>
+                            </a:schemeClr>
+                          </a:solidFill>
+                          <a:effectLst/>
+                        </a:rPr>
+                        <a:t>CBT 1st </a:t>
+                      </a:r>
+                      <a:r>
+                        <a:rPr lang="ko-KR" altLang="en-US" sz="1100" u="none" strike="noStrike">
+                          <a:solidFill>
+                            <a:schemeClr val="tx1">
+                              <a:lumMod val="85000"/>
+                              <a:lumOff val="15000"/>
+                            </a:schemeClr>
+                          </a:solidFill>
+                          <a:effectLst/>
+                        </a:rPr>
+                        <a:t>리뷰 및 버그픽스</a:t>
+                      </a:r>
+                      <a:endParaRPr lang="ko-KR" altLang="en-US" sz="1100" b="0" i="0" u="none" strike="noStrike">
+                        <a:solidFill>
+                          <a:schemeClr val="tx1">
+                            <a:lumMod val="85000"/>
+                            <a:lumOff val="15000"/>
+                          </a:schemeClr>
+                        </a:solidFill>
+                        <a:effectLst/>
+                        <a:latin typeface="맑은 고딕" panose="020B0503020000020004" pitchFamily="50" charset="-127"/>
+                        <a:ea typeface="맑은 고딕" panose="020B0503020000020004" pitchFamily="50" charset="-127"/>
+                      </a:endParaRPr>
+                    </a:p>
+                  </a:txBody>
+                  <a:tcPr marL="6757" marR="6757" marT="6757" marB="0" anchor="ctr">
+                    <a:solidFill>
+                      <a:srgbClr val="F8F9FA"/>
+                    </a:solidFill>
+                  </a:tcPr>
+                </a:tc>
+                <a:tc hMerge="1">
+                  <a:txBody>
+                    <a:bodyPr/>
+                    <a:lstStyle/>
+                    <a:p>
+                      <a:pPr latinLnBrk="1"/>
+                      <a:endParaRPr lang="ko-KR" altLang="en-US"/>
+                    </a:p>
+                  </a:txBody>
+                  <a:tcPr/>
+                </a:tc>
+                <a:tc hMerge="1">
+                  <a:txBody>
+                    <a:bodyPr/>
+                    <a:lstStyle/>
+                    <a:p>
+                      <a:pPr latinLnBrk="1"/>
+                      <a:endParaRPr lang="ko-KR" altLang="en-US"/>
+                    </a:p>
+                  </a:txBody>
+                  <a:tcPr/>
+                </a:tc>
+              </a:tr>
+              <a:tr h="266544">
+                <a:tc>
+                  <a:txBody>
+                    <a:bodyPr/>
+                    <a:lstStyle/>
+                    <a:p>
+                      <a:pPr algn="ctr" fontAlgn="b"/>
+                      <a:r>
+                        <a:rPr lang="en-US" altLang="ko-KR" sz="1100" u="none" strike="noStrike">
+                          <a:solidFill>
+                            <a:schemeClr val="tx1">
+                              <a:lumMod val="85000"/>
+                              <a:lumOff val="15000"/>
+                            </a:schemeClr>
+                          </a:solidFill>
+                          <a:effectLst/>
+                        </a:rPr>
+                        <a:t>4</a:t>
+                      </a:r>
+                      <a:r>
+                        <a:rPr lang="ko-KR" altLang="en-US" sz="1100" u="none" strike="noStrike">
+                          <a:solidFill>
+                            <a:schemeClr val="tx1">
+                              <a:lumMod val="85000"/>
+                              <a:lumOff val="15000"/>
+                            </a:schemeClr>
+                          </a:solidFill>
+                          <a:effectLst/>
+                        </a:rPr>
+                        <a:t>월 </a:t>
+                      </a:r>
+                      <a:r>
+                        <a:rPr lang="en-US" altLang="ko-KR" sz="1100" u="none" strike="noStrike">
+                          <a:solidFill>
+                            <a:schemeClr val="tx1">
+                              <a:lumMod val="85000"/>
+                              <a:lumOff val="15000"/>
+                            </a:schemeClr>
+                          </a:solidFill>
+                          <a:effectLst/>
+                        </a:rPr>
+                        <a:t>29</a:t>
+                      </a:r>
+                      <a:r>
+                        <a:rPr lang="ko-KR" altLang="en-US" sz="1100" u="none" strike="noStrike">
+                          <a:solidFill>
+                            <a:schemeClr val="tx1">
+                              <a:lumMod val="85000"/>
+                              <a:lumOff val="15000"/>
+                            </a:schemeClr>
+                          </a:solidFill>
+                          <a:effectLst/>
+                        </a:rPr>
+                        <a:t>일</a:t>
+                      </a:r>
+                      <a:endParaRPr lang="ko-KR" altLang="en-US" sz="1100" b="0" i="0" u="none" strike="noStrike">
+                        <a:solidFill>
+                          <a:schemeClr val="tx1">
+                            <a:lumMod val="85000"/>
+                            <a:lumOff val="15000"/>
+                          </a:schemeClr>
+                        </a:solidFill>
+                        <a:effectLst/>
+                        <a:latin typeface="맑은 고딕" panose="020B0503020000020004" pitchFamily="50" charset="-127"/>
+                        <a:ea typeface="맑은 고딕" panose="020B0503020000020004" pitchFamily="50" charset="-127"/>
+                      </a:endParaRPr>
+                    </a:p>
+                  </a:txBody>
+                  <a:tcPr marL="6757" marR="6757" marT="6757" marB="0" anchor="ctr">
+                    <a:solidFill>
+                      <a:srgbClr val="D7D7D7"/>
+                    </a:solidFill>
+                  </a:tcPr>
+                </a:tc>
+                <a:tc>
+                  <a:txBody>
+                    <a:bodyPr/>
+                    <a:lstStyle/>
+                    <a:p>
+                      <a:pPr algn="ctr" fontAlgn="b"/>
+                      <a:r>
+                        <a:rPr lang="ko-KR" altLang="en-US" sz="1100" u="none" strike="noStrike">
+                          <a:solidFill>
+                            <a:schemeClr val="tx1">
+                              <a:lumMod val="85000"/>
+                              <a:lumOff val="15000"/>
+                            </a:schemeClr>
+                          </a:solidFill>
+                          <a:effectLst/>
+                        </a:rPr>
+                        <a:t>월요일</a:t>
+                      </a:r>
+                      <a:endParaRPr lang="ko-KR" altLang="en-US" sz="1100" b="0" i="0" u="none" strike="noStrike">
+                        <a:solidFill>
+                          <a:schemeClr val="tx1">
+                            <a:lumMod val="85000"/>
+                            <a:lumOff val="15000"/>
+                          </a:schemeClr>
+                        </a:solidFill>
+                        <a:effectLst/>
+                        <a:latin typeface="맑은 고딕" panose="020B0503020000020004" pitchFamily="50" charset="-127"/>
+                        <a:ea typeface="맑은 고딕" panose="020B0503020000020004" pitchFamily="50" charset="-127"/>
+                      </a:endParaRPr>
+                    </a:p>
+                  </a:txBody>
+                  <a:tcPr marL="6757" marR="6757" marT="6757" marB="0" anchor="ctr">
+                    <a:solidFill>
+                      <a:srgbClr val="D7D7D7"/>
+                    </a:solidFill>
+                  </a:tcPr>
+                </a:tc>
+                <a:tc rowSpan="3">
+                  <a:txBody>
+                    <a:bodyPr/>
+                    <a:lstStyle/>
+                    <a:p>
+                      <a:pPr algn="ctr" fontAlgn="b"/>
+                      <a:r>
+                        <a:rPr lang="ko-KR" altLang="en-US" sz="1100" u="none" strike="noStrike" dirty="0">
+                          <a:solidFill>
+                            <a:schemeClr val="tx1">
+                              <a:lumMod val="85000"/>
+                              <a:lumOff val="15000"/>
+                            </a:schemeClr>
+                          </a:solidFill>
+                          <a:effectLst/>
+                        </a:rPr>
+                        <a:t>배포</a:t>
+                      </a:r>
+                      <a:endParaRPr lang="ko-KR" altLang="en-US" sz="1100" b="0" i="0" u="none" strike="noStrike" dirty="0">
+                        <a:solidFill>
+                          <a:schemeClr val="tx1">
+                            <a:lumMod val="85000"/>
+                            <a:lumOff val="15000"/>
+                          </a:schemeClr>
+                        </a:solidFill>
+                        <a:effectLst/>
+                        <a:latin typeface="맑은 고딕" panose="020B0503020000020004" pitchFamily="50" charset="-127"/>
+                        <a:ea typeface="맑은 고딕" panose="020B0503020000020004" pitchFamily="50" charset="-127"/>
+                      </a:endParaRPr>
+                    </a:p>
+                  </a:txBody>
+                  <a:tcPr marL="6757" marR="6757" marT="6757" marB="0" anchor="ctr">
+                    <a:solidFill>
+                      <a:srgbClr val="D7D7D7"/>
+                    </a:solidFill>
+                  </a:tcPr>
+                </a:tc>
+                <a:tc gridSpan="3">
+                  <a:txBody>
+                    <a:bodyPr/>
+                    <a:lstStyle/>
+                    <a:p>
+                      <a:pPr algn="ctr" fontAlgn="b"/>
+                      <a:r>
+                        <a:rPr lang="en-US" altLang="ko-KR" sz="1100" u="none" strike="noStrike" dirty="0">
+                          <a:solidFill>
+                            <a:schemeClr val="tx1">
+                              <a:lumMod val="85000"/>
+                              <a:lumOff val="15000"/>
+                            </a:schemeClr>
+                          </a:solidFill>
+                          <a:effectLst/>
+                        </a:rPr>
+                        <a:t>CBT 2nd (</a:t>
+                      </a:r>
+                      <a:r>
+                        <a:rPr lang="ko-KR" altLang="en-US" sz="1100" u="none" strike="noStrike" dirty="0">
+                          <a:solidFill>
+                            <a:schemeClr val="tx1">
+                              <a:lumMod val="85000"/>
+                              <a:lumOff val="15000"/>
+                            </a:schemeClr>
+                          </a:solidFill>
+                          <a:effectLst/>
+                        </a:rPr>
+                        <a:t>지인</a:t>
+                      </a:r>
+                      <a:r>
+                        <a:rPr lang="en-US" altLang="ko-KR" sz="1100" u="none" strike="noStrike" dirty="0">
+                          <a:solidFill>
+                            <a:schemeClr val="tx1">
+                              <a:lumMod val="85000"/>
+                              <a:lumOff val="15000"/>
+                            </a:schemeClr>
+                          </a:solidFill>
+                          <a:effectLst/>
+                        </a:rPr>
+                        <a:t>) </a:t>
+                      </a:r>
+                      <a:r>
+                        <a:rPr lang="ko-KR" altLang="en-US" sz="1100" u="none" strike="noStrike" dirty="0">
+                          <a:solidFill>
+                            <a:schemeClr val="tx1">
+                              <a:lumMod val="85000"/>
+                              <a:lumOff val="15000"/>
+                            </a:schemeClr>
+                          </a:solidFill>
+                          <a:effectLst/>
+                        </a:rPr>
+                        <a:t>시작 및 </a:t>
+                      </a:r>
+                      <a:r>
+                        <a:rPr lang="ko-KR" altLang="en-US" sz="1100" u="none" strike="noStrike" dirty="0" err="1">
+                          <a:solidFill>
+                            <a:schemeClr val="tx1">
+                              <a:lumMod val="85000"/>
+                              <a:lumOff val="15000"/>
+                            </a:schemeClr>
+                          </a:solidFill>
+                          <a:effectLst/>
+                        </a:rPr>
+                        <a:t>버그픽스</a:t>
+                      </a:r>
+                      <a:endParaRPr lang="ko-KR" altLang="en-US" sz="1100" b="0" i="0" u="none" strike="noStrike" dirty="0">
+                        <a:solidFill>
+                          <a:schemeClr val="tx1">
+                            <a:lumMod val="85000"/>
+                            <a:lumOff val="15000"/>
+                          </a:schemeClr>
+                        </a:solidFill>
+                        <a:effectLst/>
+                        <a:latin typeface="맑은 고딕" panose="020B0503020000020004" pitchFamily="50" charset="-127"/>
+                        <a:ea typeface="맑은 고딕" panose="020B0503020000020004" pitchFamily="50" charset="-127"/>
+                      </a:endParaRPr>
+                    </a:p>
+                  </a:txBody>
+                  <a:tcPr marL="6757" marR="6757" marT="6757" marB="0" anchor="ctr">
+                    <a:solidFill>
+                      <a:srgbClr val="F8F9FA"/>
+                    </a:solidFill>
+                  </a:tcPr>
+                </a:tc>
+                <a:tc hMerge="1">
+                  <a:txBody>
+                    <a:bodyPr/>
+                    <a:lstStyle/>
+                    <a:p>
+                      <a:pPr latinLnBrk="1"/>
+                      <a:endParaRPr lang="ko-KR" altLang="en-US"/>
+                    </a:p>
+                  </a:txBody>
+                  <a:tcPr/>
+                </a:tc>
+                <a:tc hMerge="1">
+                  <a:txBody>
+                    <a:bodyPr/>
+                    <a:lstStyle/>
+                    <a:p>
+                      <a:pPr latinLnBrk="1"/>
+                      <a:endParaRPr lang="ko-KR" altLang="en-US"/>
+                    </a:p>
+                  </a:txBody>
+                  <a:tcPr/>
+                </a:tc>
+              </a:tr>
+              <a:tr h="266544">
+                <a:tc>
+                  <a:txBody>
+                    <a:bodyPr/>
+                    <a:lstStyle/>
+                    <a:p>
+                      <a:pPr algn="ctr" fontAlgn="b"/>
+                      <a:r>
+                        <a:rPr lang="en-US" altLang="ko-KR" sz="1100" u="none" strike="noStrike">
+                          <a:solidFill>
+                            <a:schemeClr val="tx1">
+                              <a:lumMod val="85000"/>
+                              <a:lumOff val="15000"/>
+                            </a:schemeClr>
+                          </a:solidFill>
+                          <a:effectLst/>
+                        </a:rPr>
+                        <a:t>4</a:t>
+                      </a:r>
+                      <a:r>
+                        <a:rPr lang="ko-KR" altLang="en-US" sz="1100" u="none" strike="noStrike">
+                          <a:solidFill>
+                            <a:schemeClr val="tx1">
+                              <a:lumMod val="85000"/>
+                              <a:lumOff val="15000"/>
+                            </a:schemeClr>
+                          </a:solidFill>
+                          <a:effectLst/>
+                        </a:rPr>
+                        <a:t>월 </a:t>
+                      </a:r>
+                      <a:r>
+                        <a:rPr lang="en-US" altLang="ko-KR" sz="1100" u="none" strike="noStrike">
+                          <a:solidFill>
+                            <a:schemeClr val="tx1">
+                              <a:lumMod val="85000"/>
+                              <a:lumOff val="15000"/>
+                            </a:schemeClr>
+                          </a:solidFill>
+                          <a:effectLst/>
+                        </a:rPr>
+                        <a:t>30</a:t>
+                      </a:r>
+                      <a:r>
+                        <a:rPr lang="ko-KR" altLang="en-US" sz="1100" u="none" strike="noStrike">
+                          <a:solidFill>
+                            <a:schemeClr val="tx1">
+                              <a:lumMod val="85000"/>
+                              <a:lumOff val="15000"/>
+                            </a:schemeClr>
+                          </a:solidFill>
+                          <a:effectLst/>
+                        </a:rPr>
+                        <a:t>일</a:t>
+                      </a:r>
+                      <a:endParaRPr lang="ko-KR" altLang="en-US" sz="1100" b="0" i="0" u="none" strike="noStrike">
+                        <a:solidFill>
+                          <a:schemeClr val="tx1">
+                            <a:lumMod val="85000"/>
+                            <a:lumOff val="15000"/>
+                          </a:schemeClr>
+                        </a:solidFill>
+                        <a:effectLst/>
+                        <a:latin typeface="맑은 고딕" panose="020B0503020000020004" pitchFamily="50" charset="-127"/>
+                        <a:ea typeface="맑은 고딕" panose="020B0503020000020004" pitchFamily="50" charset="-127"/>
+                      </a:endParaRPr>
+                    </a:p>
+                  </a:txBody>
+                  <a:tcPr marL="6757" marR="6757" marT="6757" marB="0" anchor="ctr">
+                    <a:solidFill>
+                      <a:srgbClr val="D7D7D7"/>
+                    </a:solidFill>
+                  </a:tcPr>
+                </a:tc>
+                <a:tc>
+                  <a:txBody>
+                    <a:bodyPr/>
+                    <a:lstStyle/>
+                    <a:p>
+                      <a:pPr algn="ctr" fontAlgn="b"/>
+                      <a:r>
+                        <a:rPr lang="ko-KR" altLang="en-US" sz="1100" u="none" strike="noStrike" dirty="0">
+                          <a:solidFill>
+                            <a:schemeClr val="tx1">
+                              <a:lumMod val="85000"/>
+                              <a:lumOff val="15000"/>
+                            </a:schemeClr>
+                          </a:solidFill>
+                          <a:effectLst/>
+                        </a:rPr>
+                        <a:t>화요일</a:t>
+                      </a:r>
+                      <a:endParaRPr lang="ko-KR" altLang="en-US" sz="1100" b="0" i="0" u="none" strike="noStrike" dirty="0">
+                        <a:solidFill>
+                          <a:schemeClr val="tx1">
+                            <a:lumMod val="85000"/>
+                            <a:lumOff val="15000"/>
+                          </a:schemeClr>
+                        </a:solidFill>
+                        <a:effectLst/>
+                        <a:latin typeface="맑은 고딕" panose="020B0503020000020004" pitchFamily="50" charset="-127"/>
+                        <a:ea typeface="맑은 고딕" panose="020B0503020000020004" pitchFamily="50" charset="-127"/>
+                      </a:endParaRPr>
+                    </a:p>
+                  </a:txBody>
+                  <a:tcPr marL="6757" marR="6757" marT="6757" marB="0" anchor="ctr">
+                    <a:solidFill>
+                      <a:srgbClr val="D7D7D7"/>
+                    </a:solidFill>
+                  </a:tcPr>
+                </a:tc>
+                <a:tc vMerge="1">
+                  <a:txBody>
+                    <a:bodyPr/>
+                    <a:lstStyle/>
+                    <a:p>
+                      <a:pPr algn="ctr" fontAlgn="b"/>
+                      <a:endParaRPr lang="ko-KR" altLang="en-US" sz="1100" b="0" i="0" u="none" strike="noStrike" dirty="0">
+                        <a:solidFill>
+                          <a:srgbClr val="000000"/>
+                        </a:solidFill>
+                        <a:effectLst/>
+                        <a:latin typeface="맑은 고딕" panose="020B0503020000020004" pitchFamily="50" charset="-127"/>
+                        <a:ea typeface="맑은 고딕" panose="020B0503020000020004" pitchFamily="50" charset="-127"/>
+                      </a:endParaRPr>
+                    </a:p>
+                  </a:txBody>
+                  <a:tcPr marL="6757" marR="6757" marT="6757" marB="0" anchor="ctr">
+                    <a:solidFill>
+                      <a:srgbClr val="F8F9FA"/>
+                    </a:solidFill>
+                  </a:tcPr>
+                </a:tc>
+                <a:tc gridSpan="3">
+                  <a:txBody>
+                    <a:bodyPr/>
+                    <a:lstStyle/>
+                    <a:p>
+                      <a:pPr algn="ctr" fontAlgn="b"/>
+                      <a:r>
+                        <a:rPr lang="en-US" altLang="ko-KR" sz="1100" u="none" strike="noStrike" dirty="0">
+                          <a:solidFill>
+                            <a:schemeClr val="tx1">
+                              <a:lumMod val="85000"/>
+                              <a:lumOff val="15000"/>
+                            </a:schemeClr>
+                          </a:solidFill>
+                          <a:effectLst/>
+                        </a:rPr>
+                        <a:t>CBT 2nd </a:t>
+                      </a:r>
+                      <a:r>
+                        <a:rPr lang="ko-KR" altLang="en-US" sz="1100" u="none" strike="noStrike" dirty="0">
+                          <a:solidFill>
+                            <a:schemeClr val="tx1">
+                              <a:lumMod val="85000"/>
+                              <a:lumOff val="15000"/>
+                            </a:schemeClr>
+                          </a:solidFill>
+                          <a:effectLst/>
+                        </a:rPr>
+                        <a:t>리뷰 및 버그 </a:t>
+                      </a:r>
+                      <a:r>
+                        <a:rPr lang="ko-KR" altLang="en-US" sz="1100" u="none" strike="noStrike" dirty="0" err="1">
+                          <a:solidFill>
+                            <a:schemeClr val="tx1">
+                              <a:lumMod val="85000"/>
+                              <a:lumOff val="15000"/>
+                            </a:schemeClr>
+                          </a:solidFill>
+                          <a:effectLst/>
+                        </a:rPr>
+                        <a:t>픽스</a:t>
+                      </a:r>
+                      <a:endParaRPr lang="ko-KR" altLang="en-US" sz="1100" b="0" i="0" u="none" strike="noStrike" dirty="0">
+                        <a:solidFill>
+                          <a:schemeClr val="tx1">
+                            <a:lumMod val="85000"/>
+                            <a:lumOff val="15000"/>
+                          </a:schemeClr>
+                        </a:solidFill>
+                        <a:effectLst/>
+                        <a:latin typeface="맑은 고딕" panose="020B0503020000020004" pitchFamily="50" charset="-127"/>
+                        <a:ea typeface="맑은 고딕" panose="020B0503020000020004" pitchFamily="50" charset="-127"/>
+                      </a:endParaRPr>
+                    </a:p>
+                  </a:txBody>
+                  <a:tcPr marL="6757" marR="6757" marT="6757" marB="0" anchor="ctr">
+                    <a:solidFill>
+                      <a:srgbClr val="F8F9FA"/>
+                    </a:solidFill>
+                  </a:tcPr>
+                </a:tc>
+                <a:tc hMerge="1">
+                  <a:txBody>
+                    <a:bodyPr/>
+                    <a:lstStyle/>
+                    <a:p>
+                      <a:pPr latinLnBrk="1"/>
+                      <a:endParaRPr lang="ko-KR" altLang="en-US"/>
+                    </a:p>
+                  </a:txBody>
+                  <a:tcPr/>
+                </a:tc>
+                <a:tc hMerge="1">
+                  <a:txBody>
+                    <a:bodyPr/>
+                    <a:lstStyle/>
+                    <a:p>
+                      <a:pPr latinLnBrk="1"/>
+                      <a:endParaRPr lang="ko-KR" altLang="en-US"/>
+                    </a:p>
+                  </a:txBody>
+                  <a:tcPr/>
+                </a:tc>
+              </a:tr>
+              <a:tr h="266544">
+                <a:tc>
+                  <a:txBody>
+                    <a:bodyPr/>
+                    <a:lstStyle/>
+                    <a:p>
+                      <a:pPr algn="ctr" fontAlgn="b"/>
+                      <a:r>
+                        <a:rPr lang="en-US" altLang="ko-KR" sz="1100" u="none" strike="noStrike">
+                          <a:solidFill>
+                            <a:schemeClr val="tx1">
+                              <a:lumMod val="85000"/>
+                              <a:lumOff val="15000"/>
+                            </a:schemeClr>
+                          </a:solidFill>
+                          <a:effectLst/>
+                        </a:rPr>
+                        <a:t>5</a:t>
+                      </a:r>
+                      <a:r>
+                        <a:rPr lang="ko-KR" altLang="en-US" sz="1100" u="none" strike="noStrike">
+                          <a:solidFill>
+                            <a:schemeClr val="tx1">
+                              <a:lumMod val="85000"/>
+                              <a:lumOff val="15000"/>
+                            </a:schemeClr>
+                          </a:solidFill>
+                          <a:effectLst/>
+                        </a:rPr>
+                        <a:t>월 </a:t>
+                      </a:r>
+                      <a:r>
+                        <a:rPr lang="en-US" altLang="ko-KR" sz="1100" u="none" strike="noStrike">
+                          <a:solidFill>
+                            <a:schemeClr val="tx1">
+                              <a:lumMod val="85000"/>
+                              <a:lumOff val="15000"/>
+                            </a:schemeClr>
+                          </a:solidFill>
+                          <a:effectLst/>
+                        </a:rPr>
+                        <a:t>1</a:t>
+                      </a:r>
+                      <a:r>
+                        <a:rPr lang="ko-KR" altLang="en-US" sz="1100" u="none" strike="noStrike">
+                          <a:solidFill>
+                            <a:schemeClr val="tx1">
+                              <a:lumMod val="85000"/>
+                              <a:lumOff val="15000"/>
+                            </a:schemeClr>
+                          </a:solidFill>
+                          <a:effectLst/>
+                        </a:rPr>
+                        <a:t>일</a:t>
+                      </a:r>
+                      <a:endParaRPr lang="ko-KR" altLang="en-US" sz="1100" b="0" i="0" u="none" strike="noStrike">
+                        <a:solidFill>
+                          <a:schemeClr val="tx1">
+                            <a:lumMod val="85000"/>
+                            <a:lumOff val="15000"/>
+                          </a:schemeClr>
+                        </a:solidFill>
+                        <a:effectLst/>
+                        <a:latin typeface="맑은 고딕" panose="020B0503020000020004" pitchFamily="50" charset="-127"/>
+                        <a:ea typeface="맑은 고딕" panose="020B0503020000020004" pitchFamily="50" charset="-127"/>
+                      </a:endParaRPr>
+                    </a:p>
+                  </a:txBody>
+                  <a:tcPr marL="6757" marR="6757" marT="6757" marB="0" anchor="ctr">
+                    <a:solidFill>
+                      <a:srgbClr val="D7D7D7"/>
+                    </a:solidFill>
+                  </a:tcPr>
+                </a:tc>
+                <a:tc>
+                  <a:txBody>
+                    <a:bodyPr/>
+                    <a:lstStyle/>
+                    <a:p>
+                      <a:pPr algn="ctr" fontAlgn="b"/>
+                      <a:r>
+                        <a:rPr lang="ko-KR" altLang="en-US" sz="1100" u="none" strike="noStrike" dirty="0">
+                          <a:solidFill>
+                            <a:schemeClr val="tx1">
+                              <a:lumMod val="85000"/>
+                              <a:lumOff val="15000"/>
+                            </a:schemeClr>
+                          </a:solidFill>
+                          <a:effectLst/>
+                        </a:rPr>
+                        <a:t>수요일</a:t>
+                      </a:r>
+                      <a:endParaRPr lang="ko-KR" altLang="en-US" sz="1100" b="0" i="0" u="none" strike="noStrike" dirty="0">
+                        <a:solidFill>
+                          <a:schemeClr val="tx1">
+                            <a:lumMod val="85000"/>
+                            <a:lumOff val="15000"/>
+                          </a:schemeClr>
+                        </a:solidFill>
+                        <a:effectLst/>
+                        <a:latin typeface="맑은 고딕" panose="020B0503020000020004" pitchFamily="50" charset="-127"/>
+                        <a:ea typeface="맑은 고딕" panose="020B0503020000020004" pitchFamily="50" charset="-127"/>
+                      </a:endParaRPr>
+                    </a:p>
+                  </a:txBody>
+                  <a:tcPr marL="6757" marR="6757" marT="6757" marB="0" anchor="ctr">
+                    <a:solidFill>
+                      <a:srgbClr val="D7D7D7"/>
+                    </a:solidFill>
+                  </a:tcPr>
+                </a:tc>
+                <a:tc vMerge="1">
+                  <a:txBody>
+                    <a:bodyPr/>
+                    <a:lstStyle/>
+                    <a:p>
+                      <a:pPr algn="ctr" fontAlgn="b"/>
+                      <a:endParaRPr lang="ko-KR" altLang="en-US" sz="1100" b="0" i="0" u="none" strike="noStrike" dirty="0">
+                        <a:solidFill>
+                          <a:srgbClr val="000000"/>
+                        </a:solidFill>
+                        <a:effectLst/>
+                        <a:latin typeface="맑은 고딕" panose="020B0503020000020004" pitchFamily="50" charset="-127"/>
+                        <a:ea typeface="맑은 고딕" panose="020B0503020000020004" pitchFamily="50" charset="-127"/>
+                      </a:endParaRPr>
+                    </a:p>
+                  </a:txBody>
+                  <a:tcPr marL="6757" marR="6757" marT="6757" marB="0" anchor="ctr">
+                    <a:solidFill>
+                      <a:srgbClr val="F8F9FA"/>
+                    </a:solidFill>
+                  </a:tcPr>
+                </a:tc>
+                <a:tc gridSpan="3">
+                  <a:txBody>
+                    <a:bodyPr/>
+                    <a:lstStyle/>
+                    <a:p>
+                      <a:pPr algn="ctr" fontAlgn="b"/>
+                      <a:r>
+                        <a:rPr lang="ko-KR" altLang="en-US" sz="1100" u="none" strike="noStrike" dirty="0">
+                          <a:solidFill>
+                            <a:schemeClr val="tx1">
+                              <a:lumMod val="85000"/>
+                              <a:lumOff val="15000"/>
+                            </a:schemeClr>
+                          </a:solidFill>
+                          <a:effectLst/>
+                        </a:rPr>
+                        <a:t>버그 </a:t>
+                      </a:r>
+                      <a:r>
+                        <a:rPr lang="ko-KR" altLang="en-US" sz="1100" u="none" strike="noStrike" dirty="0" err="1">
+                          <a:solidFill>
+                            <a:schemeClr val="tx1">
+                              <a:lumMod val="85000"/>
+                              <a:lumOff val="15000"/>
+                            </a:schemeClr>
+                          </a:solidFill>
+                          <a:effectLst/>
+                        </a:rPr>
+                        <a:t>픽스</a:t>
+                      </a:r>
+                      <a:endParaRPr lang="ko-KR" altLang="en-US" sz="1100" b="0" i="0" u="none" strike="noStrike" dirty="0">
+                        <a:solidFill>
+                          <a:schemeClr val="tx1">
+                            <a:lumMod val="85000"/>
+                            <a:lumOff val="15000"/>
+                          </a:schemeClr>
+                        </a:solidFill>
+                        <a:effectLst/>
+                        <a:latin typeface="맑은 고딕" panose="020B0503020000020004" pitchFamily="50" charset="-127"/>
+                        <a:ea typeface="맑은 고딕" panose="020B0503020000020004" pitchFamily="50" charset="-127"/>
+                      </a:endParaRPr>
+                    </a:p>
+                  </a:txBody>
+                  <a:tcPr marL="6757" marR="6757" marT="6757" marB="0" anchor="ctr">
+                    <a:solidFill>
+                      <a:srgbClr val="F8F9FA"/>
+                    </a:solidFill>
+                  </a:tcPr>
+                </a:tc>
+                <a:tc hMerge="1">
+                  <a:txBody>
+                    <a:bodyPr/>
+                    <a:lstStyle/>
+                    <a:p>
+                      <a:pPr latinLnBrk="1"/>
+                      <a:endParaRPr lang="ko-KR" altLang="en-US"/>
+                    </a:p>
+                  </a:txBody>
+                  <a:tcPr/>
+                </a:tc>
+                <a:tc hMerge="1">
+                  <a:txBody>
+                    <a:bodyPr/>
+                    <a:lstStyle/>
+                    <a:p>
+                      <a:pPr latinLnBrk="1"/>
+                      <a:endParaRPr lang="ko-KR" altLang="en-US"/>
+                    </a:p>
+                  </a:txBody>
+                  <a:tcPr/>
+                </a:tc>
+              </a:tr>
+              <a:tr h="195465">
+                <a:tc>
+                  <a:txBody>
+                    <a:bodyPr/>
+                    <a:lstStyle/>
+                    <a:p>
+                      <a:pPr algn="ctr" fontAlgn="b"/>
+                      <a:r>
+                        <a:rPr lang="en-US" altLang="ko-KR" sz="1100" u="none" strike="noStrike">
+                          <a:solidFill>
+                            <a:schemeClr val="tx1">
+                              <a:lumMod val="85000"/>
+                              <a:lumOff val="15000"/>
+                            </a:schemeClr>
+                          </a:solidFill>
+                          <a:effectLst/>
+                        </a:rPr>
+                        <a:t>5</a:t>
+                      </a:r>
+                      <a:r>
+                        <a:rPr lang="ko-KR" altLang="en-US" sz="1100" u="none" strike="noStrike">
+                          <a:solidFill>
+                            <a:schemeClr val="tx1">
+                              <a:lumMod val="85000"/>
+                              <a:lumOff val="15000"/>
+                            </a:schemeClr>
+                          </a:solidFill>
+                          <a:effectLst/>
+                        </a:rPr>
+                        <a:t>월 </a:t>
+                      </a:r>
+                      <a:r>
+                        <a:rPr lang="en-US" altLang="ko-KR" sz="1100" u="none" strike="noStrike">
+                          <a:solidFill>
+                            <a:schemeClr val="tx1">
+                              <a:lumMod val="85000"/>
+                              <a:lumOff val="15000"/>
+                            </a:schemeClr>
+                          </a:solidFill>
+                          <a:effectLst/>
+                        </a:rPr>
+                        <a:t>1</a:t>
+                      </a:r>
+                      <a:r>
+                        <a:rPr lang="ko-KR" altLang="en-US" sz="1100" u="none" strike="noStrike">
+                          <a:solidFill>
+                            <a:schemeClr val="tx1">
+                              <a:lumMod val="85000"/>
+                              <a:lumOff val="15000"/>
+                            </a:schemeClr>
+                          </a:solidFill>
+                          <a:effectLst/>
+                        </a:rPr>
+                        <a:t>일</a:t>
+                      </a:r>
+                      <a:endParaRPr lang="ko-KR" altLang="en-US" sz="1100" b="0" i="0" u="none" strike="noStrike">
+                        <a:solidFill>
+                          <a:schemeClr val="tx1">
+                            <a:lumMod val="85000"/>
+                            <a:lumOff val="15000"/>
+                          </a:schemeClr>
+                        </a:solidFill>
+                        <a:effectLst/>
+                        <a:latin typeface="맑은 고딕" panose="020B0503020000020004" pitchFamily="50" charset="-127"/>
+                        <a:ea typeface="맑은 고딕" panose="020B0503020000020004" pitchFamily="50" charset="-127"/>
+                      </a:endParaRPr>
+                    </a:p>
+                  </a:txBody>
+                  <a:tcPr marL="6757" marR="6757" marT="6757" marB="0" anchor="ctr">
+                    <a:solidFill>
+                      <a:srgbClr val="D7D7D7"/>
+                    </a:solidFill>
+                  </a:tcPr>
+                </a:tc>
+                <a:tc>
+                  <a:txBody>
+                    <a:bodyPr/>
+                    <a:lstStyle/>
+                    <a:p>
+                      <a:pPr algn="ctr" fontAlgn="b"/>
+                      <a:r>
+                        <a:rPr lang="ko-KR" altLang="en-US" sz="1100" u="none" strike="noStrike">
+                          <a:solidFill>
+                            <a:schemeClr val="tx1">
+                              <a:lumMod val="85000"/>
+                              <a:lumOff val="15000"/>
+                            </a:schemeClr>
+                          </a:solidFill>
+                          <a:effectLst/>
+                        </a:rPr>
+                        <a:t>수요일</a:t>
+                      </a:r>
+                      <a:endParaRPr lang="ko-KR" altLang="en-US" sz="1100" b="0" i="0" u="none" strike="noStrike">
+                        <a:solidFill>
+                          <a:schemeClr val="tx1">
+                            <a:lumMod val="85000"/>
+                            <a:lumOff val="15000"/>
+                          </a:schemeClr>
+                        </a:solidFill>
+                        <a:effectLst/>
+                        <a:latin typeface="맑은 고딕" panose="020B0503020000020004" pitchFamily="50" charset="-127"/>
+                        <a:ea typeface="맑은 고딕" panose="020B0503020000020004" pitchFamily="50" charset="-127"/>
+                      </a:endParaRPr>
+                    </a:p>
+                  </a:txBody>
+                  <a:tcPr marL="6757" marR="6757" marT="6757" marB="0" anchor="ctr">
+                    <a:solidFill>
+                      <a:srgbClr val="D7D7D7"/>
+                    </a:solidFill>
+                  </a:tcPr>
+                </a:tc>
+                <a:tc>
+                  <a:txBody>
+                    <a:bodyPr/>
+                    <a:lstStyle/>
+                    <a:p>
+                      <a:pPr algn="ctr" fontAlgn="b"/>
+                      <a:r>
+                        <a:rPr lang="ko-KR" altLang="en-US" sz="1100" u="none" strike="noStrike" dirty="0">
+                          <a:solidFill>
+                            <a:schemeClr val="tx1">
+                              <a:lumMod val="85000"/>
+                              <a:lumOff val="15000"/>
+                            </a:schemeClr>
+                          </a:solidFill>
+                          <a:effectLst/>
+                        </a:rPr>
+                        <a:t>완료 발표</a:t>
+                      </a:r>
+                      <a:endParaRPr lang="ko-KR" altLang="en-US" sz="1100" b="0" i="0" u="none" strike="noStrike" dirty="0">
+                        <a:solidFill>
+                          <a:schemeClr val="tx1">
+                            <a:lumMod val="85000"/>
+                            <a:lumOff val="15000"/>
+                          </a:schemeClr>
+                        </a:solidFill>
+                        <a:effectLst/>
+                        <a:latin typeface="맑은 고딕" panose="020B0503020000020004" pitchFamily="50" charset="-127"/>
+                        <a:ea typeface="맑은 고딕" panose="020B0503020000020004" pitchFamily="50" charset="-127"/>
+                      </a:endParaRPr>
+                    </a:p>
+                  </a:txBody>
+                  <a:tcPr marL="6757" marR="6757" marT="6757" marB="0" anchor="ctr">
+                    <a:solidFill>
+                      <a:srgbClr val="D7D7D7"/>
+                    </a:solidFill>
+                  </a:tcPr>
+                </a:tc>
+                <a:tc gridSpan="3">
+                  <a:txBody>
+                    <a:bodyPr/>
+                    <a:lstStyle/>
+                    <a:p>
+                      <a:pPr algn="ctr" fontAlgn="b"/>
+                      <a:r>
+                        <a:rPr lang="ko-KR" altLang="en-US" sz="1100" u="none" strike="noStrike" dirty="0">
+                          <a:solidFill>
+                            <a:schemeClr val="tx1">
+                              <a:lumMod val="85000"/>
+                              <a:lumOff val="15000"/>
+                            </a:schemeClr>
+                          </a:solidFill>
+                          <a:effectLst/>
+                        </a:rPr>
+                        <a:t>　</a:t>
+                      </a:r>
+                      <a:endParaRPr lang="ko-KR" altLang="en-US" sz="1100" b="0" i="0" u="none" strike="noStrike" dirty="0">
+                        <a:solidFill>
+                          <a:schemeClr val="tx1">
+                            <a:lumMod val="85000"/>
+                            <a:lumOff val="15000"/>
+                          </a:schemeClr>
+                        </a:solidFill>
+                        <a:effectLst/>
+                        <a:latin typeface="맑은 고딕" panose="020B0503020000020004" pitchFamily="50" charset="-127"/>
+                        <a:ea typeface="맑은 고딕" panose="020B0503020000020004" pitchFamily="50" charset="-127"/>
+                      </a:endParaRPr>
+                    </a:p>
+                  </a:txBody>
+                  <a:tcPr marL="6757" marR="6757" marT="6757" marB="0" anchor="ctr">
+                    <a:solidFill>
+                      <a:srgbClr val="F8F9FA"/>
+                    </a:solidFill>
+                  </a:tcPr>
+                </a:tc>
+                <a:tc hMerge="1">
+                  <a:txBody>
+                    <a:bodyPr/>
+                    <a:lstStyle/>
+                    <a:p>
+                      <a:pPr latinLnBrk="1"/>
+                      <a:endParaRPr lang="ko-KR" altLang="en-US"/>
+                    </a:p>
+                  </a:txBody>
+                  <a:tcPr/>
+                </a:tc>
+                <a:tc hMerge="1">
+                  <a:txBody>
+                    <a:bodyPr/>
+                    <a:lstStyle/>
+                    <a:p>
+                      <a:pPr latinLnBrk="1"/>
+                      <a:endParaRPr lang="ko-KR" altLang="en-US"/>
+                    </a:p>
+                  </a:txBody>
+                  <a:tcPr/>
+                </a:tc>
+              </a:tr>
             </a:tbl>
           </a:graphicData>
         </a:graphic>
       </p:graphicFrame>
-      <p:sp>
-        <p:nvSpPr>
-          <p:cNvPr id="9" name="직사각형 8"/>
-          <p:cNvSpPr/>
-          <p:nvPr/>
-        </p:nvSpPr>
-        <p:spPr>
-          <a:xfrm>
-            <a:off x="241299" y="909434"/>
-            <a:ext cx="11741695" cy="396852"/>
-          </a:xfrm>
-          <a:prstGeom prst="rect">
-            <a:avLst/>
-          </a:prstGeom>
-          <a:solidFill>
-            <a:srgbClr val="F8F9FA"/>
-          </a:solidFill>
-          <a:ln w="3175">
-            <a:noFill/>
-            <a:prstDash val="dash"/>
-          </a:ln>
-        </p:spPr>
-        <p:style>
-          <a:lnRef idx="2">
-            <a:schemeClr val="accent1">
-              <a:shade val="50000"/>
-            </a:schemeClr>
-          </a:lnRef>
-          <a:fillRef idx="1">
-            <a:schemeClr val="accent1"/>
-          </a:fillRef>
-          <a:effectRef idx="0">
-            <a:schemeClr val="accent1"/>
-          </a:effectRef>
-          <a:fontRef idx="minor">
-            <a:schemeClr val="lt1"/>
-          </a:fontRef>
-        </p:style>
-        <p:txBody>
-          <a:bodyPr rtlCol="0" anchor="ctr"/>
-          <a:lstStyle/>
-          <a:p>
-            <a:r>
-              <a:rPr lang="ko-KR" altLang="en-US" b="1" dirty="0" smtClean="0">
-                <a:solidFill>
-                  <a:schemeClr val="tx1">
-                    <a:lumMod val="85000"/>
-                    <a:lumOff val="15000"/>
-                  </a:schemeClr>
-                </a:solidFill>
-              </a:rPr>
-              <a:t>프로젝트 범위</a:t>
-            </a:r>
-            <a:endParaRPr lang="ko-KR" altLang="en-US" dirty="0" smtClean="0">
-              <a:solidFill>
-                <a:schemeClr val="tx1">
-                  <a:lumMod val="85000"/>
-                  <a:lumOff val="15000"/>
-                </a:schemeClr>
-              </a:solidFill>
-              <a:latin typeface="나눔고딕" panose="020D0604000000000000" pitchFamily="50" charset="-127"/>
-              <a:ea typeface="나눔고딕" panose="020D0604000000000000" pitchFamily="50" charset="-127"/>
-            </a:endParaRPr>
-          </a:p>
-        </p:txBody>
-      </p:sp>
-      <p:sp>
-        <p:nvSpPr>
-          <p:cNvPr id="10" name="직사각형 9"/>
-          <p:cNvSpPr/>
-          <p:nvPr/>
-        </p:nvSpPr>
-        <p:spPr>
-          <a:xfrm>
-            <a:off x="241299" y="3417503"/>
-            <a:ext cx="11741695" cy="396852"/>
-          </a:xfrm>
-          <a:prstGeom prst="rect">
-            <a:avLst/>
-          </a:prstGeom>
-          <a:solidFill>
-            <a:srgbClr val="F8F9FA"/>
-          </a:solidFill>
-          <a:ln w="3175">
-            <a:noFill/>
-            <a:prstDash val="dash"/>
-          </a:ln>
-        </p:spPr>
-        <p:style>
-          <a:lnRef idx="2">
-            <a:schemeClr val="accent1">
-              <a:shade val="50000"/>
-            </a:schemeClr>
-          </a:lnRef>
-          <a:fillRef idx="1">
-            <a:schemeClr val="accent1"/>
-          </a:fillRef>
-          <a:effectRef idx="0">
-            <a:schemeClr val="accent1"/>
-          </a:effectRef>
-          <a:fontRef idx="minor">
-            <a:schemeClr val="lt1"/>
-          </a:fontRef>
-        </p:style>
-        <p:txBody>
-          <a:bodyPr rtlCol="0" anchor="ctr"/>
-          <a:lstStyle/>
-          <a:p>
-            <a:r>
-              <a:rPr lang="ko-KR" altLang="en-US" b="1" dirty="0" smtClean="0">
-                <a:solidFill>
-                  <a:schemeClr val="tx1">
-                    <a:lumMod val="85000"/>
-                    <a:lumOff val="15000"/>
-                  </a:schemeClr>
-                </a:solidFill>
-              </a:rPr>
-              <a:t>프로젝트 일정</a:t>
-            </a:r>
-            <a:endParaRPr lang="ko-KR" altLang="en-US" dirty="0" smtClean="0">
-              <a:solidFill>
-                <a:schemeClr val="tx1">
-                  <a:lumMod val="85000"/>
-                  <a:lumOff val="15000"/>
-                </a:schemeClr>
-              </a:solidFill>
-              <a:latin typeface="나눔고딕" panose="020D0604000000000000" pitchFamily="50" charset="-127"/>
-              <a:ea typeface="나눔고딕" panose="020D0604000000000000" pitchFamily="50" charset="-127"/>
-            </a:endParaRPr>
-          </a:p>
-        </p:txBody>
-      </p:sp>
-      <p:sp>
-        <p:nvSpPr>
-          <p:cNvPr id="18" name="직사각형 17"/>
-          <p:cNvSpPr/>
-          <p:nvPr/>
-        </p:nvSpPr>
-        <p:spPr>
-          <a:xfrm>
-            <a:off x="7712674" y="4504785"/>
-            <a:ext cx="3833091" cy="258617"/>
-          </a:xfrm>
-          <a:prstGeom prst="rect">
-            <a:avLst/>
-          </a:prstGeom>
-          <a:solidFill>
-            <a:schemeClr val="tx1">
-              <a:alpha val="34000"/>
-            </a:schemeClr>
-          </a:solidFill>
-          <a:ln>
-            <a:noFill/>
-          </a:ln>
-        </p:spPr>
-        <p:style>
-          <a:lnRef idx="2">
-            <a:schemeClr val="accent1">
-              <a:shade val="50000"/>
-            </a:schemeClr>
-          </a:lnRef>
-          <a:fillRef idx="1">
-            <a:schemeClr val="accent1"/>
-          </a:fillRef>
-          <a:effectRef idx="0">
-            <a:schemeClr val="accent1"/>
-          </a:effectRef>
-          <a:fontRef idx="minor">
-            <a:schemeClr val="lt1"/>
-          </a:fontRef>
-        </p:style>
-        <p:txBody>
-          <a:bodyPr rtlCol="0" anchor="ctr"/>
-          <a:lstStyle/>
-          <a:p>
-            <a:pPr algn="ctr"/>
-            <a:r>
-              <a:rPr lang="ko-KR" altLang="en-US" sz="1400" dirty="0" err="1" smtClean="0"/>
-              <a:t>멘토링</a:t>
-            </a:r>
-            <a:endParaRPr lang="ko-KR" altLang="en-US" sz="1400" dirty="0"/>
-          </a:p>
-        </p:txBody>
-      </p:sp>
-      <p:sp>
-        <p:nvSpPr>
-          <p:cNvPr id="19" name="직사각형 18"/>
-          <p:cNvSpPr/>
-          <p:nvPr/>
-        </p:nvSpPr>
-        <p:spPr>
-          <a:xfrm>
-            <a:off x="780628" y="4486552"/>
-            <a:ext cx="4052273" cy="258617"/>
-          </a:xfrm>
-          <a:prstGeom prst="rect">
-            <a:avLst/>
-          </a:prstGeom>
-          <a:solidFill>
-            <a:srgbClr val="C00000">
-              <a:alpha val="34000"/>
-            </a:srgbClr>
-          </a:solidFill>
-          <a:ln>
-            <a:noFill/>
-          </a:ln>
-        </p:spPr>
-        <p:style>
-          <a:lnRef idx="2">
-            <a:schemeClr val="accent1">
-              <a:shade val="50000"/>
-            </a:schemeClr>
-          </a:lnRef>
-          <a:fillRef idx="1">
-            <a:schemeClr val="accent1"/>
-          </a:fillRef>
-          <a:effectRef idx="0">
-            <a:schemeClr val="accent1"/>
-          </a:effectRef>
-          <a:fontRef idx="minor">
-            <a:schemeClr val="lt1"/>
-          </a:fontRef>
-        </p:style>
-        <p:txBody>
-          <a:bodyPr rtlCol="0" anchor="ctr"/>
-          <a:lstStyle/>
-          <a:p>
-            <a:pPr algn="ctr"/>
-            <a:r>
-              <a:rPr lang="ko-KR" altLang="en-US" sz="1400" dirty="0" smtClean="0">
-                <a:solidFill>
-                  <a:schemeClr val="tx1">
-                    <a:lumMod val="85000"/>
-                    <a:lumOff val="15000"/>
-                  </a:schemeClr>
-                </a:solidFill>
-              </a:rPr>
-              <a:t>기획</a:t>
-            </a:r>
-            <a:endParaRPr lang="ko-KR" altLang="en-US" sz="1400" dirty="0">
-              <a:solidFill>
-                <a:schemeClr val="tx1">
-                  <a:lumMod val="85000"/>
-                  <a:lumOff val="15000"/>
-                </a:schemeClr>
-              </a:solidFill>
-            </a:endParaRPr>
-          </a:p>
-        </p:txBody>
-      </p:sp>
-      <p:sp>
-        <p:nvSpPr>
-          <p:cNvPr id="20" name="직사각형 19"/>
-          <p:cNvSpPr/>
-          <p:nvPr/>
-        </p:nvSpPr>
-        <p:spPr>
-          <a:xfrm>
-            <a:off x="780627" y="4955178"/>
-            <a:ext cx="4052273" cy="258617"/>
-          </a:xfrm>
-          <a:prstGeom prst="rect">
-            <a:avLst/>
-          </a:prstGeom>
-          <a:solidFill>
-            <a:srgbClr val="C00000">
-              <a:alpha val="34000"/>
-            </a:srgbClr>
-          </a:solidFill>
-          <a:ln>
-            <a:noFill/>
-          </a:ln>
-        </p:spPr>
-        <p:style>
-          <a:lnRef idx="2">
-            <a:schemeClr val="accent1">
-              <a:shade val="50000"/>
-            </a:schemeClr>
-          </a:lnRef>
-          <a:fillRef idx="1">
-            <a:schemeClr val="accent1"/>
-          </a:fillRef>
-          <a:effectRef idx="0">
-            <a:schemeClr val="accent1"/>
-          </a:effectRef>
-          <a:fontRef idx="minor">
-            <a:schemeClr val="lt1"/>
-          </a:fontRef>
-        </p:style>
-        <p:txBody>
-          <a:bodyPr rtlCol="0" anchor="ctr"/>
-          <a:lstStyle/>
-          <a:p>
-            <a:pPr algn="ctr"/>
-            <a:r>
-              <a:rPr lang="ko-KR" altLang="en-US" sz="1400" smtClean="0">
-                <a:solidFill>
-                  <a:schemeClr val="tx1">
-                    <a:lumMod val="85000"/>
-                    <a:lumOff val="15000"/>
-                  </a:schemeClr>
-                </a:solidFill>
-              </a:rPr>
-              <a:t>개별 기능 구현</a:t>
-            </a:r>
-            <a:endParaRPr lang="ko-KR" altLang="en-US" sz="1400" dirty="0">
-              <a:solidFill>
-                <a:schemeClr val="tx1">
-                  <a:lumMod val="85000"/>
-                  <a:lumOff val="15000"/>
-                </a:schemeClr>
-              </a:solidFill>
-            </a:endParaRPr>
-          </a:p>
-        </p:txBody>
-      </p:sp>
-      <p:sp>
-        <p:nvSpPr>
-          <p:cNvPr id="21" name="직사각형 20"/>
-          <p:cNvSpPr/>
-          <p:nvPr/>
-        </p:nvSpPr>
-        <p:spPr>
-          <a:xfrm>
-            <a:off x="7712675" y="4955178"/>
-            <a:ext cx="3833091" cy="258617"/>
-          </a:xfrm>
-          <a:prstGeom prst="rect">
-            <a:avLst/>
-          </a:prstGeom>
-          <a:solidFill>
-            <a:srgbClr val="C00000">
-              <a:alpha val="34000"/>
-            </a:srgbClr>
-          </a:solidFill>
-          <a:ln>
-            <a:noFill/>
-          </a:ln>
-        </p:spPr>
-        <p:style>
-          <a:lnRef idx="2">
-            <a:schemeClr val="accent1">
-              <a:shade val="50000"/>
-            </a:schemeClr>
-          </a:lnRef>
-          <a:fillRef idx="1">
-            <a:schemeClr val="accent1"/>
-          </a:fillRef>
-          <a:effectRef idx="0">
-            <a:schemeClr val="accent1"/>
-          </a:effectRef>
-          <a:fontRef idx="minor">
-            <a:schemeClr val="lt1"/>
-          </a:fontRef>
-        </p:style>
-        <p:txBody>
-          <a:bodyPr rtlCol="0" anchor="ctr"/>
-          <a:lstStyle/>
-          <a:p>
-            <a:pPr algn="ctr"/>
-            <a:r>
-              <a:rPr lang="ko-KR" altLang="en-US" sz="1400" smtClean="0">
-                <a:solidFill>
-                  <a:schemeClr val="tx1">
-                    <a:lumMod val="85000"/>
-                    <a:lumOff val="15000"/>
-                  </a:schemeClr>
-                </a:solidFill>
-              </a:rPr>
-              <a:t>개별 기능 구현</a:t>
-            </a:r>
-            <a:endParaRPr lang="ko-KR" altLang="en-US" sz="1400" dirty="0">
-              <a:solidFill>
-                <a:schemeClr val="tx1">
-                  <a:lumMod val="85000"/>
-                  <a:lumOff val="15000"/>
-                </a:schemeClr>
-              </a:solidFill>
-            </a:endParaRPr>
-          </a:p>
-        </p:txBody>
-      </p:sp>
-      <p:sp>
-        <p:nvSpPr>
-          <p:cNvPr id="22" name="직사각형 21"/>
-          <p:cNvSpPr/>
-          <p:nvPr/>
-        </p:nvSpPr>
-        <p:spPr>
-          <a:xfrm>
-            <a:off x="780628" y="5417366"/>
-            <a:ext cx="10765137" cy="258617"/>
-          </a:xfrm>
-          <a:prstGeom prst="rect">
-            <a:avLst/>
-          </a:prstGeom>
-          <a:solidFill>
-            <a:srgbClr val="C00000">
-              <a:alpha val="34000"/>
-            </a:srgbClr>
-          </a:solidFill>
-          <a:ln>
-            <a:noFill/>
-          </a:ln>
-        </p:spPr>
-        <p:style>
-          <a:lnRef idx="2">
-            <a:schemeClr val="accent1">
-              <a:shade val="50000"/>
-            </a:schemeClr>
-          </a:lnRef>
-          <a:fillRef idx="1">
-            <a:schemeClr val="accent1"/>
-          </a:fillRef>
-          <a:effectRef idx="0">
-            <a:schemeClr val="accent1"/>
-          </a:effectRef>
-          <a:fontRef idx="minor">
-            <a:schemeClr val="lt1"/>
-          </a:fontRef>
-        </p:style>
-        <p:txBody>
-          <a:bodyPr rtlCol="0" anchor="ctr"/>
-          <a:lstStyle/>
-          <a:p>
-            <a:pPr algn="ctr"/>
-            <a:r>
-              <a:rPr lang="ko-KR" altLang="en-US" sz="1400" smtClean="0">
-                <a:solidFill>
-                  <a:schemeClr val="tx1">
-                    <a:lumMod val="85000"/>
-                    <a:lumOff val="15000"/>
-                  </a:schemeClr>
-                </a:solidFill>
-              </a:rPr>
-              <a:t>개별 기능 구현</a:t>
-            </a:r>
-            <a:endParaRPr lang="ko-KR" altLang="en-US" sz="1400" dirty="0">
-              <a:solidFill>
-                <a:schemeClr val="tx1">
-                  <a:lumMod val="85000"/>
-                  <a:lumOff val="15000"/>
-                </a:schemeClr>
-              </a:solidFill>
-            </a:endParaRPr>
-          </a:p>
-        </p:txBody>
-      </p:sp>
-      <p:sp>
-        <p:nvSpPr>
-          <p:cNvPr id="23" name="직사각형 22"/>
-          <p:cNvSpPr/>
-          <p:nvPr/>
-        </p:nvSpPr>
-        <p:spPr>
-          <a:xfrm>
-            <a:off x="780628" y="5867759"/>
-            <a:ext cx="10765137" cy="258617"/>
-          </a:xfrm>
-          <a:prstGeom prst="rect">
-            <a:avLst/>
-          </a:prstGeom>
-          <a:solidFill>
-            <a:srgbClr val="C00000">
-              <a:alpha val="34000"/>
-            </a:srgbClr>
-          </a:solidFill>
-          <a:ln>
-            <a:noFill/>
-          </a:ln>
-        </p:spPr>
-        <p:style>
-          <a:lnRef idx="2">
-            <a:schemeClr val="accent1">
-              <a:shade val="50000"/>
-            </a:schemeClr>
-          </a:lnRef>
-          <a:fillRef idx="1">
-            <a:schemeClr val="accent1"/>
-          </a:fillRef>
-          <a:effectRef idx="0">
-            <a:schemeClr val="accent1"/>
-          </a:effectRef>
-          <a:fontRef idx="minor">
-            <a:schemeClr val="lt1"/>
-          </a:fontRef>
-        </p:style>
-        <p:txBody>
-          <a:bodyPr rtlCol="0" anchor="ctr"/>
-          <a:lstStyle/>
-          <a:p>
-            <a:pPr algn="ctr"/>
-            <a:r>
-              <a:rPr lang="ko-KR" altLang="en-US" sz="1400" smtClean="0">
-                <a:solidFill>
-                  <a:schemeClr val="tx1">
-                    <a:lumMod val="85000"/>
-                    <a:lumOff val="15000"/>
-                  </a:schemeClr>
-                </a:solidFill>
-              </a:rPr>
-              <a:t>통합</a:t>
-            </a:r>
-            <a:endParaRPr lang="ko-KR" altLang="en-US" sz="1400" dirty="0">
-              <a:solidFill>
-                <a:schemeClr val="tx1">
-                  <a:lumMod val="85000"/>
-                  <a:lumOff val="15000"/>
-                </a:schemeClr>
-              </a:solidFill>
-            </a:endParaRPr>
-          </a:p>
-        </p:txBody>
-      </p:sp>
-      <p:sp>
-        <p:nvSpPr>
-          <p:cNvPr id="24" name="직사각형 23"/>
-          <p:cNvSpPr/>
-          <p:nvPr/>
-        </p:nvSpPr>
-        <p:spPr>
-          <a:xfrm>
-            <a:off x="780629" y="6296530"/>
-            <a:ext cx="6431829" cy="258617"/>
-          </a:xfrm>
-          <a:prstGeom prst="rect">
-            <a:avLst/>
-          </a:prstGeom>
-          <a:solidFill>
-            <a:srgbClr val="C00000">
-              <a:alpha val="34000"/>
-            </a:srgbClr>
-          </a:solidFill>
-          <a:ln>
-            <a:noFill/>
-          </a:ln>
-        </p:spPr>
-        <p:style>
-          <a:lnRef idx="2">
-            <a:schemeClr val="accent1">
-              <a:shade val="50000"/>
-            </a:schemeClr>
-          </a:lnRef>
-          <a:fillRef idx="1">
-            <a:schemeClr val="accent1"/>
-          </a:fillRef>
-          <a:effectRef idx="0">
-            <a:schemeClr val="accent1"/>
-          </a:effectRef>
-          <a:fontRef idx="minor">
-            <a:schemeClr val="lt1"/>
-          </a:fontRef>
-        </p:style>
-        <p:txBody>
-          <a:bodyPr rtlCol="0" anchor="ctr"/>
-          <a:lstStyle/>
-          <a:p>
-            <a:pPr algn="ctr"/>
-            <a:r>
-              <a:rPr lang="ko-KR" altLang="en-US" sz="1400" dirty="0" smtClean="0">
-                <a:solidFill>
-                  <a:schemeClr val="tx1">
-                    <a:lumMod val="85000"/>
-                    <a:lumOff val="15000"/>
-                  </a:schemeClr>
-                </a:solidFill>
-              </a:rPr>
-              <a:t>배포</a:t>
-            </a:r>
-            <a:endParaRPr lang="ko-KR" altLang="en-US" sz="1400" dirty="0">
-              <a:solidFill>
-                <a:schemeClr val="tx1">
-                  <a:lumMod val="85000"/>
-                  <a:lumOff val="15000"/>
-                </a:schemeClr>
-              </a:solidFill>
-            </a:endParaRPr>
-          </a:p>
-        </p:txBody>
-      </p:sp>
-      <p:sp>
-        <p:nvSpPr>
-          <p:cNvPr id="26" name="오른쪽 화살표 25"/>
-          <p:cNvSpPr/>
-          <p:nvPr/>
-        </p:nvSpPr>
-        <p:spPr>
-          <a:xfrm>
-            <a:off x="657262" y="1581377"/>
-            <a:ext cx="2568539" cy="1500027"/>
-          </a:xfrm>
-          <a:prstGeom prst="rightArrow">
-            <a:avLst/>
-          </a:prstGeom>
-        </p:spPr>
-        <p:style>
-          <a:lnRef idx="2">
-            <a:schemeClr val="accent3">
-              <a:shade val="50000"/>
-            </a:schemeClr>
-          </a:lnRef>
-          <a:fillRef idx="1">
-            <a:schemeClr val="accent3"/>
-          </a:fillRef>
-          <a:effectRef idx="0">
-            <a:schemeClr val="accent3"/>
-          </a:effectRef>
-          <a:fontRef idx="minor">
-            <a:schemeClr val="lt1"/>
-          </a:fontRef>
-        </p:style>
-        <p:txBody>
-          <a:bodyPr rtlCol="0" anchor="ctr"/>
-          <a:lstStyle/>
-          <a:p>
-            <a:pPr algn="ctr"/>
-            <a:r>
-              <a:rPr lang="ko-KR" altLang="en-US" dirty="0" smtClean="0"/>
-              <a:t>업데이트 필요</a:t>
-            </a:r>
-            <a:endParaRPr lang="ko-KR" altLang="en-US" dirty="0"/>
-          </a:p>
-        </p:txBody>
-      </p:sp>
     </p:spTree>
     <p:extLst>
       <p:ext uri="{BB962C8B-B14F-4D97-AF65-F5344CB8AC3E}">
